--- a/Präst_Profitabilität.pptx
+++ b/Präst_Profitabilität.pptx
@@ -5,12 +5,17 @@
     <p:sldMasterId id="2147483648" r:id="rId1"/>
   </p:sldMasterIdLst>
   <p:notesMasterIdLst>
-    <p:notesMasterId r:id="rId5"/>
+    <p:notesMasterId r:id="rId10"/>
   </p:notesMasterIdLst>
   <p:sldIdLst>
     <p:sldId id="256" r:id="rId2"/>
     <p:sldId id="257" r:id="rId3"/>
-    <p:sldId id="258" r:id="rId4"/>
+    <p:sldId id="260" r:id="rId4"/>
+    <p:sldId id="259" r:id="rId5"/>
+    <p:sldId id="258" r:id="rId6"/>
+    <p:sldId id="261" r:id="rId7"/>
+    <p:sldId id="262" r:id="rId8"/>
+    <p:sldId id="263" r:id="rId9"/>
   </p:sldIdLst>
   <p:sldSz cx="12192000" cy="6858000"/>
   <p:notesSz cx="6858000" cy="9144000"/>
@@ -210,7 +215,7 @@
           <a:p>
             <a:fld id="{593314B5-2FCF-483F-B2EB-DCD60B0E7E70}" type="datetimeFigureOut">
               <a:rPr lang="de-DE" smtClean="0"/>
-              <a:t>15.06.2024</a:t>
+              <a:t>24.06.2024</a:t>
             </a:fld>
             <a:endParaRPr lang="de-DE"/>
           </a:p>
@@ -711,7 +716,7 @@
           <a:p>
             <a:fld id="{5441224E-E05C-42C5-B69F-B06ED52F678F}" type="datetime1">
               <a:rPr lang="de-DE" smtClean="0"/>
-              <a:t>15.06.2024</a:t>
+              <a:t>24.06.2024</a:t>
             </a:fld>
             <a:endParaRPr lang="de-DE"/>
           </a:p>
@@ -783,12 +788,12 @@
   </p:clrMapOvr>
   <mc:AlternateContent xmlns:mc="http://schemas.openxmlformats.org/markup-compatibility/2006">
     <mc:Choice xmlns:p159="http://schemas.microsoft.com/office/powerpoint/2015/09/main" Requires="p159">
-      <p:transition spd="slow">
+      <p:transition spd="med">
         <p159:morph option="byObject"/>
       </p:transition>
     </mc:Choice>
     <mc:Fallback>
-      <p:transition spd="slow">
+      <p:transition spd="med">
         <p:fade/>
       </p:transition>
     </mc:Fallback>
@@ -923,7 +928,7 @@
           <a:p>
             <a:fld id="{70A096A8-B557-49BA-9710-89D192A9B09F}" type="datetime1">
               <a:rPr lang="de-DE" smtClean="0"/>
-              <a:t>15.06.2024</a:t>
+              <a:t>24.06.2024</a:t>
             </a:fld>
             <a:endParaRPr lang="de-DE"/>
           </a:p>
@@ -995,12 +1000,12 @@
   </p:clrMapOvr>
   <mc:AlternateContent xmlns:mc="http://schemas.openxmlformats.org/markup-compatibility/2006">
     <mc:Choice xmlns:p159="http://schemas.microsoft.com/office/powerpoint/2015/09/main" Requires="p159">
-      <p:transition spd="slow">
+      <p:transition spd="med">
         <p159:morph option="byObject"/>
       </p:transition>
     </mc:Choice>
     <mc:Fallback>
-      <p:transition spd="slow">
+      <p:transition spd="med">
         <p:fade/>
       </p:transition>
     </mc:Fallback>
@@ -1145,7 +1150,7 @@
           <a:p>
             <a:fld id="{A77BC468-2670-4A7A-830F-82D9EF02AA5C}" type="datetime1">
               <a:rPr lang="de-DE" smtClean="0"/>
-              <a:t>15.06.2024</a:t>
+              <a:t>24.06.2024</a:t>
             </a:fld>
             <a:endParaRPr lang="de-DE"/>
           </a:p>
@@ -1217,12 +1222,12 @@
   </p:clrMapOvr>
   <mc:AlternateContent xmlns:mc="http://schemas.openxmlformats.org/markup-compatibility/2006">
     <mc:Choice xmlns:p159="http://schemas.microsoft.com/office/powerpoint/2015/09/main" Requires="p159">
-      <p:transition spd="slow">
+      <p:transition spd="med">
         <p159:morph option="byObject"/>
       </p:transition>
     </mc:Choice>
     <mc:Fallback>
-      <p:transition spd="slow">
+      <p:transition spd="med">
         <p:fade/>
       </p:transition>
     </mc:Fallback>
@@ -1357,7 +1362,7 @@
           <a:p>
             <a:fld id="{EF445253-0144-4D9B-876D-54C1E879B354}" type="datetime1">
               <a:rPr lang="de-DE" smtClean="0"/>
-              <a:t>15.06.2024</a:t>
+              <a:t>24.06.2024</a:t>
             </a:fld>
             <a:endParaRPr lang="de-DE"/>
           </a:p>
@@ -1429,12 +1434,12 @@
   </p:clrMapOvr>
   <mc:AlternateContent xmlns:mc="http://schemas.openxmlformats.org/markup-compatibility/2006">
     <mc:Choice xmlns:p159="http://schemas.microsoft.com/office/powerpoint/2015/09/main" Requires="p159">
-      <p:transition spd="slow">
+      <p:transition spd="med">
         <p159:morph option="byObject"/>
       </p:transition>
     </mc:Choice>
     <mc:Fallback>
-      <p:transition spd="slow">
+      <p:transition spd="med">
         <p:fade/>
       </p:transition>
     </mc:Fallback>
@@ -1645,7 +1650,7 @@
           <a:p>
             <a:fld id="{29DC5817-2A04-427E-8D2B-56E3B2E8259E}" type="datetime1">
               <a:rPr lang="de-DE" smtClean="0"/>
-              <a:t>15.06.2024</a:t>
+              <a:t>24.06.2024</a:t>
             </a:fld>
             <a:endParaRPr lang="de-DE"/>
           </a:p>
@@ -1717,12 +1722,12 @@
   </p:clrMapOvr>
   <mc:AlternateContent xmlns:mc="http://schemas.openxmlformats.org/markup-compatibility/2006">
     <mc:Choice xmlns:p159="http://schemas.microsoft.com/office/powerpoint/2015/09/main" Requires="p159">
-      <p:transition spd="slow">
+      <p:transition spd="med">
         <p159:morph option="byObject"/>
       </p:transition>
     </mc:Choice>
     <mc:Fallback>
-      <p:transition spd="slow">
+      <p:transition spd="med">
         <p:fade/>
       </p:transition>
     </mc:Fallback>
@@ -1925,7 +1930,7 @@
           <a:p>
             <a:fld id="{60343A61-BF34-4069-8098-2267A30B2D79}" type="datetime1">
               <a:rPr lang="de-DE" smtClean="0"/>
-              <a:t>15.06.2024</a:t>
+              <a:t>24.06.2024</a:t>
             </a:fld>
             <a:endParaRPr lang="de-DE"/>
           </a:p>
@@ -1997,12 +2002,12 @@
   </p:clrMapOvr>
   <mc:AlternateContent xmlns:mc="http://schemas.openxmlformats.org/markup-compatibility/2006">
     <mc:Choice xmlns:p159="http://schemas.microsoft.com/office/powerpoint/2015/09/main" Requires="p159">
-      <p:transition spd="slow">
+      <p:transition spd="med">
         <p159:morph option="byObject"/>
       </p:transition>
     </mc:Choice>
     <mc:Fallback>
-      <p:transition spd="slow">
+      <p:transition spd="med">
         <p:fade/>
       </p:transition>
     </mc:Fallback>
@@ -2352,7 +2357,7 @@
           <a:p>
             <a:fld id="{D2B68223-6623-47AD-835A-C255625ADF5A}" type="datetime1">
               <a:rPr lang="de-DE" smtClean="0"/>
-              <a:t>15.06.2024</a:t>
+              <a:t>24.06.2024</a:t>
             </a:fld>
             <a:endParaRPr lang="de-DE"/>
           </a:p>
@@ -2424,12 +2429,12 @@
   </p:clrMapOvr>
   <mc:AlternateContent xmlns:mc="http://schemas.openxmlformats.org/markup-compatibility/2006">
     <mc:Choice xmlns:p159="http://schemas.microsoft.com/office/powerpoint/2015/09/main" Requires="p159">
-      <p:transition spd="slow">
+      <p:transition spd="med">
         <p159:morph option="byObject"/>
       </p:transition>
     </mc:Choice>
     <mc:Fallback>
-      <p:transition spd="slow">
+      <p:transition spd="med">
         <p:fade/>
       </p:transition>
     </mc:Fallback>
@@ -2506,7 +2511,7 @@
           <a:p>
             <a:fld id="{BA2DF716-6962-4E3F-834E-B717EEE62C15}" type="datetime1">
               <a:rPr lang="de-DE" smtClean="0"/>
-              <a:t>15.06.2024</a:t>
+              <a:t>24.06.2024</a:t>
             </a:fld>
             <a:endParaRPr lang="de-DE"/>
           </a:p>
@@ -2578,12 +2583,12 @@
   </p:clrMapOvr>
   <mc:AlternateContent xmlns:mc="http://schemas.openxmlformats.org/markup-compatibility/2006">
     <mc:Choice xmlns:p159="http://schemas.microsoft.com/office/powerpoint/2015/09/main" Requires="p159">
-      <p:transition spd="slow">
+      <p:transition spd="med">
         <p159:morph option="byObject"/>
       </p:transition>
     </mc:Choice>
     <mc:Fallback>
-      <p:transition spd="slow">
+      <p:transition spd="med">
         <p:fade/>
       </p:transition>
     </mc:Fallback>
@@ -2631,7 +2636,7 @@
           <a:p>
             <a:fld id="{E47175F7-F6A7-4FC8-9EBC-A155FB89F740}" type="datetime1">
               <a:rPr lang="de-DE" smtClean="0"/>
-              <a:t>15.06.2024</a:t>
+              <a:t>24.06.2024</a:t>
             </a:fld>
             <a:endParaRPr lang="de-DE"/>
           </a:p>
@@ -2703,12 +2708,12 @@
   </p:clrMapOvr>
   <mc:AlternateContent xmlns:mc="http://schemas.openxmlformats.org/markup-compatibility/2006">
     <mc:Choice xmlns:p159="http://schemas.microsoft.com/office/powerpoint/2015/09/main" Requires="p159">
-      <p:transition spd="slow">
+      <p:transition spd="med">
         <p159:morph option="byObject"/>
       </p:transition>
     </mc:Choice>
     <mc:Fallback>
-      <p:transition spd="slow">
+      <p:transition spd="med">
         <p:fade/>
       </p:transition>
     </mc:Fallback>
@@ -2956,7 +2961,7 @@
           <a:p>
             <a:fld id="{EF554AAC-E116-4158-9773-2D04037D52EE}" type="datetime1">
               <a:rPr lang="de-DE" smtClean="0"/>
-              <a:t>15.06.2024</a:t>
+              <a:t>24.06.2024</a:t>
             </a:fld>
             <a:endParaRPr lang="de-DE"/>
           </a:p>
@@ -3028,12 +3033,12 @@
   </p:clrMapOvr>
   <mc:AlternateContent xmlns:mc="http://schemas.openxmlformats.org/markup-compatibility/2006">
     <mc:Choice xmlns:p159="http://schemas.microsoft.com/office/powerpoint/2015/09/main" Requires="p159">
-      <p:transition spd="slow">
+      <p:transition spd="med">
         <p159:morph option="byObject"/>
       </p:transition>
     </mc:Choice>
     <mc:Fallback>
-      <p:transition spd="slow">
+      <p:transition spd="med">
         <p:fade/>
       </p:transition>
     </mc:Fallback>
@@ -3257,7 +3262,7 @@
           <a:p>
             <a:fld id="{B00FD506-1759-4F4D-81E5-F157A0CB8992}" type="datetime1">
               <a:rPr lang="de-DE" smtClean="0"/>
-              <a:t>15.06.2024</a:t>
+              <a:t>24.06.2024</a:t>
             </a:fld>
             <a:endParaRPr lang="de-DE"/>
           </a:p>
@@ -3329,12 +3334,12 @@
   </p:clrMapOvr>
   <mc:AlternateContent xmlns:mc="http://schemas.openxmlformats.org/markup-compatibility/2006">
     <mc:Choice xmlns:p159="http://schemas.microsoft.com/office/powerpoint/2015/09/main" Requires="p159">
-      <p:transition spd="slow">
+      <p:transition spd="med">
         <p159:morph option="byObject"/>
       </p:transition>
     </mc:Choice>
     <mc:Fallback>
-      <p:transition spd="slow">
+      <p:transition spd="med">
         <p:fade/>
       </p:transition>
     </mc:Fallback>
@@ -3512,7 +3517,7 @@
           <a:p>
             <a:fld id="{C1C42CFD-A09D-4DBF-AAF6-9ED6681A4CC6}" type="datetime1">
               <a:rPr lang="de-DE" smtClean="0"/>
-              <a:t>15.06.2024</a:t>
+              <a:t>24.06.2024</a:t>
             </a:fld>
             <a:endParaRPr lang="de-DE"/>
           </a:p>
@@ -3631,12 +3636,12 @@
   </p:sldLayoutIdLst>
   <mc:AlternateContent xmlns:mc="http://schemas.openxmlformats.org/markup-compatibility/2006">
     <mc:Choice xmlns:p159="http://schemas.microsoft.com/office/powerpoint/2015/09/main" Requires="p159">
-      <p:transition spd="slow">
+      <p:transition spd="med">
         <p159:morph option="byObject"/>
       </p:transition>
     </mc:Choice>
     <mc:Fallback>
-      <p:transition spd="slow">
+      <p:transition spd="med">
         <p:fade/>
       </p:transition>
     </mc:Fallback>
@@ -4195,12 +4200,12 @@
   </p:clrMapOvr>
   <mc:AlternateContent xmlns:mc="http://schemas.openxmlformats.org/markup-compatibility/2006">
     <mc:Choice xmlns:p159="http://schemas.microsoft.com/office/powerpoint/2015/09/main" Requires="p159">
-      <p:transition spd="slow">
+      <p:transition spd="med">
         <p159:morph option="byObject"/>
       </p:transition>
     </mc:Choice>
     <mc:Fallback>
-      <p:transition spd="slow">
+      <p:transition spd="med">
         <p:fade/>
       </p:transition>
     </mc:Fallback>
@@ -9270,12 +9275,12 @@
   </p:clrMapOvr>
   <mc:AlternateContent xmlns:mc="http://schemas.openxmlformats.org/markup-compatibility/2006">
     <mc:Choice xmlns:p159="http://schemas.microsoft.com/office/powerpoint/2015/09/main" Requires="p159">
-      <p:transition spd="slow">
+      <p:transition spd="med">
         <p159:morph option="byObject"/>
       </p:transition>
     </mc:Choice>
     <mc:Fallback>
-      <p:transition spd="slow">
+      <p:transition spd="med">
         <p:fade/>
       </p:transition>
     </mc:Fallback>
@@ -9436,13 +9441,16 @@
                   <a:schemeClr val="bg1"/>
                 </a:solidFill>
               </a:rPr>
-              <a:t>Benutzerverwaltung</a:t>
+              <a:t>Anforderungen</a:t>
             </a:r>
-            <a:endParaRPr lang="en-US" sz="5400" dirty="0">
-              <a:solidFill>
-                <a:schemeClr val="bg1"/>
-              </a:solidFill>
-            </a:endParaRPr>
+            <a:r>
+              <a:rPr lang="en-US" sz="5400" dirty="0">
+                <a:solidFill>
+                  <a:schemeClr val="bg1"/>
+                </a:solidFill>
+              </a:rPr>
+              <a:t> an die Software</a:t>
+            </a:r>
           </a:p>
         </p:txBody>
       </p:sp>
@@ -10252,6 +10260,2014 @@
     </p:spTree>
     <p:extLst>
       <p:ext uri="{BB962C8B-B14F-4D97-AF65-F5344CB8AC3E}">
+        <p14:creationId xmlns:p14="http://schemas.microsoft.com/office/powerpoint/2010/main" val="964498140"/>
+      </p:ext>
+    </p:extLst>
+  </p:cSld>
+  <p:clrMapOvr>
+    <a:masterClrMapping/>
+  </p:clrMapOvr>
+  <mc:AlternateContent xmlns:mc="http://schemas.openxmlformats.org/markup-compatibility/2006">
+    <mc:Choice xmlns:p159="http://schemas.microsoft.com/office/powerpoint/2015/09/main" Requires="p159">
+      <p:transition spd="med">
+        <p159:morph option="byObject"/>
+      </p:transition>
+    </mc:Choice>
+    <mc:Fallback>
+      <p:transition spd="med">
+        <p:fade/>
+      </p:transition>
+    </mc:Fallback>
+  </mc:AlternateContent>
+</p:sld>
+</file>
+
+<file path=ppt/slides/slide4.xml><?xml version="1.0" encoding="utf-8"?>
+<p:sld xmlns:a="http://schemas.openxmlformats.org/drawingml/2006/main" xmlns:r="http://schemas.openxmlformats.org/officeDocument/2006/relationships" xmlns:p="http://schemas.openxmlformats.org/presentationml/2006/main">
+  <p:cSld>
+    <p:bg>
+      <p:bgPr>
+        <a:solidFill>
+          <a:schemeClr val="bg1"/>
+        </a:solidFill>
+        <a:effectLst/>
+      </p:bgPr>
+    </p:bg>
+    <p:spTree>
+      <p:nvGrpSpPr>
+        <p:cNvPr id="1" name=""/>
+        <p:cNvGrpSpPr/>
+        <p:nvPr/>
+      </p:nvGrpSpPr>
+      <p:grpSpPr>
+        <a:xfrm>
+          <a:off x="0" y="0"/>
+          <a:ext cx="0" cy="0"/>
+          <a:chOff x="0" y="0"/>
+          <a:chExt cx="0" cy="0"/>
+        </a:xfrm>
+      </p:grpSpPr>
+      <p:sp>
+        <p:nvSpPr>
+          <p:cNvPr id="23" name="Rectangle 22">
+            <a:extLst>
+              <a:ext uri="{FF2B5EF4-FFF2-40B4-BE49-F238E27FC236}">
+                <a16:creationId xmlns:a16="http://schemas.microsoft.com/office/drawing/2014/main" id="{1A9F7B4E-B03D-4F64-BE33-00D074458D45}"/>
+              </a:ext>
+              <a:ext uri="{C183D7F6-B498-43B3-948B-1728B52AA6E4}">
+                <adec:decorative xmlns:adec="http://schemas.microsoft.com/office/drawing/2017/decorative" val="1"/>
+              </a:ext>
+            </a:extLst>
+          </p:cNvPr>
+          <p:cNvSpPr>
+            <a:spLocks noGrp="1" noRot="1" noChangeAspect="1" noMove="1" noResize="1" noEditPoints="1" noAdjustHandles="1" noChangeArrowheads="1" noChangeShapeType="1" noTextEdit="1"/>
+          </p:cNvSpPr>
+          <p:nvPr>
+            <p:extLst>
+              <p:ext uri="{386F3935-93C4-4BCD-93E2-E3B085C9AB24}">
+                <p16:designElem xmlns:p16="http://schemas.microsoft.com/office/powerpoint/2015/main" val="1"/>
+              </p:ext>
+            </p:extLst>
+          </p:nvPr>
+        </p:nvSpPr>
+        <p:spPr>
+          <a:xfrm>
+            <a:off x="0" y="0"/>
+            <a:ext cx="12188952" cy="6858000"/>
+          </a:xfrm>
+          <a:prstGeom prst="rect">
+            <a:avLst/>
+          </a:prstGeom>
+          <a:solidFill>
+            <a:schemeClr val="tx1"/>
+          </a:solidFill>
+          <a:ln>
+            <a:noFill/>
+          </a:ln>
+        </p:spPr>
+        <p:style>
+          <a:lnRef idx="2">
+            <a:schemeClr val="accent1">
+              <a:shade val="50000"/>
+            </a:schemeClr>
+          </a:lnRef>
+          <a:fillRef idx="1">
+            <a:schemeClr val="accent1"/>
+          </a:fillRef>
+          <a:effectRef idx="0">
+            <a:schemeClr val="accent1"/>
+          </a:effectRef>
+          <a:fontRef idx="minor">
+            <a:schemeClr val="lt1"/>
+          </a:fontRef>
+        </p:style>
+        <p:txBody>
+          <a:bodyPr rtlCol="0" anchor="ctr"/>
+          <a:lstStyle/>
+          <a:p>
+            <a:pPr algn="ctr"/>
+            <a:endParaRPr lang="en-US"/>
+          </a:p>
+        </p:txBody>
+      </p:sp>
+      <p:pic>
+        <p:nvPicPr>
+          <p:cNvPr id="18" name="Picture 17" descr="A blue and green lines on a black background&#10;&#10;Description automatically generated">
+            <a:extLst>
+              <a:ext uri="{FF2B5EF4-FFF2-40B4-BE49-F238E27FC236}">
+                <a16:creationId xmlns:a16="http://schemas.microsoft.com/office/drawing/2014/main" id="{9E2CA162-4ACE-88C3-D272-088E41436A49}"/>
+              </a:ext>
+            </a:extLst>
+          </p:cNvPr>
+          <p:cNvPicPr>
+            <a:picLocks noChangeAspect="1"/>
+          </p:cNvPicPr>
+          <p:nvPr/>
+        </p:nvPicPr>
+        <p:blipFill rotWithShape="1">
+          <a:blip r:embed="rId2">
+            <a:alphaModFix amt="40000"/>
+          </a:blip>
+          <a:srcRect t="13655" b="6840"/>
+          <a:stretch/>
+        </p:blipFill>
+        <p:spPr>
+          <a:xfrm>
+            <a:off x="20" y="10"/>
+            <a:ext cx="12191979" cy="6857990"/>
+          </a:xfrm>
+          <a:prstGeom prst="rect">
+            <a:avLst/>
+          </a:prstGeom>
+        </p:spPr>
+      </p:pic>
+      <p:sp>
+        <p:nvSpPr>
+          <p:cNvPr id="2" name="Title 1">
+            <a:extLst>
+              <a:ext uri="{FF2B5EF4-FFF2-40B4-BE49-F238E27FC236}">
+                <a16:creationId xmlns:a16="http://schemas.microsoft.com/office/drawing/2014/main" id="{61CE0095-EFE9-6204-1ACC-4BEB3E59878B}"/>
+              </a:ext>
+            </a:extLst>
+          </p:cNvPr>
+          <p:cNvSpPr>
+            <a:spLocks noGrp="1"/>
+          </p:cNvSpPr>
+          <p:nvPr>
+            <p:ph type="title"/>
+          </p:nvPr>
+        </p:nvSpPr>
+        <p:spPr>
+          <a:xfrm>
+            <a:off x="838200" y="365125"/>
+            <a:ext cx="10515600" cy="1325563"/>
+          </a:xfrm>
+        </p:spPr>
+        <p:txBody>
+          <a:bodyPr vert="horz" lIns="91440" tIns="45720" rIns="91440" bIns="45720" rtlCol="0">
+            <a:normAutofit/>
+          </a:bodyPr>
+          <a:lstStyle/>
+          <a:p>
+            <a:r>
+              <a:rPr lang="en-US" sz="5400" dirty="0" err="1">
+                <a:solidFill>
+                  <a:schemeClr val="bg1"/>
+                </a:solidFill>
+              </a:rPr>
+              <a:t>Verwendete</a:t>
+            </a:r>
+            <a:r>
+              <a:rPr lang="en-US" sz="5400" dirty="0">
+                <a:solidFill>
+                  <a:schemeClr val="bg1"/>
+                </a:solidFill>
+              </a:rPr>
+              <a:t> </a:t>
+            </a:r>
+            <a:r>
+              <a:rPr lang="en-US" sz="5400" dirty="0" err="1">
+                <a:solidFill>
+                  <a:schemeClr val="bg1"/>
+                </a:solidFill>
+              </a:rPr>
+              <a:t>Technologien</a:t>
+            </a:r>
+            <a:endParaRPr lang="en-US" sz="5400" dirty="0">
+              <a:solidFill>
+                <a:schemeClr val="bg1"/>
+              </a:solidFill>
+            </a:endParaRPr>
+          </a:p>
+        </p:txBody>
+      </p:sp>
+      <p:sp>
+        <p:nvSpPr>
+          <p:cNvPr id="25" name="sketchy line">
+            <a:extLst>
+              <a:ext uri="{FF2B5EF4-FFF2-40B4-BE49-F238E27FC236}">
+                <a16:creationId xmlns:a16="http://schemas.microsoft.com/office/drawing/2014/main" id="{7E2BE7F7-CA89-4002-ACCE-A478AEA24F5E}"/>
+              </a:ext>
+              <a:ext uri="{C183D7F6-B498-43B3-948B-1728B52AA6E4}">
+                <adec:decorative xmlns:adec="http://schemas.microsoft.com/office/drawing/2017/decorative" val="1"/>
+              </a:ext>
+            </a:extLst>
+          </p:cNvPr>
+          <p:cNvSpPr>
+            <a:spLocks noGrp="1" noRot="1" noChangeAspect="1" noMove="1" noResize="1" noEditPoints="1" noAdjustHandles="1" noChangeArrowheads="1" noChangeShapeType="1" noTextEdit="1"/>
+          </p:cNvSpPr>
+          <p:nvPr>
+            <p:extLst>
+              <p:ext uri="{386F3935-93C4-4BCD-93E2-E3B085C9AB24}">
+                <p16:designElem xmlns:p16="http://schemas.microsoft.com/office/powerpoint/2015/main" val="1"/>
+              </p:ext>
+            </p:extLst>
+          </p:nvPr>
+        </p:nvSpPr>
+        <p:spPr>
+          <a:xfrm>
+            <a:off x="914399" y="1681544"/>
+            <a:ext cx="9692640" cy="18288"/>
+          </a:xfrm>
+          <a:custGeom>
+            <a:avLst/>
+            <a:gdLst>
+              <a:gd name="connsiteX0" fmla="*/ 0 w 9692640"/>
+              <a:gd name="connsiteY0" fmla="*/ 0 h 18288"/>
+              <a:gd name="connsiteX1" fmla="*/ 401552 w 9692640"/>
+              <a:gd name="connsiteY1" fmla="*/ 0 h 18288"/>
+              <a:gd name="connsiteX2" fmla="*/ 996957 w 9692640"/>
+              <a:gd name="connsiteY2" fmla="*/ 0 h 18288"/>
+              <a:gd name="connsiteX3" fmla="*/ 1398509 w 9692640"/>
+              <a:gd name="connsiteY3" fmla="*/ 0 h 18288"/>
+              <a:gd name="connsiteX4" fmla="*/ 2090841 w 9692640"/>
+              <a:gd name="connsiteY4" fmla="*/ 0 h 18288"/>
+              <a:gd name="connsiteX5" fmla="*/ 2686246 w 9692640"/>
+              <a:gd name="connsiteY5" fmla="*/ 0 h 18288"/>
+              <a:gd name="connsiteX6" fmla="*/ 3475504 w 9692640"/>
+              <a:gd name="connsiteY6" fmla="*/ 0 h 18288"/>
+              <a:gd name="connsiteX7" fmla="*/ 4361688 w 9692640"/>
+              <a:gd name="connsiteY7" fmla="*/ 0 h 18288"/>
+              <a:gd name="connsiteX8" fmla="*/ 5054019 w 9692640"/>
+              <a:gd name="connsiteY8" fmla="*/ 0 h 18288"/>
+              <a:gd name="connsiteX9" fmla="*/ 5940204 w 9692640"/>
+              <a:gd name="connsiteY9" fmla="*/ 0 h 18288"/>
+              <a:gd name="connsiteX10" fmla="*/ 6632535 w 9692640"/>
+              <a:gd name="connsiteY10" fmla="*/ 0 h 18288"/>
+              <a:gd name="connsiteX11" fmla="*/ 7034087 w 9692640"/>
+              <a:gd name="connsiteY11" fmla="*/ 0 h 18288"/>
+              <a:gd name="connsiteX12" fmla="*/ 7532566 w 9692640"/>
+              <a:gd name="connsiteY12" fmla="*/ 0 h 18288"/>
+              <a:gd name="connsiteX13" fmla="*/ 8418750 w 9692640"/>
+              <a:gd name="connsiteY13" fmla="*/ 0 h 18288"/>
+              <a:gd name="connsiteX14" fmla="*/ 9692640 w 9692640"/>
+              <a:gd name="connsiteY14" fmla="*/ 0 h 18288"/>
+              <a:gd name="connsiteX15" fmla="*/ 9692640 w 9692640"/>
+              <a:gd name="connsiteY15" fmla="*/ 18288 h 18288"/>
+              <a:gd name="connsiteX16" fmla="*/ 9000309 w 9692640"/>
+              <a:gd name="connsiteY16" fmla="*/ 18288 h 18288"/>
+              <a:gd name="connsiteX17" fmla="*/ 8307977 w 9692640"/>
+              <a:gd name="connsiteY17" fmla="*/ 18288 h 18288"/>
+              <a:gd name="connsiteX18" fmla="*/ 7712572 w 9692640"/>
+              <a:gd name="connsiteY18" fmla="*/ 18288 h 18288"/>
+              <a:gd name="connsiteX19" fmla="*/ 7214093 w 9692640"/>
+              <a:gd name="connsiteY19" fmla="*/ 18288 h 18288"/>
+              <a:gd name="connsiteX20" fmla="*/ 6327909 w 9692640"/>
+              <a:gd name="connsiteY20" fmla="*/ 18288 h 18288"/>
+              <a:gd name="connsiteX21" fmla="*/ 5635578 w 9692640"/>
+              <a:gd name="connsiteY21" fmla="*/ 18288 h 18288"/>
+              <a:gd name="connsiteX22" fmla="*/ 4846320 w 9692640"/>
+              <a:gd name="connsiteY22" fmla="*/ 18288 h 18288"/>
+              <a:gd name="connsiteX23" fmla="*/ 4444768 w 9692640"/>
+              <a:gd name="connsiteY23" fmla="*/ 18288 h 18288"/>
+              <a:gd name="connsiteX24" fmla="*/ 3946289 w 9692640"/>
+              <a:gd name="connsiteY24" fmla="*/ 18288 h 18288"/>
+              <a:gd name="connsiteX25" fmla="*/ 3253958 w 9692640"/>
+              <a:gd name="connsiteY25" fmla="*/ 18288 h 18288"/>
+              <a:gd name="connsiteX26" fmla="*/ 2464700 w 9692640"/>
+              <a:gd name="connsiteY26" fmla="*/ 18288 h 18288"/>
+              <a:gd name="connsiteX27" fmla="*/ 2063148 w 9692640"/>
+              <a:gd name="connsiteY27" fmla="*/ 18288 h 18288"/>
+              <a:gd name="connsiteX28" fmla="*/ 1661595 w 9692640"/>
+              <a:gd name="connsiteY28" fmla="*/ 18288 h 18288"/>
+              <a:gd name="connsiteX29" fmla="*/ 969264 w 9692640"/>
+              <a:gd name="connsiteY29" fmla="*/ 18288 h 18288"/>
+              <a:gd name="connsiteX30" fmla="*/ 0 w 9692640"/>
+              <a:gd name="connsiteY30" fmla="*/ 18288 h 18288"/>
+              <a:gd name="connsiteX31" fmla="*/ 0 w 9692640"/>
+              <a:gd name="connsiteY31" fmla="*/ 0 h 18288"/>
+            </a:gdLst>
+            <a:ahLst/>
+            <a:cxnLst>
+              <a:cxn ang="0">
+                <a:pos x="connsiteX0" y="connsiteY0"/>
+              </a:cxn>
+              <a:cxn ang="0">
+                <a:pos x="connsiteX1" y="connsiteY1"/>
+              </a:cxn>
+              <a:cxn ang="0">
+                <a:pos x="connsiteX2" y="connsiteY2"/>
+              </a:cxn>
+              <a:cxn ang="0">
+                <a:pos x="connsiteX3" y="connsiteY3"/>
+              </a:cxn>
+              <a:cxn ang="0">
+                <a:pos x="connsiteX4" y="connsiteY4"/>
+              </a:cxn>
+              <a:cxn ang="0">
+                <a:pos x="connsiteX5" y="connsiteY5"/>
+              </a:cxn>
+              <a:cxn ang="0">
+                <a:pos x="connsiteX6" y="connsiteY6"/>
+              </a:cxn>
+              <a:cxn ang="0">
+                <a:pos x="connsiteX7" y="connsiteY7"/>
+              </a:cxn>
+              <a:cxn ang="0">
+                <a:pos x="connsiteX8" y="connsiteY8"/>
+              </a:cxn>
+              <a:cxn ang="0">
+                <a:pos x="connsiteX9" y="connsiteY9"/>
+              </a:cxn>
+              <a:cxn ang="0">
+                <a:pos x="connsiteX10" y="connsiteY10"/>
+              </a:cxn>
+              <a:cxn ang="0">
+                <a:pos x="connsiteX11" y="connsiteY11"/>
+              </a:cxn>
+              <a:cxn ang="0">
+                <a:pos x="connsiteX12" y="connsiteY12"/>
+              </a:cxn>
+              <a:cxn ang="0">
+                <a:pos x="connsiteX13" y="connsiteY13"/>
+              </a:cxn>
+              <a:cxn ang="0">
+                <a:pos x="connsiteX14" y="connsiteY14"/>
+              </a:cxn>
+              <a:cxn ang="0">
+                <a:pos x="connsiteX15" y="connsiteY15"/>
+              </a:cxn>
+              <a:cxn ang="0">
+                <a:pos x="connsiteX16" y="connsiteY16"/>
+              </a:cxn>
+              <a:cxn ang="0">
+                <a:pos x="connsiteX17" y="connsiteY17"/>
+              </a:cxn>
+              <a:cxn ang="0">
+                <a:pos x="connsiteX18" y="connsiteY18"/>
+              </a:cxn>
+              <a:cxn ang="0">
+                <a:pos x="connsiteX19" y="connsiteY19"/>
+              </a:cxn>
+              <a:cxn ang="0">
+                <a:pos x="connsiteX20" y="connsiteY20"/>
+              </a:cxn>
+              <a:cxn ang="0">
+                <a:pos x="connsiteX21" y="connsiteY21"/>
+              </a:cxn>
+              <a:cxn ang="0">
+                <a:pos x="connsiteX22" y="connsiteY22"/>
+              </a:cxn>
+              <a:cxn ang="0">
+                <a:pos x="connsiteX23" y="connsiteY23"/>
+              </a:cxn>
+              <a:cxn ang="0">
+                <a:pos x="connsiteX24" y="connsiteY24"/>
+              </a:cxn>
+              <a:cxn ang="0">
+                <a:pos x="connsiteX25" y="connsiteY25"/>
+              </a:cxn>
+              <a:cxn ang="0">
+                <a:pos x="connsiteX26" y="connsiteY26"/>
+              </a:cxn>
+              <a:cxn ang="0">
+                <a:pos x="connsiteX27" y="connsiteY27"/>
+              </a:cxn>
+              <a:cxn ang="0">
+                <a:pos x="connsiteX28" y="connsiteY28"/>
+              </a:cxn>
+              <a:cxn ang="0">
+                <a:pos x="connsiteX29" y="connsiteY29"/>
+              </a:cxn>
+              <a:cxn ang="0">
+                <a:pos x="connsiteX30" y="connsiteY30"/>
+              </a:cxn>
+              <a:cxn ang="0">
+                <a:pos x="connsiteX31" y="connsiteY31"/>
+              </a:cxn>
+            </a:cxnLst>
+            <a:rect l="l" t="t" r="r" b="b"/>
+            <a:pathLst>
+              <a:path w="9692640" h="18288" fill="none" extrusionOk="0">
+                <a:moveTo>
+                  <a:pt x="0" y="0"/>
+                </a:moveTo>
+                <a:cubicBezTo>
+                  <a:pt x="142992" y="4732"/>
+                  <a:pt x="265909" y="-3365"/>
+                  <a:pt x="401552" y="0"/>
+                </a:cubicBezTo>
+                <a:cubicBezTo>
+                  <a:pt x="537195" y="3365"/>
+                  <a:pt x="738153" y="6482"/>
+                  <a:pt x="996957" y="0"/>
+                </a:cubicBezTo>
+                <a:cubicBezTo>
+                  <a:pt x="1255762" y="-6482"/>
+                  <a:pt x="1280511" y="12509"/>
+                  <a:pt x="1398509" y="0"/>
+                </a:cubicBezTo>
+                <a:cubicBezTo>
+                  <a:pt x="1516507" y="-12509"/>
+                  <a:pt x="1782573" y="-31523"/>
+                  <a:pt x="2090841" y="0"/>
+                </a:cubicBezTo>
+                <a:cubicBezTo>
+                  <a:pt x="2399109" y="31523"/>
+                  <a:pt x="2488380" y="26286"/>
+                  <a:pt x="2686246" y="0"/>
+                </a:cubicBezTo>
+                <a:cubicBezTo>
+                  <a:pt x="2884112" y="-26286"/>
+                  <a:pt x="3186024" y="-14734"/>
+                  <a:pt x="3475504" y="0"/>
+                </a:cubicBezTo>
+                <a:cubicBezTo>
+                  <a:pt x="3764984" y="14734"/>
+                  <a:pt x="4053017" y="43292"/>
+                  <a:pt x="4361688" y="0"/>
+                </a:cubicBezTo>
+                <a:cubicBezTo>
+                  <a:pt x="4670359" y="-43292"/>
+                  <a:pt x="4736164" y="-729"/>
+                  <a:pt x="5054019" y="0"/>
+                </a:cubicBezTo>
+                <a:cubicBezTo>
+                  <a:pt x="5371874" y="729"/>
+                  <a:pt x="5543528" y="-22963"/>
+                  <a:pt x="5940204" y="0"/>
+                </a:cubicBezTo>
+                <a:cubicBezTo>
+                  <a:pt x="6336881" y="22963"/>
+                  <a:pt x="6423838" y="6469"/>
+                  <a:pt x="6632535" y="0"/>
+                </a:cubicBezTo>
+                <a:cubicBezTo>
+                  <a:pt x="6841232" y="-6469"/>
+                  <a:pt x="6852819" y="17036"/>
+                  <a:pt x="7034087" y="0"/>
+                </a:cubicBezTo>
+                <a:cubicBezTo>
+                  <a:pt x="7215355" y="-17036"/>
+                  <a:pt x="7313136" y="11151"/>
+                  <a:pt x="7532566" y="0"/>
+                </a:cubicBezTo>
+                <a:cubicBezTo>
+                  <a:pt x="7751996" y="-11151"/>
+                  <a:pt x="8015001" y="25614"/>
+                  <a:pt x="8418750" y="0"/>
+                </a:cubicBezTo>
+                <a:cubicBezTo>
+                  <a:pt x="8822499" y="-25614"/>
+                  <a:pt x="9163239" y="48603"/>
+                  <a:pt x="9692640" y="0"/>
+                </a:cubicBezTo>
+                <a:cubicBezTo>
+                  <a:pt x="9691955" y="4437"/>
+                  <a:pt x="9693170" y="10717"/>
+                  <a:pt x="9692640" y="18288"/>
+                </a:cubicBezTo>
+                <a:cubicBezTo>
+                  <a:pt x="9545125" y="42172"/>
+                  <a:pt x="9164259" y="6706"/>
+                  <a:pt x="9000309" y="18288"/>
+                </a:cubicBezTo>
+                <a:cubicBezTo>
+                  <a:pt x="8836359" y="29870"/>
+                  <a:pt x="8521035" y="-14108"/>
+                  <a:pt x="8307977" y="18288"/>
+                </a:cubicBezTo>
+                <a:cubicBezTo>
+                  <a:pt x="8094919" y="50684"/>
+                  <a:pt x="7881757" y="11235"/>
+                  <a:pt x="7712572" y="18288"/>
+                </a:cubicBezTo>
+                <a:cubicBezTo>
+                  <a:pt x="7543387" y="25341"/>
+                  <a:pt x="7358861" y="20625"/>
+                  <a:pt x="7214093" y="18288"/>
+                </a:cubicBezTo>
+                <a:cubicBezTo>
+                  <a:pt x="7069325" y="15951"/>
+                  <a:pt x="6523705" y="52160"/>
+                  <a:pt x="6327909" y="18288"/>
+                </a:cubicBezTo>
+                <a:cubicBezTo>
+                  <a:pt x="6132113" y="-15584"/>
+                  <a:pt x="5923847" y="21204"/>
+                  <a:pt x="5635578" y="18288"/>
+                </a:cubicBezTo>
+                <a:cubicBezTo>
+                  <a:pt x="5347309" y="15372"/>
+                  <a:pt x="5114749" y="50642"/>
+                  <a:pt x="4846320" y="18288"/>
+                </a:cubicBezTo>
+                <a:cubicBezTo>
+                  <a:pt x="4577891" y="-14066"/>
+                  <a:pt x="4576701" y="1487"/>
+                  <a:pt x="4444768" y="18288"/>
+                </a:cubicBezTo>
+                <a:cubicBezTo>
+                  <a:pt x="4312835" y="35089"/>
+                  <a:pt x="4112575" y="15158"/>
+                  <a:pt x="3946289" y="18288"/>
+                </a:cubicBezTo>
+                <a:cubicBezTo>
+                  <a:pt x="3780003" y="21418"/>
+                  <a:pt x="3396009" y="18797"/>
+                  <a:pt x="3253958" y="18288"/>
+                </a:cubicBezTo>
+                <a:cubicBezTo>
+                  <a:pt x="3111907" y="17779"/>
+                  <a:pt x="2760272" y="57223"/>
+                  <a:pt x="2464700" y="18288"/>
+                </a:cubicBezTo>
+                <a:cubicBezTo>
+                  <a:pt x="2169128" y="-20647"/>
+                  <a:pt x="2232262" y="7960"/>
+                  <a:pt x="2063148" y="18288"/>
+                </a:cubicBezTo>
+                <a:cubicBezTo>
+                  <a:pt x="1894034" y="28616"/>
+                  <a:pt x="1799338" y="3019"/>
+                  <a:pt x="1661595" y="18288"/>
+                </a:cubicBezTo>
+                <a:cubicBezTo>
+                  <a:pt x="1523852" y="33557"/>
+                  <a:pt x="1113928" y="-4352"/>
+                  <a:pt x="969264" y="18288"/>
+                </a:cubicBezTo>
+                <a:cubicBezTo>
+                  <a:pt x="824600" y="40928"/>
+                  <a:pt x="356149" y="-3128"/>
+                  <a:pt x="0" y="18288"/>
+                </a:cubicBezTo>
+                <a:cubicBezTo>
+                  <a:pt x="-540" y="12521"/>
+                  <a:pt x="894" y="7749"/>
+                  <a:pt x="0" y="0"/>
+                </a:cubicBezTo>
+                <a:close/>
+              </a:path>
+              <a:path w="9692640" h="18288" stroke="0" extrusionOk="0">
+                <a:moveTo>
+                  <a:pt x="0" y="0"/>
+                </a:moveTo>
+                <a:cubicBezTo>
+                  <a:pt x="162642" y="3864"/>
+                  <a:pt x="346119" y="-18364"/>
+                  <a:pt x="498479" y="0"/>
+                </a:cubicBezTo>
+                <a:cubicBezTo>
+                  <a:pt x="650839" y="18364"/>
+                  <a:pt x="712065" y="-9389"/>
+                  <a:pt x="900031" y="0"/>
+                </a:cubicBezTo>
+                <a:cubicBezTo>
+                  <a:pt x="1087997" y="9389"/>
+                  <a:pt x="1177291" y="3685"/>
+                  <a:pt x="1398509" y="0"/>
+                </a:cubicBezTo>
+                <a:cubicBezTo>
+                  <a:pt x="1619727" y="-3685"/>
+                  <a:pt x="1874008" y="-8897"/>
+                  <a:pt x="2090841" y="0"/>
+                </a:cubicBezTo>
+                <a:cubicBezTo>
+                  <a:pt x="2307674" y="8897"/>
+                  <a:pt x="2573432" y="-313"/>
+                  <a:pt x="2880099" y="0"/>
+                </a:cubicBezTo>
+                <a:cubicBezTo>
+                  <a:pt x="3186766" y="313"/>
+                  <a:pt x="3422577" y="10664"/>
+                  <a:pt x="3766283" y="0"/>
+                </a:cubicBezTo>
+                <a:cubicBezTo>
+                  <a:pt x="4109989" y="-10664"/>
+                  <a:pt x="4342683" y="-32873"/>
+                  <a:pt x="4652467" y="0"/>
+                </a:cubicBezTo>
+                <a:cubicBezTo>
+                  <a:pt x="4962251" y="32873"/>
+                  <a:pt x="5122120" y="29155"/>
+                  <a:pt x="5247872" y="0"/>
+                </a:cubicBezTo>
+                <a:cubicBezTo>
+                  <a:pt x="5373625" y="-29155"/>
+                  <a:pt x="5749491" y="1706"/>
+                  <a:pt x="6037130" y="0"/>
+                </a:cubicBezTo>
+                <a:cubicBezTo>
+                  <a:pt x="6324769" y="-1706"/>
+                  <a:pt x="6531407" y="1172"/>
+                  <a:pt x="6729461" y="0"/>
+                </a:cubicBezTo>
+                <a:cubicBezTo>
+                  <a:pt x="6927515" y="-1172"/>
+                  <a:pt x="7096794" y="-1520"/>
+                  <a:pt x="7324867" y="0"/>
+                </a:cubicBezTo>
+                <a:cubicBezTo>
+                  <a:pt x="7552940" y="1520"/>
+                  <a:pt x="7878827" y="-17110"/>
+                  <a:pt x="8114124" y="0"/>
+                </a:cubicBezTo>
+                <a:cubicBezTo>
+                  <a:pt x="8349421" y="17110"/>
+                  <a:pt x="8334208" y="15114"/>
+                  <a:pt x="8515677" y="0"/>
+                </a:cubicBezTo>
+                <a:cubicBezTo>
+                  <a:pt x="8697146" y="-15114"/>
+                  <a:pt x="9236164" y="22466"/>
+                  <a:pt x="9692640" y="0"/>
+                </a:cubicBezTo>
+                <a:cubicBezTo>
+                  <a:pt x="9692735" y="8251"/>
+                  <a:pt x="9692514" y="12333"/>
+                  <a:pt x="9692640" y="18288"/>
+                </a:cubicBezTo>
+                <a:cubicBezTo>
+                  <a:pt x="9410102" y="47398"/>
+                  <a:pt x="9172773" y="7109"/>
+                  <a:pt x="9000309" y="18288"/>
+                </a:cubicBezTo>
+                <a:cubicBezTo>
+                  <a:pt x="8827845" y="29467"/>
+                  <a:pt x="8713608" y="28372"/>
+                  <a:pt x="8501830" y="18288"/>
+                </a:cubicBezTo>
+                <a:cubicBezTo>
+                  <a:pt x="8290052" y="8204"/>
+                  <a:pt x="7893416" y="3561"/>
+                  <a:pt x="7712572" y="18288"/>
+                </a:cubicBezTo>
+                <a:cubicBezTo>
+                  <a:pt x="7531728" y="33015"/>
+                  <a:pt x="7480716" y="17052"/>
+                  <a:pt x="7311020" y="18288"/>
+                </a:cubicBezTo>
+                <a:cubicBezTo>
+                  <a:pt x="7141324" y="19524"/>
+                  <a:pt x="6962706" y="15975"/>
+                  <a:pt x="6618688" y="18288"/>
+                </a:cubicBezTo>
+                <a:cubicBezTo>
+                  <a:pt x="6274670" y="20601"/>
+                  <a:pt x="6230664" y="-1692"/>
+                  <a:pt x="6120210" y="18288"/>
+                </a:cubicBezTo>
+                <a:cubicBezTo>
+                  <a:pt x="6009756" y="38268"/>
+                  <a:pt x="5442516" y="28115"/>
+                  <a:pt x="5234026" y="18288"/>
+                </a:cubicBezTo>
+                <a:cubicBezTo>
+                  <a:pt x="5025536" y="8461"/>
+                  <a:pt x="4953693" y="18182"/>
+                  <a:pt x="4832473" y="18288"/>
+                </a:cubicBezTo>
+                <a:cubicBezTo>
+                  <a:pt x="4711253" y="18394"/>
+                  <a:pt x="4414565" y="-11251"/>
+                  <a:pt x="4140142" y="18288"/>
+                </a:cubicBezTo>
+                <a:cubicBezTo>
+                  <a:pt x="3865719" y="47827"/>
+                  <a:pt x="3819081" y="16772"/>
+                  <a:pt x="3738590" y="18288"/>
+                </a:cubicBezTo>
+                <a:cubicBezTo>
+                  <a:pt x="3658099" y="19804"/>
+                  <a:pt x="3427576" y="1385"/>
+                  <a:pt x="3240111" y="18288"/>
+                </a:cubicBezTo>
+                <a:cubicBezTo>
+                  <a:pt x="3052646" y="35191"/>
+                  <a:pt x="2749652" y="-13914"/>
+                  <a:pt x="2450853" y="18288"/>
+                </a:cubicBezTo>
+                <a:cubicBezTo>
+                  <a:pt x="2152054" y="50490"/>
+                  <a:pt x="1928331" y="61101"/>
+                  <a:pt x="1564669" y="18288"/>
+                </a:cubicBezTo>
+                <a:cubicBezTo>
+                  <a:pt x="1201007" y="-24525"/>
+                  <a:pt x="1217828" y="-275"/>
+                  <a:pt x="1066190" y="18288"/>
+                </a:cubicBezTo>
+                <a:cubicBezTo>
+                  <a:pt x="914552" y="36851"/>
+                  <a:pt x="418290" y="-14785"/>
+                  <a:pt x="0" y="18288"/>
+                </a:cubicBezTo>
+                <a:cubicBezTo>
+                  <a:pt x="641" y="14236"/>
+                  <a:pt x="889" y="7550"/>
+                  <a:pt x="0" y="0"/>
+                </a:cubicBezTo>
+                <a:close/>
+              </a:path>
+            </a:pathLst>
+          </a:custGeom>
+          <a:solidFill>
+            <a:srgbClr val="FFFFFF">
+              <a:alpha val="75000"/>
+            </a:srgbClr>
+          </a:solidFill>
+          <a:ln w="44450" cap="rnd">
+            <a:solidFill>
+              <a:schemeClr val="bg1">
+                <a:alpha val="75000"/>
+              </a:schemeClr>
+            </a:solidFill>
+            <a:round/>
+            <a:extLst>
+              <a:ext uri="{C807C97D-BFC1-408E-A445-0C87EB9F89A2}">
+                <ask:lineSketchStyleProps xmlns:ask="http://schemas.microsoft.com/office/drawing/2018/sketchyshapes" sd="2727557108">
+                  <a:prstGeom prst="rect">
+                    <a:avLst/>
+                  </a:prstGeom>
+                  <ask:type>
+                    <ask:lineSketchFreehand/>
+                  </ask:type>
+                </ask:lineSketchStyleProps>
+              </a:ext>
+            </a:extLst>
+          </a:ln>
+        </p:spPr>
+        <p:style>
+          <a:lnRef idx="2">
+            <a:schemeClr val="accent1">
+              <a:shade val="50000"/>
+            </a:schemeClr>
+          </a:lnRef>
+          <a:fillRef idx="1">
+            <a:schemeClr val="accent1"/>
+          </a:fillRef>
+          <a:effectRef idx="0">
+            <a:schemeClr val="accent1"/>
+          </a:effectRef>
+          <a:fontRef idx="minor">
+            <a:schemeClr val="lt1"/>
+          </a:fontRef>
+        </p:style>
+        <p:txBody>
+          <a:bodyPr rtlCol="0" anchor="ctr"/>
+          <a:lstStyle/>
+          <a:p>
+            <a:pPr algn="ctr"/>
+            <a:endParaRPr lang="en-US"/>
+          </a:p>
+        </p:txBody>
+      </p:sp>
+      <p:sp>
+        <p:nvSpPr>
+          <p:cNvPr id="3" name="Subtitle 2">
+            <a:extLst>
+              <a:ext uri="{FF2B5EF4-FFF2-40B4-BE49-F238E27FC236}">
+                <a16:creationId xmlns:a16="http://schemas.microsoft.com/office/drawing/2014/main" id="{1A33470D-CE91-F3B5-68F7-2CBCAA941809}"/>
+              </a:ext>
+            </a:extLst>
+          </p:cNvPr>
+          <p:cNvSpPr>
+            <a:spLocks noGrp="1"/>
+          </p:cNvSpPr>
+          <p:nvPr>
+            <p:ph idx="1"/>
+          </p:nvPr>
+        </p:nvSpPr>
+        <p:spPr>
+          <a:xfrm>
+            <a:off x="838200" y="2004446"/>
+            <a:ext cx="10515600" cy="4176897"/>
+          </a:xfrm>
+        </p:spPr>
+        <p:txBody>
+          <a:bodyPr vert="horz" lIns="91440" tIns="45720" rIns="91440" bIns="45720" rtlCol="0">
+            <a:normAutofit/>
+          </a:bodyPr>
+          <a:lstStyle/>
+          <a:p>
+            <a:r>
+              <a:rPr lang="en-US" sz="2200" dirty="0">
+                <a:solidFill>
+                  <a:schemeClr val="bg1"/>
+                </a:solidFill>
+              </a:rPr>
+              <a:t>C#</a:t>
+            </a:r>
+          </a:p>
+          <a:p>
+            <a:r>
+              <a:rPr lang="en-US" sz="2200" dirty="0">
+                <a:solidFill>
+                  <a:schemeClr val="bg1"/>
+                </a:solidFill>
+              </a:rPr>
+              <a:t>WPF (Windows Presentation Foundation)</a:t>
+            </a:r>
+          </a:p>
+          <a:p>
+            <a:r>
+              <a:rPr lang="en-US" sz="2200" dirty="0">
+                <a:solidFill>
+                  <a:schemeClr val="bg1"/>
+                </a:solidFill>
+              </a:rPr>
+              <a:t>MySQL</a:t>
+            </a:r>
+          </a:p>
+          <a:p>
+            <a:r>
+              <a:rPr lang="en-US" sz="2200" dirty="0">
+                <a:solidFill>
+                  <a:schemeClr val="bg1"/>
+                </a:solidFill>
+              </a:rPr>
+              <a:t>?</a:t>
+            </a:r>
+          </a:p>
+        </p:txBody>
+      </p:sp>
+      <p:sp>
+        <p:nvSpPr>
+          <p:cNvPr id="4" name="TextBox 3">
+            <a:extLst>
+              <a:ext uri="{FF2B5EF4-FFF2-40B4-BE49-F238E27FC236}">
+                <a16:creationId xmlns:a16="http://schemas.microsoft.com/office/drawing/2014/main" id="{D6E95770-3874-517C-5F5D-04D0356C2060}"/>
+              </a:ext>
+            </a:extLst>
+          </p:cNvPr>
+          <p:cNvSpPr txBox="1"/>
+          <p:nvPr/>
+        </p:nvSpPr>
+        <p:spPr>
+          <a:xfrm>
+            <a:off x="9664930" y="1995302"/>
+            <a:ext cx="2472297" cy="2585323"/>
+          </a:xfrm>
+          <a:prstGeom prst="rect">
+            <a:avLst/>
+          </a:prstGeom>
+          <a:noFill/>
+        </p:spPr>
+        <p:txBody>
+          <a:bodyPr wrap="square" rtlCol="0">
+            <a:spAutoFit/>
+          </a:bodyPr>
+          <a:lstStyle/>
+          <a:p>
+            <a:pPr marL="285750" indent="-285750">
+              <a:buFont typeface="Arial" panose="020B0604020202020204" pitchFamily="34" charset="0"/>
+              <a:buChar char="•"/>
+            </a:pPr>
+            <a:r>
+              <a:rPr lang="de-DE" dirty="0">
+                <a:solidFill>
+                  <a:schemeClr val="bg1"/>
+                </a:solidFill>
+              </a:rPr>
+              <a:t>Benutzerverwaltung</a:t>
+            </a:r>
+          </a:p>
+          <a:p>
+            <a:pPr marL="285750" indent="-285750">
+              <a:buFont typeface="Arial" panose="020B0604020202020204" pitchFamily="34" charset="0"/>
+              <a:buChar char="•"/>
+            </a:pPr>
+            <a:endParaRPr lang="de-DE" dirty="0">
+              <a:solidFill>
+                <a:schemeClr val="bg1"/>
+              </a:solidFill>
+            </a:endParaRPr>
+          </a:p>
+          <a:p>
+            <a:pPr marL="285750" indent="-285750">
+              <a:buFont typeface="Arial" panose="020B0604020202020204" pitchFamily="34" charset="0"/>
+              <a:buChar char="•"/>
+            </a:pPr>
+            <a:r>
+              <a:rPr lang="de-DE" dirty="0">
+                <a:solidFill>
+                  <a:schemeClr val="bg1"/>
+                </a:solidFill>
+              </a:rPr>
+              <a:t>?</a:t>
+            </a:r>
+          </a:p>
+          <a:p>
+            <a:pPr marL="285750" indent="-285750">
+              <a:buFont typeface="Arial" panose="020B0604020202020204" pitchFamily="34" charset="0"/>
+              <a:buChar char="•"/>
+            </a:pPr>
+            <a:endParaRPr lang="de-DE" dirty="0">
+              <a:solidFill>
+                <a:schemeClr val="bg1"/>
+              </a:solidFill>
+            </a:endParaRPr>
+          </a:p>
+          <a:p>
+            <a:pPr marL="285750" indent="-285750">
+              <a:buFont typeface="Arial" panose="020B0604020202020204" pitchFamily="34" charset="0"/>
+              <a:buChar char="•"/>
+            </a:pPr>
+            <a:r>
+              <a:rPr lang="de-DE" dirty="0">
+                <a:solidFill>
+                  <a:schemeClr val="bg1"/>
+                </a:solidFill>
+              </a:rPr>
+              <a:t>?</a:t>
+            </a:r>
+          </a:p>
+          <a:p>
+            <a:pPr marL="285750" indent="-285750">
+              <a:buFont typeface="Arial" panose="020B0604020202020204" pitchFamily="34" charset="0"/>
+              <a:buChar char="•"/>
+            </a:pPr>
+            <a:endParaRPr lang="de-DE" dirty="0">
+              <a:solidFill>
+                <a:schemeClr val="bg1"/>
+              </a:solidFill>
+            </a:endParaRPr>
+          </a:p>
+          <a:p>
+            <a:pPr marL="285750" indent="-285750">
+              <a:buFont typeface="Arial" panose="020B0604020202020204" pitchFamily="34" charset="0"/>
+              <a:buChar char="•"/>
+            </a:pPr>
+            <a:r>
+              <a:rPr lang="de-DE" dirty="0">
+                <a:solidFill>
+                  <a:schemeClr val="bg1"/>
+                </a:solidFill>
+              </a:rPr>
+              <a:t>?</a:t>
+            </a:r>
+          </a:p>
+          <a:p>
+            <a:pPr marL="285750" indent="-285750">
+              <a:buFont typeface="Arial" panose="020B0604020202020204" pitchFamily="34" charset="0"/>
+              <a:buChar char="•"/>
+            </a:pPr>
+            <a:endParaRPr lang="de-DE" dirty="0">
+              <a:solidFill>
+                <a:schemeClr val="bg1"/>
+              </a:solidFill>
+            </a:endParaRPr>
+          </a:p>
+          <a:p>
+            <a:pPr marL="285750" indent="-285750">
+              <a:buFont typeface="Arial" panose="020B0604020202020204" pitchFamily="34" charset="0"/>
+              <a:buChar char="•"/>
+            </a:pPr>
+            <a:r>
+              <a:rPr lang="de-DE" dirty="0">
+                <a:solidFill>
+                  <a:schemeClr val="bg1"/>
+                </a:solidFill>
+              </a:rPr>
+              <a:t>?</a:t>
+            </a:r>
+          </a:p>
+        </p:txBody>
+      </p:sp>
+      <p:sp>
+        <p:nvSpPr>
+          <p:cNvPr id="5" name="Slide Number Placeholder 4">
+            <a:extLst>
+              <a:ext uri="{FF2B5EF4-FFF2-40B4-BE49-F238E27FC236}">
+                <a16:creationId xmlns:a16="http://schemas.microsoft.com/office/drawing/2014/main" id="{1A68A4A1-C191-7418-DCD5-1521B409655F}"/>
+              </a:ext>
+            </a:extLst>
+          </p:cNvPr>
+          <p:cNvSpPr>
+            <a:spLocks noGrp="1"/>
+          </p:cNvSpPr>
+          <p:nvPr>
+            <p:ph type="sldNum" sz="quarter" idx="12"/>
+          </p:nvPr>
+        </p:nvSpPr>
+        <p:spPr/>
+        <p:txBody>
+          <a:bodyPr/>
+          <a:lstStyle/>
+          <a:p>
+            <a:fld id="{13C740AA-7824-4996-A9A9-B0E74C888E41}" type="slidenum">
+              <a:rPr lang="de-DE" smtClean="0"/>
+              <a:t>4</a:t>
+            </a:fld>
+            <a:endParaRPr lang="de-DE"/>
+          </a:p>
+        </p:txBody>
+      </p:sp>
+    </p:spTree>
+    <p:extLst>
+      <p:ext uri="{BB962C8B-B14F-4D97-AF65-F5344CB8AC3E}">
+        <p14:creationId xmlns:p14="http://schemas.microsoft.com/office/powerpoint/2010/main" val="1203868808"/>
+      </p:ext>
+    </p:extLst>
+  </p:cSld>
+  <p:clrMapOvr>
+    <a:masterClrMapping/>
+  </p:clrMapOvr>
+  <mc:AlternateContent xmlns:mc="http://schemas.openxmlformats.org/markup-compatibility/2006">
+    <mc:Choice xmlns:p159="http://schemas.microsoft.com/office/powerpoint/2015/09/main" Requires="p159">
+      <p:transition spd="med">
+        <p159:morph option="byObject"/>
+      </p:transition>
+    </mc:Choice>
+    <mc:Fallback>
+      <p:transition spd="med">
+        <p:fade/>
+      </p:transition>
+    </mc:Fallback>
+  </mc:AlternateContent>
+</p:sld>
+</file>
+
+<file path=ppt/slides/slide5.xml><?xml version="1.0" encoding="utf-8"?>
+<p:sld xmlns:a="http://schemas.openxmlformats.org/drawingml/2006/main" xmlns:r="http://schemas.openxmlformats.org/officeDocument/2006/relationships" xmlns:p="http://schemas.openxmlformats.org/presentationml/2006/main">
+  <p:cSld>
+    <p:bg>
+      <p:bgPr>
+        <a:solidFill>
+          <a:schemeClr val="bg1"/>
+        </a:solidFill>
+        <a:effectLst/>
+      </p:bgPr>
+    </p:bg>
+    <p:spTree>
+      <p:nvGrpSpPr>
+        <p:cNvPr id="1" name=""/>
+        <p:cNvGrpSpPr/>
+        <p:nvPr/>
+      </p:nvGrpSpPr>
+      <p:grpSpPr>
+        <a:xfrm>
+          <a:off x="0" y="0"/>
+          <a:ext cx="0" cy="0"/>
+          <a:chOff x="0" y="0"/>
+          <a:chExt cx="0" cy="0"/>
+        </a:xfrm>
+      </p:grpSpPr>
+      <p:sp>
+        <p:nvSpPr>
+          <p:cNvPr id="23" name="Rectangle 22">
+            <a:extLst>
+              <a:ext uri="{FF2B5EF4-FFF2-40B4-BE49-F238E27FC236}">
+                <a16:creationId xmlns:a16="http://schemas.microsoft.com/office/drawing/2014/main" id="{1A9F7B4E-B03D-4F64-BE33-00D074458D45}"/>
+              </a:ext>
+              <a:ext uri="{C183D7F6-B498-43B3-948B-1728B52AA6E4}">
+                <adec:decorative xmlns:adec="http://schemas.microsoft.com/office/drawing/2017/decorative" val="1"/>
+              </a:ext>
+            </a:extLst>
+          </p:cNvPr>
+          <p:cNvSpPr>
+            <a:spLocks noGrp="1" noRot="1" noChangeAspect="1" noMove="1" noResize="1" noEditPoints="1" noAdjustHandles="1" noChangeArrowheads="1" noChangeShapeType="1" noTextEdit="1"/>
+          </p:cNvSpPr>
+          <p:nvPr>
+            <p:extLst>
+              <p:ext uri="{386F3935-93C4-4BCD-93E2-E3B085C9AB24}">
+                <p16:designElem xmlns:p16="http://schemas.microsoft.com/office/powerpoint/2015/main" val="1"/>
+              </p:ext>
+            </p:extLst>
+          </p:nvPr>
+        </p:nvSpPr>
+        <p:spPr>
+          <a:xfrm>
+            <a:off x="0" y="0"/>
+            <a:ext cx="12188952" cy="6858000"/>
+          </a:xfrm>
+          <a:prstGeom prst="rect">
+            <a:avLst/>
+          </a:prstGeom>
+          <a:solidFill>
+            <a:schemeClr val="tx1"/>
+          </a:solidFill>
+          <a:ln>
+            <a:noFill/>
+          </a:ln>
+        </p:spPr>
+        <p:style>
+          <a:lnRef idx="2">
+            <a:schemeClr val="accent1">
+              <a:shade val="50000"/>
+            </a:schemeClr>
+          </a:lnRef>
+          <a:fillRef idx="1">
+            <a:schemeClr val="accent1"/>
+          </a:fillRef>
+          <a:effectRef idx="0">
+            <a:schemeClr val="accent1"/>
+          </a:effectRef>
+          <a:fontRef idx="minor">
+            <a:schemeClr val="lt1"/>
+          </a:fontRef>
+        </p:style>
+        <p:txBody>
+          <a:bodyPr rtlCol="0" anchor="ctr"/>
+          <a:lstStyle/>
+          <a:p>
+            <a:pPr algn="ctr"/>
+            <a:endParaRPr lang="en-US"/>
+          </a:p>
+        </p:txBody>
+      </p:sp>
+      <p:pic>
+        <p:nvPicPr>
+          <p:cNvPr id="18" name="Picture 17" descr="A blue and green lines on a black background&#10;&#10;Description automatically generated">
+            <a:extLst>
+              <a:ext uri="{FF2B5EF4-FFF2-40B4-BE49-F238E27FC236}">
+                <a16:creationId xmlns:a16="http://schemas.microsoft.com/office/drawing/2014/main" id="{9E2CA162-4ACE-88C3-D272-088E41436A49}"/>
+              </a:ext>
+            </a:extLst>
+          </p:cNvPr>
+          <p:cNvPicPr>
+            <a:picLocks noChangeAspect="1"/>
+          </p:cNvPicPr>
+          <p:nvPr/>
+        </p:nvPicPr>
+        <p:blipFill rotWithShape="1">
+          <a:blip r:embed="rId2">
+            <a:alphaModFix amt="40000"/>
+          </a:blip>
+          <a:srcRect t="13655" b="6840"/>
+          <a:stretch/>
+        </p:blipFill>
+        <p:spPr>
+          <a:xfrm>
+            <a:off x="20" y="10"/>
+            <a:ext cx="12191979" cy="6857990"/>
+          </a:xfrm>
+          <a:prstGeom prst="rect">
+            <a:avLst/>
+          </a:prstGeom>
+        </p:spPr>
+      </p:pic>
+      <p:sp>
+        <p:nvSpPr>
+          <p:cNvPr id="2" name="Title 1">
+            <a:extLst>
+              <a:ext uri="{FF2B5EF4-FFF2-40B4-BE49-F238E27FC236}">
+                <a16:creationId xmlns:a16="http://schemas.microsoft.com/office/drawing/2014/main" id="{61CE0095-EFE9-6204-1ACC-4BEB3E59878B}"/>
+              </a:ext>
+            </a:extLst>
+          </p:cNvPr>
+          <p:cNvSpPr>
+            <a:spLocks noGrp="1"/>
+          </p:cNvSpPr>
+          <p:nvPr>
+            <p:ph type="title"/>
+          </p:nvPr>
+        </p:nvSpPr>
+        <p:spPr>
+          <a:xfrm>
+            <a:off x="838200" y="365125"/>
+            <a:ext cx="10515600" cy="1325563"/>
+          </a:xfrm>
+        </p:spPr>
+        <p:txBody>
+          <a:bodyPr vert="horz" lIns="91440" tIns="45720" rIns="91440" bIns="45720" rtlCol="0">
+            <a:normAutofit/>
+          </a:bodyPr>
+          <a:lstStyle/>
+          <a:p>
+            <a:r>
+              <a:rPr lang="en-US" sz="5400" dirty="0" err="1">
+                <a:solidFill>
+                  <a:schemeClr val="bg1"/>
+                </a:solidFill>
+              </a:rPr>
+              <a:t>Benutzerverwaltung</a:t>
+            </a:r>
+            <a:endParaRPr lang="en-US" sz="5400" dirty="0">
+              <a:solidFill>
+                <a:schemeClr val="bg1"/>
+              </a:solidFill>
+            </a:endParaRPr>
+          </a:p>
+        </p:txBody>
+      </p:sp>
+      <p:sp>
+        <p:nvSpPr>
+          <p:cNvPr id="25" name="sketchy line">
+            <a:extLst>
+              <a:ext uri="{FF2B5EF4-FFF2-40B4-BE49-F238E27FC236}">
+                <a16:creationId xmlns:a16="http://schemas.microsoft.com/office/drawing/2014/main" id="{7E2BE7F7-CA89-4002-ACCE-A478AEA24F5E}"/>
+              </a:ext>
+              <a:ext uri="{C183D7F6-B498-43B3-948B-1728B52AA6E4}">
+                <adec:decorative xmlns:adec="http://schemas.microsoft.com/office/drawing/2017/decorative" val="1"/>
+              </a:ext>
+            </a:extLst>
+          </p:cNvPr>
+          <p:cNvSpPr>
+            <a:spLocks noGrp="1" noRot="1" noChangeAspect="1" noMove="1" noResize="1" noEditPoints="1" noAdjustHandles="1" noChangeArrowheads="1" noChangeShapeType="1" noTextEdit="1"/>
+          </p:cNvSpPr>
+          <p:nvPr>
+            <p:extLst>
+              <p:ext uri="{386F3935-93C4-4BCD-93E2-E3B085C9AB24}">
+                <p16:designElem xmlns:p16="http://schemas.microsoft.com/office/powerpoint/2015/main" val="1"/>
+              </p:ext>
+            </p:extLst>
+          </p:nvPr>
+        </p:nvSpPr>
+        <p:spPr>
+          <a:xfrm>
+            <a:off x="914399" y="1681544"/>
+            <a:ext cx="9692640" cy="18288"/>
+          </a:xfrm>
+          <a:custGeom>
+            <a:avLst/>
+            <a:gdLst>
+              <a:gd name="connsiteX0" fmla="*/ 0 w 9692640"/>
+              <a:gd name="connsiteY0" fmla="*/ 0 h 18288"/>
+              <a:gd name="connsiteX1" fmla="*/ 401552 w 9692640"/>
+              <a:gd name="connsiteY1" fmla="*/ 0 h 18288"/>
+              <a:gd name="connsiteX2" fmla="*/ 996957 w 9692640"/>
+              <a:gd name="connsiteY2" fmla="*/ 0 h 18288"/>
+              <a:gd name="connsiteX3" fmla="*/ 1398509 w 9692640"/>
+              <a:gd name="connsiteY3" fmla="*/ 0 h 18288"/>
+              <a:gd name="connsiteX4" fmla="*/ 2090841 w 9692640"/>
+              <a:gd name="connsiteY4" fmla="*/ 0 h 18288"/>
+              <a:gd name="connsiteX5" fmla="*/ 2686246 w 9692640"/>
+              <a:gd name="connsiteY5" fmla="*/ 0 h 18288"/>
+              <a:gd name="connsiteX6" fmla="*/ 3475504 w 9692640"/>
+              <a:gd name="connsiteY6" fmla="*/ 0 h 18288"/>
+              <a:gd name="connsiteX7" fmla="*/ 4361688 w 9692640"/>
+              <a:gd name="connsiteY7" fmla="*/ 0 h 18288"/>
+              <a:gd name="connsiteX8" fmla="*/ 5054019 w 9692640"/>
+              <a:gd name="connsiteY8" fmla="*/ 0 h 18288"/>
+              <a:gd name="connsiteX9" fmla="*/ 5940204 w 9692640"/>
+              <a:gd name="connsiteY9" fmla="*/ 0 h 18288"/>
+              <a:gd name="connsiteX10" fmla="*/ 6632535 w 9692640"/>
+              <a:gd name="connsiteY10" fmla="*/ 0 h 18288"/>
+              <a:gd name="connsiteX11" fmla="*/ 7034087 w 9692640"/>
+              <a:gd name="connsiteY11" fmla="*/ 0 h 18288"/>
+              <a:gd name="connsiteX12" fmla="*/ 7532566 w 9692640"/>
+              <a:gd name="connsiteY12" fmla="*/ 0 h 18288"/>
+              <a:gd name="connsiteX13" fmla="*/ 8418750 w 9692640"/>
+              <a:gd name="connsiteY13" fmla="*/ 0 h 18288"/>
+              <a:gd name="connsiteX14" fmla="*/ 9692640 w 9692640"/>
+              <a:gd name="connsiteY14" fmla="*/ 0 h 18288"/>
+              <a:gd name="connsiteX15" fmla="*/ 9692640 w 9692640"/>
+              <a:gd name="connsiteY15" fmla="*/ 18288 h 18288"/>
+              <a:gd name="connsiteX16" fmla="*/ 9000309 w 9692640"/>
+              <a:gd name="connsiteY16" fmla="*/ 18288 h 18288"/>
+              <a:gd name="connsiteX17" fmla="*/ 8307977 w 9692640"/>
+              <a:gd name="connsiteY17" fmla="*/ 18288 h 18288"/>
+              <a:gd name="connsiteX18" fmla="*/ 7712572 w 9692640"/>
+              <a:gd name="connsiteY18" fmla="*/ 18288 h 18288"/>
+              <a:gd name="connsiteX19" fmla="*/ 7214093 w 9692640"/>
+              <a:gd name="connsiteY19" fmla="*/ 18288 h 18288"/>
+              <a:gd name="connsiteX20" fmla="*/ 6327909 w 9692640"/>
+              <a:gd name="connsiteY20" fmla="*/ 18288 h 18288"/>
+              <a:gd name="connsiteX21" fmla="*/ 5635578 w 9692640"/>
+              <a:gd name="connsiteY21" fmla="*/ 18288 h 18288"/>
+              <a:gd name="connsiteX22" fmla="*/ 4846320 w 9692640"/>
+              <a:gd name="connsiteY22" fmla="*/ 18288 h 18288"/>
+              <a:gd name="connsiteX23" fmla="*/ 4444768 w 9692640"/>
+              <a:gd name="connsiteY23" fmla="*/ 18288 h 18288"/>
+              <a:gd name="connsiteX24" fmla="*/ 3946289 w 9692640"/>
+              <a:gd name="connsiteY24" fmla="*/ 18288 h 18288"/>
+              <a:gd name="connsiteX25" fmla="*/ 3253958 w 9692640"/>
+              <a:gd name="connsiteY25" fmla="*/ 18288 h 18288"/>
+              <a:gd name="connsiteX26" fmla="*/ 2464700 w 9692640"/>
+              <a:gd name="connsiteY26" fmla="*/ 18288 h 18288"/>
+              <a:gd name="connsiteX27" fmla="*/ 2063148 w 9692640"/>
+              <a:gd name="connsiteY27" fmla="*/ 18288 h 18288"/>
+              <a:gd name="connsiteX28" fmla="*/ 1661595 w 9692640"/>
+              <a:gd name="connsiteY28" fmla="*/ 18288 h 18288"/>
+              <a:gd name="connsiteX29" fmla="*/ 969264 w 9692640"/>
+              <a:gd name="connsiteY29" fmla="*/ 18288 h 18288"/>
+              <a:gd name="connsiteX30" fmla="*/ 0 w 9692640"/>
+              <a:gd name="connsiteY30" fmla="*/ 18288 h 18288"/>
+              <a:gd name="connsiteX31" fmla="*/ 0 w 9692640"/>
+              <a:gd name="connsiteY31" fmla="*/ 0 h 18288"/>
+            </a:gdLst>
+            <a:ahLst/>
+            <a:cxnLst>
+              <a:cxn ang="0">
+                <a:pos x="connsiteX0" y="connsiteY0"/>
+              </a:cxn>
+              <a:cxn ang="0">
+                <a:pos x="connsiteX1" y="connsiteY1"/>
+              </a:cxn>
+              <a:cxn ang="0">
+                <a:pos x="connsiteX2" y="connsiteY2"/>
+              </a:cxn>
+              <a:cxn ang="0">
+                <a:pos x="connsiteX3" y="connsiteY3"/>
+              </a:cxn>
+              <a:cxn ang="0">
+                <a:pos x="connsiteX4" y="connsiteY4"/>
+              </a:cxn>
+              <a:cxn ang="0">
+                <a:pos x="connsiteX5" y="connsiteY5"/>
+              </a:cxn>
+              <a:cxn ang="0">
+                <a:pos x="connsiteX6" y="connsiteY6"/>
+              </a:cxn>
+              <a:cxn ang="0">
+                <a:pos x="connsiteX7" y="connsiteY7"/>
+              </a:cxn>
+              <a:cxn ang="0">
+                <a:pos x="connsiteX8" y="connsiteY8"/>
+              </a:cxn>
+              <a:cxn ang="0">
+                <a:pos x="connsiteX9" y="connsiteY9"/>
+              </a:cxn>
+              <a:cxn ang="0">
+                <a:pos x="connsiteX10" y="connsiteY10"/>
+              </a:cxn>
+              <a:cxn ang="0">
+                <a:pos x="connsiteX11" y="connsiteY11"/>
+              </a:cxn>
+              <a:cxn ang="0">
+                <a:pos x="connsiteX12" y="connsiteY12"/>
+              </a:cxn>
+              <a:cxn ang="0">
+                <a:pos x="connsiteX13" y="connsiteY13"/>
+              </a:cxn>
+              <a:cxn ang="0">
+                <a:pos x="connsiteX14" y="connsiteY14"/>
+              </a:cxn>
+              <a:cxn ang="0">
+                <a:pos x="connsiteX15" y="connsiteY15"/>
+              </a:cxn>
+              <a:cxn ang="0">
+                <a:pos x="connsiteX16" y="connsiteY16"/>
+              </a:cxn>
+              <a:cxn ang="0">
+                <a:pos x="connsiteX17" y="connsiteY17"/>
+              </a:cxn>
+              <a:cxn ang="0">
+                <a:pos x="connsiteX18" y="connsiteY18"/>
+              </a:cxn>
+              <a:cxn ang="0">
+                <a:pos x="connsiteX19" y="connsiteY19"/>
+              </a:cxn>
+              <a:cxn ang="0">
+                <a:pos x="connsiteX20" y="connsiteY20"/>
+              </a:cxn>
+              <a:cxn ang="0">
+                <a:pos x="connsiteX21" y="connsiteY21"/>
+              </a:cxn>
+              <a:cxn ang="0">
+                <a:pos x="connsiteX22" y="connsiteY22"/>
+              </a:cxn>
+              <a:cxn ang="0">
+                <a:pos x="connsiteX23" y="connsiteY23"/>
+              </a:cxn>
+              <a:cxn ang="0">
+                <a:pos x="connsiteX24" y="connsiteY24"/>
+              </a:cxn>
+              <a:cxn ang="0">
+                <a:pos x="connsiteX25" y="connsiteY25"/>
+              </a:cxn>
+              <a:cxn ang="0">
+                <a:pos x="connsiteX26" y="connsiteY26"/>
+              </a:cxn>
+              <a:cxn ang="0">
+                <a:pos x="connsiteX27" y="connsiteY27"/>
+              </a:cxn>
+              <a:cxn ang="0">
+                <a:pos x="connsiteX28" y="connsiteY28"/>
+              </a:cxn>
+              <a:cxn ang="0">
+                <a:pos x="connsiteX29" y="connsiteY29"/>
+              </a:cxn>
+              <a:cxn ang="0">
+                <a:pos x="connsiteX30" y="connsiteY30"/>
+              </a:cxn>
+              <a:cxn ang="0">
+                <a:pos x="connsiteX31" y="connsiteY31"/>
+              </a:cxn>
+            </a:cxnLst>
+            <a:rect l="l" t="t" r="r" b="b"/>
+            <a:pathLst>
+              <a:path w="9692640" h="18288" fill="none" extrusionOk="0">
+                <a:moveTo>
+                  <a:pt x="0" y="0"/>
+                </a:moveTo>
+                <a:cubicBezTo>
+                  <a:pt x="142992" y="4732"/>
+                  <a:pt x="265909" y="-3365"/>
+                  <a:pt x="401552" y="0"/>
+                </a:cubicBezTo>
+                <a:cubicBezTo>
+                  <a:pt x="537195" y="3365"/>
+                  <a:pt x="738153" y="6482"/>
+                  <a:pt x="996957" y="0"/>
+                </a:cubicBezTo>
+                <a:cubicBezTo>
+                  <a:pt x="1255762" y="-6482"/>
+                  <a:pt x="1280511" y="12509"/>
+                  <a:pt x="1398509" y="0"/>
+                </a:cubicBezTo>
+                <a:cubicBezTo>
+                  <a:pt x="1516507" y="-12509"/>
+                  <a:pt x="1782573" y="-31523"/>
+                  <a:pt x="2090841" y="0"/>
+                </a:cubicBezTo>
+                <a:cubicBezTo>
+                  <a:pt x="2399109" y="31523"/>
+                  <a:pt x="2488380" y="26286"/>
+                  <a:pt x="2686246" y="0"/>
+                </a:cubicBezTo>
+                <a:cubicBezTo>
+                  <a:pt x="2884112" y="-26286"/>
+                  <a:pt x="3186024" y="-14734"/>
+                  <a:pt x="3475504" y="0"/>
+                </a:cubicBezTo>
+                <a:cubicBezTo>
+                  <a:pt x="3764984" y="14734"/>
+                  <a:pt x="4053017" y="43292"/>
+                  <a:pt x="4361688" y="0"/>
+                </a:cubicBezTo>
+                <a:cubicBezTo>
+                  <a:pt x="4670359" y="-43292"/>
+                  <a:pt x="4736164" y="-729"/>
+                  <a:pt x="5054019" y="0"/>
+                </a:cubicBezTo>
+                <a:cubicBezTo>
+                  <a:pt x="5371874" y="729"/>
+                  <a:pt x="5543528" y="-22963"/>
+                  <a:pt x="5940204" y="0"/>
+                </a:cubicBezTo>
+                <a:cubicBezTo>
+                  <a:pt x="6336881" y="22963"/>
+                  <a:pt x="6423838" y="6469"/>
+                  <a:pt x="6632535" y="0"/>
+                </a:cubicBezTo>
+                <a:cubicBezTo>
+                  <a:pt x="6841232" y="-6469"/>
+                  <a:pt x="6852819" y="17036"/>
+                  <a:pt x="7034087" y="0"/>
+                </a:cubicBezTo>
+                <a:cubicBezTo>
+                  <a:pt x="7215355" y="-17036"/>
+                  <a:pt x="7313136" y="11151"/>
+                  <a:pt x="7532566" y="0"/>
+                </a:cubicBezTo>
+                <a:cubicBezTo>
+                  <a:pt x="7751996" y="-11151"/>
+                  <a:pt x="8015001" y="25614"/>
+                  <a:pt x="8418750" y="0"/>
+                </a:cubicBezTo>
+                <a:cubicBezTo>
+                  <a:pt x="8822499" y="-25614"/>
+                  <a:pt x="9163239" y="48603"/>
+                  <a:pt x="9692640" y="0"/>
+                </a:cubicBezTo>
+                <a:cubicBezTo>
+                  <a:pt x="9691955" y="4437"/>
+                  <a:pt x="9693170" y="10717"/>
+                  <a:pt x="9692640" y="18288"/>
+                </a:cubicBezTo>
+                <a:cubicBezTo>
+                  <a:pt x="9545125" y="42172"/>
+                  <a:pt x="9164259" y="6706"/>
+                  <a:pt x="9000309" y="18288"/>
+                </a:cubicBezTo>
+                <a:cubicBezTo>
+                  <a:pt x="8836359" y="29870"/>
+                  <a:pt x="8521035" y="-14108"/>
+                  <a:pt x="8307977" y="18288"/>
+                </a:cubicBezTo>
+                <a:cubicBezTo>
+                  <a:pt x="8094919" y="50684"/>
+                  <a:pt x="7881757" y="11235"/>
+                  <a:pt x="7712572" y="18288"/>
+                </a:cubicBezTo>
+                <a:cubicBezTo>
+                  <a:pt x="7543387" y="25341"/>
+                  <a:pt x="7358861" y="20625"/>
+                  <a:pt x="7214093" y="18288"/>
+                </a:cubicBezTo>
+                <a:cubicBezTo>
+                  <a:pt x="7069325" y="15951"/>
+                  <a:pt x="6523705" y="52160"/>
+                  <a:pt x="6327909" y="18288"/>
+                </a:cubicBezTo>
+                <a:cubicBezTo>
+                  <a:pt x="6132113" y="-15584"/>
+                  <a:pt x="5923847" y="21204"/>
+                  <a:pt x="5635578" y="18288"/>
+                </a:cubicBezTo>
+                <a:cubicBezTo>
+                  <a:pt x="5347309" y="15372"/>
+                  <a:pt x="5114749" y="50642"/>
+                  <a:pt x="4846320" y="18288"/>
+                </a:cubicBezTo>
+                <a:cubicBezTo>
+                  <a:pt x="4577891" y="-14066"/>
+                  <a:pt x="4576701" y="1487"/>
+                  <a:pt x="4444768" y="18288"/>
+                </a:cubicBezTo>
+                <a:cubicBezTo>
+                  <a:pt x="4312835" y="35089"/>
+                  <a:pt x="4112575" y="15158"/>
+                  <a:pt x="3946289" y="18288"/>
+                </a:cubicBezTo>
+                <a:cubicBezTo>
+                  <a:pt x="3780003" y="21418"/>
+                  <a:pt x="3396009" y="18797"/>
+                  <a:pt x="3253958" y="18288"/>
+                </a:cubicBezTo>
+                <a:cubicBezTo>
+                  <a:pt x="3111907" y="17779"/>
+                  <a:pt x="2760272" y="57223"/>
+                  <a:pt x="2464700" y="18288"/>
+                </a:cubicBezTo>
+                <a:cubicBezTo>
+                  <a:pt x="2169128" y="-20647"/>
+                  <a:pt x="2232262" y="7960"/>
+                  <a:pt x="2063148" y="18288"/>
+                </a:cubicBezTo>
+                <a:cubicBezTo>
+                  <a:pt x="1894034" y="28616"/>
+                  <a:pt x="1799338" y="3019"/>
+                  <a:pt x="1661595" y="18288"/>
+                </a:cubicBezTo>
+                <a:cubicBezTo>
+                  <a:pt x="1523852" y="33557"/>
+                  <a:pt x="1113928" y="-4352"/>
+                  <a:pt x="969264" y="18288"/>
+                </a:cubicBezTo>
+                <a:cubicBezTo>
+                  <a:pt x="824600" y="40928"/>
+                  <a:pt x="356149" y="-3128"/>
+                  <a:pt x="0" y="18288"/>
+                </a:cubicBezTo>
+                <a:cubicBezTo>
+                  <a:pt x="-540" y="12521"/>
+                  <a:pt x="894" y="7749"/>
+                  <a:pt x="0" y="0"/>
+                </a:cubicBezTo>
+                <a:close/>
+              </a:path>
+              <a:path w="9692640" h="18288" stroke="0" extrusionOk="0">
+                <a:moveTo>
+                  <a:pt x="0" y="0"/>
+                </a:moveTo>
+                <a:cubicBezTo>
+                  <a:pt x="162642" y="3864"/>
+                  <a:pt x="346119" y="-18364"/>
+                  <a:pt x="498479" y="0"/>
+                </a:cubicBezTo>
+                <a:cubicBezTo>
+                  <a:pt x="650839" y="18364"/>
+                  <a:pt x="712065" y="-9389"/>
+                  <a:pt x="900031" y="0"/>
+                </a:cubicBezTo>
+                <a:cubicBezTo>
+                  <a:pt x="1087997" y="9389"/>
+                  <a:pt x="1177291" y="3685"/>
+                  <a:pt x="1398509" y="0"/>
+                </a:cubicBezTo>
+                <a:cubicBezTo>
+                  <a:pt x="1619727" y="-3685"/>
+                  <a:pt x="1874008" y="-8897"/>
+                  <a:pt x="2090841" y="0"/>
+                </a:cubicBezTo>
+                <a:cubicBezTo>
+                  <a:pt x="2307674" y="8897"/>
+                  <a:pt x="2573432" y="-313"/>
+                  <a:pt x="2880099" y="0"/>
+                </a:cubicBezTo>
+                <a:cubicBezTo>
+                  <a:pt x="3186766" y="313"/>
+                  <a:pt x="3422577" y="10664"/>
+                  <a:pt x="3766283" y="0"/>
+                </a:cubicBezTo>
+                <a:cubicBezTo>
+                  <a:pt x="4109989" y="-10664"/>
+                  <a:pt x="4342683" y="-32873"/>
+                  <a:pt x="4652467" y="0"/>
+                </a:cubicBezTo>
+                <a:cubicBezTo>
+                  <a:pt x="4962251" y="32873"/>
+                  <a:pt x="5122120" y="29155"/>
+                  <a:pt x="5247872" y="0"/>
+                </a:cubicBezTo>
+                <a:cubicBezTo>
+                  <a:pt x="5373625" y="-29155"/>
+                  <a:pt x="5749491" y="1706"/>
+                  <a:pt x="6037130" y="0"/>
+                </a:cubicBezTo>
+                <a:cubicBezTo>
+                  <a:pt x="6324769" y="-1706"/>
+                  <a:pt x="6531407" y="1172"/>
+                  <a:pt x="6729461" y="0"/>
+                </a:cubicBezTo>
+                <a:cubicBezTo>
+                  <a:pt x="6927515" y="-1172"/>
+                  <a:pt x="7096794" y="-1520"/>
+                  <a:pt x="7324867" y="0"/>
+                </a:cubicBezTo>
+                <a:cubicBezTo>
+                  <a:pt x="7552940" y="1520"/>
+                  <a:pt x="7878827" y="-17110"/>
+                  <a:pt x="8114124" y="0"/>
+                </a:cubicBezTo>
+                <a:cubicBezTo>
+                  <a:pt x="8349421" y="17110"/>
+                  <a:pt x="8334208" y="15114"/>
+                  <a:pt x="8515677" y="0"/>
+                </a:cubicBezTo>
+                <a:cubicBezTo>
+                  <a:pt x="8697146" y="-15114"/>
+                  <a:pt x="9236164" y="22466"/>
+                  <a:pt x="9692640" y="0"/>
+                </a:cubicBezTo>
+                <a:cubicBezTo>
+                  <a:pt x="9692735" y="8251"/>
+                  <a:pt x="9692514" y="12333"/>
+                  <a:pt x="9692640" y="18288"/>
+                </a:cubicBezTo>
+                <a:cubicBezTo>
+                  <a:pt x="9410102" y="47398"/>
+                  <a:pt x="9172773" y="7109"/>
+                  <a:pt x="9000309" y="18288"/>
+                </a:cubicBezTo>
+                <a:cubicBezTo>
+                  <a:pt x="8827845" y="29467"/>
+                  <a:pt x="8713608" y="28372"/>
+                  <a:pt x="8501830" y="18288"/>
+                </a:cubicBezTo>
+                <a:cubicBezTo>
+                  <a:pt x="8290052" y="8204"/>
+                  <a:pt x="7893416" y="3561"/>
+                  <a:pt x="7712572" y="18288"/>
+                </a:cubicBezTo>
+                <a:cubicBezTo>
+                  <a:pt x="7531728" y="33015"/>
+                  <a:pt x="7480716" y="17052"/>
+                  <a:pt x="7311020" y="18288"/>
+                </a:cubicBezTo>
+                <a:cubicBezTo>
+                  <a:pt x="7141324" y="19524"/>
+                  <a:pt x="6962706" y="15975"/>
+                  <a:pt x="6618688" y="18288"/>
+                </a:cubicBezTo>
+                <a:cubicBezTo>
+                  <a:pt x="6274670" y="20601"/>
+                  <a:pt x="6230664" y="-1692"/>
+                  <a:pt x="6120210" y="18288"/>
+                </a:cubicBezTo>
+                <a:cubicBezTo>
+                  <a:pt x="6009756" y="38268"/>
+                  <a:pt x="5442516" y="28115"/>
+                  <a:pt x="5234026" y="18288"/>
+                </a:cubicBezTo>
+                <a:cubicBezTo>
+                  <a:pt x="5025536" y="8461"/>
+                  <a:pt x="4953693" y="18182"/>
+                  <a:pt x="4832473" y="18288"/>
+                </a:cubicBezTo>
+                <a:cubicBezTo>
+                  <a:pt x="4711253" y="18394"/>
+                  <a:pt x="4414565" y="-11251"/>
+                  <a:pt x="4140142" y="18288"/>
+                </a:cubicBezTo>
+                <a:cubicBezTo>
+                  <a:pt x="3865719" y="47827"/>
+                  <a:pt x="3819081" y="16772"/>
+                  <a:pt x="3738590" y="18288"/>
+                </a:cubicBezTo>
+                <a:cubicBezTo>
+                  <a:pt x="3658099" y="19804"/>
+                  <a:pt x="3427576" y="1385"/>
+                  <a:pt x="3240111" y="18288"/>
+                </a:cubicBezTo>
+                <a:cubicBezTo>
+                  <a:pt x="3052646" y="35191"/>
+                  <a:pt x="2749652" y="-13914"/>
+                  <a:pt x="2450853" y="18288"/>
+                </a:cubicBezTo>
+                <a:cubicBezTo>
+                  <a:pt x="2152054" y="50490"/>
+                  <a:pt x="1928331" y="61101"/>
+                  <a:pt x="1564669" y="18288"/>
+                </a:cubicBezTo>
+                <a:cubicBezTo>
+                  <a:pt x="1201007" y="-24525"/>
+                  <a:pt x="1217828" y="-275"/>
+                  <a:pt x="1066190" y="18288"/>
+                </a:cubicBezTo>
+                <a:cubicBezTo>
+                  <a:pt x="914552" y="36851"/>
+                  <a:pt x="418290" y="-14785"/>
+                  <a:pt x="0" y="18288"/>
+                </a:cubicBezTo>
+                <a:cubicBezTo>
+                  <a:pt x="641" y="14236"/>
+                  <a:pt x="889" y="7550"/>
+                  <a:pt x="0" y="0"/>
+                </a:cubicBezTo>
+                <a:close/>
+              </a:path>
+            </a:pathLst>
+          </a:custGeom>
+          <a:solidFill>
+            <a:srgbClr val="FFFFFF">
+              <a:alpha val="75000"/>
+            </a:srgbClr>
+          </a:solidFill>
+          <a:ln w="44450" cap="rnd">
+            <a:solidFill>
+              <a:schemeClr val="bg1">
+                <a:alpha val="75000"/>
+              </a:schemeClr>
+            </a:solidFill>
+            <a:round/>
+            <a:extLst>
+              <a:ext uri="{C807C97D-BFC1-408E-A445-0C87EB9F89A2}">
+                <ask:lineSketchStyleProps xmlns:ask="http://schemas.microsoft.com/office/drawing/2018/sketchyshapes" sd="2727557108">
+                  <a:prstGeom prst="rect">
+                    <a:avLst/>
+                  </a:prstGeom>
+                  <ask:type>
+                    <ask:lineSketchFreehand/>
+                  </ask:type>
+                </ask:lineSketchStyleProps>
+              </a:ext>
+            </a:extLst>
+          </a:ln>
+        </p:spPr>
+        <p:style>
+          <a:lnRef idx="2">
+            <a:schemeClr val="accent1">
+              <a:shade val="50000"/>
+            </a:schemeClr>
+          </a:lnRef>
+          <a:fillRef idx="1">
+            <a:schemeClr val="accent1"/>
+          </a:fillRef>
+          <a:effectRef idx="0">
+            <a:schemeClr val="accent1"/>
+          </a:effectRef>
+          <a:fontRef idx="minor">
+            <a:schemeClr val="lt1"/>
+          </a:fontRef>
+        </p:style>
+        <p:txBody>
+          <a:bodyPr rtlCol="0" anchor="ctr"/>
+          <a:lstStyle/>
+          <a:p>
+            <a:pPr algn="ctr"/>
+            <a:endParaRPr lang="en-US"/>
+          </a:p>
+        </p:txBody>
+      </p:sp>
+      <p:sp>
+        <p:nvSpPr>
+          <p:cNvPr id="3" name="Subtitle 2">
+            <a:extLst>
+              <a:ext uri="{FF2B5EF4-FFF2-40B4-BE49-F238E27FC236}">
+                <a16:creationId xmlns:a16="http://schemas.microsoft.com/office/drawing/2014/main" id="{1A33470D-CE91-F3B5-68F7-2CBCAA941809}"/>
+              </a:ext>
+            </a:extLst>
+          </p:cNvPr>
+          <p:cNvSpPr>
+            <a:spLocks noGrp="1"/>
+          </p:cNvSpPr>
+          <p:nvPr>
+            <p:ph idx="1"/>
+          </p:nvPr>
+        </p:nvSpPr>
+        <p:spPr>
+          <a:xfrm>
+            <a:off x="838200" y="2004446"/>
+            <a:ext cx="10515600" cy="4176897"/>
+          </a:xfrm>
+        </p:spPr>
+        <p:txBody>
+          <a:bodyPr vert="horz" lIns="91440" tIns="45720" rIns="91440" bIns="45720" rtlCol="0">
+            <a:normAutofit/>
+          </a:bodyPr>
+          <a:lstStyle/>
+          <a:p>
+            <a:r>
+              <a:rPr lang="en-US" sz="2200" dirty="0">
+                <a:solidFill>
+                  <a:schemeClr val="bg1"/>
+                </a:solidFill>
+              </a:rPr>
+              <a:t>?</a:t>
+            </a:r>
+          </a:p>
+          <a:p>
+            <a:r>
+              <a:rPr lang="en-US" sz="2200" dirty="0">
+                <a:solidFill>
+                  <a:schemeClr val="bg1"/>
+                </a:solidFill>
+              </a:rPr>
+              <a:t>?</a:t>
+            </a:r>
+          </a:p>
+          <a:p>
+            <a:r>
+              <a:rPr lang="en-US" sz="2200" dirty="0">
+                <a:solidFill>
+                  <a:schemeClr val="bg1"/>
+                </a:solidFill>
+              </a:rPr>
+              <a:t>?</a:t>
+            </a:r>
+          </a:p>
+        </p:txBody>
+      </p:sp>
+      <p:sp>
+        <p:nvSpPr>
+          <p:cNvPr id="4" name="TextBox 3">
+            <a:extLst>
+              <a:ext uri="{FF2B5EF4-FFF2-40B4-BE49-F238E27FC236}">
+                <a16:creationId xmlns:a16="http://schemas.microsoft.com/office/drawing/2014/main" id="{D6E95770-3874-517C-5F5D-04D0356C2060}"/>
+              </a:ext>
+            </a:extLst>
+          </p:cNvPr>
+          <p:cNvSpPr txBox="1"/>
+          <p:nvPr/>
+        </p:nvSpPr>
+        <p:spPr>
+          <a:xfrm>
+            <a:off x="9664930" y="1995302"/>
+            <a:ext cx="2472297" cy="2585323"/>
+          </a:xfrm>
+          <a:prstGeom prst="rect">
+            <a:avLst/>
+          </a:prstGeom>
+          <a:noFill/>
+        </p:spPr>
+        <p:txBody>
+          <a:bodyPr wrap="square" rtlCol="0">
+            <a:spAutoFit/>
+          </a:bodyPr>
+          <a:lstStyle/>
+          <a:p>
+            <a:pPr marL="285750" indent="-285750">
+              <a:buFont typeface="Arial" panose="020B0604020202020204" pitchFamily="34" charset="0"/>
+              <a:buChar char="•"/>
+            </a:pPr>
+            <a:r>
+              <a:rPr lang="de-DE" dirty="0">
+                <a:solidFill>
+                  <a:schemeClr val="bg1"/>
+                </a:solidFill>
+              </a:rPr>
+              <a:t>Benutzerverwaltung</a:t>
+            </a:r>
+          </a:p>
+          <a:p>
+            <a:pPr marL="285750" indent="-285750">
+              <a:buFont typeface="Arial" panose="020B0604020202020204" pitchFamily="34" charset="0"/>
+              <a:buChar char="•"/>
+            </a:pPr>
+            <a:endParaRPr lang="de-DE" dirty="0">
+              <a:solidFill>
+                <a:schemeClr val="bg1"/>
+              </a:solidFill>
+            </a:endParaRPr>
+          </a:p>
+          <a:p>
+            <a:pPr marL="285750" indent="-285750">
+              <a:buFont typeface="Arial" panose="020B0604020202020204" pitchFamily="34" charset="0"/>
+              <a:buChar char="•"/>
+            </a:pPr>
+            <a:r>
+              <a:rPr lang="de-DE" dirty="0">
+                <a:solidFill>
+                  <a:schemeClr val="bg1"/>
+                </a:solidFill>
+              </a:rPr>
+              <a:t>?</a:t>
+            </a:r>
+          </a:p>
+          <a:p>
+            <a:pPr marL="285750" indent="-285750">
+              <a:buFont typeface="Arial" panose="020B0604020202020204" pitchFamily="34" charset="0"/>
+              <a:buChar char="•"/>
+            </a:pPr>
+            <a:endParaRPr lang="de-DE" dirty="0">
+              <a:solidFill>
+                <a:schemeClr val="bg1"/>
+              </a:solidFill>
+            </a:endParaRPr>
+          </a:p>
+          <a:p>
+            <a:pPr marL="285750" indent="-285750">
+              <a:buFont typeface="Arial" panose="020B0604020202020204" pitchFamily="34" charset="0"/>
+              <a:buChar char="•"/>
+            </a:pPr>
+            <a:r>
+              <a:rPr lang="de-DE" dirty="0">
+                <a:solidFill>
+                  <a:schemeClr val="bg1"/>
+                </a:solidFill>
+              </a:rPr>
+              <a:t>?</a:t>
+            </a:r>
+          </a:p>
+          <a:p>
+            <a:pPr marL="285750" indent="-285750">
+              <a:buFont typeface="Arial" panose="020B0604020202020204" pitchFamily="34" charset="0"/>
+              <a:buChar char="•"/>
+            </a:pPr>
+            <a:endParaRPr lang="de-DE" dirty="0">
+              <a:solidFill>
+                <a:schemeClr val="bg1"/>
+              </a:solidFill>
+            </a:endParaRPr>
+          </a:p>
+          <a:p>
+            <a:pPr marL="285750" indent="-285750">
+              <a:buFont typeface="Arial" panose="020B0604020202020204" pitchFamily="34" charset="0"/>
+              <a:buChar char="•"/>
+            </a:pPr>
+            <a:r>
+              <a:rPr lang="de-DE" dirty="0">
+                <a:solidFill>
+                  <a:schemeClr val="bg1"/>
+                </a:solidFill>
+              </a:rPr>
+              <a:t>?</a:t>
+            </a:r>
+          </a:p>
+          <a:p>
+            <a:pPr marL="285750" indent="-285750">
+              <a:buFont typeface="Arial" panose="020B0604020202020204" pitchFamily="34" charset="0"/>
+              <a:buChar char="•"/>
+            </a:pPr>
+            <a:endParaRPr lang="de-DE" dirty="0">
+              <a:solidFill>
+                <a:schemeClr val="bg1"/>
+              </a:solidFill>
+            </a:endParaRPr>
+          </a:p>
+          <a:p>
+            <a:pPr marL="285750" indent="-285750">
+              <a:buFont typeface="Arial" panose="020B0604020202020204" pitchFamily="34" charset="0"/>
+              <a:buChar char="•"/>
+            </a:pPr>
+            <a:r>
+              <a:rPr lang="de-DE" dirty="0">
+                <a:solidFill>
+                  <a:schemeClr val="bg1"/>
+                </a:solidFill>
+              </a:rPr>
+              <a:t>?</a:t>
+            </a:r>
+          </a:p>
+        </p:txBody>
+      </p:sp>
+      <p:sp>
+        <p:nvSpPr>
+          <p:cNvPr id="5" name="Slide Number Placeholder 4">
+            <a:extLst>
+              <a:ext uri="{FF2B5EF4-FFF2-40B4-BE49-F238E27FC236}">
+                <a16:creationId xmlns:a16="http://schemas.microsoft.com/office/drawing/2014/main" id="{1A68A4A1-C191-7418-DCD5-1521B409655F}"/>
+              </a:ext>
+            </a:extLst>
+          </p:cNvPr>
+          <p:cNvSpPr>
+            <a:spLocks noGrp="1"/>
+          </p:cNvSpPr>
+          <p:nvPr>
+            <p:ph type="sldNum" sz="quarter" idx="12"/>
+          </p:nvPr>
+        </p:nvSpPr>
+        <p:spPr/>
+        <p:txBody>
+          <a:bodyPr/>
+          <a:lstStyle/>
+          <a:p>
+            <a:fld id="{13C740AA-7824-4996-A9A9-B0E74C888E41}" type="slidenum">
+              <a:rPr lang="de-DE" smtClean="0"/>
+              <a:t>5</a:t>
+            </a:fld>
+            <a:endParaRPr lang="de-DE"/>
+          </a:p>
+        </p:txBody>
+      </p:sp>
+    </p:spTree>
+    <p:extLst>
+      <p:ext uri="{BB962C8B-B14F-4D97-AF65-F5344CB8AC3E}">
         <p14:creationId xmlns:p14="http://schemas.microsoft.com/office/powerpoint/2010/main" val="2971243429"/>
       </p:ext>
     </p:extLst>
@@ -10261,12 +12277,2910 @@
   </p:clrMapOvr>
   <mc:AlternateContent xmlns:mc="http://schemas.openxmlformats.org/markup-compatibility/2006">
     <mc:Choice xmlns:p159="http://schemas.microsoft.com/office/powerpoint/2015/09/main" Requires="p159">
-      <p:transition spd="slow">
+      <p:transition spd="med">
         <p159:morph option="byObject"/>
       </p:transition>
     </mc:Choice>
     <mc:Fallback>
-      <p:transition spd="slow">
+      <p:transition spd="med">
+        <p:fade/>
+      </p:transition>
+    </mc:Fallback>
+  </mc:AlternateContent>
+</p:sld>
+</file>
+
+<file path=ppt/slides/slide6.xml><?xml version="1.0" encoding="utf-8"?>
+<p:sld xmlns:a="http://schemas.openxmlformats.org/drawingml/2006/main" xmlns:r="http://schemas.openxmlformats.org/officeDocument/2006/relationships" xmlns:p="http://schemas.openxmlformats.org/presentationml/2006/main">
+  <p:cSld>
+    <p:bg>
+      <p:bgPr>
+        <a:solidFill>
+          <a:schemeClr val="bg1"/>
+        </a:solidFill>
+        <a:effectLst/>
+      </p:bgPr>
+    </p:bg>
+    <p:spTree>
+      <p:nvGrpSpPr>
+        <p:cNvPr id="1" name=""/>
+        <p:cNvGrpSpPr/>
+        <p:nvPr/>
+      </p:nvGrpSpPr>
+      <p:grpSpPr>
+        <a:xfrm>
+          <a:off x="0" y="0"/>
+          <a:ext cx="0" cy="0"/>
+          <a:chOff x="0" y="0"/>
+          <a:chExt cx="0" cy="0"/>
+        </a:xfrm>
+      </p:grpSpPr>
+      <p:sp>
+        <p:nvSpPr>
+          <p:cNvPr id="23" name="Rectangle 22">
+            <a:extLst>
+              <a:ext uri="{FF2B5EF4-FFF2-40B4-BE49-F238E27FC236}">
+                <a16:creationId xmlns:a16="http://schemas.microsoft.com/office/drawing/2014/main" id="{1A9F7B4E-B03D-4F64-BE33-00D074458D45}"/>
+              </a:ext>
+              <a:ext uri="{C183D7F6-B498-43B3-948B-1728B52AA6E4}">
+                <adec:decorative xmlns:adec="http://schemas.microsoft.com/office/drawing/2017/decorative" val="1"/>
+              </a:ext>
+            </a:extLst>
+          </p:cNvPr>
+          <p:cNvSpPr>
+            <a:spLocks noGrp="1" noRot="1" noChangeAspect="1" noMove="1" noResize="1" noEditPoints="1" noAdjustHandles="1" noChangeArrowheads="1" noChangeShapeType="1" noTextEdit="1"/>
+          </p:cNvSpPr>
+          <p:nvPr>
+            <p:extLst>
+              <p:ext uri="{386F3935-93C4-4BCD-93E2-E3B085C9AB24}">
+                <p16:designElem xmlns:p16="http://schemas.microsoft.com/office/powerpoint/2015/main" val="1"/>
+              </p:ext>
+            </p:extLst>
+          </p:nvPr>
+        </p:nvSpPr>
+        <p:spPr>
+          <a:xfrm>
+            <a:off x="0" y="0"/>
+            <a:ext cx="12188952" cy="6858000"/>
+          </a:xfrm>
+          <a:prstGeom prst="rect">
+            <a:avLst/>
+          </a:prstGeom>
+          <a:solidFill>
+            <a:schemeClr val="tx1"/>
+          </a:solidFill>
+          <a:ln>
+            <a:noFill/>
+          </a:ln>
+        </p:spPr>
+        <p:style>
+          <a:lnRef idx="2">
+            <a:schemeClr val="accent1">
+              <a:shade val="50000"/>
+            </a:schemeClr>
+          </a:lnRef>
+          <a:fillRef idx="1">
+            <a:schemeClr val="accent1"/>
+          </a:fillRef>
+          <a:effectRef idx="0">
+            <a:schemeClr val="accent1"/>
+          </a:effectRef>
+          <a:fontRef idx="minor">
+            <a:schemeClr val="lt1"/>
+          </a:fontRef>
+        </p:style>
+        <p:txBody>
+          <a:bodyPr rtlCol="0" anchor="ctr"/>
+          <a:lstStyle/>
+          <a:p>
+            <a:pPr algn="ctr"/>
+            <a:endParaRPr lang="en-US"/>
+          </a:p>
+        </p:txBody>
+      </p:sp>
+      <p:pic>
+        <p:nvPicPr>
+          <p:cNvPr id="18" name="Picture 17" descr="A blue and green lines on a black background&#10;&#10;Description automatically generated">
+            <a:extLst>
+              <a:ext uri="{FF2B5EF4-FFF2-40B4-BE49-F238E27FC236}">
+                <a16:creationId xmlns:a16="http://schemas.microsoft.com/office/drawing/2014/main" id="{9E2CA162-4ACE-88C3-D272-088E41436A49}"/>
+              </a:ext>
+            </a:extLst>
+          </p:cNvPr>
+          <p:cNvPicPr>
+            <a:picLocks noChangeAspect="1"/>
+          </p:cNvPicPr>
+          <p:nvPr/>
+        </p:nvPicPr>
+        <p:blipFill rotWithShape="1">
+          <a:blip r:embed="rId2">
+            <a:alphaModFix amt="40000"/>
+          </a:blip>
+          <a:srcRect t="13655" b="6840"/>
+          <a:stretch/>
+        </p:blipFill>
+        <p:spPr>
+          <a:xfrm>
+            <a:off x="20" y="10"/>
+            <a:ext cx="12191979" cy="6857990"/>
+          </a:xfrm>
+          <a:prstGeom prst="rect">
+            <a:avLst/>
+          </a:prstGeom>
+        </p:spPr>
+      </p:pic>
+      <p:sp>
+        <p:nvSpPr>
+          <p:cNvPr id="2" name="Title 1">
+            <a:extLst>
+              <a:ext uri="{FF2B5EF4-FFF2-40B4-BE49-F238E27FC236}">
+                <a16:creationId xmlns:a16="http://schemas.microsoft.com/office/drawing/2014/main" id="{61CE0095-EFE9-6204-1ACC-4BEB3E59878B}"/>
+              </a:ext>
+            </a:extLst>
+          </p:cNvPr>
+          <p:cNvSpPr>
+            <a:spLocks noGrp="1"/>
+          </p:cNvSpPr>
+          <p:nvPr>
+            <p:ph type="title"/>
+          </p:nvPr>
+        </p:nvSpPr>
+        <p:spPr>
+          <a:xfrm>
+            <a:off x="838200" y="365125"/>
+            <a:ext cx="10515600" cy="1325563"/>
+          </a:xfrm>
+        </p:spPr>
+        <p:txBody>
+          <a:bodyPr vert="horz" lIns="91440" tIns="45720" rIns="91440" bIns="45720" rtlCol="0">
+            <a:normAutofit/>
+          </a:bodyPr>
+          <a:lstStyle/>
+          <a:p>
+            <a:r>
+              <a:rPr lang="en-US" sz="5400" dirty="0">
+                <a:solidFill>
+                  <a:schemeClr val="bg1"/>
+                </a:solidFill>
+              </a:rPr>
+              <a:t>Screenshots</a:t>
+            </a:r>
+          </a:p>
+        </p:txBody>
+      </p:sp>
+      <p:sp>
+        <p:nvSpPr>
+          <p:cNvPr id="25" name="sketchy line">
+            <a:extLst>
+              <a:ext uri="{FF2B5EF4-FFF2-40B4-BE49-F238E27FC236}">
+                <a16:creationId xmlns:a16="http://schemas.microsoft.com/office/drawing/2014/main" id="{7E2BE7F7-CA89-4002-ACCE-A478AEA24F5E}"/>
+              </a:ext>
+              <a:ext uri="{C183D7F6-B498-43B3-948B-1728B52AA6E4}">
+                <adec:decorative xmlns:adec="http://schemas.microsoft.com/office/drawing/2017/decorative" val="1"/>
+              </a:ext>
+            </a:extLst>
+          </p:cNvPr>
+          <p:cNvSpPr>
+            <a:spLocks noGrp="1" noRot="1" noChangeAspect="1" noMove="1" noResize="1" noEditPoints="1" noAdjustHandles="1" noChangeArrowheads="1" noChangeShapeType="1" noTextEdit="1"/>
+          </p:cNvSpPr>
+          <p:nvPr>
+            <p:extLst>
+              <p:ext uri="{386F3935-93C4-4BCD-93E2-E3B085C9AB24}">
+                <p16:designElem xmlns:p16="http://schemas.microsoft.com/office/powerpoint/2015/main" val="1"/>
+              </p:ext>
+            </p:extLst>
+          </p:nvPr>
+        </p:nvSpPr>
+        <p:spPr>
+          <a:xfrm>
+            <a:off x="914399" y="1681544"/>
+            <a:ext cx="9692640" cy="18288"/>
+          </a:xfrm>
+          <a:custGeom>
+            <a:avLst/>
+            <a:gdLst>
+              <a:gd name="connsiteX0" fmla="*/ 0 w 9692640"/>
+              <a:gd name="connsiteY0" fmla="*/ 0 h 18288"/>
+              <a:gd name="connsiteX1" fmla="*/ 401552 w 9692640"/>
+              <a:gd name="connsiteY1" fmla="*/ 0 h 18288"/>
+              <a:gd name="connsiteX2" fmla="*/ 996957 w 9692640"/>
+              <a:gd name="connsiteY2" fmla="*/ 0 h 18288"/>
+              <a:gd name="connsiteX3" fmla="*/ 1398509 w 9692640"/>
+              <a:gd name="connsiteY3" fmla="*/ 0 h 18288"/>
+              <a:gd name="connsiteX4" fmla="*/ 2090841 w 9692640"/>
+              <a:gd name="connsiteY4" fmla="*/ 0 h 18288"/>
+              <a:gd name="connsiteX5" fmla="*/ 2686246 w 9692640"/>
+              <a:gd name="connsiteY5" fmla="*/ 0 h 18288"/>
+              <a:gd name="connsiteX6" fmla="*/ 3475504 w 9692640"/>
+              <a:gd name="connsiteY6" fmla="*/ 0 h 18288"/>
+              <a:gd name="connsiteX7" fmla="*/ 4361688 w 9692640"/>
+              <a:gd name="connsiteY7" fmla="*/ 0 h 18288"/>
+              <a:gd name="connsiteX8" fmla="*/ 5054019 w 9692640"/>
+              <a:gd name="connsiteY8" fmla="*/ 0 h 18288"/>
+              <a:gd name="connsiteX9" fmla="*/ 5940204 w 9692640"/>
+              <a:gd name="connsiteY9" fmla="*/ 0 h 18288"/>
+              <a:gd name="connsiteX10" fmla="*/ 6632535 w 9692640"/>
+              <a:gd name="connsiteY10" fmla="*/ 0 h 18288"/>
+              <a:gd name="connsiteX11" fmla="*/ 7034087 w 9692640"/>
+              <a:gd name="connsiteY11" fmla="*/ 0 h 18288"/>
+              <a:gd name="connsiteX12" fmla="*/ 7532566 w 9692640"/>
+              <a:gd name="connsiteY12" fmla="*/ 0 h 18288"/>
+              <a:gd name="connsiteX13" fmla="*/ 8418750 w 9692640"/>
+              <a:gd name="connsiteY13" fmla="*/ 0 h 18288"/>
+              <a:gd name="connsiteX14" fmla="*/ 9692640 w 9692640"/>
+              <a:gd name="connsiteY14" fmla="*/ 0 h 18288"/>
+              <a:gd name="connsiteX15" fmla="*/ 9692640 w 9692640"/>
+              <a:gd name="connsiteY15" fmla="*/ 18288 h 18288"/>
+              <a:gd name="connsiteX16" fmla="*/ 9000309 w 9692640"/>
+              <a:gd name="connsiteY16" fmla="*/ 18288 h 18288"/>
+              <a:gd name="connsiteX17" fmla="*/ 8307977 w 9692640"/>
+              <a:gd name="connsiteY17" fmla="*/ 18288 h 18288"/>
+              <a:gd name="connsiteX18" fmla="*/ 7712572 w 9692640"/>
+              <a:gd name="connsiteY18" fmla="*/ 18288 h 18288"/>
+              <a:gd name="connsiteX19" fmla="*/ 7214093 w 9692640"/>
+              <a:gd name="connsiteY19" fmla="*/ 18288 h 18288"/>
+              <a:gd name="connsiteX20" fmla="*/ 6327909 w 9692640"/>
+              <a:gd name="connsiteY20" fmla="*/ 18288 h 18288"/>
+              <a:gd name="connsiteX21" fmla="*/ 5635578 w 9692640"/>
+              <a:gd name="connsiteY21" fmla="*/ 18288 h 18288"/>
+              <a:gd name="connsiteX22" fmla="*/ 4846320 w 9692640"/>
+              <a:gd name="connsiteY22" fmla="*/ 18288 h 18288"/>
+              <a:gd name="connsiteX23" fmla="*/ 4444768 w 9692640"/>
+              <a:gd name="connsiteY23" fmla="*/ 18288 h 18288"/>
+              <a:gd name="connsiteX24" fmla="*/ 3946289 w 9692640"/>
+              <a:gd name="connsiteY24" fmla="*/ 18288 h 18288"/>
+              <a:gd name="connsiteX25" fmla="*/ 3253958 w 9692640"/>
+              <a:gd name="connsiteY25" fmla="*/ 18288 h 18288"/>
+              <a:gd name="connsiteX26" fmla="*/ 2464700 w 9692640"/>
+              <a:gd name="connsiteY26" fmla="*/ 18288 h 18288"/>
+              <a:gd name="connsiteX27" fmla="*/ 2063148 w 9692640"/>
+              <a:gd name="connsiteY27" fmla="*/ 18288 h 18288"/>
+              <a:gd name="connsiteX28" fmla="*/ 1661595 w 9692640"/>
+              <a:gd name="connsiteY28" fmla="*/ 18288 h 18288"/>
+              <a:gd name="connsiteX29" fmla="*/ 969264 w 9692640"/>
+              <a:gd name="connsiteY29" fmla="*/ 18288 h 18288"/>
+              <a:gd name="connsiteX30" fmla="*/ 0 w 9692640"/>
+              <a:gd name="connsiteY30" fmla="*/ 18288 h 18288"/>
+              <a:gd name="connsiteX31" fmla="*/ 0 w 9692640"/>
+              <a:gd name="connsiteY31" fmla="*/ 0 h 18288"/>
+            </a:gdLst>
+            <a:ahLst/>
+            <a:cxnLst>
+              <a:cxn ang="0">
+                <a:pos x="connsiteX0" y="connsiteY0"/>
+              </a:cxn>
+              <a:cxn ang="0">
+                <a:pos x="connsiteX1" y="connsiteY1"/>
+              </a:cxn>
+              <a:cxn ang="0">
+                <a:pos x="connsiteX2" y="connsiteY2"/>
+              </a:cxn>
+              <a:cxn ang="0">
+                <a:pos x="connsiteX3" y="connsiteY3"/>
+              </a:cxn>
+              <a:cxn ang="0">
+                <a:pos x="connsiteX4" y="connsiteY4"/>
+              </a:cxn>
+              <a:cxn ang="0">
+                <a:pos x="connsiteX5" y="connsiteY5"/>
+              </a:cxn>
+              <a:cxn ang="0">
+                <a:pos x="connsiteX6" y="connsiteY6"/>
+              </a:cxn>
+              <a:cxn ang="0">
+                <a:pos x="connsiteX7" y="connsiteY7"/>
+              </a:cxn>
+              <a:cxn ang="0">
+                <a:pos x="connsiteX8" y="connsiteY8"/>
+              </a:cxn>
+              <a:cxn ang="0">
+                <a:pos x="connsiteX9" y="connsiteY9"/>
+              </a:cxn>
+              <a:cxn ang="0">
+                <a:pos x="connsiteX10" y="connsiteY10"/>
+              </a:cxn>
+              <a:cxn ang="0">
+                <a:pos x="connsiteX11" y="connsiteY11"/>
+              </a:cxn>
+              <a:cxn ang="0">
+                <a:pos x="connsiteX12" y="connsiteY12"/>
+              </a:cxn>
+              <a:cxn ang="0">
+                <a:pos x="connsiteX13" y="connsiteY13"/>
+              </a:cxn>
+              <a:cxn ang="0">
+                <a:pos x="connsiteX14" y="connsiteY14"/>
+              </a:cxn>
+              <a:cxn ang="0">
+                <a:pos x="connsiteX15" y="connsiteY15"/>
+              </a:cxn>
+              <a:cxn ang="0">
+                <a:pos x="connsiteX16" y="connsiteY16"/>
+              </a:cxn>
+              <a:cxn ang="0">
+                <a:pos x="connsiteX17" y="connsiteY17"/>
+              </a:cxn>
+              <a:cxn ang="0">
+                <a:pos x="connsiteX18" y="connsiteY18"/>
+              </a:cxn>
+              <a:cxn ang="0">
+                <a:pos x="connsiteX19" y="connsiteY19"/>
+              </a:cxn>
+              <a:cxn ang="0">
+                <a:pos x="connsiteX20" y="connsiteY20"/>
+              </a:cxn>
+              <a:cxn ang="0">
+                <a:pos x="connsiteX21" y="connsiteY21"/>
+              </a:cxn>
+              <a:cxn ang="0">
+                <a:pos x="connsiteX22" y="connsiteY22"/>
+              </a:cxn>
+              <a:cxn ang="0">
+                <a:pos x="connsiteX23" y="connsiteY23"/>
+              </a:cxn>
+              <a:cxn ang="0">
+                <a:pos x="connsiteX24" y="connsiteY24"/>
+              </a:cxn>
+              <a:cxn ang="0">
+                <a:pos x="connsiteX25" y="connsiteY25"/>
+              </a:cxn>
+              <a:cxn ang="0">
+                <a:pos x="connsiteX26" y="connsiteY26"/>
+              </a:cxn>
+              <a:cxn ang="0">
+                <a:pos x="connsiteX27" y="connsiteY27"/>
+              </a:cxn>
+              <a:cxn ang="0">
+                <a:pos x="connsiteX28" y="connsiteY28"/>
+              </a:cxn>
+              <a:cxn ang="0">
+                <a:pos x="connsiteX29" y="connsiteY29"/>
+              </a:cxn>
+              <a:cxn ang="0">
+                <a:pos x="connsiteX30" y="connsiteY30"/>
+              </a:cxn>
+              <a:cxn ang="0">
+                <a:pos x="connsiteX31" y="connsiteY31"/>
+              </a:cxn>
+            </a:cxnLst>
+            <a:rect l="l" t="t" r="r" b="b"/>
+            <a:pathLst>
+              <a:path w="9692640" h="18288" fill="none" extrusionOk="0">
+                <a:moveTo>
+                  <a:pt x="0" y="0"/>
+                </a:moveTo>
+                <a:cubicBezTo>
+                  <a:pt x="142992" y="4732"/>
+                  <a:pt x="265909" y="-3365"/>
+                  <a:pt x="401552" y="0"/>
+                </a:cubicBezTo>
+                <a:cubicBezTo>
+                  <a:pt x="537195" y="3365"/>
+                  <a:pt x="738153" y="6482"/>
+                  <a:pt x="996957" y="0"/>
+                </a:cubicBezTo>
+                <a:cubicBezTo>
+                  <a:pt x="1255762" y="-6482"/>
+                  <a:pt x="1280511" y="12509"/>
+                  <a:pt x="1398509" y="0"/>
+                </a:cubicBezTo>
+                <a:cubicBezTo>
+                  <a:pt x="1516507" y="-12509"/>
+                  <a:pt x="1782573" y="-31523"/>
+                  <a:pt x="2090841" y="0"/>
+                </a:cubicBezTo>
+                <a:cubicBezTo>
+                  <a:pt x="2399109" y="31523"/>
+                  <a:pt x="2488380" y="26286"/>
+                  <a:pt x="2686246" y="0"/>
+                </a:cubicBezTo>
+                <a:cubicBezTo>
+                  <a:pt x="2884112" y="-26286"/>
+                  <a:pt x="3186024" y="-14734"/>
+                  <a:pt x="3475504" y="0"/>
+                </a:cubicBezTo>
+                <a:cubicBezTo>
+                  <a:pt x="3764984" y="14734"/>
+                  <a:pt x="4053017" y="43292"/>
+                  <a:pt x="4361688" y="0"/>
+                </a:cubicBezTo>
+                <a:cubicBezTo>
+                  <a:pt x="4670359" y="-43292"/>
+                  <a:pt x="4736164" y="-729"/>
+                  <a:pt x="5054019" y="0"/>
+                </a:cubicBezTo>
+                <a:cubicBezTo>
+                  <a:pt x="5371874" y="729"/>
+                  <a:pt x="5543528" y="-22963"/>
+                  <a:pt x="5940204" y="0"/>
+                </a:cubicBezTo>
+                <a:cubicBezTo>
+                  <a:pt x="6336881" y="22963"/>
+                  <a:pt x="6423838" y="6469"/>
+                  <a:pt x="6632535" y="0"/>
+                </a:cubicBezTo>
+                <a:cubicBezTo>
+                  <a:pt x="6841232" y="-6469"/>
+                  <a:pt x="6852819" y="17036"/>
+                  <a:pt x="7034087" y="0"/>
+                </a:cubicBezTo>
+                <a:cubicBezTo>
+                  <a:pt x="7215355" y="-17036"/>
+                  <a:pt x="7313136" y="11151"/>
+                  <a:pt x="7532566" y="0"/>
+                </a:cubicBezTo>
+                <a:cubicBezTo>
+                  <a:pt x="7751996" y="-11151"/>
+                  <a:pt x="8015001" y="25614"/>
+                  <a:pt x="8418750" y="0"/>
+                </a:cubicBezTo>
+                <a:cubicBezTo>
+                  <a:pt x="8822499" y="-25614"/>
+                  <a:pt x="9163239" y="48603"/>
+                  <a:pt x="9692640" y="0"/>
+                </a:cubicBezTo>
+                <a:cubicBezTo>
+                  <a:pt x="9691955" y="4437"/>
+                  <a:pt x="9693170" y="10717"/>
+                  <a:pt x="9692640" y="18288"/>
+                </a:cubicBezTo>
+                <a:cubicBezTo>
+                  <a:pt x="9545125" y="42172"/>
+                  <a:pt x="9164259" y="6706"/>
+                  <a:pt x="9000309" y="18288"/>
+                </a:cubicBezTo>
+                <a:cubicBezTo>
+                  <a:pt x="8836359" y="29870"/>
+                  <a:pt x="8521035" y="-14108"/>
+                  <a:pt x="8307977" y="18288"/>
+                </a:cubicBezTo>
+                <a:cubicBezTo>
+                  <a:pt x="8094919" y="50684"/>
+                  <a:pt x="7881757" y="11235"/>
+                  <a:pt x="7712572" y="18288"/>
+                </a:cubicBezTo>
+                <a:cubicBezTo>
+                  <a:pt x="7543387" y="25341"/>
+                  <a:pt x="7358861" y="20625"/>
+                  <a:pt x="7214093" y="18288"/>
+                </a:cubicBezTo>
+                <a:cubicBezTo>
+                  <a:pt x="7069325" y="15951"/>
+                  <a:pt x="6523705" y="52160"/>
+                  <a:pt x="6327909" y="18288"/>
+                </a:cubicBezTo>
+                <a:cubicBezTo>
+                  <a:pt x="6132113" y="-15584"/>
+                  <a:pt x="5923847" y="21204"/>
+                  <a:pt x="5635578" y="18288"/>
+                </a:cubicBezTo>
+                <a:cubicBezTo>
+                  <a:pt x="5347309" y="15372"/>
+                  <a:pt x="5114749" y="50642"/>
+                  <a:pt x="4846320" y="18288"/>
+                </a:cubicBezTo>
+                <a:cubicBezTo>
+                  <a:pt x="4577891" y="-14066"/>
+                  <a:pt x="4576701" y="1487"/>
+                  <a:pt x="4444768" y="18288"/>
+                </a:cubicBezTo>
+                <a:cubicBezTo>
+                  <a:pt x="4312835" y="35089"/>
+                  <a:pt x="4112575" y="15158"/>
+                  <a:pt x="3946289" y="18288"/>
+                </a:cubicBezTo>
+                <a:cubicBezTo>
+                  <a:pt x="3780003" y="21418"/>
+                  <a:pt x="3396009" y="18797"/>
+                  <a:pt x="3253958" y="18288"/>
+                </a:cubicBezTo>
+                <a:cubicBezTo>
+                  <a:pt x="3111907" y="17779"/>
+                  <a:pt x="2760272" y="57223"/>
+                  <a:pt x="2464700" y="18288"/>
+                </a:cubicBezTo>
+                <a:cubicBezTo>
+                  <a:pt x="2169128" y="-20647"/>
+                  <a:pt x="2232262" y="7960"/>
+                  <a:pt x="2063148" y="18288"/>
+                </a:cubicBezTo>
+                <a:cubicBezTo>
+                  <a:pt x="1894034" y="28616"/>
+                  <a:pt x="1799338" y="3019"/>
+                  <a:pt x="1661595" y="18288"/>
+                </a:cubicBezTo>
+                <a:cubicBezTo>
+                  <a:pt x="1523852" y="33557"/>
+                  <a:pt x="1113928" y="-4352"/>
+                  <a:pt x="969264" y="18288"/>
+                </a:cubicBezTo>
+                <a:cubicBezTo>
+                  <a:pt x="824600" y="40928"/>
+                  <a:pt x="356149" y="-3128"/>
+                  <a:pt x="0" y="18288"/>
+                </a:cubicBezTo>
+                <a:cubicBezTo>
+                  <a:pt x="-540" y="12521"/>
+                  <a:pt x="894" y="7749"/>
+                  <a:pt x="0" y="0"/>
+                </a:cubicBezTo>
+                <a:close/>
+              </a:path>
+              <a:path w="9692640" h="18288" stroke="0" extrusionOk="0">
+                <a:moveTo>
+                  <a:pt x="0" y="0"/>
+                </a:moveTo>
+                <a:cubicBezTo>
+                  <a:pt x="162642" y="3864"/>
+                  <a:pt x="346119" y="-18364"/>
+                  <a:pt x="498479" y="0"/>
+                </a:cubicBezTo>
+                <a:cubicBezTo>
+                  <a:pt x="650839" y="18364"/>
+                  <a:pt x="712065" y="-9389"/>
+                  <a:pt x="900031" y="0"/>
+                </a:cubicBezTo>
+                <a:cubicBezTo>
+                  <a:pt x="1087997" y="9389"/>
+                  <a:pt x="1177291" y="3685"/>
+                  <a:pt x="1398509" y="0"/>
+                </a:cubicBezTo>
+                <a:cubicBezTo>
+                  <a:pt x="1619727" y="-3685"/>
+                  <a:pt x="1874008" y="-8897"/>
+                  <a:pt x="2090841" y="0"/>
+                </a:cubicBezTo>
+                <a:cubicBezTo>
+                  <a:pt x="2307674" y="8897"/>
+                  <a:pt x="2573432" y="-313"/>
+                  <a:pt x="2880099" y="0"/>
+                </a:cubicBezTo>
+                <a:cubicBezTo>
+                  <a:pt x="3186766" y="313"/>
+                  <a:pt x="3422577" y="10664"/>
+                  <a:pt x="3766283" y="0"/>
+                </a:cubicBezTo>
+                <a:cubicBezTo>
+                  <a:pt x="4109989" y="-10664"/>
+                  <a:pt x="4342683" y="-32873"/>
+                  <a:pt x="4652467" y="0"/>
+                </a:cubicBezTo>
+                <a:cubicBezTo>
+                  <a:pt x="4962251" y="32873"/>
+                  <a:pt x="5122120" y="29155"/>
+                  <a:pt x="5247872" y="0"/>
+                </a:cubicBezTo>
+                <a:cubicBezTo>
+                  <a:pt x="5373625" y="-29155"/>
+                  <a:pt x="5749491" y="1706"/>
+                  <a:pt x="6037130" y="0"/>
+                </a:cubicBezTo>
+                <a:cubicBezTo>
+                  <a:pt x="6324769" y="-1706"/>
+                  <a:pt x="6531407" y="1172"/>
+                  <a:pt x="6729461" y="0"/>
+                </a:cubicBezTo>
+                <a:cubicBezTo>
+                  <a:pt x="6927515" y="-1172"/>
+                  <a:pt x="7096794" y="-1520"/>
+                  <a:pt x="7324867" y="0"/>
+                </a:cubicBezTo>
+                <a:cubicBezTo>
+                  <a:pt x="7552940" y="1520"/>
+                  <a:pt x="7878827" y="-17110"/>
+                  <a:pt x="8114124" y="0"/>
+                </a:cubicBezTo>
+                <a:cubicBezTo>
+                  <a:pt x="8349421" y="17110"/>
+                  <a:pt x="8334208" y="15114"/>
+                  <a:pt x="8515677" y="0"/>
+                </a:cubicBezTo>
+                <a:cubicBezTo>
+                  <a:pt x="8697146" y="-15114"/>
+                  <a:pt x="9236164" y="22466"/>
+                  <a:pt x="9692640" y="0"/>
+                </a:cubicBezTo>
+                <a:cubicBezTo>
+                  <a:pt x="9692735" y="8251"/>
+                  <a:pt x="9692514" y="12333"/>
+                  <a:pt x="9692640" y="18288"/>
+                </a:cubicBezTo>
+                <a:cubicBezTo>
+                  <a:pt x="9410102" y="47398"/>
+                  <a:pt x="9172773" y="7109"/>
+                  <a:pt x="9000309" y="18288"/>
+                </a:cubicBezTo>
+                <a:cubicBezTo>
+                  <a:pt x="8827845" y="29467"/>
+                  <a:pt x="8713608" y="28372"/>
+                  <a:pt x="8501830" y="18288"/>
+                </a:cubicBezTo>
+                <a:cubicBezTo>
+                  <a:pt x="8290052" y="8204"/>
+                  <a:pt x="7893416" y="3561"/>
+                  <a:pt x="7712572" y="18288"/>
+                </a:cubicBezTo>
+                <a:cubicBezTo>
+                  <a:pt x="7531728" y="33015"/>
+                  <a:pt x="7480716" y="17052"/>
+                  <a:pt x="7311020" y="18288"/>
+                </a:cubicBezTo>
+                <a:cubicBezTo>
+                  <a:pt x="7141324" y="19524"/>
+                  <a:pt x="6962706" y="15975"/>
+                  <a:pt x="6618688" y="18288"/>
+                </a:cubicBezTo>
+                <a:cubicBezTo>
+                  <a:pt x="6274670" y="20601"/>
+                  <a:pt x="6230664" y="-1692"/>
+                  <a:pt x="6120210" y="18288"/>
+                </a:cubicBezTo>
+                <a:cubicBezTo>
+                  <a:pt x="6009756" y="38268"/>
+                  <a:pt x="5442516" y="28115"/>
+                  <a:pt x="5234026" y="18288"/>
+                </a:cubicBezTo>
+                <a:cubicBezTo>
+                  <a:pt x="5025536" y="8461"/>
+                  <a:pt x="4953693" y="18182"/>
+                  <a:pt x="4832473" y="18288"/>
+                </a:cubicBezTo>
+                <a:cubicBezTo>
+                  <a:pt x="4711253" y="18394"/>
+                  <a:pt x="4414565" y="-11251"/>
+                  <a:pt x="4140142" y="18288"/>
+                </a:cubicBezTo>
+                <a:cubicBezTo>
+                  <a:pt x="3865719" y="47827"/>
+                  <a:pt x="3819081" y="16772"/>
+                  <a:pt x="3738590" y="18288"/>
+                </a:cubicBezTo>
+                <a:cubicBezTo>
+                  <a:pt x="3658099" y="19804"/>
+                  <a:pt x="3427576" y="1385"/>
+                  <a:pt x="3240111" y="18288"/>
+                </a:cubicBezTo>
+                <a:cubicBezTo>
+                  <a:pt x="3052646" y="35191"/>
+                  <a:pt x="2749652" y="-13914"/>
+                  <a:pt x="2450853" y="18288"/>
+                </a:cubicBezTo>
+                <a:cubicBezTo>
+                  <a:pt x="2152054" y="50490"/>
+                  <a:pt x="1928331" y="61101"/>
+                  <a:pt x="1564669" y="18288"/>
+                </a:cubicBezTo>
+                <a:cubicBezTo>
+                  <a:pt x="1201007" y="-24525"/>
+                  <a:pt x="1217828" y="-275"/>
+                  <a:pt x="1066190" y="18288"/>
+                </a:cubicBezTo>
+                <a:cubicBezTo>
+                  <a:pt x="914552" y="36851"/>
+                  <a:pt x="418290" y="-14785"/>
+                  <a:pt x="0" y="18288"/>
+                </a:cubicBezTo>
+                <a:cubicBezTo>
+                  <a:pt x="641" y="14236"/>
+                  <a:pt x="889" y="7550"/>
+                  <a:pt x="0" y="0"/>
+                </a:cubicBezTo>
+                <a:close/>
+              </a:path>
+            </a:pathLst>
+          </a:custGeom>
+          <a:solidFill>
+            <a:srgbClr val="FFFFFF">
+              <a:alpha val="75000"/>
+            </a:srgbClr>
+          </a:solidFill>
+          <a:ln w="44450" cap="rnd">
+            <a:solidFill>
+              <a:schemeClr val="bg1">
+                <a:alpha val="75000"/>
+              </a:schemeClr>
+            </a:solidFill>
+            <a:round/>
+            <a:extLst>
+              <a:ext uri="{C807C97D-BFC1-408E-A445-0C87EB9F89A2}">
+                <ask:lineSketchStyleProps xmlns:ask="http://schemas.microsoft.com/office/drawing/2018/sketchyshapes" sd="2727557108">
+                  <a:prstGeom prst="rect">
+                    <a:avLst/>
+                  </a:prstGeom>
+                  <ask:type>
+                    <ask:lineSketchFreehand/>
+                  </ask:type>
+                </ask:lineSketchStyleProps>
+              </a:ext>
+            </a:extLst>
+          </a:ln>
+        </p:spPr>
+        <p:style>
+          <a:lnRef idx="2">
+            <a:schemeClr val="accent1">
+              <a:shade val="50000"/>
+            </a:schemeClr>
+          </a:lnRef>
+          <a:fillRef idx="1">
+            <a:schemeClr val="accent1"/>
+          </a:fillRef>
+          <a:effectRef idx="0">
+            <a:schemeClr val="accent1"/>
+          </a:effectRef>
+          <a:fontRef idx="minor">
+            <a:schemeClr val="lt1"/>
+          </a:fontRef>
+        </p:style>
+        <p:txBody>
+          <a:bodyPr rtlCol="0" anchor="ctr"/>
+          <a:lstStyle/>
+          <a:p>
+            <a:pPr algn="ctr"/>
+            <a:endParaRPr lang="en-US"/>
+          </a:p>
+        </p:txBody>
+      </p:sp>
+      <p:sp>
+        <p:nvSpPr>
+          <p:cNvPr id="3" name="Subtitle 2">
+            <a:extLst>
+              <a:ext uri="{FF2B5EF4-FFF2-40B4-BE49-F238E27FC236}">
+                <a16:creationId xmlns:a16="http://schemas.microsoft.com/office/drawing/2014/main" id="{1A33470D-CE91-F3B5-68F7-2CBCAA941809}"/>
+              </a:ext>
+            </a:extLst>
+          </p:cNvPr>
+          <p:cNvSpPr>
+            <a:spLocks noGrp="1"/>
+          </p:cNvSpPr>
+          <p:nvPr>
+            <p:ph idx="1"/>
+          </p:nvPr>
+        </p:nvSpPr>
+        <p:spPr>
+          <a:xfrm>
+            <a:off x="838200" y="2004446"/>
+            <a:ext cx="10515600" cy="4176897"/>
+          </a:xfrm>
+        </p:spPr>
+        <p:txBody>
+          <a:bodyPr vert="horz" lIns="91440" tIns="45720" rIns="91440" bIns="45720" rtlCol="0">
+            <a:normAutofit/>
+          </a:bodyPr>
+          <a:lstStyle/>
+          <a:p>
+            <a:pPr marL="0" indent="0">
+              <a:buNone/>
+            </a:pPr>
+            <a:endParaRPr lang="en-US" sz="2200" dirty="0">
+              <a:solidFill>
+                <a:schemeClr val="bg1"/>
+              </a:solidFill>
+            </a:endParaRPr>
+          </a:p>
+        </p:txBody>
+      </p:sp>
+      <p:sp>
+        <p:nvSpPr>
+          <p:cNvPr id="4" name="TextBox 3">
+            <a:extLst>
+              <a:ext uri="{FF2B5EF4-FFF2-40B4-BE49-F238E27FC236}">
+                <a16:creationId xmlns:a16="http://schemas.microsoft.com/office/drawing/2014/main" id="{D6E95770-3874-517C-5F5D-04D0356C2060}"/>
+              </a:ext>
+            </a:extLst>
+          </p:cNvPr>
+          <p:cNvSpPr txBox="1"/>
+          <p:nvPr/>
+        </p:nvSpPr>
+        <p:spPr>
+          <a:xfrm>
+            <a:off x="9664930" y="1995302"/>
+            <a:ext cx="2472297" cy="2585323"/>
+          </a:xfrm>
+          <a:prstGeom prst="rect">
+            <a:avLst/>
+          </a:prstGeom>
+          <a:noFill/>
+        </p:spPr>
+        <p:txBody>
+          <a:bodyPr wrap="square" rtlCol="0">
+            <a:spAutoFit/>
+          </a:bodyPr>
+          <a:lstStyle/>
+          <a:p>
+            <a:pPr marL="285750" indent="-285750">
+              <a:buFont typeface="Arial" panose="020B0604020202020204" pitchFamily="34" charset="0"/>
+              <a:buChar char="•"/>
+            </a:pPr>
+            <a:r>
+              <a:rPr lang="de-DE" dirty="0">
+                <a:solidFill>
+                  <a:schemeClr val="bg1"/>
+                </a:solidFill>
+              </a:rPr>
+              <a:t>Benutzerverwaltung</a:t>
+            </a:r>
+          </a:p>
+          <a:p>
+            <a:pPr marL="285750" indent="-285750">
+              <a:buFont typeface="Arial" panose="020B0604020202020204" pitchFamily="34" charset="0"/>
+              <a:buChar char="•"/>
+            </a:pPr>
+            <a:endParaRPr lang="de-DE" dirty="0">
+              <a:solidFill>
+                <a:schemeClr val="bg1"/>
+              </a:solidFill>
+            </a:endParaRPr>
+          </a:p>
+          <a:p>
+            <a:pPr marL="285750" indent="-285750">
+              <a:buFont typeface="Arial" panose="020B0604020202020204" pitchFamily="34" charset="0"/>
+              <a:buChar char="•"/>
+            </a:pPr>
+            <a:r>
+              <a:rPr lang="de-DE" dirty="0">
+                <a:solidFill>
+                  <a:schemeClr val="bg1"/>
+                </a:solidFill>
+              </a:rPr>
+              <a:t>?</a:t>
+            </a:r>
+          </a:p>
+          <a:p>
+            <a:pPr marL="285750" indent="-285750">
+              <a:buFont typeface="Arial" panose="020B0604020202020204" pitchFamily="34" charset="0"/>
+              <a:buChar char="•"/>
+            </a:pPr>
+            <a:endParaRPr lang="de-DE" dirty="0">
+              <a:solidFill>
+                <a:schemeClr val="bg1"/>
+              </a:solidFill>
+            </a:endParaRPr>
+          </a:p>
+          <a:p>
+            <a:pPr marL="285750" indent="-285750">
+              <a:buFont typeface="Arial" panose="020B0604020202020204" pitchFamily="34" charset="0"/>
+              <a:buChar char="•"/>
+            </a:pPr>
+            <a:r>
+              <a:rPr lang="de-DE" dirty="0">
+                <a:solidFill>
+                  <a:schemeClr val="bg1"/>
+                </a:solidFill>
+              </a:rPr>
+              <a:t>?</a:t>
+            </a:r>
+          </a:p>
+          <a:p>
+            <a:pPr marL="285750" indent="-285750">
+              <a:buFont typeface="Arial" panose="020B0604020202020204" pitchFamily="34" charset="0"/>
+              <a:buChar char="•"/>
+            </a:pPr>
+            <a:endParaRPr lang="de-DE" dirty="0">
+              <a:solidFill>
+                <a:schemeClr val="bg1"/>
+              </a:solidFill>
+            </a:endParaRPr>
+          </a:p>
+          <a:p>
+            <a:pPr marL="285750" indent="-285750">
+              <a:buFont typeface="Arial" panose="020B0604020202020204" pitchFamily="34" charset="0"/>
+              <a:buChar char="•"/>
+            </a:pPr>
+            <a:r>
+              <a:rPr lang="de-DE" dirty="0">
+                <a:solidFill>
+                  <a:schemeClr val="bg1"/>
+                </a:solidFill>
+              </a:rPr>
+              <a:t>?</a:t>
+            </a:r>
+          </a:p>
+          <a:p>
+            <a:pPr marL="285750" indent="-285750">
+              <a:buFont typeface="Arial" panose="020B0604020202020204" pitchFamily="34" charset="0"/>
+              <a:buChar char="•"/>
+            </a:pPr>
+            <a:endParaRPr lang="de-DE" dirty="0">
+              <a:solidFill>
+                <a:schemeClr val="bg1"/>
+              </a:solidFill>
+            </a:endParaRPr>
+          </a:p>
+          <a:p>
+            <a:pPr marL="285750" indent="-285750">
+              <a:buFont typeface="Arial" panose="020B0604020202020204" pitchFamily="34" charset="0"/>
+              <a:buChar char="•"/>
+            </a:pPr>
+            <a:r>
+              <a:rPr lang="de-DE" dirty="0">
+                <a:solidFill>
+                  <a:schemeClr val="bg1"/>
+                </a:solidFill>
+              </a:rPr>
+              <a:t>?</a:t>
+            </a:r>
+          </a:p>
+        </p:txBody>
+      </p:sp>
+      <p:sp>
+        <p:nvSpPr>
+          <p:cNvPr id="5" name="Slide Number Placeholder 4">
+            <a:extLst>
+              <a:ext uri="{FF2B5EF4-FFF2-40B4-BE49-F238E27FC236}">
+                <a16:creationId xmlns:a16="http://schemas.microsoft.com/office/drawing/2014/main" id="{1A68A4A1-C191-7418-DCD5-1521B409655F}"/>
+              </a:ext>
+            </a:extLst>
+          </p:cNvPr>
+          <p:cNvSpPr>
+            <a:spLocks noGrp="1"/>
+          </p:cNvSpPr>
+          <p:nvPr>
+            <p:ph type="sldNum" sz="quarter" idx="12"/>
+          </p:nvPr>
+        </p:nvSpPr>
+        <p:spPr/>
+        <p:txBody>
+          <a:bodyPr/>
+          <a:lstStyle/>
+          <a:p>
+            <a:fld id="{13C740AA-7824-4996-A9A9-B0E74C888E41}" type="slidenum">
+              <a:rPr lang="de-DE" smtClean="0"/>
+              <a:t>6</a:t>
+            </a:fld>
+            <a:endParaRPr lang="de-DE"/>
+          </a:p>
+        </p:txBody>
+      </p:sp>
+    </p:spTree>
+    <p:extLst>
+      <p:ext uri="{BB962C8B-B14F-4D97-AF65-F5344CB8AC3E}">
+        <p14:creationId xmlns:p14="http://schemas.microsoft.com/office/powerpoint/2010/main" val="2576272442"/>
+      </p:ext>
+    </p:extLst>
+  </p:cSld>
+  <p:clrMapOvr>
+    <a:masterClrMapping/>
+  </p:clrMapOvr>
+  <mc:AlternateContent xmlns:mc="http://schemas.openxmlformats.org/markup-compatibility/2006">
+    <mc:Choice xmlns:p159="http://schemas.microsoft.com/office/powerpoint/2015/09/main" Requires="p159">
+      <p:transition spd="med">
+        <p159:morph option="byObject"/>
+      </p:transition>
+    </mc:Choice>
+    <mc:Fallback>
+      <p:transition spd="med">
+        <p:fade/>
+      </p:transition>
+    </mc:Fallback>
+  </mc:AlternateContent>
+</p:sld>
+</file>
+
+<file path=ppt/slides/slide7.xml><?xml version="1.0" encoding="utf-8"?>
+<p:sld xmlns:a="http://schemas.openxmlformats.org/drawingml/2006/main" xmlns:r="http://schemas.openxmlformats.org/officeDocument/2006/relationships" xmlns:p="http://schemas.openxmlformats.org/presentationml/2006/main">
+  <p:cSld>
+    <p:bg>
+      <p:bgPr>
+        <a:solidFill>
+          <a:schemeClr val="bg1"/>
+        </a:solidFill>
+        <a:effectLst/>
+      </p:bgPr>
+    </p:bg>
+    <p:spTree>
+      <p:nvGrpSpPr>
+        <p:cNvPr id="1" name=""/>
+        <p:cNvGrpSpPr/>
+        <p:nvPr/>
+      </p:nvGrpSpPr>
+      <p:grpSpPr>
+        <a:xfrm>
+          <a:off x="0" y="0"/>
+          <a:ext cx="0" cy="0"/>
+          <a:chOff x="0" y="0"/>
+          <a:chExt cx="0" cy="0"/>
+        </a:xfrm>
+      </p:grpSpPr>
+      <p:sp>
+        <p:nvSpPr>
+          <p:cNvPr id="23" name="Rectangle 22">
+            <a:extLst>
+              <a:ext uri="{FF2B5EF4-FFF2-40B4-BE49-F238E27FC236}">
+                <a16:creationId xmlns:a16="http://schemas.microsoft.com/office/drawing/2014/main" id="{1A9F7B4E-B03D-4F64-BE33-00D074458D45}"/>
+              </a:ext>
+              <a:ext uri="{C183D7F6-B498-43B3-948B-1728B52AA6E4}">
+                <adec:decorative xmlns:adec="http://schemas.microsoft.com/office/drawing/2017/decorative" val="1"/>
+              </a:ext>
+            </a:extLst>
+          </p:cNvPr>
+          <p:cNvSpPr>
+            <a:spLocks noGrp="1" noRot="1" noChangeAspect="1" noMove="1" noResize="1" noEditPoints="1" noAdjustHandles="1" noChangeArrowheads="1" noChangeShapeType="1" noTextEdit="1"/>
+          </p:cNvSpPr>
+          <p:nvPr>
+            <p:extLst>
+              <p:ext uri="{386F3935-93C4-4BCD-93E2-E3B085C9AB24}">
+                <p16:designElem xmlns:p16="http://schemas.microsoft.com/office/powerpoint/2015/main" val="1"/>
+              </p:ext>
+            </p:extLst>
+          </p:nvPr>
+        </p:nvSpPr>
+        <p:spPr>
+          <a:xfrm>
+            <a:off x="0" y="0"/>
+            <a:ext cx="12188952" cy="6858000"/>
+          </a:xfrm>
+          <a:prstGeom prst="rect">
+            <a:avLst/>
+          </a:prstGeom>
+          <a:solidFill>
+            <a:schemeClr val="tx1"/>
+          </a:solidFill>
+          <a:ln>
+            <a:noFill/>
+          </a:ln>
+        </p:spPr>
+        <p:style>
+          <a:lnRef idx="2">
+            <a:schemeClr val="accent1">
+              <a:shade val="50000"/>
+            </a:schemeClr>
+          </a:lnRef>
+          <a:fillRef idx="1">
+            <a:schemeClr val="accent1"/>
+          </a:fillRef>
+          <a:effectRef idx="0">
+            <a:schemeClr val="accent1"/>
+          </a:effectRef>
+          <a:fontRef idx="minor">
+            <a:schemeClr val="lt1"/>
+          </a:fontRef>
+        </p:style>
+        <p:txBody>
+          <a:bodyPr rtlCol="0" anchor="ctr"/>
+          <a:lstStyle/>
+          <a:p>
+            <a:pPr algn="ctr"/>
+            <a:endParaRPr lang="en-US"/>
+          </a:p>
+        </p:txBody>
+      </p:sp>
+      <p:pic>
+        <p:nvPicPr>
+          <p:cNvPr id="18" name="Picture 17" descr="A blue and green lines on a black background&#10;&#10;Description automatically generated">
+            <a:extLst>
+              <a:ext uri="{FF2B5EF4-FFF2-40B4-BE49-F238E27FC236}">
+                <a16:creationId xmlns:a16="http://schemas.microsoft.com/office/drawing/2014/main" id="{9E2CA162-4ACE-88C3-D272-088E41436A49}"/>
+              </a:ext>
+            </a:extLst>
+          </p:cNvPr>
+          <p:cNvPicPr>
+            <a:picLocks noChangeAspect="1"/>
+          </p:cNvPicPr>
+          <p:nvPr/>
+        </p:nvPicPr>
+        <p:blipFill rotWithShape="1">
+          <a:blip r:embed="rId2">
+            <a:alphaModFix amt="40000"/>
+          </a:blip>
+          <a:srcRect t="13655" b="6840"/>
+          <a:stretch/>
+        </p:blipFill>
+        <p:spPr>
+          <a:xfrm>
+            <a:off x="20" y="10"/>
+            <a:ext cx="12191979" cy="6857990"/>
+          </a:xfrm>
+          <a:prstGeom prst="rect">
+            <a:avLst/>
+          </a:prstGeom>
+        </p:spPr>
+      </p:pic>
+      <p:sp>
+        <p:nvSpPr>
+          <p:cNvPr id="2" name="Title 1">
+            <a:extLst>
+              <a:ext uri="{FF2B5EF4-FFF2-40B4-BE49-F238E27FC236}">
+                <a16:creationId xmlns:a16="http://schemas.microsoft.com/office/drawing/2014/main" id="{61CE0095-EFE9-6204-1ACC-4BEB3E59878B}"/>
+              </a:ext>
+            </a:extLst>
+          </p:cNvPr>
+          <p:cNvSpPr>
+            <a:spLocks noGrp="1"/>
+          </p:cNvSpPr>
+          <p:nvPr>
+            <p:ph type="title"/>
+          </p:nvPr>
+        </p:nvSpPr>
+        <p:spPr>
+          <a:xfrm>
+            <a:off x="838200" y="365125"/>
+            <a:ext cx="10515600" cy="1325563"/>
+          </a:xfrm>
+        </p:spPr>
+        <p:txBody>
+          <a:bodyPr vert="horz" lIns="91440" tIns="45720" rIns="91440" bIns="45720" rtlCol="0">
+            <a:normAutofit/>
+          </a:bodyPr>
+          <a:lstStyle/>
+          <a:p>
+            <a:r>
+              <a:rPr lang="en-US" sz="5400" dirty="0">
+                <a:solidFill>
+                  <a:schemeClr val="bg1"/>
+                </a:solidFill>
+              </a:rPr>
+              <a:t>Screenshots</a:t>
+            </a:r>
+          </a:p>
+        </p:txBody>
+      </p:sp>
+      <p:sp>
+        <p:nvSpPr>
+          <p:cNvPr id="25" name="sketchy line">
+            <a:extLst>
+              <a:ext uri="{FF2B5EF4-FFF2-40B4-BE49-F238E27FC236}">
+                <a16:creationId xmlns:a16="http://schemas.microsoft.com/office/drawing/2014/main" id="{7E2BE7F7-CA89-4002-ACCE-A478AEA24F5E}"/>
+              </a:ext>
+              <a:ext uri="{C183D7F6-B498-43B3-948B-1728B52AA6E4}">
+                <adec:decorative xmlns:adec="http://schemas.microsoft.com/office/drawing/2017/decorative" val="1"/>
+              </a:ext>
+            </a:extLst>
+          </p:cNvPr>
+          <p:cNvSpPr>
+            <a:spLocks noGrp="1" noRot="1" noChangeAspect="1" noMove="1" noResize="1" noEditPoints="1" noAdjustHandles="1" noChangeArrowheads="1" noChangeShapeType="1" noTextEdit="1"/>
+          </p:cNvSpPr>
+          <p:nvPr>
+            <p:extLst>
+              <p:ext uri="{386F3935-93C4-4BCD-93E2-E3B085C9AB24}">
+                <p16:designElem xmlns:p16="http://schemas.microsoft.com/office/powerpoint/2015/main" val="1"/>
+              </p:ext>
+            </p:extLst>
+          </p:nvPr>
+        </p:nvSpPr>
+        <p:spPr>
+          <a:xfrm>
+            <a:off x="914399" y="1681544"/>
+            <a:ext cx="9692640" cy="18288"/>
+          </a:xfrm>
+          <a:custGeom>
+            <a:avLst/>
+            <a:gdLst>
+              <a:gd name="connsiteX0" fmla="*/ 0 w 9692640"/>
+              <a:gd name="connsiteY0" fmla="*/ 0 h 18288"/>
+              <a:gd name="connsiteX1" fmla="*/ 401552 w 9692640"/>
+              <a:gd name="connsiteY1" fmla="*/ 0 h 18288"/>
+              <a:gd name="connsiteX2" fmla="*/ 996957 w 9692640"/>
+              <a:gd name="connsiteY2" fmla="*/ 0 h 18288"/>
+              <a:gd name="connsiteX3" fmla="*/ 1398509 w 9692640"/>
+              <a:gd name="connsiteY3" fmla="*/ 0 h 18288"/>
+              <a:gd name="connsiteX4" fmla="*/ 2090841 w 9692640"/>
+              <a:gd name="connsiteY4" fmla="*/ 0 h 18288"/>
+              <a:gd name="connsiteX5" fmla="*/ 2686246 w 9692640"/>
+              <a:gd name="connsiteY5" fmla="*/ 0 h 18288"/>
+              <a:gd name="connsiteX6" fmla="*/ 3475504 w 9692640"/>
+              <a:gd name="connsiteY6" fmla="*/ 0 h 18288"/>
+              <a:gd name="connsiteX7" fmla="*/ 4361688 w 9692640"/>
+              <a:gd name="connsiteY7" fmla="*/ 0 h 18288"/>
+              <a:gd name="connsiteX8" fmla="*/ 5054019 w 9692640"/>
+              <a:gd name="connsiteY8" fmla="*/ 0 h 18288"/>
+              <a:gd name="connsiteX9" fmla="*/ 5940204 w 9692640"/>
+              <a:gd name="connsiteY9" fmla="*/ 0 h 18288"/>
+              <a:gd name="connsiteX10" fmla="*/ 6632535 w 9692640"/>
+              <a:gd name="connsiteY10" fmla="*/ 0 h 18288"/>
+              <a:gd name="connsiteX11" fmla="*/ 7034087 w 9692640"/>
+              <a:gd name="connsiteY11" fmla="*/ 0 h 18288"/>
+              <a:gd name="connsiteX12" fmla="*/ 7532566 w 9692640"/>
+              <a:gd name="connsiteY12" fmla="*/ 0 h 18288"/>
+              <a:gd name="connsiteX13" fmla="*/ 8418750 w 9692640"/>
+              <a:gd name="connsiteY13" fmla="*/ 0 h 18288"/>
+              <a:gd name="connsiteX14" fmla="*/ 9692640 w 9692640"/>
+              <a:gd name="connsiteY14" fmla="*/ 0 h 18288"/>
+              <a:gd name="connsiteX15" fmla="*/ 9692640 w 9692640"/>
+              <a:gd name="connsiteY15" fmla="*/ 18288 h 18288"/>
+              <a:gd name="connsiteX16" fmla="*/ 9000309 w 9692640"/>
+              <a:gd name="connsiteY16" fmla="*/ 18288 h 18288"/>
+              <a:gd name="connsiteX17" fmla="*/ 8307977 w 9692640"/>
+              <a:gd name="connsiteY17" fmla="*/ 18288 h 18288"/>
+              <a:gd name="connsiteX18" fmla="*/ 7712572 w 9692640"/>
+              <a:gd name="connsiteY18" fmla="*/ 18288 h 18288"/>
+              <a:gd name="connsiteX19" fmla="*/ 7214093 w 9692640"/>
+              <a:gd name="connsiteY19" fmla="*/ 18288 h 18288"/>
+              <a:gd name="connsiteX20" fmla="*/ 6327909 w 9692640"/>
+              <a:gd name="connsiteY20" fmla="*/ 18288 h 18288"/>
+              <a:gd name="connsiteX21" fmla="*/ 5635578 w 9692640"/>
+              <a:gd name="connsiteY21" fmla="*/ 18288 h 18288"/>
+              <a:gd name="connsiteX22" fmla="*/ 4846320 w 9692640"/>
+              <a:gd name="connsiteY22" fmla="*/ 18288 h 18288"/>
+              <a:gd name="connsiteX23" fmla="*/ 4444768 w 9692640"/>
+              <a:gd name="connsiteY23" fmla="*/ 18288 h 18288"/>
+              <a:gd name="connsiteX24" fmla="*/ 3946289 w 9692640"/>
+              <a:gd name="connsiteY24" fmla="*/ 18288 h 18288"/>
+              <a:gd name="connsiteX25" fmla="*/ 3253958 w 9692640"/>
+              <a:gd name="connsiteY25" fmla="*/ 18288 h 18288"/>
+              <a:gd name="connsiteX26" fmla="*/ 2464700 w 9692640"/>
+              <a:gd name="connsiteY26" fmla="*/ 18288 h 18288"/>
+              <a:gd name="connsiteX27" fmla="*/ 2063148 w 9692640"/>
+              <a:gd name="connsiteY27" fmla="*/ 18288 h 18288"/>
+              <a:gd name="connsiteX28" fmla="*/ 1661595 w 9692640"/>
+              <a:gd name="connsiteY28" fmla="*/ 18288 h 18288"/>
+              <a:gd name="connsiteX29" fmla="*/ 969264 w 9692640"/>
+              <a:gd name="connsiteY29" fmla="*/ 18288 h 18288"/>
+              <a:gd name="connsiteX30" fmla="*/ 0 w 9692640"/>
+              <a:gd name="connsiteY30" fmla="*/ 18288 h 18288"/>
+              <a:gd name="connsiteX31" fmla="*/ 0 w 9692640"/>
+              <a:gd name="connsiteY31" fmla="*/ 0 h 18288"/>
+            </a:gdLst>
+            <a:ahLst/>
+            <a:cxnLst>
+              <a:cxn ang="0">
+                <a:pos x="connsiteX0" y="connsiteY0"/>
+              </a:cxn>
+              <a:cxn ang="0">
+                <a:pos x="connsiteX1" y="connsiteY1"/>
+              </a:cxn>
+              <a:cxn ang="0">
+                <a:pos x="connsiteX2" y="connsiteY2"/>
+              </a:cxn>
+              <a:cxn ang="0">
+                <a:pos x="connsiteX3" y="connsiteY3"/>
+              </a:cxn>
+              <a:cxn ang="0">
+                <a:pos x="connsiteX4" y="connsiteY4"/>
+              </a:cxn>
+              <a:cxn ang="0">
+                <a:pos x="connsiteX5" y="connsiteY5"/>
+              </a:cxn>
+              <a:cxn ang="0">
+                <a:pos x="connsiteX6" y="connsiteY6"/>
+              </a:cxn>
+              <a:cxn ang="0">
+                <a:pos x="connsiteX7" y="connsiteY7"/>
+              </a:cxn>
+              <a:cxn ang="0">
+                <a:pos x="connsiteX8" y="connsiteY8"/>
+              </a:cxn>
+              <a:cxn ang="0">
+                <a:pos x="connsiteX9" y="connsiteY9"/>
+              </a:cxn>
+              <a:cxn ang="0">
+                <a:pos x="connsiteX10" y="connsiteY10"/>
+              </a:cxn>
+              <a:cxn ang="0">
+                <a:pos x="connsiteX11" y="connsiteY11"/>
+              </a:cxn>
+              <a:cxn ang="0">
+                <a:pos x="connsiteX12" y="connsiteY12"/>
+              </a:cxn>
+              <a:cxn ang="0">
+                <a:pos x="connsiteX13" y="connsiteY13"/>
+              </a:cxn>
+              <a:cxn ang="0">
+                <a:pos x="connsiteX14" y="connsiteY14"/>
+              </a:cxn>
+              <a:cxn ang="0">
+                <a:pos x="connsiteX15" y="connsiteY15"/>
+              </a:cxn>
+              <a:cxn ang="0">
+                <a:pos x="connsiteX16" y="connsiteY16"/>
+              </a:cxn>
+              <a:cxn ang="0">
+                <a:pos x="connsiteX17" y="connsiteY17"/>
+              </a:cxn>
+              <a:cxn ang="0">
+                <a:pos x="connsiteX18" y="connsiteY18"/>
+              </a:cxn>
+              <a:cxn ang="0">
+                <a:pos x="connsiteX19" y="connsiteY19"/>
+              </a:cxn>
+              <a:cxn ang="0">
+                <a:pos x="connsiteX20" y="connsiteY20"/>
+              </a:cxn>
+              <a:cxn ang="0">
+                <a:pos x="connsiteX21" y="connsiteY21"/>
+              </a:cxn>
+              <a:cxn ang="0">
+                <a:pos x="connsiteX22" y="connsiteY22"/>
+              </a:cxn>
+              <a:cxn ang="0">
+                <a:pos x="connsiteX23" y="connsiteY23"/>
+              </a:cxn>
+              <a:cxn ang="0">
+                <a:pos x="connsiteX24" y="connsiteY24"/>
+              </a:cxn>
+              <a:cxn ang="0">
+                <a:pos x="connsiteX25" y="connsiteY25"/>
+              </a:cxn>
+              <a:cxn ang="0">
+                <a:pos x="connsiteX26" y="connsiteY26"/>
+              </a:cxn>
+              <a:cxn ang="0">
+                <a:pos x="connsiteX27" y="connsiteY27"/>
+              </a:cxn>
+              <a:cxn ang="0">
+                <a:pos x="connsiteX28" y="connsiteY28"/>
+              </a:cxn>
+              <a:cxn ang="0">
+                <a:pos x="connsiteX29" y="connsiteY29"/>
+              </a:cxn>
+              <a:cxn ang="0">
+                <a:pos x="connsiteX30" y="connsiteY30"/>
+              </a:cxn>
+              <a:cxn ang="0">
+                <a:pos x="connsiteX31" y="connsiteY31"/>
+              </a:cxn>
+            </a:cxnLst>
+            <a:rect l="l" t="t" r="r" b="b"/>
+            <a:pathLst>
+              <a:path w="9692640" h="18288" fill="none" extrusionOk="0">
+                <a:moveTo>
+                  <a:pt x="0" y="0"/>
+                </a:moveTo>
+                <a:cubicBezTo>
+                  <a:pt x="142992" y="4732"/>
+                  <a:pt x="265909" y="-3365"/>
+                  <a:pt x="401552" y="0"/>
+                </a:cubicBezTo>
+                <a:cubicBezTo>
+                  <a:pt x="537195" y="3365"/>
+                  <a:pt x="738153" y="6482"/>
+                  <a:pt x="996957" y="0"/>
+                </a:cubicBezTo>
+                <a:cubicBezTo>
+                  <a:pt x="1255762" y="-6482"/>
+                  <a:pt x="1280511" y="12509"/>
+                  <a:pt x="1398509" y="0"/>
+                </a:cubicBezTo>
+                <a:cubicBezTo>
+                  <a:pt x="1516507" y="-12509"/>
+                  <a:pt x="1782573" y="-31523"/>
+                  <a:pt x="2090841" y="0"/>
+                </a:cubicBezTo>
+                <a:cubicBezTo>
+                  <a:pt x="2399109" y="31523"/>
+                  <a:pt x="2488380" y="26286"/>
+                  <a:pt x="2686246" y="0"/>
+                </a:cubicBezTo>
+                <a:cubicBezTo>
+                  <a:pt x="2884112" y="-26286"/>
+                  <a:pt x="3186024" y="-14734"/>
+                  <a:pt x="3475504" y="0"/>
+                </a:cubicBezTo>
+                <a:cubicBezTo>
+                  <a:pt x="3764984" y="14734"/>
+                  <a:pt x="4053017" y="43292"/>
+                  <a:pt x="4361688" y="0"/>
+                </a:cubicBezTo>
+                <a:cubicBezTo>
+                  <a:pt x="4670359" y="-43292"/>
+                  <a:pt x="4736164" y="-729"/>
+                  <a:pt x="5054019" y="0"/>
+                </a:cubicBezTo>
+                <a:cubicBezTo>
+                  <a:pt x="5371874" y="729"/>
+                  <a:pt x="5543528" y="-22963"/>
+                  <a:pt x="5940204" y="0"/>
+                </a:cubicBezTo>
+                <a:cubicBezTo>
+                  <a:pt x="6336881" y="22963"/>
+                  <a:pt x="6423838" y="6469"/>
+                  <a:pt x="6632535" y="0"/>
+                </a:cubicBezTo>
+                <a:cubicBezTo>
+                  <a:pt x="6841232" y="-6469"/>
+                  <a:pt x="6852819" y="17036"/>
+                  <a:pt x="7034087" y="0"/>
+                </a:cubicBezTo>
+                <a:cubicBezTo>
+                  <a:pt x="7215355" y="-17036"/>
+                  <a:pt x="7313136" y="11151"/>
+                  <a:pt x="7532566" y="0"/>
+                </a:cubicBezTo>
+                <a:cubicBezTo>
+                  <a:pt x="7751996" y="-11151"/>
+                  <a:pt x="8015001" y="25614"/>
+                  <a:pt x="8418750" y="0"/>
+                </a:cubicBezTo>
+                <a:cubicBezTo>
+                  <a:pt x="8822499" y="-25614"/>
+                  <a:pt x="9163239" y="48603"/>
+                  <a:pt x="9692640" y="0"/>
+                </a:cubicBezTo>
+                <a:cubicBezTo>
+                  <a:pt x="9691955" y="4437"/>
+                  <a:pt x="9693170" y="10717"/>
+                  <a:pt x="9692640" y="18288"/>
+                </a:cubicBezTo>
+                <a:cubicBezTo>
+                  <a:pt x="9545125" y="42172"/>
+                  <a:pt x="9164259" y="6706"/>
+                  <a:pt x="9000309" y="18288"/>
+                </a:cubicBezTo>
+                <a:cubicBezTo>
+                  <a:pt x="8836359" y="29870"/>
+                  <a:pt x="8521035" y="-14108"/>
+                  <a:pt x="8307977" y="18288"/>
+                </a:cubicBezTo>
+                <a:cubicBezTo>
+                  <a:pt x="8094919" y="50684"/>
+                  <a:pt x="7881757" y="11235"/>
+                  <a:pt x="7712572" y="18288"/>
+                </a:cubicBezTo>
+                <a:cubicBezTo>
+                  <a:pt x="7543387" y="25341"/>
+                  <a:pt x="7358861" y="20625"/>
+                  <a:pt x="7214093" y="18288"/>
+                </a:cubicBezTo>
+                <a:cubicBezTo>
+                  <a:pt x="7069325" y="15951"/>
+                  <a:pt x="6523705" y="52160"/>
+                  <a:pt x="6327909" y="18288"/>
+                </a:cubicBezTo>
+                <a:cubicBezTo>
+                  <a:pt x="6132113" y="-15584"/>
+                  <a:pt x="5923847" y="21204"/>
+                  <a:pt x="5635578" y="18288"/>
+                </a:cubicBezTo>
+                <a:cubicBezTo>
+                  <a:pt x="5347309" y="15372"/>
+                  <a:pt x="5114749" y="50642"/>
+                  <a:pt x="4846320" y="18288"/>
+                </a:cubicBezTo>
+                <a:cubicBezTo>
+                  <a:pt x="4577891" y="-14066"/>
+                  <a:pt x="4576701" y="1487"/>
+                  <a:pt x="4444768" y="18288"/>
+                </a:cubicBezTo>
+                <a:cubicBezTo>
+                  <a:pt x="4312835" y="35089"/>
+                  <a:pt x="4112575" y="15158"/>
+                  <a:pt x="3946289" y="18288"/>
+                </a:cubicBezTo>
+                <a:cubicBezTo>
+                  <a:pt x="3780003" y="21418"/>
+                  <a:pt x="3396009" y="18797"/>
+                  <a:pt x="3253958" y="18288"/>
+                </a:cubicBezTo>
+                <a:cubicBezTo>
+                  <a:pt x="3111907" y="17779"/>
+                  <a:pt x="2760272" y="57223"/>
+                  <a:pt x="2464700" y="18288"/>
+                </a:cubicBezTo>
+                <a:cubicBezTo>
+                  <a:pt x="2169128" y="-20647"/>
+                  <a:pt x="2232262" y="7960"/>
+                  <a:pt x="2063148" y="18288"/>
+                </a:cubicBezTo>
+                <a:cubicBezTo>
+                  <a:pt x="1894034" y="28616"/>
+                  <a:pt x="1799338" y="3019"/>
+                  <a:pt x="1661595" y="18288"/>
+                </a:cubicBezTo>
+                <a:cubicBezTo>
+                  <a:pt x="1523852" y="33557"/>
+                  <a:pt x="1113928" y="-4352"/>
+                  <a:pt x="969264" y="18288"/>
+                </a:cubicBezTo>
+                <a:cubicBezTo>
+                  <a:pt x="824600" y="40928"/>
+                  <a:pt x="356149" y="-3128"/>
+                  <a:pt x="0" y="18288"/>
+                </a:cubicBezTo>
+                <a:cubicBezTo>
+                  <a:pt x="-540" y="12521"/>
+                  <a:pt x="894" y="7749"/>
+                  <a:pt x="0" y="0"/>
+                </a:cubicBezTo>
+                <a:close/>
+              </a:path>
+              <a:path w="9692640" h="18288" stroke="0" extrusionOk="0">
+                <a:moveTo>
+                  <a:pt x="0" y="0"/>
+                </a:moveTo>
+                <a:cubicBezTo>
+                  <a:pt x="162642" y="3864"/>
+                  <a:pt x="346119" y="-18364"/>
+                  <a:pt x="498479" y="0"/>
+                </a:cubicBezTo>
+                <a:cubicBezTo>
+                  <a:pt x="650839" y="18364"/>
+                  <a:pt x="712065" y="-9389"/>
+                  <a:pt x="900031" y="0"/>
+                </a:cubicBezTo>
+                <a:cubicBezTo>
+                  <a:pt x="1087997" y="9389"/>
+                  <a:pt x="1177291" y="3685"/>
+                  <a:pt x="1398509" y="0"/>
+                </a:cubicBezTo>
+                <a:cubicBezTo>
+                  <a:pt x="1619727" y="-3685"/>
+                  <a:pt x="1874008" y="-8897"/>
+                  <a:pt x="2090841" y="0"/>
+                </a:cubicBezTo>
+                <a:cubicBezTo>
+                  <a:pt x="2307674" y="8897"/>
+                  <a:pt x="2573432" y="-313"/>
+                  <a:pt x="2880099" y="0"/>
+                </a:cubicBezTo>
+                <a:cubicBezTo>
+                  <a:pt x="3186766" y="313"/>
+                  <a:pt x="3422577" y="10664"/>
+                  <a:pt x="3766283" y="0"/>
+                </a:cubicBezTo>
+                <a:cubicBezTo>
+                  <a:pt x="4109989" y="-10664"/>
+                  <a:pt x="4342683" y="-32873"/>
+                  <a:pt x="4652467" y="0"/>
+                </a:cubicBezTo>
+                <a:cubicBezTo>
+                  <a:pt x="4962251" y="32873"/>
+                  <a:pt x="5122120" y="29155"/>
+                  <a:pt x="5247872" y="0"/>
+                </a:cubicBezTo>
+                <a:cubicBezTo>
+                  <a:pt x="5373625" y="-29155"/>
+                  <a:pt x="5749491" y="1706"/>
+                  <a:pt x="6037130" y="0"/>
+                </a:cubicBezTo>
+                <a:cubicBezTo>
+                  <a:pt x="6324769" y="-1706"/>
+                  <a:pt x="6531407" y="1172"/>
+                  <a:pt x="6729461" y="0"/>
+                </a:cubicBezTo>
+                <a:cubicBezTo>
+                  <a:pt x="6927515" y="-1172"/>
+                  <a:pt x="7096794" y="-1520"/>
+                  <a:pt x="7324867" y="0"/>
+                </a:cubicBezTo>
+                <a:cubicBezTo>
+                  <a:pt x="7552940" y="1520"/>
+                  <a:pt x="7878827" y="-17110"/>
+                  <a:pt x="8114124" y="0"/>
+                </a:cubicBezTo>
+                <a:cubicBezTo>
+                  <a:pt x="8349421" y="17110"/>
+                  <a:pt x="8334208" y="15114"/>
+                  <a:pt x="8515677" y="0"/>
+                </a:cubicBezTo>
+                <a:cubicBezTo>
+                  <a:pt x="8697146" y="-15114"/>
+                  <a:pt x="9236164" y="22466"/>
+                  <a:pt x="9692640" y="0"/>
+                </a:cubicBezTo>
+                <a:cubicBezTo>
+                  <a:pt x="9692735" y="8251"/>
+                  <a:pt x="9692514" y="12333"/>
+                  <a:pt x="9692640" y="18288"/>
+                </a:cubicBezTo>
+                <a:cubicBezTo>
+                  <a:pt x="9410102" y="47398"/>
+                  <a:pt x="9172773" y="7109"/>
+                  <a:pt x="9000309" y="18288"/>
+                </a:cubicBezTo>
+                <a:cubicBezTo>
+                  <a:pt x="8827845" y="29467"/>
+                  <a:pt x="8713608" y="28372"/>
+                  <a:pt x="8501830" y="18288"/>
+                </a:cubicBezTo>
+                <a:cubicBezTo>
+                  <a:pt x="8290052" y="8204"/>
+                  <a:pt x="7893416" y="3561"/>
+                  <a:pt x="7712572" y="18288"/>
+                </a:cubicBezTo>
+                <a:cubicBezTo>
+                  <a:pt x="7531728" y="33015"/>
+                  <a:pt x="7480716" y="17052"/>
+                  <a:pt x="7311020" y="18288"/>
+                </a:cubicBezTo>
+                <a:cubicBezTo>
+                  <a:pt x="7141324" y="19524"/>
+                  <a:pt x="6962706" y="15975"/>
+                  <a:pt x="6618688" y="18288"/>
+                </a:cubicBezTo>
+                <a:cubicBezTo>
+                  <a:pt x="6274670" y="20601"/>
+                  <a:pt x="6230664" y="-1692"/>
+                  <a:pt x="6120210" y="18288"/>
+                </a:cubicBezTo>
+                <a:cubicBezTo>
+                  <a:pt x="6009756" y="38268"/>
+                  <a:pt x="5442516" y="28115"/>
+                  <a:pt x="5234026" y="18288"/>
+                </a:cubicBezTo>
+                <a:cubicBezTo>
+                  <a:pt x="5025536" y="8461"/>
+                  <a:pt x="4953693" y="18182"/>
+                  <a:pt x="4832473" y="18288"/>
+                </a:cubicBezTo>
+                <a:cubicBezTo>
+                  <a:pt x="4711253" y="18394"/>
+                  <a:pt x="4414565" y="-11251"/>
+                  <a:pt x="4140142" y="18288"/>
+                </a:cubicBezTo>
+                <a:cubicBezTo>
+                  <a:pt x="3865719" y="47827"/>
+                  <a:pt x="3819081" y="16772"/>
+                  <a:pt x="3738590" y="18288"/>
+                </a:cubicBezTo>
+                <a:cubicBezTo>
+                  <a:pt x="3658099" y="19804"/>
+                  <a:pt x="3427576" y="1385"/>
+                  <a:pt x="3240111" y="18288"/>
+                </a:cubicBezTo>
+                <a:cubicBezTo>
+                  <a:pt x="3052646" y="35191"/>
+                  <a:pt x="2749652" y="-13914"/>
+                  <a:pt x="2450853" y="18288"/>
+                </a:cubicBezTo>
+                <a:cubicBezTo>
+                  <a:pt x="2152054" y="50490"/>
+                  <a:pt x="1928331" y="61101"/>
+                  <a:pt x="1564669" y="18288"/>
+                </a:cubicBezTo>
+                <a:cubicBezTo>
+                  <a:pt x="1201007" y="-24525"/>
+                  <a:pt x="1217828" y="-275"/>
+                  <a:pt x="1066190" y="18288"/>
+                </a:cubicBezTo>
+                <a:cubicBezTo>
+                  <a:pt x="914552" y="36851"/>
+                  <a:pt x="418290" y="-14785"/>
+                  <a:pt x="0" y="18288"/>
+                </a:cubicBezTo>
+                <a:cubicBezTo>
+                  <a:pt x="641" y="14236"/>
+                  <a:pt x="889" y="7550"/>
+                  <a:pt x="0" y="0"/>
+                </a:cubicBezTo>
+                <a:close/>
+              </a:path>
+            </a:pathLst>
+          </a:custGeom>
+          <a:solidFill>
+            <a:srgbClr val="FFFFFF">
+              <a:alpha val="75000"/>
+            </a:srgbClr>
+          </a:solidFill>
+          <a:ln w="44450" cap="rnd">
+            <a:solidFill>
+              <a:schemeClr val="bg1">
+                <a:alpha val="75000"/>
+              </a:schemeClr>
+            </a:solidFill>
+            <a:round/>
+            <a:extLst>
+              <a:ext uri="{C807C97D-BFC1-408E-A445-0C87EB9F89A2}">
+                <ask:lineSketchStyleProps xmlns:ask="http://schemas.microsoft.com/office/drawing/2018/sketchyshapes" sd="2727557108">
+                  <a:prstGeom prst="rect">
+                    <a:avLst/>
+                  </a:prstGeom>
+                  <ask:type>
+                    <ask:lineSketchFreehand/>
+                  </ask:type>
+                </ask:lineSketchStyleProps>
+              </a:ext>
+            </a:extLst>
+          </a:ln>
+        </p:spPr>
+        <p:style>
+          <a:lnRef idx="2">
+            <a:schemeClr val="accent1">
+              <a:shade val="50000"/>
+            </a:schemeClr>
+          </a:lnRef>
+          <a:fillRef idx="1">
+            <a:schemeClr val="accent1"/>
+          </a:fillRef>
+          <a:effectRef idx="0">
+            <a:schemeClr val="accent1"/>
+          </a:effectRef>
+          <a:fontRef idx="minor">
+            <a:schemeClr val="lt1"/>
+          </a:fontRef>
+        </p:style>
+        <p:txBody>
+          <a:bodyPr rtlCol="0" anchor="ctr"/>
+          <a:lstStyle/>
+          <a:p>
+            <a:pPr algn="ctr"/>
+            <a:endParaRPr lang="en-US"/>
+          </a:p>
+        </p:txBody>
+      </p:sp>
+      <p:sp>
+        <p:nvSpPr>
+          <p:cNvPr id="3" name="Subtitle 2">
+            <a:extLst>
+              <a:ext uri="{FF2B5EF4-FFF2-40B4-BE49-F238E27FC236}">
+                <a16:creationId xmlns:a16="http://schemas.microsoft.com/office/drawing/2014/main" id="{1A33470D-CE91-F3B5-68F7-2CBCAA941809}"/>
+              </a:ext>
+            </a:extLst>
+          </p:cNvPr>
+          <p:cNvSpPr>
+            <a:spLocks noGrp="1"/>
+          </p:cNvSpPr>
+          <p:nvPr>
+            <p:ph idx="1"/>
+          </p:nvPr>
+        </p:nvSpPr>
+        <p:spPr>
+          <a:xfrm>
+            <a:off x="838200" y="2004446"/>
+            <a:ext cx="10515600" cy="4176897"/>
+          </a:xfrm>
+        </p:spPr>
+        <p:txBody>
+          <a:bodyPr vert="horz" lIns="91440" tIns="45720" rIns="91440" bIns="45720" rtlCol="0">
+            <a:normAutofit/>
+          </a:bodyPr>
+          <a:lstStyle/>
+          <a:p>
+            <a:pPr marL="0" indent="0">
+              <a:buNone/>
+            </a:pPr>
+            <a:endParaRPr lang="en-US" sz="2200" dirty="0">
+              <a:solidFill>
+                <a:schemeClr val="bg1"/>
+              </a:solidFill>
+            </a:endParaRPr>
+          </a:p>
+        </p:txBody>
+      </p:sp>
+      <p:sp>
+        <p:nvSpPr>
+          <p:cNvPr id="4" name="TextBox 3">
+            <a:extLst>
+              <a:ext uri="{FF2B5EF4-FFF2-40B4-BE49-F238E27FC236}">
+                <a16:creationId xmlns:a16="http://schemas.microsoft.com/office/drawing/2014/main" id="{D6E95770-3874-517C-5F5D-04D0356C2060}"/>
+              </a:ext>
+            </a:extLst>
+          </p:cNvPr>
+          <p:cNvSpPr txBox="1"/>
+          <p:nvPr/>
+        </p:nvSpPr>
+        <p:spPr>
+          <a:xfrm>
+            <a:off x="9664930" y="1995302"/>
+            <a:ext cx="2472297" cy="2585323"/>
+          </a:xfrm>
+          <a:prstGeom prst="rect">
+            <a:avLst/>
+          </a:prstGeom>
+          <a:noFill/>
+        </p:spPr>
+        <p:txBody>
+          <a:bodyPr wrap="square" rtlCol="0">
+            <a:spAutoFit/>
+          </a:bodyPr>
+          <a:lstStyle/>
+          <a:p>
+            <a:pPr marL="285750" indent="-285750">
+              <a:buFont typeface="Arial" panose="020B0604020202020204" pitchFamily="34" charset="0"/>
+              <a:buChar char="•"/>
+            </a:pPr>
+            <a:r>
+              <a:rPr lang="de-DE" dirty="0">
+                <a:solidFill>
+                  <a:schemeClr val="bg1"/>
+                </a:solidFill>
+              </a:rPr>
+              <a:t>Benutzerverwaltung</a:t>
+            </a:r>
+          </a:p>
+          <a:p>
+            <a:pPr marL="285750" indent="-285750">
+              <a:buFont typeface="Arial" panose="020B0604020202020204" pitchFamily="34" charset="0"/>
+              <a:buChar char="•"/>
+            </a:pPr>
+            <a:endParaRPr lang="de-DE" dirty="0">
+              <a:solidFill>
+                <a:schemeClr val="bg1"/>
+              </a:solidFill>
+            </a:endParaRPr>
+          </a:p>
+          <a:p>
+            <a:pPr marL="285750" indent="-285750">
+              <a:buFont typeface="Arial" panose="020B0604020202020204" pitchFamily="34" charset="0"/>
+              <a:buChar char="•"/>
+            </a:pPr>
+            <a:r>
+              <a:rPr lang="de-DE" dirty="0">
+                <a:solidFill>
+                  <a:schemeClr val="bg1"/>
+                </a:solidFill>
+              </a:rPr>
+              <a:t>?</a:t>
+            </a:r>
+          </a:p>
+          <a:p>
+            <a:pPr marL="285750" indent="-285750">
+              <a:buFont typeface="Arial" panose="020B0604020202020204" pitchFamily="34" charset="0"/>
+              <a:buChar char="•"/>
+            </a:pPr>
+            <a:endParaRPr lang="de-DE" dirty="0">
+              <a:solidFill>
+                <a:schemeClr val="bg1"/>
+              </a:solidFill>
+            </a:endParaRPr>
+          </a:p>
+          <a:p>
+            <a:pPr marL="285750" indent="-285750">
+              <a:buFont typeface="Arial" panose="020B0604020202020204" pitchFamily="34" charset="0"/>
+              <a:buChar char="•"/>
+            </a:pPr>
+            <a:r>
+              <a:rPr lang="de-DE" dirty="0">
+                <a:solidFill>
+                  <a:schemeClr val="bg1"/>
+                </a:solidFill>
+              </a:rPr>
+              <a:t>?</a:t>
+            </a:r>
+          </a:p>
+          <a:p>
+            <a:pPr marL="285750" indent="-285750">
+              <a:buFont typeface="Arial" panose="020B0604020202020204" pitchFamily="34" charset="0"/>
+              <a:buChar char="•"/>
+            </a:pPr>
+            <a:endParaRPr lang="de-DE" dirty="0">
+              <a:solidFill>
+                <a:schemeClr val="bg1"/>
+              </a:solidFill>
+            </a:endParaRPr>
+          </a:p>
+          <a:p>
+            <a:pPr marL="285750" indent="-285750">
+              <a:buFont typeface="Arial" panose="020B0604020202020204" pitchFamily="34" charset="0"/>
+              <a:buChar char="•"/>
+            </a:pPr>
+            <a:r>
+              <a:rPr lang="de-DE" dirty="0">
+                <a:solidFill>
+                  <a:schemeClr val="bg1"/>
+                </a:solidFill>
+              </a:rPr>
+              <a:t>?</a:t>
+            </a:r>
+          </a:p>
+          <a:p>
+            <a:pPr marL="285750" indent="-285750">
+              <a:buFont typeface="Arial" panose="020B0604020202020204" pitchFamily="34" charset="0"/>
+              <a:buChar char="•"/>
+            </a:pPr>
+            <a:endParaRPr lang="de-DE" dirty="0">
+              <a:solidFill>
+                <a:schemeClr val="bg1"/>
+              </a:solidFill>
+            </a:endParaRPr>
+          </a:p>
+          <a:p>
+            <a:pPr marL="285750" indent="-285750">
+              <a:buFont typeface="Arial" panose="020B0604020202020204" pitchFamily="34" charset="0"/>
+              <a:buChar char="•"/>
+            </a:pPr>
+            <a:r>
+              <a:rPr lang="de-DE" dirty="0">
+                <a:solidFill>
+                  <a:schemeClr val="bg1"/>
+                </a:solidFill>
+              </a:rPr>
+              <a:t>?</a:t>
+            </a:r>
+          </a:p>
+        </p:txBody>
+      </p:sp>
+      <p:sp>
+        <p:nvSpPr>
+          <p:cNvPr id="5" name="Slide Number Placeholder 4">
+            <a:extLst>
+              <a:ext uri="{FF2B5EF4-FFF2-40B4-BE49-F238E27FC236}">
+                <a16:creationId xmlns:a16="http://schemas.microsoft.com/office/drawing/2014/main" id="{1A68A4A1-C191-7418-DCD5-1521B409655F}"/>
+              </a:ext>
+            </a:extLst>
+          </p:cNvPr>
+          <p:cNvSpPr>
+            <a:spLocks noGrp="1"/>
+          </p:cNvSpPr>
+          <p:nvPr>
+            <p:ph type="sldNum" sz="quarter" idx="12"/>
+          </p:nvPr>
+        </p:nvSpPr>
+        <p:spPr/>
+        <p:txBody>
+          <a:bodyPr/>
+          <a:lstStyle/>
+          <a:p>
+            <a:fld id="{13C740AA-7824-4996-A9A9-B0E74C888E41}" type="slidenum">
+              <a:rPr lang="de-DE" smtClean="0"/>
+              <a:t>7</a:t>
+            </a:fld>
+            <a:endParaRPr lang="de-DE"/>
+          </a:p>
+        </p:txBody>
+      </p:sp>
+    </p:spTree>
+    <p:extLst>
+      <p:ext uri="{BB962C8B-B14F-4D97-AF65-F5344CB8AC3E}">
+        <p14:creationId xmlns:p14="http://schemas.microsoft.com/office/powerpoint/2010/main" val="796309101"/>
+      </p:ext>
+    </p:extLst>
+  </p:cSld>
+  <p:clrMapOvr>
+    <a:masterClrMapping/>
+  </p:clrMapOvr>
+  <mc:AlternateContent xmlns:mc="http://schemas.openxmlformats.org/markup-compatibility/2006">
+    <mc:Choice xmlns:p159="http://schemas.microsoft.com/office/powerpoint/2015/09/main" Requires="p159">
+      <p:transition spd="med">
+        <p159:morph option="byObject"/>
+      </p:transition>
+    </mc:Choice>
+    <mc:Fallback>
+      <p:transition spd="med">
+        <p:fade/>
+      </p:transition>
+    </mc:Fallback>
+  </mc:AlternateContent>
+</p:sld>
+</file>
+
+<file path=ppt/slides/slide8.xml><?xml version="1.0" encoding="utf-8"?>
+<p:sld xmlns:a="http://schemas.openxmlformats.org/drawingml/2006/main" xmlns:r="http://schemas.openxmlformats.org/officeDocument/2006/relationships" xmlns:p="http://schemas.openxmlformats.org/presentationml/2006/main">
+  <p:cSld>
+    <p:bg>
+      <p:bgPr>
+        <a:solidFill>
+          <a:schemeClr val="bg1"/>
+        </a:solidFill>
+        <a:effectLst/>
+      </p:bgPr>
+    </p:bg>
+    <p:spTree>
+      <p:nvGrpSpPr>
+        <p:cNvPr id="1" name=""/>
+        <p:cNvGrpSpPr/>
+        <p:nvPr/>
+      </p:nvGrpSpPr>
+      <p:grpSpPr>
+        <a:xfrm>
+          <a:off x="0" y="0"/>
+          <a:ext cx="0" cy="0"/>
+          <a:chOff x="0" y="0"/>
+          <a:chExt cx="0" cy="0"/>
+        </a:xfrm>
+      </p:grpSpPr>
+      <p:sp>
+        <p:nvSpPr>
+          <p:cNvPr id="23" name="Rectangle 22">
+            <a:extLst>
+              <a:ext uri="{FF2B5EF4-FFF2-40B4-BE49-F238E27FC236}">
+                <a16:creationId xmlns:a16="http://schemas.microsoft.com/office/drawing/2014/main" id="{1A9F7B4E-B03D-4F64-BE33-00D074458D45}"/>
+              </a:ext>
+              <a:ext uri="{C183D7F6-B498-43B3-948B-1728B52AA6E4}">
+                <adec:decorative xmlns:adec="http://schemas.microsoft.com/office/drawing/2017/decorative" val="1"/>
+              </a:ext>
+            </a:extLst>
+          </p:cNvPr>
+          <p:cNvSpPr>
+            <a:spLocks noGrp="1" noRot="1" noChangeAspect="1" noMove="1" noResize="1" noEditPoints="1" noAdjustHandles="1" noChangeArrowheads="1" noChangeShapeType="1" noTextEdit="1"/>
+          </p:cNvSpPr>
+          <p:nvPr>
+            <p:extLst>
+              <p:ext uri="{386F3935-93C4-4BCD-93E2-E3B085C9AB24}">
+                <p16:designElem xmlns:p16="http://schemas.microsoft.com/office/powerpoint/2015/main" val="1"/>
+              </p:ext>
+            </p:extLst>
+          </p:nvPr>
+        </p:nvSpPr>
+        <p:spPr>
+          <a:xfrm>
+            <a:off x="0" y="0"/>
+            <a:ext cx="12188952" cy="6858000"/>
+          </a:xfrm>
+          <a:prstGeom prst="rect">
+            <a:avLst/>
+          </a:prstGeom>
+          <a:solidFill>
+            <a:schemeClr val="tx1"/>
+          </a:solidFill>
+          <a:ln>
+            <a:noFill/>
+          </a:ln>
+        </p:spPr>
+        <p:style>
+          <a:lnRef idx="2">
+            <a:schemeClr val="accent1">
+              <a:shade val="50000"/>
+            </a:schemeClr>
+          </a:lnRef>
+          <a:fillRef idx="1">
+            <a:schemeClr val="accent1"/>
+          </a:fillRef>
+          <a:effectRef idx="0">
+            <a:schemeClr val="accent1"/>
+          </a:effectRef>
+          <a:fontRef idx="minor">
+            <a:schemeClr val="lt1"/>
+          </a:fontRef>
+        </p:style>
+        <p:txBody>
+          <a:bodyPr rtlCol="0" anchor="ctr"/>
+          <a:lstStyle/>
+          <a:p>
+            <a:pPr algn="ctr"/>
+            <a:endParaRPr lang="en-US"/>
+          </a:p>
+        </p:txBody>
+      </p:sp>
+      <p:pic>
+        <p:nvPicPr>
+          <p:cNvPr id="18" name="Picture 17" descr="A blue and green lines on a black background&#10;&#10;Description automatically generated">
+            <a:extLst>
+              <a:ext uri="{FF2B5EF4-FFF2-40B4-BE49-F238E27FC236}">
+                <a16:creationId xmlns:a16="http://schemas.microsoft.com/office/drawing/2014/main" id="{9E2CA162-4ACE-88C3-D272-088E41436A49}"/>
+              </a:ext>
+            </a:extLst>
+          </p:cNvPr>
+          <p:cNvPicPr>
+            <a:picLocks noChangeAspect="1"/>
+          </p:cNvPicPr>
+          <p:nvPr/>
+        </p:nvPicPr>
+        <p:blipFill rotWithShape="1">
+          <a:blip r:embed="rId2">
+            <a:alphaModFix amt="40000"/>
+          </a:blip>
+          <a:srcRect t="13655" b="6840"/>
+          <a:stretch/>
+        </p:blipFill>
+        <p:spPr>
+          <a:xfrm>
+            <a:off x="20" y="10"/>
+            <a:ext cx="12191979" cy="6857990"/>
+          </a:xfrm>
+          <a:prstGeom prst="rect">
+            <a:avLst/>
+          </a:prstGeom>
+        </p:spPr>
+      </p:pic>
+      <p:sp>
+        <p:nvSpPr>
+          <p:cNvPr id="2" name="Title 1">
+            <a:extLst>
+              <a:ext uri="{FF2B5EF4-FFF2-40B4-BE49-F238E27FC236}">
+                <a16:creationId xmlns:a16="http://schemas.microsoft.com/office/drawing/2014/main" id="{61CE0095-EFE9-6204-1ACC-4BEB3E59878B}"/>
+              </a:ext>
+            </a:extLst>
+          </p:cNvPr>
+          <p:cNvSpPr>
+            <a:spLocks noGrp="1"/>
+          </p:cNvSpPr>
+          <p:nvPr>
+            <p:ph type="title"/>
+          </p:nvPr>
+        </p:nvSpPr>
+        <p:spPr>
+          <a:xfrm>
+            <a:off x="838200" y="365125"/>
+            <a:ext cx="10515600" cy="1325563"/>
+          </a:xfrm>
+        </p:spPr>
+        <p:txBody>
+          <a:bodyPr vert="horz" lIns="91440" tIns="45720" rIns="91440" bIns="45720" rtlCol="0">
+            <a:normAutofit/>
+          </a:bodyPr>
+          <a:lstStyle/>
+          <a:p>
+            <a:r>
+              <a:rPr lang="en-US" sz="5400" dirty="0">
+                <a:solidFill>
+                  <a:schemeClr val="bg1"/>
+                </a:solidFill>
+              </a:rPr>
+              <a:t>Screenshots</a:t>
+            </a:r>
+          </a:p>
+        </p:txBody>
+      </p:sp>
+      <p:sp>
+        <p:nvSpPr>
+          <p:cNvPr id="25" name="sketchy line">
+            <a:extLst>
+              <a:ext uri="{FF2B5EF4-FFF2-40B4-BE49-F238E27FC236}">
+                <a16:creationId xmlns:a16="http://schemas.microsoft.com/office/drawing/2014/main" id="{7E2BE7F7-CA89-4002-ACCE-A478AEA24F5E}"/>
+              </a:ext>
+              <a:ext uri="{C183D7F6-B498-43B3-948B-1728B52AA6E4}">
+                <adec:decorative xmlns:adec="http://schemas.microsoft.com/office/drawing/2017/decorative" val="1"/>
+              </a:ext>
+            </a:extLst>
+          </p:cNvPr>
+          <p:cNvSpPr>
+            <a:spLocks noGrp="1" noRot="1" noChangeAspect="1" noMove="1" noResize="1" noEditPoints="1" noAdjustHandles="1" noChangeArrowheads="1" noChangeShapeType="1" noTextEdit="1"/>
+          </p:cNvSpPr>
+          <p:nvPr>
+            <p:extLst>
+              <p:ext uri="{386F3935-93C4-4BCD-93E2-E3B085C9AB24}">
+                <p16:designElem xmlns:p16="http://schemas.microsoft.com/office/powerpoint/2015/main" val="1"/>
+              </p:ext>
+            </p:extLst>
+          </p:nvPr>
+        </p:nvSpPr>
+        <p:spPr>
+          <a:xfrm>
+            <a:off x="914399" y="1681544"/>
+            <a:ext cx="9692640" cy="18288"/>
+          </a:xfrm>
+          <a:custGeom>
+            <a:avLst/>
+            <a:gdLst>
+              <a:gd name="connsiteX0" fmla="*/ 0 w 9692640"/>
+              <a:gd name="connsiteY0" fmla="*/ 0 h 18288"/>
+              <a:gd name="connsiteX1" fmla="*/ 401552 w 9692640"/>
+              <a:gd name="connsiteY1" fmla="*/ 0 h 18288"/>
+              <a:gd name="connsiteX2" fmla="*/ 996957 w 9692640"/>
+              <a:gd name="connsiteY2" fmla="*/ 0 h 18288"/>
+              <a:gd name="connsiteX3" fmla="*/ 1398509 w 9692640"/>
+              <a:gd name="connsiteY3" fmla="*/ 0 h 18288"/>
+              <a:gd name="connsiteX4" fmla="*/ 2090841 w 9692640"/>
+              <a:gd name="connsiteY4" fmla="*/ 0 h 18288"/>
+              <a:gd name="connsiteX5" fmla="*/ 2686246 w 9692640"/>
+              <a:gd name="connsiteY5" fmla="*/ 0 h 18288"/>
+              <a:gd name="connsiteX6" fmla="*/ 3475504 w 9692640"/>
+              <a:gd name="connsiteY6" fmla="*/ 0 h 18288"/>
+              <a:gd name="connsiteX7" fmla="*/ 4361688 w 9692640"/>
+              <a:gd name="connsiteY7" fmla="*/ 0 h 18288"/>
+              <a:gd name="connsiteX8" fmla="*/ 5054019 w 9692640"/>
+              <a:gd name="connsiteY8" fmla="*/ 0 h 18288"/>
+              <a:gd name="connsiteX9" fmla="*/ 5940204 w 9692640"/>
+              <a:gd name="connsiteY9" fmla="*/ 0 h 18288"/>
+              <a:gd name="connsiteX10" fmla="*/ 6632535 w 9692640"/>
+              <a:gd name="connsiteY10" fmla="*/ 0 h 18288"/>
+              <a:gd name="connsiteX11" fmla="*/ 7034087 w 9692640"/>
+              <a:gd name="connsiteY11" fmla="*/ 0 h 18288"/>
+              <a:gd name="connsiteX12" fmla="*/ 7532566 w 9692640"/>
+              <a:gd name="connsiteY12" fmla="*/ 0 h 18288"/>
+              <a:gd name="connsiteX13" fmla="*/ 8418750 w 9692640"/>
+              <a:gd name="connsiteY13" fmla="*/ 0 h 18288"/>
+              <a:gd name="connsiteX14" fmla="*/ 9692640 w 9692640"/>
+              <a:gd name="connsiteY14" fmla="*/ 0 h 18288"/>
+              <a:gd name="connsiteX15" fmla="*/ 9692640 w 9692640"/>
+              <a:gd name="connsiteY15" fmla="*/ 18288 h 18288"/>
+              <a:gd name="connsiteX16" fmla="*/ 9000309 w 9692640"/>
+              <a:gd name="connsiteY16" fmla="*/ 18288 h 18288"/>
+              <a:gd name="connsiteX17" fmla="*/ 8307977 w 9692640"/>
+              <a:gd name="connsiteY17" fmla="*/ 18288 h 18288"/>
+              <a:gd name="connsiteX18" fmla="*/ 7712572 w 9692640"/>
+              <a:gd name="connsiteY18" fmla="*/ 18288 h 18288"/>
+              <a:gd name="connsiteX19" fmla="*/ 7214093 w 9692640"/>
+              <a:gd name="connsiteY19" fmla="*/ 18288 h 18288"/>
+              <a:gd name="connsiteX20" fmla="*/ 6327909 w 9692640"/>
+              <a:gd name="connsiteY20" fmla="*/ 18288 h 18288"/>
+              <a:gd name="connsiteX21" fmla="*/ 5635578 w 9692640"/>
+              <a:gd name="connsiteY21" fmla="*/ 18288 h 18288"/>
+              <a:gd name="connsiteX22" fmla="*/ 4846320 w 9692640"/>
+              <a:gd name="connsiteY22" fmla="*/ 18288 h 18288"/>
+              <a:gd name="connsiteX23" fmla="*/ 4444768 w 9692640"/>
+              <a:gd name="connsiteY23" fmla="*/ 18288 h 18288"/>
+              <a:gd name="connsiteX24" fmla="*/ 3946289 w 9692640"/>
+              <a:gd name="connsiteY24" fmla="*/ 18288 h 18288"/>
+              <a:gd name="connsiteX25" fmla="*/ 3253958 w 9692640"/>
+              <a:gd name="connsiteY25" fmla="*/ 18288 h 18288"/>
+              <a:gd name="connsiteX26" fmla="*/ 2464700 w 9692640"/>
+              <a:gd name="connsiteY26" fmla="*/ 18288 h 18288"/>
+              <a:gd name="connsiteX27" fmla="*/ 2063148 w 9692640"/>
+              <a:gd name="connsiteY27" fmla="*/ 18288 h 18288"/>
+              <a:gd name="connsiteX28" fmla="*/ 1661595 w 9692640"/>
+              <a:gd name="connsiteY28" fmla="*/ 18288 h 18288"/>
+              <a:gd name="connsiteX29" fmla="*/ 969264 w 9692640"/>
+              <a:gd name="connsiteY29" fmla="*/ 18288 h 18288"/>
+              <a:gd name="connsiteX30" fmla="*/ 0 w 9692640"/>
+              <a:gd name="connsiteY30" fmla="*/ 18288 h 18288"/>
+              <a:gd name="connsiteX31" fmla="*/ 0 w 9692640"/>
+              <a:gd name="connsiteY31" fmla="*/ 0 h 18288"/>
+            </a:gdLst>
+            <a:ahLst/>
+            <a:cxnLst>
+              <a:cxn ang="0">
+                <a:pos x="connsiteX0" y="connsiteY0"/>
+              </a:cxn>
+              <a:cxn ang="0">
+                <a:pos x="connsiteX1" y="connsiteY1"/>
+              </a:cxn>
+              <a:cxn ang="0">
+                <a:pos x="connsiteX2" y="connsiteY2"/>
+              </a:cxn>
+              <a:cxn ang="0">
+                <a:pos x="connsiteX3" y="connsiteY3"/>
+              </a:cxn>
+              <a:cxn ang="0">
+                <a:pos x="connsiteX4" y="connsiteY4"/>
+              </a:cxn>
+              <a:cxn ang="0">
+                <a:pos x="connsiteX5" y="connsiteY5"/>
+              </a:cxn>
+              <a:cxn ang="0">
+                <a:pos x="connsiteX6" y="connsiteY6"/>
+              </a:cxn>
+              <a:cxn ang="0">
+                <a:pos x="connsiteX7" y="connsiteY7"/>
+              </a:cxn>
+              <a:cxn ang="0">
+                <a:pos x="connsiteX8" y="connsiteY8"/>
+              </a:cxn>
+              <a:cxn ang="0">
+                <a:pos x="connsiteX9" y="connsiteY9"/>
+              </a:cxn>
+              <a:cxn ang="0">
+                <a:pos x="connsiteX10" y="connsiteY10"/>
+              </a:cxn>
+              <a:cxn ang="0">
+                <a:pos x="connsiteX11" y="connsiteY11"/>
+              </a:cxn>
+              <a:cxn ang="0">
+                <a:pos x="connsiteX12" y="connsiteY12"/>
+              </a:cxn>
+              <a:cxn ang="0">
+                <a:pos x="connsiteX13" y="connsiteY13"/>
+              </a:cxn>
+              <a:cxn ang="0">
+                <a:pos x="connsiteX14" y="connsiteY14"/>
+              </a:cxn>
+              <a:cxn ang="0">
+                <a:pos x="connsiteX15" y="connsiteY15"/>
+              </a:cxn>
+              <a:cxn ang="0">
+                <a:pos x="connsiteX16" y="connsiteY16"/>
+              </a:cxn>
+              <a:cxn ang="0">
+                <a:pos x="connsiteX17" y="connsiteY17"/>
+              </a:cxn>
+              <a:cxn ang="0">
+                <a:pos x="connsiteX18" y="connsiteY18"/>
+              </a:cxn>
+              <a:cxn ang="0">
+                <a:pos x="connsiteX19" y="connsiteY19"/>
+              </a:cxn>
+              <a:cxn ang="0">
+                <a:pos x="connsiteX20" y="connsiteY20"/>
+              </a:cxn>
+              <a:cxn ang="0">
+                <a:pos x="connsiteX21" y="connsiteY21"/>
+              </a:cxn>
+              <a:cxn ang="0">
+                <a:pos x="connsiteX22" y="connsiteY22"/>
+              </a:cxn>
+              <a:cxn ang="0">
+                <a:pos x="connsiteX23" y="connsiteY23"/>
+              </a:cxn>
+              <a:cxn ang="0">
+                <a:pos x="connsiteX24" y="connsiteY24"/>
+              </a:cxn>
+              <a:cxn ang="0">
+                <a:pos x="connsiteX25" y="connsiteY25"/>
+              </a:cxn>
+              <a:cxn ang="0">
+                <a:pos x="connsiteX26" y="connsiteY26"/>
+              </a:cxn>
+              <a:cxn ang="0">
+                <a:pos x="connsiteX27" y="connsiteY27"/>
+              </a:cxn>
+              <a:cxn ang="0">
+                <a:pos x="connsiteX28" y="connsiteY28"/>
+              </a:cxn>
+              <a:cxn ang="0">
+                <a:pos x="connsiteX29" y="connsiteY29"/>
+              </a:cxn>
+              <a:cxn ang="0">
+                <a:pos x="connsiteX30" y="connsiteY30"/>
+              </a:cxn>
+              <a:cxn ang="0">
+                <a:pos x="connsiteX31" y="connsiteY31"/>
+              </a:cxn>
+            </a:cxnLst>
+            <a:rect l="l" t="t" r="r" b="b"/>
+            <a:pathLst>
+              <a:path w="9692640" h="18288" fill="none" extrusionOk="0">
+                <a:moveTo>
+                  <a:pt x="0" y="0"/>
+                </a:moveTo>
+                <a:cubicBezTo>
+                  <a:pt x="142992" y="4732"/>
+                  <a:pt x="265909" y="-3365"/>
+                  <a:pt x="401552" y="0"/>
+                </a:cubicBezTo>
+                <a:cubicBezTo>
+                  <a:pt x="537195" y="3365"/>
+                  <a:pt x="738153" y="6482"/>
+                  <a:pt x="996957" y="0"/>
+                </a:cubicBezTo>
+                <a:cubicBezTo>
+                  <a:pt x="1255762" y="-6482"/>
+                  <a:pt x="1280511" y="12509"/>
+                  <a:pt x="1398509" y="0"/>
+                </a:cubicBezTo>
+                <a:cubicBezTo>
+                  <a:pt x="1516507" y="-12509"/>
+                  <a:pt x="1782573" y="-31523"/>
+                  <a:pt x="2090841" y="0"/>
+                </a:cubicBezTo>
+                <a:cubicBezTo>
+                  <a:pt x="2399109" y="31523"/>
+                  <a:pt x="2488380" y="26286"/>
+                  <a:pt x="2686246" y="0"/>
+                </a:cubicBezTo>
+                <a:cubicBezTo>
+                  <a:pt x="2884112" y="-26286"/>
+                  <a:pt x="3186024" y="-14734"/>
+                  <a:pt x="3475504" y="0"/>
+                </a:cubicBezTo>
+                <a:cubicBezTo>
+                  <a:pt x="3764984" y="14734"/>
+                  <a:pt x="4053017" y="43292"/>
+                  <a:pt x="4361688" y="0"/>
+                </a:cubicBezTo>
+                <a:cubicBezTo>
+                  <a:pt x="4670359" y="-43292"/>
+                  <a:pt x="4736164" y="-729"/>
+                  <a:pt x="5054019" y="0"/>
+                </a:cubicBezTo>
+                <a:cubicBezTo>
+                  <a:pt x="5371874" y="729"/>
+                  <a:pt x="5543528" y="-22963"/>
+                  <a:pt x="5940204" y="0"/>
+                </a:cubicBezTo>
+                <a:cubicBezTo>
+                  <a:pt x="6336881" y="22963"/>
+                  <a:pt x="6423838" y="6469"/>
+                  <a:pt x="6632535" y="0"/>
+                </a:cubicBezTo>
+                <a:cubicBezTo>
+                  <a:pt x="6841232" y="-6469"/>
+                  <a:pt x="6852819" y="17036"/>
+                  <a:pt x="7034087" y="0"/>
+                </a:cubicBezTo>
+                <a:cubicBezTo>
+                  <a:pt x="7215355" y="-17036"/>
+                  <a:pt x="7313136" y="11151"/>
+                  <a:pt x="7532566" y="0"/>
+                </a:cubicBezTo>
+                <a:cubicBezTo>
+                  <a:pt x="7751996" y="-11151"/>
+                  <a:pt x="8015001" y="25614"/>
+                  <a:pt x="8418750" y="0"/>
+                </a:cubicBezTo>
+                <a:cubicBezTo>
+                  <a:pt x="8822499" y="-25614"/>
+                  <a:pt x="9163239" y="48603"/>
+                  <a:pt x="9692640" y="0"/>
+                </a:cubicBezTo>
+                <a:cubicBezTo>
+                  <a:pt x="9691955" y="4437"/>
+                  <a:pt x="9693170" y="10717"/>
+                  <a:pt x="9692640" y="18288"/>
+                </a:cubicBezTo>
+                <a:cubicBezTo>
+                  <a:pt x="9545125" y="42172"/>
+                  <a:pt x="9164259" y="6706"/>
+                  <a:pt x="9000309" y="18288"/>
+                </a:cubicBezTo>
+                <a:cubicBezTo>
+                  <a:pt x="8836359" y="29870"/>
+                  <a:pt x="8521035" y="-14108"/>
+                  <a:pt x="8307977" y="18288"/>
+                </a:cubicBezTo>
+                <a:cubicBezTo>
+                  <a:pt x="8094919" y="50684"/>
+                  <a:pt x="7881757" y="11235"/>
+                  <a:pt x="7712572" y="18288"/>
+                </a:cubicBezTo>
+                <a:cubicBezTo>
+                  <a:pt x="7543387" y="25341"/>
+                  <a:pt x="7358861" y="20625"/>
+                  <a:pt x="7214093" y="18288"/>
+                </a:cubicBezTo>
+                <a:cubicBezTo>
+                  <a:pt x="7069325" y="15951"/>
+                  <a:pt x="6523705" y="52160"/>
+                  <a:pt x="6327909" y="18288"/>
+                </a:cubicBezTo>
+                <a:cubicBezTo>
+                  <a:pt x="6132113" y="-15584"/>
+                  <a:pt x="5923847" y="21204"/>
+                  <a:pt x="5635578" y="18288"/>
+                </a:cubicBezTo>
+                <a:cubicBezTo>
+                  <a:pt x="5347309" y="15372"/>
+                  <a:pt x="5114749" y="50642"/>
+                  <a:pt x="4846320" y="18288"/>
+                </a:cubicBezTo>
+                <a:cubicBezTo>
+                  <a:pt x="4577891" y="-14066"/>
+                  <a:pt x="4576701" y="1487"/>
+                  <a:pt x="4444768" y="18288"/>
+                </a:cubicBezTo>
+                <a:cubicBezTo>
+                  <a:pt x="4312835" y="35089"/>
+                  <a:pt x="4112575" y="15158"/>
+                  <a:pt x="3946289" y="18288"/>
+                </a:cubicBezTo>
+                <a:cubicBezTo>
+                  <a:pt x="3780003" y="21418"/>
+                  <a:pt x="3396009" y="18797"/>
+                  <a:pt x="3253958" y="18288"/>
+                </a:cubicBezTo>
+                <a:cubicBezTo>
+                  <a:pt x="3111907" y="17779"/>
+                  <a:pt x="2760272" y="57223"/>
+                  <a:pt x="2464700" y="18288"/>
+                </a:cubicBezTo>
+                <a:cubicBezTo>
+                  <a:pt x="2169128" y="-20647"/>
+                  <a:pt x="2232262" y="7960"/>
+                  <a:pt x="2063148" y="18288"/>
+                </a:cubicBezTo>
+                <a:cubicBezTo>
+                  <a:pt x="1894034" y="28616"/>
+                  <a:pt x="1799338" y="3019"/>
+                  <a:pt x="1661595" y="18288"/>
+                </a:cubicBezTo>
+                <a:cubicBezTo>
+                  <a:pt x="1523852" y="33557"/>
+                  <a:pt x="1113928" y="-4352"/>
+                  <a:pt x="969264" y="18288"/>
+                </a:cubicBezTo>
+                <a:cubicBezTo>
+                  <a:pt x="824600" y="40928"/>
+                  <a:pt x="356149" y="-3128"/>
+                  <a:pt x="0" y="18288"/>
+                </a:cubicBezTo>
+                <a:cubicBezTo>
+                  <a:pt x="-540" y="12521"/>
+                  <a:pt x="894" y="7749"/>
+                  <a:pt x="0" y="0"/>
+                </a:cubicBezTo>
+                <a:close/>
+              </a:path>
+              <a:path w="9692640" h="18288" stroke="0" extrusionOk="0">
+                <a:moveTo>
+                  <a:pt x="0" y="0"/>
+                </a:moveTo>
+                <a:cubicBezTo>
+                  <a:pt x="162642" y="3864"/>
+                  <a:pt x="346119" y="-18364"/>
+                  <a:pt x="498479" y="0"/>
+                </a:cubicBezTo>
+                <a:cubicBezTo>
+                  <a:pt x="650839" y="18364"/>
+                  <a:pt x="712065" y="-9389"/>
+                  <a:pt x="900031" y="0"/>
+                </a:cubicBezTo>
+                <a:cubicBezTo>
+                  <a:pt x="1087997" y="9389"/>
+                  <a:pt x="1177291" y="3685"/>
+                  <a:pt x="1398509" y="0"/>
+                </a:cubicBezTo>
+                <a:cubicBezTo>
+                  <a:pt x="1619727" y="-3685"/>
+                  <a:pt x="1874008" y="-8897"/>
+                  <a:pt x="2090841" y="0"/>
+                </a:cubicBezTo>
+                <a:cubicBezTo>
+                  <a:pt x="2307674" y="8897"/>
+                  <a:pt x="2573432" y="-313"/>
+                  <a:pt x="2880099" y="0"/>
+                </a:cubicBezTo>
+                <a:cubicBezTo>
+                  <a:pt x="3186766" y="313"/>
+                  <a:pt x="3422577" y="10664"/>
+                  <a:pt x="3766283" y="0"/>
+                </a:cubicBezTo>
+                <a:cubicBezTo>
+                  <a:pt x="4109989" y="-10664"/>
+                  <a:pt x="4342683" y="-32873"/>
+                  <a:pt x="4652467" y="0"/>
+                </a:cubicBezTo>
+                <a:cubicBezTo>
+                  <a:pt x="4962251" y="32873"/>
+                  <a:pt x="5122120" y="29155"/>
+                  <a:pt x="5247872" y="0"/>
+                </a:cubicBezTo>
+                <a:cubicBezTo>
+                  <a:pt x="5373625" y="-29155"/>
+                  <a:pt x="5749491" y="1706"/>
+                  <a:pt x="6037130" y="0"/>
+                </a:cubicBezTo>
+                <a:cubicBezTo>
+                  <a:pt x="6324769" y="-1706"/>
+                  <a:pt x="6531407" y="1172"/>
+                  <a:pt x="6729461" y="0"/>
+                </a:cubicBezTo>
+                <a:cubicBezTo>
+                  <a:pt x="6927515" y="-1172"/>
+                  <a:pt x="7096794" y="-1520"/>
+                  <a:pt x="7324867" y="0"/>
+                </a:cubicBezTo>
+                <a:cubicBezTo>
+                  <a:pt x="7552940" y="1520"/>
+                  <a:pt x="7878827" y="-17110"/>
+                  <a:pt x="8114124" y="0"/>
+                </a:cubicBezTo>
+                <a:cubicBezTo>
+                  <a:pt x="8349421" y="17110"/>
+                  <a:pt x="8334208" y="15114"/>
+                  <a:pt x="8515677" y="0"/>
+                </a:cubicBezTo>
+                <a:cubicBezTo>
+                  <a:pt x="8697146" y="-15114"/>
+                  <a:pt x="9236164" y="22466"/>
+                  <a:pt x="9692640" y="0"/>
+                </a:cubicBezTo>
+                <a:cubicBezTo>
+                  <a:pt x="9692735" y="8251"/>
+                  <a:pt x="9692514" y="12333"/>
+                  <a:pt x="9692640" y="18288"/>
+                </a:cubicBezTo>
+                <a:cubicBezTo>
+                  <a:pt x="9410102" y="47398"/>
+                  <a:pt x="9172773" y="7109"/>
+                  <a:pt x="9000309" y="18288"/>
+                </a:cubicBezTo>
+                <a:cubicBezTo>
+                  <a:pt x="8827845" y="29467"/>
+                  <a:pt x="8713608" y="28372"/>
+                  <a:pt x="8501830" y="18288"/>
+                </a:cubicBezTo>
+                <a:cubicBezTo>
+                  <a:pt x="8290052" y="8204"/>
+                  <a:pt x="7893416" y="3561"/>
+                  <a:pt x="7712572" y="18288"/>
+                </a:cubicBezTo>
+                <a:cubicBezTo>
+                  <a:pt x="7531728" y="33015"/>
+                  <a:pt x="7480716" y="17052"/>
+                  <a:pt x="7311020" y="18288"/>
+                </a:cubicBezTo>
+                <a:cubicBezTo>
+                  <a:pt x="7141324" y="19524"/>
+                  <a:pt x="6962706" y="15975"/>
+                  <a:pt x="6618688" y="18288"/>
+                </a:cubicBezTo>
+                <a:cubicBezTo>
+                  <a:pt x="6274670" y="20601"/>
+                  <a:pt x="6230664" y="-1692"/>
+                  <a:pt x="6120210" y="18288"/>
+                </a:cubicBezTo>
+                <a:cubicBezTo>
+                  <a:pt x="6009756" y="38268"/>
+                  <a:pt x="5442516" y="28115"/>
+                  <a:pt x="5234026" y="18288"/>
+                </a:cubicBezTo>
+                <a:cubicBezTo>
+                  <a:pt x="5025536" y="8461"/>
+                  <a:pt x="4953693" y="18182"/>
+                  <a:pt x="4832473" y="18288"/>
+                </a:cubicBezTo>
+                <a:cubicBezTo>
+                  <a:pt x="4711253" y="18394"/>
+                  <a:pt x="4414565" y="-11251"/>
+                  <a:pt x="4140142" y="18288"/>
+                </a:cubicBezTo>
+                <a:cubicBezTo>
+                  <a:pt x="3865719" y="47827"/>
+                  <a:pt x="3819081" y="16772"/>
+                  <a:pt x="3738590" y="18288"/>
+                </a:cubicBezTo>
+                <a:cubicBezTo>
+                  <a:pt x="3658099" y="19804"/>
+                  <a:pt x="3427576" y="1385"/>
+                  <a:pt x="3240111" y="18288"/>
+                </a:cubicBezTo>
+                <a:cubicBezTo>
+                  <a:pt x="3052646" y="35191"/>
+                  <a:pt x="2749652" y="-13914"/>
+                  <a:pt x="2450853" y="18288"/>
+                </a:cubicBezTo>
+                <a:cubicBezTo>
+                  <a:pt x="2152054" y="50490"/>
+                  <a:pt x="1928331" y="61101"/>
+                  <a:pt x="1564669" y="18288"/>
+                </a:cubicBezTo>
+                <a:cubicBezTo>
+                  <a:pt x="1201007" y="-24525"/>
+                  <a:pt x="1217828" y="-275"/>
+                  <a:pt x="1066190" y="18288"/>
+                </a:cubicBezTo>
+                <a:cubicBezTo>
+                  <a:pt x="914552" y="36851"/>
+                  <a:pt x="418290" y="-14785"/>
+                  <a:pt x="0" y="18288"/>
+                </a:cubicBezTo>
+                <a:cubicBezTo>
+                  <a:pt x="641" y="14236"/>
+                  <a:pt x="889" y="7550"/>
+                  <a:pt x="0" y="0"/>
+                </a:cubicBezTo>
+                <a:close/>
+              </a:path>
+            </a:pathLst>
+          </a:custGeom>
+          <a:solidFill>
+            <a:srgbClr val="FFFFFF">
+              <a:alpha val="75000"/>
+            </a:srgbClr>
+          </a:solidFill>
+          <a:ln w="44450" cap="rnd">
+            <a:solidFill>
+              <a:schemeClr val="bg1">
+                <a:alpha val="75000"/>
+              </a:schemeClr>
+            </a:solidFill>
+            <a:round/>
+            <a:extLst>
+              <a:ext uri="{C807C97D-BFC1-408E-A445-0C87EB9F89A2}">
+                <ask:lineSketchStyleProps xmlns:ask="http://schemas.microsoft.com/office/drawing/2018/sketchyshapes" sd="2727557108">
+                  <a:prstGeom prst="rect">
+                    <a:avLst/>
+                  </a:prstGeom>
+                  <ask:type>
+                    <ask:lineSketchFreehand/>
+                  </ask:type>
+                </ask:lineSketchStyleProps>
+              </a:ext>
+            </a:extLst>
+          </a:ln>
+        </p:spPr>
+        <p:style>
+          <a:lnRef idx="2">
+            <a:schemeClr val="accent1">
+              <a:shade val="50000"/>
+            </a:schemeClr>
+          </a:lnRef>
+          <a:fillRef idx="1">
+            <a:schemeClr val="accent1"/>
+          </a:fillRef>
+          <a:effectRef idx="0">
+            <a:schemeClr val="accent1"/>
+          </a:effectRef>
+          <a:fontRef idx="minor">
+            <a:schemeClr val="lt1"/>
+          </a:fontRef>
+        </p:style>
+        <p:txBody>
+          <a:bodyPr rtlCol="0" anchor="ctr"/>
+          <a:lstStyle/>
+          <a:p>
+            <a:pPr algn="ctr"/>
+            <a:endParaRPr lang="en-US"/>
+          </a:p>
+        </p:txBody>
+      </p:sp>
+      <p:sp>
+        <p:nvSpPr>
+          <p:cNvPr id="3" name="Subtitle 2">
+            <a:extLst>
+              <a:ext uri="{FF2B5EF4-FFF2-40B4-BE49-F238E27FC236}">
+                <a16:creationId xmlns:a16="http://schemas.microsoft.com/office/drawing/2014/main" id="{1A33470D-CE91-F3B5-68F7-2CBCAA941809}"/>
+              </a:ext>
+            </a:extLst>
+          </p:cNvPr>
+          <p:cNvSpPr>
+            <a:spLocks noGrp="1"/>
+          </p:cNvSpPr>
+          <p:nvPr>
+            <p:ph idx="1"/>
+          </p:nvPr>
+        </p:nvSpPr>
+        <p:spPr>
+          <a:xfrm>
+            <a:off x="838200" y="2004446"/>
+            <a:ext cx="10515600" cy="4176897"/>
+          </a:xfrm>
+        </p:spPr>
+        <p:txBody>
+          <a:bodyPr vert="horz" lIns="91440" tIns="45720" rIns="91440" bIns="45720" rtlCol="0">
+            <a:normAutofit/>
+          </a:bodyPr>
+          <a:lstStyle/>
+          <a:p>
+            <a:pPr marL="0" indent="0">
+              <a:buNone/>
+            </a:pPr>
+            <a:endParaRPr lang="en-US" sz="2200" dirty="0">
+              <a:solidFill>
+                <a:schemeClr val="bg1"/>
+              </a:solidFill>
+            </a:endParaRPr>
+          </a:p>
+        </p:txBody>
+      </p:sp>
+      <p:sp>
+        <p:nvSpPr>
+          <p:cNvPr id="4" name="TextBox 3">
+            <a:extLst>
+              <a:ext uri="{FF2B5EF4-FFF2-40B4-BE49-F238E27FC236}">
+                <a16:creationId xmlns:a16="http://schemas.microsoft.com/office/drawing/2014/main" id="{D6E95770-3874-517C-5F5D-04D0356C2060}"/>
+              </a:ext>
+            </a:extLst>
+          </p:cNvPr>
+          <p:cNvSpPr txBox="1"/>
+          <p:nvPr/>
+        </p:nvSpPr>
+        <p:spPr>
+          <a:xfrm>
+            <a:off x="9664930" y="1995302"/>
+            <a:ext cx="2472297" cy="2585323"/>
+          </a:xfrm>
+          <a:prstGeom prst="rect">
+            <a:avLst/>
+          </a:prstGeom>
+          <a:noFill/>
+        </p:spPr>
+        <p:txBody>
+          <a:bodyPr wrap="square" rtlCol="0">
+            <a:spAutoFit/>
+          </a:bodyPr>
+          <a:lstStyle/>
+          <a:p>
+            <a:pPr marL="285750" indent="-285750">
+              <a:buFont typeface="Arial" panose="020B0604020202020204" pitchFamily="34" charset="0"/>
+              <a:buChar char="•"/>
+            </a:pPr>
+            <a:r>
+              <a:rPr lang="de-DE" dirty="0">
+                <a:solidFill>
+                  <a:schemeClr val="bg1"/>
+                </a:solidFill>
+              </a:rPr>
+              <a:t>Benutzerverwaltung</a:t>
+            </a:r>
+          </a:p>
+          <a:p>
+            <a:pPr marL="285750" indent="-285750">
+              <a:buFont typeface="Arial" panose="020B0604020202020204" pitchFamily="34" charset="0"/>
+              <a:buChar char="•"/>
+            </a:pPr>
+            <a:endParaRPr lang="de-DE" dirty="0">
+              <a:solidFill>
+                <a:schemeClr val="bg1"/>
+              </a:solidFill>
+            </a:endParaRPr>
+          </a:p>
+          <a:p>
+            <a:pPr marL="285750" indent="-285750">
+              <a:buFont typeface="Arial" panose="020B0604020202020204" pitchFamily="34" charset="0"/>
+              <a:buChar char="•"/>
+            </a:pPr>
+            <a:r>
+              <a:rPr lang="de-DE" dirty="0">
+                <a:solidFill>
+                  <a:schemeClr val="bg1"/>
+                </a:solidFill>
+              </a:rPr>
+              <a:t>?</a:t>
+            </a:r>
+          </a:p>
+          <a:p>
+            <a:pPr marL="285750" indent="-285750">
+              <a:buFont typeface="Arial" panose="020B0604020202020204" pitchFamily="34" charset="0"/>
+              <a:buChar char="•"/>
+            </a:pPr>
+            <a:endParaRPr lang="de-DE" dirty="0">
+              <a:solidFill>
+                <a:schemeClr val="bg1"/>
+              </a:solidFill>
+            </a:endParaRPr>
+          </a:p>
+          <a:p>
+            <a:pPr marL="285750" indent="-285750">
+              <a:buFont typeface="Arial" panose="020B0604020202020204" pitchFamily="34" charset="0"/>
+              <a:buChar char="•"/>
+            </a:pPr>
+            <a:r>
+              <a:rPr lang="de-DE" dirty="0">
+                <a:solidFill>
+                  <a:schemeClr val="bg1"/>
+                </a:solidFill>
+              </a:rPr>
+              <a:t>?</a:t>
+            </a:r>
+          </a:p>
+          <a:p>
+            <a:pPr marL="285750" indent="-285750">
+              <a:buFont typeface="Arial" panose="020B0604020202020204" pitchFamily="34" charset="0"/>
+              <a:buChar char="•"/>
+            </a:pPr>
+            <a:endParaRPr lang="de-DE" dirty="0">
+              <a:solidFill>
+                <a:schemeClr val="bg1"/>
+              </a:solidFill>
+            </a:endParaRPr>
+          </a:p>
+          <a:p>
+            <a:pPr marL="285750" indent="-285750">
+              <a:buFont typeface="Arial" panose="020B0604020202020204" pitchFamily="34" charset="0"/>
+              <a:buChar char="•"/>
+            </a:pPr>
+            <a:r>
+              <a:rPr lang="de-DE" dirty="0">
+                <a:solidFill>
+                  <a:schemeClr val="bg1"/>
+                </a:solidFill>
+              </a:rPr>
+              <a:t>?</a:t>
+            </a:r>
+          </a:p>
+          <a:p>
+            <a:pPr marL="285750" indent="-285750">
+              <a:buFont typeface="Arial" panose="020B0604020202020204" pitchFamily="34" charset="0"/>
+              <a:buChar char="•"/>
+            </a:pPr>
+            <a:endParaRPr lang="de-DE" dirty="0">
+              <a:solidFill>
+                <a:schemeClr val="bg1"/>
+              </a:solidFill>
+            </a:endParaRPr>
+          </a:p>
+          <a:p>
+            <a:pPr marL="285750" indent="-285750">
+              <a:buFont typeface="Arial" panose="020B0604020202020204" pitchFamily="34" charset="0"/>
+              <a:buChar char="•"/>
+            </a:pPr>
+            <a:r>
+              <a:rPr lang="de-DE" dirty="0">
+                <a:solidFill>
+                  <a:schemeClr val="bg1"/>
+                </a:solidFill>
+              </a:rPr>
+              <a:t>?</a:t>
+            </a:r>
+          </a:p>
+        </p:txBody>
+      </p:sp>
+      <p:sp>
+        <p:nvSpPr>
+          <p:cNvPr id="5" name="Slide Number Placeholder 4">
+            <a:extLst>
+              <a:ext uri="{FF2B5EF4-FFF2-40B4-BE49-F238E27FC236}">
+                <a16:creationId xmlns:a16="http://schemas.microsoft.com/office/drawing/2014/main" id="{1A68A4A1-C191-7418-DCD5-1521B409655F}"/>
+              </a:ext>
+            </a:extLst>
+          </p:cNvPr>
+          <p:cNvSpPr>
+            <a:spLocks noGrp="1"/>
+          </p:cNvSpPr>
+          <p:nvPr>
+            <p:ph type="sldNum" sz="quarter" idx="12"/>
+          </p:nvPr>
+        </p:nvSpPr>
+        <p:spPr/>
+        <p:txBody>
+          <a:bodyPr/>
+          <a:lstStyle/>
+          <a:p>
+            <a:fld id="{13C740AA-7824-4996-A9A9-B0E74C888E41}" type="slidenum">
+              <a:rPr lang="de-DE" smtClean="0"/>
+              <a:t>8</a:t>
+            </a:fld>
+            <a:endParaRPr lang="de-DE"/>
+          </a:p>
+        </p:txBody>
+      </p:sp>
+    </p:spTree>
+    <p:extLst>
+      <p:ext uri="{BB962C8B-B14F-4D97-AF65-F5344CB8AC3E}">
+        <p14:creationId xmlns:p14="http://schemas.microsoft.com/office/powerpoint/2010/main" val="591343553"/>
+      </p:ext>
+    </p:extLst>
+  </p:cSld>
+  <p:clrMapOvr>
+    <a:masterClrMapping/>
+  </p:clrMapOvr>
+  <mc:AlternateContent xmlns:mc="http://schemas.openxmlformats.org/markup-compatibility/2006">
+    <mc:Choice xmlns:p159="http://schemas.microsoft.com/office/powerpoint/2015/09/main" Requires="p159">
+      <p:transition spd="med">
+        <p159:morph option="byObject"/>
+      </p:transition>
+    </mc:Choice>
+    <mc:Fallback>
+      <p:transition spd="med">
         <p:fade/>
       </p:transition>
     </mc:Fallback>

--- a/Präst_Profitabilität.pptx
+++ b/Präst_Profitabilität.pptx
@@ -5,17 +5,18 @@
     <p:sldMasterId id="2147483648" r:id="rId1"/>
   </p:sldMasterIdLst>
   <p:notesMasterIdLst>
-    <p:notesMasterId r:id="rId10"/>
+    <p:notesMasterId r:id="rId11"/>
   </p:notesMasterIdLst>
   <p:sldIdLst>
     <p:sldId id="256" r:id="rId2"/>
     <p:sldId id="257" r:id="rId3"/>
     <p:sldId id="260" r:id="rId4"/>
     <p:sldId id="259" r:id="rId5"/>
-    <p:sldId id="258" r:id="rId6"/>
-    <p:sldId id="261" r:id="rId7"/>
-    <p:sldId id="262" r:id="rId8"/>
-    <p:sldId id="263" r:id="rId9"/>
+    <p:sldId id="264" r:id="rId6"/>
+    <p:sldId id="258" r:id="rId7"/>
+    <p:sldId id="261" r:id="rId8"/>
+    <p:sldId id="262" r:id="rId9"/>
+    <p:sldId id="263" r:id="rId10"/>
   </p:sldIdLst>
   <p:sldSz cx="12192000" cy="6858000"/>
   <p:notesSz cx="6858000" cy="9144000"/>
@@ -374,7 +375,7 @@
           <a:p>
             <a:fld id="{4D6228A4-D5D2-43EB-AD64-3613E5F089FE}" type="slidenum">
               <a:rPr lang="de-DE" smtClean="0"/>
-              <a:t>‹#›</a:t>
+              <a:t>‹Nr.›</a:t>
             </a:fld>
             <a:endParaRPr lang="de-DE"/>
           </a:p>
@@ -770,7 +771,7 @@
           <a:p>
             <a:fld id="{13C740AA-7824-4996-A9A9-B0E74C888E41}" type="slidenum">
               <a:rPr lang="de-DE" smtClean="0"/>
-              <a:t>‹#›</a:t>
+              <a:t>‹Nr.›</a:t>
             </a:fld>
             <a:endParaRPr lang="de-DE"/>
           </a:p>
@@ -786,13 +787,13 @@
   <p:clrMapOvr>
     <a:masterClrMapping/>
   </p:clrMapOvr>
-  <mc:AlternateContent xmlns:mc="http://schemas.openxmlformats.org/markup-compatibility/2006">
-    <mc:Choice xmlns:p159="http://schemas.microsoft.com/office/powerpoint/2015/09/main" Requires="p159">
+  <mc:AlternateContent xmlns:mc="http://schemas.openxmlformats.org/markup-compatibility/2006" xmlns:p159="http://schemas.microsoft.com/office/powerpoint/2015/09/main">
+    <mc:Choice Requires="p159">
       <p:transition spd="med">
         <p159:morph option="byObject"/>
       </p:transition>
     </mc:Choice>
-    <mc:Fallback>
+    <mc:Fallback xmlns="">
       <p:transition spd="med">
         <p:fade/>
       </p:transition>
@@ -982,7 +983,7 @@
           <a:p>
             <a:fld id="{13C740AA-7824-4996-A9A9-B0E74C888E41}" type="slidenum">
               <a:rPr lang="de-DE" smtClean="0"/>
-              <a:t>‹#›</a:t>
+              <a:t>‹Nr.›</a:t>
             </a:fld>
             <a:endParaRPr lang="de-DE"/>
           </a:p>
@@ -998,13 +999,13 @@
   <p:clrMapOvr>
     <a:masterClrMapping/>
   </p:clrMapOvr>
-  <mc:AlternateContent xmlns:mc="http://schemas.openxmlformats.org/markup-compatibility/2006">
-    <mc:Choice xmlns:p159="http://schemas.microsoft.com/office/powerpoint/2015/09/main" Requires="p159">
+  <mc:AlternateContent xmlns:mc="http://schemas.openxmlformats.org/markup-compatibility/2006" xmlns:p159="http://schemas.microsoft.com/office/powerpoint/2015/09/main">
+    <mc:Choice Requires="p159">
       <p:transition spd="med">
         <p159:morph option="byObject"/>
       </p:transition>
     </mc:Choice>
-    <mc:Fallback>
+    <mc:Fallback xmlns="">
       <p:transition spd="med">
         <p:fade/>
       </p:transition>
@@ -1204,7 +1205,7 @@
           <a:p>
             <a:fld id="{13C740AA-7824-4996-A9A9-B0E74C888E41}" type="slidenum">
               <a:rPr lang="de-DE" smtClean="0"/>
-              <a:t>‹#›</a:t>
+              <a:t>‹Nr.›</a:t>
             </a:fld>
             <a:endParaRPr lang="de-DE"/>
           </a:p>
@@ -1220,13 +1221,13 @@
   <p:clrMapOvr>
     <a:masterClrMapping/>
   </p:clrMapOvr>
-  <mc:AlternateContent xmlns:mc="http://schemas.openxmlformats.org/markup-compatibility/2006">
-    <mc:Choice xmlns:p159="http://schemas.microsoft.com/office/powerpoint/2015/09/main" Requires="p159">
+  <mc:AlternateContent xmlns:mc="http://schemas.openxmlformats.org/markup-compatibility/2006" xmlns:p159="http://schemas.microsoft.com/office/powerpoint/2015/09/main">
+    <mc:Choice Requires="p159">
       <p:transition spd="med">
         <p159:morph option="byObject"/>
       </p:transition>
     </mc:Choice>
-    <mc:Fallback>
+    <mc:Fallback xmlns="">
       <p:transition spd="med">
         <p:fade/>
       </p:transition>
@@ -1416,7 +1417,7 @@
           <a:p>
             <a:fld id="{13C740AA-7824-4996-A9A9-B0E74C888E41}" type="slidenum">
               <a:rPr lang="de-DE" smtClean="0"/>
-              <a:t>‹#›</a:t>
+              <a:t>‹Nr.›</a:t>
             </a:fld>
             <a:endParaRPr lang="de-DE"/>
           </a:p>
@@ -1432,13 +1433,13 @@
   <p:clrMapOvr>
     <a:masterClrMapping/>
   </p:clrMapOvr>
-  <mc:AlternateContent xmlns:mc="http://schemas.openxmlformats.org/markup-compatibility/2006">
-    <mc:Choice xmlns:p159="http://schemas.microsoft.com/office/powerpoint/2015/09/main" Requires="p159">
+  <mc:AlternateContent xmlns:mc="http://schemas.openxmlformats.org/markup-compatibility/2006" xmlns:p159="http://schemas.microsoft.com/office/powerpoint/2015/09/main">
+    <mc:Choice Requires="p159">
       <p:transition spd="med">
         <p159:morph option="byObject"/>
       </p:transition>
     </mc:Choice>
-    <mc:Fallback>
+    <mc:Fallback xmlns="">
       <p:transition spd="med">
         <p:fade/>
       </p:transition>
@@ -1704,7 +1705,7 @@
           <a:p>
             <a:fld id="{13C740AA-7824-4996-A9A9-B0E74C888E41}" type="slidenum">
               <a:rPr lang="de-DE" smtClean="0"/>
-              <a:t>‹#›</a:t>
+              <a:t>‹Nr.›</a:t>
             </a:fld>
             <a:endParaRPr lang="de-DE"/>
           </a:p>
@@ -1720,13 +1721,13 @@
   <p:clrMapOvr>
     <a:masterClrMapping/>
   </p:clrMapOvr>
-  <mc:AlternateContent xmlns:mc="http://schemas.openxmlformats.org/markup-compatibility/2006">
-    <mc:Choice xmlns:p159="http://schemas.microsoft.com/office/powerpoint/2015/09/main" Requires="p159">
+  <mc:AlternateContent xmlns:mc="http://schemas.openxmlformats.org/markup-compatibility/2006" xmlns:p159="http://schemas.microsoft.com/office/powerpoint/2015/09/main">
+    <mc:Choice Requires="p159">
       <p:transition spd="med">
         <p159:morph option="byObject"/>
       </p:transition>
     </mc:Choice>
-    <mc:Fallback>
+    <mc:Fallback xmlns="">
       <p:transition spd="med">
         <p:fade/>
       </p:transition>
@@ -1984,7 +1985,7 @@
           <a:p>
             <a:fld id="{13C740AA-7824-4996-A9A9-B0E74C888E41}" type="slidenum">
               <a:rPr lang="de-DE" smtClean="0"/>
-              <a:t>‹#›</a:t>
+              <a:t>‹Nr.›</a:t>
             </a:fld>
             <a:endParaRPr lang="de-DE"/>
           </a:p>
@@ -2000,13 +2001,13 @@
   <p:clrMapOvr>
     <a:masterClrMapping/>
   </p:clrMapOvr>
-  <mc:AlternateContent xmlns:mc="http://schemas.openxmlformats.org/markup-compatibility/2006">
-    <mc:Choice xmlns:p159="http://schemas.microsoft.com/office/powerpoint/2015/09/main" Requires="p159">
+  <mc:AlternateContent xmlns:mc="http://schemas.openxmlformats.org/markup-compatibility/2006" xmlns:p159="http://schemas.microsoft.com/office/powerpoint/2015/09/main">
+    <mc:Choice Requires="p159">
       <p:transition spd="med">
         <p159:morph option="byObject"/>
       </p:transition>
     </mc:Choice>
-    <mc:Fallback>
+    <mc:Fallback xmlns="">
       <p:transition spd="med">
         <p:fade/>
       </p:transition>
@@ -2411,7 +2412,7 @@
           <a:p>
             <a:fld id="{13C740AA-7824-4996-A9A9-B0E74C888E41}" type="slidenum">
               <a:rPr lang="de-DE" smtClean="0"/>
-              <a:t>‹#›</a:t>
+              <a:t>‹Nr.›</a:t>
             </a:fld>
             <a:endParaRPr lang="de-DE"/>
           </a:p>
@@ -2427,13 +2428,13 @@
   <p:clrMapOvr>
     <a:masterClrMapping/>
   </p:clrMapOvr>
-  <mc:AlternateContent xmlns:mc="http://schemas.openxmlformats.org/markup-compatibility/2006">
-    <mc:Choice xmlns:p159="http://schemas.microsoft.com/office/powerpoint/2015/09/main" Requires="p159">
+  <mc:AlternateContent xmlns:mc="http://schemas.openxmlformats.org/markup-compatibility/2006" xmlns:p159="http://schemas.microsoft.com/office/powerpoint/2015/09/main">
+    <mc:Choice Requires="p159">
       <p:transition spd="med">
         <p159:morph option="byObject"/>
       </p:transition>
     </mc:Choice>
-    <mc:Fallback>
+    <mc:Fallback xmlns="">
       <p:transition spd="med">
         <p:fade/>
       </p:transition>
@@ -2565,7 +2566,7 @@
           <a:p>
             <a:fld id="{13C740AA-7824-4996-A9A9-B0E74C888E41}" type="slidenum">
               <a:rPr lang="de-DE" smtClean="0"/>
-              <a:t>‹#›</a:t>
+              <a:t>‹Nr.›</a:t>
             </a:fld>
             <a:endParaRPr lang="de-DE"/>
           </a:p>
@@ -2581,13 +2582,13 @@
   <p:clrMapOvr>
     <a:masterClrMapping/>
   </p:clrMapOvr>
-  <mc:AlternateContent xmlns:mc="http://schemas.openxmlformats.org/markup-compatibility/2006">
-    <mc:Choice xmlns:p159="http://schemas.microsoft.com/office/powerpoint/2015/09/main" Requires="p159">
+  <mc:AlternateContent xmlns:mc="http://schemas.openxmlformats.org/markup-compatibility/2006" xmlns:p159="http://schemas.microsoft.com/office/powerpoint/2015/09/main">
+    <mc:Choice Requires="p159">
       <p:transition spd="med">
         <p159:morph option="byObject"/>
       </p:transition>
     </mc:Choice>
-    <mc:Fallback>
+    <mc:Fallback xmlns="">
       <p:transition spd="med">
         <p:fade/>
       </p:transition>
@@ -2690,7 +2691,7 @@
           <a:p>
             <a:fld id="{13C740AA-7824-4996-A9A9-B0E74C888E41}" type="slidenum">
               <a:rPr lang="de-DE" smtClean="0"/>
-              <a:t>‹#›</a:t>
+              <a:t>‹Nr.›</a:t>
             </a:fld>
             <a:endParaRPr lang="de-DE"/>
           </a:p>
@@ -2706,13 +2707,13 @@
   <p:clrMapOvr>
     <a:masterClrMapping/>
   </p:clrMapOvr>
-  <mc:AlternateContent xmlns:mc="http://schemas.openxmlformats.org/markup-compatibility/2006">
-    <mc:Choice xmlns:p159="http://schemas.microsoft.com/office/powerpoint/2015/09/main" Requires="p159">
+  <mc:AlternateContent xmlns:mc="http://schemas.openxmlformats.org/markup-compatibility/2006" xmlns:p159="http://schemas.microsoft.com/office/powerpoint/2015/09/main">
+    <mc:Choice Requires="p159">
       <p:transition spd="med">
         <p159:morph option="byObject"/>
       </p:transition>
     </mc:Choice>
-    <mc:Fallback>
+    <mc:Fallback xmlns="">
       <p:transition spd="med">
         <p:fade/>
       </p:transition>
@@ -3015,7 +3016,7 @@
           <a:p>
             <a:fld id="{13C740AA-7824-4996-A9A9-B0E74C888E41}" type="slidenum">
               <a:rPr lang="de-DE" smtClean="0"/>
-              <a:t>‹#›</a:t>
+              <a:t>‹Nr.›</a:t>
             </a:fld>
             <a:endParaRPr lang="de-DE"/>
           </a:p>
@@ -3031,13 +3032,13 @@
   <p:clrMapOvr>
     <a:masterClrMapping/>
   </p:clrMapOvr>
-  <mc:AlternateContent xmlns:mc="http://schemas.openxmlformats.org/markup-compatibility/2006">
-    <mc:Choice xmlns:p159="http://schemas.microsoft.com/office/powerpoint/2015/09/main" Requires="p159">
+  <mc:AlternateContent xmlns:mc="http://schemas.openxmlformats.org/markup-compatibility/2006" xmlns:p159="http://schemas.microsoft.com/office/powerpoint/2015/09/main">
+    <mc:Choice Requires="p159">
       <p:transition spd="med">
         <p159:morph option="byObject"/>
       </p:transition>
     </mc:Choice>
-    <mc:Fallback>
+    <mc:Fallback xmlns="">
       <p:transition spd="med">
         <p:fade/>
       </p:transition>
@@ -3316,7 +3317,7 @@
           <a:p>
             <a:fld id="{13C740AA-7824-4996-A9A9-B0E74C888E41}" type="slidenum">
               <a:rPr lang="de-DE" smtClean="0"/>
-              <a:t>‹#›</a:t>
+              <a:t>‹Nr.›</a:t>
             </a:fld>
             <a:endParaRPr lang="de-DE"/>
           </a:p>
@@ -3332,13 +3333,13 @@
   <p:clrMapOvr>
     <a:masterClrMapping/>
   </p:clrMapOvr>
-  <mc:AlternateContent xmlns:mc="http://schemas.openxmlformats.org/markup-compatibility/2006">
-    <mc:Choice xmlns:p159="http://schemas.microsoft.com/office/powerpoint/2015/09/main" Requires="p159">
+  <mc:AlternateContent xmlns:mc="http://schemas.openxmlformats.org/markup-compatibility/2006" xmlns:p159="http://schemas.microsoft.com/office/powerpoint/2015/09/main">
+    <mc:Choice Requires="p159">
       <p:transition spd="med">
         <p159:morph option="byObject"/>
       </p:transition>
     </mc:Choice>
-    <mc:Fallback>
+    <mc:Fallback xmlns="">
       <p:transition spd="med">
         <p:fade/>
       </p:transition>
@@ -3607,7 +3608,7 @@
           <a:p>
             <a:fld id="{13C740AA-7824-4996-A9A9-B0E74C888E41}" type="slidenum">
               <a:rPr lang="de-DE" smtClean="0"/>
-              <a:t>‹#›</a:t>
+              <a:t>‹Nr.›</a:t>
             </a:fld>
             <a:endParaRPr lang="de-DE"/>
           </a:p>
@@ -3634,13 +3635,13 @@
     <p:sldLayoutId id="2147483658" r:id="rId10"/>
     <p:sldLayoutId id="2147483659" r:id="rId11"/>
   </p:sldLayoutIdLst>
-  <mc:AlternateContent xmlns:mc="http://schemas.openxmlformats.org/markup-compatibility/2006">
-    <mc:Choice xmlns:p159="http://schemas.microsoft.com/office/powerpoint/2015/09/main" Requires="p159">
+  <mc:AlternateContent xmlns:mc="http://schemas.openxmlformats.org/markup-compatibility/2006" xmlns:p159="http://schemas.microsoft.com/office/powerpoint/2015/09/main">
+    <mc:Choice Requires="p159">
       <p:transition spd="med">
         <p159:morph option="byObject"/>
       </p:transition>
     </mc:Choice>
-    <mc:Fallback>
+    <mc:Fallback xmlns="">
       <p:transition spd="med">
         <p:fade/>
       </p:transition>
@@ -4198,13 +4199,13 @@
   <p:clrMapOvr>
     <a:masterClrMapping/>
   </p:clrMapOvr>
-  <mc:AlternateContent xmlns:mc="http://schemas.openxmlformats.org/markup-compatibility/2006">
-    <mc:Choice xmlns:p159="http://schemas.microsoft.com/office/powerpoint/2015/09/main" Requires="p159">
+  <mc:AlternateContent xmlns:mc="http://schemas.openxmlformats.org/markup-compatibility/2006" xmlns:p159="http://schemas.microsoft.com/office/powerpoint/2015/09/main">
+    <mc:Choice Requires="p159">
       <p:transition spd="med">
         <p159:morph option="byObject"/>
       </p:transition>
     </mc:Choice>
-    <mc:Fallback>
+    <mc:Fallback xmlns="">
       <p:transition spd="med">
         <p:fade/>
       </p:transition>
@@ -9273,13 +9274,13 @@
   <p:clrMapOvr>
     <a:masterClrMapping/>
   </p:clrMapOvr>
-  <mc:AlternateContent xmlns:mc="http://schemas.openxmlformats.org/markup-compatibility/2006">
-    <mc:Choice xmlns:p159="http://schemas.microsoft.com/office/powerpoint/2015/09/main" Requires="p159">
+  <mc:AlternateContent xmlns:mc="http://schemas.openxmlformats.org/markup-compatibility/2006" xmlns:p159="http://schemas.microsoft.com/office/powerpoint/2015/09/main">
+    <mc:Choice Requires="p159">
       <p:transition spd="med">
         <p159:morph option="byObject"/>
       </p:transition>
     </mc:Choice>
-    <mc:Fallback>
+    <mc:Fallback xmlns="">
       <p:transition spd="med">
         <p:fade/>
       </p:transition>
@@ -10055,33 +10056,374 @@
           <a:lstStyle/>
           <a:p>
             <a:r>
+              <a:rPr lang="en-US" sz="2200" dirty="0" err="1">
+                <a:solidFill>
+                  <a:schemeClr val="bg1"/>
+                </a:solidFill>
+              </a:rPr>
+              <a:t>Unterschiedliche</a:t>
+            </a:r>
+            <a:r>
               <a:rPr lang="en-US" sz="2200" dirty="0">
                 <a:solidFill>
                   <a:schemeClr val="bg1"/>
                 </a:solidFill>
               </a:rPr>
-              <a:t>?</a:t>
-            </a:r>
-          </a:p>
-          <a:p>
+              <a:t> </a:t>
+            </a:r>
+            <a:r>
+              <a:rPr lang="en-US" sz="2200" dirty="0" err="1">
+                <a:solidFill>
+                  <a:schemeClr val="bg1"/>
+                </a:solidFill>
+              </a:rPr>
+              <a:t>Nutzer</a:t>
+            </a:r>
             <a:r>
               <a:rPr lang="en-US" sz="2200" dirty="0">
                 <a:solidFill>
                   <a:schemeClr val="bg1"/>
                 </a:solidFill>
               </a:rPr>
-              <a:t>?</a:t>
-            </a:r>
-          </a:p>
-          <a:p>
+              <a:t> </a:t>
+            </a:r>
+            <a:r>
+              <a:rPr lang="en-US" sz="2200" dirty="0" err="1">
+                <a:solidFill>
+                  <a:schemeClr val="bg1"/>
+                </a:solidFill>
+              </a:rPr>
+              <a:t>haben</a:t>
+            </a:r>
             <a:r>
               <a:rPr lang="en-US" sz="2200" dirty="0">
                 <a:solidFill>
                   <a:schemeClr val="bg1"/>
                 </a:solidFill>
               </a:rPr>
-              <a:t>?</a:t>
-            </a:r>
+              <a:t> </a:t>
+            </a:r>
+            <a:r>
+              <a:rPr lang="en-US" sz="2200" dirty="0" err="1">
+                <a:solidFill>
+                  <a:schemeClr val="bg1"/>
+                </a:solidFill>
+              </a:rPr>
+              <a:t>unterschiedliche</a:t>
+            </a:r>
+            <a:r>
+              <a:rPr lang="en-US" sz="2200" dirty="0">
+                <a:solidFill>
+                  <a:schemeClr val="bg1"/>
+                </a:solidFill>
+              </a:rPr>
+              <a:t> </a:t>
+            </a:r>
+            <a:r>
+              <a:rPr lang="en-US" sz="2200" dirty="0" err="1">
+                <a:solidFill>
+                  <a:schemeClr val="bg1"/>
+                </a:solidFill>
+              </a:rPr>
+              <a:t>Rechte</a:t>
+            </a:r>
+            <a:endParaRPr lang="en-US" sz="2200" dirty="0">
+              <a:solidFill>
+                <a:schemeClr val="bg1"/>
+              </a:solidFill>
+            </a:endParaRPr>
+          </a:p>
+          <a:p>
+            <a:r>
+              <a:rPr lang="en-US" sz="2200" dirty="0">
+                <a:solidFill>
+                  <a:schemeClr val="bg1"/>
+                </a:solidFill>
+              </a:rPr>
+              <a:t>Mitarbeiter </a:t>
+            </a:r>
+            <a:r>
+              <a:rPr lang="en-US" sz="2200" dirty="0" err="1">
+                <a:solidFill>
+                  <a:schemeClr val="bg1"/>
+                </a:solidFill>
+              </a:rPr>
+              <a:t>darf</a:t>
+            </a:r>
+            <a:r>
+              <a:rPr lang="en-US" sz="2200" dirty="0">
+                <a:solidFill>
+                  <a:schemeClr val="bg1"/>
+                </a:solidFill>
+              </a:rPr>
+              <a:t> </a:t>
+            </a:r>
+            <a:r>
+              <a:rPr lang="en-US" sz="2200" dirty="0" err="1">
+                <a:solidFill>
+                  <a:schemeClr val="bg1"/>
+                </a:solidFill>
+              </a:rPr>
+              <a:t>nicht</a:t>
+            </a:r>
+            <a:r>
+              <a:rPr lang="en-US" sz="2200" dirty="0">
+                <a:solidFill>
+                  <a:schemeClr val="bg1"/>
+                </a:solidFill>
+              </a:rPr>
+              <a:t> </a:t>
+            </a:r>
+            <a:r>
+              <a:rPr lang="en-US" sz="2200" dirty="0" err="1">
+                <a:solidFill>
+                  <a:schemeClr val="bg1"/>
+                </a:solidFill>
+              </a:rPr>
+              <a:t>mehr</a:t>
+            </a:r>
+            <a:r>
+              <a:rPr lang="en-US" sz="2200" dirty="0">
+                <a:solidFill>
+                  <a:schemeClr val="bg1"/>
+                </a:solidFill>
+              </a:rPr>
+              <a:t> </a:t>
+            </a:r>
+            <a:r>
+              <a:rPr lang="en-US" sz="2200" dirty="0" err="1">
+                <a:solidFill>
+                  <a:schemeClr val="bg1"/>
+                </a:solidFill>
+              </a:rPr>
+              <a:t>als</a:t>
+            </a:r>
+            <a:r>
+              <a:rPr lang="en-US" sz="2200" dirty="0">
+                <a:solidFill>
+                  <a:schemeClr val="bg1"/>
+                </a:solidFill>
+              </a:rPr>
+              <a:t> 40h pro </a:t>
+            </a:r>
+            <a:r>
+              <a:rPr lang="en-US" sz="2200" dirty="0" err="1">
+                <a:solidFill>
+                  <a:schemeClr val="bg1"/>
+                </a:solidFill>
+              </a:rPr>
+              <a:t>Woche</a:t>
+            </a:r>
+            <a:r>
+              <a:rPr lang="en-US" sz="2200" dirty="0">
+                <a:solidFill>
+                  <a:schemeClr val="bg1"/>
+                </a:solidFill>
+              </a:rPr>
+              <a:t> </a:t>
+            </a:r>
+            <a:r>
+              <a:rPr lang="en-US" sz="2200" dirty="0" err="1">
+                <a:solidFill>
+                  <a:schemeClr val="bg1"/>
+                </a:solidFill>
+              </a:rPr>
+              <a:t>gebucht</a:t>
+            </a:r>
+            <a:r>
+              <a:rPr lang="en-US" sz="2200" dirty="0">
+                <a:solidFill>
+                  <a:schemeClr val="bg1"/>
+                </a:solidFill>
+              </a:rPr>
+              <a:t> </a:t>
+            </a:r>
+            <a:r>
+              <a:rPr lang="en-US" sz="2200" dirty="0" err="1">
+                <a:solidFill>
+                  <a:schemeClr val="bg1"/>
+                </a:solidFill>
+              </a:rPr>
+              <a:t>werden</a:t>
+            </a:r>
+            <a:endParaRPr lang="en-US" sz="2200" dirty="0">
+              <a:solidFill>
+                <a:schemeClr val="bg1"/>
+              </a:solidFill>
+            </a:endParaRPr>
+          </a:p>
+          <a:p>
+            <a:r>
+              <a:rPr lang="en-US" sz="2200" dirty="0" err="1">
+                <a:solidFill>
+                  <a:schemeClr val="bg1"/>
+                </a:solidFill>
+              </a:rPr>
+              <a:t>Leichte</a:t>
+            </a:r>
+            <a:r>
+              <a:rPr lang="en-US" sz="2200" dirty="0">
+                <a:solidFill>
+                  <a:schemeClr val="bg1"/>
+                </a:solidFill>
+              </a:rPr>
+              <a:t> </a:t>
+            </a:r>
+            <a:r>
+              <a:rPr lang="en-US" sz="2200" dirty="0" err="1">
+                <a:solidFill>
+                  <a:schemeClr val="bg1"/>
+                </a:solidFill>
+              </a:rPr>
+              <a:t>Auswertung</a:t>
+            </a:r>
+            <a:r>
+              <a:rPr lang="en-US" sz="2200" dirty="0">
+                <a:solidFill>
+                  <a:schemeClr val="bg1"/>
+                </a:solidFill>
+              </a:rPr>
+              <a:t> der </a:t>
+            </a:r>
+            <a:r>
+              <a:rPr lang="en-US" sz="2200" dirty="0" err="1">
+                <a:solidFill>
+                  <a:schemeClr val="bg1"/>
+                </a:solidFill>
+              </a:rPr>
+              <a:t>Projektprofitabilität</a:t>
+            </a:r>
+            <a:endParaRPr lang="en-US" sz="2200" dirty="0">
+              <a:solidFill>
+                <a:schemeClr val="bg1"/>
+              </a:solidFill>
+            </a:endParaRPr>
+          </a:p>
+          <a:p>
+            <a:r>
+              <a:rPr lang="en-US" sz="2200" dirty="0" err="1">
+                <a:solidFill>
+                  <a:schemeClr val="bg1"/>
+                </a:solidFill>
+              </a:rPr>
+              <a:t>Leichte</a:t>
+            </a:r>
+            <a:r>
+              <a:rPr lang="en-US" sz="2200" dirty="0">
+                <a:solidFill>
+                  <a:schemeClr val="bg1"/>
+                </a:solidFill>
+              </a:rPr>
+              <a:t> </a:t>
+            </a:r>
+            <a:r>
+              <a:rPr lang="en-US" sz="2200" dirty="0" err="1">
+                <a:solidFill>
+                  <a:schemeClr val="bg1"/>
+                </a:solidFill>
+              </a:rPr>
+              <a:t>Verwaltung</a:t>
+            </a:r>
+            <a:r>
+              <a:rPr lang="en-US" sz="2200" dirty="0">
+                <a:solidFill>
+                  <a:schemeClr val="bg1"/>
+                </a:solidFill>
+              </a:rPr>
+              <a:t> von </a:t>
+            </a:r>
+            <a:r>
+              <a:rPr lang="en-US" sz="2200" dirty="0" err="1">
+                <a:solidFill>
+                  <a:schemeClr val="bg1"/>
+                </a:solidFill>
+              </a:rPr>
+              <a:t>Nutzer</a:t>
+            </a:r>
+            <a:r>
+              <a:rPr lang="en-US" sz="2200" dirty="0">
+                <a:solidFill>
+                  <a:schemeClr val="bg1"/>
+                </a:solidFill>
+              </a:rPr>
+              <a:t>- und </a:t>
+            </a:r>
+            <a:r>
+              <a:rPr lang="en-US" sz="2200" dirty="0" err="1">
+                <a:solidFill>
+                  <a:schemeClr val="bg1"/>
+                </a:solidFill>
+              </a:rPr>
+              <a:t>Projektdaten</a:t>
+            </a:r>
+            <a:endParaRPr lang="en-US" sz="2200" dirty="0">
+              <a:solidFill>
+                <a:schemeClr val="bg1"/>
+              </a:solidFill>
+            </a:endParaRPr>
+          </a:p>
+          <a:p>
+            <a:r>
+              <a:rPr lang="en-US" sz="2200" dirty="0">
+                <a:solidFill>
+                  <a:schemeClr val="bg1"/>
+                </a:solidFill>
+              </a:rPr>
+              <a:t>Migration der </a:t>
+            </a:r>
+            <a:r>
+              <a:rPr lang="en-US" sz="2200" dirty="0" err="1">
+                <a:solidFill>
+                  <a:schemeClr val="bg1"/>
+                </a:solidFill>
+              </a:rPr>
+              <a:t>alten</a:t>
+            </a:r>
+            <a:r>
+              <a:rPr lang="en-US" sz="2200" dirty="0">
+                <a:solidFill>
+                  <a:schemeClr val="bg1"/>
+                </a:solidFill>
+              </a:rPr>
+              <a:t> </a:t>
+            </a:r>
+            <a:r>
+              <a:rPr lang="en-US" sz="2200" dirty="0" err="1">
+                <a:solidFill>
+                  <a:schemeClr val="bg1"/>
+                </a:solidFill>
+              </a:rPr>
+              <a:t>Daten</a:t>
+            </a:r>
+            <a:r>
+              <a:rPr lang="en-US" sz="2200" dirty="0">
+                <a:solidFill>
+                  <a:schemeClr val="bg1"/>
+                </a:solidFill>
+              </a:rPr>
+              <a:t> in das </a:t>
+            </a:r>
+            <a:r>
+              <a:rPr lang="en-US" sz="2200" err="1">
+                <a:solidFill>
+                  <a:schemeClr val="bg1"/>
+                </a:solidFill>
+              </a:rPr>
+              <a:t>neue</a:t>
+            </a:r>
+            <a:r>
+              <a:rPr lang="en-US" sz="2200">
+                <a:solidFill>
+                  <a:schemeClr val="bg1"/>
+                </a:solidFill>
+              </a:rPr>
+              <a:t> System</a:t>
+            </a:r>
+            <a:endParaRPr lang="en-US" sz="2200" dirty="0">
+              <a:solidFill>
+                <a:schemeClr val="bg1"/>
+              </a:solidFill>
+            </a:endParaRPr>
           </a:p>
         </p:txBody>
       </p:sp>
@@ -10267,13 +10609,13 @@
   <p:clrMapOvr>
     <a:masterClrMapping/>
   </p:clrMapOvr>
-  <mc:AlternateContent xmlns:mc="http://schemas.openxmlformats.org/markup-compatibility/2006">
-    <mc:Choice xmlns:p159="http://schemas.microsoft.com/office/powerpoint/2015/09/main" Requires="p159">
+  <mc:AlternateContent xmlns:mc="http://schemas.openxmlformats.org/markup-compatibility/2006" xmlns:p159="http://schemas.microsoft.com/office/powerpoint/2015/09/main">
+    <mc:Choice Requires="p159">
       <p:transition spd="med">
         <p159:morph option="byObject"/>
       </p:transition>
     </mc:Choice>
-    <mc:Fallback>
+    <mc:Fallback xmlns="">
       <p:transition spd="med">
         <p:fade/>
       </p:transition>
@@ -11097,7 +11439,7 @@
                   <a:schemeClr val="bg1"/>
                 </a:solidFill>
               </a:rPr>
-              <a:t>?</a:t>
+              <a:t>Excel</a:t>
             </a:r>
           </a:p>
         </p:txBody>
@@ -11284,13 +11626,13 @@
   <p:clrMapOvr>
     <a:masterClrMapping/>
   </p:clrMapOvr>
-  <mc:AlternateContent xmlns:mc="http://schemas.openxmlformats.org/markup-compatibility/2006">
-    <mc:Choice xmlns:p159="http://schemas.microsoft.com/office/powerpoint/2015/09/main" Requires="p159">
+  <mc:AlternateContent xmlns:mc="http://schemas.openxmlformats.org/markup-compatibility/2006" xmlns:p159="http://schemas.microsoft.com/office/powerpoint/2015/09/main">
+    <mc:Choice Requires="p159">
       <p:transition spd="med">
         <p159:morph option="byObject"/>
       </p:transition>
     </mc:Choice>
-    <mc:Fallback>
+    <mc:Fallback xmlns="">
       <p:transition spd="med">
         <p:fade/>
       </p:transition>
@@ -11452,7 +11794,7 @@
                   <a:schemeClr val="bg1"/>
                 </a:solidFill>
               </a:rPr>
-              <a:t>Benutzerverwaltung</a:t>
+              <a:t>Rollenkonzept</a:t>
             </a:r>
             <a:endParaRPr lang="en-US" sz="5400" dirty="0">
               <a:solidFill>
@@ -12063,32 +12405,301 @@
           <a:lstStyle/>
           <a:p>
             <a:r>
+              <a:rPr lang="en-US" sz="2200" dirty="0" err="1">
+                <a:solidFill>
+                  <a:schemeClr val="bg1"/>
+                </a:solidFill>
+              </a:rPr>
+              <a:t>Nutzer</a:t>
+            </a:r>
+            <a:endParaRPr lang="en-US" sz="2200" dirty="0">
+              <a:solidFill>
+                <a:schemeClr val="bg1"/>
+              </a:solidFill>
+            </a:endParaRPr>
+          </a:p>
+          <a:p>
+            <a:pPr lvl="1"/>
+            <a:r>
+              <a:rPr lang="en-US" sz="1800" dirty="0" err="1">
+                <a:solidFill>
+                  <a:schemeClr val="bg1"/>
+                </a:solidFill>
+              </a:rPr>
+              <a:t>Kann</a:t>
+            </a:r>
+            <a:r>
+              <a:rPr lang="en-US" sz="1800" dirty="0">
+                <a:solidFill>
+                  <a:schemeClr val="bg1"/>
+                </a:solidFill>
+              </a:rPr>
+              <a:t> </a:t>
+            </a:r>
+            <a:r>
+              <a:rPr lang="en-US" sz="1800" dirty="0" err="1">
+                <a:solidFill>
+                  <a:schemeClr val="bg1"/>
+                </a:solidFill>
+              </a:rPr>
+              <a:t>Benutzer</a:t>
+            </a:r>
+            <a:r>
+              <a:rPr lang="en-US" sz="1800" dirty="0">
+                <a:solidFill>
+                  <a:schemeClr val="bg1"/>
+                </a:solidFill>
+              </a:rPr>
+              <a:t> </a:t>
+            </a:r>
+            <a:r>
+              <a:rPr lang="en-US" sz="1800" dirty="0" err="1">
+                <a:solidFill>
+                  <a:schemeClr val="bg1"/>
+                </a:solidFill>
+              </a:rPr>
+              <a:t>einsehen</a:t>
+            </a:r>
+            <a:endParaRPr lang="en-US" sz="1800" dirty="0">
+              <a:solidFill>
+                <a:schemeClr val="bg1"/>
+              </a:solidFill>
+            </a:endParaRPr>
+          </a:p>
+          <a:p>
+            <a:pPr lvl="1"/>
+            <a:r>
+              <a:rPr lang="en-US" sz="1800" dirty="0" err="1">
+                <a:solidFill>
+                  <a:schemeClr val="bg1"/>
+                </a:solidFill>
+              </a:rPr>
+              <a:t>Kann</a:t>
+            </a:r>
+            <a:r>
+              <a:rPr lang="en-US" sz="1800" dirty="0">
+                <a:solidFill>
+                  <a:schemeClr val="bg1"/>
+                </a:solidFill>
+              </a:rPr>
+              <a:t> </a:t>
+            </a:r>
+            <a:r>
+              <a:rPr lang="en-US" sz="1800" dirty="0" err="1">
+                <a:solidFill>
+                  <a:schemeClr val="bg1"/>
+                </a:solidFill>
+              </a:rPr>
+              <a:t>Projekte</a:t>
+            </a:r>
+            <a:r>
+              <a:rPr lang="en-US" sz="1800" dirty="0">
+                <a:solidFill>
+                  <a:schemeClr val="bg1"/>
+                </a:solidFill>
+              </a:rPr>
+              <a:t> </a:t>
+            </a:r>
+            <a:r>
+              <a:rPr lang="en-US" sz="1800" dirty="0" err="1">
+                <a:solidFill>
+                  <a:schemeClr val="bg1"/>
+                </a:solidFill>
+              </a:rPr>
+              <a:t>anlegen</a:t>
+            </a:r>
+            <a:r>
+              <a:rPr lang="en-US" sz="1800" dirty="0">
+                <a:solidFill>
+                  <a:schemeClr val="bg1"/>
+                </a:solidFill>
+              </a:rPr>
+              <a:t> und </a:t>
+            </a:r>
+            <a:r>
+              <a:rPr lang="en-US" sz="1800" dirty="0" err="1">
+                <a:solidFill>
+                  <a:schemeClr val="bg1"/>
+                </a:solidFill>
+              </a:rPr>
+              <a:t>verändern</a:t>
+            </a:r>
+            <a:r>
+              <a:rPr lang="en-US" sz="1800" dirty="0">
+                <a:solidFill>
+                  <a:schemeClr val="bg1"/>
+                </a:solidFill>
+              </a:rPr>
+              <a:t> (</a:t>
+            </a:r>
+            <a:r>
+              <a:rPr lang="en-US" sz="1800" dirty="0" err="1">
+                <a:solidFill>
+                  <a:schemeClr val="bg1"/>
+                </a:solidFill>
+              </a:rPr>
+              <a:t>Beschränkt</a:t>
+            </a:r>
+            <a:r>
+              <a:rPr lang="en-US" sz="1800" dirty="0">
+                <a:solidFill>
+                  <a:schemeClr val="bg1"/>
+                </a:solidFill>
+              </a:rPr>
+              <a:t>)</a:t>
+            </a:r>
+          </a:p>
+          <a:p>
+            <a:r>
+              <a:rPr lang="en-US" sz="2200" dirty="0" err="1">
+                <a:solidFill>
+                  <a:schemeClr val="bg1"/>
+                </a:solidFill>
+              </a:rPr>
+              <a:t>Abteilungsleiter</a:t>
+            </a:r>
+            <a:endParaRPr lang="en-US" sz="2200" dirty="0">
+              <a:solidFill>
+                <a:schemeClr val="bg1"/>
+              </a:solidFill>
+            </a:endParaRPr>
+          </a:p>
+          <a:p>
+            <a:pPr lvl="1"/>
+            <a:r>
+              <a:rPr lang="en-US" sz="1800" dirty="0" err="1">
+                <a:solidFill>
+                  <a:schemeClr val="bg1"/>
+                </a:solidFill>
+              </a:rPr>
+              <a:t>Kann</a:t>
+            </a:r>
+            <a:r>
+              <a:rPr lang="en-US" sz="1800" dirty="0">
+                <a:solidFill>
+                  <a:schemeClr val="bg1"/>
+                </a:solidFill>
+              </a:rPr>
+              <a:t> </a:t>
+            </a:r>
+            <a:r>
+              <a:rPr lang="en-US" sz="1800" dirty="0" err="1">
+                <a:solidFill>
+                  <a:schemeClr val="bg1"/>
+                </a:solidFill>
+              </a:rPr>
+              <a:t>Benutzer</a:t>
+            </a:r>
+            <a:r>
+              <a:rPr lang="en-US" sz="1800" dirty="0">
+                <a:solidFill>
+                  <a:schemeClr val="bg1"/>
+                </a:solidFill>
+              </a:rPr>
+              <a:t> </a:t>
+            </a:r>
+            <a:r>
+              <a:rPr lang="en-US" sz="1800" dirty="0" err="1">
+                <a:solidFill>
+                  <a:schemeClr val="bg1"/>
+                </a:solidFill>
+              </a:rPr>
+              <a:t>anlegen</a:t>
+            </a:r>
+            <a:r>
+              <a:rPr lang="en-US" sz="1800" dirty="0">
+                <a:solidFill>
+                  <a:schemeClr val="bg1"/>
+                </a:solidFill>
+              </a:rPr>
+              <a:t> und </a:t>
+            </a:r>
+            <a:r>
+              <a:rPr lang="en-US" sz="1800" dirty="0" err="1">
+                <a:solidFill>
+                  <a:schemeClr val="bg1"/>
+                </a:solidFill>
+              </a:rPr>
+              <a:t>verändern</a:t>
+            </a:r>
+            <a:endParaRPr lang="en-US" sz="1800" dirty="0">
+              <a:solidFill>
+                <a:schemeClr val="bg1"/>
+              </a:solidFill>
+            </a:endParaRPr>
+          </a:p>
+          <a:p>
+            <a:pPr lvl="1"/>
+            <a:r>
+              <a:rPr lang="en-US" sz="1800" dirty="0" err="1">
+                <a:solidFill>
+                  <a:schemeClr val="bg1"/>
+                </a:solidFill>
+              </a:rPr>
+              <a:t>Kann</a:t>
+            </a:r>
+            <a:r>
+              <a:rPr lang="en-US" sz="1800" dirty="0">
+                <a:solidFill>
+                  <a:schemeClr val="bg1"/>
+                </a:solidFill>
+              </a:rPr>
+              <a:t> </a:t>
+            </a:r>
+            <a:r>
+              <a:rPr lang="en-US" sz="1800" dirty="0" err="1">
+                <a:solidFill>
+                  <a:schemeClr val="bg1"/>
+                </a:solidFill>
+              </a:rPr>
+              <a:t>Projekte</a:t>
+            </a:r>
+            <a:r>
+              <a:rPr lang="en-US" sz="1800" dirty="0">
+                <a:solidFill>
+                  <a:schemeClr val="bg1"/>
+                </a:solidFill>
+              </a:rPr>
+              <a:t> </a:t>
+            </a:r>
+            <a:r>
+              <a:rPr lang="en-US" sz="1800" dirty="0" err="1">
+                <a:solidFill>
+                  <a:schemeClr val="bg1"/>
+                </a:solidFill>
+              </a:rPr>
+              <a:t>anlegen</a:t>
+            </a:r>
+            <a:r>
+              <a:rPr lang="en-US" sz="1800" dirty="0">
+                <a:solidFill>
+                  <a:schemeClr val="bg1"/>
+                </a:solidFill>
+              </a:rPr>
+              <a:t> und </a:t>
+            </a:r>
+            <a:r>
+              <a:rPr lang="en-US" sz="1800" dirty="0" err="1">
+                <a:solidFill>
+                  <a:schemeClr val="bg1"/>
+                </a:solidFill>
+              </a:rPr>
+              <a:t>verändern</a:t>
+            </a:r>
+            <a:endParaRPr lang="en-US" sz="1800" dirty="0">
+              <a:solidFill>
+                <a:schemeClr val="bg1"/>
+              </a:solidFill>
+            </a:endParaRPr>
+          </a:p>
+          <a:p>
+            <a:r>
               <a:rPr lang="en-US" sz="2200" dirty="0">
                 <a:solidFill>
                   <a:schemeClr val="bg1"/>
                 </a:solidFill>
               </a:rPr>
-              <a:t>?</a:t>
-            </a:r>
-          </a:p>
-          <a:p>
-            <a:r>
-              <a:rPr lang="en-US" sz="2200" dirty="0">
-                <a:solidFill>
-                  <a:schemeClr val="bg1"/>
-                </a:solidFill>
-              </a:rPr>
-              <a:t>?</a:t>
-            </a:r>
-          </a:p>
-          <a:p>
-            <a:r>
-              <a:rPr lang="en-US" sz="2200" dirty="0">
-                <a:solidFill>
-                  <a:schemeClr val="bg1"/>
-                </a:solidFill>
-              </a:rPr>
-              <a:t>?</a:t>
+              <a:t>Admin</a:t>
             </a:r>
           </a:p>
         </p:txBody>
@@ -12268,7 +12879,7 @@
     </p:spTree>
     <p:extLst>
       <p:ext uri="{BB962C8B-B14F-4D97-AF65-F5344CB8AC3E}">
-        <p14:creationId xmlns:p14="http://schemas.microsoft.com/office/powerpoint/2010/main" val="2971243429"/>
+        <p14:creationId xmlns:p14="http://schemas.microsoft.com/office/powerpoint/2010/main" val="3946902759"/>
       </p:ext>
     </p:extLst>
   </p:cSld>
@@ -12438,13 +13049,18 @@
           <a:lstStyle/>
           <a:p>
             <a:r>
-              <a:rPr lang="en-US" sz="5400" dirty="0">
+              <a:rPr lang="en-US" sz="5400" dirty="0" err="1">
                 <a:solidFill>
                   <a:schemeClr val="bg1"/>
                 </a:solidFill>
               </a:rPr>
-              <a:t>Screenshots</a:t>
-            </a:r>
+              <a:t>Benutzerverwaltung</a:t>
+            </a:r>
+            <a:endParaRPr lang="en-US" sz="5400" dirty="0">
+              <a:solidFill>
+                <a:schemeClr val="bg1"/>
+              </a:solidFill>
+            </a:endParaRPr>
           </a:p>
         </p:txBody>
       </p:sp>
@@ -13048,14 +13664,34 @@
           </a:bodyPr>
           <a:lstStyle/>
           <a:p>
-            <a:pPr marL="0" indent="0">
-              <a:buNone/>
-            </a:pPr>
-            <a:endParaRPr lang="en-US" sz="2200" dirty="0">
-              <a:solidFill>
-                <a:schemeClr val="bg1"/>
-              </a:solidFill>
-            </a:endParaRPr>
+            <a:r>
+              <a:rPr lang="en-US" sz="2200" dirty="0">
+                <a:solidFill>
+                  <a:schemeClr val="bg1"/>
+                </a:solidFill>
+              </a:rPr>
+              <a:t>?</a:t>
+            </a:r>
+          </a:p>
+          <a:p>
+            <a:r>
+              <a:rPr lang="en-US" sz="2200" dirty="0">
+                <a:solidFill>
+                  <a:schemeClr val="bg1"/>
+                </a:solidFill>
+              </a:rPr>
+              <a:t>?</a:t>
+            </a:r>
+          </a:p>
+          <a:p>
+            <a:r>
+              <a:rPr lang="en-US" sz="2200" dirty="0">
+                <a:solidFill>
+                  <a:schemeClr val="bg1"/>
+                </a:solidFill>
+              </a:rPr>
+              <a:t>?</a:t>
+            </a:r>
           </a:p>
         </p:txBody>
       </p:sp>
@@ -13234,20 +13870,20 @@
     </p:spTree>
     <p:extLst>
       <p:ext uri="{BB962C8B-B14F-4D97-AF65-F5344CB8AC3E}">
-        <p14:creationId xmlns:p14="http://schemas.microsoft.com/office/powerpoint/2010/main" val="2576272442"/>
+        <p14:creationId xmlns:p14="http://schemas.microsoft.com/office/powerpoint/2010/main" val="2971243429"/>
       </p:ext>
     </p:extLst>
   </p:cSld>
   <p:clrMapOvr>
     <a:masterClrMapping/>
   </p:clrMapOvr>
-  <mc:AlternateContent xmlns:mc="http://schemas.openxmlformats.org/markup-compatibility/2006">
-    <mc:Choice xmlns:p159="http://schemas.microsoft.com/office/powerpoint/2015/09/main" Requires="p159">
+  <mc:AlternateContent xmlns:mc="http://schemas.openxmlformats.org/markup-compatibility/2006" xmlns:p159="http://schemas.microsoft.com/office/powerpoint/2015/09/main">
+    <mc:Choice Requires="p159">
       <p:transition spd="med">
         <p159:morph option="byObject"/>
       </p:transition>
     </mc:Choice>
-    <mc:Fallback>
+    <mc:Fallback xmlns="">
       <p:transition spd="med">
         <p:fade/>
       </p:transition>
@@ -14200,20 +14836,20 @@
     </p:spTree>
     <p:extLst>
       <p:ext uri="{BB962C8B-B14F-4D97-AF65-F5344CB8AC3E}">
-        <p14:creationId xmlns:p14="http://schemas.microsoft.com/office/powerpoint/2010/main" val="796309101"/>
+        <p14:creationId xmlns:p14="http://schemas.microsoft.com/office/powerpoint/2010/main" val="2576272442"/>
       </p:ext>
     </p:extLst>
   </p:cSld>
   <p:clrMapOvr>
     <a:masterClrMapping/>
   </p:clrMapOvr>
-  <mc:AlternateContent xmlns:mc="http://schemas.openxmlformats.org/markup-compatibility/2006">
-    <mc:Choice xmlns:p159="http://schemas.microsoft.com/office/powerpoint/2015/09/main" Requires="p159">
+  <mc:AlternateContent xmlns:mc="http://schemas.openxmlformats.org/markup-compatibility/2006" xmlns:p159="http://schemas.microsoft.com/office/powerpoint/2015/09/main">
+    <mc:Choice Requires="p159">
       <p:transition spd="med">
         <p159:morph option="byObject"/>
       </p:transition>
     </mc:Choice>
-    <mc:Fallback>
+    <mc:Fallback xmlns="">
       <p:transition spd="med">
         <p:fade/>
       </p:transition>
@@ -15166,6 +15802,972 @@
     </p:spTree>
     <p:extLst>
       <p:ext uri="{BB962C8B-B14F-4D97-AF65-F5344CB8AC3E}">
+        <p14:creationId xmlns:p14="http://schemas.microsoft.com/office/powerpoint/2010/main" val="796309101"/>
+      </p:ext>
+    </p:extLst>
+  </p:cSld>
+  <p:clrMapOvr>
+    <a:masterClrMapping/>
+  </p:clrMapOvr>
+  <mc:AlternateContent xmlns:mc="http://schemas.openxmlformats.org/markup-compatibility/2006" xmlns:p159="http://schemas.microsoft.com/office/powerpoint/2015/09/main">
+    <mc:Choice Requires="p159">
+      <p:transition spd="med">
+        <p159:morph option="byObject"/>
+      </p:transition>
+    </mc:Choice>
+    <mc:Fallback xmlns="">
+      <p:transition spd="med">
+        <p:fade/>
+      </p:transition>
+    </mc:Fallback>
+  </mc:AlternateContent>
+</p:sld>
+</file>
+
+<file path=ppt/slides/slide9.xml><?xml version="1.0" encoding="utf-8"?>
+<p:sld xmlns:a="http://schemas.openxmlformats.org/drawingml/2006/main" xmlns:r="http://schemas.openxmlformats.org/officeDocument/2006/relationships" xmlns:p="http://schemas.openxmlformats.org/presentationml/2006/main">
+  <p:cSld>
+    <p:bg>
+      <p:bgPr>
+        <a:solidFill>
+          <a:schemeClr val="bg1"/>
+        </a:solidFill>
+        <a:effectLst/>
+      </p:bgPr>
+    </p:bg>
+    <p:spTree>
+      <p:nvGrpSpPr>
+        <p:cNvPr id="1" name=""/>
+        <p:cNvGrpSpPr/>
+        <p:nvPr/>
+      </p:nvGrpSpPr>
+      <p:grpSpPr>
+        <a:xfrm>
+          <a:off x="0" y="0"/>
+          <a:ext cx="0" cy="0"/>
+          <a:chOff x="0" y="0"/>
+          <a:chExt cx="0" cy="0"/>
+        </a:xfrm>
+      </p:grpSpPr>
+      <p:sp>
+        <p:nvSpPr>
+          <p:cNvPr id="23" name="Rectangle 22">
+            <a:extLst>
+              <a:ext uri="{FF2B5EF4-FFF2-40B4-BE49-F238E27FC236}">
+                <a16:creationId xmlns:a16="http://schemas.microsoft.com/office/drawing/2014/main" id="{1A9F7B4E-B03D-4F64-BE33-00D074458D45}"/>
+              </a:ext>
+              <a:ext uri="{C183D7F6-B498-43B3-948B-1728B52AA6E4}">
+                <adec:decorative xmlns:adec="http://schemas.microsoft.com/office/drawing/2017/decorative" val="1"/>
+              </a:ext>
+            </a:extLst>
+          </p:cNvPr>
+          <p:cNvSpPr>
+            <a:spLocks noGrp="1" noRot="1" noChangeAspect="1" noMove="1" noResize="1" noEditPoints="1" noAdjustHandles="1" noChangeArrowheads="1" noChangeShapeType="1" noTextEdit="1"/>
+          </p:cNvSpPr>
+          <p:nvPr>
+            <p:extLst>
+              <p:ext uri="{386F3935-93C4-4BCD-93E2-E3B085C9AB24}">
+                <p16:designElem xmlns:p16="http://schemas.microsoft.com/office/powerpoint/2015/main" val="1"/>
+              </p:ext>
+            </p:extLst>
+          </p:nvPr>
+        </p:nvSpPr>
+        <p:spPr>
+          <a:xfrm>
+            <a:off x="0" y="0"/>
+            <a:ext cx="12188952" cy="6858000"/>
+          </a:xfrm>
+          <a:prstGeom prst="rect">
+            <a:avLst/>
+          </a:prstGeom>
+          <a:solidFill>
+            <a:schemeClr val="tx1"/>
+          </a:solidFill>
+          <a:ln>
+            <a:noFill/>
+          </a:ln>
+        </p:spPr>
+        <p:style>
+          <a:lnRef idx="2">
+            <a:schemeClr val="accent1">
+              <a:shade val="50000"/>
+            </a:schemeClr>
+          </a:lnRef>
+          <a:fillRef idx="1">
+            <a:schemeClr val="accent1"/>
+          </a:fillRef>
+          <a:effectRef idx="0">
+            <a:schemeClr val="accent1"/>
+          </a:effectRef>
+          <a:fontRef idx="minor">
+            <a:schemeClr val="lt1"/>
+          </a:fontRef>
+        </p:style>
+        <p:txBody>
+          <a:bodyPr rtlCol="0" anchor="ctr"/>
+          <a:lstStyle/>
+          <a:p>
+            <a:pPr algn="ctr"/>
+            <a:endParaRPr lang="en-US"/>
+          </a:p>
+        </p:txBody>
+      </p:sp>
+      <p:pic>
+        <p:nvPicPr>
+          <p:cNvPr id="18" name="Picture 17" descr="A blue and green lines on a black background&#10;&#10;Description automatically generated">
+            <a:extLst>
+              <a:ext uri="{FF2B5EF4-FFF2-40B4-BE49-F238E27FC236}">
+                <a16:creationId xmlns:a16="http://schemas.microsoft.com/office/drawing/2014/main" id="{9E2CA162-4ACE-88C3-D272-088E41436A49}"/>
+              </a:ext>
+            </a:extLst>
+          </p:cNvPr>
+          <p:cNvPicPr>
+            <a:picLocks noChangeAspect="1"/>
+          </p:cNvPicPr>
+          <p:nvPr/>
+        </p:nvPicPr>
+        <p:blipFill rotWithShape="1">
+          <a:blip r:embed="rId2">
+            <a:alphaModFix amt="40000"/>
+          </a:blip>
+          <a:srcRect t="13655" b="6840"/>
+          <a:stretch/>
+        </p:blipFill>
+        <p:spPr>
+          <a:xfrm>
+            <a:off x="20" y="10"/>
+            <a:ext cx="12191979" cy="6857990"/>
+          </a:xfrm>
+          <a:prstGeom prst="rect">
+            <a:avLst/>
+          </a:prstGeom>
+        </p:spPr>
+      </p:pic>
+      <p:sp>
+        <p:nvSpPr>
+          <p:cNvPr id="2" name="Title 1">
+            <a:extLst>
+              <a:ext uri="{FF2B5EF4-FFF2-40B4-BE49-F238E27FC236}">
+                <a16:creationId xmlns:a16="http://schemas.microsoft.com/office/drawing/2014/main" id="{61CE0095-EFE9-6204-1ACC-4BEB3E59878B}"/>
+              </a:ext>
+            </a:extLst>
+          </p:cNvPr>
+          <p:cNvSpPr>
+            <a:spLocks noGrp="1"/>
+          </p:cNvSpPr>
+          <p:nvPr>
+            <p:ph type="title"/>
+          </p:nvPr>
+        </p:nvSpPr>
+        <p:spPr>
+          <a:xfrm>
+            <a:off x="838200" y="365125"/>
+            <a:ext cx="10515600" cy="1325563"/>
+          </a:xfrm>
+        </p:spPr>
+        <p:txBody>
+          <a:bodyPr vert="horz" lIns="91440" tIns="45720" rIns="91440" bIns="45720" rtlCol="0">
+            <a:normAutofit/>
+          </a:bodyPr>
+          <a:lstStyle/>
+          <a:p>
+            <a:r>
+              <a:rPr lang="en-US" sz="5400" dirty="0">
+                <a:solidFill>
+                  <a:schemeClr val="bg1"/>
+                </a:solidFill>
+              </a:rPr>
+              <a:t>Screenshots</a:t>
+            </a:r>
+          </a:p>
+        </p:txBody>
+      </p:sp>
+      <p:sp>
+        <p:nvSpPr>
+          <p:cNvPr id="25" name="sketchy line">
+            <a:extLst>
+              <a:ext uri="{FF2B5EF4-FFF2-40B4-BE49-F238E27FC236}">
+                <a16:creationId xmlns:a16="http://schemas.microsoft.com/office/drawing/2014/main" id="{7E2BE7F7-CA89-4002-ACCE-A478AEA24F5E}"/>
+              </a:ext>
+              <a:ext uri="{C183D7F6-B498-43B3-948B-1728B52AA6E4}">
+                <adec:decorative xmlns:adec="http://schemas.microsoft.com/office/drawing/2017/decorative" val="1"/>
+              </a:ext>
+            </a:extLst>
+          </p:cNvPr>
+          <p:cNvSpPr>
+            <a:spLocks noGrp="1" noRot="1" noChangeAspect="1" noMove="1" noResize="1" noEditPoints="1" noAdjustHandles="1" noChangeArrowheads="1" noChangeShapeType="1" noTextEdit="1"/>
+          </p:cNvSpPr>
+          <p:nvPr>
+            <p:extLst>
+              <p:ext uri="{386F3935-93C4-4BCD-93E2-E3B085C9AB24}">
+                <p16:designElem xmlns:p16="http://schemas.microsoft.com/office/powerpoint/2015/main" val="1"/>
+              </p:ext>
+            </p:extLst>
+          </p:nvPr>
+        </p:nvSpPr>
+        <p:spPr>
+          <a:xfrm>
+            <a:off x="914399" y="1681544"/>
+            <a:ext cx="9692640" cy="18288"/>
+          </a:xfrm>
+          <a:custGeom>
+            <a:avLst/>
+            <a:gdLst>
+              <a:gd name="connsiteX0" fmla="*/ 0 w 9692640"/>
+              <a:gd name="connsiteY0" fmla="*/ 0 h 18288"/>
+              <a:gd name="connsiteX1" fmla="*/ 401552 w 9692640"/>
+              <a:gd name="connsiteY1" fmla="*/ 0 h 18288"/>
+              <a:gd name="connsiteX2" fmla="*/ 996957 w 9692640"/>
+              <a:gd name="connsiteY2" fmla="*/ 0 h 18288"/>
+              <a:gd name="connsiteX3" fmla="*/ 1398509 w 9692640"/>
+              <a:gd name="connsiteY3" fmla="*/ 0 h 18288"/>
+              <a:gd name="connsiteX4" fmla="*/ 2090841 w 9692640"/>
+              <a:gd name="connsiteY4" fmla="*/ 0 h 18288"/>
+              <a:gd name="connsiteX5" fmla="*/ 2686246 w 9692640"/>
+              <a:gd name="connsiteY5" fmla="*/ 0 h 18288"/>
+              <a:gd name="connsiteX6" fmla="*/ 3475504 w 9692640"/>
+              <a:gd name="connsiteY6" fmla="*/ 0 h 18288"/>
+              <a:gd name="connsiteX7" fmla="*/ 4361688 w 9692640"/>
+              <a:gd name="connsiteY7" fmla="*/ 0 h 18288"/>
+              <a:gd name="connsiteX8" fmla="*/ 5054019 w 9692640"/>
+              <a:gd name="connsiteY8" fmla="*/ 0 h 18288"/>
+              <a:gd name="connsiteX9" fmla="*/ 5940204 w 9692640"/>
+              <a:gd name="connsiteY9" fmla="*/ 0 h 18288"/>
+              <a:gd name="connsiteX10" fmla="*/ 6632535 w 9692640"/>
+              <a:gd name="connsiteY10" fmla="*/ 0 h 18288"/>
+              <a:gd name="connsiteX11" fmla="*/ 7034087 w 9692640"/>
+              <a:gd name="connsiteY11" fmla="*/ 0 h 18288"/>
+              <a:gd name="connsiteX12" fmla="*/ 7532566 w 9692640"/>
+              <a:gd name="connsiteY12" fmla="*/ 0 h 18288"/>
+              <a:gd name="connsiteX13" fmla="*/ 8418750 w 9692640"/>
+              <a:gd name="connsiteY13" fmla="*/ 0 h 18288"/>
+              <a:gd name="connsiteX14" fmla="*/ 9692640 w 9692640"/>
+              <a:gd name="connsiteY14" fmla="*/ 0 h 18288"/>
+              <a:gd name="connsiteX15" fmla="*/ 9692640 w 9692640"/>
+              <a:gd name="connsiteY15" fmla="*/ 18288 h 18288"/>
+              <a:gd name="connsiteX16" fmla="*/ 9000309 w 9692640"/>
+              <a:gd name="connsiteY16" fmla="*/ 18288 h 18288"/>
+              <a:gd name="connsiteX17" fmla="*/ 8307977 w 9692640"/>
+              <a:gd name="connsiteY17" fmla="*/ 18288 h 18288"/>
+              <a:gd name="connsiteX18" fmla="*/ 7712572 w 9692640"/>
+              <a:gd name="connsiteY18" fmla="*/ 18288 h 18288"/>
+              <a:gd name="connsiteX19" fmla="*/ 7214093 w 9692640"/>
+              <a:gd name="connsiteY19" fmla="*/ 18288 h 18288"/>
+              <a:gd name="connsiteX20" fmla="*/ 6327909 w 9692640"/>
+              <a:gd name="connsiteY20" fmla="*/ 18288 h 18288"/>
+              <a:gd name="connsiteX21" fmla="*/ 5635578 w 9692640"/>
+              <a:gd name="connsiteY21" fmla="*/ 18288 h 18288"/>
+              <a:gd name="connsiteX22" fmla="*/ 4846320 w 9692640"/>
+              <a:gd name="connsiteY22" fmla="*/ 18288 h 18288"/>
+              <a:gd name="connsiteX23" fmla="*/ 4444768 w 9692640"/>
+              <a:gd name="connsiteY23" fmla="*/ 18288 h 18288"/>
+              <a:gd name="connsiteX24" fmla="*/ 3946289 w 9692640"/>
+              <a:gd name="connsiteY24" fmla="*/ 18288 h 18288"/>
+              <a:gd name="connsiteX25" fmla="*/ 3253958 w 9692640"/>
+              <a:gd name="connsiteY25" fmla="*/ 18288 h 18288"/>
+              <a:gd name="connsiteX26" fmla="*/ 2464700 w 9692640"/>
+              <a:gd name="connsiteY26" fmla="*/ 18288 h 18288"/>
+              <a:gd name="connsiteX27" fmla="*/ 2063148 w 9692640"/>
+              <a:gd name="connsiteY27" fmla="*/ 18288 h 18288"/>
+              <a:gd name="connsiteX28" fmla="*/ 1661595 w 9692640"/>
+              <a:gd name="connsiteY28" fmla="*/ 18288 h 18288"/>
+              <a:gd name="connsiteX29" fmla="*/ 969264 w 9692640"/>
+              <a:gd name="connsiteY29" fmla="*/ 18288 h 18288"/>
+              <a:gd name="connsiteX30" fmla="*/ 0 w 9692640"/>
+              <a:gd name="connsiteY30" fmla="*/ 18288 h 18288"/>
+              <a:gd name="connsiteX31" fmla="*/ 0 w 9692640"/>
+              <a:gd name="connsiteY31" fmla="*/ 0 h 18288"/>
+            </a:gdLst>
+            <a:ahLst/>
+            <a:cxnLst>
+              <a:cxn ang="0">
+                <a:pos x="connsiteX0" y="connsiteY0"/>
+              </a:cxn>
+              <a:cxn ang="0">
+                <a:pos x="connsiteX1" y="connsiteY1"/>
+              </a:cxn>
+              <a:cxn ang="0">
+                <a:pos x="connsiteX2" y="connsiteY2"/>
+              </a:cxn>
+              <a:cxn ang="0">
+                <a:pos x="connsiteX3" y="connsiteY3"/>
+              </a:cxn>
+              <a:cxn ang="0">
+                <a:pos x="connsiteX4" y="connsiteY4"/>
+              </a:cxn>
+              <a:cxn ang="0">
+                <a:pos x="connsiteX5" y="connsiteY5"/>
+              </a:cxn>
+              <a:cxn ang="0">
+                <a:pos x="connsiteX6" y="connsiteY6"/>
+              </a:cxn>
+              <a:cxn ang="0">
+                <a:pos x="connsiteX7" y="connsiteY7"/>
+              </a:cxn>
+              <a:cxn ang="0">
+                <a:pos x="connsiteX8" y="connsiteY8"/>
+              </a:cxn>
+              <a:cxn ang="0">
+                <a:pos x="connsiteX9" y="connsiteY9"/>
+              </a:cxn>
+              <a:cxn ang="0">
+                <a:pos x="connsiteX10" y="connsiteY10"/>
+              </a:cxn>
+              <a:cxn ang="0">
+                <a:pos x="connsiteX11" y="connsiteY11"/>
+              </a:cxn>
+              <a:cxn ang="0">
+                <a:pos x="connsiteX12" y="connsiteY12"/>
+              </a:cxn>
+              <a:cxn ang="0">
+                <a:pos x="connsiteX13" y="connsiteY13"/>
+              </a:cxn>
+              <a:cxn ang="0">
+                <a:pos x="connsiteX14" y="connsiteY14"/>
+              </a:cxn>
+              <a:cxn ang="0">
+                <a:pos x="connsiteX15" y="connsiteY15"/>
+              </a:cxn>
+              <a:cxn ang="0">
+                <a:pos x="connsiteX16" y="connsiteY16"/>
+              </a:cxn>
+              <a:cxn ang="0">
+                <a:pos x="connsiteX17" y="connsiteY17"/>
+              </a:cxn>
+              <a:cxn ang="0">
+                <a:pos x="connsiteX18" y="connsiteY18"/>
+              </a:cxn>
+              <a:cxn ang="0">
+                <a:pos x="connsiteX19" y="connsiteY19"/>
+              </a:cxn>
+              <a:cxn ang="0">
+                <a:pos x="connsiteX20" y="connsiteY20"/>
+              </a:cxn>
+              <a:cxn ang="0">
+                <a:pos x="connsiteX21" y="connsiteY21"/>
+              </a:cxn>
+              <a:cxn ang="0">
+                <a:pos x="connsiteX22" y="connsiteY22"/>
+              </a:cxn>
+              <a:cxn ang="0">
+                <a:pos x="connsiteX23" y="connsiteY23"/>
+              </a:cxn>
+              <a:cxn ang="0">
+                <a:pos x="connsiteX24" y="connsiteY24"/>
+              </a:cxn>
+              <a:cxn ang="0">
+                <a:pos x="connsiteX25" y="connsiteY25"/>
+              </a:cxn>
+              <a:cxn ang="0">
+                <a:pos x="connsiteX26" y="connsiteY26"/>
+              </a:cxn>
+              <a:cxn ang="0">
+                <a:pos x="connsiteX27" y="connsiteY27"/>
+              </a:cxn>
+              <a:cxn ang="0">
+                <a:pos x="connsiteX28" y="connsiteY28"/>
+              </a:cxn>
+              <a:cxn ang="0">
+                <a:pos x="connsiteX29" y="connsiteY29"/>
+              </a:cxn>
+              <a:cxn ang="0">
+                <a:pos x="connsiteX30" y="connsiteY30"/>
+              </a:cxn>
+              <a:cxn ang="0">
+                <a:pos x="connsiteX31" y="connsiteY31"/>
+              </a:cxn>
+            </a:cxnLst>
+            <a:rect l="l" t="t" r="r" b="b"/>
+            <a:pathLst>
+              <a:path w="9692640" h="18288" fill="none" extrusionOk="0">
+                <a:moveTo>
+                  <a:pt x="0" y="0"/>
+                </a:moveTo>
+                <a:cubicBezTo>
+                  <a:pt x="142992" y="4732"/>
+                  <a:pt x="265909" y="-3365"/>
+                  <a:pt x="401552" y="0"/>
+                </a:cubicBezTo>
+                <a:cubicBezTo>
+                  <a:pt x="537195" y="3365"/>
+                  <a:pt x="738153" y="6482"/>
+                  <a:pt x="996957" y="0"/>
+                </a:cubicBezTo>
+                <a:cubicBezTo>
+                  <a:pt x="1255762" y="-6482"/>
+                  <a:pt x="1280511" y="12509"/>
+                  <a:pt x="1398509" y="0"/>
+                </a:cubicBezTo>
+                <a:cubicBezTo>
+                  <a:pt x="1516507" y="-12509"/>
+                  <a:pt x="1782573" y="-31523"/>
+                  <a:pt x="2090841" y="0"/>
+                </a:cubicBezTo>
+                <a:cubicBezTo>
+                  <a:pt x="2399109" y="31523"/>
+                  <a:pt x="2488380" y="26286"/>
+                  <a:pt x="2686246" y="0"/>
+                </a:cubicBezTo>
+                <a:cubicBezTo>
+                  <a:pt x="2884112" y="-26286"/>
+                  <a:pt x="3186024" y="-14734"/>
+                  <a:pt x="3475504" y="0"/>
+                </a:cubicBezTo>
+                <a:cubicBezTo>
+                  <a:pt x="3764984" y="14734"/>
+                  <a:pt x="4053017" y="43292"/>
+                  <a:pt x="4361688" y="0"/>
+                </a:cubicBezTo>
+                <a:cubicBezTo>
+                  <a:pt x="4670359" y="-43292"/>
+                  <a:pt x="4736164" y="-729"/>
+                  <a:pt x="5054019" y="0"/>
+                </a:cubicBezTo>
+                <a:cubicBezTo>
+                  <a:pt x="5371874" y="729"/>
+                  <a:pt x="5543528" y="-22963"/>
+                  <a:pt x="5940204" y="0"/>
+                </a:cubicBezTo>
+                <a:cubicBezTo>
+                  <a:pt x="6336881" y="22963"/>
+                  <a:pt x="6423838" y="6469"/>
+                  <a:pt x="6632535" y="0"/>
+                </a:cubicBezTo>
+                <a:cubicBezTo>
+                  <a:pt x="6841232" y="-6469"/>
+                  <a:pt x="6852819" y="17036"/>
+                  <a:pt x="7034087" y="0"/>
+                </a:cubicBezTo>
+                <a:cubicBezTo>
+                  <a:pt x="7215355" y="-17036"/>
+                  <a:pt x="7313136" y="11151"/>
+                  <a:pt x="7532566" y="0"/>
+                </a:cubicBezTo>
+                <a:cubicBezTo>
+                  <a:pt x="7751996" y="-11151"/>
+                  <a:pt x="8015001" y="25614"/>
+                  <a:pt x="8418750" y="0"/>
+                </a:cubicBezTo>
+                <a:cubicBezTo>
+                  <a:pt x="8822499" y="-25614"/>
+                  <a:pt x="9163239" y="48603"/>
+                  <a:pt x="9692640" y="0"/>
+                </a:cubicBezTo>
+                <a:cubicBezTo>
+                  <a:pt x="9691955" y="4437"/>
+                  <a:pt x="9693170" y="10717"/>
+                  <a:pt x="9692640" y="18288"/>
+                </a:cubicBezTo>
+                <a:cubicBezTo>
+                  <a:pt x="9545125" y="42172"/>
+                  <a:pt x="9164259" y="6706"/>
+                  <a:pt x="9000309" y="18288"/>
+                </a:cubicBezTo>
+                <a:cubicBezTo>
+                  <a:pt x="8836359" y="29870"/>
+                  <a:pt x="8521035" y="-14108"/>
+                  <a:pt x="8307977" y="18288"/>
+                </a:cubicBezTo>
+                <a:cubicBezTo>
+                  <a:pt x="8094919" y="50684"/>
+                  <a:pt x="7881757" y="11235"/>
+                  <a:pt x="7712572" y="18288"/>
+                </a:cubicBezTo>
+                <a:cubicBezTo>
+                  <a:pt x="7543387" y="25341"/>
+                  <a:pt x="7358861" y="20625"/>
+                  <a:pt x="7214093" y="18288"/>
+                </a:cubicBezTo>
+                <a:cubicBezTo>
+                  <a:pt x="7069325" y="15951"/>
+                  <a:pt x="6523705" y="52160"/>
+                  <a:pt x="6327909" y="18288"/>
+                </a:cubicBezTo>
+                <a:cubicBezTo>
+                  <a:pt x="6132113" y="-15584"/>
+                  <a:pt x="5923847" y="21204"/>
+                  <a:pt x="5635578" y="18288"/>
+                </a:cubicBezTo>
+                <a:cubicBezTo>
+                  <a:pt x="5347309" y="15372"/>
+                  <a:pt x="5114749" y="50642"/>
+                  <a:pt x="4846320" y="18288"/>
+                </a:cubicBezTo>
+                <a:cubicBezTo>
+                  <a:pt x="4577891" y="-14066"/>
+                  <a:pt x="4576701" y="1487"/>
+                  <a:pt x="4444768" y="18288"/>
+                </a:cubicBezTo>
+                <a:cubicBezTo>
+                  <a:pt x="4312835" y="35089"/>
+                  <a:pt x="4112575" y="15158"/>
+                  <a:pt x="3946289" y="18288"/>
+                </a:cubicBezTo>
+                <a:cubicBezTo>
+                  <a:pt x="3780003" y="21418"/>
+                  <a:pt x="3396009" y="18797"/>
+                  <a:pt x="3253958" y="18288"/>
+                </a:cubicBezTo>
+                <a:cubicBezTo>
+                  <a:pt x="3111907" y="17779"/>
+                  <a:pt x="2760272" y="57223"/>
+                  <a:pt x="2464700" y="18288"/>
+                </a:cubicBezTo>
+                <a:cubicBezTo>
+                  <a:pt x="2169128" y="-20647"/>
+                  <a:pt x="2232262" y="7960"/>
+                  <a:pt x="2063148" y="18288"/>
+                </a:cubicBezTo>
+                <a:cubicBezTo>
+                  <a:pt x="1894034" y="28616"/>
+                  <a:pt x="1799338" y="3019"/>
+                  <a:pt x="1661595" y="18288"/>
+                </a:cubicBezTo>
+                <a:cubicBezTo>
+                  <a:pt x="1523852" y="33557"/>
+                  <a:pt x="1113928" y="-4352"/>
+                  <a:pt x="969264" y="18288"/>
+                </a:cubicBezTo>
+                <a:cubicBezTo>
+                  <a:pt x="824600" y="40928"/>
+                  <a:pt x="356149" y="-3128"/>
+                  <a:pt x="0" y="18288"/>
+                </a:cubicBezTo>
+                <a:cubicBezTo>
+                  <a:pt x="-540" y="12521"/>
+                  <a:pt x="894" y="7749"/>
+                  <a:pt x="0" y="0"/>
+                </a:cubicBezTo>
+                <a:close/>
+              </a:path>
+              <a:path w="9692640" h="18288" stroke="0" extrusionOk="0">
+                <a:moveTo>
+                  <a:pt x="0" y="0"/>
+                </a:moveTo>
+                <a:cubicBezTo>
+                  <a:pt x="162642" y="3864"/>
+                  <a:pt x="346119" y="-18364"/>
+                  <a:pt x="498479" y="0"/>
+                </a:cubicBezTo>
+                <a:cubicBezTo>
+                  <a:pt x="650839" y="18364"/>
+                  <a:pt x="712065" y="-9389"/>
+                  <a:pt x="900031" y="0"/>
+                </a:cubicBezTo>
+                <a:cubicBezTo>
+                  <a:pt x="1087997" y="9389"/>
+                  <a:pt x="1177291" y="3685"/>
+                  <a:pt x="1398509" y="0"/>
+                </a:cubicBezTo>
+                <a:cubicBezTo>
+                  <a:pt x="1619727" y="-3685"/>
+                  <a:pt x="1874008" y="-8897"/>
+                  <a:pt x="2090841" y="0"/>
+                </a:cubicBezTo>
+                <a:cubicBezTo>
+                  <a:pt x="2307674" y="8897"/>
+                  <a:pt x="2573432" y="-313"/>
+                  <a:pt x="2880099" y="0"/>
+                </a:cubicBezTo>
+                <a:cubicBezTo>
+                  <a:pt x="3186766" y="313"/>
+                  <a:pt x="3422577" y="10664"/>
+                  <a:pt x="3766283" y="0"/>
+                </a:cubicBezTo>
+                <a:cubicBezTo>
+                  <a:pt x="4109989" y="-10664"/>
+                  <a:pt x="4342683" y="-32873"/>
+                  <a:pt x="4652467" y="0"/>
+                </a:cubicBezTo>
+                <a:cubicBezTo>
+                  <a:pt x="4962251" y="32873"/>
+                  <a:pt x="5122120" y="29155"/>
+                  <a:pt x="5247872" y="0"/>
+                </a:cubicBezTo>
+                <a:cubicBezTo>
+                  <a:pt x="5373625" y="-29155"/>
+                  <a:pt x="5749491" y="1706"/>
+                  <a:pt x="6037130" y="0"/>
+                </a:cubicBezTo>
+                <a:cubicBezTo>
+                  <a:pt x="6324769" y="-1706"/>
+                  <a:pt x="6531407" y="1172"/>
+                  <a:pt x="6729461" y="0"/>
+                </a:cubicBezTo>
+                <a:cubicBezTo>
+                  <a:pt x="6927515" y="-1172"/>
+                  <a:pt x="7096794" y="-1520"/>
+                  <a:pt x="7324867" y="0"/>
+                </a:cubicBezTo>
+                <a:cubicBezTo>
+                  <a:pt x="7552940" y="1520"/>
+                  <a:pt x="7878827" y="-17110"/>
+                  <a:pt x="8114124" y="0"/>
+                </a:cubicBezTo>
+                <a:cubicBezTo>
+                  <a:pt x="8349421" y="17110"/>
+                  <a:pt x="8334208" y="15114"/>
+                  <a:pt x="8515677" y="0"/>
+                </a:cubicBezTo>
+                <a:cubicBezTo>
+                  <a:pt x="8697146" y="-15114"/>
+                  <a:pt x="9236164" y="22466"/>
+                  <a:pt x="9692640" y="0"/>
+                </a:cubicBezTo>
+                <a:cubicBezTo>
+                  <a:pt x="9692735" y="8251"/>
+                  <a:pt x="9692514" y="12333"/>
+                  <a:pt x="9692640" y="18288"/>
+                </a:cubicBezTo>
+                <a:cubicBezTo>
+                  <a:pt x="9410102" y="47398"/>
+                  <a:pt x="9172773" y="7109"/>
+                  <a:pt x="9000309" y="18288"/>
+                </a:cubicBezTo>
+                <a:cubicBezTo>
+                  <a:pt x="8827845" y="29467"/>
+                  <a:pt x="8713608" y="28372"/>
+                  <a:pt x="8501830" y="18288"/>
+                </a:cubicBezTo>
+                <a:cubicBezTo>
+                  <a:pt x="8290052" y="8204"/>
+                  <a:pt x="7893416" y="3561"/>
+                  <a:pt x="7712572" y="18288"/>
+                </a:cubicBezTo>
+                <a:cubicBezTo>
+                  <a:pt x="7531728" y="33015"/>
+                  <a:pt x="7480716" y="17052"/>
+                  <a:pt x="7311020" y="18288"/>
+                </a:cubicBezTo>
+                <a:cubicBezTo>
+                  <a:pt x="7141324" y="19524"/>
+                  <a:pt x="6962706" y="15975"/>
+                  <a:pt x="6618688" y="18288"/>
+                </a:cubicBezTo>
+                <a:cubicBezTo>
+                  <a:pt x="6274670" y="20601"/>
+                  <a:pt x="6230664" y="-1692"/>
+                  <a:pt x="6120210" y="18288"/>
+                </a:cubicBezTo>
+                <a:cubicBezTo>
+                  <a:pt x="6009756" y="38268"/>
+                  <a:pt x="5442516" y="28115"/>
+                  <a:pt x="5234026" y="18288"/>
+                </a:cubicBezTo>
+                <a:cubicBezTo>
+                  <a:pt x="5025536" y="8461"/>
+                  <a:pt x="4953693" y="18182"/>
+                  <a:pt x="4832473" y="18288"/>
+                </a:cubicBezTo>
+                <a:cubicBezTo>
+                  <a:pt x="4711253" y="18394"/>
+                  <a:pt x="4414565" y="-11251"/>
+                  <a:pt x="4140142" y="18288"/>
+                </a:cubicBezTo>
+                <a:cubicBezTo>
+                  <a:pt x="3865719" y="47827"/>
+                  <a:pt x="3819081" y="16772"/>
+                  <a:pt x="3738590" y="18288"/>
+                </a:cubicBezTo>
+                <a:cubicBezTo>
+                  <a:pt x="3658099" y="19804"/>
+                  <a:pt x="3427576" y="1385"/>
+                  <a:pt x="3240111" y="18288"/>
+                </a:cubicBezTo>
+                <a:cubicBezTo>
+                  <a:pt x="3052646" y="35191"/>
+                  <a:pt x="2749652" y="-13914"/>
+                  <a:pt x="2450853" y="18288"/>
+                </a:cubicBezTo>
+                <a:cubicBezTo>
+                  <a:pt x="2152054" y="50490"/>
+                  <a:pt x="1928331" y="61101"/>
+                  <a:pt x="1564669" y="18288"/>
+                </a:cubicBezTo>
+                <a:cubicBezTo>
+                  <a:pt x="1201007" y="-24525"/>
+                  <a:pt x="1217828" y="-275"/>
+                  <a:pt x="1066190" y="18288"/>
+                </a:cubicBezTo>
+                <a:cubicBezTo>
+                  <a:pt x="914552" y="36851"/>
+                  <a:pt x="418290" y="-14785"/>
+                  <a:pt x="0" y="18288"/>
+                </a:cubicBezTo>
+                <a:cubicBezTo>
+                  <a:pt x="641" y="14236"/>
+                  <a:pt x="889" y="7550"/>
+                  <a:pt x="0" y="0"/>
+                </a:cubicBezTo>
+                <a:close/>
+              </a:path>
+            </a:pathLst>
+          </a:custGeom>
+          <a:solidFill>
+            <a:srgbClr val="FFFFFF">
+              <a:alpha val="75000"/>
+            </a:srgbClr>
+          </a:solidFill>
+          <a:ln w="44450" cap="rnd">
+            <a:solidFill>
+              <a:schemeClr val="bg1">
+                <a:alpha val="75000"/>
+              </a:schemeClr>
+            </a:solidFill>
+            <a:round/>
+            <a:extLst>
+              <a:ext uri="{C807C97D-BFC1-408E-A445-0C87EB9F89A2}">
+                <ask:lineSketchStyleProps xmlns:ask="http://schemas.microsoft.com/office/drawing/2018/sketchyshapes" sd="2727557108">
+                  <a:prstGeom prst="rect">
+                    <a:avLst/>
+                  </a:prstGeom>
+                  <ask:type>
+                    <ask:lineSketchFreehand/>
+                  </ask:type>
+                </ask:lineSketchStyleProps>
+              </a:ext>
+            </a:extLst>
+          </a:ln>
+        </p:spPr>
+        <p:style>
+          <a:lnRef idx="2">
+            <a:schemeClr val="accent1">
+              <a:shade val="50000"/>
+            </a:schemeClr>
+          </a:lnRef>
+          <a:fillRef idx="1">
+            <a:schemeClr val="accent1"/>
+          </a:fillRef>
+          <a:effectRef idx="0">
+            <a:schemeClr val="accent1"/>
+          </a:effectRef>
+          <a:fontRef idx="minor">
+            <a:schemeClr val="lt1"/>
+          </a:fontRef>
+        </p:style>
+        <p:txBody>
+          <a:bodyPr rtlCol="0" anchor="ctr"/>
+          <a:lstStyle/>
+          <a:p>
+            <a:pPr algn="ctr"/>
+            <a:endParaRPr lang="en-US"/>
+          </a:p>
+        </p:txBody>
+      </p:sp>
+      <p:sp>
+        <p:nvSpPr>
+          <p:cNvPr id="3" name="Subtitle 2">
+            <a:extLst>
+              <a:ext uri="{FF2B5EF4-FFF2-40B4-BE49-F238E27FC236}">
+                <a16:creationId xmlns:a16="http://schemas.microsoft.com/office/drawing/2014/main" id="{1A33470D-CE91-F3B5-68F7-2CBCAA941809}"/>
+              </a:ext>
+            </a:extLst>
+          </p:cNvPr>
+          <p:cNvSpPr>
+            <a:spLocks noGrp="1"/>
+          </p:cNvSpPr>
+          <p:nvPr>
+            <p:ph idx="1"/>
+          </p:nvPr>
+        </p:nvSpPr>
+        <p:spPr>
+          <a:xfrm>
+            <a:off x="838200" y="2004446"/>
+            <a:ext cx="10515600" cy="4176897"/>
+          </a:xfrm>
+        </p:spPr>
+        <p:txBody>
+          <a:bodyPr vert="horz" lIns="91440" tIns="45720" rIns="91440" bIns="45720" rtlCol="0">
+            <a:normAutofit/>
+          </a:bodyPr>
+          <a:lstStyle/>
+          <a:p>
+            <a:pPr marL="0" indent="0">
+              <a:buNone/>
+            </a:pPr>
+            <a:endParaRPr lang="en-US" sz="2200" dirty="0">
+              <a:solidFill>
+                <a:schemeClr val="bg1"/>
+              </a:solidFill>
+            </a:endParaRPr>
+          </a:p>
+        </p:txBody>
+      </p:sp>
+      <p:sp>
+        <p:nvSpPr>
+          <p:cNvPr id="4" name="TextBox 3">
+            <a:extLst>
+              <a:ext uri="{FF2B5EF4-FFF2-40B4-BE49-F238E27FC236}">
+                <a16:creationId xmlns:a16="http://schemas.microsoft.com/office/drawing/2014/main" id="{D6E95770-3874-517C-5F5D-04D0356C2060}"/>
+              </a:ext>
+            </a:extLst>
+          </p:cNvPr>
+          <p:cNvSpPr txBox="1"/>
+          <p:nvPr/>
+        </p:nvSpPr>
+        <p:spPr>
+          <a:xfrm>
+            <a:off x="9664930" y="1995302"/>
+            <a:ext cx="2472297" cy="2585323"/>
+          </a:xfrm>
+          <a:prstGeom prst="rect">
+            <a:avLst/>
+          </a:prstGeom>
+          <a:noFill/>
+        </p:spPr>
+        <p:txBody>
+          <a:bodyPr wrap="square" rtlCol="0">
+            <a:spAutoFit/>
+          </a:bodyPr>
+          <a:lstStyle/>
+          <a:p>
+            <a:pPr marL="285750" indent="-285750">
+              <a:buFont typeface="Arial" panose="020B0604020202020204" pitchFamily="34" charset="0"/>
+              <a:buChar char="•"/>
+            </a:pPr>
+            <a:r>
+              <a:rPr lang="de-DE" dirty="0">
+                <a:solidFill>
+                  <a:schemeClr val="bg1"/>
+                </a:solidFill>
+              </a:rPr>
+              <a:t>Benutzerverwaltung</a:t>
+            </a:r>
+          </a:p>
+          <a:p>
+            <a:pPr marL="285750" indent="-285750">
+              <a:buFont typeface="Arial" panose="020B0604020202020204" pitchFamily="34" charset="0"/>
+              <a:buChar char="•"/>
+            </a:pPr>
+            <a:endParaRPr lang="de-DE" dirty="0">
+              <a:solidFill>
+                <a:schemeClr val="bg1"/>
+              </a:solidFill>
+            </a:endParaRPr>
+          </a:p>
+          <a:p>
+            <a:pPr marL="285750" indent="-285750">
+              <a:buFont typeface="Arial" panose="020B0604020202020204" pitchFamily="34" charset="0"/>
+              <a:buChar char="•"/>
+            </a:pPr>
+            <a:r>
+              <a:rPr lang="de-DE" dirty="0">
+                <a:solidFill>
+                  <a:schemeClr val="bg1"/>
+                </a:solidFill>
+              </a:rPr>
+              <a:t>?</a:t>
+            </a:r>
+          </a:p>
+          <a:p>
+            <a:pPr marL="285750" indent="-285750">
+              <a:buFont typeface="Arial" panose="020B0604020202020204" pitchFamily="34" charset="0"/>
+              <a:buChar char="•"/>
+            </a:pPr>
+            <a:endParaRPr lang="de-DE" dirty="0">
+              <a:solidFill>
+                <a:schemeClr val="bg1"/>
+              </a:solidFill>
+            </a:endParaRPr>
+          </a:p>
+          <a:p>
+            <a:pPr marL="285750" indent="-285750">
+              <a:buFont typeface="Arial" panose="020B0604020202020204" pitchFamily="34" charset="0"/>
+              <a:buChar char="•"/>
+            </a:pPr>
+            <a:r>
+              <a:rPr lang="de-DE" dirty="0">
+                <a:solidFill>
+                  <a:schemeClr val="bg1"/>
+                </a:solidFill>
+              </a:rPr>
+              <a:t>?</a:t>
+            </a:r>
+          </a:p>
+          <a:p>
+            <a:pPr marL="285750" indent="-285750">
+              <a:buFont typeface="Arial" panose="020B0604020202020204" pitchFamily="34" charset="0"/>
+              <a:buChar char="•"/>
+            </a:pPr>
+            <a:endParaRPr lang="de-DE" dirty="0">
+              <a:solidFill>
+                <a:schemeClr val="bg1"/>
+              </a:solidFill>
+            </a:endParaRPr>
+          </a:p>
+          <a:p>
+            <a:pPr marL="285750" indent="-285750">
+              <a:buFont typeface="Arial" panose="020B0604020202020204" pitchFamily="34" charset="0"/>
+              <a:buChar char="•"/>
+            </a:pPr>
+            <a:r>
+              <a:rPr lang="de-DE" dirty="0">
+                <a:solidFill>
+                  <a:schemeClr val="bg1"/>
+                </a:solidFill>
+              </a:rPr>
+              <a:t>?</a:t>
+            </a:r>
+          </a:p>
+          <a:p>
+            <a:pPr marL="285750" indent="-285750">
+              <a:buFont typeface="Arial" panose="020B0604020202020204" pitchFamily="34" charset="0"/>
+              <a:buChar char="•"/>
+            </a:pPr>
+            <a:endParaRPr lang="de-DE" dirty="0">
+              <a:solidFill>
+                <a:schemeClr val="bg1"/>
+              </a:solidFill>
+            </a:endParaRPr>
+          </a:p>
+          <a:p>
+            <a:pPr marL="285750" indent="-285750">
+              <a:buFont typeface="Arial" panose="020B0604020202020204" pitchFamily="34" charset="0"/>
+              <a:buChar char="•"/>
+            </a:pPr>
+            <a:r>
+              <a:rPr lang="de-DE" dirty="0">
+                <a:solidFill>
+                  <a:schemeClr val="bg1"/>
+                </a:solidFill>
+              </a:rPr>
+              <a:t>?</a:t>
+            </a:r>
+          </a:p>
+        </p:txBody>
+      </p:sp>
+      <p:sp>
+        <p:nvSpPr>
+          <p:cNvPr id="5" name="Slide Number Placeholder 4">
+            <a:extLst>
+              <a:ext uri="{FF2B5EF4-FFF2-40B4-BE49-F238E27FC236}">
+                <a16:creationId xmlns:a16="http://schemas.microsoft.com/office/drawing/2014/main" id="{1A68A4A1-C191-7418-DCD5-1521B409655F}"/>
+              </a:ext>
+            </a:extLst>
+          </p:cNvPr>
+          <p:cNvSpPr>
+            <a:spLocks noGrp="1"/>
+          </p:cNvSpPr>
+          <p:nvPr>
+            <p:ph type="sldNum" sz="quarter" idx="12"/>
+          </p:nvPr>
+        </p:nvSpPr>
+        <p:spPr/>
+        <p:txBody>
+          <a:bodyPr/>
+          <a:lstStyle/>
+          <a:p>
+            <a:fld id="{13C740AA-7824-4996-A9A9-B0E74C888E41}" type="slidenum">
+              <a:rPr lang="de-DE" smtClean="0"/>
+              <a:t>9</a:t>
+            </a:fld>
+            <a:endParaRPr lang="de-DE"/>
+          </a:p>
+        </p:txBody>
+      </p:sp>
+    </p:spTree>
+    <p:extLst>
+      <p:ext uri="{BB962C8B-B14F-4D97-AF65-F5344CB8AC3E}">
         <p14:creationId xmlns:p14="http://schemas.microsoft.com/office/powerpoint/2010/main" val="591343553"/>
       </p:ext>
     </p:extLst>
@@ -15173,13 +16775,13 @@
   <p:clrMapOvr>
     <a:masterClrMapping/>
   </p:clrMapOvr>
-  <mc:AlternateContent xmlns:mc="http://schemas.openxmlformats.org/markup-compatibility/2006">
-    <mc:Choice xmlns:p159="http://schemas.microsoft.com/office/powerpoint/2015/09/main" Requires="p159">
+  <mc:AlternateContent xmlns:mc="http://schemas.openxmlformats.org/markup-compatibility/2006" xmlns:p159="http://schemas.microsoft.com/office/powerpoint/2015/09/main">
+    <mc:Choice Requires="p159">
       <p:transition spd="med">
         <p159:morph option="byObject"/>
       </p:transition>
     </mc:Choice>
-    <mc:Fallback>
+    <mc:Fallback xmlns="">
       <p:transition spd="med">
         <p:fade/>
       </p:transition>

--- a/Präst_Profitabilität.pptx
+++ b/Präst_Profitabilität.pptx
@@ -10404,7 +10404,7 @@
               <a:t> in das </a:t>
             </a:r>
             <a:r>
-              <a:rPr lang="en-US" sz="2200" err="1">
+              <a:rPr lang="en-US" sz="2200" dirty="0" err="1">
                 <a:solidFill>
                   <a:schemeClr val="bg1"/>
                 </a:solidFill>
@@ -10412,18 +10412,13 @@
               <a:t>neue</a:t>
             </a:r>
             <a:r>
-              <a:rPr lang="en-US" sz="2200">
+              <a:rPr lang="en-US" sz="2200" dirty="0">
                 <a:solidFill>
                   <a:schemeClr val="bg1"/>
                 </a:solidFill>
               </a:rPr>
               <a:t> System</a:t>
             </a:r>
-            <a:endParaRPr lang="en-US" sz="2200" dirty="0">
-              <a:solidFill>
-                <a:schemeClr val="bg1"/>
-              </a:solidFill>
-            </a:endParaRPr>
           </a:p>
         </p:txBody>
       </p:sp>

--- a/Präst_Profitabilität.pptx
+++ b/Präst_Profitabilität.pptx
@@ -5,18 +5,19 @@
     <p:sldMasterId id="2147483648" r:id="rId1"/>
   </p:sldMasterIdLst>
   <p:notesMasterIdLst>
-    <p:notesMasterId r:id="rId11"/>
+    <p:notesMasterId r:id="rId12"/>
   </p:notesMasterIdLst>
   <p:sldIdLst>
     <p:sldId id="256" r:id="rId2"/>
     <p:sldId id="257" r:id="rId3"/>
     <p:sldId id="260" r:id="rId4"/>
-    <p:sldId id="259" r:id="rId5"/>
-    <p:sldId id="264" r:id="rId6"/>
-    <p:sldId id="258" r:id="rId7"/>
-    <p:sldId id="261" r:id="rId8"/>
-    <p:sldId id="262" r:id="rId9"/>
-    <p:sldId id="263" r:id="rId10"/>
+    <p:sldId id="265" r:id="rId5"/>
+    <p:sldId id="259" r:id="rId6"/>
+    <p:sldId id="264" r:id="rId7"/>
+    <p:sldId id="258" r:id="rId8"/>
+    <p:sldId id="261" r:id="rId9"/>
+    <p:sldId id="262" r:id="rId10"/>
+    <p:sldId id="263" r:id="rId11"/>
   </p:sldIdLst>
   <p:sldSz cx="12192000" cy="6858000"/>
   <p:notesSz cx="6858000" cy="9144000"/>
@@ -559,6 +560,93 @@
     <p:extLst>
       <p:ext uri="{BB962C8B-B14F-4D97-AF65-F5344CB8AC3E}">
         <p14:creationId xmlns:p14="http://schemas.microsoft.com/office/powerpoint/2010/main" val="3807318677"/>
+      </p:ext>
+    </p:extLst>
+  </p:cSld>
+  <p:clrMapOvr>
+    <a:masterClrMapping/>
+  </p:clrMapOvr>
+</p:notes>
+</file>
+
+<file path=ppt/notesSlides/notesSlide2.xml><?xml version="1.0" encoding="utf-8"?>
+<p:notes xmlns:a="http://schemas.openxmlformats.org/drawingml/2006/main" xmlns:r="http://schemas.openxmlformats.org/officeDocument/2006/relationships" xmlns:p="http://schemas.openxmlformats.org/presentationml/2006/main">
+  <p:cSld>
+    <p:spTree>
+      <p:nvGrpSpPr>
+        <p:cNvPr id="1" name=""/>
+        <p:cNvGrpSpPr/>
+        <p:nvPr/>
+      </p:nvGrpSpPr>
+      <p:grpSpPr>
+        <a:xfrm>
+          <a:off x="0" y="0"/>
+          <a:ext cx="0" cy="0"/>
+          <a:chOff x="0" y="0"/>
+          <a:chExt cx="0" cy="0"/>
+        </a:xfrm>
+      </p:grpSpPr>
+      <p:sp>
+        <p:nvSpPr>
+          <p:cNvPr id="2" name="Folienbildplatzhalter 1"/>
+          <p:cNvSpPr>
+            <a:spLocks noGrp="1" noRot="1" noChangeAspect="1"/>
+          </p:cNvSpPr>
+          <p:nvPr>
+            <p:ph type="sldImg"/>
+          </p:nvPr>
+        </p:nvSpPr>
+        <p:spPr/>
+      </p:sp>
+      <p:sp>
+        <p:nvSpPr>
+          <p:cNvPr id="3" name="Notizenplatzhalter 2"/>
+          <p:cNvSpPr>
+            <a:spLocks noGrp="1"/>
+          </p:cNvSpPr>
+          <p:nvPr>
+            <p:ph type="body" idx="1"/>
+          </p:nvPr>
+        </p:nvSpPr>
+        <p:spPr/>
+        <p:txBody>
+          <a:bodyPr/>
+          <a:lstStyle/>
+          <a:p>
+            <a:r>
+              <a:rPr lang="de-DE" dirty="0"/>
+              <a:t>Digitalisierung aus verschiedenen Gründen, wie zu Hohe Zahl von Projekten und Personal.</a:t>
+            </a:r>
+          </a:p>
+        </p:txBody>
+      </p:sp>
+      <p:sp>
+        <p:nvSpPr>
+          <p:cNvPr id="4" name="Foliennummernplatzhalter 3"/>
+          <p:cNvSpPr>
+            <a:spLocks noGrp="1"/>
+          </p:cNvSpPr>
+          <p:nvPr>
+            <p:ph type="sldNum" sz="quarter" idx="5"/>
+          </p:nvPr>
+        </p:nvSpPr>
+        <p:spPr/>
+        <p:txBody>
+          <a:bodyPr/>
+          <a:lstStyle/>
+          <a:p>
+            <a:fld id="{4D6228A4-D5D2-43EB-AD64-3613E5F089FE}" type="slidenum">
+              <a:rPr lang="de-DE" smtClean="0"/>
+              <a:t>3</a:t>
+            </a:fld>
+            <a:endParaRPr lang="de-DE"/>
+          </a:p>
+        </p:txBody>
+      </p:sp>
+    </p:spTree>
+    <p:extLst>
+      <p:ext uri="{BB962C8B-B14F-4D97-AF65-F5344CB8AC3E}">
+        <p14:creationId xmlns:p14="http://schemas.microsoft.com/office/powerpoint/2010/main" val="3085080637"/>
       </p:ext>
     </p:extLst>
   </p:cSld>
@@ -4214,6 +4302,972 @@
 </p:sld>
 </file>
 
+<file path=ppt/slides/slide10.xml><?xml version="1.0" encoding="utf-8"?>
+<p:sld xmlns:a="http://schemas.openxmlformats.org/drawingml/2006/main" xmlns:r="http://schemas.openxmlformats.org/officeDocument/2006/relationships" xmlns:p="http://schemas.openxmlformats.org/presentationml/2006/main">
+  <p:cSld>
+    <p:bg>
+      <p:bgPr>
+        <a:solidFill>
+          <a:schemeClr val="bg1"/>
+        </a:solidFill>
+        <a:effectLst/>
+      </p:bgPr>
+    </p:bg>
+    <p:spTree>
+      <p:nvGrpSpPr>
+        <p:cNvPr id="1" name=""/>
+        <p:cNvGrpSpPr/>
+        <p:nvPr/>
+      </p:nvGrpSpPr>
+      <p:grpSpPr>
+        <a:xfrm>
+          <a:off x="0" y="0"/>
+          <a:ext cx="0" cy="0"/>
+          <a:chOff x="0" y="0"/>
+          <a:chExt cx="0" cy="0"/>
+        </a:xfrm>
+      </p:grpSpPr>
+      <p:sp>
+        <p:nvSpPr>
+          <p:cNvPr id="23" name="Rectangle 22">
+            <a:extLst>
+              <a:ext uri="{FF2B5EF4-FFF2-40B4-BE49-F238E27FC236}">
+                <a16:creationId xmlns:a16="http://schemas.microsoft.com/office/drawing/2014/main" id="{1A9F7B4E-B03D-4F64-BE33-00D074458D45}"/>
+              </a:ext>
+              <a:ext uri="{C183D7F6-B498-43B3-948B-1728B52AA6E4}">
+                <adec:decorative xmlns:adec="http://schemas.microsoft.com/office/drawing/2017/decorative" val="1"/>
+              </a:ext>
+            </a:extLst>
+          </p:cNvPr>
+          <p:cNvSpPr>
+            <a:spLocks noGrp="1" noRot="1" noChangeAspect="1" noMove="1" noResize="1" noEditPoints="1" noAdjustHandles="1" noChangeArrowheads="1" noChangeShapeType="1" noTextEdit="1"/>
+          </p:cNvSpPr>
+          <p:nvPr>
+            <p:extLst>
+              <p:ext uri="{386F3935-93C4-4BCD-93E2-E3B085C9AB24}">
+                <p16:designElem xmlns:p16="http://schemas.microsoft.com/office/powerpoint/2015/main" val="1"/>
+              </p:ext>
+            </p:extLst>
+          </p:nvPr>
+        </p:nvSpPr>
+        <p:spPr>
+          <a:xfrm>
+            <a:off x="0" y="0"/>
+            <a:ext cx="12188952" cy="6858000"/>
+          </a:xfrm>
+          <a:prstGeom prst="rect">
+            <a:avLst/>
+          </a:prstGeom>
+          <a:solidFill>
+            <a:schemeClr val="tx1"/>
+          </a:solidFill>
+          <a:ln>
+            <a:noFill/>
+          </a:ln>
+        </p:spPr>
+        <p:style>
+          <a:lnRef idx="2">
+            <a:schemeClr val="accent1">
+              <a:shade val="50000"/>
+            </a:schemeClr>
+          </a:lnRef>
+          <a:fillRef idx="1">
+            <a:schemeClr val="accent1"/>
+          </a:fillRef>
+          <a:effectRef idx="0">
+            <a:schemeClr val="accent1"/>
+          </a:effectRef>
+          <a:fontRef idx="minor">
+            <a:schemeClr val="lt1"/>
+          </a:fontRef>
+        </p:style>
+        <p:txBody>
+          <a:bodyPr rtlCol="0" anchor="ctr"/>
+          <a:lstStyle/>
+          <a:p>
+            <a:pPr algn="ctr"/>
+            <a:endParaRPr lang="en-US"/>
+          </a:p>
+        </p:txBody>
+      </p:sp>
+      <p:pic>
+        <p:nvPicPr>
+          <p:cNvPr id="18" name="Picture 17" descr="A blue and green lines on a black background&#10;&#10;Description automatically generated">
+            <a:extLst>
+              <a:ext uri="{FF2B5EF4-FFF2-40B4-BE49-F238E27FC236}">
+                <a16:creationId xmlns:a16="http://schemas.microsoft.com/office/drawing/2014/main" id="{9E2CA162-4ACE-88C3-D272-088E41436A49}"/>
+              </a:ext>
+            </a:extLst>
+          </p:cNvPr>
+          <p:cNvPicPr>
+            <a:picLocks noChangeAspect="1"/>
+          </p:cNvPicPr>
+          <p:nvPr/>
+        </p:nvPicPr>
+        <p:blipFill rotWithShape="1">
+          <a:blip r:embed="rId2">
+            <a:alphaModFix amt="40000"/>
+          </a:blip>
+          <a:srcRect t="13655" b="6840"/>
+          <a:stretch/>
+        </p:blipFill>
+        <p:spPr>
+          <a:xfrm>
+            <a:off x="20" y="10"/>
+            <a:ext cx="12191979" cy="6857990"/>
+          </a:xfrm>
+          <a:prstGeom prst="rect">
+            <a:avLst/>
+          </a:prstGeom>
+        </p:spPr>
+      </p:pic>
+      <p:sp>
+        <p:nvSpPr>
+          <p:cNvPr id="2" name="Title 1">
+            <a:extLst>
+              <a:ext uri="{FF2B5EF4-FFF2-40B4-BE49-F238E27FC236}">
+                <a16:creationId xmlns:a16="http://schemas.microsoft.com/office/drawing/2014/main" id="{61CE0095-EFE9-6204-1ACC-4BEB3E59878B}"/>
+              </a:ext>
+            </a:extLst>
+          </p:cNvPr>
+          <p:cNvSpPr>
+            <a:spLocks noGrp="1"/>
+          </p:cNvSpPr>
+          <p:nvPr>
+            <p:ph type="title"/>
+          </p:nvPr>
+        </p:nvSpPr>
+        <p:spPr>
+          <a:xfrm>
+            <a:off x="838200" y="365125"/>
+            <a:ext cx="10515600" cy="1325563"/>
+          </a:xfrm>
+        </p:spPr>
+        <p:txBody>
+          <a:bodyPr vert="horz" lIns="91440" tIns="45720" rIns="91440" bIns="45720" rtlCol="0">
+            <a:normAutofit/>
+          </a:bodyPr>
+          <a:lstStyle/>
+          <a:p>
+            <a:r>
+              <a:rPr lang="en-US" sz="5400" dirty="0">
+                <a:solidFill>
+                  <a:schemeClr val="bg1"/>
+                </a:solidFill>
+              </a:rPr>
+              <a:t>Screenshots</a:t>
+            </a:r>
+          </a:p>
+        </p:txBody>
+      </p:sp>
+      <p:sp>
+        <p:nvSpPr>
+          <p:cNvPr id="25" name="sketchy line">
+            <a:extLst>
+              <a:ext uri="{FF2B5EF4-FFF2-40B4-BE49-F238E27FC236}">
+                <a16:creationId xmlns:a16="http://schemas.microsoft.com/office/drawing/2014/main" id="{7E2BE7F7-CA89-4002-ACCE-A478AEA24F5E}"/>
+              </a:ext>
+              <a:ext uri="{C183D7F6-B498-43B3-948B-1728B52AA6E4}">
+                <adec:decorative xmlns:adec="http://schemas.microsoft.com/office/drawing/2017/decorative" val="1"/>
+              </a:ext>
+            </a:extLst>
+          </p:cNvPr>
+          <p:cNvSpPr>
+            <a:spLocks noGrp="1" noRot="1" noChangeAspect="1" noMove="1" noResize="1" noEditPoints="1" noAdjustHandles="1" noChangeArrowheads="1" noChangeShapeType="1" noTextEdit="1"/>
+          </p:cNvSpPr>
+          <p:nvPr>
+            <p:extLst>
+              <p:ext uri="{386F3935-93C4-4BCD-93E2-E3B085C9AB24}">
+                <p16:designElem xmlns:p16="http://schemas.microsoft.com/office/powerpoint/2015/main" val="1"/>
+              </p:ext>
+            </p:extLst>
+          </p:nvPr>
+        </p:nvSpPr>
+        <p:spPr>
+          <a:xfrm>
+            <a:off x="914399" y="1681544"/>
+            <a:ext cx="9692640" cy="18288"/>
+          </a:xfrm>
+          <a:custGeom>
+            <a:avLst/>
+            <a:gdLst>
+              <a:gd name="connsiteX0" fmla="*/ 0 w 9692640"/>
+              <a:gd name="connsiteY0" fmla="*/ 0 h 18288"/>
+              <a:gd name="connsiteX1" fmla="*/ 401552 w 9692640"/>
+              <a:gd name="connsiteY1" fmla="*/ 0 h 18288"/>
+              <a:gd name="connsiteX2" fmla="*/ 996957 w 9692640"/>
+              <a:gd name="connsiteY2" fmla="*/ 0 h 18288"/>
+              <a:gd name="connsiteX3" fmla="*/ 1398509 w 9692640"/>
+              <a:gd name="connsiteY3" fmla="*/ 0 h 18288"/>
+              <a:gd name="connsiteX4" fmla="*/ 2090841 w 9692640"/>
+              <a:gd name="connsiteY4" fmla="*/ 0 h 18288"/>
+              <a:gd name="connsiteX5" fmla="*/ 2686246 w 9692640"/>
+              <a:gd name="connsiteY5" fmla="*/ 0 h 18288"/>
+              <a:gd name="connsiteX6" fmla="*/ 3475504 w 9692640"/>
+              <a:gd name="connsiteY6" fmla="*/ 0 h 18288"/>
+              <a:gd name="connsiteX7" fmla="*/ 4361688 w 9692640"/>
+              <a:gd name="connsiteY7" fmla="*/ 0 h 18288"/>
+              <a:gd name="connsiteX8" fmla="*/ 5054019 w 9692640"/>
+              <a:gd name="connsiteY8" fmla="*/ 0 h 18288"/>
+              <a:gd name="connsiteX9" fmla="*/ 5940204 w 9692640"/>
+              <a:gd name="connsiteY9" fmla="*/ 0 h 18288"/>
+              <a:gd name="connsiteX10" fmla="*/ 6632535 w 9692640"/>
+              <a:gd name="connsiteY10" fmla="*/ 0 h 18288"/>
+              <a:gd name="connsiteX11" fmla="*/ 7034087 w 9692640"/>
+              <a:gd name="connsiteY11" fmla="*/ 0 h 18288"/>
+              <a:gd name="connsiteX12" fmla="*/ 7532566 w 9692640"/>
+              <a:gd name="connsiteY12" fmla="*/ 0 h 18288"/>
+              <a:gd name="connsiteX13" fmla="*/ 8418750 w 9692640"/>
+              <a:gd name="connsiteY13" fmla="*/ 0 h 18288"/>
+              <a:gd name="connsiteX14" fmla="*/ 9692640 w 9692640"/>
+              <a:gd name="connsiteY14" fmla="*/ 0 h 18288"/>
+              <a:gd name="connsiteX15" fmla="*/ 9692640 w 9692640"/>
+              <a:gd name="connsiteY15" fmla="*/ 18288 h 18288"/>
+              <a:gd name="connsiteX16" fmla="*/ 9000309 w 9692640"/>
+              <a:gd name="connsiteY16" fmla="*/ 18288 h 18288"/>
+              <a:gd name="connsiteX17" fmla="*/ 8307977 w 9692640"/>
+              <a:gd name="connsiteY17" fmla="*/ 18288 h 18288"/>
+              <a:gd name="connsiteX18" fmla="*/ 7712572 w 9692640"/>
+              <a:gd name="connsiteY18" fmla="*/ 18288 h 18288"/>
+              <a:gd name="connsiteX19" fmla="*/ 7214093 w 9692640"/>
+              <a:gd name="connsiteY19" fmla="*/ 18288 h 18288"/>
+              <a:gd name="connsiteX20" fmla="*/ 6327909 w 9692640"/>
+              <a:gd name="connsiteY20" fmla="*/ 18288 h 18288"/>
+              <a:gd name="connsiteX21" fmla="*/ 5635578 w 9692640"/>
+              <a:gd name="connsiteY21" fmla="*/ 18288 h 18288"/>
+              <a:gd name="connsiteX22" fmla="*/ 4846320 w 9692640"/>
+              <a:gd name="connsiteY22" fmla="*/ 18288 h 18288"/>
+              <a:gd name="connsiteX23" fmla="*/ 4444768 w 9692640"/>
+              <a:gd name="connsiteY23" fmla="*/ 18288 h 18288"/>
+              <a:gd name="connsiteX24" fmla="*/ 3946289 w 9692640"/>
+              <a:gd name="connsiteY24" fmla="*/ 18288 h 18288"/>
+              <a:gd name="connsiteX25" fmla="*/ 3253958 w 9692640"/>
+              <a:gd name="connsiteY25" fmla="*/ 18288 h 18288"/>
+              <a:gd name="connsiteX26" fmla="*/ 2464700 w 9692640"/>
+              <a:gd name="connsiteY26" fmla="*/ 18288 h 18288"/>
+              <a:gd name="connsiteX27" fmla="*/ 2063148 w 9692640"/>
+              <a:gd name="connsiteY27" fmla="*/ 18288 h 18288"/>
+              <a:gd name="connsiteX28" fmla="*/ 1661595 w 9692640"/>
+              <a:gd name="connsiteY28" fmla="*/ 18288 h 18288"/>
+              <a:gd name="connsiteX29" fmla="*/ 969264 w 9692640"/>
+              <a:gd name="connsiteY29" fmla="*/ 18288 h 18288"/>
+              <a:gd name="connsiteX30" fmla="*/ 0 w 9692640"/>
+              <a:gd name="connsiteY30" fmla="*/ 18288 h 18288"/>
+              <a:gd name="connsiteX31" fmla="*/ 0 w 9692640"/>
+              <a:gd name="connsiteY31" fmla="*/ 0 h 18288"/>
+            </a:gdLst>
+            <a:ahLst/>
+            <a:cxnLst>
+              <a:cxn ang="0">
+                <a:pos x="connsiteX0" y="connsiteY0"/>
+              </a:cxn>
+              <a:cxn ang="0">
+                <a:pos x="connsiteX1" y="connsiteY1"/>
+              </a:cxn>
+              <a:cxn ang="0">
+                <a:pos x="connsiteX2" y="connsiteY2"/>
+              </a:cxn>
+              <a:cxn ang="0">
+                <a:pos x="connsiteX3" y="connsiteY3"/>
+              </a:cxn>
+              <a:cxn ang="0">
+                <a:pos x="connsiteX4" y="connsiteY4"/>
+              </a:cxn>
+              <a:cxn ang="0">
+                <a:pos x="connsiteX5" y="connsiteY5"/>
+              </a:cxn>
+              <a:cxn ang="0">
+                <a:pos x="connsiteX6" y="connsiteY6"/>
+              </a:cxn>
+              <a:cxn ang="0">
+                <a:pos x="connsiteX7" y="connsiteY7"/>
+              </a:cxn>
+              <a:cxn ang="0">
+                <a:pos x="connsiteX8" y="connsiteY8"/>
+              </a:cxn>
+              <a:cxn ang="0">
+                <a:pos x="connsiteX9" y="connsiteY9"/>
+              </a:cxn>
+              <a:cxn ang="0">
+                <a:pos x="connsiteX10" y="connsiteY10"/>
+              </a:cxn>
+              <a:cxn ang="0">
+                <a:pos x="connsiteX11" y="connsiteY11"/>
+              </a:cxn>
+              <a:cxn ang="0">
+                <a:pos x="connsiteX12" y="connsiteY12"/>
+              </a:cxn>
+              <a:cxn ang="0">
+                <a:pos x="connsiteX13" y="connsiteY13"/>
+              </a:cxn>
+              <a:cxn ang="0">
+                <a:pos x="connsiteX14" y="connsiteY14"/>
+              </a:cxn>
+              <a:cxn ang="0">
+                <a:pos x="connsiteX15" y="connsiteY15"/>
+              </a:cxn>
+              <a:cxn ang="0">
+                <a:pos x="connsiteX16" y="connsiteY16"/>
+              </a:cxn>
+              <a:cxn ang="0">
+                <a:pos x="connsiteX17" y="connsiteY17"/>
+              </a:cxn>
+              <a:cxn ang="0">
+                <a:pos x="connsiteX18" y="connsiteY18"/>
+              </a:cxn>
+              <a:cxn ang="0">
+                <a:pos x="connsiteX19" y="connsiteY19"/>
+              </a:cxn>
+              <a:cxn ang="0">
+                <a:pos x="connsiteX20" y="connsiteY20"/>
+              </a:cxn>
+              <a:cxn ang="0">
+                <a:pos x="connsiteX21" y="connsiteY21"/>
+              </a:cxn>
+              <a:cxn ang="0">
+                <a:pos x="connsiteX22" y="connsiteY22"/>
+              </a:cxn>
+              <a:cxn ang="0">
+                <a:pos x="connsiteX23" y="connsiteY23"/>
+              </a:cxn>
+              <a:cxn ang="0">
+                <a:pos x="connsiteX24" y="connsiteY24"/>
+              </a:cxn>
+              <a:cxn ang="0">
+                <a:pos x="connsiteX25" y="connsiteY25"/>
+              </a:cxn>
+              <a:cxn ang="0">
+                <a:pos x="connsiteX26" y="connsiteY26"/>
+              </a:cxn>
+              <a:cxn ang="0">
+                <a:pos x="connsiteX27" y="connsiteY27"/>
+              </a:cxn>
+              <a:cxn ang="0">
+                <a:pos x="connsiteX28" y="connsiteY28"/>
+              </a:cxn>
+              <a:cxn ang="0">
+                <a:pos x="connsiteX29" y="connsiteY29"/>
+              </a:cxn>
+              <a:cxn ang="0">
+                <a:pos x="connsiteX30" y="connsiteY30"/>
+              </a:cxn>
+              <a:cxn ang="0">
+                <a:pos x="connsiteX31" y="connsiteY31"/>
+              </a:cxn>
+            </a:cxnLst>
+            <a:rect l="l" t="t" r="r" b="b"/>
+            <a:pathLst>
+              <a:path w="9692640" h="18288" fill="none" extrusionOk="0">
+                <a:moveTo>
+                  <a:pt x="0" y="0"/>
+                </a:moveTo>
+                <a:cubicBezTo>
+                  <a:pt x="142992" y="4732"/>
+                  <a:pt x="265909" y="-3365"/>
+                  <a:pt x="401552" y="0"/>
+                </a:cubicBezTo>
+                <a:cubicBezTo>
+                  <a:pt x="537195" y="3365"/>
+                  <a:pt x="738153" y="6482"/>
+                  <a:pt x="996957" y="0"/>
+                </a:cubicBezTo>
+                <a:cubicBezTo>
+                  <a:pt x="1255762" y="-6482"/>
+                  <a:pt x="1280511" y="12509"/>
+                  <a:pt x="1398509" y="0"/>
+                </a:cubicBezTo>
+                <a:cubicBezTo>
+                  <a:pt x="1516507" y="-12509"/>
+                  <a:pt x="1782573" y="-31523"/>
+                  <a:pt x="2090841" y="0"/>
+                </a:cubicBezTo>
+                <a:cubicBezTo>
+                  <a:pt x="2399109" y="31523"/>
+                  <a:pt x="2488380" y="26286"/>
+                  <a:pt x="2686246" y="0"/>
+                </a:cubicBezTo>
+                <a:cubicBezTo>
+                  <a:pt x="2884112" y="-26286"/>
+                  <a:pt x="3186024" y="-14734"/>
+                  <a:pt x="3475504" y="0"/>
+                </a:cubicBezTo>
+                <a:cubicBezTo>
+                  <a:pt x="3764984" y="14734"/>
+                  <a:pt x="4053017" y="43292"/>
+                  <a:pt x="4361688" y="0"/>
+                </a:cubicBezTo>
+                <a:cubicBezTo>
+                  <a:pt x="4670359" y="-43292"/>
+                  <a:pt x="4736164" y="-729"/>
+                  <a:pt x="5054019" y="0"/>
+                </a:cubicBezTo>
+                <a:cubicBezTo>
+                  <a:pt x="5371874" y="729"/>
+                  <a:pt x="5543528" y="-22963"/>
+                  <a:pt x="5940204" y="0"/>
+                </a:cubicBezTo>
+                <a:cubicBezTo>
+                  <a:pt x="6336881" y="22963"/>
+                  <a:pt x="6423838" y="6469"/>
+                  <a:pt x="6632535" y="0"/>
+                </a:cubicBezTo>
+                <a:cubicBezTo>
+                  <a:pt x="6841232" y="-6469"/>
+                  <a:pt x="6852819" y="17036"/>
+                  <a:pt x="7034087" y="0"/>
+                </a:cubicBezTo>
+                <a:cubicBezTo>
+                  <a:pt x="7215355" y="-17036"/>
+                  <a:pt x="7313136" y="11151"/>
+                  <a:pt x="7532566" y="0"/>
+                </a:cubicBezTo>
+                <a:cubicBezTo>
+                  <a:pt x="7751996" y="-11151"/>
+                  <a:pt x="8015001" y="25614"/>
+                  <a:pt x="8418750" y="0"/>
+                </a:cubicBezTo>
+                <a:cubicBezTo>
+                  <a:pt x="8822499" y="-25614"/>
+                  <a:pt x="9163239" y="48603"/>
+                  <a:pt x="9692640" y="0"/>
+                </a:cubicBezTo>
+                <a:cubicBezTo>
+                  <a:pt x="9691955" y="4437"/>
+                  <a:pt x="9693170" y="10717"/>
+                  <a:pt x="9692640" y="18288"/>
+                </a:cubicBezTo>
+                <a:cubicBezTo>
+                  <a:pt x="9545125" y="42172"/>
+                  <a:pt x="9164259" y="6706"/>
+                  <a:pt x="9000309" y="18288"/>
+                </a:cubicBezTo>
+                <a:cubicBezTo>
+                  <a:pt x="8836359" y="29870"/>
+                  <a:pt x="8521035" y="-14108"/>
+                  <a:pt x="8307977" y="18288"/>
+                </a:cubicBezTo>
+                <a:cubicBezTo>
+                  <a:pt x="8094919" y="50684"/>
+                  <a:pt x="7881757" y="11235"/>
+                  <a:pt x="7712572" y="18288"/>
+                </a:cubicBezTo>
+                <a:cubicBezTo>
+                  <a:pt x="7543387" y="25341"/>
+                  <a:pt x="7358861" y="20625"/>
+                  <a:pt x="7214093" y="18288"/>
+                </a:cubicBezTo>
+                <a:cubicBezTo>
+                  <a:pt x="7069325" y="15951"/>
+                  <a:pt x="6523705" y="52160"/>
+                  <a:pt x="6327909" y="18288"/>
+                </a:cubicBezTo>
+                <a:cubicBezTo>
+                  <a:pt x="6132113" y="-15584"/>
+                  <a:pt x="5923847" y="21204"/>
+                  <a:pt x="5635578" y="18288"/>
+                </a:cubicBezTo>
+                <a:cubicBezTo>
+                  <a:pt x="5347309" y="15372"/>
+                  <a:pt x="5114749" y="50642"/>
+                  <a:pt x="4846320" y="18288"/>
+                </a:cubicBezTo>
+                <a:cubicBezTo>
+                  <a:pt x="4577891" y="-14066"/>
+                  <a:pt x="4576701" y="1487"/>
+                  <a:pt x="4444768" y="18288"/>
+                </a:cubicBezTo>
+                <a:cubicBezTo>
+                  <a:pt x="4312835" y="35089"/>
+                  <a:pt x="4112575" y="15158"/>
+                  <a:pt x="3946289" y="18288"/>
+                </a:cubicBezTo>
+                <a:cubicBezTo>
+                  <a:pt x="3780003" y="21418"/>
+                  <a:pt x="3396009" y="18797"/>
+                  <a:pt x="3253958" y="18288"/>
+                </a:cubicBezTo>
+                <a:cubicBezTo>
+                  <a:pt x="3111907" y="17779"/>
+                  <a:pt x="2760272" y="57223"/>
+                  <a:pt x="2464700" y="18288"/>
+                </a:cubicBezTo>
+                <a:cubicBezTo>
+                  <a:pt x="2169128" y="-20647"/>
+                  <a:pt x="2232262" y="7960"/>
+                  <a:pt x="2063148" y="18288"/>
+                </a:cubicBezTo>
+                <a:cubicBezTo>
+                  <a:pt x="1894034" y="28616"/>
+                  <a:pt x="1799338" y="3019"/>
+                  <a:pt x="1661595" y="18288"/>
+                </a:cubicBezTo>
+                <a:cubicBezTo>
+                  <a:pt x="1523852" y="33557"/>
+                  <a:pt x="1113928" y="-4352"/>
+                  <a:pt x="969264" y="18288"/>
+                </a:cubicBezTo>
+                <a:cubicBezTo>
+                  <a:pt x="824600" y="40928"/>
+                  <a:pt x="356149" y="-3128"/>
+                  <a:pt x="0" y="18288"/>
+                </a:cubicBezTo>
+                <a:cubicBezTo>
+                  <a:pt x="-540" y="12521"/>
+                  <a:pt x="894" y="7749"/>
+                  <a:pt x="0" y="0"/>
+                </a:cubicBezTo>
+                <a:close/>
+              </a:path>
+              <a:path w="9692640" h="18288" stroke="0" extrusionOk="0">
+                <a:moveTo>
+                  <a:pt x="0" y="0"/>
+                </a:moveTo>
+                <a:cubicBezTo>
+                  <a:pt x="162642" y="3864"/>
+                  <a:pt x="346119" y="-18364"/>
+                  <a:pt x="498479" y="0"/>
+                </a:cubicBezTo>
+                <a:cubicBezTo>
+                  <a:pt x="650839" y="18364"/>
+                  <a:pt x="712065" y="-9389"/>
+                  <a:pt x="900031" y="0"/>
+                </a:cubicBezTo>
+                <a:cubicBezTo>
+                  <a:pt x="1087997" y="9389"/>
+                  <a:pt x="1177291" y="3685"/>
+                  <a:pt x="1398509" y="0"/>
+                </a:cubicBezTo>
+                <a:cubicBezTo>
+                  <a:pt x="1619727" y="-3685"/>
+                  <a:pt x="1874008" y="-8897"/>
+                  <a:pt x="2090841" y="0"/>
+                </a:cubicBezTo>
+                <a:cubicBezTo>
+                  <a:pt x="2307674" y="8897"/>
+                  <a:pt x="2573432" y="-313"/>
+                  <a:pt x="2880099" y="0"/>
+                </a:cubicBezTo>
+                <a:cubicBezTo>
+                  <a:pt x="3186766" y="313"/>
+                  <a:pt x="3422577" y="10664"/>
+                  <a:pt x="3766283" y="0"/>
+                </a:cubicBezTo>
+                <a:cubicBezTo>
+                  <a:pt x="4109989" y="-10664"/>
+                  <a:pt x="4342683" y="-32873"/>
+                  <a:pt x="4652467" y="0"/>
+                </a:cubicBezTo>
+                <a:cubicBezTo>
+                  <a:pt x="4962251" y="32873"/>
+                  <a:pt x="5122120" y="29155"/>
+                  <a:pt x="5247872" y="0"/>
+                </a:cubicBezTo>
+                <a:cubicBezTo>
+                  <a:pt x="5373625" y="-29155"/>
+                  <a:pt x="5749491" y="1706"/>
+                  <a:pt x="6037130" y="0"/>
+                </a:cubicBezTo>
+                <a:cubicBezTo>
+                  <a:pt x="6324769" y="-1706"/>
+                  <a:pt x="6531407" y="1172"/>
+                  <a:pt x="6729461" y="0"/>
+                </a:cubicBezTo>
+                <a:cubicBezTo>
+                  <a:pt x="6927515" y="-1172"/>
+                  <a:pt x="7096794" y="-1520"/>
+                  <a:pt x="7324867" y="0"/>
+                </a:cubicBezTo>
+                <a:cubicBezTo>
+                  <a:pt x="7552940" y="1520"/>
+                  <a:pt x="7878827" y="-17110"/>
+                  <a:pt x="8114124" y="0"/>
+                </a:cubicBezTo>
+                <a:cubicBezTo>
+                  <a:pt x="8349421" y="17110"/>
+                  <a:pt x="8334208" y="15114"/>
+                  <a:pt x="8515677" y="0"/>
+                </a:cubicBezTo>
+                <a:cubicBezTo>
+                  <a:pt x="8697146" y="-15114"/>
+                  <a:pt x="9236164" y="22466"/>
+                  <a:pt x="9692640" y="0"/>
+                </a:cubicBezTo>
+                <a:cubicBezTo>
+                  <a:pt x="9692735" y="8251"/>
+                  <a:pt x="9692514" y="12333"/>
+                  <a:pt x="9692640" y="18288"/>
+                </a:cubicBezTo>
+                <a:cubicBezTo>
+                  <a:pt x="9410102" y="47398"/>
+                  <a:pt x="9172773" y="7109"/>
+                  <a:pt x="9000309" y="18288"/>
+                </a:cubicBezTo>
+                <a:cubicBezTo>
+                  <a:pt x="8827845" y="29467"/>
+                  <a:pt x="8713608" y="28372"/>
+                  <a:pt x="8501830" y="18288"/>
+                </a:cubicBezTo>
+                <a:cubicBezTo>
+                  <a:pt x="8290052" y="8204"/>
+                  <a:pt x="7893416" y="3561"/>
+                  <a:pt x="7712572" y="18288"/>
+                </a:cubicBezTo>
+                <a:cubicBezTo>
+                  <a:pt x="7531728" y="33015"/>
+                  <a:pt x="7480716" y="17052"/>
+                  <a:pt x="7311020" y="18288"/>
+                </a:cubicBezTo>
+                <a:cubicBezTo>
+                  <a:pt x="7141324" y="19524"/>
+                  <a:pt x="6962706" y="15975"/>
+                  <a:pt x="6618688" y="18288"/>
+                </a:cubicBezTo>
+                <a:cubicBezTo>
+                  <a:pt x="6274670" y="20601"/>
+                  <a:pt x="6230664" y="-1692"/>
+                  <a:pt x="6120210" y="18288"/>
+                </a:cubicBezTo>
+                <a:cubicBezTo>
+                  <a:pt x="6009756" y="38268"/>
+                  <a:pt x="5442516" y="28115"/>
+                  <a:pt x="5234026" y="18288"/>
+                </a:cubicBezTo>
+                <a:cubicBezTo>
+                  <a:pt x="5025536" y="8461"/>
+                  <a:pt x="4953693" y="18182"/>
+                  <a:pt x="4832473" y="18288"/>
+                </a:cubicBezTo>
+                <a:cubicBezTo>
+                  <a:pt x="4711253" y="18394"/>
+                  <a:pt x="4414565" y="-11251"/>
+                  <a:pt x="4140142" y="18288"/>
+                </a:cubicBezTo>
+                <a:cubicBezTo>
+                  <a:pt x="3865719" y="47827"/>
+                  <a:pt x="3819081" y="16772"/>
+                  <a:pt x="3738590" y="18288"/>
+                </a:cubicBezTo>
+                <a:cubicBezTo>
+                  <a:pt x="3658099" y="19804"/>
+                  <a:pt x="3427576" y="1385"/>
+                  <a:pt x="3240111" y="18288"/>
+                </a:cubicBezTo>
+                <a:cubicBezTo>
+                  <a:pt x="3052646" y="35191"/>
+                  <a:pt x="2749652" y="-13914"/>
+                  <a:pt x="2450853" y="18288"/>
+                </a:cubicBezTo>
+                <a:cubicBezTo>
+                  <a:pt x="2152054" y="50490"/>
+                  <a:pt x="1928331" y="61101"/>
+                  <a:pt x="1564669" y="18288"/>
+                </a:cubicBezTo>
+                <a:cubicBezTo>
+                  <a:pt x="1201007" y="-24525"/>
+                  <a:pt x="1217828" y="-275"/>
+                  <a:pt x="1066190" y="18288"/>
+                </a:cubicBezTo>
+                <a:cubicBezTo>
+                  <a:pt x="914552" y="36851"/>
+                  <a:pt x="418290" y="-14785"/>
+                  <a:pt x="0" y="18288"/>
+                </a:cubicBezTo>
+                <a:cubicBezTo>
+                  <a:pt x="641" y="14236"/>
+                  <a:pt x="889" y="7550"/>
+                  <a:pt x="0" y="0"/>
+                </a:cubicBezTo>
+                <a:close/>
+              </a:path>
+            </a:pathLst>
+          </a:custGeom>
+          <a:solidFill>
+            <a:srgbClr val="FFFFFF">
+              <a:alpha val="75000"/>
+            </a:srgbClr>
+          </a:solidFill>
+          <a:ln w="44450" cap="rnd">
+            <a:solidFill>
+              <a:schemeClr val="bg1">
+                <a:alpha val="75000"/>
+              </a:schemeClr>
+            </a:solidFill>
+            <a:round/>
+            <a:extLst>
+              <a:ext uri="{C807C97D-BFC1-408E-A445-0C87EB9F89A2}">
+                <ask:lineSketchStyleProps xmlns:ask="http://schemas.microsoft.com/office/drawing/2018/sketchyshapes" sd="2727557108">
+                  <a:prstGeom prst="rect">
+                    <a:avLst/>
+                  </a:prstGeom>
+                  <ask:type>
+                    <ask:lineSketchFreehand/>
+                  </ask:type>
+                </ask:lineSketchStyleProps>
+              </a:ext>
+            </a:extLst>
+          </a:ln>
+        </p:spPr>
+        <p:style>
+          <a:lnRef idx="2">
+            <a:schemeClr val="accent1">
+              <a:shade val="50000"/>
+            </a:schemeClr>
+          </a:lnRef>
+          <a:fillRef idx="1">
+            <a:schemeClr val="accent1"/>
+          </a:fillRef>
+          <a:effectRef idx="0">
+            <a:schemeClr val="accent1"/>
+          </a:effectRef>
+          <a:fontRef idx="minor">
+            <a:schemeClr val="lt1"/>
+          </a:fontRef>
+        </p:style>
+        <p:txBody>
+          <a:bodyPr rtlCol="0" anchor="ctr"/>
+          <a:lstStyle/>
+          <a:p>
+            <a:pPr algn="ctr"/>
+            <a:endParaRPr lang="en-US"/>
+          </a:p>
+        </p:txBody>
+      </p:sp>
+      <p:sp>
+        <p:nvSpPr>
+          <p:cNvPr id="3" name="Subtitle 2">
+            <a:extLst>
+              <a:ext uri="{FF2B5EF4-FFF2-40B4-BE49-F238E27FC236}">
+                <a16:creationId xmlns:a16="http://schemas.microsoft.com/office/drawing/2014/main" id="{1A33470D-CE91-F3B5-68F7-2CBCAA941809}"/>
+              </a:ext>
+            </a:extLst>
+          </p:cNvPr>
+          <p:cNvSpPr>
+            <a:spLocks noGrp="1"/>
+          </p:cNvSpPr>
+          <p:nvPr>
+            <p:ph idx="1"/>
+          </p:nvPr>
+        </p:nvSpPr>
+        <p:spPr>
+          <a:xfrm>
+            <a:off x="838200" y="2004446"/>
+            <a:ext cx="10515600" cy="4176897"/>
+          </a:xfrm>
+        </p:spPr>
+        <p:txBody>
+          <a:bodyPr vert="horz" lIns="91440" tIns="45720" rIns="91440" bIns="45720" rtlCol="0">
+            <a:normAutofit/>
+          </a:bodyPr>
+          <a:lstStyle/>
+          <a:p>
+            <a:pPr marL="0" indent="0">
+              <a:buNone/>
+            </a:pPr>
+            <a:endParaRPr lang="en-US" sz="2200" dirty="0">
+              <a:solidFill>
+                <a:schemeClr val="bg1"/>
+              </a:solidFill>
+            </a:endParaRPr>
+          </a:p>
+        </p:txBody>
+      </p:sp>
+      <p:sp>
+        <p:nvSpPr>
+          <p:cNvPr id="4" name="TextBox 3">
+            <a:extLst>
+              <a:ext uri="{FF2B5EF4-FFF2-40B4-BE49-F238E27FC236}">
+                <a16:creationId xmlns:a16="http://schemas.microsoft.com/office/drawing/2014/main" id="{D6E95770-3874-517C-5F5D-04D0356C2060}"/>
+              </a:ext>
+            </a:extLst>
+          </p:cNvPr>
+          <p:cNvSpPr txBox="1"/>
+          <p:nvPr/>
+        </p:nvSpPr>
+        <p:spPr>
+          <a:xfrm>
+            <a:off x="9664930" y="1995302"/>
+            <a:ext cx="2472297" cy="2585323"/>
+          </a:xfrm>
+          <a:prstGeom prst="rect">
+            <a:avLst/>
+          </a:prstGeom>
+          <a:noFill/>
+        </p:spPr>
+        <p:txBody>
+          <a:bodyPr wrap="square" rtlCol="0">
+            <a:spAutoFit/>
+          </a:bodyPr>
+          <a:lstStyle/>
+          <a:p>
+            <a:pPr marL="285750" indent="-285750">
+              <a:buFont typeface="Arial" panose="020B0604020202020204" pitchFamily="34" charset="0"/>
+              <a:buChar char="•"/>
+            </a:pPr>
+            <a:r>
+              <a:rPr lang="de-DE" dirty="0">
+                <a:solidFill>
+                  <a:schemeClr val="bg1"/>
+                </a:solidFill>
+              </a:rPr>
+              <a:t>Benutzerverwaltung</a:t>
+            </a:r>
+          </a:p>
+          <a:p>
+            <a:pPr marL="285750" indent="-285750">
+              <a:buFont typeface="Arial" panose="020B0604020202020204" pitchFamily="34" charset="0"/>
+              <a:buChar char="•"/>
+            </a:pPr>
+            <a:endParaRPr lang="de-DE" dirty="0">
+              <a:solidFill>
+                <a:schemeClr val="bg1"/>
+              </a:solidFill>
+            </a:endParaRPr>
+          </a:p>
+          <a:p>
+            <a:pPr marL="285750" indent="-285750">
+              <a:buFont typeface="Arial" panose="020B0604020202020204" pitchFamily="34" charset="0"/>
+              <a:buChar char="•"/>
+            </a:pPr>
+            <a:r>
+              <a:rPr lang="de-DE" dirty="0">
+                <a:solidFill>
+                  <a:schemeClr val="bg1"/>
+                </a:solidFill>
+              </a:rPr>
+              <a:t>?</a:t>
+            </a:r>
+          </a:p>
+          <a:p>
+            <a:pPr marL="285750" indent="-285750">
+              <a:buFont typeface="Arial" panose="020B0604020202020204" pitchFamily="34" charset="0"/>
+              <a:buChar char="•"/>
+            </a:pPr>
+            <a:endParaRPr lang="de-DE" dirty="0">
+              <a:solidFill>
+                <a:schemeClr val="bg1"/>
+              </a:solidFill>
+            </a:endParaRPr>
+          </a:p>
+          <a:p>
+            <a:pPr marL="285750" indent="-285750">
+              <a:buFont typeface="Arial" panose="020B0604020202020204" pitchFamily="34" charset="0"/>
+              <a:buChar char="•"/>
+            </a:pPr>
+            <a:r>
+              <a:rPr lang="de-DE" dirty="0">
+                <a:solidFill>
+                  <a:schemeClr val="bg1"/>
+                </a:solidFill>
+              </a:rPr>
+              <a:t>?</a:t>
+            </a:r>
+          </a:p>
+          <a:p>
+            <a:pPr marL="285750" indent="-285750">
+              <a:buFont typeface="Arial" panose="020B0604020202020204" pitchFamily="34" charset="0"/>
+              <a:buChar char="•"/>
+            </a:pPr>
+            <a:endParaRPr lang="de-DE" dirty="0">
+              <a:solidFill>
+                <a:schemeClr val="bg1"/>
+              </a:solidFill>
+            </a:endParaRPr>
+          </a:p>
+          <a:p>
+            <a:pPr marL="285750" indent="-285750">
+              <a:buFont typeface="Arial" panose="020B0604020202020204" pitchFamily="34" charset="0"/>
+              <a:buChar char="•"/>
+            </a:pPr>
+            <a:r>
+              <a:rPr lang="de-DE" dirty="0">
+                <a:solidFill>
+                  <a:schemeClr val="bg1"/>
+                </a:solidFill>
+              </a:rPr>
+              <a:t>?</a:t>
+            </a:r>
+          </a:p>
+          <a:p>
+            <a:pPr marL="285750" indent="-285750">
+              <a:buFont typeface="Arial" panose="020B0604020202020204" pitchFamily="34" charset="0"/>
+              <a:buChar char="•"/>
+            </a:pPr>
+            <a:endParaRPr lang="de-DE" dirty="0">
+              <a:solidFill>
+                <a:schemeClr val="bg1"/>
+              </a:solidFill>
+            </a:endParaRPr>
+          </a:p>
+          <a:p>
+            <a:pPr marL="285750" indent="-285750">
+              <a:buFont typeface="Arial" panose="020B0604020202020204" pitchFamily="34" charset="0"/>
+              <a:buChar char="•"/>
+            </a:pPr>
+            <a:r>
+              <a:rPr lang="de-DE" dirty="0">
+                <a:solidFill>
+                  <a:schemeClr val="bg1"/>
+                </a:solidFill>
+              </a:rPr>
+              <a:t>?</a:t>
+            </a:r>
+          </a:p>
+        </p:txBody>
+      </p:sp>
+      <p:sp>
+        <p:nvSpPr>
+          <p:cNvPr id="5" name="Slide Number Placeholder 4">
+            <a:extLst>
+              <a:ext uri="{FF2B5EF4-FFF2-40B4-BE49-F238E27FC236}">
+                <a16:creationId xmlns:a16="http://schemas.microsoft.com/office/drawing/2014/main" id="{1A68A4A1-C191-7418-DCD5-1521B409655F}"/>
+              </a:ext>
+            </a:extLst>
+          </p:cNvPr>
+          <p:cNvSpPr>
+            <a:spLocks noGrp="1"/>
+          </p:cNvSpPr>
+          <p:nvPr>
+            <p:ph type="sldNum" sz="quarter" idx="12"/>
+          </p:nvPr>
+        </p:nvSpPr>
+        <p:spPr/>
+        <p:txBody>
+          <a:bodyPr/>
+          <a:lstStyle/>
+          <a:p>
+            <a:fld id="{13C740AA-7824-4996-A9A9-B0E74C888E41}" type="slidenum">
+              <a:rPr lang="de-DE" smtClean="0"/>
+              <a:t>10</a:t>
+            </a:fld>
+            <a:endParaRPr lang="de-DE"/>
+          </a:p>
+        </p:txBody>
+      </p:sp>
+    </p:spTree>
+    <p:extLst>
+      <p:ext uri="{BB962C8B-B14F-4D97-AF65-F5344CB8AC3E}">
+        <p14:creationId xmlns:p14="http://schemas.microsoft.com/office/powerpoint/2010/main" val="591343553"/>
+      </p:ext>
+    </p:extLst>
+  </p:cSld>
+  <p:clrMapOvr>
+    <a:masterClrMapping/>
+  </p:clrMapOvr>
+  <mc:AlternateContent xmlns:mc="http://schemas.openxmlformats.org/markup-compatibility/2006" xmlns:p159="http://schemas.microsoft.com/office/powerpoint/2015/09/main">
+    <mc:Choice Requires="p159">
+      <p:transition spd="med">
+        <p159:morph option="byObject"/>
+      </p:transition>
+    </mc:Choice>
+    <mc:Fallback xmlns="">
+      <p:transition spd="med">
+        <p:fade/>
+      </p:transition>
+    </mc:Fallback>
+  </mc:AlternateContent>
+</p:sld>
+</file>
+
 <file path=ppt/slides/slide2.xml><?xml version="1.0" encoding="utf-8"?>
 <p:sld xmlns:a="http://schemas.openxmlformats.org/drawingml/2006/main" xmlns:r="http://schemas.openxmlformats.org/officeDocument/2006/relationships" xmlns:p="http://schemas.openxmlformats.org/presentationml/2006/main">
   <p:cSld>
@@ -9392,7 +10446,7 @@
           <p:nvPr/>
         </p:nvPicPr>
         <p:blipFill rotWithShape="1">
-          <a:blip r:embed="rId2">
+          <a:blip r:embed="rId3">
             <a:alphaModFix amt="40000"/>
           </a:blip>
           <a:srcRect t="13655" b="6840"/>
@@ -9442,16 +10496,13 @@
                   <a:schemeClr val="bg1"/>
                 </a:solidFill>
               </a:rPr>
-              <a:t>Anforderungen</a:t>
-            </a:r>
-            <a:r>
-              <a:rPr lang="en-US" sz="5400" dirty="0">
-                <a:solidFill>
-                  <a:schemeClr val="bg1"/>
-                </a:solidFill>
-              </a:rPr>
-              <a:t> an die Software</a:t>
-            </a:r>
+              <a:t>Aufgabenstellung</a:t>
+            </a:r>
+            <a:endParaRPr lang="en-US" sz="5400" dirty="0">
+              <a:solidFill>
+                <a:schemeClr val="bg1"/>
+              </a:solidFill>
+            </a:endParaRPr>
           </a:p>
         </p:txBody>
       </p:sp>
@@ -10056,12 +11107,20 @@
           <a:lstStyle/>
           <a:p>
             <a:r>
+              <a:rPr lang="en-US" sz="2200" dirty="0">
+                <a:solidFill>
+                  <a:schemeClr val="bg1"/>
+                </a:solidFill>
+              </a:rPr>
+              <a:t>Kunde will Personal-/</a:t>
+            </a:r>
+            <a:r>
               <a:rPr lang="en-US" sz="2200" dirty="0" err="1">
                 <a:solidFill>
                   <a:schemeClr val="bg1"/>
                 </a:solidFill>
               </a:rPr>
-              <a:t>Unterschiedliche</a:t>
+              <a:t>Projektverwaltung</a:t>
             </a:r>
             <a:r>
               <a:rPr lang="en-US" sz="2200" dirty="0">
@@ -10077,7 +11136,22 @@
                   <a:schemeClr val="bg1"/>
                 </a:solidFill>
               </a:rPr>
-              <a:t>Nutzer</a:t>
+              <a:t>digitalisieren</a:t>
+            </a:r>
+            <a:endParaRPr lang="en-US" sz="2200" dirty="0">
+              <a:solidFill>
+                <a:schemeClr val="bg1"/>
+              </a:solidFill>
+            </a:endParaRPr>
+          </a:p>
+          <a:p>
+            <a:r>
+              <a:rPr lang="en-US" sz="2200" dirty="0" err="1">
+                <a:solidFill>
+                  <a:schemeClr val="bg1"/>
+                </a:solidFill>
+              </a:rPr>
+              <a:t>Automatische</a:t>
             </a:r>
             <a:r>
               <a:rPr lang="en-US" sz="2200" dirty="0">
@@ -10093,7 +11167,7 @@
                   <a:schemeClr val="bg1"/>
                 </a:solidFill>
               </a:rPr>
-              <a:t>haben</a:t>
+              <a:t>Auswertungen</a:t>
             </a:r>
             <a:r>
               <a:rPr lang="en-US" sz="2200" dirty="0">
@@ -10101,324 +11175,15 @@
                   <a:schemeClr val="bg1"/>
                 </a:solidFill>
               </a:rPr>
-              <a:t> </a:t>
-            </a:r>
-            <a:r>
-              <a:rPr lang="en-US" sz="2200" dirty="0" err="1">
-                <a:solidFill>
-                  <a:schemeClr val="bg1"/>
-                </a:solidFill>
-              </a:rPr>
-              <a:t>unterschiedliche</a:t>
-            </a:r>
-            <a:r>
-              <a:rPr lang="en-US" sz="2200" dirty="0">
-                <a:solidFill>
-                  <a:schemeClr val="bg1"/>
-                </a:solidFill>
-              </a:rPr>
-              <a:t> </a:t>
-            </a:r>
-            <a:r>
-              <a:rPr lang="en-US" sz="2200" dirty="0" err="1">
-                <a:solidFill>
-                  <a:schemeClr val="bg1"/>
-                </a:solidFill>
-              </a:rPr>
-              <a:t>Rechte</a:t>
-            </a:r>
+              <a:t> für Management</a:t>
+            </a:r>
+          </a:p>
+          <a:p>
             <a:endParaRPr lang="en-US" sz="2200" dirty="0">
               <a:solidFill>
                 <a:schemeClr val="bg1"/>
               </a:solidFill>
             </a:endParaRPr>
-          </a:p>
-          <a:p>
-            <a:r>
-              <a:rPr lang="en-US" sz="2200" dirty="0">
-                <a:solidFill>
-                  <a:schemeClr val="bg1"/>
-                </a:solidFill>
-              </a:rPr>
-              <a:t>Mitarbeiter </a:t>
-            </a:r>
-            <a:r>
-              <a:rPr lang="en-US" sz="2200" dirty="0" err="1">
-                <a:solidFill>
-                  <a:schemeClr val="bg1"/>
-                </a:solidFill>
-              </a:rPr>
-              <a:t>darf</a:t>
-            </a:r>
-            <a:r>
-              <a:rPr lang="en-US" sz="2200" dirty="0">
-                <a:solidFill>
-                  <a:schemeClr val="bg1"/>
-                </a:solidFill>
-              </a:rPr>
-              <a:t> </a:t>
-            </a:r>
-            <a:r>
-              <a:rPr lang="en-US" sz="2200" dirty="0" err="1">
-                <a:solidFill>
-                  <a:schemeClr val="bg1"/>
-                </a:solidFill>
-              </a:rPr>
-              <a:t>nicht</a:t>
-            </a:r>
-            <a:r>
-              <a:rPr lang="en-US" sz="2200" dirty="0">
-                <a:solidFill>
-                  <a:schemeClr val="bg1"/>
-                </a:solidFill>
-              </a:rPr>
-              <a:t> </a:t>
-            </a:r>
-            <a:r>
-              <a:rPr lang="en-US" sz="2200" dirty="0" err="1">
-                <a:solidFill>
-                  <a:schemeClr val="bg1"/>
-                </a:solidFill>
-              </a:rPr>
-              <a:t>mehr</a:t>
-            </a:r>
-            <a:r>
-              <a:rPr lang="en-US" sz="2200" dirty="0">
-                <a:solidFill>
-                  <a:schemeClr val="bg1"/>
-                </a:solidFill>
-              </a:rPr>
-              <a:t> </a:t>
-            </a:r>
-            <a:r>
-              <a:rPr lang="en-US" sz="2200" dirty="0" err="1">
-                <a:solidFill>
-                  <a:schemeClr val="bg1"/>
-                </a:solidFill>
-              </a:rPr>
-              <a:t>als</a:t>
-            </a:r>
-            <a:r>
-              <a:rPr lang="en-US" sz="2200" dirty="0">
-                <a:solidFill>
-                  <a:schemeClr val="bg1"/>
-                </a:solidFill>
-              </a:rPr>
-              <a:t> 40h pro </a:t>
-            </a:r>
-            <a:r>
-              <a:rPr lang="en-US" sz="2200" dirty="0" err="1">
-                <a:solidFill>
-                  <a:schemeClr val="bg1"/>
-                </a:solidFill>
-              </a:rPr>
-              <a:t>Woche</a:t>
-            </a:r>
-            <a:r>
-              <a:rPr lang="en-US" sz="2200" dirty="0">
-                <a:solidFill>
-                  <a:schemeClr val="bg1"/>
-                </a:solidFill>
-              </a:rPr>
-              <a:t> </a:t>
-            </a:r>
-            <a:r>
-              <a:rPr lang="en-US" sz="2200" dirty="0" err="1">
-                <a:solidFill>
-                  <a:schemeClr val="bg1"/>
-                </a:solidFill>
-              </a:rPr>
-              <a:t>gebucht</a:t>
-            </a:r>
-            <a:r>
-              <a:rPr lang="en-US" sz="2200" dirty="0">
-                <a:solidFill>
-                  <a:schemeClr val="bg1"/>
-                </a:solidFill>
-              </a:rPr>
-              <a:t> </a:t>
-            </a:r>
-            <a:r>
-              <a:rPr lang="en-US" sz="2200" dirty="0" err="1">
-                <a:solidFill>
-                  <a:schemeClr val="bg1"/>
-                </a:solidFill>
-              </a:rPr>
-              <a:t>werden</a:t>
-            </a:r>
-            <a:endParaRPr lang="en-US" sz="2200" dirty="0">
-              <a:solidFill>
-                <a:schemeClr val="bg1"/>
-              </a:solidFill>
-            </a:endParaRPr>
-          </a:p>
-          <a:p>
-            <a:r>
-              <a:rPr lang="en-US" sz="2200" dirty="0" err="1">
-                <a:solidFill>
-                  <a:schemeClr val="bg1"/>
-                </a:solidFill>
-              </a:rPr>
-              <a:t>Leichte</a:t>
-            </a:r>
-            <a:r>
-              <a:rPr lang="en-US" sz="2200" dirty="0">
-                <a:solidFill>
-                  <a:schemeClr val="bg1"/>
-                </a:solidFill>
-              </a:rPr>
-              <a:t> </a:t>
-            </a:r>
-            <a:r>
-              <a:rPr lang="en-US" sz="2200" dirty="0" err="1">
-                <a:solidFill>
-                  <a:schemeClr val="bg1"/>
-                </a:solidFill>
-              </a:rPr>
-              <a:t>Auswertung</a:t>
-            </a:r>
-            <a:r>
-              <a:rPr lang="en-US" sz="2200" dirty="0">
-                <a:solidFill>
-                  <a:schemeClr val="bg1"/>
-                </a:solidFill>
-              </a:rPr>
-              <a:t> der </a:t>
-            </a:r>
-            <a:r>
-              <a:rPr lang="en-US" sz="2200" dirty="0" err="1">
-                <a:solidFill>
-                  <a:schemeClr val="bg1"/>
-                </a:solidFill>
-              </a:rPr>
-              <a:t>Projektprofitabilität</a:t>
-            </a:r>
-            <a:endParaRPr lang="en-US" sz="2200" dirty="0">
-              <a:solidFill>
-                <a:schemeClr val="bg1"/>
-              </a:solidFill>
-            </a:endParaRPr>
-          </a:p>
-          <a:p>
-            <a:r>
-              <a:rPr lang="en-US" sz="2200" dirty="0" err="1">
-                <a:solidFill>
-                  <a:schemeClr val="bg1"/>
-                </a:solidFill>
-              </a:rPr>
-              <a:t>Leichte</a:t>
-            </a:r>
-            <a:r>
-              <a:rPr lang="en-US" sz="2200" dirty="0">
-                <a:solidFill>
-                  <a:schemeClr val="bg1"/>
-                </a:solidFill>
-              </a:rPr>
-              <a:t> </a:t>
-            </a:r>
-            <a:r>
-              <a:rPr lang="en-US" sz="2200" dirty="0" err="1">
-                <a:solidFill>
-                  <a:schemeClr val="bg1"/>
-                </a:solidFill>
-              </a:rPr>
-              <a:t>Verwaltung</a:t>
-            </a:r>
-            <a:r>
-              <a:rPr lang="en-US" sz="2200" dirty="0">
-                <a:solidFill>
-                  <a:schemeClr val="bg1"/>
-                </a:solidFill>
-              </a:rPr>
-              <a:t> von </a:t>
-            </a:r>
-            <a:r>
-              <a:rPr lang="en-US" sz="2200" dirty="0" err="1">
-                <a:solidFill>
-                  <a:schemeClr val="bg1"/>
-                </a:solidFill>
-              </a:rPr>
-              <a:t>Nutzer</a:t>
-            </a:r>
-            <a:r>
-              <a:rPr lang="en-US" sz="2200" dirty="0">
-                <a:solidFill>
-                  <a:schemeClr val="bg1"/>
-                </a:solidFill>
-              </a:rPr>
-              <a:t>- und </a:t>
-            </a:r>
-            <a:r>
-              <a:rPr lang="en-US" sz="2200" dirty="0" err="1">
-                <a:solidFill>
-                  <a:schemeClr val="bg1"/>
-                </a:solidFill>
-              </a:rPr>
-              <a:t>Projektdaten</a:t>
-            </a:r>
-            <a:endParaRPr lang="en-US" sz="2200" dirty="0">
-              <a:solidFill>
-                <a:schemeClr val="bg1"/>
-              </a:solidFill>
-            </a:endParaRPr>
-          </a:p>
-          <a:p>
-            <a:r>
-              <a:rPr lang="en-US" sz="2200" dirty="0">
-                <a:solidFill>
-                  <a:schemeClr val="bg1"/>
-                </a:solidFill>
-              </a:rPr>
-              <a:t>Migration der </a:t>
-            </a:r>
-            <a:r>
-              <a:rPr lang="en-US" sz="2200" dirty="0" err="1">
-                <a:solidFill>
-                  <a:schemeClr val="bg1"/>
-                </a:solidFill>
-              </a:rPr>
-              <a:t>alten</a:t>
-            </a:r>
-            <a:r>
-              <a:rPr lang="en-US" sz="2200" dirty="0">
-                <a:solidFill>
-                  <a:schemeClr val="bg1"/>
-                </a:solidFill>
-              </a:rPr>
-              <a:t> </a:t>
-            </a:r>
-            <a:r>
-              <a:rPr lang="en-US" sz="2200" dirty="0" err="1">
-                <a:solidFill>
-                  <a:schemeClr val="bg1"/>
-                </a:solidFill>
-              </a:rPr>
-              <a:t>Daten</a:t>
-            </a:r>
-            <a:r>
-              <a:rPr lang="en-US" sz="2200" dirty="0">
-                <a:solidFill>
-                  <a:schemeClr val="bg1"/>
-                </a:solidFill>
-              </a:rPr>
-              <a:t> in das </a:t>
-            </a:r>
-            <a:r>
-              <a:rPr lang="en-US" sz="2200" dirty="0" err="1">
-                <a:solidFill>
-                  <a:schemeClr val="bg1"/>
-                </a:solidFill>
-              </a:rPr>
-              <a:t>neue</a:t>
-            </a:r>
-            <a:r>
-              <a:rPr lang="en-US" sz="2200" dirty="0">
-                <a:solidFill>
-                  <a:schemeClr val="bg1"/>
-                </a:solidFill>
-              </a:rPr>
-              <a:t> System</a:t>
-            </a:r>
           </a:p>
         </p:txBody>
       </p:sp>
@@ -10772,7 +11537,7 @@
                   <a:schemeClr val="bg1"/>
                 </a:solidFill>
               </a:rPr>
-              <a:t>Verwendete</a:t>
+              <a:t>Anforderungen</a:t>
             </a:r>
             <a:r>
               <a:rPr lang="en-US" sz="5400" dirty="0">
@@ -10780,21 +11545,8 @@
                   <a:schemeClr val="bg1"/>
                 </a:solidFill>
               </a:rPr>
-              <a:t> </a:t>
-            </a:r>
-            <a:r>
-              <a:rPr lang="en-US" sz="5400" dirty="0" err="1">
-                <a:solidFill>
-                  <a:schemeClr val="bg1"/>
-                </a:solidFill>
-              </a:rPr>
-              <a:t>Technologien</a:t>
-            </a:r>
-            <a:endParaRPr lang="en-US" sz="5400" dirty="0">
-              <a:solidFill>
-                <a:schemeClr val="bg1"/>
-              </a:solidFill>
-            </a:endParaRPr>
+              <a:t> an die Software</a:t>
+            </a:r>
           </a:p>
         </p:txBody>
       </p:sp>
@@ -11399,42 +12151,368 @@
           <a:lstStyle/>
           <a:p>
             <a:r>
+              <a:rPr lang="en-US" sz="2200" dirty="0" err="1">
+                <a:solidFill>
+                  <a:schemeClr val="bg1"/>
+                </a:solidFill>
+              </a:rPr>
+              <a:t>Unterschiedliche</a:t>
+            </a:r>
+            <a:r>
               <a:rPr lang="en-US" sz="2200" dirty="0">
                 <a:solidFill>
                   <a:schemeClr val="bg1"/>
                 </a:solidFill>
               </a:rPr>
-              <a:t>C#</a:t>
-            </a:r>
-          </a:p>
-          <a:p>
+              <a:t> </a:t>
+            </a:r>
+            <a:r>
+              <a:rPr lang="en-US" sz="2200" dirty="0" err="1">
+                <a:solidFill>
+                  <a:schemeClr val="bg1"/>
+                </a:solidFill>
+              </a:rPr>
+              <a:t>Nutzer</a:t>
+            </a:r>
             <a:r>
               <a:rPr lang="en-US" sz="2200" dirty="0">
                 <a:solidFill>
                   <a:schemeClr val="bg1"/>
                 </a:solidFill>
               </a:rPr>
-              <a:t>WPF (Windows Presentation Foundation)</a:t>
-            </a:r>
-          </a:p>
-          <a:p>
+              <a:t> </a:t>
+            </a:r>
+            <a:r>
+              <a:rPr lang="en-US" sz="2200" dirty="0" err="1">
+                <a:solidFill>
+                  <a:schemeClr val="bg1"/>
+                </a:solidFill>
+              </a:rPr>
+              <a:t>haben</a:t>
+            </a:r>
             <a:r>
               <a:rPr lang="en-US" sz="2200" dirty="0">
                 <a:solidFill>
                   <a:schemeClr val="bg1"/>
                 </a:solidFill>
               </a:rPr>
-              <a:t>MySQL</a:t>
-            </a:r>
-          </a:p>
-          <a:p>
+              <a:t> </a:t>
+            </a:r>
+            <a:r>
+              <a:rPr lang="en-US" sz="2200" dirty="0" err="1">
+                <a:solidFill>
+                  <a:schemeClr val="bg1"/>
+                </a:solidFill>
+              </a:rPr>
+              <a:t>unterschiedliche</a:t>
+            </a:r>
             <a:r>
               <a:rPr lang="en-US" sz="2200" dirty="0">
                 <a:solidFill>
                   <a:schemeClr val="bg1"/>
                 </a:solidFill>
               </a:rPr>
-              <a:t>Excel</a:t>
+              <a:t> </a:t>
+            </a:r>
+            <a:r>
+              <a:rPr lang="en-US" sz="2200" dirty="0" err="1">
+                <a:solidFill>
+                  <a:schemeClr val="bg1"/>
+                </a:solidFill>
+              </a:rPr>
+              <a:t>Rechte</a:t>
+            </a:r>
+            <a:endParaRPr lang="en-US" sz="2200" dirty="0">
+              <a:solidFill>
+                <a:schemeClr val="bg1"/>
+              </a:solidFill>
+            </a:endParaRPr>
+          </a:p>
+          <a:p>
+            <a:r>
+              <a:rPr lang="en-US" sz="2200" dirty="0">
+                <a:solidFill>
+                  <a:schemeClr val="bg1"/>
+                </a:solidFill>
+              </a:rPr>
+              <a:t>Mitarbeiter </a:t>
+            </a:r>
+            <a:r>
+              <a:rPr lang="en-US" sz="2200" dirty="0" err="1">
+                <a:solidFill>
+                  <a:schemeClr val="bg1"/>
+                </a:solidFill>
+              </a:rPr>
+              <a:t>darf</a:t>
+            </a:r>
+            <a:r>
+              <a:rPr lang="en-US" sz="2200" dirty="0">
+                <a:solidFill>
+                  <a:schemeClr val="bg1"/>
+                </a:solidFill>
+              </a:rPr>
+              <a:t> </a:t>
+            </a:r>
+            <a:r>
+              <a:rPr lang="en-US" sz="2200" dirty="0" err="1">
+                <a:solidFill>
+                  <a:schemeClr val="bg1"/>
+                </a:solidFill>
+              </a:rPr>
+              <a:t>nicht</a:t>
+            </a:r>
+            <a:r>
+              <a:rPr lang="en-US" sz="2200" dirty="0">
+                <a:solidFill>
+                  <a:schemeClr val="bg1"/>
+                </a:solidFill>
+              </a:rPr>
+              <a:t> </a:t>
+            </a:r>
+            <a:r>
+              <a:rPr lang="en-US" sz="2200" dirty="0" err="1">
+                <a:solidFill>
+                  <a:schemeClr val="bg1"/>
+                </a:solidFill>
+              </a:rPr>
+              <a:t>mehr</a:t>
+            </a:r>
+            <a:r>
+              <a:rPr lang="en-US" sz="2200" dirty="0">
+                <a:solidFill>
+                  <a:schemeClr val="bg1"/>
+                </a:solidFill>
+              </a:rPr>
+              <a:t> </a:t>
+            </a:r>
+            <a:r>
+              <a:rPr lang="en-US" sz="2200" dirty="0" err="1">
+                <a:solidFill>
+                  <a:schemeClr val="bg1"/>
+                </a:solidFill>
+              </a:rPr>
+              <a:t>als</a:t>
+            </a:r>
+            <a:r>
+              <a:rPr lang="en-US" sz="2200" dirty="0">
+                <a:solidFill>
+                  <a:schemeClr val="bg1"/>
+                </a:solidFill>
+              </a:rPr>
+              <a:t> 40h pro </a:t>
+            </a:r>
+            <a:r>
+              <a:rPr lang="en-US" sz="2200" dirty="0" err="1">
+                <a:solidFill>
+                  <a:schemeClr val="bg1"/>
+                </a:solidFill>
+              </a:rPr>
+              <a:t>Woche</a:t>
+            </a:r>
+            <a:r>
+              <a:rPr lang="en-US" sz="2200" dirty="0">
+                <a:solidFill>
+                  <a:schemeClr val="bg1"/>
+                </a:solidFill>
+              </a:rPr>
+              <a:t> </a:t>
+            </a:r>
+            <a:r>
+              <a:rPr lang="en-US" sz="2200" dirty="0" err="1">
+                <a:solidFill>
+                  <a:schemeClr val="bg1"/>
+                </a:solidFill>
+              </a:rPr>
+              <a:t>gebucht</a:t>
+            </a:r>
+            <a:r>
+              <a:rPr lang="en-US" sz="2200" dirty="0">
+                <a:solidFill>
+                  <a:schemeClr val="bg1"/>
+                </a:solidFill>
+              </a:rPr>
+              <a:t> </a:t>
+            </a:r>
+            <a:r>
+              <a:rPr lang="en-US" sz="2200" dirty="0" err="1">
+                <a:solidFill>
+                  <a:schemeClr val="bg1"/>
+                </a:solidFill>
+              </a:rPr>
+              <a:t>werden</a:t>
+            </a:r>
+            <a:endParaRPr lang="en-US" sz="2200" dirty="0">
+              <a:solidFill>
+                <a:schemeClr val="bg1"/>
+              </a:solidFill>
+            </a:endParaRPr>
+          </a:p>
+          <a:p>
+            <a:r>
+              <a:rPr lang="en-US" sz="2200" dirty="0" err="1">
+                <a:solidFill>
+                  <a:schemeClr val="bg1"/>
+                </a:solidFill>
+              </a:rPr>
+              <a:t>Leichte</a:t>
+            </a:r>
+            <a:r>
+              <a:rPr lang="en-US" sz="2200" dirty="0">
+                <a:solidFill>
+                  <a:schemeClr val="bg1"/>
+                </a:solidFill>
+              </a:rPr>
+              <a:t> </a:t>
+            </a:r>
+            <a:r>
+              <a:rPr lang="en-US" sz="2200" dirty="0" err="1">
+                <a:solidFill>
+                  <a:schemeClr val="bg1"/>
+                </a:solidFill>
+              </a:rPr>
+              <a:t>Auswertung</a:t>
+            </a:r>
+            <a:r>
+              <a:rPr lang="en-US" sz="2200" dirty="0">
+                <a:solidFill>
+                  <a:schemeClr val="bg1"/>
+                </a:solidFill>
+              </a:rPr>
+              <a:t> der </a:t>
+            </a:r>
+            <a:r>
+              <a:rPr lang="en-US" sz="2200" dirty="0" err="1">
+                <a:solidFill>
+                  <a:schemeClr val="bg1"/>
+                </a:solidFill>
+              </a:rPr>
+              <a:t>Projektprofitabilität</a:t>
+            </a:r>
+            <a:endParaRPr lang="en-US" sz="2200" dirty="0">
+              <a:solidFill>
+                <a:schemeClr val="bg1"/>
+              </a:solidFill>
+            </a:endParaRPr>
+          </a:p>
+          <a:p>
+            <a:r>
+              <a:rPr lang="en-US" sz="2200" dirty="0" err="1">
+                <a:solidFill>
+                  <a:schemeClr val="bg1"/>
+                </a:solidFill>
+              </a:rPr>
+              <a:t>Leichte</a:t>
+            </a:r>
+            <a:r>
+              <a:rPr lang="en-US" sz="2200" dirty="0">
+                <a:solidFill>
+                  <a:schemeClr val="bg1"/>
+                </a:solidFill>
+              </a:rPr>
+              <a:t> </a:t>
+            </a:r>
+            <a:r>
+              <a:rPr lang="en-US" sz="2200" dirty="0" err="1">
+                <a:solidFill>
+                  <a:schemeClr val="bg1"/>
+                </a:solidFill>
+              </a:rPr>
+              <a:t>Verwaltung</a:t>
+            </a:r>
+            <a:r>
+              <a:rPr lang="en-US" sz="2200" dirty="0">
+                <a:solidFill>
+                  <a:schemeClr val="bg1"/>
+                </a:solidFill>
+              </a:rPr>
+              <a:t> von </a:t>
+            </a:r>
+            <a:r>
+              <a:rPr lang="en-US" sz="2200" dirty="0" err="1">
+                <a:solidFill>
+                  <a:schemeClr val="bg1"/>
+                </a:solidFill>
+              </a:rPr>
+              <a:t>Nutzer</a:t>
+            </a:r>
+            <a:r>
+              <a:rPr lang="en-US" sz="2200" dirty="0">
+                <a:solidFill>
+                  <a:schemeClr val="bg1"/>
+                </a:solidFill>
+              </a:rPr>
+              <a:t>- und </a:t>
+            </a:r>
+            <a:r>
+              <a:rPr lang="en-US" sz="2200" dirty="0" err="1">
+                <a:solidFill>
+                  <a:schemeClr val="bg1"/>
+                </a:solidFill>
+              </a:rPr>
+              <a:t>Projektdaten</a:t>
+            </a:r>
+            <a:endParaRPr lang="en-US" sz="2200" dirty="0">
+              <a:solidFill>
+                <a:schemeClr val="bg1"/>
+              </a:solidFill>
+            </a:endParaRPr>
+          </a:p>
+          <a:p>
+            <a:r>
+              <a:rPr lang="en-US" sz="2200" dirty="0">
+                <a:solidFill>
+                  <a:schemeClr val="bg1"/>
+                </a:solidFill>
+              </a:rPr>
+              <a:t>Migration der </a:t>
+            </a:r>
+            <a:r>
+              <a:rPr lang="en-US" sz="2200" dirty="0" err="1">
+                <a:solidFill>
+                  <a:schemeClr val="bg1"/>
+                </a:solidFill>
+              </a:rPr>
+              <a:t>alten</a:t>
+            </a:r>
+            <a:r>
+              <a:rPr lang="en-US" sz="2200" dirty="0">
+                <a:solidFill>
+                  <a:schemeClr val="bg1"/>
+                </a:solidFill>
+              </a:rPr>
+              <a:t> </a:t>
+            </a:r>
+            <a:r>
+              <a:rPr lang="en-US" sz="2200" dirty="0" err="1">
+                <a:solidFill>
+                  <a:schemeClr val="bg1"/>
+                </a:solidFill>
+              </a:rPr>
+              <a:t>Daten</a:t>
+            </a:r>
+            <a:r>
+              <a:rPr lang="en-US" sz="2200" dirty="0">
+                <a:solidFill>
+                  <a:schemeClr val="bg1"/>
+                </a:solidFill>
+              </a:rPr>
+              <a:t> in das </a:t>
+            </a:r>
+            <a:r>
+              <a:rPr lang="en-US" sz="2200" dirty="0" err="1">
+                <a:solidFill>
+                  <a:schemeClr val="bg1"/>
+                </a:solidFill>
+              </a:rPr>
+              <a:t>neue</a:t>
+            </a:r>
+            <a:r>
+              <a:rPr lang="en-US" sz="2200" dirty="0">
+                <a:solidFill>
+                  <a:schemeClr val="bg1"/>
+                </a:solidFill>
+              </a:rPr>
+              <a:t> System</a:t>
             </a:r>
           </a:p>
         </p:txBody>
@@ -11614,20 +12692,20 @@
     </p:spTree>
     <p:extLst>
       <p:ext uri="{BB962C8B-B14F-4D97-AF65-F5344CB8AC3E}">
-        <p14:creationId xmlns:p14="http://schemas.microsoft.com/office/powerpoint/2010/main" val="1203868808"/>
+        <p14:creationId xmlns:p14="http://schemas.microsoft.com/office/powerpoint/2010/main" val="2367818307"/>
       </p:ext>
     </p:extLst>
   </p:cSld>
   <p:clrMapOvr>
     <a:masterClrMapping/>
   </p:clrMapOvr>
-  <mc:AlternateContent xmlns:mc="http://schemas.openxmlformats.org/markup-compatibility/2006" xmlns:p159="http://schemas.microsoft.com/office/powerpoint/2015/09/main">
-    <mc:Choice Requires="p159">
+  <mc:AlternateContent xmlns:mc="http://schemas.openxmlformats.org/markup-compatibility/2006">
+    <mc:Choice xmlns:p159="http://schemas.microsoft.com/office/powerpoint/2015/09/main" Requires="p159">
       <p:transition spd="med">
         <p159:morph option="byObject"/>
       </p:transition>
     </mc:Choice>
-    <mc:Fallback xmlns="">
+    <mc:Fallback>
       <p:transition spd="med">
         <p:fade/>
       </p:transition>
@@ -11789,7 +12867,23 @@
                   <a:schemeClr val="bg1"/>
                 </a:solidFill>
               </a:rPr>
-              <a:t>Rollenkonzept</a:t>
+              <a:t>Verwendete</a:t>
+            </a:r>
+            <a:r>
+              <a:rPr lang="en-US" sz="5400" dirty="0">
+                <a:solidFill>
+                  <a:schemeClr val="bg1"/>
+                </a:solidFill>
+              </a:rPr>
+              <a:t> </a:t>
+            </a:r>
+            <a:r>
+              <a:rPr lang="en-US" sz="5400" dirty="0" err="1">
+                <a:solidFill>
+                  <a:schemeClr val="bg1"/>
+                </a:solidFill>
+              </a:rPr>
+              <a:t>Technologien</a:t>
             </a:r>
             <a:endParaRPr lang="en-US" sz="5400" dirty="0">
               <a:solidFill>
@@ -12400,301 +13494,42 @@
           <a:lstStyle/>
           <a:p>
             <a:r>
-              <a:rPr lang="en-US" sz="2200" dirty="0" err="1">
-                <a:solidFill>
-                  <a:schemeClr val="bg1"/>
-                </a:solidFill>
-              </a:rPr>
-              <a:t>Nutzer</a:t>
-            </a:r>
-            <a:endParaRPr lang="en-US" sz="2200" dirty="0">
-              <a:solidFill>
-                <a:schemeClr val="bg1"/>
-              </a:solidFill>
-            </a:endParaRPr>
-          </a:p>
-          <a:p>
-            <a:pPr lvl="1"/>
-            <a:r>
-              <a:rPr lang="en-US" sz="1800" dirty="0" err="1">
-                <a:solidFill>
-                  <a:schemeClr val="bg1"/>
-                </a:solidFill>
-              </a:rPr>
-              <a:t>Kann</a:t>
-            </a:r>
-            <a:r>
-              <a:rPr lang="en-US" sz="1800" dirty="0">
-                <a:solidFill>
-                  <a:schemeClr val="bg1"/>
-                </a:solidFill>
-              </a:rPr>
-              <a:t> </a:t>
-            </a:r>
-            <a:r>
-              <a:rPr lang="en-US" sz="1800" dirty="0" err="1">
-                <a:solidFill>
-                  <a:schemeClr val="bg1"/>
-                </a:solidFill>
-              </a:rPr>
-              <a:t>Benutzer</a:t>
-            </a:r>
-            <a:r>
-              <a:rPr lang="en-US" sz="1800" dirty="0">
-                <a:solidFill>
-                  <a:schemeClr val="bg1"/>
-                </a:solidFill>
-              </a:rPr>
-              <a:t> </a:t>
-            </a:r>
-            <a:r>
-              <a:rPr lang="en-US" sz="1800" dirty="0" err="1">
-                <a:solidFill>
-                  <a:schemeClr val="bg1"/>
-                </a:solidFill>
-              </a:rPr>
-              <a:t>einsehen</a:t>
-            </a:r>
-            <a:endParaRPr lang="en-US" sz="1800" dirty="0">
-              <a:solidFill>
-                <a:schemeClr val="bg1"/>
-              </a:solidFill>
-            </a:endParaRPr>
-          </a:p>
-          <a:p>
-            <a:pPr lvl="1"/>
-            <a:r>
-              <a:rPr lang="en-US" sz="1800" dirty="0" err="1">
-                <a:solidFill>
-                  <a:schemeClr val="bg1"/>
-                </a:solidFill>
-              </a:rPr>
-              <a:t>Kann</a:t>
-            </a:r>
-            <a:r>
-              <a:rPr lang="en-US" sz="1800" dirty="0">
-                <a:solidFill>
-                  <a:schemeClr val="bg1"/>
-                </a:solidFill>
-              </a:rPr>
-              <a:t> </a:t>
-            </a:r>
-            <a:r>
-              <a:rPr lang="en-US" sz="1800" dirty="0" err="1">
-                <a:solidFill>
-                  <a:schemeClr val="bg1"/>
-                </a:solidFill>
-              </a:rPr>
-              <a:t>Projekte</a:t>
-            </a:r>
-            <a:r>
-              <a:rPr lang="en-US" sz="1800" dirty="0">
-                <a:solidFill>
-                  <a:schemeClr val="bg1"/>
-                </a:solidFill>
-              </a:rPr>
-              <a:t> </a:t>
-            </a:r>
-            <a:r>
-              <a:rPr lang="en-US" sz="1800" dirty="0" err="1">
-                <a:solidFill>
-                  <a:schemeClr val="bg1"/>
-                </a:solidFill>
-              </a:rPr>
-              <a:t>anlegen</a:t>
-            </a:r>
-            <a:r>
-              <a:rPr lang="en-US" sz="1800" dirty="0">
-                <a:solidFill>
-                  <a:schemeClr val="bg1"/>
-                </a:solidFill>
-              </a:rPr>
-              <a:t> und </a:t>
-            </a:r>
-            <a:r>
-              <a:rPr lang="en-US" sz="1800" dirty="0" err="1">
-                <a:solidFill>
-                  <a:schemeClr val="bg1"/>
-                </a:solidFill>
-              </a:rPr>
-              <a:t>verändern</a:t>
-            </a:r>
-            <a:r>
-              <a:rPr lang="en-US" sz="1800" dirty="0">
-                <a:solidFill>
-                  <a:schemeClr val="bg1"/>
-                </a:solidFill>
-              </a:rPr>
-              <a:t> (</a:t>
-            </a:r>
-            <a:r>
-              <a:rPr lang="en-US" sz="1800" dirty="0" err="1">
-                <a:solidFill>
-                  <a:schemeClr val="bg1"/>
-                </a:solidFill>
-              </a:rPr>
-              <a:t>Beschränkt</a:t>
-            </a:r>
-            <a:r>
-              <a:rPr lang="en-US" sz="1800" dirty="0">
-                <a:solidFill>
-                  <a:schemeClr val="bg1"/>
-                </a:solidFill>
-              </a:rPr>
-              <a:t>)</a:t>
-            </a:r>
-          </a:p>
-          <a:p>
-            <a:r>
-              <a:rPr lang="en-US" sz="2200" dirty="0" err="1">
-                <a:solidFill>
-                  <a:schemeClr val="bg1"/>
-                </a:solidFill>
-              </a:rPr>
-              <a:t>Abteilungsleiter</a:t>
-            </a:r>
-            <a:endParaRPr lang="en-US" sz="2200" dirty="0">
-              <a:solidFill>
-                <a:schemeClr val="bg1"/>
-              </a:solidFill>
-            </a:endParaRPr>
-          </a:p>
-          <a:p>
-            <a:pPr lvl="1"/>
-            <a:r>
-              <a:rPr lang="en-US" sz="1800" dirty="0" err="1">
-                <a:solidFill>
-                  <a:schemeClr val="bg1"/>
-                </a:solidFill>
-              </a:rPr>
-              <a:t>Kann</a:t>
-            </a:r>
-            <a:r>
-              <a:rPr lang="en-US" sz="1800" dirty="0">
-                <a:solidFill>
-                  <a:schemeClr val="bg1"/>
-                </a:solidFill>
-              </a:rPr>
-              <a:t> </a:t>
-            </a:r>
-            <a:r>
-              <a:rPr lang="en-US" sz="1800" dirty="0" err="1">
-                <a:solidFill>
-                  <a:schemeClr val="bg1"/>
-                </a:solidFill>
-              </a:rPr>
-              <a:t>Benutzer</a:t>
-            </a:r>
-            <a:r>
-              <a:rPr lang="en-US" sz="1800" dirty="0">
-                <a:solidFill>
-                  <a:schemeClr val="bg1"/>
-                </a:solidFill>
-              </a:rPr>
-              <a:t> </a:t>
-            </a:r>
-            <a:r>
-              <a:rPr lang="en-US" sz="1800" dirty="0" err="1">
-                <a:solidFill>
-                  <a:schemeClr val="bg1"/>
-                </a:solidFill>
-              </a:rPr>
-              <a:t>anlegen</a:t>
-            </a:r>
-            <a:r>
-              <a:rPr lang="en-US" sz="1800" dirty="0">
-                <a:solidFill>
-                  <a:schemeClr val="bg1"/>
-                </a:solidFill>
-              </a:rPr>
-              <a:t> und </a:t>
-            </a:r>
-            <a:r>
-              <a:rPr lang="en-US" sz="1800" dirty="0" err="1">
-                <a:solidFill>
-                  <a:schemeClr val="bg1"/>
-                </a:solidFill>
-              </a:rPr>
-              <a:t>verändern</a:t>
-            </a:r>
-            <a:endParaRPr lang="en-US" sz="1800" dirty="0">
-              <a:solidFill>
-                <a:schemeClr val="bg1"/>
-              </a:solidFill>
-            </a:endParaRPr>
-          </a:p>
-          <a:p>
-            <a:pPr lvl="1"/>
-            <a:r>
-              <a:rPr lang="en-US" sz="1800" dirty="0" err="1">
-                <a:solidFill>
-                  <a:schemeClr val="bg1"/>
-                </a:solidFill>
-              </a:rPr>
-              <a:t>Kann</a:t>
-            </a:r>
-            <a:r>
-              <a:rPr lang="en-US" sz="1800" dirty="0">
-                <a:solidFill>
-                  <a:schemeClr val="bg1"/>
-                </a:solidFill>
-              </a:rPr>
-              <a:t> </a:t>
-            </a:r>
-            <a:r>
-              <a:rPr lang="en-US" sz="1800" dirty="0" err="1">
-                <a:solidFill>
-                  <a:schemeClr val="bg1"/>
-                </a:solidFill>
-              </a:rPr>
-              <a:t>Projekte</a:t>
-            </a:r>
-            <a:r>
-              <a:rPr lang="en-US" sz="1800" dirty="0">
-                <a:solidFill>
-                  <a:schemeClr val="bg1"/>
-                </a:solidFill>
-              </a:rPr>
-              <a:t> </a:t>
-            </a:r>
-            <a:r>
-              <a:rPr lang="en-US" sz="1800" dirty="0" err="1">
-                <a:solidFill>
-                  <a:schemeClr val="bg1"/>
-                </a:solidFill>
-              </a:rPr>
-              <a:t>anlegen</a:t>
-            </a:r>
-            <a:r>
-              <a:rPr lang="en-US" sz="1800" dirty="0">
-                <a:solidFill>
-                  <a:schemeClr val="bg1"/>
-                </a:solidFill>
-              </a:rPr>
-              <a:t> und </a:t>
-            </a:r>
-            <a:r>
-              <a:rPr lang="en-US" sz="1800" dirty="0" err="1">
-                <a:solidFill>
-                  <a:schemeClr val="bg1"/>
-                </a:solidFill>
-              </a:rPr>
-              <a:t>verändern</a:t>
-            </a:r>
-            <a:endParaRPr lang="en-US" sz="1800" dirty="0">
-              <a:solidFill>
-                <a:schemeClr val="bg1"/>
-              </a:solidFill>
-            </a:endParaRPr>
-          </a:p>
-          <a:p>
-            <a:r>
               <a:rPr lang="en-US" sz="2200" dirty="0">
                 <a:solidFill>
                   <a:schemeClr val="bg1"/>
                 </a:solidFill>
               </a:rPr>
-              <a:t>Admin</a:t>
+              <a:t>C#</a:t>
+            </a:r>
+          </a:p>
+          <a:p>
+            <a:r>
+              <a:rPr lang="en-US" sz="2200" dirty="0">
+                <a:solidFill>
+                  <a:schemeClr val="bg1"/>
+                </a:solidFill>
+              </a:rPr>
+              <a:t>WPF (Windows Presentation Foundation)</a:t>
+            </a:r>
+          </a:p>
+          <a:p>
+            <a:r>
+              <a:rPr lang="en-US" sz="2200" dirty="0">
+                <a:solidFill>
+                  <a:schemeClr val="bg1"/>
+                </a:solidFill>
+              </a:rPr>
+              <a:t>MySQL</a:t>
+            </a:r>
+          </a:p>
+          <a:p>
+            <a:r>
+              <a:rPr lang="en-US" sz="2200" dirty="0">
+                <a:solidFill>
+                  <a:schemeClr val="bg1"/>
+                </a:solidFill>
+              </a:rPr>
+              <a:t>Excel</a:t>
             </a:r>
           </a:p>
         </p:txBody>
@@ -12874,20 +13709,20 @@
     </p:spTree>
     <p:extLst>
       <p:ext uri="{BB962C8B-B14F-4D97-AF65-F5344CB8AC3E}">
-        <p14:creationId xmlns:p14="http://schemas.microsoft.com/office/powerpoint/2010/main" val="3946902759"/>
+        <p14:creationId xmlns:p14="http://schemas.microsoft.com/office/powerpoint/2010/main" val="1203868808"/>
       </p:ext>
     </p:extLst>
   </p:cSld>
   <p:clrMapOvr>
     <a:masterClrMapping/>
   </p:clrMapOvr>
-  <mc:AlternateContent xmlns:mc="http://schemas.openxmlformats.org/markup-compatibility/2006">
-    <mc:Choice xmlns:p159="http://schemas.microsoft.com/office/powerpoint/2015/09/main" Requires="p159">
+  <mc:AlternateContent xmlns:mc="http://schemas.openxmlformats.org/markup-compatibility/2006" xmlns:p159="http://schemas.microsoft.com/office/powerpoint/2015/09/main">
+    <mc:Choice Requires="p159">
       <p:transition spd="med">
         <p159:morph option="byObject"/>
       </p:transition>
     </mc:Choice>
-    <mc:Fallback>
+    <mc:Fallback xmlns="">
       <p:transition spd="med">
         <p:fade/>
       </p:transition>
@@ -13049,7 +13884,7 @@
                   <a:schemeClr val="bg1"/>
                 </a:solidFill>
               </a:rPr>
-              <a:t>Benutzerverwaltung</a:t>
+              <a:t>Rollenkonzept</a:t>
             </a:r>
             <a:endParaRPr lang="en-US" sz="5400" dirty="0">
               <a:solidFill>
@@ -13660,32 +14495,301 @@
           <a:lstStyle/>
           <a:p>
             <a:r>
+              <a:rPr lang="en-US" sz="2200" dirty="0" err="1">
+                <a:solidFill>
+                  <a:schemeClr val="bg1"/>
+                </a:solidFill>
+              </a:rPr>
+              <a:t>Nutzer</a:t>
+            </a:r>
+            <a:endParaRPr lang="en-US" sz="2200" dirty="0">
+              <a:solidFill>
+                <a:schemeClr val="bg1"/>
+              </a:solidFill>
+            </a:endParaRPr>
+          </a:p>
+          <a:p>
+            <a:pPr lvl="1"/>
+            <a:r>
+              <a:rPr lang="en-US" sz="1800" dirty="0" err="1">
+                <a:solidFill>
+                  <a:schemeClr val="bg1"/>
+                </a:solidFill>
+              </a:rPr>
+              <a:t>Kann</a:t>
+            </a:r>
+            <a:r>
+              <a:rPr lang="en-US" sz="1800" dirty="0">
+                <a:solidFill>
+                  <a:schemeClr val="bg1"/>
+                </a:solidFill>
+              </a:rPr>
+              <a:t> </a:t>
+            </a:r>
+            <a:r>
+              <a:rPr lang="en-US" sz="1800" dirty="0" err="1">
+                <a:solidFill>
+                  <a:schemeClr val="bg1"/>
+                </a:solidFill>
+              </a:rPr>
+              <a:t>Benutzer</a:t>
+            </a:r>
+            <a:r>
+              <a:rPr lang="en-US" sz="1800" dirty="0">
+                <a:solidFill>
+                  <a:schemeClr val="bg1"/>
+                </a:solidFill>
+              </a:rPr>
+              <a:t> </a:t>
+            </a:r>
+            <a:r>
+              <a:rPr lang="en-US" sz="1800" dirty="0" err="1">
+                <a:solidFill>
+                  <a:schemeClr val="bg1"/>
+                </a:solidFill>
+              </a:rPr>
+              <a:t>einsehen</a:t>
+            </a:r>
+            <a:endParaRPr lang="en-US" sz="1800" dirty="0">
+              <a:solidFill>
+                <a:schemeClr val="bg1"/>
+              </a:solidFill>
+            </a:endParaRPr>
+          </a:p>
+          <a:p>
+            <a:pPr lvl="1"/>
+            <a:r>
+              <a:rPr lang="en-US" sz="1800" dirty="0" err="1">
+                <a:solidFill>
+                  <a:schemeClr val="bg1"/>
+                </a:solidFill>
+              </a:rPr>
+              <a:t>Kann</a:t>
+            </a:r>
+            <a:r>
+              <a:rPr lang="en-US" sz="1800" dirty="0">
+                <a:solidFill>
+                  <a:schemeClr val="bg1"/>
+                </a:solidFill>
+              </a:rPr>
+              <a:t> </a:t>
+            </a:r>
+            <a:r>
+              <a:rPr lang="en-US" sz="1800" dirty="0" err="1">
+                <a:solidFill>
+                  <a:schemeClr val="bg1"/>
+                </a:solidFill>
+              </a:rPr>
+              <a:t>Projekte</a:t>
+            </a:r>
+            <a:r>
+              <a:rPr lang="en-US" sz="1800" dirty="0">
+                <a:solidFill>
+                  <a:schemeClr val="bg1"/>
+                </a:solidFill>
+              </a:rPr>
+              <a:t> </a:t>
+            </a:r>
+            <a:r>
+              <a:rPr lang="en-US" sz="1800" dirty="0" err="1">
+                <a:solidFill>
+                  <a:schemeClr val="bg1"/>
+                </a:solidFill>
+              </a:rPr>
+              <a:t>anlegen</a:t>
+            </a:r>
+            <a:r>
+              <a:rPr lang="en-US" sz="1800" dirty="0">
+                <a:solidFill>
+                  <a:schemeClr val="bg1"/>
+                </a:solidFill>
+              </a:rPr>
+              <a:t> und </a:t>
+            </a:r>
+            <a:r>
+              <a:rPr lang="en-US" sz="1800" dirty="0" err="1">
+                <a:solidFill>
+                  <a:schemeClr val="bg1"/>
+                </a:solidFill>
+              </a:rPr>
+              <a:t>verändern</a:t>
+            </a:r>
+            <a:r>
+              <a:rPr lang="en-US" sz="1800" dirty="0">
+                <a:solidFill>
+                  <a:schemeClr val="bg1"/>
+                </a:solidFill>
+              </a:rPr>
+              <a:t> (</a:t>
+            </a:r>
+            <a:r>
+              <a:rPr lang="en-US" sz="1800" dirty="0" err="1">
+                <a:solidFill>
+                  <a:schemeClr val="bg1"/>
+                </a:solidFill>
+              </a:rPr>
+              <a:t>Beschränkt</a:t>
+            </a:r>
+            <a:r>
+              <a:rPr lang="en-US" sz="1800" dirty="0">
+                <a:solidFill>
+                  <a:schemeClr val="bg1"/>
+                </a:solidFill>
+              </a:rPr>
+              <a:t>)</a:t>
+            </a:r>
+          </a:p>
+          <a:p>
+            <a:r>
+              <a:rPr lang="en-US" sz="2200" dirty="0" err="1">
+                <a:solidFill>
+                  <a:schemeClr val="bg1"/>
+                </a:solidFill>
+              </a:rPr>
+              <a:t>Abteilungsleiter</a:t>
+            </a:r>
+            <a:endParaRPr lang="en-US" sz="2200" dirty="0">
+              <a:solidFill>
+                <a:schemeClr val="bg1"/>
+              </a:solidFill>
+            </a:endParaRPr>
+          </a:p>
+          <a:p>
+            <a:pPr lvl="1"/>
+            <a:r>
+              <a:rPr lang="en-US" sz="1800" dirty="0" err="1">
+                <a:solidFill>
+                  <a:schemeClr val="bg1"/>
+                </a:solidFill>
+              </a:rPr>
+              <a:t>Kann</a:t>
+            </a:r>
+            <a:r>
+              <a:rPr lang="en-US" sz="1800" dirty="0">
+                <a:solidFill>
+                  <a:schemeClr val="bg1"/>
+                </a:solidFill>
+              </a:rPr>
+              <a:t> </a:t>
+            </a:r>
+            <a:r>
+              <a:rPr lang="en-US" sz="1800" dirty="0" err="1">
+                <a:solidFill>
+                  <a:schemeClr val="bg1"/>
+                </a:solidFill>
+              </a:rPr>
+              <a:t>Benutzer</a:t>
+            </a:r>
+            <a:r>
+              <a:rPr lang="en-US" sz="1800" dirty="0">
+                <a:solidFill>
+                  <a:schemeClr val="bg1"/>
+                </a:solidFill>
+              </a:rPr>
+              <a:t> </a:t>
+            </a:r>
+            <a:r>
+              <a:rPr lang="en-US" sz="1800" dirty="0" err="1">
+                <a:solidFill>
+                  <a:schemeClr val="bg1"/>
+                </a:solidFill>
+              </a:rPr>
+              <a:t>anlegen</a:t>
+            </a:r>
+            <a:r>
+              <a:rPr lang="en-US" sz="1800" dirty="0">
+                <a:solidFill>
+                  <a:schemeClr val="bg1"/>
+                </a:solidFill>
+              </a:rPr>
+              <a:t> und </a:t>
+            </a:r>
+            <a:r>
+              <a:rPr lang="en-US" sz="1800" dirty="0" err="1">
+                <a:solidFill>
+                  <a:schemeClr val="bg1"/>
+                </a:solidFill>
+              </a:rPr>
+              <a:t>verändern</a:t>
+            </a:r>
+            <a:endParaRPr lang="en-US" sz="1800" dirty="0">
+              <a:solidFill>
+                <a:schemeClr val="bg1"/>
+              </a:solidFill>
+            </a:endParaRPr>
+          </a:p>
+          <a:p>
+            <a:pPr lvl="1"/>
+            <a:r>
+              <a:rPr lang="en-US" sz="1800" dirty="0" err="1">
+                <a:solidFill>
+                  <a:schemeClr val="bg1"/>
+                </a:solidFill>
+              </a:rPr>
+              <a:t>Kann</a:t>
+            </a:r>
+            <a:r>
+              <a:rPr lang="en-US" sz="1800" dirty="0">
+                <a:solidFill>
+                  <a:schemeClr val="bg1"/>
+                </a:solidFill>
+              </a:rPr>
+              <a:t> </a:t>
+            </a:r>
+            <a:r>
+              <a:rPr lang="en-US" sz="1800" dirty="0" err="1">
+                <a:solidFill>
+                  <a:schemeClr val="bg1"/>
+                </a:solidFill>
+              </a:rPr>
+              <a:t>Projekte</a:t>
+            </a:r>
+            <a:r>
+              <a:rPr lang="en-US" sz="1800" dirty="0">
+                <a:solidFill>
+                  <a:schemeClr val="bg1"/>
+                </a:solidFill>
+              </a:rPr>
+              <a:t> </a:t>
+            </a:r>
+            <a:r>
+              <a:rPr lang="en-US" sz="1800" dirty="0" err="1">
+                <a:solidFill>
+                  <a:schemeClr val="bg1"/>
+                </a:solidFill>
+              </a:rPr>
+              <a:t>anlegen</a:t>
+            </a:r>
+            <a:r>
+              <a:rPr lang="en-US" sz="1800" dirty="0">
+                <a:solidFill>
+                  <a:schemeClr val="bg1"/>
+                </a:solidFill>
+              </a:rPr>
+              <a:t> und </a:t>
+            </a:r>
+            <a:r>
+              <a:rPr lang="en-US" sz="1800" dirty="0" err="1">
+                <a:solidFill>
+                  <a:schemeClr val="bg1"/>
+                </a:solidFill>
+              </a:rPr>
+              <a:t>verändern</a:t>
+            </a:r>
+            <a:endParaRPr lang="en-US" sz="1800" dirty="0">
+              <a:solidFill>
+                <a:schemeClr val="bg1"/>
+              </a:solidFill>
+            </a:endParaRPr>
+          </a:p>
+          <a:p>
+            <a:r>
               <a:rPr lang="en-US" sz="2200" dirty="0">
                 <a:solidFill>
                   <a:schemeClr val="bg1"/>
                 </a:solidFill>
               </a:rPr>
-              <a:t>?</a:t>
-            </a:r>
-          </a:p>
-          <a:p>
-            <a:r>
-              <a:rPr lang="en-US" sz="2200" dirty="0">
-                <a:solidFill>
-                  <a:schemeClr val="bg1"/>
-                </a:solidFill>
-              </a:rPr>
-              <a:t>?</a:t>
-            </a:r>
-          </a:p>
-          <a:p>
-            <a:r>
-              <a:rPr lang="en-US" sz="2200" dirty="0">
-                <a:solidFill>
-                  <a:schemeClr val="bg1"/>
-                </a:solidFill>
-              </a:rPr>
-              <a:t>?</a:t>
+              <a:t>Admin</a:t>
             </a:r>
           </a:p>
         </p:txBody>
@@ -13865,7 +14969,7 @@
     </p:spTree>
     <p:extLst>
       <p:ext uri="{BB962C8B-B14F-4D97-AF65-F5344CB8AC3E}">
-        <p14:creationId xmlns:p14="http://schemas.microsoft.com/office/powerpoint/2010/main" val="2971243429"/>
+        <p14:creationId xmlns:p14="http://schemas.microsoft.com/office/powerpoint/2010/main" val="3946902759"/>
       </p:ext>
     </p:extLst>
   </p:cSld>
@@ -14035,13 +15139,18 @@
           <a:lstStyle/>
           <a:p>
             <a:r>
-              <a:rPr lang="en-US" sz="5400" dirty="0">
+              <a:rPr lang="en-US" sz="5400" dirty="0" err="1">
                 <a:solidFill>
                   <a:schemeClr val="bg1"/>
                 </a:solidFill>
               </a:rPr>
-              <a:t>Screenshots</a:t>
-            </a:r>
+              <a:t>Benutzerverwaltung</a:t>
+            </a:r>
+            <a:endParaRPr lang="en-US" sz="5400" dirty="0">
+              <a:solidFill>
+                <a:schemeClr val="bg1"/>
+              </a:solidFill>
+            </a:endParaRPr>
           </a:p>
         </p:txBody>
       </p:sp>
@@ -14645,14 +15754,34 @@
           </a:bodyPr>
           <a:lstStyle/>
           <a:p>
-            <a:pPr marL="0" indent="0">
-              <a:buNone/>
-            </a:pPr>
-            <a:endParaRPr lang="en-US" sz="2200" dirty="0">
-              <a:solidFill>
-                <a:schemeClr val="bg1"/>
-              </a:solidFill>
-            </a:endParaRPr>
+            <a:r>
+              <a:rPr lang="en-US" sz="2200" dirty="0">
+                <a:solidFill>
+                  <a:schemeClr val="bg1"/>
+                </a:solidFill>
+              </a:rPr>
+              <a:t>?</a:t>
+            </a:r>
+          </a:p>
+          <a:p>
+            <a:r>
+              <a:rPr lang="en-US" sz="2200" dirty="0">
+                <a:solidFill>
+                  <a:schemeClr val="bg1"/>
+                </a:solidFill>
+              </a:rPr>
+              <a:t>?</a:t>
+            </a:r>
+          </a:p>
+          <a:p>
+            <a:r>
+              <a:rPr lang="en-US" sz="2200" dirty="0">
+                <a:solidFill>
+                  <a:schemeClr val="bg1"/>
+                </a:solidFill>
+              </a:rPr>
+              <a:t>?</a:t>
+            </a:r>
           </a:p>
         </p:txBody>
       </p:sp>
@@ -14831,7 +15960,7 @@
     </p:spTree>
     <p:extLst>
       <p:ext uri="{BB962C8B-B14F-4D97-AF65-F5344CB8AC3E}">
-        <p14:creationId xmlns:p14="http://schemas.microsoft.com/office/powerpoint/2010/main" val="2576272442"/>
+        <p14:creationId xmlns:p14="http://schemas.microsoft.com/office/powerpoint/2010/main" val="2971243429"/>
       </p:ext>
     </p:extLst>
   </p:cSld>
@@ -15797,7 +16926,7 @@
     </p:spTree>
     <p:extLst>
       <p:ext uri="{BB962C8B-B14F-4D97-AF65-F5344CB8AC3E}">
-        <p14:creationId xmlns:p14="http://schemas.microsoft.com/office/powerpoint/2010/main" val="796309101"/>
+        <p14:creationId xmlns:p14="http://schemas.microsoft.com/office/powerpoint/2010/main" val="2576272442"/>
       </p:ext>
     </p:extLst>
   </p:cSld>
@@ -16763,7 +17892,7 @@
     </p:spTree>
     <p:extLst>
       <p:ext uri="{BB962C8B-B14F-4D97-AF65-F5344CB8AC3E}">
-        <p14:creationId xmlns:p14="http://schemas.microsoft.com/office/powerpoint/2010/main" val="591343553"/>
+        <p14:creationId xmlns:p14="http://schemas.microsoft.com/office/powerpoint/2010/main" val="796309101"/>
       </p:ext>
     </p:extLst>
   </p:cSld>

--- a/Präst_Profitabilität.pptx
+++ b/Präst_Profitabilität.pptx
@@ -5,7 +5,7 @@
     <p:sldMasterId id="2147483648" r:id="rId1"/>
   </p:sldMasterIdLst>
   <p:notesMasterIdLst>
-    <p:notesMasterId r:id="rId12"/>
+    <p:notesMasterId r:id="rId16"/>
   </p:notesMasterIdLst>
   <p:sldIdLst>
     <p:sldId id="256" r:id="rId2"/>
@@ -14,10 +14,14 @@
     <p:sldId id="265" r:id="rId5"/>
     <p:sldId id="259" r:id="rId6"/>
     <p:sldId id="264" r:id="rId7"/>
-    <p:sldId id="258" r:id="rId8"/>
-    <p:sldId id="261" r:id="rId9"/>
-    <p:sldId id="262" r:id="rId10"/>
-    <p:sldId id="263" r:id="rId11"/>
+    <p:sldId id="266" r:id="rId8"/>
+    <p:sldId id="263" r:id="rId9"/>
+    <p:sldId id="261" r:id="rId10"/>
+    <p:sldId id="262" r:id="rId11"/>
+    <p:sldId id="267" r:id="rId12"/>
+    <p:sldId id="269" r:id="rId13"/>
+    <p:sldId id="268" r:id="rId14"/>
+    <p:sldId id="270" r:id="rId15"/>
   </p:sldIdLst>
   <p:sldSz cx="12192000" cy="6858000"/>
   <p:notesSz cx="6858000" cy="9144000"/>
@@ -376,7 +380,7 @@
           <a:p>
             <a:fld id="{4D6228A4-D5D2-43EB-AD64-3613E5F089FE}" type="slidenum">
               <a:rPr lang="de-DE" smtClean="0"/>
-              <a:t>‹Nr.›</a:t>
+              <a:t>‹#›</a:t>
             </a:fld>
             <a:endParaRPr lang="de-DE"/>
           </a:p>
@@ -859,7 +863,7 @@
           <a:p>
             <a:fld id="{13C740AA-7824-4996-A9A9-B0E74C888E41}" type="slidenum">
               <a:rPr lang="de-DE" smtClean="0"/>
-              <a:t>‹Nr.›</a:t>
+              <a:t>‹#›</a:t>
             </a:fld>
             <a:endParaRPr lang="de-DE"/>
           </a:p>
@@ -1071,7 +1075,7 @@
           <a:p>
             <a:fld id="{13C740AA-7824-4996-A9A9-B0E74C888E41}" type="slidenum">
               <a:rPr lang="de-DE" smtClean="0"/>
-              <a:t>‹Nr.›</a:t>
+              <a:t>‹#›</a:t>
             </a:fld>
             <a:endParaRPr lang="de-DE"/>
           </a:p>
@@ -1293,7 +1297,7 @@
           <a:p>
             <a:fld id="{13C740AA-7824-4996-A9A9-B0E74C888E41}" type="slidenum">
               <a:rPr lang="de-DE" smtClean="0"/>
-              <a:t>‹Nr.›</a:t>
+              <a:t>‹#›</a:t>
             </a:fld>
             <a:endParaRPr lang="de-DE"/>
           </a:p>
@@ -1505,7 +1509,7 @@
           <a:p>
             <a:fld id="{13C740AA-7824-4996-A9A9-B0E74C888E41}" type="slidenum">
               <a:rPr lang="de-DE" smtClean="0"/>
-              <a:t>‹Nr.›</a:t>
+              <a:t>‹#›</a:t>
             </a:fld>
             <a:endParaRPr lang="de-DE"/>
           </a:p>
@@ -1793,7 +1797,7 @@
           <a:p>
             <a:fld id="{13C740AA-7824-4996-A9A9-B0E74C888E41}" type="slidenum">
               <a:rPr lang="de-DE" smtClean="0"/>
-              <a:t>‹Nr.›</a:t>
+              <a:t>‹#›</a:t>
             </a:fld>
             <a:endParaRPr lang="de-DE"/>
           </a:p>
@@ -2073,7 +2077,7 @@
           <a:p>
             <a:fld id="{13C740AA-7824-4996-A9A9-B0E74C888E41}" type="slidenum">
               <a:rPr lang="de-DE" smtClean="0"/>
-              <a:t>‹Nr.›</a:t>
+              <a:t>‹#›</a:t>
             </a:fld>
             <a:endParaRPr lang="de-DE"/>
           </a:p>
@@ -2500,7 +2504,7 @@
           <a:p>
             <a:fld id="{13C740AA-7824-4996-A9A9-B0E74C888E41}" type="slidenum">
               <a:rPr lang="de-DE" smtClean="0"/>
-              <a:t>‹Nr.›</a:t>
+              <a:t>‹#›</a:t>
             </a:fld>
             <a:endParaRPr lang="de-DE"/>
           </a:p>
@@ -2654,7 +2658,7 @@
           <a:p>
             <a:fld id="{13C740AA-7824-4996-A9A9-B0E74C888E41}" type="slidenum">
               <a:rPr lang="de-DE" smtClean="0"/>
-              <a:t>‹Nr.›</a:t>
+              <a:t>‹#›</a:t>
             </a:fld>
             <a:endParaRPr lang="de-DE"/>
           </a:p>
@@ -2779,7 +2783,7 @@
           <a:p>
             <a:fld id="{13C740AA-7824-4996-A9A9-B0E74C888E41}" type="slidenum">
               <a:rPr lang="de-DE" smtClean="0"/>
-              <a:t>‹Nr.›</a:t>
+              <a:t>‹#›</a:t>
             </a:fld>
             <a:endParaRPr lang="de-DE"/>
           </a:p>
@@ -3104,7 +3108,7 @@
           <a:p>
             <a:fld id="{13C740AA-7824-4996-A9A9-B0E74C888E41}" type="slidenum">
               <a:rPr lang="de-DE" smtClean="0"/>
-              <a:t>‹Nr.›</a:t>
+              <a:t>‹#›</a:t>
             </a:fld>
             <a:endParaRPr lang="de-DE"/>
           </a:p>
@@ -3405,7 +3409,7 @@
           <a:p>
             <a:fld id="{13C740AA-7824-4996-A9A9-B0E74C888E41}" type="slidenum">
               <a:rPr lang="de-DE" smtClean="0"/>
-              <a:t>‹Nr.›</a:t>
+              <a:t>‹#›</a:t>
             </a:fld>
             <a:endParaRPr lang="de-DE"/>
           </a:p>
@@ -3696,7 +3700,7 @@
           <a:p>
             <a:fld id="{13C740AA-7824-4996-A9A9-B0E74C888E41}" type="slidenum">
               <a:rPr lang="de-DE" smtClean="0"/>
-              <a:t>‹Nr.›</a:t>
+              <a:t>‹#›</a:t>
             </a:fld>
             <a:endParaRPr lang="de-DE"/>
           </a:p>
@@ -5032,45 +5036,41 @@
           </a:p>
         </p:txBody>
       </p:sp>
-      <p:sp>
-        <p:nvSpPr>
-          <p:cNvPr id="3" name="Subtitle 2">
+      <p:pic>
+        <p:nvPicPr>
+          <p:cNvPr id="7" name="Content Placeholder 6" descr="A screenshot of a computer&#10;&#10;Description automatically generated">
             <a:extLst>
               <a:ext uri="{FF2B5EF4-FFF2-40B4-BE49-F238E27FC236}">
-                <a16:creationId xmlns:a16="http://schemas.microsoft.com/office/drawing/2014/main" id="{1A33470D-CE91-F3B5-68F7-2CBCAA941809}"/>
+                <a16:creationId xmlns:a16="http://schemas.microsoft.com/office/drawing/2014/main" id="{4C7A9052-9E8B-28A4-BA30-F5F2F2086467}"/>
               </a:ext>
             </a:extLst>
           </p:cNvPr>
-          <p:cNvSpPr>
-            <a:spLocks noGrp="1"/>
-          </p:cNvSpPr>
+          <p:cNvPicPr>
+            <a:picLocks noGrp="1" noChangeAspect="1"/>
+          </p:cNvPicPr>
           <p:nvPr>
             <p:ph idx="1"/>
           </p:nvPr>
-        </p:nvSpPr>
+        </p:nvPicPr>
+        <p:blipFill>
+          <a:blip r:embed="rId3">
+            <a:extLst>
+              <a:ext uri="{28A0092B-C50C-407E-A947-70E740481C1C}">
+                <a14:useLocalDpi xmlns:a14="http://schemas.microsoft.com/office/drawing/2010/main" val="0"/>
+              </a:ext>
+            </a:extLst>
+          </a:blip>
+          <a:stretch>
+            <a:fillRect/>
+          </a:stretch>
+        </p:blipFill>
         <p:spPr>
           <a:xfrm>
-            <a:off x="838200" y="2004446"/>
-            <a:ext cx="10515600" cy="4176897"/>
+            <a:off x="1054850" y="1867764"/>
+            <a:ext cx="6831850" cy="4447077"/>
           </a:xfrm>
         </p:spPr>
-        <p:txBody>
-          <a:bodyPr vert="horz" lIns="91440" tIns="45720" rIns="91440" bIns="45720" rtlCol="0">
-            <a:normAutofit/>
-          </a:bodyPr>
-          <a:lstStyle/>
-          <a:p>
-            <a:pPr marL="0" indent="0">
-              <a:buNone/>
-            </a:pPr>
-            <a:endParaRPr lang="en-US" sz="2200" dirty="0">
-              <a:solidFill>
-                <a:schemeClr val="bg1"/>
-              </a:solidFill>
-            </a:endParaRPr>
-          </a:p>
-        </p:txBody>
-      </p:sp>
+      </p:pic>
       <p:sp>
         <p:nvSpPr>
           <p:cNvPr id="4" name="TextBox 3">
@@ -5086,7 +5086,7 @@
         <p:spPr>
           <a:xfrm>
             <a:off x="9664930" y="1995302"/>
-            <a:ext cx="2472297" cy="2585323"/>
+            <a:ext cx="2472297" cy="3416320"/>
           </a:xfrm>
           <a:prstGeom prst="rect">
             <a:avLst/>
@@ -5103,13 +5103,24 @@
               <a:buFont typeface="Arial" panose="020B0604020202020204" pitchFamily="34" charset="0"/>
               <a:buChar char="•"/>
             </a:pPr>
+            <a:endParaRPr lang="de-DE" dirty="0">
+              <a:solidFill>
+                <a:schemeClr val="bg1"/>
+              </a:solidFill>
+            </a:endParaRPr>
+          </a:p>
+          <a:p>
+            <a:pPr marL="285750" indent="-285750">
+              <a:buFont typeface="Arial" panose="020B0604020202020204" pitchFamily="34" charset="0"/>
+              <a:buChar char="•"/>
+            </a:pPr>
             <a:r>
               <a:rPr lang="de-DE" dirty="0">
                 <a:solidFill>
                   <a:schemeClr val="bg1"/>
                 </a:solidFill>
               </a:rPr>
-              <a:t>Benutzerverwaltung</a:t>
+              <a:t>Aufgabenstellung</a:t>
             </a:r>
           </a:p>
           <a:p>
@@ -5134,7 +5145,7 @@
                   <a:schemeClr val="bg1"/>
                 </a:solidFill>
               </a:rPr>
-              <a:t>?</a:t>
+              <a:t>Anforderungen</a:t>
             </a:r>
           </a:p>
           <a:p>
@@ -5159,7 +5170,7 @@
                   <a:schemeClr val="bg1"/>
                 </a:solidFill>
               </a:rPr>
-              <a:t>?</a:t>
+              <a:t>Technologien</a:t>
             </a:r>
           </a:p>
           <a:p>
@@ -5184,7 +5195,7 @@
                   <a:schemeClr val="bg1"/>
                 </a:solidFill>
               </a:rPr>
-              <a:t>?</a:t>
+              <a:t>Rollenkonzept</a:t>
             </a:r>
           </a:p>
           <a:p>
@@ -5209,7 +5220,32 @@
                   <a:schemeClr val="bg1"/>
                 </a:solidFill>
               </a:rPr>
-              <a:t>?</a:t>
+              <a:t>Klassendiagramm</a:t>
+            </a:r>
+          </a:p>
+          <a:p>
+            <a:pPr marL="285750" indent="-285750">
+              <a:buFont typeface="Arial" panose="020B0604020202020204" pitchFamily="34" charset="0"/>
+              <a:buChar char="•"/>
+            </a:pPr>
+            <a:endParaRPr lang="de-DE" dirty="0">
+              <a:solidFill>
+                <a:schemeClr val="bg1"/>
+              </a:solidFill>
+            </a:endParaRPr>
+          </a:p>
+          <a:p>
+            <a:pPr marL="285750" indent="-285750">
+              <a:buFont typeface="Arial" panose="020B0604020202020204" pitchFamily="34" charset="0"/>
+              <a:buChar char="•"/>
+            </a:pPr>
+            <a:r>
+              <a:rPr lang="de-DE" dirty="0">
+                <a:solidFill>
+                  <a:schemeClr val="bg1"/>
+                </a:solidFill>
+              </a:rPr>
+              <a:t>Screenshots</a:t>
             </a:r>
           </a:p>
         </p:txBody>
@@ -5243,10 +5279,64 @@
           </a:p>
         </p:txBody>
       </p:sp>
+      <p:sp>
+        <p:nvSpPr>
+          <p:cNvPr id="8" name="Arrow: Right 7">
+            <a:extLst>
+              <a:ext uri="{FF2B5EF4-FFF2-40B4-BE49-F238E27FC236}">
+                <a16:creationId xmlns:a16="http://schemas.microsoft.com/office/drawing/2014/main" id="{BDE24A36-69D3-B177-87E3-76917D87D90B}"/>
+              </a:ext>
+            </a:extLst>
+          </p:cNvPr>
+          <p:cNvSpPr/>
+          <p:nvPr/>
+        </p:nvSpPr>
+        <p:spPr>
+          <a:xfrm>
+            <a:off x="8992788" y="4963020"/>
+            <a:ext cx="657225" cy="482601"/>
+          </a:xfrm>
+          <a:prstGeom prst="rightArrow">
+            <a:avLst/>
+          </a:prstGeom>
+          <a:solidFill>
+            <a:schemeClr val="bg1"/>
+          </a:solidFill>
+          <a:ln>
+            <a:solidFill>
+              <a:schemeClr val="bg1"/>
+            </a:solidFill>
+          </a:ln>
+        </p:spPr>
+        <p:style>
+          <a:lnRef idx="2">
+            <a:schemeClr val="accent1">
+              <a:shade val="15000"/>
+            </a:schemeClr>
+          </a:lnRef>
+          <a:fillRef idx="1">
+            <a:schemeClr val="accent1"/>
+          </a:fillRef>
+          <a:effectRef idx="0">
+            <a:schemeClr val="accent1"/>
+          </a:effectRef>
+          <a:fontRef idx="minor">
+            <a:schemeClr val="lt1"/>
+          </a:fontRef>
+        </p:style>
+        <p:txBody>
+          <a:bodyPr rtlCol="0" anchor="ctr"/>
+          <a:lstStyle/>
+          <a:p>
+            <a:pPr algn="ctr"/>
+            <a:endParaRPr lang="de-DE"/>
+          </a:p>
+        </p:txBody>
+      </p:sp>
     </p:spTree>
     <p:extLst>
       <p:ext uri="{BB962C8B-B14F-4D97-AF65-F5344CB8AC3E}">
-        <p14:creationId xmlns:p14="http://schemas.microsoft.com/office/powerpoint/2010/main" val="591343553"/>
+        <p14:creationId xmlns:p14="http://schemas.microsoft.com/office/powerpoint/2010/main" val="796309101"/>
       </p:ext>
     </p:extLst>
   </p:cSld>
@@ -5260,6 +5350,4214 @@
       </p:transition>
     </mc:Choice>
     <mc:Fallback xmlns="">
+      <p:transition spd="med">
+        <p:fade/>
+      </p:transition>
+    </mc:Fallback>
+  </mc:AlternateContent>
+</p:sld>
+</file>
+
+<file path=ppt/slides/slide11.xml><?xml version="1.0" encoding="utf-8"?>
+<p:sld xmlns:a="http://schemas.openxmlformats.org/drawingml/2006/main" xmlns:r="http://schemas.openxmlformats.org/officeDocument/2006/relationships" xmlns:p="http://schemas.openxmlformats.org/presentationml/2006/main">
+  <p:cSld>
+    <p:bg>
+      <p:bgPr>
+        <a:solidFill>
+          <a:schemeClr val="bg1"/>
+        </a:solidFill>
+        <a:effectLst/>
+      </p:bgPr>
+    </p:bg>
+    <p:spTree>
+      <p:nvGrpSpPr>
+        <p:cNvPr id="1" name=""/>
+        <p:cNvGrpSpPr/>
+        <p:nvPr/>
+      </p:nvGrpSpPr>
+      <p:grpSpPr>
+        <a:xfrm>
+          <a:off x="0" y="0"/>
+          <a:ext cx="0" cy="0"/>
+          <a:chOff x="0" y="0"/>
+          <a:chExt cx="0" cy="0"/>
+        </a:xfrm>
+      </p:grpSpPr>
+      <p:sp>
+        <p:nvSpPr>
+          <p:cNvPr id="23" name="Rectangle 22">
+            <a:extLst>
+              <a:ext uri="{FF2B5EF4-FFF2-40B4-BE49-F238E27FC236}">
+                <a16:creationId xmlns:a16="http://schemas.microsoft.com/office/drawing/2014/main" id="{1A9F7B4E-B03D-4F64-BE33-00D074458D45}"/>
+              </a:ext>
+              <a:ext uri="{C183D7F6-B498-43B3-948B-1728B52AA6E4}">
+                <adec:decorative xmlns:adec="http://schemas.microsoft.com/office/drawing/2017/decorative" val="1"/>
+              </a:ext>
+            </a:extLst>
+          </p:cNvPr>
+          <p:cNvSpPr>
+            <a:spLocks noGrp="1" noRot="1" noChangeAspect="1" noMove="1" noResize="1" noEditPoints="1" noAdjustHandles="1" noChangeArrowheads="1" noChangeShapeType="1" noTextEdit="1"/>
+          </p:cNvSpPr>
+          <p:nvPr>
+            <p:extLst>
+              <p:ext uri="{386F3935-93C4-4BCD-93E2-E3B085C9AB24}">
+                <p16:designElem xmlns:p16="http://schemas.microsoft.com/office/powerpoint/2015/main" val="1"/>
+              </p:ext>
+            </p:extLst>
+          </p:nvPr>
+        </p:nvSpPr>
+        <p:spPr>
+          <a:xfrm>
+            <a:off x="0" y="0"/>
+            <a:ext cx="12188952" cy="6858000"/>
+          </a:xfrm>
+          <a:prstGeom prst="rect">
+            <a:avLst/>
+          </a:prstGeom>
+          <a:solidFill>
+            <a:schemeClr val="tx1"/>
+          </a:solidFill>
+          <a:ln>
+            <a:noFill/>
+          </a:ln>
+        </p:spPr>
+        <p:style>
+          <a:lnRef idx="2">
+            <a:schemeClr val="accent1">
+              <a:shade val="50000"/>
+            </a:schemeClr>
+          </a:lnRef>
+          <a:fillRef idx="1">
+            <a:schemeClr val="accent1"/>
+          </a:fillRef>
+          <a:effectRef idx="0">
+            <a:schemeClr val="accent1"/>
+          </a:effectRef>
+          <a:fontRef idx="minor">
+            <a:schemeClr val="lt1"/>
+          </a:fontRef>
+        </p:style>
+        <p:txBody>
+          <a:bodyPr rtlCol="0" anchor="ctr"/>
+          <a:lstStyle/>
+          <a:p>
+            <a:pPr algn="ctr"/>
+            <a:endParaRPr lang="en-US"/>
+          </a:p>
+        </p:txBody>
+      </p:sp>
+      <p:pic>
+        <p:nvPicPr>
+          <p:cNvPr id="18" name="Picture 17" descr="A blue and green lines on a black background&#10;&#10;Description automatically generated">
+            <a:extLst>
+              <a:ext uri="{FF2B5EF4-FFF2-40B4-BE49-F238E27FC236}">
+                <a16:creationId xmlns:a16="http://schemas.microsoft.com/office/drawing/2014/main" id="{9E2CA162-4ACE-88C3-D272-088E41436A49}"/>
+              </a:ext>
+            </a:extLst>
+          </p:cNvPr>
+          <p:cNvPicPr>
+            <a:picLocks noChangeAspect="1"/>
+          </p:cNvPicPr>
+          <p:nvPr/>
+        </p:nvPicPr>
+        <p:blipFill rotWithShape="1">
+          <a:blip r:embed="rId2">
+            <a:alphaModFix amt="40000"/>
+          </a:blip>
+          <a:srcRect t="13655" b="6840"/>
+          <a:stretch/>
+        </p:blipFill>
+        <p:spPr>
+          <a:xfrm>
+            <a:off x="20" y="10"/>
+            <a:ext cx="12191979" cy="6857990"/>
+          </a:xfrm>
+          <a:prstGeom prst="rect">
+            <a:avLst/>
+          </a:prstGeom>
+        </p:spPr>
+      </p:pic>
+      <p:sp>
+        <p:nvSpPr>
+          <p:cNvPr id="2" name="Title 1">
+            <a:extLst>
+              <a:ext uri="{FF2B5EF4-FFF2-40B4-BE49-F238E27FC236}">
+                <a16:creationId xmlns:a16="http://schemas.microsoft.com/office/drawing/2014/main" id="{61CE0095-EFE9-6204-1ACC-4BEB3E59878B}"/>
+              </a:ext>
+            </a:extLst>
+          </p:cNvPr>
+          <p:cNvSpPr>
+            <a:spLocks noGrp="1"/>
+          </p:cNvSpPr>
+          <p:nvPr>
+            <p:ph type="title"/>
+          </p:nvPr>
+        </p:nvSpPr>
+        <p:spPr>
+          <a:xfrm>
+            <a:off x="838200" y="365125"/>
+            <a:ext cx="10515600" cy="1325563"/>
+          </a:xfrm>
+        </p:spPr>
+        <p:txBody>
+          <a:bodyPr vert="horz" lIns="91440" tIns="45720" rIns="91440" bIns="45720" rtlCol="0">
+            <a:normAutofit/>
+          </a:bodyPr>
+          <a:lstStyle/>
+          <a:p>
+            <a:r>
+              <a:rPr lang="en-US" sz="5400" dirty="0">
+                <a:solidFill>
+                  <a:schemeClr val="bg1"/>
+                </a:solidFill>
+              </a:rPr>
+              <a:t>Screenshots</a:t>
+            </a:r>
+          </a:p>
+        </p:txBody>
+      </p:sp>
+      <p:sp>
+        <p:nvSpPr>
+          <p:cNvPr id="25" name="sketchy line">
+            <a:extLst>
+              <a:ext uri="{FF2B5EF4-FFF2-40B4-BE49-F238E27FC236}">
+                <a16:creationId xmlns:a16="http://schemas.microsoft.com/office/drawing/2014/main" id="{7E2BE7F7-CA89-4002-ACCE-A478AEA24F5E}"/>
+              </a:ext>
+              <a:ext uri="{C183D7F6-B498-43B3-948B-1728B52AA6E4}">
+                <adec:decorative xmlns:adec="http://schemas.microsoft.com/office/drawing/2017/decorative" val="1"/>
+              </a:ext>
+            </a:extLst>
+          </p:cNvPr>
+          <p:cNvSpPr>
+            <a:spLocks noGrp="1" noRot="1" noChangeAspect="1" noMove="1" noResize="1" noEditPoints="1" noAdjustHandles="1" noChangeArrowheads="1" noChangeShapeType="1" noTextEdit="1"/>
+          </p:cNvSpPr>
+          <p:nvPr>
+            <p:extLst>
+              <p:ext uri="{386F3935-93C4-4BCD-93E2-E3B085C9AB24}">
+                <p16:designElem xmlns:p16="http://schemas.microsoft.com/office/powerpoint/2015/main" val="1"/>
+              </p:ext>
+            </p:extLst>
+          </p:nvPr>
+        </p:nvSpPr>
+        <p:spPr>
+          <a:xfrm>
+            <a:off x="914399" y="1681544"/>
+            <a:ext cx="9692640" cy="18288"/>
+          </a:xfrm>
+          <a:custGeom>
+            <a:avLst/>
+            <a:gdLst>
+              <a:gd name="connsiteX0" fmla="*/ 0 w 9692640"/>
+              <a:gd name="connsiteY0" fmla="*/ 0 h 18288"/>
+              <a:gd name="connsiteX1" fmla="*/ 401552 w 9692640"/>
+              <a:gd name="connsiteY1" fmla="*/ 0 h 18288"/>
+              <a:gd name="connsiteX2" fmla="*/ 996957 w 9692640"/>
+              <a:gd name="connsiteY2" fmla="*/ 0 h 18288"/>
+              <a:gd name="connsiteX3" fmla="*/ 1398509 w 9692640"/>
+              <a:gd name="connsiteY3" fmla="*/ 0 h 18288"/>
+              <a:gd name="connsiteX4" fmla="*/ 2090841 w 9692640"/>
+              <a:gd name="connsiteY4" fmla="*/ 0 h 18288"/>
+              <a:gd name="connsiteX5" fmla="*/ 2686246 w 9692640"/>
+              <a:gd name="connsiteY5" fmla="*/ 0 h 18288"/>
+              <a:gd name="connsiteX6" fmla="*/ 3475504 w 9692640"/>
+              <a:gd name="connsiteY6" fmla="*/ 0 h 18288"/>
+              <a:gd name="connsiteX7" fmla="*/ 4361688 w 9692640"/>
+              <a:gd name="connsiteY7" fmla="*/ 0 h 18288"/>
+              <a:gd name="connsiteX8" fmla="*/ 5054019 w 9692640"/>
+              <a:gd name="connsiteY8" fmla="*/ 0 h 18288"/>
+              <a:gd name="connsiteX9" fmla="*/ 5940204 w 9692640"/>
+              <a:gd name="connsiteY9" fmla="*/ 0 h 18288"/>
+              <a:gd name="connsiteX10" fmla="*/ 6632535 w 9692640"/>
+              <a:gd name="connsiteY10" fmla="*/ 0 h 18288"/>
+              <a:gd name="connsiteX11" fmla="*/ 7034087 w 9692640"/>
+              <a:gd name="connsiteY11" fmla="*/ 0 h 18288"/>
+              <a:gd name="connsiteX12" fmla="*/ 7532566 w 9692640"/>
+              <a:gd name="connsiteY12" fmla="*/ 0 h 18288"/>
+              <a:gd name="connsiteX13" fmla="*/ 8418750 w 9692640"/>
+              <a:gd name="connsiteY13" fmla="*/ 0 h 18288"/>
+              <a:gd name="connsiteX14" fmla="*/ 9692640 w 9692640"/>
+              <a:gd name="connsiteY14" fmla="*/ 0 h 18288"/>
+              <a:gd name="connsiteX15" fmla="*/ 9692640 w 9692640"/>
+              <a:gd name="connsiteY15" fmla="*/ 18288 h 18288"/>
+              <a:gd name="connsiteX16" fmla="*/ 9000309 w 9692640"/>
+              <a:gd name="connsiteY16" fmla="*/ 18288 h 18288"/>
+              <a:gd name="connsiteX17" fmla="*/ 8307977 w 9692640"/>
+              <a:gd name="connsiteY17" fmla="*/ 18288 h 18288"/>
+              <a:gd name="connsiteX18" fmla="*/ 7712572 w 9692640"/>
+              <a:gd name="connsiteY18" fmla="*/ 18288 h 18288"/>
+              <a:gd name="connsiteX19" fmla="*/ 7214093 w 9692640"/>
+              <a:gd name="connsiteY19" fmla="*/ 18288 h 18288"/>
+              <a:gd name="connsiteX20" fmla="*/ 6327909 w 9692640"/>
+              <a:gd name="connsiteY20" fmla="*/ 18288 h 18288"/>
+              <a:gd name="connsiteX21" fmla="*/ 5635578 w 9692640"/>
+              <a:gd name="connsiteY21" fmla="*/ 18288 h 18288"/>
+              <a:gd name="connsiteX22" fmla="*/ 4846320 w 9692640"/>
+              <a:gd name="connsiteY22" fmla="*/ 18288 h 18288"/>
+              <a:gd name="connsiteX23" fmla="*/ 4444768 w 9692640"/>
+              <a:gd name="connsiteY23" fmla="*/ 18288 h 18288"/>
+              <a:gd name="connsiteX24" fmla="*/ 3946289 w 9692640"/>
+              <a:gd name="connsiteY24" fmla="*/ 18288 h 18288"/>
+              <a:gd name="connsiteX25" fmla="*/ 3253958 w 9692640"/>
+              <a:gd name="connsiteY25" fmla="*/ 18288 h 18288"/>
+              <a:gd name="connsiteX26" fmla="*/ 2464700 w 9692640"/>
+              <a:gd name="connsiteY26" fmla="*/ 18288 h 18288"/>
+              <a:gd name="connsiteX27" fmla="*/ 2063148 w 9692640"/>
+              <a:gd name="connsiteY27" fmla="*/ 18288 h 18288"/>
+              <a:gd name="connsiteX28" fmla="*/ 1661595 w 9692640"/>
+              <a:gd name="connsiteY28" fmla="*/ 18288 h 18288"/>
+              <a:gd name="connsiteX29" fmla="*/ 969264 w 9692640"/>
+              <a:gd name="connsiteY29" fmla="*/ 18288 h 18288"/>
+              <a:gd name="connsiteX30" fmla="*/ 0 w 9692640"/>
+              <a:gd name="connsiteY30" fmla="*/ 18288 h 18288"/>
+              <a:gd name="connsiteX31" fmla="*/ 0 w 9692640"/>
+              <a:gd name="connsiteY31" fmla="*/ 0 h 18288"/>
+            </a:gdLst>
+            <a:ahLst/>
+            <a:cxnLst>
+              <a:cxn ang="0">
+                <a:pos x="connsiteX0" y="connsiteY0"/>
+              </a:cxn>
+              <a:cxn ang="0">
+                <a:pos x="connsiteX1" y="connsiteY1"/>
+              </a:cxn>
+              <a:cxn ang="0">
+                <a:pos x="connsiteX2" y="connsiteY2"/>
+              </a:cxn>
+              <a:cxn ang="0">
+                <a:pos x="connsiteX3" y="connsiteY3"/>
+              </a:cxn>
+              <a:cxn ang="0">
+                <a:pos x="connsiteX4" y="connsiteY4"/>
+              </a:cxn>
+              <a:cxn ang="0">
+                <a:pos x="connsiteX5" y="connsiteY5"/>
+              </a:cxn>
+              <a:cxn ang="0">
+                <a:pos x="connsiteX6" y="connsiteY6"/>
+              </a:cxn>
+              <a:cxn ang="0">
+                <a:pos x="connsiteX7" y="connsiteY7"/>
+              </a:cxn>
+              <a:cxn ang="0">
+                <a:pos x="connsiteX8" y="connsiteY8"/>
+              </a:cxn>
+              <a:cxn ang="0">
+                <a:pos x="connsiteX9" y="connsiteY9"/>
+              </a:cxn>
+              <a:cxn ang="0">
+                <a:pos x="connsiteX10" y="connsiteY10"/>
+              </a:cxn>
+              <a:cxn ang="0">
+                <a:pos x="connsiteX11" y="connsiteY11"/>
+              </a:cxn>
+              <a:cxn ang="0">
+                <a:pos x="connsiteX12" y="connsiteY12"/>
+              </a:cxn>
+              <a:cxn ang="0">
+                <a:pos x="connsiteX13" y="connsiteY13"/>
+              </a:cxn>
+              <a:cxn ang="0">
+                <a:pos x="connsiteX14" y="connsiteY14"/>
+              </a:cxn>
+              <a:cxn ang="0">
+                <a:pos x="connsiteX15" y="connsiteY15"/>
+              </a:cxn>
+              <a:cxn ang="0">
+                <a:pos x="connsiteX16" y="connsiteY16"/>
+              </a:cxn>
+              <a:cxn ang="0">
+                <a:pos x="connsiteX17" y="connsiteY17"/>
+              </a:cxn>
+              <a:cxn ang="0">
+                <a:pos x="connsiteX18" y="connsiteY18"/>
+              </a:cxn>
+              <a:cxn ang="0">
+                <a:pos x="connsiteX19" y="connsiteY19"/>
+              </a:cxn>
+              <a:cxn ang="0">
+                <a:pos x="connsiteX20" y="connsiteY20"/>
+              </a:cxn>
+              <a:cxn ang="0">
+                <a:pos x="connsiteX21" y="connsiteY21"/>
+              </a:cxn>
+              <a:cxn ang="0">
+                <a:pos x="connsiteX22" y="connsiteY22"/>
+              </a:cxn>
+              <a:cxn ang="0">
+                <a:pos x="connsiteX23" y="connsiteY23"/>
+              </a:cxn>
+              <a:cxn ang="0">
+                <a:pos x="connsiteX24" y="connsiteY24"/>
+              </a:cxn>
+              <a:cxn ang="0">
+                <a:pos x="connsiteX25" y="connsiteY25"/>
+              </a:cxn>
+              <a:cxn ang="0">
+                <a:pos x="connsiteX26" y="connsiteY26"/>
+              </a:cxn>
+              <a:cxn ang="0">
+                <a:pos x="connsiteX27" y="connsiteY27"/>
+              </a:cxn>
+              <a:cxn ang="0">
+                <a:pos x="connsiteX28" y="connsiteY28"/>
+              </a:cxn>
+              <a:cxn ang="0">
+                <a:pos x="connsiteX29" y="connsiteY29"/>
+              </a:cxn>
+              <a:cxn ang="0">
+                <a:pos x="connsiteX30" y="connsiteY30"/>
+              </a:cxn>
+              <a:cxn ang="0">
+                <a:pos x="connsiteX31" y="connsiteY31"/>
+              </a:cxn>
+            </a:cxnLst>
+            <a:rect l="l" t="t" r="r" b="b"/>
+            <a:pathLst>
+              <a:path w="9692640" h="18288" fill="none" extrusionOk="0">
+                <a:moveTo>
+                  <a:pt x="0" y="0"/>
+                </a:moveTo>
+                <a:cubicBezTo>
+                  <a:pt x="142992" y="4732"/>
+                  <a:pt x="265909" y="-3365"/>
+                  <a:pt x="401552" y="0"/>
+                </a:cubicBezTo>
+                <a:cubicBezTo>
+                  <a:pt x="537195" y="3365"/>
+                  <a:pt x="738153" y="6482"/>
+                  <a:pt x="996957" y="0"/>
+                </a:cubicBezTo>
+                <a:cubicBezTo>
+                  <a:pt x="1255762" y="-6482"/>
+                  <a:pt x="1280511" y="12509"/>
+                  <a:pt x="1398509" y="0"/>
+                </a:cubicBezTo>
+                <a:cubicBezTo>
+                  <a:pt x="1516507" y="-12509"/>
+                  <a:pt x="1782573" y="-31523"/>
+                  <a:pt x="2090841" y="0"/>
+                </a:cubicBezTo>
+                <a:cubicBezTo>
+                  <a:pt x="2399109" y="31523"/>
+                  <a:pt x="2488380" y="26286"/>
+                  <a:pt x="2686246" y="0"/>
+                </a:cubicBezTo>
+                <a:cubicBezTo>
+                  <a:pt x="2884112" y="-26286"/>
+                  <a:pt x="3186024" y="-14734"/>
+                  <a:pt x="3475504" y="0"/>
+                </a:cubicBezTo>
+                <a:cubicBezTo>
+                  <a:pt x="3764984" y="14734"/>
+                  <a:pt x="4053017" y="43292"/>
+                  <a:pt x="4361688" y="0"/>
+                </a:cubicBezTo>
+                <a:cubicBezTo>
+                  <a:pt x="4670359" y="-43292"/>
+                  <a:pt x="4736164" y="-729"/>
+                  <a:pt x="5054019" y="0"/>
+                </a:cubicBezTo>
+                <a:cubicBezTo>
+                  <a:pt x="5371874" y="729"/>
+                  <a:pt x="5543528" y="-22963"/>
+                  <a:pt x="5940204" y="0"/>
+                </a:cubicBezTo>
+                <a:cubicBezTo>
+                  <a:pt x="6336881" y="22963"/>
+                  <a:pt x="6423838" y="6469"/>
+                  <a:pt x="6632535" y="0"/>
+                </a:cubicBezTo>
+                <a:cubicBezTo>
+                  <a:pt x="6841232" y="-6469"/>
+                  <a:pt x="6852819" y="17036"/>
+                  <a:pt x="7034087" y="0"/>
+                </a:cubicBezTo>
+                <a:cubicBezTo>
+                  <a:pt x="7215355" y="-17036"/>
+                  <a:pt x="7313136" y="11151"/>
+                  <a:pt x="7532566" y="0"/>
+                </a:cubicBezTo>
+                <a:cubicBezTo>
+                  <a:pt x="7751996" y="-11151"/>
+                  <a:pt x="8015001" y="25614"/>
+                  <a:pt x="8418750" y="0"/>
+                </a:cubicBezTo>
+                <a:cubicBezTo>
+                  <a:pt x="8822499" y="-25614"/>
+                  <a:pt x="9163239" y="48603"/>
+                  <a:pt x="9692640" y="0"/>
+                </a:cubicBezTo>
+                <a:cubicBezTo>
+                  <a:pt x="9691955" y="4437"/>
+                  <a:pt x="9693170" y="10717"/>
+                  <a:pt x="9692640" y="18288"/>
+                </a:cubicBezTo>
+                <a:cubicBezTo>
+                  <a:pt x="9545125" y="42172"/>
+                  <a:pt x="9164259" y="6706"/>
+                  <a:pt x="9000309" y="18288"/>
+                </a:cubicBezTo>
+                <a:cubicBezTo>
+                  <a:pt x="8836359" y="29870"/>
+                  <a:pt x="8521035" y="-14108"/>
+                  <a:pt x="8307977" y="18288"/>
+                </a:cubicBezTo>
+                <a:cubicBezTo>
+                  <a:pt x="8094919" y="50684"/>
+                  <a:pt x="7881757" y="11235"/>
+                  <a:pt x="7712572" y="18288"/>
+                </a:cubicBezTo>
+                <a:cubicBezTo>
+                  <a:pt x="7543387" y="25341"/>
+                  <a:pt x="7358861" y="20625"/>
+                  <a:pt x="7214093" y="18288"/>
+                </a:cubicBezTo>
+                <a:cubicBezTo>
+                  <a:pt x="7069325" y="15951"/>
+                  <a:pt x="6523705" y="52160"/>
+                  <a:pt x="6327909" y="18288"/>
+                </a:cubicBezTo>
+                <a:cubicBezTo>
+                  <a:pt x="6132113" y="-15584"/>
+                  <a:pt x="5923847" y="21204"/>
+                  <a:pt x="5635578" y="18288"/>
+                </a:cubicBezTo>
+                <a:cubicBezTo>
+                  <a:pt x="5347309" y="15372"/>
+                  <a:pt x="5114749" y="50642"/>
+                  <a:pt x="4846320" y="18288"/>
+                </a:cubicBezTo>
+                <a:cubicBezTo>
+                  <a:pt x="4577891" y="-14066"/>
+                  <a:pt x="4576701" y="1487"/>
+                  <a:pt x="4444768" y="18288"/>
+                </a:cubicBezTo>
+                <a:cubicBezTo>
+                  <a:pt x="4312835" y="35089"/>
+                  <a:pt x="4112575" y="15158"/>
+                  <a:pt x="3946289" y="18288"/>
+                </a:cubicBezTo>
+                <a:cubicBezTo>
+                  <a:pt x="3780003" y="21418"/>
+                  <a:pt x="3396009" y="18797"/>
+                  <a:pt x="3253958" y="18288"/>
+                </a:cubicBezTo>
+                <a:cubicBezTo>
+                  <a:pt x="3111907" y="17779"/>
+                  <a:pt x="2760272" y="57223"/>
+                  <a:pt x="2464700" y="18288"/>
+                </a:cubicBezTo>
+                <a:cubicBezTo>
+                  <a:pt x="2169128" y="-20647"/>
+                  <a:pt x="2232262" y="7960"/>
+                  <a:pt x="2063148" y="18288"/>
+                </a:cubicBezTo>
+                <a:cubicBezTo>
+                  <a:pt x="1894034" y="28616"/>
+                  <a:pt x="1799338" y="3019"/>
+                  <a:pt x="1661595" y="18288"/>
+                </a:cubicBezTo>
+                <a:cubicBezTo>
+                  <a:pt x="1523852" y="33557"/>
+                  <a:pt x="1113928" y="-4352"/>
+                  <a:pt x="969264" y="18288"/>
+                </a:cubicBezTo>
+                <a:cubicBezTo>
+                  <a:pt x="824600" y="40928"/>
+                  <a:pt x="356149" y="-3128"/>
+                  <a:pt x="0" y="18288"/>
+                </a:cubicBezTo>
+                <a:cubicBezTo>
+                  <a:pt x="-540" y="12521"/>
+                  <a:pt x="894" y="7749"/>
+                  <a:pt x="0" y="0"/>
+                </a:cubicBezTo>
+                <a:close/>
+              </a:path>
+              <a:path w="9692640" h="18288" stroke="0" extrusionOk="0">
+                <a:moveTo>
+                  <a:pt x="0" y="0"/>
+                </a:moveTo>
+                <a:cubicBezTo>
+                  <a:pt x="162642" y="3864"/>
+                  <a:pt x="346119" y="-18364"/>
+                  <a:pt x="498479" y="0"/>
+                </a:cubicBezTo>
+                <a:cubicBezTo>
+                  <a:pt x="650839" y="18364"/>
+                  <a:pt x="712065" y="-9389"/>
+                  <a:pt x="900031" y="0"/>
+                </a:cubicBezTo>
+                <a:cubicBezTo>
+                  <a:pt x="1087997" y="9389"/>
+                  <a:pt x="1177291" y="3685"/>
+                  <a:pt x="1398509" y="0"/>
+                </a:cubicBezTo>
+                <a:cubicBezTo>
+                  <a:pt x="1619727" y="-3685"/>
+                  <a:pt x="1874008" y="-8897"/>
+                  <a:pt x="2090841" y="0"/>
+                </a:cubicBezTo>
+                <a:cubicBezTo>
+                  <a:pt x="2307674" y="8897"/>
+                  <a:pt x="2573432" y="-313"/>
+                  <a:pt x="2880099" y="0"/>
+                </a:cubicBezTo>
+                <a:cubicBezTo>
+                  <a:pt x="3186766" y="313"/>
+                  <a:pt x="3422577" y="10664"/>
+                  <a:pt x="3766283" y="0"/>
+                </a:cubicBezTo>
+                <a:cubicBezTo>
+                  <a:pt x="4109989" y="-10664"/>
+                  <a:pt x="4342683" y="-32873"/>
+                  <a:pt x="4652467" y="0"/>
+                </a:cubicBezTo>
+                <a:cubicBezTo>
+                  <a:pt x="4962251" y="32873"/>
+                  <a:pt x="5122120" y="29155"/>
+                  <a:pt x="5247872" y="0"/>
+                </a:cubicBezTo>
+                <a:cubicBezTo>
+                  <a:pt x="5373625" y="-29155"/>
+                  <a:pt x="5749491" y="1706"/>
+                  <a:pt x="6037130" y="0"/>
+                </a:cubicBezTo>
+                <a:cubicBezTo>
+                  <a:pt x="6324769" y="-1706"/>
+                  <a:pt x="6531407" y="1172"/>
+                  <a:pt x="6729461" y="0"/>
+                </a:cubicBezTo>
+                <a:cubicBezTo>
+                  <a:pt x="6927515" y="-1172"/>
+                  <a:pt x="7096794" y="-1520"/>
+                  <a:pt x="7324867" y="0"/>
+                </a:cubicBezTo>
+                <a:cubicBezTo>
+                  <a:pt x="7552940" y="1520"/>
+                  <a:pt x="7878827" y="-17110"/>
+                  <a:pt x="8114124" y="0"/>
+                </a:cubicBezTo>
+                <a:cubicBezTo>
+                  <a:pt x="8349421" y="17110"/>
+                  <a:pt x="8334208" y="15114"/>
+                  <a:pt x="8515677" y="0"/>
+                </a:cubicBezTo>
+                <a:cubicBezTo>
+                  <a:pt x="8697146" y="-15114"/>
+                  <a:pt x="9236164" y="22466"/>
+                  <a:pt x="9692640" y="0"/>
+                </a:cubicBezTo>
+                <a:cubicBezTo>
+                  <a:pt x="9692735" y="8251"/>
+                  <a:pt x="9692514" y="12333"/>
+                  <a:pt x="9692640" y="18288"/>
+                </a:cubicBezTo>
+                <a:cubicBezTo>
+                  <a:pt x="9410102" y="47398"/>
+                  <a:pt x="9172773" y="7109"/>
+                  <a:pt x="9000309" y="18288"/>
+                </a:cubicBezTo>
+                <a:cubicBezTo>
+                  <a:pt x="8827845" y="29467"/>
+                  <a:pt x="8713608" y="28372"/>
+                  <a:pt x="8501830" y="18288"/>
+                </a:cubicBezTo>
+                <a:cubicBezTo>
+                  <a:pt x="8290052" y="8204"/>
+                  <a:pt x="7893416" y="3561"/>
+                  <a:pt x="7712572" y="18288"/>
+                </a:cubicBezTo>
+                <a:cubicBezTo>
+                  <a:pt x="7531728" y="33015"/>
+                  <a:pt x="7480716" y="17052"/>
+                  <a:pt x="7311020" y="18288"/>
+                </a:cubicBezTo>
+                <a:cubicBezTo>
+                  <a:pt x="7141324" y="19524"/>
+                  <a:pt x="6962706" y="15975"/>
+                  <a:pt x="6618688" y="18288"/>
+                </a:cubicBezTo>
+                <a:cubicBezTo>
+                  <a:pt x="6274670" y="20601"/>
+                  <a:pt x="6230664" y="-1692"/>
+                  <a:pt x="6120210" y="18288"/>
+                </a:cubicBezTo>
+                <a:cubicBezTo>
+                  <a:pt x="6009756" y="38268"/>
+                  <a:pt x="5442516" y="28115"/>
+                  <a:pt x="5234026" y="18288"/>
+                </a:cubicBezTo>
+                <a:cubicBezTo>
+                  <a:pt x="5025536" y="8461"/>
+                  <a:pt x="4953693" y="18182"/>
+                  <a:pt x="4832473" y="18288"/>
+                </a:cubicBezTo>
+                <a:cubicBezTo>
+                  <a:pt x="4711253" y="18394"/>
+                  <a:pt x="4414565" y="-11251"/>
+                  <a:pt x="4140142" y="18288"/>
+                </a:cubicBezTo>
+                <a:cubicBezTo>
+                  <a:pt x="3865719" y="47827"/>
+                  <a:pt x="3819081" y="16772"/>
+                  <a:pt x="3738590" y="18288"/>
+                </a:cubicBezTo>
+                <a:cubicBezTo>
+                  <a:pt x="3658099" y="19804"/>
+                  <a:pt x="3427576" y="1385"/>
+                  <a:pt x="3240111" y="18288"/>
+                </a:cubicBezTo>
+                <a:cubicBezTo>
+                  <a:pt x="3052646" y="35191"/>
+                  <a:pt x="2749652" y="-13914"/>
+                  <a:pt x="2450853" y="18288"/>
+                </a:cubicBezTo>
+                <a:cubicBezTo>
+                  <a:pt x="2152054" y="50490"/>
+                  <a:pt x="1928331" y="61101"/>
+                  <a:pt x="1564669" y="18288"/>
+                </a:cubicBezTo>
+                <a:cubicBezTo>
+                  <a:pt x="1201007" y="-24525"/>
+                  <a:pt x="1217828" y="-275"/>
+                  <a:pt x="1066190" y="18288"/>
+                </a:cubicBezTo>
+                <a:cubicBezTo>
+                  <a:pt x="914552" y="36851"/>
+                  <a:pt x="418290" y="-14785"/>
+                  <a:pt x="0" y="18288"/>
+                </a:cubicBezTo>
+                <a:cubicBezTo>
+                  <a:pt x="641" y="14236"/>
+                  <a:pt x="889" y="7550"/>
+                  <a:pt x="0" y="0"/>
+                </a:cubicBezTo>
+                <a:close/>
+              </a:path>
+            </a:pathLst>
+          </a:custGeom>
+          <a:solidFill>
+            <a:srgbClr val="FFFFFF">
+              <a:alpha val="75000"/>
+            </a:srgbClr>
+          </a:solidFill>
+          <a:ln w="44450" cap="rnd">
+            <a:solidFill>
+              <a:schemeClr val="bg1">
+                <a:alpha val="75000"/>
+              </a:schemeClr>
+            </a:solidFill>
+            <a:round/>
+            <a:extLst>
+              <a:ext uri="{C807C97D-BFC1-408E-A445-0C87EB9F89A2}">
+                <ask:lineSketchStyleProps xmlns:ask="http://schemas.microsoft.com/office/drawing/2018/sketchyshapes" sd="2727557108">
+                  <a:prstGeom prst="rect">
+                    <a:avLst/>
+                  </a:prstGeom>
+                  <ask:type>
+                    <ask:lineSketchFreehand/>
+                  </ask:type>
+                </ask:lineSketchStyleProps>
+              </a:ext>
+            </a:extLst>
+          </a:ln>
+        </p:spPr>
+        <p:style>
+          <a:lnRef idx="2">
+            <a:schemeClr val="accent1">
+              <a:shade val="50000"/>
+            </a:schemeClr>
+          </a:lnRef>
+          <a:fillRef idx="1">
+            <a:schemeClr val="accent1"/>
+          </a:fillRef>
+          <a:effectRef idx="0">
+            <a:schemeClr val="accent1"/>
+          </a:effectRef>
+          <a:fontRef idx="minor">
+            <a:schemeClr val="lt1"/>
+          </a:fontRef>
+        </p:style>
+        <p:txBody>
+          <a:bodyPr rtlCol="0" anchor="ctr"/>
+          <a:lstStyle/>
+          <a:p>
+            <a:pPr algn="ctr"/>
+            <a:endParaRPr lang="en-US"/>
+          </a:p>
+        </p:txBody>
+      </p:sp>
+      <p:pic>
+        <p:nvPicPr>
+          <p:cNvPr id="7" name="Content Placeholder 6" descr="A screenshot of a computer&#10;&#10;Description automatically generated">
+            <a:extLst>
+              <a:ext uri="{FF2B5EF4-FFF2-40B4-BE49-F238E27FC236}">
+                <a16:creationId xmlns:a16="http://schemas.microsoft.com/office/drawing/2014/main" id="{62173EBA-DCD2-8FE9-AFB0-751CA8DB079C}"/>
+              </a:ext>
+            </a:extLst>
+          </p:cNvPr>
+          <p:cNvPicPr>
+            <a:picLocks noGrp="1" noChangeAspect="1"/>
+          </p:cNvPicPr>
+          <p:nvPr>
+            <p:ph idx="1"/>
+          </p:nvPr>
+        </p:nvPicPr>
+        <p:blipFill>
+          <a:blip r:embed="rId3">
+            <a:extLst>
+              <a:ext uri="{28A0092B-C50C-407E-A947-70E740481C1C}">
+                <a14:useLocalDpi xmlns:a14="http://schemas.microsoft.com/office/drawing/2010/main" val="0"/>
+              </a:ext>
+            </a:extLst>
+          </a:blip>
+          <a:stretch>
+            <a:fillRect/>
+          </a:stretch>
+        </p:blipFill>
+        <p:spPr>
+          <a:xfrm>
+            <a:off x="1049786" y="1995302"/>
+            <a:ext cx="7203872" cy="4306184"/>
+          </a:xfrm>
+        </p:spPr>
+      </p:pic>
+      <p:sp>
+        <p:nvSpPr>
+          <p:cNvPr id="4" name="TextBox 3">
+            <a:extLst>
+              <a:ext uri="{FF2B5EF4-FFF2-40B4-BE49-F238E27FC236}">
+                <a16:creationId xmlns:a16="http://schemas.microsoft.com/office/drawing/2014/main" id="{D6E95770-3874-517C-5F5D-04D0356C2060}"/>
+              </a:ext>
+            </a:extLst>
+          </p:cNvPr>
+          <p:cNvSpPr txBox="1"/>
+          <p:nvPr/>
+        </p:nvSpPr>
+        <p:spPr>
+          <a:xfrm>
+            <a:off x="9664930" y="1995302"/>
+            <a:ext cx="2472297" cy="3416320"/>
+          </a:xfrm>
+          <a:prstGeom prst="rect">
+            <a:avLst/>
+          </a:prstGeom>
+          <a:noFill/>
+        </p:spPr>
+        <p:txBody>
+          <a:bodyPr wrap="square" rtlCol="0">
+            <a:spAutoFit/>
+          </a:bodyPr>
+          <a:lstStyle/>
+          <a:p>
+            <a:pPr marL="285750" indent="-285750">
+              <a:buFont typeface="Arial" panose="020B0604020202020204" pitchFamily="34" charset="0"/>
+              <a:buChar char="•"/>
+            </a:pPr>
+            <a:endParaRPr lang="de-DE" dirty="0">
+              <a:solidFill>
+                <a:schemeClr val="bg1"/>
+              </a:solidFill>
+            </a:endParaRPr>
+          </a:p>
+          <a:p>
+            <a:pPr marL="285750" indent="-285750">
+              <a:buFont typeface="Arial" panose="020B0604020202020204" pitchFamily="34" charset="0"/>
+              <a:buChar char="•"/>
+            </a:pPr>
+            <a:r>
+              <a:rPr lang="de-DE" dirty="0">
+                <a:solidFill>
+                  <a:schemeClr val="bg1"/>
+                </a:solidFill>
+              </a:rPr>
+              <a:t>Aufgabenstellung</a:t>
+            </a:r>
+          </a:p>
+          <a:p>
+            <a:pPr marL="285750" indent="-285750">
+              <a:buFont typeface="Arial" panose="020B0604020202020204" pitchFamily="34" charset="0"/>
+              <a:buChar char="•"/>
+            </a:pPr>
+            <a:endParaRPr lang="de-DE" dirty="0">
+              <a:solidFill>
+                <a:schemeClr val="bg1"/>
+              </a:solidFill>
+            </a:endParaRPr>
+          </a:p>
+          <a:p>
+            <a:pPr marL="285750" indent="-285750">
+              <a:buFont typeface="Arial" panose="020B0604020202020204" pitchFamily="34" charset="0"/>
+              <a:buChar char="•"/>
+            </a:pPr>
+            <a:r>
+              <a:rPr lang="de-DE" dirty="0">
+                <a:solidFill>
+                  <a:schemeClr val="bg1"/>
+                </a:solidFill>
+              </a:rPr>
+              <a:t>Anforderungen</a:t>
+            </a:r>
+          </a:p>
+          <a:p>
+            <a:pPr marL="285750" indent="-285750">
+              <a:buFont typeface="Arial" panose="020B0604020202020204" pitchFamily="34" charset="0"/>
+              <a:buChar char="•"/>
+            </a:pPr>
+            <a:endParaRPr lang="de-DE" dirty="0">
+              <a:solidFill>
+                <a:schemeClr val="bg1"/>
+              </a:solidFill>
+            </a:endParaRPr>
+          </a:p>
+          <a:p>
+            <a:pPr marL="285750" indent="-285750">
+              <a:buFont typeface="Arial" panose="020B0604020202020204" pitchFamily="34" charset="0"/>
+              <a:buChar char="•"/>
+            </a:pPr>
+            <a:r>
+              <a:rPr lang="de-DE" dirty="0">
+                <a:solidFill>
+                  <a:schemeClr val="bg1"/>
+                </a:solidFill>
+              </a:rPr>
+              <a:t>Technologien</a:t>
+            </a:r>
+          </a:p>
+          <a:p>
+            <a:pPr marL="285750" indent="-285750">
+              <a:buFont typeface="Arial" panose="020B0604020202020204" pitchFamily="34" charset="0"/>
+              <a:buChar char="•"/>
+            </a:pPr>
+            <a:endParaRPr lang="de-DE" dirty="0">
+              <a:solidFill>
+                <a:schemeClr val="bg1"/>
+              </a:solidFill>
+            </a:endParaRPr>
+          </a:p>
+          <a:p>
+            <a:pPr marL="285750" indent="-285750">
+              <a:buFont typeface="Arial" panose="020B0604020202020204" pitchFamily="34" charset="0"/>
+              <a:buChar char="•"/>
+            </a:pPr>
+            <a:r>
+              <a:rPr lang="de-DE" dirty="0">
+                <a:solidFill>
+                  <a:schemeClr val="bg1"/>
+                </a:solidFill>
+              </a:rPr>
+              <a:t>Rollenkonzept</a:t>
+            </a:r>
+          </a:p>
+          <a:p>
+            <a:pPr marL="285750" indent="-285750">
+              <a:buFont typeface="Arial" panose="020B0604020202020204" pitchFamily="34" charset="0"/>
+              <a:buChar char="•"/>
+            </a:pPr>
+            <a:endParaRPr lang="de-DE" dirty="0">
+              <a:solidFill>
+                <a:schemeClr val="bg1"/>
+              </a:solidFill>
+            </a:endParaRPr>
+          </a:p>
+          <a:p>
+            <a:pPr marL="285750" indent="-285750">
+              <a:buFont typeface="Arial" panose="020B0604020202020204" pitchFamily="34" charset="0"/>
+              <a:buChar char="•"/>
+            </a:pPr>
+            <a:r>
+              <a:rPr lang="de-DE" dirty="0">
+                <a:solidFill>
+                  <a:schemeClr val="bg1"/>
+                </a:solidFill>
+              </a:rPr>
+              <a:t>Klassendiagramm</a:t>
+            </a:r>
+          </a:p>
+          <a:p>
+            <a:pPr marL="285750" indent="-285750">
+              <a:buFont typeface="Arial" panose="020B0604020202020204" pitchFamily="34" charset="0"/>
+              <a:buChar char="•"/>
+            </a:pPr>
+            <a:endParaRPr lang="de-DE" dirty="0">
+              <a:solidFill>
+                <a:schemeClr val="bg1"/>
+              </a:solidFill>
+            </a:endParaRPr>
+          </a:p>
+          <a:p>
+            <a:pPr marL="285750" indent="-285750">
+              <a:buFont typeface="Arial" panose="020B0604020202020204" pitchFamily="34" charset="0"/>
+              <a:buChar char="•"/>
+            </a:pPr>
+            <a:r>
+              <a:rPr lang="de-DE" dirty="0">
+                <a:solidFill>
+                  <a:schemeClr val="bg1"/>
+                </a:solidFill>
+              </a:rPr>
+              <a:t>Screenshots</a:t>
+            </a:r>
+          </a:p>
+        </p:txBody>
+      </p:sp>
+      <p:sp>
+        <p:nvSpPr>
+          <p:cNvPr id="5" name="Slide Number Placeholder 4">
+            <a:extLst>
+              <a:ext uri="{FF2B5EF4-FFF2-40B4-BE49-F238E27FC236}">
+                <a16:creationId xmlns:a16="http://schemas.microsoft.com/office/drawing/2014/main" id="{1A68A4A1-C191-7418-DCD5-1521B409655F}"/>
+              </a:ext>
+            </a:extLst>
+          </p:cNvPr>
+          <p:cNvSpPr>
+            <a:spLocks noGrp="1"/>
+          </p:cNvSpPr>
+          <p:nvPr>
+            <p:ph type="sldNum" sz="quarter" idx="12"/>
+          </p:nvPr>
+        </p:nvSpPr>
+        <p:spPr/>
+        <p:txBody>
+          <a:bodyPr/>
+          <a:lstStyle/>
+          <a:p>
+            <a:fld id="{13C740AA-7824-4996-A9A9-B0E74C888E41}" type="slidenum">
+              <a:rPr lang="de-DE" smtClean="0"/>
+              <a:t>11</a:t>
+            </a:fld>
+            <a:endParaRPr lang="de-DE"/>
+          </a:p>
+        </p:txBody>
+      </p:sp>
+      <p:sp>
+        <p:nvSpPr>
+          <p:cNvPr id="8" name="Arrow: Right 7">
+            <a:extLst>
+              <a:ext uri="{FF2B5EF4-FFF2-40B4-BE49-F238E27FC236}">
+                <a16:creationId xmlns:a16="http://schemas.microsoft.com/office/drawing/2014/main" id="{F6F5569A-7AD7-5FF7-0777-77FB02E2A7DC}"/>
+              </a:ext>
+            </a:extLst>
+          </p:cNvPr>
+          <p:cNvSpPr/>
+          <p:nvPr/>
+        </p:nvSpPr>
+        <p:spPr>
+          <a:xfrm>
+            <a:off x="8992788" y="4953495"/>
+            <a:ext cx="657225" cy="482601"/>
+          </a:xfrm>
+          <a:prstGeom prst="rightArrow">
+            <a:avLst/>
+          </a:prstGeom>
+          <a:solidFill>
+            <a:schemeClr val="bg1"/>
+          </a:solidFill>
+          <a:ln>
+            <a:solidFill>
+              <a:schemeClr val="bg1"/>
+            </a:solidFill>
+          </a:ln>
+        </p:spPr>
+        <p:style>
+          <a:lnRef idx="2">
+            <a:schemeClr val="accent1">
+              <a:shade val="15000"/>
+            </a:schemeClr>
+          </a:lnRef>
+          <a:fillRef idx="1">
+            <a:schemeClr val="accent1"/>
+          </a:fillRef>
+          <a:effectRef idx="0">
+            <a:schemeClr val="accent1"/>
+          </a:effectRef>
+          <a:fontRef idx="minor">
+            <a:schemeClr val="lt1"/>
+          </a:fontRef>
+        </p:style>
+        <p:txBody>
+          <a:bodyPr rtlCol="0" anchor="ctr"/>
+          <a:lstStyle/>
+          <a:p>
+            <a:pPr algn="ctr"/>
+            <a:endParaRPr lang="de-DE"/>
+          </a:p>
+        </p:txBody>
+      </p:sp>
+    </p:spTree>
+    <p:extLst>
+      <p:ext uri="{BB962C8B-B14F-4D97-AF65-F5344CB8AC3E}">
+        <p14:creationId xmlns:p14="http://schemas.microsoft.com/office/powerpoint/2010/main" val="2648727513"/>
+      </p:ext>
+    </p:extLst>
+  </p:cSld>
+  <p:clrMapOvr>
+    <a:masterClrMapping/>
+  </p:clrMapOvr>
+  <mc:AlternateContent xmlns:mc="http://schemas.openxmlformats.org/markup-compatibility/2006">
+    <mc:Choice xmlns:p159="http://schemas.microsoft.com/office/powerpoint/2015/09/main" Requires="p159">
+      <p:transition spd="med">
+        <p159:morph option="byObject"/>
+      </p:transition>
+    </mc:Choice>
+    <mc:Fallback>
+      <p:transition spd="med">
+        <p:fade/>
+      </p:transition>
+    </mc:Fallback>
+  </mc:AlternateContent>
+</p:sld>
+</file>
+
+<file path=ppt/slides/slide12.xml><?xml version="1.0" encoding="utf-8"?>
+<p:sld xmlns:a="http://schemas.openxmlformats.org/drawingml/2006/main" xmlns:r="http://schemas.openxmlformats.org/officeDocument/2006/relationships" xmlns:p="http://schemas.openxmlformats.org/presentationml/2006/main">
+  <p:cSld>
+    <p:bg>
+      <p:bgPr>
+        <a:solidFill>
+          <a:schemeClr val="bg1"/>
+        </a:solidFill>
+        <a:effectLst/>
+      </p:bgPr>
+    </p:bg>
+    <p:spTree>
+      <p:nvGrpSpPr>
+        <p:cNvPr id="1" name=""/>
+        <p:cNvGrpSpPr/>
+        <p:nvPr/>
+      </p:nvGrpSpPr>
+      <p:grpSpPr>
+        <a:xfrm>
+          <a:off x="0" y="0"/>
+          <a:ext cx="0" cy="0"/>
+          <a:chOff x="0" y="0"/>
+          <a:chExt cx="0" cy="0"/>
+        </a:xfrm>
+      </p:grpSpPr>
+      <p:sp>
+        <p:nvSpPr>
+          <p:cNvPr id="23" name="Rectangle 22">
+            <a:extLst>
+              <a:ext uri="{FF2B5EF4-FFF2-40B4-BE49-F238E27FC236}">
+                <a16:creationId xmlns:a16="http://schemas.microsoft.com/office/drawing/2014/main" id="{1A9F7B4E-B03D-4F64-BE33-00D074458D45}"/>
+              </a:ext>
+              <a:ext uri="{C183D7F6-B498-43B3-948B-1728B52AA6E4}">
+                <adec:decorative xmlns:adec="http://schemas.microsoft.com/office/drawing/2017/decorative" val="1"/>
+              </a:ext>
+            </a:extLst>
+          </p:cNvPr>
+          <p:cNvSpPr>
+            <a:spLocks noGrp="1" noRot="1" noChangeAspect="1" noMove="1" noResize="1" noEditPoints="1" noAdjustHandles="1" noChangeArrowheads="1" noChangeShapeType="1" noTextEdit="1"/>
+          </p:cNvSpPr>
+          <p:nvPr>
+            <p:extLst>
+              <p:ext uri="{386F3935-93C4-4BCD-93E2-E3B085C9AB24}">
+                <p16:designElem xmlns:p16="http://schemas.microsoft.com/office/powerpoint/2015/main" val="1"/>
+              </p:ext>
+            </p:extLst>
+          </p:nvPr>
+        </p:nvSpPr>
+        <p:spPr>
+          <a:xfrm>
+            <a:off x="0" y="0"/>
+            <a:ext cx="12188952" cy="6858000"/>
+          </a:xfrm>
+          <a:prstGeom prst="rect">
+            <a:avLst/>
+          </a:prstGeom>
+          <a:solidFill>
+            <a:schemeClr val="tx1"/>
+          </a:solidFill>
+          <a:ln>
+            <a:noFill/>
+          </a:ln>
+        </p:spPr>
+        <p:style>
+          <a:lnRef idx="2">
+            <a:schemeClr val="accent1">
+              <a:shade val="50000"/>
+            </a:schemeClr>
+          </a:lnRef>
+          <a:fillRef idx="1">
+            <a:schemeClr val="accent1"/>
+          </a:fillRef>
+          <a:effectRef idx="0">
+            <a:schemeClr val="accent1"/>
+          </a:effectRef>
+          <a:fontRef idx="minor">
+            <a:schemeClr val="lt1"/>
+          </a:fontRef>
+        </p:style>
+        <p:txBody>
+          <a:bodyPr rtlCol="0" anchor="ctr"/>
+          <a:lstStyle/>
+          <a:p>
+            <a:pPr algn="ctr"/>
+            <a:endParaRPr lang="en-US"/>
+          </a:p>
+        </p:txBody>
+      </p:sp>
+      <p:pic>
+        <p:nvPicPr>
+          <p:cNvPr id="18" name="Picture 17" descr="A blue and green lines on a black background&#10;&#10;Description automatically generated">
+            <a:extLst>
+              <a:ext uri="{FF2B5EF4-FFF2-40B4-BE49-F238E27FC236}">
+                <a16:creationId xmlns:a16="http://schemas.microsoft.com/office/drawing/2014/main" id="{9E2CA162-4ACE-88C3-D272-088E41436A49}"/>
+              </a:ext>
+            </a:extLst>
+          </p:cNvPr>
+          <p:cNvPicPr>
+            <a:picLocks noChangeAspect="1"/>
+          </p:cNvPicPr>
+          <p:nvPr/>
+        </p:nvPicPr>
+        <p:blipFill rotWithShape="1">
+          <a:blip r:embed="rId2">
+            <a:alphaModFix amt="40000"/>
+          </a:blip>
+          <a:srcRect t="13655" b="6840"/>
+          <a:stretch/>
+        </p:blipFill>
+        <p:spPr>
+          <a:xfrm>
+            <a:off x="20" y="10"/>
+            <a:ext cx="12191979" cy="6857990"/>
+          </a:xfrm>
+          <a:prstGeom prst="rect">
+            <a:avLst/>
+          </a:prstGeom>
+        </p:spPr>
+      </p:pic>
+      <p:sp>
+        <p:nvSpPr>
+          <p:cNvPr id="2" name="Title 1">
+            <a:extLst>
+              <a:ext uri="{FF2B5EF4-FFF2-40B4-BE49-F238E27FC236}">
+                <a16:creationId xmlns:a16="http://schemas.microsoft.com/office/drawing/2014/main" id="{61CE0095-EFE9-6204-1ACC-4BEB3E59878B}"/>
+              </a:ext>
+            </a:extLst>
+          </p:cNvPr>
+          <p:cNvSpPr>
+            <a:spLocks noGrp="1"/>
+          </p:cNvSpPr>
+          <p:nvPr>
+            <p:ph type="title"/>
+          </p:nvPr>
+        </p:nvSpPr>
+        <p:spPr>
+          <a:xfrm>
+            <a:off x="838200" y="365125"/>
+            <a:ext cx="10515600" cy="1325563"/>
+          </a:xfrm>
+        </p:spPr>
+        <p:txBody>
+          <a:bodyPr vert="horz" lIns="91440" tIns="45720" rIns="91440" bIns="45720" rtlCol="0">
+            <a:normAutofit/>
+          </a:bodyPr>
+          <a:lstStyle/>
+          <a:p>
+            <a:r>
+              <a:rPr lang="en-US" sz="5400" dirty="0">
+                <a:solidFill>
+                  <a:schemeClr val="bg1"/>
+                </a:solidFill>
+              </a:rPr>
+              <a:t>Screenshots</a:t>
+            </a:r>
+          </a:p>
+        </p:txBody>
+      </p:sp>
+      <p:sp>
+        <p:nvSpPr>
+          <p:cNvPr id="25" name="sketchy line">
+            <a:extLst>
+              <a:ext uri="{FF2B5EF4-FFF2-40B4-BE49-F238E27FC236}">
+                <a16:creationId xmlns:a16="http://schemas.microsoft.com/office/drawing/2014/main" id="{7E2BE7F7-CA89-4002-ACCE-A478AEA24F5E}"/>
+              </a:ext>
+              <a:ext uri="{C183D7F6-B498-43B3-948B-1728B52AA6E4}">
+                <adec:decorative xmlns:adec="http://schemas.microsoft.com/office/drawing/2017/decorative" val="1"/>
+              </a:ext>
+            </a:extLst>
+          </p:cNvPr>
+          <p:cNvSpPr>
+            <a:spLocks noGrp="1" noRot="1" noChangeAspect="1" noMove="1" noResize="1" noEditPoints="1" noAdjustHandles="1" noChangeArrowheads="1" noChangeShapeType="1" noTextEdit="1"/>
+          </p:cNvSpPr>
+          <p:nvPr>
+            <p:extLst>
+              <p:ext uri="{386F3935-93C4-4BCD-93E2-E3B085C9AB24}">
+                <p16:designElem xmlns:p16="http://schemas.microsoft.com/office/powerpoint/2015/main" val="1"/>
+              </p:ext>
+            </p:extLst>
+          </p:nvPr>
+        </p:nvSpPr>
+        <p:spPr>
+          <a:xfrm>
+            <a:off x="914399" y="1681544"/>
+            <a:ext cx="9692640" cy="18288"/>
+          </a:xfrm>
+          <a:custGeom>
+            <a:avLst/>
+            <a:gdLst>
+              <a:gd name="connsiteX0" fmla="*/ 0 w 9692640"/>
+              <a:gd name="connsiteY0" fmla="*/ 0 h 18288"/>
+              <a:gd name="connsiteX1" fmla="*/ 401552 w 9692640"/>
+              <a:gd name="connsiteY1" fmla="*/ 0 h 18288"/>
+              <a:gd name="connsiteX2" fmla="*/ 996957 w 9692640"/>
+              <a:gd name="connsiteY2" fmla="*/ 0 h 18288"/>
+              <a:gd name="connsiteX3" fmla="*/ 1398509 w 9692640"/>
+              <a:gd name="connsiteY3" fmla="*/ 0 h 18288"/>
+              <a:gd name="connsiteX4" fmla="*/ 2090841 w 9692640"/>
+              <a:gd name="connsiteY4" fmla="*/ 0 h 18288"/>
+              <a:gd name="connsiteX5" fmla="*/ 2686246 w 9692640"/>
+              <a:gd name="connsiteY5" fmla="*/ 0 h 18288"/>
+              <a:gd name="connsiteX6" fmla="*/ 3475504 w 9692640"/>
+              <a:gd name="connsiteY6" fmla="*/ 0 h 18288"/>
+              <a:gd name="connsiteX7" fmla="*/ 4361688 w 9692640"/>
+              <a:gd name="connsiteY7" fmla="*/ 0 h 18288"/>
+              <a:gd name="connsiteX8" fmla="*/ 5054019 w 9692640"/>
+              <a:gd name="connsiteY8" fmla="*/ 0 h 18288"/>
+              <a:gd name="connsiteX9" fmla="*/ 5940204 w 9692640"/>
+              <a:gd name="connsiteY9" fmla="*/ 0 h 18288"/>
+              <a:gd name="connsiteX10" fmla="*/ 6632535 w 9692640"/>
+              <a:gd name="connsiteY10" fmla="*/ 0 h 18288"/>
+              <a:gd name="connsiteX11" fmla="*/ 7034087 w 9692640"/>
+              <a:gd name="connsiteY11" fmla="*/ 0 h 18288"/>
+              <a:gd name="connsiteX12" fmla="*/ 7532566 w 9692640"/>
+              <a:gd name="connsiteY12" fmla="*/ 0 h 18288"/>
+              <a:gd name="connsiteX13" fmla="*/ 8418750 w 9692640"/>
+              <a:gd name="connsiteY13" fmla="*/ 0 h 18288"/>
+              <a:gd name="connsiteX14" fmla="*/ 9692640 w 9692640"/>
+              <a:gd name="connsiteY14" fmla="*/ 0 h 18288"/>
+              <a:gd name="connsiteX15" fmla="*/ 9692640 w 9692640"/>
+              <a:gd name="connsiteY15" fmla="*/ 18288 h 18288"/>
+              <a:gd name="connsiteX16" fmla="*/ 9000309 w 9692640"/>
+              <a:gd name="connsiteY16" fmla="*/ 18288 h 18288"/>
+              <a:gd name="connsiteX17" fmla="*/ 8307977 w 9692640"/>
+              <a:gd name="connsiteY17" fmla="*/ 18288 h 18288"/>
+              <a:gd name="connsiteX18" fmla="*/ 7712572 w 9692640"/>
+              <a:gd name="connsiteY18" fmla="*/ 18288 h 18288"/>
+              <a:gd name="connsiteX19" fmla="*/ 7214093 w 9692640"/>
+              <a:gd name="connsiteY19" fmla="*/ 18288 h 18288"/>
+              <a:gd name="connsiteX20" fmla="*/ 6327909 w 9692640"/>
+              <a:gd name="connsiteY20" fmla="*/ 18288 h 18288"/>
+              <a:gd name="connsiteX21" fmla="*/ 5635578 w 9692640"/>
+              <a:gd name="connsiteY21" fmla="*/ 18288 h 18288"/>
+              <a:gd name="connsiteX22" fmla="*/ 4846320 w 9692640"/>
+              <a:gd name="connsiteY22" fmla="*/ 18288 h 18288"/>
+              <a:gd name="connsiteX23" fmla="*/ 4444768 w 9692640"/>
+              <a:gd name="connsiteY23" fmla="*/ 18288 h 18288"/>
+              <a:gd name="connsiteX24" fmla="*/ 3946289 w 9692640"/>
+              <a:gd name="connsiteY24" fmla="*/ 18288 h 18288"/>
+              <a:gd name="connsiteX25" fmla="*/ 3253958 w 9692640"/>
+              <a:gd name="connsiteY25" fmla="*/ 18288 h 18288"/>
+              <a:gd name="connsiteX26" fmla="*/ 2464700 w 9692640"/>
+              <a:gd name="connsiteY26" fmla="*/ 18288 h 18288"/>
+              <a:gd name="connsiteX27" fmla="*/ 2063148 w 9692640"/>
+              <a:gd name="connsiteY27" fmla="*/ 18288 h 18288"/>
+              <a:gd name="connsiteX28" fmla="*/ 1661595 w 9692640"/>
+              <a:gd name="connsiteY28" fmla="*/ 18288 h 18288"/>
+              <a:gd name="connsiteX29" fmla="*/ 969264 w 9692640"/>
+              <a:gd name="connsiteY29" fmla="*/ 18288 h 18288"/>
+              <a:gd name="connsiteX30" fmla="*/ 0 w 9692640"/>
+              <a:gd name="connsiteY30" fmla="*/ 18288 h 18288"/>
+              <a:gd name="connsiteX31" fmla="*/ 0 w 9692640"/>
+              <a:gd name="connsiteY31" fmla="*/ 0 h 18288"/>
+            </a:gdLst>
+            <a:ahLst/>
+            <a:cxnLst>
+              <a:cxn ang="0">
+                <a:pos x="connsiteX0" y="connsiteY0"/>
+              </a:cxn>
+              <a:cxn ang="0">
+                <a:pos x="connsiteX1" y="connsiteY1"/>
+              </a:cxn>
+              <a:cxn ang="0">
+                <a:pos x="connsiteX2" y="connsiteY2"/>
+              </a:cxn>
+              <a:cxn ang="0">
+                <a:pos x="connsiteX3" y="connsiteY3"/>
+              </a:cxn>
+              <a:cxn ang="0">
+                <a:pos x="connsiteX4" y="connsiteY4"/>
+              </a:cxn>
+              <a:cxn ang="0">
+                <a:pos x="connsiteX5" y="connsiteY5"/>
+              </a:cxn>
+              <a:cxn ang="0">
+                <a:pos x="connsiteX6" y="connsiteY6"/>
+              </a:cxn>
+              <a:cxn ang="0">
+                <a:pos x="connsiteX7" y="connsiteY7"/>
+              </a:cxn>
+              <a:cxn ang="0">
+                <a:pos x="connsiteX8" y="connsiteY8"/>
+              </a:cxn>
+              <a:cxn ang="0">
+                <a:pos x="connsiteX9" y="connsiteY9"/>
+              </a:cxn>
+              <a:cxn ang="0">
+                <a:pos x="connsiteX10" y="connsiteY10"/>
+              </a:cxn>
+              <a:cxn ang="0">
+                <a:pos x="connsiteX11" y="connsiteY11"/>
+              </a:cxn>
+              <a:cxn ang="0">
+                <a:pos x="connsiteX12" y="connsiteY12"/>
+              </a:cxn>
+              <a:cxn ang="0">
+                <a:pos x="connsiteX13" y="connsiteY13"/>
+              </a:cxn>
+              <a:cxn ang="0">
+                <a:pos x="connsiteX14" y="connsiteY14"/>
+              </a:cxn>
+              <a:cxn ang="0">
+                <a:pos x="connsiteX15" y="connsiteY15"/>
+              </a:cxn>
+              <a:cxn ang="0">
+                <a:pos x="connsiteX16" y="connsiteY16"/>
+              </a:cxn>
+              <a:cxn ang="0">
+                <a:pos x="connsiteX17" y="connsiteY17"/>
+              </a:cxn>
+              <a:cxn ang="0">
+                <a:pos x="connsiteX18" y="connsiteY18"/>
+              </a:cxn>
+              <a:cxn ang="0">
+                <a:pos x="connsiteX19" y="connsiteY19"/>
+              </a:cxn>
+              <a:cxn ang="0">
+                <a:pos x="connsiteX20" y="connsiteY20"/>
+              </a:cxn>
+              <a:cxn ang="0">
+                <a:pos x="connsiteX21" y="connsiteY21"/>
+              </a:cxn>
+              <a:cxn ang="0">
+                <a:pos x="connsiteX22" y="connsiteY22"/>
+              </a:cxn>
+              <a:cxn ang="0">
+                <a:pos x="connsiteX23" y="connsiteY23"/>
+              </a:cxn>
+              <a:cxn ang="0">
+                <a:pos x="connsiteX24" y="connsiteY24"/>
+              </a:cxn>
+              <a:cxn ang="0">
+                <a:pos x="connsiteX25" y="connsiteY25"/>
+              </a:cxn>
+              <a:cxn ang="0">
+                <a:pos x="connsiteX26" y="connsiteY26"/>
+              </a:cxn>
+              <a:cxn ang="0">
+                <a:pos x="connsiteX27" y="connsiteY27"/>
+              </a:cxn>
+              <a:cxn ang="0">
+                <a:pos x="connsiteX28" y="connsiteY28"/>
+              </a:cxn>
+              <a:cxn ang="0">
+                <a:pos x="connsiteX29" y="connsiteY29"/>
+              </a:cxn>
+              <a:cxn ang="0">
+                <a:pos x="connsiteX30" y="connsiteY30"/>
+              </a:cxn>
+              <a:cxn ang="0">
+                <a:pos x="connsiteX31" y="connsiteY31"/>
+              </a:cxn>
+            </a:cxnLst>
+            <a:rect l="l" t="t" r="r" b="b"/>
+            <a:pathLst>
+              <a:path w="9692640" h="18288" fill="none" extrusionOk="0">
+                <a:moveTo>
+                  <a:pt x="0" y="0"/>
+                </a:moveTo>
+                <a:cubicBezTo>
+                  <a:pt x="142992" y="4732"/>
+                  <a:pt x="265909" y="-3365"/>
+                  <a:pt x="401552" y="0"/>
+                </a:cubicBezTo>
+                <a:cubicBezTo>
+                  <a:pt x="537195" y="3365"/>
+                  <a:pt x="738153" y="6482"/>
+                  <a:pt x="996957" y="0"/>
+                </a:cubicBezTo>
+                <a:cubicBezTo>
+                  <a:pt x="1255762" y="-6482"/>
+                  <a:pt x="1280511" y="12509"/>
+                  <a:pt x="1398509" y="0"/>
+                </a:cubicBezTo>
+                <a:cubicBezTo>
+                  <a:pt x="1516507" y="-12509"/>
+                  <a:pt x="1782573" y="-31523"/>
+                  <a:pt x="2090841" y="0"/>
+                </a:cubicBezTo>
+                <a:cubicBezTo>
+                  <a:pt x="2399109" y="31523"/>
+                  <a:pt x="2488380" y="26286"/>
+                  <a:pt x="2686246" y="0"/>
+                </a:cubicBezTo>
+                <a:cubicBezTo>
+                  <a:pt x="2884112" y="-26286"/>
+                  <a:pt x="3186024" y="-14734"/>
+                  <a:pt x="3475504" y="0"/>
+                </a:cubicBezTo>
+                <a:cubicBezTo>
+                  <a:pt x="3764984" y="14734"/>
+                  <a:pt x="4053017" y="43292"/>
+                  <a:pt x="4361688" y="0"/>
+                </a:cubicBezTo>
+                <a:cubicBezTo>
+                  <a:pt x="4670359" y="-43292"/>
+                  <a:pt x="4736164" y="-729"/>
+                  <a:pt x="5054019" y="0"/>
+                </a:cubicBezTo>
+                <a:cubicBezTo>
+                  <a:pt x="5371874" y="729"/>
+                  <a:pt x="5543528" y="-22963"/>
+                  <a:pt x="5940204" y="0"/>
+                </a:cubicBezTo>
+                <a:cubicBezTo>
+                  <a:pt x="6336881" y="22963"/>
+                  <a:pt x="6423838" y="6469"/>
+                  <a:pt x="6632535" y="0"/>
+                </a:cubicBezTo>
+                <a:cubicBezTo>
+                  <a:pt x="6841232" y="-6469"/>
+                  <a:pt x="6852819" y="17036"/>
+                  <a:pt x="7034087" y="0"/>
+                </a:cubicBezTo>
+                <a:cubicBezTo>
+                  <a:pt x="7215355" y="-17036"/>
+                  <a:pt x="7313136" y="11151"/>
+                  <a:pt x="7532566" y="0"/>
+                </a:cubicBezTo>
+                <a:cubicBezTo>
+                  <a:pt x="7751996" y="-11151"/>
+                  <a:pt x="8015001" y="25614"/>
+                  <a:pt x="8418750" y="0"/>
+                </a:cubicBezTo>
+                <a:cubicBezTo>
+                  <a:pt x="8822499" y="-25614"/>
+                  <a:pt x="9163239" y="48603"/>
+                  <a:pt x="9692640" y="0"/>
+                </a:cubicBezTo>
+                <a:cubicBezTo>
+                  <a:pt x="9691955" y="4437"/>
+                  <a:pt x="9693170" y="10717"/>
+                  <a:pt x="9692640" y="18288"/>
+                </a:cubicBezTo>
+                <a:cubicBezTo>
+                  <a:pt x="9545125" y="42172"/>
+                  <a:pt x="9164259" y="6706"/>
+                  <a:pt x="9000309" y="18288"/>
+                </a:cubicBezTo>
+                <a:cubicBezTo>
+                  <a:pt x="8836359" y="29870"/>
+                  <a:pt x="8521035" y="-14108"/>
+                  <a:pt x="8307977" y="18288"/>
+                </a:cubicBezTo>
+                <a:cubicBezTo>
+                  <a:pt x="8094919" y="50684"/>
+                  <a:pt x="7881757" y="11235"/>
+                  <a:pt x="7712572" y="18288"/>
+                </a:cubicBezTo>
+                <a:cubicBezTo>
+                  <a:pt x="7543387" y="25341"/>
+                  <a:pt x="7358861" y="20625"/>
+                  <a:pt x="7214093" y="18288"/>
+                </a:cubicBezTo>
+                <a:cubicBezTo>
+                  <a:pt x="7069325" y="15951"/>
+                  <a:pt x="6523705" y="52160"/>
+                  <a:pt x="6327909" y="18288"/>
+                </a:cubicBezTo>
+                <a:cubicBezTo>
+                  <a:pt x="6132113" y="-15584"/>
+                  <a:pt x="5923847" y="21204"/>
+                  <a:pt x="5635578" y="18288"/>
+                </a:cubicBezTo>
+                <a:cubicBezTo>
+                  <a:pt x="5347309" y="15372"/>
+                  <a:pt x="5114749" y="50642"/>
+                  <a:pt x="4846320" y="18288"/>
+                </a:cubicBezTo>
+                <a:cubicBezTo>
+                  <a:pt x="4577891" y="-14066"/>
+                  <a:pt x="4576701" y="1487"/>
+                  <a:pt x="4444768" y="18288"/>
+                </a:cubicBezTo>
+                <a:cubicBezTo>
+                  <a:pt x="4312835" y="35089"/>
+                  <a:pt x="4112575" y="15158"/>
+                  <a:pt x="3946289" y="18288"/>
+                </a:cubicBezTo>
+                <a:cubicBezTo>
+                  <a:pt x="3780003" y="21418"/>
+                  <a:pt x="3396009" y="18797"/>
+                  <a:pt x="3253958" y="18288"/>
+                </a:cubicBezTo>
+                <a:cubicBezTo>
+                  <a:pt x="3111907" y="17779"/>
+                  <a:pt x="2760272" y="57223"/>
+                  <a:pt x="2464700" y="18288"/>
+                </a:cubicBezTo>
+                <a:cubicBezTo>
+                  <a:pt x="2169128" y="-20647"/>
+                  <a:pt x="2232262" y="7960"/>
+                  <a:pt x="2063148" y="18288"/>
+                </a:cubicBezTo>
+                <a:cubicBezTo>
+                  <a:pt x="1894034" y="28616"/>
+                  <a:pt x="1799338" y="3019"/>
+                  <a:pt x="1661595" y="18288"/>
+                </a:cubicBezTo>
+                <a:cubicBezTo>
+                  <a:pt x="1523852" y="33557"/>
+                  <a:pt x="1113928" y="-4352"/>
+                  <a:pt x="969264" y="18288"/>
+                </a:cubicBezTo>
+                <a:cubicBezTo>
+                  <a:pt x="824600" y="40928"/>
+                  <a:pt x="356149" y="-3128"/>
+                  <a:pt x="0" y="18288"/>
+                </a:cubicBezTo>
+                <a:cubicBezTo>
+                  <a:pt x="-540" y="12521"/>
+                  <a:pt x="894" y="7749"/>
+                  <a:pt x="0" y="0"/>
+                </a:cubicBezTo>
+                <a:close/>
+              </a:path>
+              <a:path w="9692640" h="18288" stroke="0" extrusionOk="0">
+                <a:moveTo>
+                  <a:pt x="0" y="0"/>
+                </a:moveTo>
+                <a:cubicBezTo>
+                  <a:pt x="162642" y="3864"/>
+                  <a:pt x="346119" y="-18364"/>
+                  <a:pt x="498479" y="0"/>
+                </a:cubicBezTo>
+                <a:cubicBezTo>
+                  <a:pt x="650839" y="18364"/>
+                  <a:pt x="712065" y="-9389"/>
+                  <a:pt x="900031" y="0"/>
+                </a:cubicBezTo>
+                <a:cubicBezTo>
+                  <a:pt x="1087997" y="9389"/>
+                  <a:pt x="1177291" y="3685"/>
+                  <a:pt x="1398509" y="0"/>
+                </a:cubicBezTo>
+                <a:cubicBezTo>
+                  <a:pt x="1619727" y="-3685"/>
+                  <a:pt x="1874008" y="-8897"/>
+                  <a:pt x="2090841" y="0"/>
+                </a:cubicBezTo>
+                <a:cubicBezTo>
+                  <a:pt x="2307674" y="8897"/>
+                  <a:pt x="2573432" y="-313"/>
+                  <a:pt x="2880099" y="0"/>
+                </a:cubicBezTo>
+                <a:cubicBezTo>
+                  <a:pt x="3186766" y="313"/>
+                  <a:pt x="3422577" y="10664"/>
+                  <a:pt x="3766283" y="0"/>
+                </a:cubicBezTo>
+                <a:cubicBezTo>
+                  <a:pt x="4109989" y="-10664"/>
+                  <a:pt x="4342683" y="-32873"/>
+                  <a:pt x="4652467" y="0"/>
+                </a:cubicBezTo>
+                <a:cubicBezTo>
+                  <a:pt x="4962251" y="32873"/>
+                  <a:pt x="5122120" y="29155"/>
+                  <a:pt x="5247872" y="0"/>
+                </a:cubicBezTo>
+                <a:cubicBezTo>
+                  <a:pt x="5373625" y="-29155"/>
+                  <a:pt x="5749491" y="1706"/>
+                  <a:pt x="6037130" y="0"/>
+                </a:cubicBezTo>
+                <a:cubicBezTo>
+                  <a:pt x="6324769" y="-1706"/>
+                  <a:pt x="6531407" y="1172"/>
+                  <a:pt x="6729461" y="0"/>
+                </a:cubicBezTo>
+                <a:cubicBezTo>
+                  <a:pt x="6927515" y="-1172"/>
+                  <a:pt x="7096794" y="-1520"/>
+                  <a:pt x="7324867" y="0"/>
+                </a:cubicBezTo>
+                <a:cubicBezTo>
+                  <a:pt x="7552940" y="1520"/>
+                  <a:pt x="7878827" y="-17110"/>
+                  <a:pt x="8114124" y="0"/>
+                </a:cubicBezTo>
+                <a:cubicBezTo>
+                  <a:pt x="8349421" y="17110"/>
+                  <a:pt x="8334208" y="15114"/>
+                  <a:pt x="8515677" y="0"/>
+                </a:cubicBezTo>
+                <a:cubicBezTo>
+                  <a:pt x="8697146" y="-15114"/>
+                  <a:pt x="9236164" y="22466"/>
+                  <a:pt x="9692640" y="0"/>
+                </a:cubicBezTo>
+                <a:cubicBezTo>
+                  <a:pt x="9692735" y="8251"/>
+                  <a:pt x="9692514" y="12333"/>
+                  <a:pt x="9692640" y="18288"/>
+                </a:cubicBezTo>
+                <a:cubicBezTo>
+                  <a:pt x="9410102" y="47398"/>
+                  <a:pt x="9172773" y="7109"/>
+                  <a:pt x="9000309" y="18288"/>
+                </a:cubicBezTo>
+                <a:cubicBezTo>
+                  <a:pt x="8827845" y="29467"/>
+                  <a:pt x="8713608" y="28372"/>
+                  <a:pt x="8501830" y="18288"/>
+                </a:cubicBezTo>
+                <a:cubicBezTo>
+                  <a:pt x="8290052" y="8204"/>
+                  <a:pt x="7893416" y="3561"/>
+                  <a:pt x="7712572" y="18288"/>
+                </a:cubicBezTo>
+                <a:cubicBezTo>
+                  <a:pt x="7531728" y="33015"/>
+                  <a:pt x="7480716" y="17052"/>
+                  <a:pt x="7311020" y="18288"/>
+                </a:cubicBezTo>
+                <a:cubicBezTo>
+                  <a:pt x="7141324" y="19524"/>
+                  <a:pt x="6962706" y="15975"/>
+                  <a:pt x="6618688" y="18288"/>
+                </a:cubicBezTo>
+                <a:cubicBezTo>
+                  <a:pt x="6274670" y="20601"/>
+                  <a:pt x="6230664" y="-1692"/>
+                  <a:pt x="6120210" y="18288"/>
+                </a:cubicBezTo>
+                <a:cubicBezTo>
+                  <a:pt x="6009756" y="38268"/>
+                  <a:pt x="5442516" y="28115"/>
+                  <a:pt x="5234026" y="18288"/>
+                </a:cubicBezTo>
+                <a:cubicBezTo>
+                  <a:pt x="5025536" y="8461"/>
+                  <a:pt x="4953693" y="18182"/>
+                  <a:pt x="4832473" y="18288"/>
+                </a:cubicBezTo>
+                <a:cubicBezTo>
+                  <a:pt x="4711253" y="18394"/>
+                  <a:pt x="4414565" y="-11251"/>
+                  <a:pt x="4140142" y="18288"/>
+                </a:cubicBezTo>
+                <a:cubicBezTo>
+                  <a:pt x="3865719" y="47827"/>
+                  <a:pt x="3819081" y="16772"/>
+                  <a:pt x="3738590" y="18288"/>
+                </a:cubicBezTo>
+                <a:cubicBezTo>
+                  <a:pt x="3658099" y="19804"/>
+                  <a:pt x="3427576" y="1385"/>
+                  <a:pt x="3240111" y="18288"/>
+                </a:cubicBezTo>
+                <a:cubicBezTo>
+                  <a:pt x="3052646" y="35191"/>
+                  <a:pt x="2749652" y="-13914"/>
+                  <a:pt x="2450853" y="18288"/>
+                </a:cubicBezTo>
+                <a:cubicBezTo>
+                  <a:pt x="2152054" y="50490"/>
+                  <a:pt x="1928331" y="61101"/>
+                  <a:pt x="1564669" y="18288"/>
+                </a:cubicBezTo>
+                <a:cubicBezTo>
+                  <a:pt x="1201007" y="-24525"/>
+                  <a:pt x="1217828" y="-275"/>
+                  <a:pt x="1066190" y="18288"/>
+                </a:cubicBezTo>
+                <a:cubicBezTo>
+                  <a:pt x="914552" y="36851"/>
+                  <a:pt x="418290" y="-14785"/>
+                  <a:pt x="0" y="18288"/>
+                </a:cubicBezTo>
+                <a:cubicBezTo>
+                  <a:pt x="641" y="14236"/>
+                  <a:pt x="889" y="7550"/>
+                  <a:pt x="0" y="0"/>
+                </a:cubicBezTo>
+                <a:close/>
+              </a:path>
+            </a:pathLst>
+          </a:custGeom>
+          <a:solidFill>
+            <a:srgbClr val="FFFFFF">
+              <a:alpha val="75000"/>
+            </a:srgbClr>
+          </a:solidFill>
+          <a:ln w="44450" cap="rnd">
+            <a:solidFill>
+              <a:schemeClr val="bg1">
+                <a:alpha val="75000"/>
+              </a:schemeClr>
+            </a:solidFill>
+            <a:round/>
+            <a:extLst>
+              <a:ext uri="{C807C97D-BFC1-408E-A445-0C87EB9F89A2}">
+                <ask:lineSketchStyleProps xmlns:ask="http://schemas.microsoft.com/office/drawing/2018/sketchyshapes" sd="2727557108">
+                  <a:prstGeom prst="rect">
+                    <a:avLst/>
+                  </a:prstGeom>
+                  <ask:type>
+                    <ask:lineSketchFreehand/>
+                  </ask:type>
+                </ask:lineSketchStyleProps>
+              </a:ext>
+            </a:extLst>
+          </a:ln>
+        </p:spPr>
+        <p:style>
+          <a:lnRef idx="2">
+            <a:schemeClr val="accent1">
+              <a:shade val="50000"/>
+            </a:schemeClr>
+          </a:lnRef>
+          <a:fillRef idx="1">
+            <a:schemeClr val="accent1"/>
+          </a:fillRef>
+          <a:effectRef idx="0">
+            <a:schemeClr val="accent1"/>
+          </a:effectRef>
+          <a:fontRef idx="minor">
+            <a:schemeClr val="lt1"/>
+          </a:fontRef>
+        </p:style>
+        <p:txBody>
+          <a:bodyPr rtlCol="0" anchor="ctr"/>
+          <a:lstStyle/>
+          <a:p>
+            <a:pPr algn="ctr"/>
+            <a:endParaRPr lang="en-US"/>
+          </a:p>
+        </p:txBody>
+      </p:sp>
+      <p:pic>
+        <p:nvPicPr>
+          <p:cNvPr id="7" name="Content Placeholder 6" descr="A screenshot of a computer&#10;&#10;Description automatically generated">
+            <a:extLst>
+              <a:ext uri="{FF2B5EF4-FFF2-40B4-BE49-F238E27FC236}">
+                <a16:creationId xmlns:a16="http://schemas.microsoft.com/office/drawing/2014/main" id="{5DE6A621-E8E6-113D-336F-F4FF6859F2B6}"/>
+              </a:ext>
+            </a:extLst>
+          </p:cNvPr>
+          <p:cNvPicPr>
+            <a:picLocks noGrp="1" noChangeAspect="1"/>
+          </p:cNvPicPr>
+          <p:nvPr>
+            <p:ph idx="1"/>
+          </p:nvPr>
+        </p:nvPicPr>
+        <p:blipFill>
+          <a:blip r:embed="rId3">
+            <a:extLst>
+              <a:ext uri="{28A0092B-C50C-407E-A947-70E740481C1C}">
+                <a14:useLocalDpi xmlns:a14="http://schemas.microsoft.com/office/drawing/2010/main" val="0"/>
+              </a:ext>
+            </a:extLst>
+          </a:blip>
+          <a:stretch>
+            <a:fillRect/>
+          </a:stretch>
+        </p:blipFill>
+        <p:spPr>
+          <a:xfrm>
+            <a:off x="1071048" y="1995302"/>
+            <a:ext cx="7190437" cy="4324472"/>
+          </a:xfrm>
+        </p:spPr>
+      </p:pic>
+      <p:sp>
+        <p:nvSpPr>
+          <p:cNvPr id="4" name="TextBox 3">
+            <a:extLst>
+              <a:ext uri="{FF2B5EF4-FFF2-40B4-BE49-F238E27FC236}">
+                <a16:creationId xmlns:a16="http://schemas.microsoft.com/office/drawing/2014/main" id="{D6E95770-3874-517C-5F5D-04D0356C2060}"/>
+              </a:ext>
+            </a:extLst>
+          </p:cNvPr>
+          <p:cNvSpPr txBox="1"/>
+          <p:nvPr/>
+        </p:nvSpPr>
+        <p:spPr>
+          <a:xfrm>
+            <a:off x="9664930" y="1995302"/>
+            <a:ext cx="2472297" cy="3416320"/>
+          </a:xfrm>
+          <a:prstGeom prst="rect">
+            <a:avLst/>
+          </a:prstGeom>
+          <a:noFill/>
+        </p:spPr>
+        <p:txBody>
+          <a:bodyPr wrap="square" rtlCol="0">
+            <a:spAutoFit/>
+          </a:bodyPr>
+          <a:lstStyle/>
+          <a:p>
+            <a:pPr marL="285750" indent="-285750">
+              <a:buFont typeface="Arial" panose="020B0604020202020204" pitchFamily="34" charset="0"/>
+              <a:buChar char="•"/>
+            </a:pPr>
+            <a:endParaRPr lang="de-DE" dirty="0">
+              <a:solidFill>
+                <a:schemeClr val="bg1"/>
+              </a:solidFill>
+            </a:endParaRPr>
+          </a:p>
+          <a:p>
+            <a:pPr marL="285750" indent="-285750">
+              <a:buFont typeface="Arial" panose="020B0604020202020204" pitchFamily="34" charset="0"/>
+              <a:buChar char="•"/>
+            </a:pPr>
+            <a:r>
+              <a:rPr lang="de-DE" dirty="0">
+                <a:solidFill>
+                  <a:schemeClr val="bg1"/>
+                </a:solidFill>
+              </a:rPr>
+              <a:t>Aufgabenstellung</a:t>
+            </a:r>
+          </a:p>
+          <a:p>
+            <a:pPr marL="285750" indent="-285750">
+              <a:buFont typeface="Arial" panose="020B0604020202020204" pitchFamily="34" charset="0"/>
+              <a:buChar char="•"/>
+            </a:pPr>
+            <a:endParaRPr lang="de-DE" dirty="0">
+              <a:solidFill>
+                <a:schemeClr val="bg1"/>
+              </a:solidFill>
+            </a:endParaRPr>
+          </a:p>
+          <a:p>
+            <a:pPr marL="285750" indent="-285750">
+              <a:buFont typeface="Arial" panose="020B0604020202020204" pitchFamily="34" charset="0"/>
+              <a:buChar char="•"/>
+            </a:pPr>
+            <a:r>
+              <a:rPr lang="de-DE" dirty="0">
+                <a:solidFill>
+                  <a:schemeClr val="bg1"/>
+                </a:solidFill>
+              </a:rPr>
+              <a:t>Anforderungen</a:t>
+            </a:r>
+          </a:p>
+          <a:p>
+            <a:pPr marL="285750" indent="-285750">
+              <a:buFont typeface="Arial" panose="020B0604020202020204" pitchFamily="34" charset="0"/>
+              <a:buChar char="•"/>
+            </a:pPr>
+            <a:endParaRPr lang="de-DE" dirty="0">
+              <a:solidFill>
+                <a:schemeClr val="bg1"/>
+              </a:solidFill>
+            </a:endParaRPr>
+          </a:p>
+          <a:p>
+            <a:pPr marL="285750" indent="-285750">
+              <a:buFont typeface="Arial" panose="020B0604020202020204" pitchFamily="34" charset="0"/>
+              <a:buChar char="•"/>
+            </a:pPr>
+            <a:r>
+              <a:rPr lang="de-DE" dirty="0">
+                <a:solidFill>
+                  <a:schemeClr val="bg1"/>
+                </a:solidFill>
+              </a:rPr>
+              <a:t>Technologien</a:t>
+            </a:r>
+          </a:p>
+          <a:p>
+            <a:pPr marL="285750" indent="-285750">
+              <a:buFont typeface="Arial" panose="020B0604020202020204" pitchFamily="34" charset="0"/>
+              <a:buChar char="•"/>
+            </a:pPr>
+            <a:endParaRPr lang="de-DE" dirty="0">
+              <a:solidFill>
+                <a:schemeClr val="bg1"/>
+              </a:solidFill>
+            </a:endParaRPr>
+          </a:p>
+          <a:p>
+            <a:pPr marL="285750" indent="-285750">
+              <a:buFont typeface="Arial" panose="020B0604020202020204" pitchFamily="34" charset="0"/>
+              <a:buChar char="•"/>
+            </a:pPr>
+            <a:r>
+              <a:rPr lang="de-DE" dirty="0">
+                <a:solidFill>
+                  <a:schemeClr val="bg1"/>
+                </a:solidFill>
+              </a:rPr>
+              <a:t>Rollenkonzept</a:t>
+            </a:r>
+          </a:p>
+          <a:p>
+            <a:pPr marL="285750" indent="-285750">
+              <a:buFont typeface="Arial" panose="020B0604020202020204" pitchFamily="34" charset="0"/>
+              <a:buChar char="•"/>
+            </a:pPr>
+            <a:endParaRPr lang="de-DE" dirty="0">
+              <a:solidFill>
+                <a:schemeClr val="bg1"/>
+              </a:solidFill>
+            </a:endParaRPr>
+          </a:p>
+          <a:p>
+            <a:pPr marL="285750" indent="-285750">
+              <a:buFont typeface="Arial" panose="020B0604020202020204" pitchFamily="34" charset="0"/>
+              <a:buChar char="•"/>
+            </a:pPr>
+            <a:r>
+              <a:rPr lang="de-DE" dirty="0">
+                <a:solidFill>
+                  <a:schemeClr val="bg1"/>
+                </a:solidFill>
+              </a:rPr>
+              <a:t>Klassendiagramm</a:t>
+            </a:r>
+          </a:p>
+          <a:p>
+            <a:pPr marL="285750" indent="-285750">
+              <a:buFont typeface="Arial" panose="020B0604020202020204" pitchFamily="34" charset="0"/>
+              <a:buChar char="•"/>
+            </a:pPr>
+            <a:endParaRPr lang="de-DE" dirty="0">
+              <a:solidFill>
+                <a:schemeClr val="bg1"/>
+              </a:solidFill>
+            </a:endParaRPr>
+          </a:p>
+          <a:p>
+            <a:pPr marL="285750" indent="-285750">
+              <a:buFont typeface="Arial" panose="020B0604020202020204" pitchFamily="34" charset="0"/>
+              <a:buChar char="•"/>
+            </a:pPr>
+            <a:r>
+              <a:rPr lang="de-DE" dirty="0">
+                <a:solidFill>
+                  <a:schemeClr val="bg1"/>
+                </a:solidFill>
+              </a:rPr>
+              <a:t>Screenshots</a:t>
+            </a:r>
+          </a:p>
+        </p:txBody>
+      </p:sp>
+      <p:sp>
+        <p:nvSpPr>
+          <p:cNvPr id="5" name="Slide Number Placeholder 4">
+            <a:extLst>
+              <a:ext uri="{FF2B5EF4-FFF2-40B4-BE49-F238E27FC236}">
+                <a16:creationId xmlns:a16="http://schemas.microsoft.com/office/drawing/2014/main" id="{1A68A4A1-C191-7418-DCD5-1521B409655F}"/>
+              </a:ext>
+            </a:extLst>
+          </p:cNvPr>
+          <p:cNvSpPr>
+            <a:spLocks noGrp="1"/>
+          </p:cNvSpPr>
+          <p:nvPr>
+            <p:ph type="sldNum" sz="quarter" idx="12"/>
+          </p:nvPr>
+        </p:nvSpPr>
+        <p:spPr/>
+        <p:txBody>
+          <a:bodyPr/>
+          <a:lstStyle/>
+          <a:p>
+            <a:fld id="{13C740AA-7824-4996-A9A9-B0E74C888E41}" type="slidenum">
+              <a:rPr lang="de-DE" smtClean="0"/>
+              <a:t>12</a:t>
+            </a:fld>
+            <a:endParaRPr lang="de-DE"/>
+          </a:p>
+        </p:txBody>
+      </p:sp>
+      <p:sp>
+        <p:nvSpPr>
+          <p:cNvPr id="8" name="Arrow: Right 7">
+            <a:extLst>
+              <a:ext uri="{FF2B5EF4-FFF2-40B4-BE49-F238E27FC236}">
+                <a16:creationId xmlns:a16="http://schemas.microsoft.com/office/drawing/2014/main" id="{73E33C6E-225B-A8A1-7C92-FCCAB5DA38DB}"/>
+              </a:ext>
+            </a:extLst>
+          </p:cNvPr>
+          <p:cNvSpPr/>
+          <p:nvPr/>
+        </p:nvSpPr>
+        <p:spPr>
+          <a:xfrm>
+            <a:off x="8992788" y="4943970"/>
+            <a:ext cx="657225" cy="482601"/>
+          </a:xfrm>
+          <a:prstGeom prst="rightArrow">
+            <a:avLst/>
+          </a:prstGeom>
+          <a:solidFill>
+            <a:schemeClr val="bg1"/>
+          </a:solidFill>
+          <a:ln>
+            <a:solidFill>
+              <a:schemeClr val="bg1"/>
+            </a:solidFill>
+          </a:ln>
+        </p:spPr>
+        <p:style>
+          <a:lnRef idx="2">
+            <a:schemeClr val="accent1">
+              <a:shade val="15000"/>
+            </a:schemeClr>
+          </a:lnRef>
+          <a:fillRef idx="1">
+            <a:schemeClr val="accent1"/>
+          </a:fillRef>
+          <a:effectRef idx="0">
+            <a:schemeClr val="accent1"/>
+          </a:effectRef>
+          <a:fontRef idx="minor">
+            <a:schemeClr val="lt1"/>
+          </a:fontRef>
+        </p:style>
+        <p:txBody>
+          <a:bodyPr rtlCol="0" anchor="ctr"/>
+          <a:lstStyle/>
+          <a:p>
+            <a:pPr algn="ctr"/>
+            <a:endParaRPr lang="de-DE"/>
+          </a:p>
+        </p:txBody>
+      </p:sp>
+    </p:spTree>
+    <p:extLst>
+      <p:ext uri="{BB962C8B-B14F-4D97-AF65-F5344CB8AC3E}">
+        <p14:creationId xmlns:p14="http://schemas.microsoft.com/office/powerpoint/2010/main" val="2389793560"/>
+      </p:ext>
+    </p:extLst>
+  </p:cSld>
+  <p:clrMapOvr>
+    <a:masterClrMapping/>
+  </p:clrMapOvr>
+  <mc:AlternateContent xmlns:mc="http://schemas.openxmlformats.org/markup-compatibility/2006">
+    <mc:Choice xmlns:p159="http://schemas.microsoft.com/office/powerpoint/2015/09/main" Requires="p159">
+      <p:transition spd="med">
+        <p159:morph option="byObject"/>
+      </p:transition>
+    </mc:Choice>
+    <mc:Fallback>
+      <p:transition spd="med">
+        <p:fade/>
+      </p:transition>
+    </mc:Fallback>
+  </mc:AlternateContent>
+</p:sld>
+</file>
+
+<file path=ppt/slides/slide13.xml><?xml version="1.0" encoding="utf-8"?>
+<p:sld xmlns:a="http://schemas.openxmlformats.org/drawingml/2006/main" xmlns:r="http://schemas.openxmlformats.org/officeDocument/2006/relationships" xmlns:p="http://schemas.openxmlformats.org/presentationml/2006/main">
+  <p:cSld>
+    <p:bg>
+      <p:bgPr>
+        <a:solidFill>
+          <a:schemeClr val="bg1"/>
+        </a:solidFill>
+        <a:effectLst/>
+      </p:bgPr>
+    </p:bg>
+    <p:spTree>
+      <p:nvGrpSpPr>
+        <p:cNvPr id="1" name=""/>
+        <p:cNvGrpSpPr/>
+        <p:nvPr/>
+      </p:nvGrpSpPr>
+      <p:grpSpPr>
+        <a:xfrm>
+          <a:off x="0" y="0"/>
+          <a:ext cx="0" cy="0"/>
+          <a:chOff x="0" y="0"/>
+          <a:chExt cx="0" cy="0"/>
+        </a:xfrm>
+      </p:grpSpPr>
+      <p:sp>
+        <p:nvSpPr>
+          <p:cNvPr id="23" name="Rectangle 22">
+            <a:extLst>
+              <a:ext uri="{FF2B5EF4-FFF2-40B4-BE49-F238E27FC236}">
+                <a16:creationId xmlns:a16="http://schemas.microsoft.com/office/drawing/2014/main" id="{1A9F7B4E-B03D-4F64-BE33-00D074458D45}"/>
+              </a:ext>
+              <a:ext uri="{C183D7F6-B498-43B3-948B-1728B52AA6E4}">
+                <adec:decorative xmlns:adec="http://schemas.microsoft.com/office/drawing/2017/decorative" val="1"/>
+              </a:ext>
+            </a:extLst>
+          </p:cNvPr>
+          <p:cNvSpPr>
+            <a:spLocks noGrp="1" noRot="1" noChangeAspect="1" noMove="1" noResize="1" noEditPoints="1" noAdjustHandles="1" noChangeArrowheads="1" noChangeShapeType="1" noTextEdit="1"/>
+          </p:cNvSpPr>
+          <p:nvPr>
+            <p:extLst>
+              <p:ext uri="{386F3935-93C4-4BCD-93E2-E3B085C9AB24}">
+                <p16:designElem xmlns:p16="http://schemas.microsoft.com/office/powerpoint/2015/main" val="1"/>
+              </p:ext>
+            </p:extLst>
+          </p:nvPr>
+        </p:nvSpPr>
+        <p:spPr>
+          <a:xfrm>
+            <a:off x="0" y="0"/>
+            <a:ext cx="12188952" cy="6858000"/>
+          </a:xfrm>
+          <a:prstGeom prst="rect">
+            <a:avLst/>
+          </a:prstGeom>
+          <a:solidFill>
+            <a:schemeClr val="tx1"/>
+          </a:solidFill>
+          <a:ln>
+            <a:noFill/>
+          </a:ln>
+        </p:spPr>
+        <p:style>
+          <a:lnRef idx="2">
+            <a:schemeClr val="accent1">
+              <a:shade val="50000"/>
+            </a:schemeClr>
+          </a:lnRef>
+          <a:fillRef idx="1">
+            <a:schemeClr val="accent1"/>
+          </a:fillRef>
+          <a:effectRef idx="0">
+            <a:schemeClr val="accent1"/>
+          </a:effectRef>
+          <a:fontRef idx="minor">
+            <a:schemeClr val="lt1"/>
+          </a:fontRef>
+        </p:style>
+        <p:txBody>
+          <a:bodyPr rtlCol="0" anchor="ctr"/>
+          <a:lstStyle/>
+          <a:p>
+            <a:pPr algn="ctr"/>
+            <a:endParaRPr lang="en-US"/>
+          </a:p>
+        </p:txBody>
+      </p:sp>
+      <p:pic>
+        <p:nvPicPr>
+          <p:cNvPr id="18" name="Picture 17" descr="A blue and green lines on a black background&#10;&#10;Description automatically generated">
+            <a:extLst>
+              <a:ext uri="{FF2B5EF4-FFF2-40B4-BE49-F238E27FC236}">
+                <a16:creationId xmlns:a16="http://schemas.microsoft.com/office/drawing/2014/main" id="{9E2CA162-4ACE-88C3-D272-088E41436A49}"/>
+              </a:ext>
+            </a:extLst>
+          </p:cNvPr>
+          <p:cNvPicPr>
+            <a:picLocks noChangeAspect="1"/>
+          </p:cNvPicPr>
+          <p:nvPr/>
+        </p:nvPicPr>
+        <p:blipFill rotWithShape="1">
+          <a:blip r:embed="rId2">
+            <a:alphaModFix amt="40000"/>
+          </a:blip>
+          <a:srcRect t="13655" b="6840"/>
+          <a:stretch/>
+        </p:blipFill>
+        <p:spPr>
+          <a:xfrm>
+            <a:off x="20" y="10"/>
+            <a:ext cx="12191979" cy="6857990"/>
+          </a:xfrm>
+          <a:prstGeom prst="rect">
+            <a:avLst/>
+          </a:prstGeom>
+        </p:spPr>
+      </p:pic>
+      <p:sp>
+        <p:nvSpPr>
+          <p:cNvPr id="2" name="Title 1">
+            <a:extLst>
+              <a:ext uri="{FF2B5EF4-FFF2-40B4-BE49-F238E27FC236}">
+                <a16:creationId xmlns:a16="http://schemas.microsoft.com/office/drawing/2014/main" id="{61CE0095-EFE9-6204-1ACC-4BEB3E59878B}"/>
+              </a:ext>
+            </a:extLst>
+          </p:cNvPr>
+          <p:cNvSpPr>
+            <a:spLocks noGrp="1"/>
+          </p:cNvSpPr>
+          <p:nvPr>
+            <p:ph type="title"/>
+          </p:nvPr>
+        </p:nvSpPr>
+        <p:spPr>
+          <a:xfrm>
+            <a:off x="838200" y="365125"/>
+            <a:ext cx="10515600" cy="1325563"/>
+          </a:xfrm>
+        </p:spPr>
+        <p:txBody>
+          <a:bodyPr vert="horz" lIns="91440" tIns="45720" rIns="91440" bIns="45720" rtlCol="0">
+            <a:normAutofit/>
+          </a:bodyPr>
+          <a:lstStyle/>
+          <a:p>
+            <a:r>
+              <a:rPr lang="en-US" sz="5400" dirty="0">
+                <a:solidFill>
+                  <a:schemeClr val="bg1"/>
+                </a:solidFill>
+              </a:rPr>
+              <a:t>Screenshots</a:t>
+            </a:r>
+          </a:p>
+        </p:txBody>
+      </p:sp>
+      <p:sp>
+        <p:nvSpPr>
+          <p:cNvPr id="25" name="sketchy line">
+            <a:extLst>
+              <a:ext uri="{FF2B5EF4-FFF2-40B4-BE49-F238E27FC236}">
+                <a16:creationId xmlns:a16="http://schemas.microsoft.com/office/drawing/2014/main" id="{7E2BE7F7-CA89-4002-ACCE-A478AEA24F5E}"/>
+              </a:ext>
+              <a:ext uri="{C183D7F6-B498-43B3-948B-1728B52AA6E4}">
+                <adec:decorative xmlns:adec="http://schemas.microsoft.com/office/drawing/2017/decorative" val="1"/>
+              </a:ext>
+            </a:extLst>
+          </p:cNvPr>
+          <p:cNvSpPr>
+            <a:spLocks noGrp="1" noRot="1" noChangeAspect="1" noMove="1" noResize="1" noEditPoints="1" noAdjustHandles="1" noChangeArrowheads="1" noChangeShapeType="1" noTextEdit="1"/>
+          </p:cNvSpPr>
+          <p:nvPr>
+            <p:extLst>
+              <p:ext uri="{386F3935-93C4-4BCD-93E2-E3B085C9AB24}">
+                <p16:designElem xmlns:p16="http://schemas.microsoft.com/office/powerpoint/2015/main" val="1"/>
+              </p:ext>
+            </p:extLst>
+          </p:nvPr>
+        </p:nvSpPr>
+        <p:spPr>
+          <a:xfrm>
+            <a:off x="914399" y="1681544"/>
+            <a:ext cx="9692640" cy="18288"/>
+          </a:xfrm>
+          <a:custGeom>
+            <a:avLst/>
+            <a:gdLst>
+              <a:gd name="connsiteX0" fmla="*/ 0 w 9692640"/>
+              <a:gd name="connsiteY0" fmla="*/ 0 h 18288"/>
+              <a:gd name="connsiteX1" fmla="*/ 401552 w 9692640"/>
+              <a:gd name="connsiteY1" fmla="*/ 0 h 18288"/>
+              <a:gd name="connsiteX2" fmla="*/ 996957 w 9692640"/>
+              <a:gd name="connsiteY2" fmla="*/ 0 h 18288"/>
+              <a:gd name="connsiteX3" fmla="*/ 1398509 w 9692640"/>
+              <a:gd name="connsiteY3" fmla="*/ 0 h 18288"/>
+              <a:gd name="connsiteX4" fmla="*/ 2090841 w 9692640"/>
+              <a:gd name="connsiteY4" fmla="*/ 0 h 18288"/>
+              <a:gd name="connsiteX5" fmla="*/ 2686246 w 9692640"/>
+              <a:gd name="connsiteY5" fmla="*/ 0 h 18288"/>
+              <a:gd name="connsiteX6" fmla="*/ 3475504 w 9692640"/>
+              <a:gd name="connsiteY6" fmla="*/ 0 h 18288"/>
+              <a:gd name="connsiteX7" fmla="*/ 4361688 w 9692640"/>
+              <a:gd name="connsiteY7" fmla="*/ 0 h 18288"/>
+              <a:gd name="connsiteX8" fmla="*/ 5054019 w 9692640"/>
+              <a:gd name="connsiteY8" fmla="*/ 0 h 18288"/>
+              <a:gd name="connsiteX9" fmla="*/ 5940204 w 9692640"/>
+              <a:gd name="connsiteY9" fmla="*/ 0 h 18288"/>
+              <a:gd name="connsiteX10" fmla="*/ 6632535 w 9692640"/>
+              <a:gd name="connsiteY10" fmla="*/ 0 h 18288"/>
+              <a:gd name="connsiteX11" fmla="*/ 7034087 w 9692640"/>
+              <a:gd name="connsiteY11" fmla="*/ 0 h 18288"/>
+              <a:gd name="connsiteX12" fmla="*/ 7532566 w 9692640"/>
+              <a:gd name="connsiteY12" fmla="*/ 0 h 18288"/>
+              <a:gd name="connsiteX13" fmla="*/ 8418750 w 9692640"/>
+              <a:gd name="connsiteY13" fmla="*/ 0 h 18288"/>
+              <a:gd name="connsiteX14" fmla="*/ 9692640 w 9692640"/>
+              <a:gd name="connsiteY14" fmla="*/ 0 h 18288"/>
+              <a:gd name="connsiteX15" fmla="*/ 9692640 w 9692640"/>
+              <a:gd name="connsiteY15" fmla="*/ 18288 h 18288"/>
+              <a:gd name="connsiteX16" fmla="*/ 9000309 w 9692640"/>
+              <a:gd name="connsiteY16" fmla="*/ 18288 h 18288"/>
+              <a:gd name="connsiteX17" fmla="*/ 8307977 w 9692640"/>
+              <a:gd name="connsiteY17" fmla="*/ 18288 h 18288"/>
+              <a:gd name="connsiteX18" fmla="*/ 7712572 w 9692640"/>
+              <a:gd name="connsiteY18" fmla="*/ 18288 h 18288"/>
+              <a:gd name="connsiteX19" fmla="*/ 7214093 w 9692640"/>
+              <a:gd name="connsiteY19" fmla="*/ 18288 h 18288"/>
+              <a:gd name="connsiteX20" fmla="*/ 6327909 w 9692640"/>
+              <a:gd name="connsiteY20" fmla="*/ 18288 h 18288"/>
+              <a:gd name="connsiteX21" fmla="*/ 5635578 w 9692640"/>
+              <a:gd name="connsiteY21" fmla="*/ 18288 h 18288"/>
+              <a:gd name="connsiteX22" fmla="*/ 4846320 w 9692640"/>
+              <a:gd name="connsiteY22" fmla="*/ 18288 h 18288"/>
+              <a:gd name="connsiteX23" fmla="*/ 4444768 w 9692640"/>
+              <a:gd name="connsiteY23" fmla="*/ 18288 h 18288"/>
+              <a:gd name="connsiteX24" fmla="*/ 3946289 w 9692640"/>
+              <a:gd name="connsiteY24" fmla="*/ 18288 h 18288"/>
+              <a:gd name="connsiteX25" fmla="*/ 3253958 w 9692640"/>
+              <a:gd name="connsiteY25" fmla="*/ 18288 h 18288"/>
+              <a:gd name="connsiteX26" fmla="*/ 2464700 w 9692640"/>
+              <a:gd name="connsiteY26" fmla="*/ 18288 h 18288"/>
+              <a:gd name="connsiteX27" fmla="*/ 2063148 w 9692640"/>
+              <a:gd name="connsiteY27" fmla="*/ 18288 h 18288"/>
+              <a:gd name="connsiteX28" fmla="*/ 1661595 w 9692640"/>
+              <a:gd name="connsiteY28" fmla="*/ 18288 h 18288"/>
+              <a:gd name="connsiteX29" fmla="*/ 969264 w 9692640"/>
+              <a:gd name="connsiteY29" fmla="*/ 18288 h 18288"/>
+              <a:gd name="connsiteX30" fmla="*/ 0 w 9692640"/>
+              <a:gd name="connsiteY30" fmla="*/ 18288 h 18288"/>
+              <a:gd name="connsiteX31" fmla="*/ 0 w 9692640"/>
+              <a:gd name="connsiteY31" fmla="*/ 0 h 18288"/>
+            </a:gdLst>
+            <a:ahLst/>
+            <a:cxnLst>
+              <a:cxn ang="0">
+                <a:pos x="connsiteX0" y="connsiteY0"/>
+              </a:cxn>
+              <a:cxn ang="0">
+                <a:pos x="connsiteX1" y="connsiteY1"/>
+              </a:cxn>
+              <a:cxn ang="0">
+                <a:pos x="connsiteX2" y="connsiteY2"/>
+              </a:cxn>
+              <a:cxn ang="0">
+                <a:pos x="connsiteX3" y="connsiteY3"/>
+              </a:cxn>
+              <a:cxn ang="0">
+                <a:pos x="connsiteX4" y="connsiteY4"/>
+              </a:cxn>
+              <a:cxn ang="0">
+                <a:pos x="connsiteX5" y="connsiteY5"/>
+              </a:cxn>
+              <a:cxn ang="0">
+                <a:pos x="connsiteX6" y="connsiteY6"/>
+              </a:cxn>
+              <a:cxn ang="0">
+                <a:pos x="connsiteX7" y="connsiteY7"/>
+              </a:cxn>
+              <a:cxn ang="0">
+                <a:pos x="connsiteX8" y="connsiteY8"/>
+              </a:cxn>
+              <a:cxn ang="0">
+                <a:pos x="connsiteX9" y="connsiteY9"/>
+              </a:cxn>
+              <a:cxn ang="0">
+                <a:pos x="connsiteX10" y="connsiteY10"/>
+              </a:cxn>
+              <a:cxn ang="0">
+                <a:pos x="connsiteX11" y="connsiteY11"/>
+              </a:cxn>
+              <a:cxn ang="0">
+                <a:pos x="connsiteX12" y="connsiteY12"/>
+              </a:cxn>
+              <a:cxn ang="0">
+                <a:pos x="connsiteX13" y="connsiteY13"/>
+              </a:cxn>
+              <a:cxn ang="0">
+                <a:pos x="connsiteX14" y="connsiteY14"/>
+              </a:cxn>
+              <a:cxn ang="0">
+                <a:pos x="connsiteX15" y="connsiteY15"/>
+              </a:cxn>
+              <a:cxn ang="0">
+                <a:pos x="connsiteX16" y="connsiteY16"/>
+              </a:cxn>
+              <a:cxn ang="0">
+                <a:pos x="connsiteX17" y="connsiteY17"/>
+              </a:cxn>
+              <a:cxn ang="0">
+                <a:pos x="connsiteX18" y="connsiteY18"/>
+              </a:cxn>
+              <a:cxn ang="0">
+                <a:pos x="connsiteX19" y="connsiteY19"/>
+              </a:cxn>
+              <a:cxn ang="0">
+                <a:pos x="connsiteX20" y="connsiteY20"/>
+              </a:cxn>
+              <a:cxn ang="0">
+                <a:pos x="connsiteX21" y="connsiteY21"/>
+              </a:cxn>
+              <a:cxn ang="0">
+                <a:pos x="connsiteX22" y="connsiteY22"/>
+              </a:cxn>
+              <a:cxn ang="0">
+                <a:pos x="connsiteX23" y="connsiteY23"/>
+              </a:cxn>
+              <a:cxn ang="0">
+                <a:pos x="connsiteX24" y="connsiteY24"/>
+              </a:cxn>
+              <a:cxn ang="0">
+                <a:pos x="connsiteX25" y="connsiteY25"/>
+              </a:cxn>
+              <a:cxn ang="0">
+                <a:pos x="connsiteX26" y="connsiteY26"/>
+              </a:cxn>
+              <a:cxn ang="0">
+                <a:pos x="connsiteX27" y="connsiteY27"/>
+              </a:cxn>
+              <a:cxn ang="0">
+                <a:pos x="connsiteX28" y="connsiteY28"/>
+              </a:cxn>
+              <a:cxn ang="0">
+                <a:pos x="connsiteX29" y="connsiteY29"/>
+              </a:cxn>
+              <a:cxn ang="0">
+                <a:pos x="connsiteX30" y="connsiteY30"/>
+              </a:cxn>
+              <a:cxn ang="0">
+                <a:pos x="connsiteX31" y="connsiteY31"/>
+              </a:cxn>
+            </a:cxnLst>
+            <a:rect l="l" t="t" r="r" b="b"/>
+            <a:pathLst>
+              <a:path w="9692640" h="18288" fill="none" extrusionOk="0">
+                <a:moveTo>
+                  <a:pt x="0" y="0"/>
+                </a:moveTo>
+                <a:cubicBezTo>
+                  <a:pt x="142992" y="4732"/>
+                  <a:pt x="265909" y="-3365"/>
+                  <a:pt x="401552" y="0"/>
+                </a:cubicBezTo>
+                <a:cubicBezTo>
+                  <a:pt x="537195" y="3365"/>
+                  <a:pt x="738153" y="6482"/>
+                  <a:pt x="996957" y="0"/>
+                </a:cubicBezTo>
+                <a:cubicBezTo>
+                  <a:pt x="1255762" y="-6482"/>
+                  <a:pt x="1280511" y="12509"/>
+                  <a:pt x="1398509" y="0"/>
+                </a:cubicBezTo>
+                <a:cubicBezTo>
+                  <a:pt x="1516507" y="-12509"/>
+                  <a:pt x="1782573" y="-31523"/>
+                  <a:pt x="2090841" y="0"/>
+                </a:cubicBezTo>
+                <a:cubicBezTo>
+                  <a:pt x="2399109" y="31523"/>
+                  <a:pt x="2488380" y="26286"/>
+                  <a:pt x="2686246" y="0"/>
+                </a:cubicBezTo>
+                <a:cubicBezTo>
+                  <a:pt x="2884112" y="-26286"/>
+                  <a:pt x="3186024" y="-14734"/>
+                  <a:pt x="3475504" y="0"/>
+                </a:cubicBezTo>
+                <a:cubicBezTo>
+                  <a:pt x="3764984" y="14734"/>
+                  <a:pt x="4053017" y="43292"/>
+                  <a:pt x="4361688" y="0"/>
+                </a:cubicBezTo>
+                <a:cubicBezTo>
+                  <a:pt x="4670359" y="-43292"/>
+                  <a:pt x="4736164" y="-729"/>
+                  <a:pt x="5054019" y="0"/>
+                </a:cubicBezTo>
+                <a:cubicBezTo>
+                  <a:pt x="5371874" y="729"/>
+                  <a:pt x="5543528" y="-22963"/>
+                  <a:pt x="5940204" y="0"/>
+                </a:cubicBezTo>
+                <a:cubicBezTo>
+                  <a:pt x="6336881" y="22963"/>
+                  <a:pt x="6423838" y="6469"/>
+                  <a:pt x="6632535" y="0"/>
+                </a:cubicBezTo>
+                <a:cubicBezTo>
+                  <a:pt x="6841232" y="-6469"/>
+                  <a:pt x="6852819" y="17036"/>
+                  <a:pt x="7034087" y="0"/>
+                </a:cubicBezTo>
+                <a:cubicBezTo>
+                  <a:pt x="7215355" y="-17036"/>
+                  <a:pt x="7313136" y="11151"/>
+                  <a:pt x="7532566" y="0"/>
+                </a:cubicBezTo>
+                <a:cubicBezTo>
+                  <a:pt x="7751996" y="-11151"/>
+                  <a:pt x="8015001" y="25614"/>
+                  <a:pt x="8418750" y="0"/>
+                </a:cubicBezTo>
+                <a:cubicBezTo>
+                  <a:pt x="8822499" y="-25614"/>
+                  <a:pt x="9163239" y="48603"/>
+                  <a:pt x="9692640" y="0"/>
+                </a:cubicBezTo>
+                <a:cubicBezTo>
+                  <a:pt x="9691955" y="4437"/>
+                  <a:pt x="9693170" y="10717"/>
+                  <a:pt x="9692640" y="18288"/>
+                </a:cubicBezTo>
+                <a:cubicBezTo>
+                  <a:pt x="9545125" y="42172"/>
+                  <a:pt x="9164259" y="6706"/>
+                  <a:pt x="9000309" y="18288"/>
+                </a:cubicBezTo>
+                <a:cubicBezTo>
+                  <a:pt x="8836359" y="29870"/>
+                  <a:pt x="8521035" y="-14108"/>
+                  <a:pt x="8307977" y="18288"/>
+                </a:cubicBezTo>
+                <a:cubicBezTo>
+                  <a:pt x="8094919" y="50684"/>
+                  <a:pt x="7881757" y="11235"/>
+                  <a:pt x="7712572" y="18288"/>
+                </a:cubicBezTo>
+                <a:cubicBezTo>
+                  <a:pt x="7543387" y="25341"/>
+                  <a:pt x="7358861" y="20625"/>
+                  <a:pt x="7214093" y="18288"/>
+                </a:cubicBezTo>
+                <a:cubicBezTo>
+                  <a:pt x="7069325" y="15951"/>
+                  <a:pt x="6523705" y="52160"/>
+                  <a:pt x="6327909" y="18288"/>
+                </a:cubicBezTo>
+                <a:cubicBezTo>
+                  <a:pt x="6132113" y="-15584"/>
+                  <a:pt x="5923847" y="21204"/>
+                  <a:pt x="5635578" y="18288"/>
+                </a:cubicBezTo>
+                <a:cubicBezTo>
+                  <a:pt x="5347309" y="15372"/>
+                  <a:pt x="5114749" y="50642"/>
+                  <a:pt x="4846320" y="18288"/>
+                </a:cubicBezTo>
+                <a:cubicBezTo>
+                  <a:pt x="4577891" y="-14066"/>
+                  <a:pt x="4576701" y="1487"/>
+                  <a:pt x="4444768" y="18288"/>
+                </a:cubicBezTo>
+                <a:cubicBezTo>
+                  <a:pt x="4312835" y="35089"/>
+                  <a:pt x="4112575" y="15158"/>
+                  <a:pt x="3946289" y="18288"/>
+                </a:cubicBezTo>
+                <a:cubicBezTo>
+                  <a:pt x="3780003" y="21418"/>
+                  <a:pt x="3396009" y="18797"/>
+                  <a:pt x="3253958" y="18288"/>
+                </a:cubicBezTo>
+                <a:cubicBezTo>
+                  <a:pt x="3111907" y="17779"/>
+                  <a:pt x="2760272" y="57223"/>
+                  <a:pt x="2464700" y="18288"/>
+                </a:cubicBezTo>
+                <a:cubicBezTo>
+                  <a:pt x="2169128" y="-20647"/>
+                  <a:pt x="2232262" y="7960"/>
+                  <a:pt x="2063148" y="18288"/>
+                </a:cubicBezTo>
+                <a:cubicBezTo>
+                  <a:pt x="1894034" y="28616"/>
+                  <a:pt x="1799338" y="3019"/>
+                  <a:pt x="1661595" y="18288"/>
+                </a:cubicBezTo>
+                <a:cubicBezTo>
+                  <a:pt x="1523852" y="33557"/>
+                  <a:pt x="1113928" y="-4352"/>
+                  <a:pt x="969264" y="18288"/>
+                </a:cubicBezTo>
+                <a:cubicBezTo>
+                  <a:pt x="824600" y="40928"/>
+                  <a:pt x="356149" y="-3128"/>
+                  <a:pt x="0" y="18288"/>
+                </a:cubicBezTo>
+                <a:cubicBezTo>
+                  <a:pt x="-540" y="12521"/>
+                  <a:pt x="894" y="7749"/>
+                  <a:pt x="0" y="0"/>
+                </a:cubicBezTo>
+                <a:close/>
+              </a:path>
+              <a:path w="9692640" h="18288" stroke="0" extrusionOk="0">
+                <a:moveTo>
+                  <a:pt x="0" y="0"/>
+                </a:moveTo>
+                <a:cubicBezTo>
+                  <a:pt x="162642" y="3864"/>
+                  <a:pt x="346119" y="-18364"/>
+                  <a:pt x="498479" y="0"/>
+                </a:cubicBezTo>
+                <a:cubicBezTo>
+                  <a:pt x="650839" y="18364"/>
+                  <a:pt x="712065" y="-9389"/>
+                  <a:pt x="900031" y="0"/>
+                </a:cubicBezTo>
+                <a:cubicBezTo>
+                  <a:pt x="1087997" y="9389"/>
+                  <a:pt x="1177291" y="3685"/>
+                  <a:pt x="1398509" y="0"/>
+                </a:cubicBezTo>
+                <a:cubicBezTo>
+                  <a:pt x="1619727" y="-3685"/>
+                  <a:pt x="1874008" y="-8897"/>
+                  <a:pt x="2090841" y="0"/>
+                </a:cubicBezTo>
+                <a:cubicBezTo>
+                  <a:pt x="2307674" y="8897"/>
+                  <a:pt x="2573432" y="-313"/>
+                  <a:pt x="2880099" y="0"/>
+                </a:cubicBezTo>
+                <a:cubicBezTo>
+                  <a:pt x="3186766" y="313"/>
+                  <a:pt x="3422577" y="10664"/>
+                  <a:pt x="3766283" y="0"/>
+                </a:cubicBezTo>
+                <a:cubicBezTo>
+                  <a:pt x="4109989" y="-10664"/>
+                  <a:pt x="4342683" y="-32873"/>
+                  <a:pt x="4652467" y="0"/>
+                </a:cubicBezTo>
+                <a:cubicBezTo>
+                  <a:pt x="4962251" y="32873"/>
+                  <a:pt x="5122120" y="29155"/>
+                  <a:pt x="5247872" y="0"/>
+                </a:cubicBezTo>
+                <a:cubicBezTo>
+                  <a:pt x="5373625" y="-29155"/>
+                  <a:pt x="5749491" y="1706"/>
+                  <a:pt x="6037130" y="0"/>
+                </a:cubicBezTo>
+                <a:cubicBezTo>
+                  <a:pt x="6324769" y="-1706"/>
+                  <a:pt x="6531407" y="1172"/>
+                  <a:pt x="6729461" y="0"/>
+                </a:cubicBezTo>
+                <a:cubicBezTo>
+                  <a:pt x="6927515" y="-1172"/>
+                  <a:pt x="7096794" y="-1520"/>
+                  <a:pt x="7324867" y="0"/>
+                </a:cubicBezTo>
+                <a:cubicBezTo>
+                  <a:pt x="7552940" y="1520"/>
+                  <a:pt x="7878827" y="-17110"/>
+                  <a:pt x="8114124" y="0"/>
+                </a:cubicBezTo>
+                <a:cubicBezTo>
+                  <a:pt x="8349421" y="17110"/>
+                  <a:pt x="8334208" y="15114"/>
+                  <a:pt x="8515677" y="0"/>
+                </a:cubicBezTo>
+                <a:cubicBezTo>
+                  <a:pt x="8697146" y="-15114"/>
+                  <a:pt x="9236164" y="22466"/>
+                  <a:pt x="9692640" y="0"/>
+                </a:cubicBezTo>
+                <a:cubicBezTo>
+                  <a:pt x="9692735" y="8251"/>
+                  <a:pt x="9692514" y="12333"/>
+                  <a:pt x="9692640" y="18288"/>
+                </a:cubicBezTo>
+                <a:cubicBezTo>
+                  <a:pt x="9410102" y="47398"/>
+                  <a:pt x="9172773" y="7109"/>
+                  <a:pt x="9000309" y="18288"/>
+                </a:cubicBezTo>
+                <a:cubicBezTo>
+                  <a:pt x="8827845" y="29467"/>
+                  <a:pt x="8713608" y="28372"/>
+                  <a:pt x="8501830" y="18288"/>
+                </a:cubicBezTo>
+                <a:cubicBezTo>
+                  <a:pt x="8290052" y="8204"/>
+                  <a:pt x="7893416" y="3561"/>
+                  <a:pt x="7712572" y="18288"/>
+                </a:cubicBezTo>
+                <a:cubicBezTo>
+                  <a:pt x="7531728" y="33015"/>
+                  <a:pt x="7480716" y="17052"/>
+                  <a:pt x="7311020" y="18288"/>
+                </a:cubicBezTo>
+                <a:cubicBezTo>
+                  <a:pt x="7141324" y="19524"/>
+                  <a:pt x="6962706" y="15975"/>
+                  <a:pt x="6618688" y="18288"/>
+                </a:cubicBezTo>
+                <a:cubicBezTo>
+                  <a:pt x="6274670" y="20601"/>
+                  <a:pt x="6230664" y="-1692"/>
+                  <a:pt x="6120210" y="18288"/>
+                </a:cubicBezTo>
+                <a:cubicBezTo>
+                  <a:pt x="6009756" y="38268"/>
+                  <a:pt x="5442516" y="28115"/>
+                  <a:pt x="5234026" y="18288"/>
+                </a:cubicBezTo>
+                <a:cubicBezTo>
+                  <a:pt x="5025536" y="8461"/>
+                  <a:pt x="4953693" y="18182"/>
+                  <a:pt x="4832473" y="18288"/>
+                </a:cubicBezTo>
+                <a:cubicBezTo>
+                  <a:pt x="4711253" y="18394"/>
+                  <a:pt x="4414565" y="-11251"/>
+                  <a:pt x="4140142" y="18288"/>
+                </a:cubicBezTo>
+                <a:cubicBezTo>
+                  <a:pt x="3865719" y="47827"/>
+                  <a:pt x="3819081" y="16772"/>
+                  <a:pt x="3738590" y="18288"/>
+                </a:cubicBezTo>
+                <a:cubicBezTo>
+                  <a:pt x="3658099" y="19804"/>
+                  <a:pt x="3427576" y="1385"/>
+                  <a:pt x="3240111" y="18288"/>
+                </a:cubicBezTo>
+                <a:cubicBezTo>
+                  <a:pt x="3052646" y="35191"/>
+                  <a:pt x="2749652" y="-13914"/>
+                  <a:pt x="2450853" y="18288"/>
+                </a:cubicBezTo>
+                <a:cubicBezTo>
+                  <a:pt x="2152054" y="50490"/>
+                  <a:pt x="1928331" y="61101"/>
+                  <a:pt x="1564669" y="18288"/>
+                </a:cubicBezTo>
+                <a:cubicBezTo>
+                  <a:pt x="1201007" y="-24525"/>
+                  <a:pt x="1217828" y="-275"/>
+                  <a:pt x="1066190" y="18288"/>
+                </a:cubicBezTo>
+                <a:cubicBezTo>
+                  <a:pt x="914552" y="36851"/>
+                  <a:pt x="418290" y="-14785"/>
+                  <a:pt x="0" y="18288"/>
+                </a:cubicBezTo>
+                <a:cubicBezTo>
+                  <a:pt x="641" y="14236"/>
+                  <a:pt x="889" y="7550"/>
+                  <a:pt x="0" y="0"/>
+                </a:cubicBezTo>
+                <a:close/>
+              </a:path>
+            </a:pathLst>
+          </a:custGeom>
+          <a:solidFill>
+            <a:srgbClr val="FFFFFF">
+              <a:alpha val="75000"/>
+            </a:srgbClr>
+          </a:solidFill>
+          <a:ln w="44450" cap="rnd">
+            <a:solidFill>
+              <a:schemeClr val="bg1">
+                <a:alpha val="75000"/>
+              </a:schemeClr>
+            </a:solidFill>
+            <a:round/>
+            <a:extLst>
+              <a:ext uri="{C807C97D-BFC1-408E-A445-0C87EB9F89A2}">
+                <ask:lineSketchStyleProps xmlns:ask="http://schemas.microsoft.com/office/drawing/2018/sketchyshapes" sd="2727557108">
+                  <a:prstGeom prst="rect">
+                    <a:avLst/>
+                  </a:prstGeom>
+                  <ask:type>
+                    <ask:lineSketchFreehand/>
+                  </ask:type>
+                </ask:lineSketchStyleProps>
+              </a:ext>
+            </a:extLst>
+          </a:ln>
+        </p:spPr>
+        <p:style>
+          <a:lnRef idx="2">
+            <a:schemeClr val="accent1">
+              <a:shade val="50000"/>
+            </a:schemeClr>
+          </a:lnRef>
+          <a:fillRef idx="1">
+            <a:schemeClr val="accent1"/>
+          </a:fillRef>
+          <a:effectRef idx="0">
+            <a:schemeClr val="accent1"/>
+          </a:effectRef>
+          <a:fontRef idx="minor">
+            <a:schemeClr val="lt1"/>
+          </a:fontRef>
+        </p:style>
+        <p:txBody>
+          <a:bodyPr rtlCol="0" anchor="ctr"/>
+          <a:lstStyle/>
+          <a:p>
+            <a:pPr algn="ctr"/>
+            <a:endParaRPr lang="en-US"/>
+          </a:p>
+        </p:txBody>
+      </p:sp>
+      <p:pic>
+        <p:nvPicPr>
+          <p:cNvPr id="7" name="Content Placeholder 6" descr="A screenshot of a computer&#10;&#10;Description automatically generated">
+            <a:extLst>
+              <a:ext uri="{FF2B5EF4-FFF2-40B4-BE49-F238E27FC236}">
+                <a16:creationId xmlns:a16="http://schemas.microsoft.com/office/drawing/2014/main" id="{996B74CC-7851-C6C9-2031-40BAEC73D8EA}"/>
+              </a:ext>
+            </a:extLst>
+          </p:cNvPr>
+          <p:cNvPicPr>
+            <a:picLocks noGrp="1" noChangeAspect="1"/>
+          </p:cNvPicPr>
+          <p:nvPr>
+            <p:ph idx="1"/>
+          </p:nvPr>
+        </p:nvPicPr>
+        <p:blipFill>
+          <a:blip r:embed="rId3">
+            <a:extLst>
+              <a:ext uri="{28A0092B-C50C-407E-A947-70E740481C1C}">
+                <a14:useLocalDpi xmlns:a14="http://schemas.microsoft.com/office/drawing/2010/main" val="0"/>
+              </a:ext>
+            </a:extLst>
+          </a:blip>
+          <a:stretch>
+            <a:fillRect/>
+          </a:stretch>
+        </p:blipFill>
+        <p:spPr>
+          <a:xfrm>
+            <a:off x="1045308" y="1995302"/>
+            <a:ext cx="6152518" cy="4306184"/>
+          </a:xfrm>
+        </p:spPr>
+      </p:pic>
+      <p:sp>
+        <p:nvSpPr>
+          <p:cNvPr id="4" name="TextBox 3">
+            <a:extLst>
+              <a:ext uri="{FF2B5EF4-FFF2-40B4-BE49-F238E27FC236}">
+                <a16:creationId xmlns:a16="http://schemas.microsoft.com/office/drawing/2014/main" id="{D6E95770-3874-517C-5F5D-04D0356C2060}"/>
+              </a:ext>
+            </a:extLst>
+          </p:cNvPr>
+          <p:cNvSpPr txBox="1"/>
+          <p:nvPr/>
+        </p:nvSpPr>
+        <p:spPr>
+          <a:xfrm>
+            <a:off x="9664930" y="1995302"/>
+            <a:ext cx="2472297" cy="3416320"/>
+          </a:xfrm>
+          <a:prstGeom prst="rect">
+            <a:avLst/>
+          </a:prstGeom>
+          <a:noFill/>
+        </p:spPr>
+        <p:txBody>
+          <a:bodyPr wrap="square" rtlCol="0">
+            <a:spAutoFit/>
+          </a:bodyPr>
+          <a:lstStyle/>
+          <a:p>
+            <a:pPr marL="285750" indent="-285750">
+              <a:buFont typeface="Arial" panose="020B0604020202020204" pitchFamily="34" charset="0"/>
+              <a:buChar char="•"/>
+            </a:pPr>
+            <a:endParaRPr lang="de-DE" dirty="0">
+              <a:solidFill>
+                <a:schemeClr val="bg1"/>
+              </a:solidFill>
+            </a:endParaRPr>
+          </a:p>
+          <a:p>
+            <a:pPr marL="285750" indent="-285750">
+              <a:buFont typeface="Arial" panose="020B0604020202020204" pitchFamily="34" charset="0"/>
+              <a:buChar char="•"/>
+            </a:pPr>
+            <a:r>
+              <a:rPr lang="de-DE" dirty="0">
+                <a:solidFill>
+                  <a:schemeClr val="bg1"/>
+                </a:solidFill>
+              </a:rPr>
+              <a:t>Aufgabenstellung</a:t>
+            </a:r>
+          </a:p>
+          <a:p>
+            <a:pPr marL="285750" indent="-285750">
+              <a:buFont typeface="Arial" panose="020B0604020202020204" pitchFamily="34" charset="0"/>
+              <a:buChar char="•"/>
+            </a:pPr>
+            <a:endParaRPr lang="de-DE" dirty="0">
+              <a:solidFill>
+                <a:schemeClr val="bg1"/>
+              </a:solidFill>
+            </a:endParaRPr>
+          </a:p>
+          <a:p>
+            <a:pPr marL="285750" indent="-285750">
+              <a:buFont typeface="Arial" panose="020B0604020202020204" pitchFamily="34" charset="0"/>
+              <a:buChar char="•"/>
+            </a:pPr>
+            <a:r>
+              <a:rPr lang="de-DE" dirty="0">
+                <a:solidFill>
+                  <a:schemeClr val="bg1"/>
+                </a:solidFill>
+              </a:rPr>
+              <a:t>Anforderungen</a:t>
+            </a:r>
+          </a:p>
+          <a:p>
+            <a:pPr marL="285750" indent="-285750">
+              <a:buFont typeface="Arial" panose="020B0604020202020204" pitchFamily="34" charset="0"/>
+              <a:buChar char="•"/>
+            </a:pPr>
+            <a:endParaRPr lang="de-DE" dirty="0">
+              <a:solidFill>
+                <a:schemeClr val="bg1"/>
+              </a:solidFill>
+            </a:endParaRPr>
+          </a:p>
+          <a:p>
+            <a:pPr marL="285750" indent="-285750">
+              <a:buFont typeface="Arial" panose="020B0604020202020204" pitchFamily="34" charset="0"/>
+              <a:buChar char="•"/>
+            </a:pPr>
+            <a:r>
+              <a:rPr lang="de-DE" dirty="0">
+                <a:solidFill>
+                  <a:schemeClr val="bg1"/>
+                </a:solidFill>
+              </a:rPr>
+              <a:t>Technologien</a:t>
+            </a:r>
+          </a:p>
+          <a:p>
+            <a:pPr marL="285750" indent="-285750">
+              <a:buFont typeface="Arial" panose="020B0604020202020204" pitchFamily="34" charset="0"/>
+              <a:buChar char="•"/>
+            </a:pPr>
+            <a:endParaRPr lang="de-DE" dirty="0">
+              <a:solidFill>
+                <a:schemeClr val="bg1"/>
+              </a:solidFill>
+            </a:endParaRPr>
+          </a:p>
+          <a:p>
+            <a:pPr marL="285750" indent="-285750">
+              <a:buFont typeface="Arial" panose="020B0604020202020204" pitchFamily="34" charset="0"/>
+              <a:buChar char="•"/>
+            </a:pPr>
+            <a:r>
+              <a:rPr lang="de-DE" dirty="0">
+                <a:solidFill>
+                  <a:schemeClr val="bg1"/>
+                </a:solidFill>
+              </a:rPr>
+              <a:t>Rollenkonzept</a:t>
+            </a:r>
+          </a:p>
+          <a:p>
+            <a:pPr marL="285750" indent="-285750">
+              <a:buFont typeface="Arial" panose="020B0604020202020204" pitchFamily="34" charset="0"/>
+              <a:buChar char="•"/>
+            </a:pPr>
+            <a:endParaRPr lang="de-DE" dirty="0">
+              <a:solidFill>
+                <a:schemeClr val="bg1"/>
+              </a:solidFill>
+            </a:endParaRPr>
+          </a:p>
+          <a:p>
+            <a:pPr marL="285750" indent="-285750">
+              <a:buFont typeface="Arial" panose="020B0604020202020204" pitchFamily="34" charset="0"/>
+              <a:buChar char="•"/>
+            </a:pPr>
+            <a:r>
+              <a:rPr lang="de-DE" dirty="0">
+                <a:solidFill>
+                  <a:schemeClr val="bg1"/>
+                </a:solidFill>
+              </a:rPr>
+              <a:t>Klassendiagramm</a:t>
+            </a:r>
+          </a:p>
+          <a:p>
+            <a:pPr marL="285750" indent="-285750">
+              <a:buFont typeface="Arial" panose="020B0604020202020204" pitchFamily="34" charset="0"/>
+              <a:buChar char="•"/>
+            </a:pPr>
+            <a:endParaRPr lang="de-DE" dirty="0">
+              <a:solidFill>
+                <a:schemeClr val="bg1"/>
+              </a:solidFill>
+            </a:endParaRPr>
+          </a:p>
+          <a:p>
+            <a:pPr marL="285750" indent="-285750">
+              <a:buFont typeface="Arial" panose="020B0604020202020204" pitchFamily="34" charset="0"/>
+              <a:buChar char="•"/>
+            </a:pPr>
+            <a:r>
+              <a:rPr lang="de-DE" dirty="0">
+                <a:solidFill>
+                  <a:schemeClr val="bg1"/>
+                </a:solidFill>
+              </a:rPr>
+              <a:t>Screenshots</a:t>
+            </a:r>
+          </a:p>
+        </p:txBody>
+      </p:sp>
+      <p:sp>
+        <p:nvSpPr>
+          <p:cNvPr id="5" name="Slide Number Placeholder 4">
+            <a:extLst>
+              <a:ext uri="{FF2B5EF4-FFF2-40B4-BE49-F238E27FC236}">
+                <a16:creationId xmlns:a16="http://schemas.microsoft.com/office/drawing/2014/main" id="{1A68A4A1-C191-7418-DCD5-1521B409655F}"/>
+              </a:ext>
+            </a:extLst>
+          </p:cNvPr>
+          <p:cNvSpPr>
+            <a:spLocks noGrp="1"/>
+          </p:cNvSpPr>
+          <p:nvPr>
+            <p:ph type="sldNum" sz="quarter" idx="12"/>
+          </p:nvPr>
+        </p:nvSpPr>
+        <p:spPr/>
+        <p:txBody>
+          <a:bodyPr/>
+          <a:lstStyle/>
+          <a:p>
+            <a:fld id="{13C740AA-7824-4996-A9A9-B0E74C888E41}" type="slidenum">
+              <a:rPr lang="de-DE" smtClean="0"/>
+              <a:t>13</a:t>
+            </a:fld>
+            <a:endParaRPr lang="de-DE"/>
+          </a:p>
+        </p:txBody>
+      </p:sp>
+      <p:sp>
+        <p:nvSpPr>
+          <p:cNvPr id="8" name="Arrow: Right 7">
+            <a:extLst>
+              <a:ext uri="{FF2B5EF4-FFF2-40B4-BE49-F238E27FC236}">
+                <a16:creationId xmlns:a16="http://schemas.microsoft.com/office/drawing/2014/main" id="{5C86BF85-A55F-D02C-A34F-D5A1A4D0CD6A}"/>
+              </a:ext>
+            </a:extLst>
+          </p:cNvPr>
+          <p:cNvSpPr/>
+          <p:nvPr/>
+        </p:nvSpPr>
+        <p:spPr>
+          <a:xfrm>
+            <a:off x="8992788" y="4963020"/>
+            <a:ext cx="657225" cy="482601"/>
+          </a:xfrm>
+          <a:prstGeom prst="rightArrow">
+            <a:avLst/>
+          </a:prstGeom>
+          <a:solidFill>
+            <a:schemeClr val="bg1"/>
+          </a:solidFill>
+          <a:ln>
+            <a:solidFill>
+              <a:schemeClr val="bg1"/>
+            </a:solidFill>
+          </a:ln>
+        </p:spPr>
+        <p:style>
+          <a:lnRef idx="2">
+            <a:schemeClr val="accent1">
+              <a:shade val="15000"/>
+            </a:schemeClr>
+          </a:lnRef>
+          <a:fillRef idx="1">
+            <a:schemeClr val="accent1"/>
+          </a:fillRef>
+          <a:effectRef idx="0">
+            <a:schemeClr val="accent1"/>
+          </a:effectRef>
+          <a:fontRef idx="minor">
+            <a:schemeClr val="lt1"/>
+          </a:fontRef>
+        </p:style>
+        <p:txBody>
+          <a:bodyPr rtlCol="0" anchor="ctr"/>
+          <a:lstStyle/>
+          <a:p>
+            <a:pPr algn="ctr"/>
+            <a:endParaRPr lang="de-DE"/>
+          </a:p>
+        </p:txBody>
+      </p:sp>
+    </p:spTree>
+    <p:extLst>
+      <p:ext uri="{BB962C8B-B14F-4D97-AF65-F5344CB8AC3E}">
+        <p14:creationId xmlns:p14="http://schemas.microsoft.com/office/powerpoint/2010/main" val="2821586821"/>
+      </p:ext>
+    </p:extLst>
+  </p:cSld>
+  <p:clrMapOvr>
+    <a:masterClrMapping/>
+  </p:clrMapOvr>
+  <mc:AlternateContent xmlns:mc="http://schemas.openxmlformats.org/markup-compatibility/2006">
+    <mc:Choice xmlns:p159="http://schemas.microsoft.com/office/powerpoint/2015/09/main" Requires="p159">
+      <p:transition spd="med">
+        <p159:morph option="byObject"/>
+      </p:transition>
+    </mc:Choice>
+    <mc:Fallback>
+      <p:transition spd="med">
+        <p:fade/>
+      </p:transition>
+    </mc:Fallback>
+  </mc:AlternateContent>
+</p:sld>
+</file>
+
+<file path=ppt/slides/slide14.xml><?xml version="1.0" encoding="utf-8"?>
+<p:sld xmlns:a="http://schemas.openxmlformats.org/drawingml/2006/main" xmlns:r="http://schemas.openxmlformats.org/officeDocument/2006/relationships" xmlns:p="http://schemas.openxmlformats.org/presentationml/2006/main">
+  <p:cSld>
+    <p:bg>
+      <p:bgPr>
+        <a:solidFill>
+          <a:schemeClr val="bg1"/>
+        </a:solidFill>
+        <a:effectLst/>
+      </p:bgPr>
+    </p:bg>
+    <p:spTree>
+      <p:nvGrpSpPr>
+        <p:cNvPr id="1" name=""/>
+        <p:cNvGrpSpPr/>
+        <p:nvPr/>
+      </p:nvGrpSpPr>
+      <p:grpSpPr>
+        <a:xfrm>
+          <a:off x="0" y="0"/>
+          <a:ext cx="0" cy="0"/>
+          <a:chOff x="0" y="0"/>
+          <a:chExt cx="0" cy="0"/>
+        </a:xfrm>
+      </p:grpSpPr>
+      <p:sp>
+        <p:nvSpPr>
+          <p:cNvPr id="23" name="Rectangle 22">
+            <a:extLst>
+              <a:ext uri="{FF2B5EF4-FFF2-40B4-BE49-F238E27FC236}">
+                <a16:creationId xmlns:a16="http://schemas.microsoft.com/office/drawing/2014/main" id="{1A9F7B4E-B03D-4F64-BE33-00D074458D45}"/>
+              </a:ext>
+              <a:ext uri="{C183D7F6-B498-43B3-948B-1728B52AA6E4}">
+                <adec:decorative xmlns:adec="http://schemas.microsoft.com/office/drawing/2017/decorative" val="1"/>
+              </a:ext>
+            </a:extLst>
+          </p:cNvPr>
+          <p:cNvSpPr>
+            <a:spLocks noGrp="1" noRot="1" noChangeAspect="1" noMove="1" noResize="1" noEditPoints="1" noAdjustHandles="1" noChangeArrowheads="1" noChangeShapeType="1" noTextEdit="1"/>
+          </p:cNvSpPr>
+          <p:nvPr>
+            <p:extLst>
+              <p:ext uri="{386F3935-93C4-4BCD-93E2-E3B085C9AB24}">
+                <p16:designElem xmlns:p16="http://schemas.microsoft.com/office/powerpoint/2015/main" val="1"/>
+              </p:ext>
+            </p:extLst>
+          </p:nvPr>
+        </p:nvSpPr>
+        <p:spPr>
+          <a:xfrm>
+            <a:off x="0" y="0"/>
+            <a:ext cx="12188952" cy="6858000"/>
+          </a:xfrm>
+          <a:prstGeom prst="rect">
+            <a:avLst/>
+          </a:prstGeom>
+          <a:solidFill>
+            <a:schemeClr val="tx1"/>
+          </a:solidFill>
+          <a:ln>
+            <a:noFill/>
+          </a:ln>
+        </p:spPr>
+        <p:style>
+          <a:lnRef idx="2">
+            <a:schemeClr val="accent1">
+              <a:shade val="50000"/>
+            </a:schemeClr>
+          </a:lnRef>
+          <a:fillRef idx="1">
+            <a:schemeClr val="accent1"/>
+          </a:fillRef>
+          <a:effectRef idx="0">
+            <a:schemeClr val="accent1"/>
+          </a:effectRef>
+          <a:fontRef idx="minor">
+            <a:schemeClr val="lt1"/>
+          </a:fontRef>
+        </p:style>
+        <p:txBody>
+          <a:bodyPr rtlCol="0" anchor="ctr"/>
+          <a:lstStyle/>
+          <a:p>
+            <a:pPr algn="ctr"/>
+            <a:endParaRPr lang="en-US"/>
+          </a:p>
+        </p:txBody>
+      </p:sp>
+      <p:pic>
+        <p:nvPicPr>
+          <p:cNvPr id="18" name="Picture 17" descr="A blue and green lines on a black background&#10;&#10;Description automatically generated">
+            <a:extLst>
+              <a:ext uri="{FF2B5EF4-FFF2-40B4-BE49-F238E27FC236}">
+                <a16:creationId xmlns:a16="http://schemas.microsoft.com/office/drawing/2014/main" id="{9E2CA162-4ACE-88C3-D272-088E41436A49}"/>
+              </a:ext>
+            </a:extLst>
+          </p:cNvPr>
+          <p:cNvPicPr>
+            <a:picLocks noChangeAspect="1"/>
+          </p:cNvPicPr>
+          <p:nvPr/>
+        </p:nvPicPr>
+        <p:blipFill rotWithShape="1">
+          <a:blip r:embed="rId2">
+            <a:alphaModFix amt="40000"/>
+          </a:blip>
+          <a:srcRect t="13655" b="6840"/>
+          <a:stretch/>
+        </p:blipFill>
+        <p:spPr>
+          <a:xfrm>
+            <a:off x="20" y="10"/>
+            <a:ext cx="12191979" cy="6857990"/>
+          </a:xfrm>
+          <a:prstGeom prst="rect">
+            <a:avLst/>
+          </a:prstGeom>
+        </p:spPr>
+      </p:pic>
+      <p:sp>
+        <p:nvSpPr>
+          <p:cNvPr id="2" name="Title 1">
+            <a:extLst>
+              <a:ext uri="{FF2B5EF4-FFF2-40B4-BE49-F238E27FC236}">
+                <a16:creationId xmlns:a16="http://schemas.microsoft.com/office/drawing/2014/main" id="{61CE0095-EFE9-6204-1ACC-4BEB3E59878B}"/>
+              </a:ext>
+            </a:extLst>
+          </p:cNvPr>
+          <p:cNvSpPr>
+            <a:spLocks noGrp="1"/>
+          </p:cNvSpPr>
+          <p:nvPr>
+            <p:ph type="title"/>
+          </p:nvPr>
+        </p:nvSpPr>
+        <p:spPr>
+          <a:xfrm>
+            <a:off x="838200" y="365125"/>
+            <a:ext cx="10515600" cy="1325563"/>
+          </a:xfrm>
+        </p:spPr>
+        <p:txBody>
+          <a:bodyPr vert="horz" lIns="91440" tIns="45720" rIns="91440" bIns="45720" rtlCol="0">
+            <a:normAutofit/>
+          </a:bodyPr>
+          <a:lstStyle/>
+          <a:p>
+            <a:r>
+              <a:rPr lang="en-US" sz="5400" dirty="0">
+                <a:solidFill>
+                  <a:schemeClr val="bg1"/>
+                </a:solidFill>
+              </a:rPr>
+              <a:t>Screenshots</a:t>
+            </a:r>
+          </a:p>
+        </p:txBody>
+      </p:sp>
+      <p:sp>
+        <p:nvSpPr>
+          <p:cNvPr id="25" name="sketchy line">
+            <a:extLst>
+              <a:ext uri="{FF2B5EF4-FFF2-40B4-BE49-F238E27FC236}">
+                <a16:creationId xmlns:a16="http://schemas.microsoft.com/office/drawing/2014/main" id="{7E2BE7F7-CA89-4002-ACCE-A478AEA24F5E}"/>
+              </a:ext>
+              <a:ext uri="{C183D7F6-B498-43B3-948B-1728B52AA6E4}">
+                <adec:decorative xmlns:adec="http://schemas.microsoft.com/office/drawing/2017/decorative" val="1"/>
+              </a:ext>
+            </a:extLst>
+          </p:cNvPr>
+          <p:cNvSpPr>
+            <a:spLocks noGrp="1" noRot="1" noChangeAspect="1" noMove="1" noResize="1" noEditPoints="1" noAdjustHandles="1" noChangeArrowheads="1" noChangeShapeType="1" noTextEdit="1"/>
+          </p:cNvSpPr>
+          <p:nvPr>
+            <p:extLst>
+              <p:ext uri="{386F3935-93C4-4BCD-93E2-E3B085C9AB24}">
+                <p16:designElem xmlns:p16="http://schemas.microsoft.com/office/powerpoint/2015/main" val="1"/>
+              </p:ext>
+            </p:extLst>
+          </p:nvPr>
+        </p:nvSpPr>
+        <p:spPr>
+          <a:xfrm>
+            <a:off x="914399" y="1681544"/>
+            <a:ext cx="9692640" cy="18288"/>
+          </a:xfrm>
+          <a:custGeom>
+            <a:avLst/>
+            <a:gdLst>
+              <a:gd name="connsiteX0" fmla="*/ 0 w 9692640"/>
+              <a:gd name="connsiteY0" fmla="*/ 0 h 18288"/>
+              <a:gd name="connsiteX1" fmla="*/ 401552 w 9692640"/>
+              <a:gd name="connsiteY1" fmla="*/ 0 h 18288"/>
+              <a:gd name="connsiteX2" fmla="*/ 996957 w 9692640"/>
+              <a:gd name="connsiteY2" fmla="*/ 0 h 18288"/>
+              <a:gd name="connsiteX3" fmla="*/ 1398509 w 9692640"/>
+              <a:gd name="connsiteY3" fmla="*/ 0 h 18288"/>
+              <a:gd name="connsiteX4" fmla="*/ 2090841 w 9692640"/>
+              <a:gd name="connsiteY4" fmla="*/ 0 h 18288"/>
+              <a:gd name="connsiteX5" fmla="*/ 2686246 w 9692640"/>
+              <a:gd name="connsiteY5" fmla="*/ 0 h 18288"/>
+              <a:gd name="connsiteX6" fmla="*/ 3475504 w 9692640"/>
+              <a:gd name="connsiteY6" fmla="*/ 0 h 18288"/>
+              <a:gd name="connsiteX7" fmla="*/ 4361688 w 9692640"/>
+              <a:gd name="connsiteY7" fmla="*/ 0 h 18288"/>
+              <a:gd name="connsiteX8" fmla="*/ 5054019 w 9692640"/>
+              <a:gd name="connsiteY8" fmla="*/ 0 h 18288"/>
+              <a:gd name="connsiteX9" fmla="*/ 5940204 w 9692640"/>
+              <a:gd name="connsiteY9" fmla="*/ 0 h 18288"/>
+              <a:gd name="connsiteX10" fmla="*/ 6632535 w 9692640"/>
+              <a:gd name="connsiteY10" fmla="*/ 0 h 18288"/>
+              <a:gd name="connsiteX11" fmla="*/ 7034087 w 9692640"/>
+              <a:gd name="connsiteY11" fmla="*/ 0 h 18288"/>
+              <a:gd name="connsiteX12" fmla="*/ 7532566 w 9692640"/>
+              <a:gd name="connsiteY12" fmla="*/ 0 h 18288"/>
+              <a:gd name="connsiteX13" fmla="*/ 8418750 w 9692640"/>
+              <a:gd name="connsiteY13" fmla="*/ 0 h 18288"/>
+              <a:gd name="connsiteX14" fmla="*/ 9692640 w 9692640"/>
+              <a:gd name="connsiteY14" fmla="*/ 0 h 18288"/>
+              <a:gd name="connsiteX15" fmla="*/ 9692640 w 9692640"/>
+              <a:gd name="connsiteY15" fmla="*/ 18288 h 18288"/>
+              <a:gd name="connsiteX16" fmla="*/ 9000309 w 9692640"/>
+              <a:gd name="connsiteY16" fmla="*/ 18288 h 18288"/>
+              <a:gd name="connsiteX17" fmla="*/ 8307977 w 9692640"/>
+              <a:gd name="connsiteY17" fmla="*/ 18288 h 18288"/>
+              <a:gd name="connsiteX18" fmla="*/ 7712572 w 9692640"/>
+              <a:gd name="connsiteY18" fmla="*/ 18288 h 18288"/>
+              <a:gd name="connsiteX19" fmla="*/ 7214093 w 9692640"/>
+              <a:gd name="connsiteY19" fmla="*/ 18288 h 18288"/>
+              <a:gd name="connsiteX20" fmla="*/ 6327909 w 9692640"/>
+              <a:gd name="connsiteY20" fmla="*/ 18288 h 18288"/>
+              <a:gd name="connsiteX21" fmla="*/ 5635578 w 9692640"/>
+              <a:gd name="connsiteY21" fmla="*/ 18288 h 18288"/>
+              <a:gd name="connsiteX22" fmla="*/ 4846320 w 9692640"/>
+              <a:gd name="connsiteY22" fmla="*/ 18288 h 18288"/>
+              <a:gd name="connsiteX23" fmla="*/ 4444768 w 9692640"/>
+              <a:gd name="connsiteY23" fmla="*/ 18288 h 18288"/>
+              <a:gd name="connsiteX24" fmla="*/ 3946289 w 9692640"/>
+              <a:gd name="connsiteY24" fmla="*/ 18288 h 18288"/>
+              <a:gd name="connsiteX25" fmla="*/ 3253958 w 9692640"/>
+              <a:gd name="connsiteY25" fmla="*/ 18288 h 18288"/>
+              <a:gd name="connsiteX26" fmla="*/ 2464700 w 9692640"/>
+              <a:gd name="connsiteY26" fmla="*/ 18288 h 18288"/>
+              <a:gd name="connsiteX27" fmla="*/ 2063148 w 9692640"/>
+              <a:gd name="connsiteY27" fmla="*/ 18288 h 18288"/>
+              <a:gd name="connsiteX28" fmla="*/ 1661595 w 9692640"/>
+              <a:gd name="connsiteY28" fmla="*/ 18288 h 18288"/>
+              <a:gd name="connsiteX29" fmla="*/ 969264 w 9692640"/>
+              <a:gd name="connsiteY29" fmla="*/ 18288 h 18288"/>
+              <a:gd name="connsiteX30" fmla="*/ 0 w 9692640"/>
+              <a:gd name="connsiteY30" fmla="*/ 18288 h 18288"/>
+              <a:gd name="connsiteX31" fmla="*/ 0 w 9692640"/>
+              <a:gd name="connsiteY31" fmla="*/ 0 h 18288"/>
+            </a:gdLst>
+            <a:ahLst/>
+            <a:cxnLst>
+              <a:cxn ang="0">
+                <a:pos x="connsiteX0" y="connsiteY0"/>
+              </a:cxn>
+              <a:cxn ang="0">
+                <a:pos x="connsiteX1" y="connsiteY1"/>
+              </a:cxn>
+              <a:cxn ang="0">
+                <a:pos x="connsiteX2" y="connsiteY2"/>
+              </a:cxn>
+              <a:cxn ang="0">
+                <a:pos x="connsiteX3" y="connsiteY3"/>
+              </a:cxn>
+              <a:cxn ang="0">
+                <a:pos x="connsiteX4" y="connsiteY4"/>
+              </a:cxn>
+              <a:cxn ang="0">
+                <a:pos x="connsiteX5" y="connsiteY5"/>
+              </a:cxn>
+              <a:cxn ang="0">
+                <a:pos x="connsiteX6" y="connsiteY6"/>
+              </a:cxn>
+              <a:cxn ang="0">
+                <a:pos x="connsiteX7" y="connsiteY7"/>
+              </a:cxn>
+              <a:cxn ang="0">
+                <a:pos x="connsiteX8" y="connsiteY8"/>
+              </a:cxn>
+              <a:cxn ang="0">
+                <a:pos x="connsiteX9" y="connsiteY9"/>
+              </a:cxn>
+              <a:cxn ang="0">
+                <a:pos x="connsiteX10" y="connsiteY10"/>
+              </a:cxn>
+              <a:cxn ang="0">
+                <a:pos x="connsiteX11" y="connsiteY11"/>
+              </a:cxn>
+              <a:cxn ang="0">
+                <a:pos x="connsiteX12" y="connsiteY12"/>
+              </a:cxn>
+              <a:cxn ang="0">
+                <a:pos x="connsiteX13" y="connsiteY13"/>
+              </a:cxn>
+              <a:cxn ang="0">
+                <a:pos x="connsiteX14" y="connsiteY14"/>
+              </a:cxn>
+              <a:cxn ang="0">
+                <a:pos x="connsiteX15" y="connsiteY15"/>
+              </a:cxn>
+              <a:cxn ang="0">
+                <a:pos x="connsiteX16" y="connsiteY16"/>
+              </a:cxn>
+              <a:cxn ang="0">
+                <a:pos x="connsiteX17" y="connsiteY17"/>
+              </a:cxn>
+              <a:cxn ang="0">
+                <a:pos x="connsiteX18" y="connsiteY18"/>
+              </a:cxn>
+              <a:cxn ang="0">
+                <a:pos x="connsiteX19" y="connsiteY19"/>
+              </a:cxn>
+              <a:cxn ang="0">
+                <a:pos x="connsiteX20" y="connsiteY20"/>
+              </a:cxn>
+              <a:cxn ang="0">
+                <a:pos x="connsiteX21" y="connsiteY21"/>
+              </a:cxn>
+              <a:cxn ang="0">
+                <a:pos x="connsiteX22" y="connsiteY22"/>
+              </a:cxn>
+              <a:cxn ang="0">
+                <a:pos x="connsiteX23" y="connsiteY23"/>
+              </a:cxn>
+              <a:cxn ang="0">
+                <a:pos x="connsiteX24" y="connsiteY24"/>
+              </a:cxn>
+              <a:cxn ang="0">
+                <a:pos x="connsiteX25" y="connsiteY25"/>
+              </a:cxn>
+              <a:cxn ang="0">
+                <a:pos x="connsiteX26" y="connsiteY26"/>
+              </a:cxn>
+              <a:cxn ang="0">
+                <a:pos x="connsiteX27" y="connsiteY27"/>
+              </a:cxn>
+              <a:cxn ang="0">
+                <a:pos x="connsiteX28" y="connsiteY28"/>
+              </a:cxn>
+              <a:cxn ang="0">
+                <a:pos x="connsiteX29" y="connsiteY29"/>
+              </a:cxn>
+              <a:cxn ang="0">
+                <a:pos x="connsiteX30" y="connsiteY30"/>
+              </a:cxn>
+              <a:cxn ang="0">
+                <a:pos x="connsiteX31" y="connsiteY31"/>
+              </a:cxn>
+            </a:cxnLst>
+            <a:rect l="l" t="t" r="r" b="b"/>
+            <a:pathLst>
+              <a:path w="9692640" h="18288" fill="none" extrusionOk="0">
+                <a:moveTo>
+                  <a:pt x="0" y="0"/>
+                </a:moveTo>
+                <a:cubicBezTo>
+                  <a:pt x="142992" y="4732"/>
+                  <a:pt x="265909" y="-3365"/>
+                  <a:pt x="401552" y="0"/>
+                </a:cubicBezTo>
+                <a:cubicBezTo>
+                  <a:pt x="537195" y="3365"/>
+                  <a:pt x="738153" y="6482"/>
+                  <a:pt x="996957" y="0"/>
+                </a:cubicBezTo>
+                <a:cubicBezTo>
+                  <a:pt x="1255762" y="-6482"/>
+                  <a:pt x="1280511" y="12509"/>
+                  <a:pt x="1398509" y="0"/>
+                </a:cubicBezTo>
+                <a:cubicBezTo>
+                  <a:pt x="1516507" y="-12509"/>
+                  <a:pt x="1782573" y="-31523"/>
+                  <a:pt x="2090841" y="0"/>
+                </a:cubicBezTo>
+                <a:cubicBezTo>
+                  <a:pt x="2399109" y="31523"/>
+                  <a:pt x="2488380" y="26286"/>
+                  <a:pt x="2686246" y="0"/>
+                </a:cubicBezTo>
+                <a:cubicBezTo>
+                  <a:pt x="2884112" y="-26286"/>
+                  <a:pt x="3186024" y="-14734"/>
+                  <a:pt x="3475504" y="0"/>
+                </a:cubicBezTo>
+                <a:cubicBezTo>
+                  <a:pt x="3764984" y="14734"/>
+                  <a:pt x="4053017" y="43292"/>
+                  <a:pt x="4361688" y="0"/>
+                </a:cubicBezTo>
+                <a:cubicBezTo>
+                  <a:pt x="4670359" y="-43292"/>
+                  <a:pt x="4736164" y="-729"/>
+                  <a:pt x="5054019" y="0"/>
+                </a:cubicBezTo>
+                <a:cubicBezTo>
+                  <a:pt x="5371874" y="729"/>
+                  <a:pt x="5543528" y="-22963"/>
+                  <a:pt x="5940204" y="0"/>
+                </a:cubicBezTo>
+                <a:cubicBezTo>
+                  <a:pt x="6336881" y="22963"/>
+                  <a:pt x="6423838" y="6469"/>
+                  <a:pt x="6632535" y="0"/>
+                </a:cubicBezTo>
+                <a:cubicBezTo>
+                  <a:pt x="6841232" y="-6469"/>
+                  <a:pt x="6852819" y="17036"/>
+                  <a:pt x="7034087" y="0"/>
+                </a:cubicBezTo>
+                <a:cubicBezTo>
+                  <a:pt x="7215355" y="-17036"/>
+                  <a:pt x="7313136" y="11151"/>
+                  <a:pt x="7532566" y="0"/>
+                </a:cubicBezTo>
+                <a:cubicBezTo>
+                  <a:pt x="7751996" y="-11151"/>
+                  <a:pt x="8015001" y="25614"/>
+                  <a:pt x="8418750" y="0"/>
+                </a:cubicBezTo>
+                <a:cubicBezTo>
+                  <a:pt x="8822499" y="-25614"/>
+                  <a:pt x="9163239" y="48603"/>
+                  <a:pt x="9692640" y="0"/>
+                </a:cubicBezTo>
+                <a:cubicBezTo>
+                  <a:pt x="9691955" y="4437"/>
+                  <a:pt x="9693170" y="10717"/>
+                  <a:pt x="9692640" y="18288"/>
+                </a:cubicBezTo>
+                <a:cubicBezTo>
+                  <a:pt x="9545125" y="42172"/>
+                  <a:pt x="9164259" y="6706"/>
+                  <a:pt x="9000309" y="18288"/>
+                </a:cubicBezTo>
+                <a:cubicBezTo>
+                  <a:pt x="8836359" y="29870"/>
+                  <a:pt x="8521035" y="-14108"/>
+                  <a:pt x="8307977" y="18288"/>
+                </a:cubicBezTo>
+                <a:cubicBezTo>
+                  <a:pt x="8094919" y="50684"/>
+                  <a:pt x="7881757" y="11235"/>
+                  <a:pt x="7712572" y="18288"/>
+                </a:cubicBezTo>
+                <a:cubicBezTo>
+                  <a:pt x="7543387" y="25341"/>
+                  <a:pt x="7358861" y="20625"/>
+                  <a:pt x="7214093" y="18288"/>
+                </a:cubicBezTo>
+                <a:cubicBezTo>
+                  <a:pt x="7069325" y="15951"/>
+                  <a:pt x="6523705" y="52160"/>
+                  <a:pt x="6327909" y="18288"/>
+                </a:cubicBezTo>
+                <a:cubicBezTo>
+                  <a:pt x="6132113" y="-15584"/>
+                  <a:pt x="5923847" y="21204"/>
+                  <a:pt x="5635578" y="18288"/>
+                </a:cubicBezTo>
+                <a:cubicBezTo>
+                  <a:pt x="5347309" y="15372"/>
+                  <a:pt x="5114749" y="50642"/>
+                  <a:pt x="4846320" y="18288"/>
+                </a:cubicBezTo>
+                <a:cubicBezTo>
+                  <a:pt x="4577891" y="-14066"/>
+                  <a:pt x="4576701" y="1487"/>
+                  <a:pt x="4444768" y="18288"/>
+                </a:cubicBezTo>
+                <a:cubicBezTo>
+                  <a:pt x="4312835" y="35089"/>
+                  <a:pt x="4112575" y="15158"/>
+                  <a:pt x="3946289" y="18288"/>
+                </a:cubicBezTo>
+                <a:cubicBezTo>
+                  <a:pt x="3780003" y="21418"/>
+                  <a:pt x="3396009" y="18797"/>
+                  <a:pt x="3253958" y="18288"/>
+                </a:cubicBezTo>
+                <a:cubicBezTo>
+                  <a:pt x="3111907" y="17779"/>
+                  <a:pt x="2760272" y="57223"/>
+                  <a:pt x="2464700" y="18288"/>
+                </a:cubicBezTo>
+                <a:cubicBezTo>
+                  <a:pt x="2169128" y="-20647"/>
+                  <a:pt x="2232262" y="7960"/>
+                  <a:pt x="2063148" y="18288"/>
+                </a:cubicBezTo>
+                <a:cubicBezTo>
+                  <a:pt x="1894034" y="28616"/>
+                  <a:pt x="1799338" y="3019"/>
+                  <a:pt x="1661595" y="18288"/>
+                </a:cubicBezTo>
+                <a:cubicBezTo>
+                  <a:pt x="1523852" y="33557"/>
+                  <a:pt x="1113928" y="-4352"/>
+                  <a:pt x="969264" y="18288"/>
+                </a:cubicBezTo>
+                <a:cubicBezTo>
+                  <a:pt x="824600" y="40928"/>
+                  <a:pt x="356149" y="-3128"/>
+                  <a:pt x="0" y="18288"/>
+                </a:cubicBezTo>
+                <a:cubicBezTo>
+                  <a:pt x="-540" y="12521"/>
+                  <a:pt x="894" y="7749"/>
+                  <a:pt x="0" y="0"/>
+                </a:cubicBezTo>
+                <a:close/>
+              </a:path>
+              <a:path w="9692640" h="18288" stroke="0" extrusionOk="0">
+                <a:moveTo>
+                  <a:pt x="0" y="0"/>
+                </a:moveTo>
+                <a:cubicBezTo>
+                  <a:pt x="162642" y="3864"/>
+                  <a:pt x="346119" y="-18364"/>
+                  <a:pt x="498479" y="0"/>
+                </a:cubicBezTo>
+                <a:cubicBezTo>
+                  <a:pt x="650839" y="18364"/>
+                  <a:pt x="712065" y="-9389"/>
+                  <a:pt x="900031" y="0"/>
+                </a:cubicBezTo>
+                <a:cubicBezTo>
+                  <a:pt x="1087997" y="9389"/>
+                  <a:pt x="1177291" y="3685"/>
+                  <a:pt x="1398509" y="0"/>
+                </a:cubicBezTo>
+                <a:cubicBezTo>
+                  <a:pt x="1619727" y="-3685"/>
+                  <a:pt x="1874008" y="-8897"/>
+                  <a:pt x="2090841" y="0"/>
+                </a:cubicBezTo>
+                <a:cubicBezTo>
+                  <a:pt x="2307674" y="8897"/>
+                  <a:pt x="2573432" y="-313"/>
+                  <a:pt x="2880099" y="0"/>
+                </a:cubicBezTo>
+                <a:cubicBezTo>
+                  <a:pt x="3186766" y="313"/>
+                  <a:pt x="3422577" y="10664"/>
+                  <a:pt x="3766283" y="0"/>
+                </a:cubicBezTo>
+                <a:cubicBezTo>
+                  <a:pt x="4109989" y="-10664"/>
+                  <a:pt x="4342683" y="-32873"/>
+                  <a:pt x="4652467" y="0"/>
+                </a:cubicBezTo>
+                <a:cubicBezTo>
+                  <a:pt x="4962251" y="32873"/>
+                  <a:pt x="5122120" y="29155"/>
+                  <a:pt x="5247872" y="0"/>
+                </a:cubicBezTo>
+                <a:cubicBezTo>
+                  <a:pt x="5373625" y="-29155"/>
+                  <a:pt x="5749491" y="1706"/>
+                  <a:pt x="6037130" y="0"/>
+                </a:cubicBezTo>
+                <a:cubicBezTo>
+                  <a:pt x="6324769" y="-1706"/>
+                  <a:pt x="6531407" y="1172"/>
+                  <a:pt x="6729461" y="0"/>
+                </a:cubicBezTo>
+                <a:cubicBezTo>
+                  <a:pt x="6927515" y="-1172"/>
+                  <a:pt x="7096794" y="-1520"/>
+                  <a:pt x="7324867" y="0"/>
+                </a:cubicBezTo>
+                <a:cubicBezTo>
+                  <a:pt x="7552940" y="1520"/>
+                  <a:pt x="7878827" y="-17110"/>
+                  <a:pt x="8114124" y="0"/>
+                </a:cubicBezTo>
+                <a:cubicBezTo>
+                  <a:pt x="8349421" y="17110"/>
+                  <a:pt x="8334208" y="15114"/>
+                  <a:pt x="8515677" y="0"/>
+                </a:cubicBezTo>
+                <a:cubicBezTo>
+                  <a:pt x="8697146" y="-15114"/>
+                  <a:pt x="9236164" y="22466"/>
+                  <a:pt x="9692640" y="0"/>
+                </a:cubicBezTo>
+                <a:cubicBezTo>
+                  <a:pt x="9692735" y="8251"/>
+                  <a:pt x="9692514" y="12333"/>
+                  <a:pt x="9692640" y="18288"/>
+                </a:cubicBezTo>
+                <a:cubicBezTo>
+                  <a:pt x="9410102" y="47398"/>
+                  <a:pt x="9172773" y="7109"/>
+                  <a:pt x="9000309" y="18288"/>
+                </a:cubicBezTo>
+                <a:cubicBezTo>
+                  <a:pt x="8827845" y="29467"/>
+                  <a:pt x="8713608" y="28372"/>
+                  <a:pt x="8501830" y="18288"/>
+                </a:cubicBezTo>
+                <a:cubicBezTo>
+                  <a:pt x="8290052" y="8204"/>
+                  <a:pt x="7893416" y="3561"/>
+                  <a:pt x="7712572" y="18288"/>
+                </a:cubicBezTo>
+                <a:cubicBezTo>
+                  <a:pt x="7531728" y="33015"/>
+                  <a:pt x="7480716" y="17052"/>
+                  <a:pt x="7311020" y="18288"/>
+                </a:cubicBezTo>
+                <a:cubicBezTo>
+                  <a:pt x="7141324" y="19524"/>
+                  <a:pt x="6962706" y="15975"/>
+                  <a:pt x="6618688" y="18288"/>
+                </a:cubicBezTo>
+                <a:cubicBezTo>
+                  <a:pt x="6274670" y="20601"/>
+                  <a:pt x="6230664" y="-1692"/>
+                  <a:pt x="6120210" y="18288"/>
+                </a:cubicBezTo>
+                <a:cubicBezTo>
+                  <a:pt x="6009756" y="38268"/>
+                  <a:pt x="5442516" y="28115"/>
+                  <a:pt x="5234026" y="18288"/>
+                </a:cubicBezTo>
+                <a:cubicBezTo>
+                  <a:pt x="5025536" y="8461"/>
+                  <a:pt x="4953693" y="18182"/>
+                  <a:pt x="4832473" y="18288"/>
+                </a:cubicBezTo>
+                <a:cubicBezTo>
+                  <a:pt x="4711253" y="18394"/>
+                  <a:pt x="4414565" y="-11251"/>
+                  <a:pt x="4140142" y="18288"/>
+                </a:cubicBezTo>
+                <a:cubicBezTo>
+                  <a:pt x="3865719" y="47827"/>
+                  <a:pt x="3819081" y="16772"/>
+                  <a:pt x="3738590" y="18288"/>
+                </a:cubicBezTo>
+                <a:cubicBezTo>
+                  <a:pt x="3658099" y="19804"/>
+                  <a:pt x="3427576" y="1385"/>
+                  <a:pt x="3240111" y="18288"/>
+                </a:cubicBezTo>
+                <a:cubicBezTo>
+                  <a:pt x="3052646" y="35191"/>
+                  <a:pt x="2749652" y="-13914"/>
+                  <a:pt x="2450853" y="18288"/>
+                </a:cubicBezTo>
+                <a:cubicBezTo>
+                  <a:pt x="2152054" y="50490"/>
+                  <a:pt x="1928331" y="61101"/>
+                  <a:pt x="1564669" y="18288"/>
+                </a:cubicBezTo>
+                <a:cubicBezTo>
+                  <a:pt x="1201007" y="-24525"/>
+                  <a:pt x="1217828" y="-275"/>
+                  <a:pt x="1066190" y="18288"/>
+                </a:cubicBezTo>
+                <a:cubicBezTo>
+                  <a:pt x="914552" y="36851"/>
+                  <a:pt x="418290" y="-14785"/>
+                  <a:pt x="0" y="18288"/>
+                </a:cubicBezTo>
+                <a:cubicBezTo>
+                  <a:pt x="641" y="14236"/>
+                  <a:pt x="889" y="7550"/>
+                  <a:pt x="0" y="0"/>
+                </a:cubicBezTo>
+                <a:close/>
+              </a:path>
+            </a:pathLst>
+          </a:custGeom>
+          <a:solidFill>
+            <a:srgbClr val="FFFFFF">
+              <a:alpha val="75000"/>
+            </a:srgbClr>
+          </a:solidFill>
+          <a:ln w="44450" cap="rnd">
+            <a:solidFill>
+              <a:schemeClr val="bg1">
+                <a:alpha val="75000"/>
+              </a:schemeClr>
+            </a:solidFill>
+            <a:round/>
+            <a:extLst>
+              <a:ext uri="{C807C97D-BFC1-408E-A445-0C87EB9F89A2}">
+                <ask:lineSketchStyleProps xmlns:ask="http://schemas.microsoft.com/office/drawing/2018/sketchyshapes" sd="2727557108">
+                  <a:prstGeom prst="rect">
+                    <a:avLst/>
+                  </a:prstGeom>
+                  <ask:type>
+                    <ask:lineSketchFreehand/>
+                  </ask:type>
+                </ask:lineSketchStyleProps>
+              </a:ext>
+            </a:extLst>
+          </a:ln>
+        </p:spPr>
+        <p:style>
+          <a:lnRef idx="2">
+            <a:schemeClr val="accent1">
+              <a:shade val="50000"/>
+            </a:schemeClr>
+          </a:lnRef>
+          <a:fillRef idx="1">
+            <a:schemeClr val="accent1"/>
+          </a:fillRef>
+          <a:effectRef idx="0">
+            <a:schemeClr val="accent1"/>
+          </a:effectRef>
+          <a:fontRef idx="minor">
+            <a:schemeClr val="lt1"/>
+          </a:fontRef>
+        </p:style>
+        <p:txBody>
+          <a:bodyPr rtlCol="0" anchor="ctr"/>
+          <a:lstStyle/>
+          <a:p>
+            <a:pPr algn="ctr"/>
+            <a:endParaRPr lang="en-US"/>
+          </a:p>
+        </p:txBody>
+      </p:sp>
+      <p:pic>
+        <p:nvPicPr>
+          <p:cNvPr id="7" name="Content Placeholder 6" descr="A screenshot of a computer&#10;&#10;Description automatically generated">
+            <a:extLst>
+              <a:ext uri="{FF2B5EF4-FFF2-40B4-BE49-F238E27FC236}">
+                <a16:creationId xmlns:a16="http://schemas.microsoft.com/office/drawing/2014/main" id="{FFD8C635-1D21-7629-08C9-427541EF2666}"/>
+              </a:ext>
+            </a:extLst>
+          </p:cNvPr>
+          <p:cNvPicPr>
+            <a:picLocks noGrp="1" noChangeAspect="1"/>
+          </p:cNvPicPr>
+          <p:nvPr>
+            <p:ph idx="1"/>
+          </p:nvPr>
+        </p:nvPicPr>
+        <p:blipFill>
+          <a:blip r:embed="rId3">
+            <a:extLst>
+              <a:ext uri="{28A0092B-C50C-407E-A947-70E740481C1C}">
+                <a14:useLocalDpi xmlns:a14="http://schemas.microsoft.com/office/drawing/2010/main" val="0"/>
+              </a:ext>
+            </a:extLst>
+          </a:blip>
+          <a:stretch>
+            <a:fillRect/>
+          </a:stretch>
+        </p:blipFill>
+        <p:spPr>
+          <a:xfrm>
+            <a:off x="1059115" y="1995302"/>
+            <a:ext cx="6682602" cy="4324472"/>
+          </a:xfrm>
+        </p:spPr>
+      </p:pic>
+      <p:sp>
+        <p:nvSpPr>
+          <p:cNvPr id="4" name="TextBox 3">
+            <a:extLst>
+              <a:ext uri="{FF2B5EF4-FFF2-40B4-BE49-F238E27FC236}">
+                <a16:creationId xmlns:a16="http://schemas.microsoft.com/office/drawing/2014/main" id="{D6E95770-3874-517C-5F5D-04D0356C2060}"/>
+              </a:ext>
+            </a:extLst>
+          </p:cNvPr>
+          <p:cNvSpPr txBox="1"/>
+          <p:nvPr/>
+        </p:nvSpPr>
+        <p:spPr>
+          <a:xfrm>
+            <a:off x="9664930" y="1995302"/>
+            <a:ext cx="2472297" cy="3416320"/>
+          </a:xfrm>
+          <a:prstGeom prst="rect">
+            <a:avLst/>
+          </a:prstGeom>
+          <a:noFill/>
+        </p:spPr>
+        <p:txBody>
+          <a:bodyPr wrap="square" rtlCol="0">
+            <a:spAutoFit/>
+          </a:bodyPr>
+          <a:lstStyle/>
+          <a:p>
+            <a:pPr marL="285750" indent="-285750">
+              <a:buFont typeface="Arial" panose="020B0604020202020204" pitchFamily="34" charset="0"/>
+              <a:buChar char="•"/>
+            </a:pPr>
+            <a:endParaRPr lang="de-DE" dirty="0">
+              <a:solidFill>
+                <a:schemeClr val="bg1"/>
+              </a:solidFill>
+            </a:endParaRPr>
+          </a:p>
+          <a:p>
+            <a:pPr marL="285750" indent="-285750">
+              <a:buFont typeface="Arial" panose="020B0604020202020204" pitchFamily="34" charset="0"/>
+              <a:buChar char="•"/>
+            </a:pPr>
+            <a:r>
+              <a:rPr lang="de-DE" dirty="0">
+                <a:solidFill>
+                  <a:schemeClr val="bg1"/>
+                </a:solidFill>
+              </a:rPr>
+              <a:t>Aufgabenstellung</a:t>
+            </a:r>
+          </a:p>
+          <a:p>
+            <a:pPr marL="285750" indent="-285750">
+              <a:buFont typeface="Arial" panose="020B0604020202020204" pitchFamily="34" charset="0"/>
+              <a:buChar char="•"/>
+            </a:pPr>
+            <a:endParaRPr lang="de-DE" dirty="0">
+              <a:solidFill>
+                <a:schemeClr val="bg1"/>
+              </a:solidFill>
+            </a:endParaRPr>
+          </a:p>
+          <a:p>
+            <a:pPr marL="285750" indent="-285750">
+              <a:buFont typeface="Arial" panose="020B0604020202020204" pitchFamily="34" charset="0"/>
+              <a:buChar char="•"/>
+            </a:pPr>
+            <a:r>
+              <a:rPr lang="de-DE" dirty="0">
+                <a:solidFill>
+                  <a:schemeClr val="bg1"/>
+                </a:solidFill>
+              </a:rPr>
+              <a:t>Anforderungen</a:t>
+            </a:r>
+          </a:p>
+          <a:p>
+            <a:pPr marL="285750" indent="-285750">
+              <a:buFont typeface="Arial" panose="020B0604020202020204" pitchFamily="34" charset="0"/>
+              <a:buChar char="•"/>
+            </a:pPr>
+            <a:endParaRPr lang="de-DE" dirty="0">
+              <a:solidFill>
+                <a:schemeClr val="bg1"/>
+              </a:solidFill>
+            </a:endParaRPr>
+          </a:p>
+          <a:p>
+            <a:pPr marL="285750" indent="-285750">
+              <a:buFont typeface="Arial" panose="020B0604020202020204" pitchFamily="34" charset="0"/>
+              <a:buChar char="•"/>
+            </a:pPr>
+            <a:r>
+              <a:rPr lang="de-DE" dirty="0">
+                <a:solidFill>
+                  <a:schemeClr val="bg1"/>
+                </a:solidFill>
+              </a:rPr>
+              <a:t>Technologien</a:t>
+            </a:r>
+          </a:p>
+          <a:p>
+            <a:pPr marL="285750" indent="-285750">
+              <a:buFont typeface="Arial" panose="020B0604020202020204" pitchFamily="34" charset="0"/>
+              <a:buChar char="•"/>
+            </a:pPr>
+            <a:endParaRPr lang="de-DE" dirty="0">
+              <a:solidFill>
+                <a:schemeClr val="bg1"/>
+              </a:solidFill>
+            </a:endParaRPr>
+          </a:p>
+          <a:p>
+            <a:pPr marL="285750" indent="-285750">
+              <a:buFont typeface="Arial" panose="020B0604020202020204" pitchFamily="34" charset="0"/>
+              <a:buChar char="•"/>
+            </a:pPr>
+            <a:r>
+              <a:rPr lang="de-DE" dirty="0">
+                <a:solidFill>
+                  <a:schemeClr val="bg1"/>
+                </a:solidFill>
+              </a:rPr>
+              <a:t>Rollenkonzept</a:t>
+            </a:r>
+          </a:p>
+          <a:p>
+            <a:pPr marL="285750" indent="-285750">
+              <a:buFont typeface="Arial" panose="020B0604020202020204" pitchFamily="34" charset="0"/>
+              <a:buChar char="•"/>
+            </a:pPr>
+            <a:endParaRPr lang="de-DE" dirty="0">
+              <a:solidFill>
+                <a:schemeClr val="bg1"/>
+              </a:solidFill>
+            </a:endParaRPr>
+          </a:p>
+          <a:p>
+            <a:pPr marL="285750" indent="-285750">
+              <a:buFont typeface="Arial" panose="020B0604020202020204" pitchFamily="34" charset="0"/>
+              <a:buChar char="•"/>
+            </a:pPr>
+            <a:r>
+              <a:rPr lang="de-DE" dirty="0">
+                <a:solidFill>
+                  <a:schemeClr val="bg1"/>
+                </a:solidFill>
+              </a:rPr>
+              <a:t>Klassendiagramm</a:t>
+            </a:r>
+          </a:p>
+          <a:p>
+            <a:pPr marL="285750" indent="-285750">
+              <a:buFont typeface="Arial" panose="020B0604020202020204" pitchFamily="34" charset="0"/>
+              <a:buChar char="•"/>
+            </a:pPr>
+            <a:endParaRPr lang="de-DE" dirty="0">
+              <a:solidFill>
+                <a:schemeClr val="bg1"/>
+              </a:solidFill>
+            </a:endParaRPr>
+          </a:p>
+          <a:p>
+            <a:pPr marL="285750" indent="-285750">
+              <a:buFont typeface="Arial" panose="020B0604020202020204" pitchFamily="34" charset="0"/>
+              <a:buChar char="•"/>
+            </a:pPr>
+            <a:r>
+              <a:rPr lang="de-DE" dirty="0">
+                <a:solidFill>
+                  <a:schemeClr val="bg1"/>
+                </a:solidFill>
+              </a:rPr>
+              <a:t>Screenshots</a:t>
+            </a:r>
+          </a:p>
+        </p:txBody>
+      </p:sp>
+      <p:sp>
+        <p:nvSpPr>
+          <p:cNvPr id="5" name="Slide Number Placeholder 4">
+            <a:extLst>
+              <a:ext uri="{FF2B5EF4-FFF2-40B4-BE49-F238E27FC236}">
+                <a16:creationId xmlns:a16="http://schemas.microsoft.com/office/drawing/2014/main" id="{1A68A4A1-C191-7418-DCD5-1521B409655F}"/>
+              </a:ext>
+            </a:extLst>
+          </p:cNvPr>
+          <p:cNvSpPr>
+            <a:spLocks noGrp="1"/>
+          </p:cNvSpPr>
+          <p:nvPr>
+            <p:ph type="sldNum" sz="quarter" idx="12"/>
+          </p:nvPr>
+        </p:nvSpPr>
+        <p:spPr/>
+        <p:txBody>
+          <a:bodyPr/>
+          <a:lstStyle/>
+          <a:p>
+            <a:fld id="{13C740AA-7824-4996-A9A9-B0E74C888E41}" type="slidenum">
+              <a:rPr lang="de-DE" smtClean="0"/>
+              <a:t>14</a:t>
+            </a:fld>
+            <a:endParaRPr lang="de-DE"/>
+          </a:p>
+        </p:txBody>
+      </p:sp>
+      <p:sp>
+        <p:nvSpPr>
+          <p:cNvPr id="8" name="Arrow: Right 7">
+            <a:extLst>
+              <a:ext uri="{FF2B5EF4-FFF2-40B4-BE49-F238E27FC236}">
+                <a16:creationId xmlns:a16="http://schemas.microsoft.com/office/drawing/2014/main" id="{3FED7CBD-0ED3-B829-A133-DE6F04672709}"/>
+              </a:ext>
+            </a:extLst>
+          </p:cNvPr>
+          <p:cNvSpPr/>
+          <p:nvPr/>
+        </p:nvSpPr>
+        <p:spPr>
+          <a:xfrm>
+            <a:off x="8992788" y="4963020"/>
+            <a:ext cx="657225" cy="482601"/>
+          </a:xfrm>
+          <a:prstGeom prst="rightArrow">
+            <a:avLst/>
+          </a:prstGeom>
+          <a:solidFill>
+            <a:schemeClr val="bg1"/>
+          </a:solidFill>
+          <a:ln>
+            <a:solidFill>
+              <a:schemeClr val="bg1"/>
+            </a:solidFill>
+          </a:ln>
+        </p:spPr>
+        <p:style>
+          <a:lnRef idx="2">
+            <a:schemeClr val="accent1">
+              <a:shade val="15000"/>
+            </a:schemeClr>
+          </a:lnRef>
+          <a:fillRef idx="1">
+            <a:schemeClr val="accent1"/>
+          </a:fillRef>
+          <a:effectRef idx="0">
+            <a:schemeClr val="accent1"/>
+          </a:effectRef>
+          <a:fontRef idx="minor">
+            <a:schemeClr val="lt1"/>
+          </a:fontRef>
+        </p:style>
+        <p:txBody>
+          <a:bodyPr rtlCol="0" anchor="ctr"/>
+          <a:lstStyle/>
+          <a:p>
+            <a:pPr algn="ctr"/>
+            <a:endParaRPr lang="de-DE"/>
+          </a:p>
+        </p:txBody>
+      </p:sp>
+    </p:spTree>
+    <p:extLst>
+      <p:ext uri="{BB962C8B-B14F-4D97-AF65-F5344CB8AC3E}">
+        <p14:creationId xmlns:p14="http://schemas.microsoft.com/office/powerpoint/2010/main" val="791114341"/>
+      </p:ext>
+    </p:extLst>
+  </p:cSld>
+  <p:clrMapOvr>
+    <a:masterClrMapping/>
+  </p:clrMapOvr>
+  <mc:AlternateContent xmlns:mc="http://schemas.openxmlformats.org/markup-compatibility/2006">
+    <mc:Choice xmlns:p159="http://schemas.microsoft.com/office/powerpoint/2015/09/main" Requires="p159">
+      <p:transition spd="med">
+        <p159:morph option="byObject"/>
+      </p:transition>
+    </mc:Choice>
+    <mc:Fallback>
       <p:transition spd="med">
         <p:fade/>
       </p:transition>
@@ -5405,7 +9703,7 @@
       </p:sp>
       <p:sp>
         <p:nvSpPr>
-          <p:cNvPr id="3" name="Subtitle 2">
+          <p:cNvPr id="3" name="TextBox 3">
             <a:extLst>
               <a:ext uri="{FF2B5EF4-FFF2-40B4-BE49-F238E27FC236}">
                 <a16:creationId xmlns:a16="http://schemas.microsoft.com/office/drawing/2014/main" id="{1A33470D-CE91-F3B5-68F7-2CBCAA941809}"/>
@@ -5431,13 +9729,17 @@
           </a:bodyPr>
           <a:lstStyle/>
           <a:p>
+            <a:pPr marL="342900" indent="-342900">
+              <a:buFont typeface="Arial" panose="020B0604020202020204" pitchFamily="34" charset="0"/>
+              <a:buChar char="•"/>
+            </a:pPr>
             <a:r>
               <a:rPr lang="en-US" dirty="0" err="1">
                 <a:solidFill>
                   <a:schemeClr val="bg1"/>
                 </a:solidFill>
               </a:rPr>
-              <a:t>Benutzerverwaltung</a:t>
+              <a:t>Aufgabenstellung</a:t>
             </a:r>
             <a:endParaRPr lang="en-US" dirty="0">
               <a:solidFill>
@@ -5446,74 +9748,116 @@
             </a:endParaRPr>
           </a:p>
           <a:p>
+            <a:pPr marL="342900" indent="-342900">
+              <a:buFont typeface="Arial" panose="020B0604020202020204" pitchFamily="34" charset="0"/>
+              <a:buChar char="•"/>
+            </a:pPr>
+            <a:r>
+              <a:rPr lang="en-US" dirty="0" err="1">
+                <a:solidFill>
+                  <a:schemeClr val="bg1"/>
+                </a:solidFill>
+              </a:rPr>
+              <a:t>Anforderungen</a:t>
+            </a:r>
+            <a:endParaRPr lang="en-US" dirty="0">
+              <a:solidFill>
+                <a:schemeClr val="bg1"/>
+              </a:solidFill>
+            </a:endParaRPr>
+          </a:p>
+          <a:p>
+            <a:pPr marL="342900" indent="-342900">
+              <a:buFont typeface="Arial" panose="020B0604020202020204" pitchFamily="34" charset="0"/>
+              <a:buChar char="•"/>
+            </a:pPr>
+            <a:r>
+              <a:rPr lang="en-US" dirty="0" err="1">
+                <a:solidFill>
+                  <a:schemeClr val="bg1"/>
+                </a:solidFill>
+              </a:rPr>
+              <a:t>Technologien</a:t>
+            </a:r>
+            <a:endParaRPr lang="en-US" dirty="0">
+              <a:solidFill>
+                <a:schemeClr val="bg1"/>
+              </a:solidFill>
+            </a:endParaRPr>
+          </a:p>
+          <a:p>
+            <a:pPr marL="342900" indent="-342900">
+              <a:buFont typeface="Arial" panose="020B0604020202020204" pitchFamily="34" charset="0"/>
+              <a:buChar char="•"/>
+            </a:pPr>
+            <a:r>
+              <a:rPr lang="en-US" dirty="0" err="1">
+                <a:solidFill>
+                  <a:schemeClr val="bg1"/>
+                </a:solidFill>
+              </a:rPr>
+              <a:t>Rollenkonzept</a:t>
+            </a:r>
+            <a:endParaRPr lang="en-US" dirty="0">
+              <a:solidFill>
+                <a:schemeClr val="bg1"/>
+              </a:solidFill>
+            </a:endParaRPr>
+          </a:p>
+          <a:p>
+            <a:pPr marL="342900" indent="-342900">
+              <a:buFont typeface="Arial" panose="020B0604020202020204" pitchFamily="34" charset="0"/>
+              <a:buChar char="•"/>
+            </a:pPr>
+            <a:r>
+              <a:rPr lang="en-US" dirty="0" err="1">
+                <a:solidFill>
+                  <a:schemeClr val="bg1"/>
+                </a:solidFill>
+              </a:rPr>
+              <a:t>Klassendiagramm</a:t>
+            </a:r>
+            <a:endParaRPr lang="en-US" dirty="0">
+              <a:solidFill>
+                <a:schemeClr val="bg1"/>
+              </a:solidFill>
+            </a:endParaRPr>
+          </a:p>
+          <a:p>
+            <a:pPr marL="342900" indent="-342900">
+              <a:buFont typeface="Arial" panose="020B0604020202020204" pitchFamily="34" charset="0"/>
+              <a:buChar char="•"/>
+            </a:pPr>
             <a:r>
               <a:rPr lang="en-US" dirty="0">
                 <a:solidFill>
                   <a:schemeClr val="bg1"/>
                 </a:solidFill>
               </a:rPr>
-              <a:t>?</a:t>
-            </a:r>
-          </a:p>
-          <a:p>
-            <a:r>
-              <a:rPr lang="en-US" dirty="0">
-                <a:solidFill>
-                  <a:schemeClr val="bg1"/>
-                </a:solidFill>
-              </a:rPr>
-              <a:t>?</a:t>
-            </a:r>
-          </a:p>
-          <a:p>
-            <a:r>
-              <a:rPr lang="en-US" dirty="0">
-                <a:solidFill>
-                  <a:schemeClr val="bg1"/>
-                </a:solidFill>
-              </a:rPr>
-              <a:t>?</a:t>
-            </a:r>
-          </a:p>
-          <a:p>
-            <a:r>
-              <a:rPr lang="en-US" dirty="0">
-                <a:solidFill>
-                  <a:schemeClr val="bg1"/>
-                </a:solidFill>
-              </a:rPr>
-              <a:t>?</a:t>
-            </a:r>
-          </a:p>
-          <a:p>
-            <a:r>
-              <a:rPr lang="en-US" dirty="0">
-                <a:solidFill>
-                  <a:schemeClr val="bg1"/>
-                </a:solidFill>
-              </a:rPr>
-              <a:t>?</a:t>
-            </a:r>
-          </a:p>
-          <a:p>
-            <a:r>
-              <a:rPr lang="en-US" dirty="0">
-                <a:solidFill>
-                  <a:schemeClr val="bg1"/>
-                </a:solidFill>
-              </a:rPr>
-              <a:t>?</a:t>
-            </a:r>
-          </a:p>
-          <a:p>
-            <a:r>
-              <a:rPr lang="en-US" dirty="0">
-                <a:solidFill>
-                  <a:schemeClr val="bg1"/>
-                </a:solidFill>
-              </a:rPr>
-              <a:t>?</a:t>
-            </a:r>
+              <a:t>Screenshots</a:t>
+            </a:r>
+          </a:p>
+          <a:p>
+            <a:pPr marL="342900" indent="-342900">
+              <a:buFont typeface="Arial" panose="020B0604020202020204" pitchFamily="34" charset="0"/>
+              <a:buChar char="•"/>
+            </a:pPr>
+            <a:endParaRPr lang="en-US" dirty="0">
+              <a:solidFill>
+                <a:schemeClr val="bg1"/>
+              </a:solidFill>
+            </a:endParaRPr>
+          </a:p>
+          <a:p>
+            <a:pPr marL="342900" indent="-342900">
+              <a:buFont typeface="Arial" panose="020B0604020202020204" pitchFamily="34" charset="0"/>
+              <a:buChar char="•"/>
+            </a:pPr>
+            <a:endParaRPr lang="en-US" dirty="0">
+              <a:solidFill>
+                <a:schemeClr val="bg1"/>
+              </a:solidFill>
+            </a:endParaRPr>
           </a:p>
         </p:txBody>
       </p:sp>
@@ -11112,7 +15456,23 @@
                   <a:schemeClr val="bg1"/>
                 </a:solidFill>
               </a:rPr>
-              <a:t>Kunde will Personal-/</a:t>
+              <a:t>Kunde </a:t>
+            </a:r>
+            <a:r>
+              <a:rPr lang="en-US" sz="2200" dirty="0" err="1">
+                <a:solidFill>
+                  <a:schemeClr val="bg1"/>
+                </a:solidFill>
+              </a:rPr>
+              <a:t>möchte</a:t>
+            </a:r>
+            <a:r>
+              <a:rPr lang="en-US" sz="2200" dirty="0">
+                <a:solidFill>
+                  <a:schemeClr val="bg1"/>
+                </a:solidFill>
+              </a:rPr>
+              <a:t> Personal- und </a:t>
             </a:r>
             <a:r>
               <a:rPr lang="en-US" sz="2200" dirty="0" err="1">
@@ -11122,6 +15482,50 @@
               </a:rPr>
               <a:t>Projektverwaltung</a:t>
             </a:r>
+            <a:endParaRPr lang="en-US" sz="2200" dirty="0">
+              <a:solidFill>
+                <a:schemeClr val="bg1"/>
+              </a:solidFill>
+            </a:endParaRPr>
+          </a:p>
+          <a:p>
+            <a:pPr marL="0" indent="0">
+              <a:buNone/>
+            </a:pPr>
+            <a:r>
+              <a:rPr lang="en-US" sz="2200" dirty="0">
+                <a:solidFill>
+                  <a:schemeClr val="bg1"/>
+                </a:solidFill>
+              </a:rPr>
+              <a:t>	</a:t>
+            </a:r>
+            <a:r>
+              <a:rPr lang="en-US" sz="2200" dirty="0" err="1">
+                <a:solidFill>
+                  <a:schemeClr val="bg1"/>
+                </a:solidFill>
+              </a:rPr>
+              <a:t>professioneller</a:t>
+            </a:r>
+            <a:r>
+              <a:rPr lang="en-US" sz="2200" dirty="0">
+                <a:solidFill>
+                  <a:schemeClr val="bg1"/>
+                </a:solidFill>
+              </a:rPr>
+              <a:t> gestalten</a:t>
+            </a:r>
+          </a:p>
+          <a:p>
+            <a:r>
+              <a:rPr lang="en-US" sz="2200" dirty="0" err="1">
+                <a:solidFill>
+                  <a:schemeClr val="bg1"/>
+                </a:solidFill>
+              </a:rPr>
+              <a:t>Automatische</a:t>
+            </a:r>
             <a:r>
               <a:rPr lang="en-US" sz="2200" dirty="0">
                 <a:solidFill>
@@ -11136,22 +15540,52 @@
                   <a:schemeClr val="bg1"/>
                 </a:solidFill>
               </a:rPr>
-              <a:t>digitalisieren</a:t>
-            </a:r>
-            <a:endParaRPr lang="en-US" sz="2200" dirty="0">
-              <a:solidFill>
-                <a:schemeClr val="bg1"/>
-              </a:solidFill>
-            </a:endParaRPr>
-          </a:p>
-          <a:p>
+              <a:t>Auswertungen</a:t>
+            </a:r>
+            <a:r>
+              <a:rPr lang="en-US" sz="2200" dirty="0">
+                <a:solidFill>
+                  <a:schemeClr val="bg1"/>
+                </a:solidFill>
+              </a:rPr>
+              <a:t> für Management</a:t>
+            </a:r>
+          </a:p>
+          <a:p>
+            <a:pPr marL="0" indent="0">
+              <a:buNone/>
+            </a:pPr>
+            <a:r>
+              <a:rPr lang="en-US" sz="2200" dirty="0">
+                <a:solidFill>
+                  <a:schemeClr val="bg1"/>
+                </a:solidFill>
+              </a:rPr>
+              <a:t>	</a:t>
+            </a:r>
             <a:r>
               <a:rPr lang="en-US" sz="2200" dirty="0" err="1">
                 <a:solidFill>
                   <a:schemeClr val="bg1"/>
                 </a:solidFill>
               </a:rPr>
-              <a:t>Automatische</a:t>
+              <a:t>sollen</a:t>
+            </a:r>
+            <a:r>
+              <a:rPr lang="en-US" sz="2200" dirty="0">
+                <a:solidFill>
+                  <a:schemeClr val="bg1"/>
+                </a:solidFill>
+              </a:rPr>
+              <a:t> für das Management </a:t>
+            </a:r>
+            <a:r>
+              <a:rPr lang="en-US" sz="2200" dirty="0" err="1">
+                <a:solidFill>
+                  <a:schemeClr val="bg1"/>
+                </a:solidFill>
+              </a:rPr>
+              <a:t>erstellt</a:t>
             </a:r>
             <a:r>
               <a:rPr lang="en-US" sz="2200" dirty="0">
@@ -11167,7 +15601,22 @@
                   <a:schemeClr val="bg1"/>
                 </a:solidFill>
               </a:rPr>
-              <a:t>Auswertungen</a:t>
+              <a:t>werden</a:t>
+            </a:r>
+            <a:endParaRPr lang="en-US" sz="2200" dirty="0">
+              <a:solidFill>
+                <a:schemeClr val="bg1"/>
+              </a:solidFill>
+            </a:endParaRPr>
+          </a:p>
+          <a:p>
+            <a:r>
+              <a:rPr lang="en-US" sz="2200" dirty="0" err="1">
+                <a:solidFill>
+                  <a:schemeClr val="bg1"/>
+                </a:solidFill>
+              </a:rPr>
+              <a:t>Zentrale</a:t>
             </a:r>
             <a:r>
               <a:rPr lang="en-US" sz="2200" dirty="0">
@@ -11175,11 +15624,62 @@
                   <a:schemeClr val="bg1"/>
                 </a:solidFill>
               </a:rPr>
-              <a:t> für Management</a:t>
-            </a:r>
-          </a:p>
-          <a:p>
-            <a:endParaRPr lang="en-US" sz="2200" dirty="0">
+              <a:t> </a:t>
+            </a:r>
+            <a:r>
+              <a:rPr lang="en-US" sz="2200" dirty="0" err="1">
+                <a:solidFill>
+                  <a:schemeClr val="bg1"/>
+                </a:solidFill>
+              </a:rPr>
+              <a:t>Verwaltung</a:t>
+            </a:r>
+            <a:r>
+              <a:rPr lang="en-US" sz="2200" dirty="0">
+                <a:solidFill>
+                  <a:schemeClr val="bg1"/>
+                </a:solidFill>
+              </a:rPr>
+              <a:t> der </a:t>
+            </a:r>
+            <a:r>
+              <a:rPr lang="en-US" sz="2200" dirty="0" err="1">
+                <a:solidFill>
+                  <a:schemeClr val="bg1"/>
+                </a:solidFill>
+              </a:rPr>
+              <a:t>Zugriffe</a:t>
+            </a:r>
+            <a:r>
+              <a:rPr lang="en-US" sz="2200" dirty="0">
+                <a:solidFill>
+                  <a:schemeClr val="bg1"/>
+                </a:solidFill>
+              </a:rPr>
+              <a:t> auf die </a:t>
+            </a:r>
+          </a:p>
+          <a:p>
+            <a:pPr marL="0" indent="0">
+              <a:buNone/>
+            </a:pPr>
+            <a:r>
+              <a:rPr lang="en-US" sz="2200" dirty="0">
+                <a:solidFill>
+                  <a:schemeClr val="bg1"/>
+                </a:solidFill>
+              </a:rPr>
+              <a:t>	Personal- und </a:t>
+            </a:r>
+            <a:r>
+              <a:rPr lang="en-US" sz="2200" dirty="0" err="1">
+                <a:solidFill>
+                  <a:schemeClr val="bg1"/>
+                </a:solidFill>
+              </a:rPr>
+              <a:t>Projektdaten</a:t>
+            </a:r>
+            <a:endParaRPr lang="en-US" sz="1800" dirty="0">
               <a:solidFill>
                 <a:schemeClr val="bg1"/>
               </a:solidFill>
@@ -11202,7 +15702,7 @@
         <p:spPr>
           <a:xfrm>
             <a:off x="9664930" y="1995302"/>
-            <a:ext cx="2472297" cy="2585323"/>
+            <a:ext cx="2472297" cy="3416320"/>
           </a:xfrm>
           <a:prstGeom prst="rect">
             <a:avLst/>
@@ -11219,13 +15719,24 @@
               <a:buFont typeface="Arial" panose="020B0604020202020204" pitchFamily="34" charset="0"/>
               <a:buChar char="•"/>
             </a:pPr>
+            <a:endParaRPr lang="de-DE" dirty="0">
+              <a:solidFill>
+                <a:schemeClr val="bg1"/>
+              </a:solidFill>
+            </a:endParaRPr>
+          </a:p>
+          <a:p>
+            <a:pPr marL="285750" indent="-285750">
+              <a:buFont typeface="Arial" panose="020B0604020202020204" pitchFamily="34" charset="0"/>
+              <a:buChar char="•"/>
+            </a:pPr>
             <a:r>
               <a:rPr lang="de-DE" dirty="0">
                 <a:solidFill>
                   <a:schemeClr val="bg1"/>
                 </a:solidFill>
               </a:rPr>
-              <a:t>Benutzerverwaltung</a:t>
+              <a:t>Aufgabenstellung</a:t>
             </a:r>
           </a:p>
           <a:p>
@@ -11250,7 +15761,7 @@
                   <a:schemeClr val="bg1"/>
                 </a:solidFill>
               </a:rPr>
-              <a:t>?</a:t>
+              <a:t>Anforderungen</a:t>
             </a:r>
           </a:p>
           <a:p>
@@ -11275,7 +15786,7 @@
                   <a:schemeClr val="bg1"/>
                 </a:solidFill>
               </a:rPr>
-              <a:t>?</a:t>
+              <a:t>Technologien</a:t>
             </a:r>
           </a:p>
           <a:p>
@@ -11300,7 +15811,7 @@
                   <a:schemeClr val="bg1"/>
                 </a:solidFill>
               </a:rPr>
-              <a:t>?</a:t>
+              <a:t>Rollenkonzept</a:t>
             </a:r>
           </a:p>
           <a:p>
@@ -11325,7 +15836,32 @@
                   <a:schemeClr val="bg1"/>
                 </a:solidFill>
               </a:rPr>
-              <a:t>?</a:t>
+              <a:t>Klassendiagramm</a:t>
+            </a:r>
+          </a:p>
+          <a:p>
+            <a:pPr marL="285750" indent="-285750">
+              <a:buFont typeface="Arial" panose="020B0604020202020204" pitchFamily="34" charset="0"/>
+              <a:buChar char="•"/>
+            </a:pPr>
+            <a:endParaRPr lang="de-DE" dirty="0">
+              <a:solidFill>
+                <a:schemeClr val="bg1"/>
+              </a:solidFill>
+            </a:endParaRPr>
+          </a:p>
+          <a:p>
+            <a:pPr marL="285750" indent="-285750">
+              <a:buFont typeface="Arial" panose="020B0604020202020204" pitchFamily="34" charset="0"/>
+              <a:buChar char="•"/>
+            </a:pPr>
+            <a:r>
+              <a:rPr lang="de-DE" dirty="0">
+                <a:solidFill>
+                  <a:schemeClr val="bg1"/>
+                </a:solidFill>
+              </a:rPr>
+              <a:t>Screenshots</a:t>
             </a:r>
           </a:p>
         </p:txBody>
@@ -11355,6 +15891,60 @@
               <a:rPr lang="de-DE" smtClean="0"/>
               <a:t>3</a:t>
             </a:fld>
+            <a:endParaRPr lang="de-DE"/>
+          </a:p>
+        </p:txBody>
+      </p:sp>
+      <p:sp>
+        <p:nvSpPr>
+          <p:cNvPr id="8" name="Arrow: Right 7">
+            <a:extLst>
+              <a:ext uri="{FF2B5EF4-FFF2-40B4-BE49-F238E27FC236}">
+                <a16:creationId xmlns:a16="http://schemas.microsoft.com/office/drawing/2014/main" id="{CFBBBECB-8510-D994-B1C3-9A6544A632D9}"/>
+              </a:ext>
+            </a:extLst>
+          </p:cNvPr>
+          <p:cNvSpPr/>
+          <p:nvPr/>
+        </p:nvSpPr>
+        <p:spPr>
+          <a:xfrm>
+            <a:off x="8992788" y="2181720"/>
+            <a:ext cx="657225" cy="482601"/>
+          </a:xfrm>
+          <a:prstGeom prst="rightArrow">
+            <a:avLst/>
+          </a:prstGeom>
+          <a:solidFill>
+            <a:schemeClr val="bg1"/>
+          </a:solidFill>
+          <a:ln>
+            <a:solidFill>
+              <a:schemeClr val="bg1"/>
+            </a:solidFill>
+          </a:ln>
+        </p:spPr>
+        <p:style>
+          <a:lnRef idx="2">
+            <a:schemeClr val="accent1">
+              <a:shade val="15000"/>
+            </a:schemeClr>
+          </a:lnRef>
+          <a:fillRef idx="1">
+            <a:schemeClr val="accent1"/>
+          </a:fillRef>
+          <a:effectRef idx="0">
+            <a:schemeClr val="accent1"/>
+          </a:effectRef>
+          <a:fontRef idx="minor">
+            <a:schemeClr val="lt1"/>
+          </a:fontRef>
+        </p:style>
+        <p:txBody>
+          <a:bodyPr rtlCol="0" anchor="ctr"/>
+          <a:lstStyle/>
+          <a:p>
+            <a:pPr algn="ctr"/>
             <a:endParaRPr lang="de-DE"/>
           </a:p>
         </p:txBody>
@@ -12532,7 +17122,7 @@
         <p:spPr>
           <a:xfrm>
             <a:off x="9664930" y="1995302"/>
-            <a:ext cx="2472297" cy="2585323"/>
+            <a:ext cx="2472297" cy="3416320"/>
           </a:xfrm>
           <a:prstGeom prst="rect">
             <a:avLst/>
@@ -12549,13 +17139,24 @@
               <a:buFont typeface="Arial" panose="020B0604020202020204" pitchFamily="34" charset="0"/>
               <a:buChar char="•"/>
             </a:pPr>
+            <a:endParaRPr lang="de-DE" dirty="0">
+              <a:solidFill>
+                <a:schemeClr val="bg1"/>
+              </a:solidFill>
+            </a:endParaRPr>
+          </a:p>
+          <a:p>
+            <a:pPr marL="285750" indent="-285750">
+              <a:buFont typeface="Arial" panose="020B0604020202020204" pitchFamily="34" charset="0"/>
+              <a:buChar char="•"/>
+            </a:pPr>
             <a:r>
               <a:rPr lang="de-DE" dirty="0">
                 <a:solidFill>
                   <a:schemeClr val="bg1"/>
                 </a:solidFill>
               </a:rPr>
-              <a:t>Benutzerverwaltung</a:t>
+              <a:t>Aufgabenstellung</a:t>
             </a:r>
           </a:p>
           <a:p>
@@ -12580,7 +17181,7 @@
                   <a:schemeClr val="bg1"/>
                 </a:solidFill>
               </a:rPr>
-              <a:t>?</a:t>
+              <a:t>Anforderungen</a:t>
             </a:r>
           </a:p>
           <a:p>
@@ -12605,7 +17206,7 @@
                   <a:schemeClr val="bg1"/>
                 </a:solidFill>
               </a:rPr>
-              <a:t>?</a:t>
+              <a:t>Technologien</a:t>
             </a:r>
           </a:p>
           <a:p>
@@ -12630,7 +17231,7 @@
                   <a:schemeClr val="bg1"/>
                 </a:solidFill>
               </a:rPr>
-              <a:t>?</a:t>
+              <a:t>Rollenkonzept</a:t>
             </a:r>
           </a:p>
           <a:p>
@@ -12655,7 +17256,32 @@
                   <a:schemeClr val="bg1"/>
                 </a:solidFill>
               </a:rPr>
-              <a:t>?</a:t>
+              <a:t>Klassendiagramm</a:t>
+            </a:r>
+          </a:p>
+          <a:p>
+            <a:pPr marL="285750" indent="-285750">
+              <a:buFont typeface="Arial" panose="020B0604020202020204" pitchFamily="34" charset="0"/>
+              <a:buChar char="•"/>
+            </a:pPr>
+            <a:endParaRPr lang="de-DE" dirty="0">
+              <a:solidFill>
+                <a:schemeClr val="bg1"/>
+              </a:solidFill>
+            </a:endParaRPr>
+          </a:p>
+          <a:p>
+            <a:pPr marL="285750" indent="-285750">
+              <a:buFont typeface="Arial" panose="020B0604020202020204" pitchFamily="34" charset="0"/>
+              <a:buChar char="•"/>
+            </a:pPr>
+            <a:r>
+              <a:rPr lang="de-DE" dirty="0">
+                <a:solidFill>
+                  <a:schemeClr val="bg1"/>
+                </a:solidFill>
+              </a:rPr>
+              <a:t>Screenshots</a:t>
             </a:r>
           </a:p>
         </p:txBody>
@@ -12689,6 +17315,60 @@
           </a:p>
         </p:txBody>
       </p:sp>
+      <p:sp>
+        <p:nvSpPr>
+          <p:cNvPr id="6" name="Arrow: Right 5">
+            <a:extLst>
+              <a:ext uri="{FF2B5EF4-FFF2-40B4-BE49-F238E27FC236}">
+                <a16:creationId xmlns:a16="http://schemas.microsoft.com/office/drawing/2014/main" id="{EB6BD77D-EB1C-3087-96AE-37B5F8D17E1B}"/>
+              </a:ext>
+            </a:extLst>
+          </p:cNvPr>
+          <p:cNvSpPr/>
+          <p:nvPr/>
+        </p:nvSpPr>
+        <p:spPr>
+          <a:xfrm>
+            <a:off x="8992788" y="2772270"/>
+            <a:ext cx="657225" cy="482601"/>
+          </a:xfrm>
+          <a:prstGeom prst="rightArrow">
+            <a:avLst/>
+          </a:prstGeom>
+          <a:solidFill>
+            <a:schemeClr val="bg1"/>
+          </a:solidFill>
+          <a:ln>
+            <a:solidFill>
+              <a:schemeClr val="bg1"/>
+            </a:solidFill>
+          </a:ln>
+        </p:spPr>
+        <p:style>
+          <a:lnRef idx="2">
+            <a:schemeClr val="accent1">
+              <a:shade val="15000"/>
+            </a:schemeClr>
+          </a:lnRef>
+          <a:fillRef idx="1">
+            <a:schemeClr val="accent1"/>
+          </a:fillRef>
+          <a:effectRef idx="0">
+            <a:schemeClr val="accent1"/>
+          </a:effectRef>
+          <a:fontRef idx="minor">
+            <a:schemeClr val="lt1"/>
+          </a:fontRef>
+        </p:style>
+        <p:txBody>
+          <a:bodyPr rtlCol="0" anchor="ctr"/>
+          <a:lstStyle/>
+          <a:p>
+            <a:pPr algn="ctr"/>
+            <a:endParaRPr lang="de-DE"/>
+          </a:p>
+        </p:txBody>
+      </p:sp>
     </p:spTree>
     <p:extLst>
       <p:ext uri="{BB962C8B-B14F-4D97-AF65-F5344CB8AC3E}">
@@ -12699,13 +17379,13 @@
   <p:clrMapOvr>
     <a:masterClrMapping/>
   </p:clrMapOvr>
-  <mc:AlternateContent xmlns:mc="http://schemas.openxmlformats.org/markup-compatibility/2006">
-    <mc:Choice xmlns:p159="http://schemas.microsoft.com/office/powerpoint/2015/09/main" Requires="p159">
+  <mc:AlternateContent xmlns:mc="http://schemas.openxmlformats.org/markup-compatibility/2006" xmlns:p159="http://schemas.microsoft.com/office/powerpoint/2015/09/main">
+    <mc:Choice Requires="p159">
       <p:transition spd="med">
         <p159:morph option="byObject"/>
       </p:transition>
     </mc:Choice>
-    <mc:Fallback>
+    <mc:Fallback xmlns="">
       <p:transition spd="med">
         <p:fade/>
       </p:transition>
@@ -13549,7 +18229,7 @@
         <p:spPr>
           <a:xfrm>
             <a:off x="9664930" y="1995302"/>
-            <a:ext cx="2472297" cy="2585323"/>
+            <a:ext cx="2472297" cy="3416320"/>
           </a:xfrm>
           <a:prstGeom prst="rect">
             <a:avLst/>
@@ -13566,13 +18246,24 @@
               <a:buFont typeface="Arial" panose="020B0604020202020204" pitchFamily="34" charset="0"/>
               <a:buChar char="•"/>
             </a:pPr>
+            <a:endParaRPr lang="de-DE" dirty="0">
+              <a:solidFill>
+                <a:schemeClr val="bg1"/>
+              </a:solidFill>
+            </a:endParaRPr>
+          </a:p>
+          <a:p>
+            <a:pPr marL="285750" indent="-285750">
+              <a:buFont typeface="Arial" panose="020B0604020202020204" pitchFamily="34" charset="0"/>
+              <a:buChar char="•"/>
+            </a:pPr>
             <a:r>
               <a:rPr lang="de-DE" dirty="0">
                 <a:solidFill>
                   <a:schemeClr val="bg1"/>
                 </a:solidFill>
               </a:rPr>
-              <a:t>Benutzerverwaltung</a:t>
+              <a:t>Aufgabenstellung</a:t>
             </a:r>
           </a:p>
           <a:p>
@@ -13597,7 +18288,7 @@
                   <a:schemeClr val="bg1"/>
                 </a:solidFill>
               </a:rPr>
-              <a:t>?</a:t>
+              <a:t>Anforderungen</a:t>
             </a:r>
           </a:p>
           <a:p>
@@ -13622,7 +18313,7 @@
                   <a:schemeClr val="bg1"/>
                 </a:solidFill>
               </a:rPr>
-              <a:t>?</a:t>
+              <a:t>Technologien</a:t>
             </a:r>
           </a:p>
           <a:p>
@@ -13647,7 +18338,7 @@
                   <a:schemeClr val="bg1"/>
                 </a:solidFill>
               </a:rPr>
-              <a:t>?</a:t>
+              <a:t>Rollenkonzept</a:t>
             </a:r>
           </a:p>
           <a:p>
@@ -13672,7 +18363,32 @@
                   <a:schemeClr val="bg1"/>
                 </a:solidFill>
               </a:rPr>
-              <a:t>?</a:t>
+              <a:t>Klassendiagramm</a:t>
+            </a:r>
+          </a:p>
+          <a:p>
+            <a:pPr marL="285750" indent="-285750">
+              <a:buFont typeface="Arial" panose="020B0604020202020204" pitchFamily="34" charset="0"/>
+              <a:buChar char="•"/>
+            </a:pPr>
+            <a:endParaRPr lang="de-DE" dirty="0">
+              <a:solidFill>
+                <a:schemeClr val="bg1"/>
+              </a:solidFill>
+            </a:endParaRPr>
+          </a:p>
+          <a:p>
+            <a:pPr marL="285750" indent="-285750">
+              <a:buFont typeface="Arial" panose="020B0604020202020204" pitchFamily="34" charset="0"/>
+              <a:buChar char="•"/>
+            </a:pPr>
+            <a:r>
+              <a:rPr lang="de-DE" dirty="0">
+                <a:solidFill>
+                  <a:schemeClr val="bg1"/>
+                </a:solidFill>
+              </a:rPr>
+              <a:t>Screenshots</a:t>
             </a:r>
           </a:p>
         </p:txBody>
@@ -13702,6 +18418,60 @@
               <a:rPr lang="de-DE" smtClean="0"/>
               <a:t>5</a:t>
             </a:fld>
+            <a:endParaRPr lang="de-DE"/>
+          </a:p>
+        </p:txBody>
+      </p:sp>
+      <p:sp>
+        <p:nvSpPr>
+          <p:cNvPr id="6" name="Arrow: Right 5">
+            <a:extLst>
+              <a:ext uri="{FF2B5EF4-FFF2-40B4-BE49-F238E27FC236}">
+                <a16:creationId xmlns:a16="http://schemas.microsoft.com/office/drawing/2014/main" id="{AD08B467-7C37-C297-7C7C-67374073B8F1}"/>
+              </a:ext>
+            </a:extLst>
+          </p:cNvPr>
+          <p:cNvSpPr/>
+          <p:nvPr/>
+        </p:nvSpPr>
+        <p:spPr>
+          <a:xfrm>
+            <a:off x="8992788" y="3334245"/>
+            <a:ext cx="657225" cy="482601"/>
+          </a:xfrm>
+          <a:prstGeom prst="rightArrow">
+            <a:avLst/>
+          </a:prstGeom>
+          <a:solidFill>
+            <a:schemeClr val="bg1"/>
+          </a:solidFill>
+          <a:ln>
+            <a:solidFill>
+              <a:schemeClr val="bg1"/>
+            </a:solidFill>
+          </a:ln>
+        </p:spPr>
+        <p:style>
+          <a:lnRef idx="2">
+            <a:schemeClr val="accent1">
+              <a:shade val="15000"/>
+            </a:schemeClr>
+          </a:lnRef>
+          <a:fillRef idx="1">
+            <a:schemeClr val="accent1"/>
+          </a:fillRef>
+          <a:effectRef idx="0">
+            <a:schemeClr val="accent1"/>
+          </a:effectRef>
+          <a:fontRef idx="minor">
+            <a:schemeClr val="lt1"/>
+          </a:fontRef>
+        </p:style>
+        <p:txBody>
+          <a:bodyPr rtlCol="0" anchor="ctr"/>
+          <a:lstStyle/>
+          <a:p>
+            <a:pPr algn="ctr"/>
             <a:endParaRPr lang="de-DE"/>
           </a:p>
         </p:txBody>
@@ -14524,6 +19294,22 @@
                   <a:schemeClr val="bg1"/>
                 </a:solidFill>
               </a:rPr>
+              <a:t> seinen </a:t>
+            </a:r>
+            <a:r>
+              <a:rPr lang="en-US" sz="1800" dirty="0" err="1">
+                <a:solidFill>
+                  <a:schemeClr val="bg1"/>
+                </a:solidFill>
+              </a:rPr>
+              <a:t>eigenen</a:t>
+            </a:r>
+            <a:r>
+              <a:rPr lang="en-US" sz="1800" dirty="0">
+                <a:solidFill>
+                  <a:schemeClr val="bg1"/>
+                </a:solidFill>
+              </a:rPr>
               <a:t> </a:t>
             </a:r>
             <a:r>
@@ -14580,7 +19366,7 @@
                   <a:schemeClr val="bg1"/>
                 </a:solidFill>
               </a:rPr>
-              <a:t>Projekte</a:t>
+              <a:t>beschränkt</a:t>
             </a:r>
             <a:r>
               <a:rPr lang="en-US" sz="1800" dirty="0">
@@ -14596,6 +19382,22 @@
                   <a:schemeClr val="bg1"/>
                 </a:solidFill>
               </a:rPr>
+              <a:t>Projekte</a:t>
+            </a:r>
+            <a:r>
+              <a:rPr lang="en-US" sz="1800" dirty="0">
+                <a:solidFill>
+                  <a:schemeClr val="bg1"/>
+                </a:solidFill>
+              </a:rPr>
+              <a:t> </a:t>
+            </a:r>
+            <a:r>
+              <a:rPr lang="en-US" sz="1800" dirty="0" err="1">
+                <a:solidFill>
+                  <a:schemeClr val="bg1"/>
+                </a:solidFill>
+              </a:rPr>
               <a:t>anlegen</a:t>
             </a:r>
             <a:r>
@@ -14614,30 +19416,11 @@
               </a:rPr>
               <a:t>verändern</a:t>
             </a:r>
-            <a:r>
-              <a:rPr lang="en-US" sz="1800" dirty="0">
-                <a:solidFill>
-                  <a:schemeClr val="bg1"/>
-                </a:solidFill>
-              </a:rPr>
-              <a:t> (</a:t>
-            </a:r>
-            <a:r>
-              <a:rPr lang="en-US" sz="1800" dirty="0" err="1">
-                <a:solidFill>
-                  <a:schemeClr val="bg1"/>
-                </a:solidFill>
-              </a:rPr>
-              <a:t>Beschränkt</a:t>
-            </a:r>
-            <a:r>
-              <a:rPr lang="en-US" sz="1800" dirty="0">
-                <a:solidFill>
-                  <a:schemeClr val="bg1"/>
-                </a:solidFill>
-              </a:rPr>
-              <a:t>)</a:t>
-            </a:r>
+            <a:endParaRPr lang="en-US" sz="1800" dirty="0">
+              <a:solidFill>
+                <a:schemeClr val="bg1"/>
+              </a:solidFill>
+            </a:endParaRPr>
           </a:p>
           <a:p>
             <a:r>
@@ -14791,6 +19574,38 @@
               </a:rPr>
               <a:t>Admin</a:t>
             </a:r>
+          </a:p>
+          <a:p>
+            <a:pPr lvl="1"/>
+            <a:r>
+              <a:rPr lang="en-US" sz="1800" dirty="0" err="1">
+                <a:solidFill>
+                  <a:schemeClr val="bg1"/>
+                </a:solidFill>
+              </a:rPr>
+              <a:t>Keine</a:t>
+            </a:r>
+            <a:r>
+              <a:rPr lang="en-US" sz="1800" dirty="0">
+                <a:solidFill>
+                  <a:schemeClr val="bg1"/>
+                </a:solidFill>
+              </a:rPr>
+              <a:t> </a:t>
+            </a:r>
+            <a:r>
+              <a:rPr lang="en-US" sz="1800" dirty="0" err="1">
+                <a:solidFill>
+                  <a:schemeClr val="bg1"/>
+                </a:solidFill>
+              </a:rPr>
+              <a:t>Beschränkungen</a:t>
+            </a:r>
+            <a:endParaRPr lang="en-US" sz="1800" dirty="0">
+              <a:solidFill>
+                <a:schemeClr val="bg1"/>
+              </a:solidFill>
+            </a:endParaRPr>
           </a:p>
         </p:txBody>
       </p:sp>
@@ -14809,7 +19624,7 @@
         <p:spPr>
           <a:xfrm>
             <a:off x="9664930" y="1995302"/>
-            <a:ext cx="2472297" cy="2585323"/>
+            <a:ext cx="2472297" cy="3416320"/>
           </a:xfrm>
           <a:prstGeom prst="rect">
             <a:avLst/>
@@ -14826,13 +19641,24 @@
               <a:buFont typeface="Arial" panose="020B0604020202020204" pitchFamily="34" charset="0"/>
               <a:buChar char="•"/>
             </a:pPr>
+            <a:endParaRPr lang="de-DE" dirty="0">
+              <a:solidFill>
+                <a:schemeClr val="bg1"/>
+              </a:solidFill>
+            </a:endParaRPr>
+          </a:p>
+          <a:p>
+            <a:pPr marL="285750" indent="-285750">
+              <a:buFont typeface="Arial" panose="020B0604020202020204" pitchFamily="34" charset="0"/>
+              <a:buChar char="•"/>
+            </a:pPr>
             <a:r>
               <a:rPr lang="de-DE" dirty="0">
                 <a:solidFill>
                   <a:schemeClr val="bg1"/>
                 </a:solidFill>
               </a:rPr>
-              <a:t>Benutzerverwaltung</a:t>
+              <a:t>Aufgabenstellung</a:t>
             </a:r>
           </a:p>
           <a:p>
@@ -14857,7 +19683,7 @@
                   <a:schemeClr val="bg1"/>
                 </a:solidFill>
               </a:rPr>
-              <a:t>?</a:t>
+              <a:t>Anforderungen</a:t>
             </a:r>
           </a:p>
           <a:p>
@@ -14882,7 +19708,7 @@
                   <a:schemeClr val="bg1"/>
                 </a:solidFill>
               </a:rPr>
-              <a:t>?</a:t>
+              <a:t>Technologien</a:t>
             </a:r>
           </a:p>
           <a:p>
@@ -14907,7 +19733,7 @@
                   <a:schemeClr val="bg1"/>
                 </a:solidFill>
               </a:rPr>
-              <a:t>?</a:t>
+              <a:t>Rollenkonzept</a:t>
             </a:r>
           </a:p>
           <a:p>
@@ -14932,7 +19758,32 @@
                   <a:schemeClr val="bg1"/>
                 </a:solidFill>
               </a:rPr>
-              <a:t>?</a:t>
+              <a:t>Klassendiagramm</a:t>
+            </a:r>
+          </a:p>
+          <a:p>
+            <a:pPr marL="285750" indent="-285750">
+              <a:buFont typeface="Arial" panose="020B0604020202020204" pitchFamily="34" charset="0"/>
+              <a:buChar char="•"/>
+            </a:pPr>
+            <a:endParaRPr lang="de-DE" dirty="0">
+              <a:solidFill>
+                <a:schemeClr val="bg1"/>
+              </a:solidFill>
+            </a:endParaRPr>
+          </a:p>
+          <a:p>
+            <a:pPr marL="285750" indent="-285750">
+              <a:buFont typeface="Arial" panose="020B0604020202020204" pitchFamily="34" charset="0"/>
+              <a:buChar char="•"/>
+            </a:pPr>
+            <a:r>
+              <a:rPr lang="de-DE" dirty="0">
+                <a:solidFill>
+                  <a:schemeClr val="bg1"/>
+                </a:solidFill>
+              </a:rPr>
+              <a:t>Screenshots</a:t>
             </a:r>
           </a:p>
         </p:txBody>
@@ -14962,6 +19813,60 @@
               <a:rPr lang="de-DE" smtClean="0"/>
               <a:t>6</a:t>
             </a:fld>
+            <a:endParaRPr lang="de-DE"/>
+          </a:p>
+        </p:txBody>
+      </p:sp>
+      <p:sp>
+        <p:nvSpPr>
+          <p:cNvPr id="6" name="Arrow: Right 5">
+            <a:extLst>
+              <a:ext uri="{FF2B5EF4-FFF2-40B4-BE49-F238E27FC236}">
+                <a16:creationId xmlns:a16="http://schemas.microsoft.com/office/drawing/2014/main" id="{697B3A1A-CD6D-D0BD-107E-A9A38DD383F1}"/>
+              </a:ext>
+            </a:extLst>
+          </p:cNvPr>
+          <p:cNvSpPr/>
+          <p:nvPr/>
+        </p:nvSpPr>
+        <p:spPr>
+          <a:xfrm>
+            <a:off x="8992788" y="3858120"/>
+            <a:ext cx="657225" cy="482601"/>
+          </a:xfrm>
+          <a:prstGeom prst="rightArrow">
+            <a:avLst/>
+          </a:prstGeom>
+          <a:solidFill>
+            <a:schemeClr val="bg1"/>
+          </a:solidFill>
+          <a:ln>
+            <a:solidFill>
+              <a:schemeClr val="bg1"/>
+            </a:solidFill>
+          </a:ln>
+        </p:spPr>
+        <p:style>
+          <a:lnRef idx="2">
+            <a:schemeClr val="accent1">
+              <a:shade val="15000"/>
+            </a:schemeClr>
+          </a:lnRef>
+          <a:fillRef idx="1">
+            <a:schemeClr val="accent1"/>
+          </a:fillRef>
+          <a:effectRef idx="0">
+            <a:schemeClr val="accent1"/>
+          </a:effectRef>
+          <a:fontRef idx="minor">
+            <a:schemeClr val="lt1"/>
+          </a:fontRef>
+        </p:style>
+        <p:txBody>
+          <a:bodyPr rtlCol="0" anchor="ctr"/>
+          <a:lstStyle/>
+          <a:p>
+            <a:pPr algn="ctr"/>
             <a:endParaRPr lang="de-DE"/>
           </a:p>
         </p:txBody>
@@ -15102,7 +20007,7 @@
         </p:blipFill>
         <p:spPr>
           <a:xfrm>
-            <a:off x="20" y="10"/>
+            <a:off x="-3027" y="10"/>
             <a:ext cx="12191979" cy="6857990"/>
           </a:xfrm>
           <a:prstGeom prst="rect">
@@ -15144,7 +20049,7 @@
                   <a:schemeClr val="bg1"/>
                 </a:solidFill>
               </a:rPr>
-              <a:t>Benutzerverwaltung</a:t>
+              <a:t>Klassendiagramm</a:t>
             </a:r>
             <a:endParaRPr lang="en-US" sz="5400" dirty="0">
               <a:solidFill>
@@ -15726,65 +20631,41 @@
           </a:p>
         </p:txBody>
       </p:sp>
-      <p:sp>
-        <p:nvSpPr>
-          <p:cNvPr id="3" name="Subtitle 2">
+      <p:pic>
+        <p:nvPicPr>
+          <p:cNvPr id="7" name="Content Placeholder 6" descr="A computer screen shot of a computer program&#10;&#10;Description automatically generated">
             <a:extLst>
               <a:ext uri="{FF2B5EF4-FFF2-40B4-BE49-F238E27FC236}">
-                <a16:creationId xmlns:a16="http://schemas.microsoft.com/office/drawing/2014/main" id="{1A33470D-CE91-F3B5-68F7-2CBCAA941809}"/>
+                <a16:creationId xmlns:a16="http://schemas.microsoft.com/office/drawing/2014/main" id="{7B0877E4-759C-304D-C8C7-6CDB76983348}"/>
               </a:ext>
             </a:extLst>
           </p:cNvPr>
-          <p:cNvSpPr>
-            <a:spLocks noGrp="1"/>
-          </p:cNvSpPr>
+          <p:cNvPicPr>
+            <a:picLocks noGrp="1" noChangeAspect="1"/>
+          </p:cNvPicPr>
           <p:nvPr>
             <p:ph idx="1"/>
           </p:nvPr>
-        </p:nvSpPr>
+        </p:nvPicPr>
+        <p:blipFill>
+          <a:blip r:embed="rId3">
+            <a:extLst>
+              <a:ext uri="{28A0092B-C50C-407E-A947-70E740481C1C}">
+                <a14:useLocalDpi xmlns:a14="http://schemas.microsoft.com/office/drawing/2010/main" val="0"/>
+              </a:ext>
+            </a:extLst>
+          </a:blip>
+          <a:stretch>
+            <a:fillRect/>
+          </a:stretch>
+        </p:blipFill>
         <p:spPr>
           <a:xfrm>
-            <a:off x="838200" y="2004446"/>
-            <a:ext cx="10515600" cy="4176897"/>
+            <a:off x="1076324" y="1843024"/>
+            <a:ext cx="7835899" cy="5014976"/>
           </a:xfrm>
         </p:spPr>
-        <p:txBody>
-          <a:bodyPr vert="horz" lIns="91440" tIns="45720" rIns="91440" bIns="45720" rtlCol="0">
-            <a:normAutofit/>
-          </a:bodyPr>
-          <a:lstStyle/>
-          <a:p>
-            <a:r>
-              <a:rPr lang="en-US" sz="2200" dirty="0">
-                <a:solidFill>
-                  <a:schemeClr val="bg1"/>
-                </a:solidFill>
-              </a:rPr>
-              <a:t>?</a:t>
-            </a:r>
-          </a:p>
-          <a:p>
-            <a:r>
-              <a:rPr lang="en-US" sz="2200" dirty="0">
-                <a:solidFill>
-                  <a:schemeClr val="bg1"/>
-                </a:solidFill>
-              </a:rPr>
-              <a:t>?</a:t>
-            </a:r>
-          </a:p>
-          <a:p>
-            <a:r>
-              <a:rPr lang="en-US" sz="2200" dirty="0">
-                <a:solidFill>
-                  <a:schemeClr val="bg1"/>
-                </a:solidFill>
-              </a:rPr>
-              <a:t>?</a:t>
-            </a:r>
-          </a:p>
-        </p:txBody>
-      </p:sp>
+      </p:pic>
       <p:sp>
         <p:nvSpPr>
           <p:cNvPr id="4" name="TextBox 3">
@@ -15800,7 +20681,7 @@
         <p:spPr>
           <a:xfrm>
             <a:off x="9664930" y="1995302"/>
-            <a:ext cx="2472297" cy="2585323"/>
+            <a:ext cx="2472297" cy="3416320"/>
           </a:xfrm>
           <a:prstGeom prst="rect">
             <a:avLst/>
@@ -15817,13 +20698,24 @@
               <a:buFont typeface="Arial" panose="020B0604020202020204" pitchFamily="34" charset="0"/>
               <a:buChar char="•"/>
             </a:pPr>
+            <a:endParaRPr lang="de-DE" dirty="0">
+              <a:solidFill>
+                <a:schemeClr val="bg1"/>
+              </a:solidFill>
+            </a:endParaRPr>
+          </a:p>
+          <a:p>
+            <a:pPr marL="285750" indent="-285750">
+              <a:buFont typeface="Arial" panose="020B0604020202020204" pitchFamily="34" charset="0"/>
+              <a:buChar char="•"/>
+            </a:pPr>
             <a:r>
               <a:rPr lang="de-DE" dirty="0">
                 <a:solidFill>
                   <a:schemeClr val="bg1"/>
                 </a:solidFill>
               </a:rPr>
-              <a:t>Benutzerverwaltung</a:t>
+              <a:t>Aufgabenstellung</a:t>
             </a:r>
           </a:p>
           <a:p>
@@ -15848,7 +20740,7 @@
                   <a:schemeClr val="bg1"/>
                 </a:solidFill>
               </a:rPr>
-              <a:t>?</a:t>
+              <a:t>Anforderungen</a:t>
             </a:r>
           </a:p>
           <a:p>
@@ -15873,7 +20765,7 @@
                   <a:schemeClr val="bg1"/>
                 </a:solidFill>
               </a:rPr>
-              <a:t>?</a:t>
+              <a:t>Technologien</a:t>
             </a:r>
           </a:p>
           <a:p>
@@ -15898,7 +20790,7 @@
                   <a:schemeClr val="bg1"/>
                 </a:solidFill>
               </a:rPr>
-              <a:t>?</a:t>
+              <a:t>Rollenkonzept</a:t>
             </a:r>
           </a:p>
           <a:p>
@@ -15923,7 +20815,32 @@
                   <a:schemeClr val="bg1"/>
                 </a:solidFill>
               </a:rPr>
-              <a:t>?</a:t>
+              <a:t>Klassendiagramm</a:t>
+            </a:r>
+          </a:p>
+          <a:p>
+            <a:pPr marL="285750" indent="-285750">
+              <a:buFont typeface="Arial" panose="020B0604020202020204" pitchFamily="34" charset="0"/>
+              <a:buChar char="•"/>
+            </a:pPr>
+            <a:endParaRPr lang="de-DE" dirty="0">
+              <a:solidFill>
+                <a:schemeClr val="bg1"/>
+              </a:solidFill>
+            </a:endParaRPr>
+          </a:p>
+          <a:p>
+            <a:pPr marL="285750" indent="-285750">
+              <a:buFont typeface="Arial" panose="020B0604020202020204" pitchFamily="34" charset="0"/>
+              <a:buChar char="•"/>
+            </a:pPr>
+            <a:r>
+              <a:rPr lang="de-DE" dirty="0">
+                <a:solidFill>
+                  <a:schemeClr val="bg1"/>
+                </a:solidFill>
+              </a:rPr>
+              <a:t>Screenshots</a:t>
             </a:r>
           </a:p>
         </p:txBody>
@@ -15957,23 +20874,77 @@
           </a:p>
         </p:txBody>
       </p:sp>
+      <p:sp>
+        <p:nvSpPr>
+          <p:cNvPr id="8" name="Arrow: Right 7">
+            <a:extLst>
+              <a:ext uri="{FF2B5EF4-FFF2-40B4-BE49-F238E27FC236}">
+                <a16:creationId xmlns:a16="http://schemas.microsoft.com/office/drawing/2014/main" id="{1C43825D-F686-4E31-B6AA-3D89B6E38BE0}"/>
+              </a:ext>
+            </a:extLst>
+          </p:cNvPr>
+          <p:cNvSpPr/>
+          <p:nvPr/>
+        </p:nvSpPr>
+        <p:spPr>
+          <a:xfrm>
+            <a:off x="8992788" y="4410570"/>
+            <a:ext cx="657225" cy="482601"/>
+          </a:xfrm>
+          <a:prstGeom prst="rightArrow">
+            <a:avLst/>
+          </a:prstGeom>
+          <a:solidFill>
+            <a:schemeClr val="bg1"/>
+          </a:solidFill>
+          <a:ln>
+            <a:solidFill>
+              <a:schemeClr val="bg1"/>
+            </a:solidFill>
+          </a:ln>
+        </p:spPr>
+        <p:style>
+          <a:lnRef idx="2">
+            <a:schemeClr val="accent1">
+              <a:shade val="15000"/>
+            </a:schemeClr>
+          </a:lnRef>
+          <a:fillRef idx="1">
+            <a:schemeClr val="accent1"/>
+          </a:fillRef>
+          <a:effectRef idx="0">
+            <a:schemeClr val="accent1"/>
+          </a:effectRef>
+          <a:fontRef idx="minor">
+            <a:schemeClr val="lt1"/>
+          </a:fontRef>
+        </p:style>
+        <p:txBody>
+          <a:bodyPr rtlCol="0" anchor="ctr"/>
+          <a:lstStyle/>
+          <a:p>
+            <a:pPr algn="ctr"/>
+            <a:endParaRPr lang="de-DE"/>
+          </a:p>
+        </p:txBody>
+      </p:sp>
     </p:spTree>
     <p:extLst>
       <p:ext uri="{BB962C8B-B14F-4D97-AF65-F5344CB8AC3E}">
-        <p14:creationId xmlns:p14="http://schemas.microsoft.com/office/powerpoint/2010/main" val="2971243429"/>
+        <p14:creationId xmlns:p14="http://schemas.microsoft.com/office/powerpoint/2010/main" val="315742514"/>
       </p:ext>
     </p:extLst>
   </p:cSld>
   <p:clrMapOvr>
     <a:masterClrMapping/>
   </p:clrMapOvr>
-  <mc:AlternateContent xmlns:mc="http://schemas.openxmlformats.org/markup-compatibility/2006" xmlns:p159="http://schemas.microsoft.com/office/powerpoint/2015/09/main">
-    <mc:Choice Requires="p159">
+  <mc:AlternateContent xmlns:mc="http://schemas.openxmlformats.org/markup-compatibility/2006">
+    <mc:Choice xmlns:p159="http://schemas.microsoft.com/office/powerpoint/2015/09/main" Requires="p159">
       <p:transition spd="med">
         <p159:morph option="byObject"/>
       </p:transition>
     </mc:Choice>
-    <mc:Fallback xmlns="">
+    <mc:Fallback>
       <p:transition spd="med">
         <p:fade/>
       </p:transition>
@@ -16712,45 +21683,41 @@
           </a:p>
         </p:txBody>
       </p:sp>
-      <p:sp>
-        <p:nvSpPr>
-          <p:cNvPr id="3" name="Subtitle 2">
+      <p:pic>
+        <p:nvPicPr>
+          <p:cNvPr id="7" name="Content Placeholder 6" descr="A screenshot of a computer&#10;&#10;Description automatically generated">
             <a:extLst>
               <a:ext uri="{FF2B5EF4-FFF2-40B4-BE49-F238E27FC236}">
-                <a16:creationId xmlns:a16="http://schemas.microsoft.com/office/drawing/2014/main" id="{1A33470D-CE91-F3B5-68F7-2CBCAA941809}"/>
+                <a16:creationId xmlns:a16="http://schemas.microsoft.com/office/drawing/2014/main" id="{5B52F0C3-D396-62D4-82C2-EC6641D2AB32}"/>
               </a:ext>
             </a:extLst>
           </p:cNvPr>
-          <p:cNvSpPr>
-            <a:spLocks noGrp="1"/>
-          </p:cNvSpPr>
+          <p:cNvPicPr>
+            <a:picLocks noGrp="1" noChangeAspect="1"/>
+          </p:cNvPicPr>
           <p:nvPr>
             <p:ph idx="1"/>
           </p:nvPr>
-        </p:nvSpPr>
+        </p:nvPicPr>
+        <p:blipFill>
+          <a:blip r:embed="rId3">
+            <a:extLst>
+              <a:ext uri="{28A0092B-C50C-407E-A947-70E740481C1C}">
+                <a14:useLocalDpi xmlns:a14="http://schemas.microsoft.com/office/drawing/2010/main" val="0"/>
+              </a:ext>
+            </a:extLst>
+          </a:blip>
+          <a:stretch>
+            <a:fillRect/>
+          </a:stretch>
+        </p:blipFill>
         <p:spPr>
           <a:xfrm>
-            <a:off x="838200" y="2004446"/>
-            <a:ext cx="10515600" cy="4176897"/>
+            <a:off x="1072826" y="1939735"/>
+            <a:ext cx="6328100" cy="4371703"/>
           </a:xfrm>
         </p:spPr>
-        <p:txBody>
-          <a:bodyPr vert="horz" lIns="91440" tIns="45720" rIns="91440" bIns="45720" rtlCol="0">
-            <a:normAutofit/>
-          </a:bodyPr>
-          <a:lstStyle/>
-          <a:p>
-            <a:pPr marL="0" indent="0">
-              <a:buNone/>
-            </a:pPr>
-            <a:endParaRPr lang="en-US" sz="2200" dirty="0">
-              <a:solidFill>
-                <a:schemeClr val="bg1"/>
-              </a:solidFill>
-            </a:endParaRPr>
-          </a:p>
-        </p:txBody>
-      </p:sp>
+      </p:pic>
       <p:sp>
         <p:nvSpPr>
           <p:cNvPr id="4" name="TextBox 3">
@@ -16766,7 +21733,7 @@
         <p:spPr>
           <a:xfrm>
             <a:off x="9664930" y="1995302"/>
-            <a:ext cx="2472297" cy="2585323"/>
+            <a:ext cx="2472297" cy="3416320"/>
           </a:xfrm>
           <a:prstGeom prst="rect">
             <a:avLst/>
@@ -16783,13 +21750,24 @@
               <a:buFont typeface="Arial" panose="020B0604020202020204" pitchFamily="34" charset="0"/>
               <a:buChar char="•"/>
             </a:pPr>
+            <a:endParaRPr lang="de-DE" dirty="0">
+              <a:solidFill>
+                <a:schemeClr val="bg1"/>
+              </a:solidFill>
+            </a:endParaRPr>
+          </a:p>
+          <a:p>
+            <a:pPr marL="285750" indent="-285750">
+              <a:buFont typeface="Arial" panose="020B0604020202020204" pitchFamily="34" charset="0"/>
+              <a:buChar char="•"/>
+            </a:pPr>
             <a:r>
               <a:rPr lang="de-DE" dirty="0">
                 <a:solidFill>
                   <a:schemeClr val="bg1"/>
                 </a:solidFill>
               </a:rPr>
-              <a:t>Benutzerverwaltung</a:t>
+              <a:t>Aufgabenstellung</a:t>
             </a:r>
           </a:p>
           <a:p>
@@ -16814,7 +21792,7 @@
                   <a:schemeClr val="bg1"/>
                 </a:solidFill>
               </a:rPr>
-              <a:t>?</a:t>
+              <a:t>Anforderungen</a:t>
             </a:r>
           </a:p>
           <a:p>
@@ -16839,7 +21817,7 @@
                   <a:schemeClr val="bg1"/>
                 </a:solidFill>
               </a:rPr>
-              <a:t>?</a:t>
+              <a:t>Technologien</a:t>
             </a:r>
           </a:p>
           <a:p>
@@ -16864,7 +21842,7 @@
                   <a:schemeClr val="bg1"/>
                 </a:solidFill>
               </a:rPr>
-              <a:t>?</a:t>
+              <a:t>Rollenkonzept</a:t>
             </a:r>
           </a:p>
           <a:p>
@@ -16889,7 +21867,32 @@
                   <a:schemeClr val="bg1"/>
                 </a:solidFill>
               </a:rPr>
-              <a:t>?</a:t>
+              <a:t>Klassendiagramm</a:t>
+            </a:r>
+          </a:p>
+          <a:p>
+            <a:pPr marL="285750" indent="-285750">
+              <a:buFont typeface="Arial" panose="020B0604020202020204" pitchFamily="34" charset="0"/>
+              <a:buChar char="•"/>
+            </a:pPr>
+            <a:endParaRPr lang="de-DE" dirty="0">
+              <a:solidFill>
+                <a:schemeClr val="bg1"/>
+              </a:solidFill>
+            </a:endParaRPr>
+          </a:p>
+          <a:p>
+            <a:pPr marL="285750" indent="-285750">
+              <a:buFont typeface="Arial" panose="020B0604020202020204" pitchFamily="34" charset="0"/>
+              <a:buChar char="•"/>
+            </a:pPr>
+            <a:r>
+              <a:rPr lang="de-DE" dirty="0">
+                <a:solidFill>
+                  <a:schemeClr val="bg1"/>
+                </a:solidFill>
+              </a:rPr>
+              <a:t>Screenshots</a:t>
             </a:r>
           </a:p>
         </p:txBody>
@@ -16923,10 +21926,64 @@
           </a:p>
         </p:txBody>
       </p:sp>
+      <p:sp>
+        <p:nvSpPr>
+          <p:cNvPr id="8" name="Arrow: Right 7">
+            <a:extLst>
+              <a:ext uri="{FF2B5EF4-FFF2-40B4-BE49-F238E27FC236}">
+                <a16:creationId xmlns:a16="http://schemas.microsoft.com/office/drawing/2014/main" id="{7018617B-62C0-41E9-0B44-588AB9198BE5}"/>
+              </a:ext>
+            </a:extLst>
+          </p:cNvPr>
+          <p:cNvSpPr/>
+          <p:nvPr/>
+        </p:nvSpPr>
+        <p:spPr>
+          <a:xfrm>
+            <a:off x="8992788" y="4963020"/>
+            <a:ext cx="657225" cy="482601"/>
+          </a:xfrm>
+          <a:prstGeom prst="rightArrow">
+            <a:avLst/>
+          </a:prstGeom>
+          <a:solidFill>
+            <a:schemeClr val="bg1"/>
+          </a:solidFill>
+          <a:ln>
+            <a:solidFill>
+              <a:schemeClr val="bg1"/>
+            </a:solidFill>
+          </a:ln>
+        </p:spPr>
+        <p:style>
+          <a:lnRef idx="2">
+            <a:schemeClr val="accent1">
+              <a:shade val="15000"/>
+            </a:schemeClr>
+          </a:lnRef>
+          <a:fillRef idx="1">
+            <a:schemeClr val="accent1"/>
+          </a:fillRef>
+          <a:effectRef idx="0">
+            <a:schemeClr val="accent1"/>
+          </a:effectRef>
+          <a:fontRef idx="minor">
+            <a:schemeClr val="lt1"/>
+          </a:fontRef>
+        </p:style>
+        <p:txBody>
+          <a:bodyPr rtlCol="0" anchor="ctr"/>
+          <a:lstStyle/>
+          <a:p>
+            <a:pPr algn="ctr"/>
+            <a:endParaRPr lang="de-DE"/>
+          </a:p>
+        </p:txBody>
+      </p:sp>
     </p:spTree>
     <p:extLst>
       <p:ext uri="{BB962C8B-B14F-4D97-AF65-F5344CB8AC3E}">
-        <p14:creationId xmlns:p14="http://schemas.microsoft.com/office/powerpoint/2010/main" val="2576272442"/>
+        <p14:creationId xmlns:p14="http://schemas.microsoft.com/office/powerpoint/2010/main" val="591343553"/>
       </p:ext>
     </p:extLst>
   </p:cSld>
@@ -17678,45 +22735,41 @@
           </a:p>
         </p:txBody>
       </p:sp>
-      <p:sp>
-        <p:nvSpPr>
-          <p:cNvPr id="3" name="Subtitle 2">
+      <p:pic>
+        <p:nvPicPr>
+          <p:cNvPr id="7" name="Content Placeholder 6" descr="A screenshot of a computer&#10;&#10;Description automatically generated">
             <a:extLst>
               <a:ext uri="{FF2B5EF4-FFF2-40B4-BE49-F238E27FC236}">
-                <a16:creationId xmlns:a16="http://schemas.microsoft.com/office/drawing/2014/main" id="{1A33470D-CE91-F3B5-68F7-2CBCAA941809}"/>
+                <a16:creationId xmlns:a16="http://schemas.microsoft.com/office/drawing/2014/main" id="{B8BC6389-CAE8-5215-7B40-1F6BD0F638F0}"/>
               </a:ext>
             </a:extLst>
           </p:cNvPr>
-          <p:cNvSpPr>
-            <a:spLocks noGrp="1"/>
-          </p:cNvSpPr>
+          <p:cNvPicPr>
+            <a:picLocks noGrp="1" noChangeAspect="1"/>
+          </p:cNvPicPr>
           <p:nvPr>
             <p:ph idx="1"/>
           </p:nvPr>
-        </p:nvSpPr>
+        </p:nvPicPr>
+        <p:blipFill>
+          <a:blip r:embed="rId3">
+            <a:extLst>
+              <a:ext uri="{28A0092B-C50C-407E-A947-70E740481C1C}">
+                <a14:useLocalDpi xmlns:a14="http://schemas.microsoft.com/office/drawing/2010/main" val="0"/>
+              </a:ext>
+            </a:extLst>
+          </a:blip>
+          <a:stretch>
+            <a:fillRect/>
+          </a:stretch>
+        </p:blipFill>
         <p:spPr>
           <a:xfrm>
-            <a:off x="838200" y="2004446"/>
-            <a:ext cx="10515600" cy="4176897"/>
+            <a:off x="1066800" y="1877500"/>
+            <a:ext cx="6829425" cy="4445498"/>
           </a:xfrm>
         </p:spPr>
-        <p:txBody>
-          <a:bodyPr vert="horz" lIns="91440" tIns="45720" rIns="91440" bIns="45720" rtlCol="0">
-            <a:normAutofit/>
-          </a:bodyPr>
-          <a:lstStyle/>
-          <a:p>
-            <a:pPr marL="0" indent="0">
-              <a:buNone/>
-            </a:pPr>
-            <a:endParaRPr lang="en-US" sz="2200" dirty="0">
-              <a:solidFill>
-                <a:schemeClr val="bg1"/>
-              </a:solidFill>
-            </a:endParaRPr>
-          </a:p>
-        </p:txBody>
-      </p:sp>
+      </p:pic>
       <p:sp>
         <p:nvSpPr>
           <p:cNvPr id="4" name="TextBox 3">
@@ -17732,7 +22785,7 @@
         <p:spPr>
           <a:xfrm>
             <a:off x="9664930" y="1995302"/>
-            <a:ext cx="2472297" cy="2585323"/>
+            <a:ext cx="2472297" cy="3416320"/>
           </a:xfrm>
           <a:prstGeom prst="rect">
             <a:avLst/>
@@ -17749,13 +22802,24 @@
               <a:buFont typeface="Arial" panose="020B0604020202020204" pitchFamily="34" charset="0"/>
               <a:buChar char="•"/>
             </a:pPr>
+            <a:endParaRPr lang="de-DE" dirty="0">
+              <a:solidFill>
+                <a:schemeClr val="bg1"/>
+              </a:solidFill>
+            </a:endParaRPr>
+          </a:p>
+          <a:p>
+            <a:pPr marL="285750" indent="-285750">
+              <a:buFont typeface="Arial" panose="020B0604020202020204" pitchFamily="34" charset="0"/>
+              <a:buChar char="•"/>
+            </a:pPr>
             <a:r>
               <a:rPr lang="de-DE" dirty="0">
                 <a:solidFill>
                   <a:schemeClr val="bg1"/>
                 </a:solidFill>
               </a:rPr>
-              <a:t>Benutzerverwaltung</a:t>
+              <a:t>Aufgabenstellung</a:t>
             </a:r>
           </a:p>
           <a:p>
@@ -17780,7 +22844,7 @@
                   <a:schemeClr val="bg1"/>
                 </a:solidFill>
               </a:rPr>
-              <a:t>?</a:t>
+              <a:t>Anforderungen</a:t>
             </a:r>
           </a:p>
           <a:p>
@@ -17805,7 +22869,7 @@
                   <a:schemeClr val="bg1"/>
                 </a:solidFill>
               </a:rPr>
-              <a:t>?</a:t>
+              <a:t>Technologien</a:t>
             </a:r>
           </a:p>
           <a:p>
@@ -17830,7 +22894,7 @@
                   <a:schemeClr val="bg1"/>
                 </a:solidFill>
               </a:rPr>
-              <a:t>?</a:t>
+              <a:t>Rollenkonzept</a:t>
             </a:r>
           </a:p>
           <a:p>
@@ -17855,7 +22919,32 @@
                   <a:schemeClr val="bg1"/>
                 </a:solidFill>
               </a:rPr>
-              <a:t>?</a:t>
+              <a:t>Klassendiagramm</a:t>
+            </a:r>
+          </a:p>
+          <a:p>
+            <a:pPr marL="285750" indent="-285750">
+              <a:buFont typeface="Arial" panose="020B0604020202020204" pitchFamily="34" charset="0"/>
+              <a:buChar char="•"/>
+            </a:pPr>
+            <a:endParaRPr lang="de-DE" dirty="0">
+              <a:solidFill>
+                <a:schemeClr val="bg1"/>
+              </a:solidFill>
+            </a:endParaRPr>
+          </a:p>
+          <a:p>
+            <a:pPr marL="285750" indent="-285750">
+              <a:buFont typeface="Arial" panose="020B0604020202020204" pitchFamily="34" charset="0"/>
+              <a:buChar char="•"/>
+            </a:pPr>
+            <a:r>
+              <a:rPr lang="de-DE" dirty="0">
+                <a:solidFill>
+                  <a:schemeClr val="bg1"/>
+                </a:solidFill>
+              </a:rPr>
+              <a:t>Screenshots</a:t>
             </a:r>
           </a:p>
         </p:txBody>
@@ -17889,10 +22978,64 @@
           </a:p>
         </p:txBody>
       </p:sp>
+      <p:sp>
+        <p:nvSpPr>
+          <p:cNvPr id="8" name="Arrow: Right 7">
+            <a:extLst>
+              <a:ext uri="{FF2B5EF4-FFF2-40B4-BE49-F238E27FC236}">
+                <a16:creationId xmlns:a16="http://schemas.microsoft.com/office/drawing/2014/main" id="{4BF26F20-A56E-5263-E53B-2FAC0F8F80CF}"/>
+              </a:ext>
+            </a:extLst>
+          </p:cNvPr>
+          <p:cNvSpPr/>
+          <p:nvPr/>
+        </p:nvSpPr>
+        <p:spPr>
+          <a:xfrm>
+            <a:off x="8992788" y="4963020"/>
+            <a:ext cx="657225" cy="482601"/>
+          </a:xfrm>
+          <a:prstGeom prst="rightArrow">
+            <a:avLst/>
+          </a:prstGeom>
+          <a:solidFill>
+            <a:schemeClr val="bg1"/>
+          </a:solidFill>
+          <a:ln>
+            <a:solidFill>
+              <a:schemeClr val="bg1"/>
+            </a:solidFill>
+          </a:ln>
+        </p:spPr>
+        <p:style>
+          <a:lnRef idx="2">
+            <a:schemeClr val="accent1">
+              <a:shade val="15000"/>
+            </a:schemeClr>
+          </a:lnRef>
+          <a:fillRef idx="1">
+            <a:schemeClr val="accent1"/>
+          </a:fillRef>
+          <a:effectRef idx="0">
+            <a:schemeClr val="accent1"/>
+          </a:effectRef>
+          <a:fontRef idx="minor">
+            <a:schemeClr val="lt1"/>
+          </a:fontRef>
+        </p:style>
+        <p:txBody>
+          <a:bodyPr rtlCol="0" anchor="ctr"/>
+          <a:lstStyle/>
+          <a:p>
+            <a:pPr algn="ctr"/>
+            <a:endParaRPr lang="de-DE"/>
+          </a:p>
+        </p:txBody>
+      </p:sp>
     </p:spTree>
     <p:extLst>
       <p:ext uri="{BB962C8B-B14F-4D97-AF65-F5344CB8AC3E}">
-        <p14:creationId xmlns:p14="http://schemas.microsoft.com/office/powerpoint/2010/main" val="796309101"/>
+        <p14:creationId xmlns:p14="http://schemas.microsoft.com/office/powerpoint/2010/main" val="2576272442"/>
       </p:ext>
     </p:extLst>
   </p:cSld>

--- a/Präst_Profitabilität.pptx
+++ b/Präst_Profitabilität.pptx
@@ -5,7 +5,7 @@
     <p:sldMasterId id="2147483648" r:id="rId1"/>
   </p:sldMasterIdLst>
   <p:notesMasterIdLst>
-    <p:notesMasterId r:id="rId16"/>
+    <p:notesMasterId r:id="rId17"/>
   </p:notesMasterIdLst>
   <p:sldIdLst>
     <p:sldId id="256" r:id="rId2"/>
@@ -15,13 +15,14 @@
     <p:sldId id="259" r:id="rId6"/>
     <p:sldId id="264" r:id="rId7"/>
     <p:sldId id="266" r:id="rId8"/>
-    <p:sldId id="263" r:id="rId9"/>
+    <p:sldId id="267" r:id="rId9"/>
     <p:sldId id="261" r:id="rId10"/>
     <p:sldId id="262" r:id="rId11"/>
-    <p:sldId id="267" r:id="rId12"/>
+    <p:sldId id="263" r:id="rId12"/>
     <p:sldId id="269" r:id="rId13"/>
-    <p:sldId id="268" r:id="rId14"/>
-    <p:sldId id="270" r:id="rId15"/>
+    <p:sldId id="271" r:id="rId14"/>
+    <p:sldId id="268" r:id="rId15"/>
+    <p:sldId id="270" r:id="rId16"/>
   </p:sldIdLst>
   <p:sldSz cx="12192000" cy="6858000"/>
   <p:notesSz cx="6858000" cy="9144000"/>
@@ -221,7 +222,7 @@
           <a:p>
             <a:fld id="{593314B5-2FCF-483F-B2EB-DCD60B0E7E70}" type="datetimeFigureOut">
               <a:rPr lang="de-DE" smtClean="0"/>
-              <a:t>24.06.2024</a:t>
+              <a:t>25.06.2024</a:t>
             </a:fld>
             <a:endParaRPr lang="de-DE"/>
           </a:p>
@@ -380,7 +381,7 @@
           <a:p>
             <a:fld id="{4D6228A4-D5D2-43EB-AD64-3613E5F089FE}" type="slidenum">
               <a:rPr lang="de-DE" smtClean="0"/>
-              <a:t>‹#›</a:t>
+              <a:t>‹Nr.›</a:t>
             </a:fld>
             <a:endParaRPr lang="de-DE"/>
           </a:p>
@@ -809,7 +810,7 @@
           <a:p>
             <a:fld id="{5441224E-E05C-42C5-B69F-B06ED52F678F}" type="datetime1">
               <a:rPr lang="de-DE" smtClean="0"/>
-              <a:t>24.06.2024</a:t>
+              <a:t>25.06.2024</a:t>
             </a:fld>
             <a:endParaRPr lang="de-DE"/>
           </a:p>
@@ -863,7 +864,7 @@
           <a:p>
             <a:fld id="{13C740AA-7824-4996-A9A9-B0E74C888E41}" type="slidenum">
               <a:rPr lang="de-DE" smtClean="0"/>
-              <a:t>‹#›</a:t>
+              <a:t>‹Nr.›</a:t>
             </a:fld>
             <a:endParaRPr lang="de-DE"/>
           </a:p>
@@ -1021,7 +1022,7 @@
           <a:p>
             <a:fld id="{70A096A8-B557-49BA-9710-89D192A9B09F}" type="datetime1">
               <a:rPr lang="de-DE" smtClean="0"/>
-              <a:t>24.06.2024</a:t>
+              <a:t>25.06.2024</a:t>
             </a:fld>
             <a:endParaRPr lang="de-DE"/>
           </a:p>
@@ -1075,7 +1076,7 @@
           <a:p>
             <a:fld id="{13C740AA-7824-4996-A9A9-B0E74C888E41}" type="slidenum">
               <a:rPr lang="de-DE" smtClean="0"/>
-              <a:t>‹#›</a:t>
+              <a:t>‹Nr.›</a:t>
             </a:fld>
             <a:endParaRPr lang="de-DE"/>
           </a:p>
@@ -1243,7 +1244,7 @@
           <a:p>
             <a:fld id="{A77BC468-2670-4A7A-830F-82D9EF02AA5C}" type="datetime1">
               <a:rPr lang="de-DE" smtClean="0"/>
-              <a:t>24.06.2024</a:t>
+              <a:t>25.06.2024</a:t>
             </a:fld>
             <a:endParaRPr lang="de-DE"/>
           </a:p>
@@ -1297,7 +1298,7 @@
           <a:p>
             <a:fld id="{13C740AA-7824-4996-A9A9-B0E74C888E41}" type="slidenum">
               <a:rPr lang="de-DE" smtClean="0"/>
-              <a:t>‹#›</a:t>
+              <a:t>‹Nr.›</a:t>
             </a:fld>
             <a:endParaRPr lang="de-DE"/>
           </a:p>
@@ -1455,7 +1456,7 @@
           <a:p>
             <a:fld id="{EF445253-0144-4D9B-876D-54C1E879B354}" type="datetime1">
               <a:rPr lang="de-DE" smtClean="0"/>
-              <a:t>24.06.2024</a:t>
+              <a:t>25.06.2024</a:t>
             </a:fld>
             <a:endParaRPr lang="de-DE"/>
           </a:p>
@@ -1509,7 +1510,7 @@
           <a:p>
             <a:fld id="{13C740AA-7824-4996-A9A9-B0E74C888E41}" type="slidenum">
               <a:rPr lang="de-DE" smtClean="0"/>
-              <a:t>‹#›</a:t>
+              <a:t>‹Nr.›</a:t>
             </a:fld>
             <a:endParaRPr lang="de-DE"/>
           </a:p>
@@ -1743,7 +1744,7 @@
           <a:p>
             <a:fld id="{29DC5817-2A04-427E-8D2B-56E3B2E8259E}" type="datetime1">
               <a:rPr lang="de-DE" smtClean="0"/>
-              <a:t>24.06.2024</a:t>
+              <a:t>25.06.2024</a:t>
             </a:fld>
             <a:endParaRPr lang="de-DE"/>
           </a:p>
@@ -1797,7 +1798,7 @@
           <a:p>
             <a:fld id="{13C740AA-7824-4996-A9A9-B0E74C888E41}" type="slidenum">
               <a:rPr lang="de-DE" smtClean="0"/>
-              <a:t>‹#›</a:t>
+              <a:t>‹Nr.›</a:t>
             </a:fld>
             <a:endParaRPr lang="de-DE"/>
           </a:p>
@@ -2023,7 +2024,7 @@
           <a:p>
             <a:fld id="{60343A61-BF34-4069-8098-2267A30B2D79}" type="datetime1">
               <a:rPr lang="de-DE" smtClean="0"/>
-              <a:t>24.06.2024</a:t>
+              <a:t>25.06.2024</a:t>
             </a:fld>
             <a:endParaRPr lang="de-DE"/>
           </a:p>
@@ -2077,7 +2078,7 @@
           <a:p>
             <a:fld id="{13C740AA-7824-4996-A9A9-B0E74C888E41}" type="slidenum">
               <a:rPr lang="de-DE" smtClean="0"/>
-              <a:t>‹#›</a:t>
+              <a:t>‹Nr.›</a:t>
             </a:fld>
             <a:endParaRPr lang="de-DE"/>
           </a:p>
@@ -2450,7 +2451,7 @@
           <a:p>
             <a:fld id="{D2B68223-6623-47AD-835A-C255625ADF5A}" type="datetime1">
               <a:rPr lang="de-DE" smtClean="0"/>
-              <a:t>24.06.2024</a:t>
+              <a:t>25.06.2024</a:t>
             </a:fld>
             <a:endParaRPr lang="de-DE"/>
           </a:p>
@@ -2504,7 +2505,7 @@
           <a:p>
             <a:fld id="{13C740AA-7824-4996-A9A9-B0E74C888E41}" type="slidenum">
               <a:rPr lang="de-DE" smtClean="0"/>
-              <a:t>‹#›</a:t>
+              <a:t>‹Nr.›</a:t>
             </a:fld>
             <a:endParaRPr lang="de-DE"/>
           </a:p>
@@ -2604,7 +2605,7 @@
           <a:p>
             <a:fld id="{BA2DF716-6962-4E3F-834E-B717EEE62C15}" type="datetime1">
               <a:rPr lang="de-DE" smtClean="0"/>
-              <a:t>24.06.2024</a:t>
+              <a:t>25.06.2024</a:t>
             </a:fld>
             <a:endParaRPr lang="de-DE"/>
           </a:p>
@@ -2658,7 +2659,7 @@
           <a:p>
             <a:fld id="{13C740AA-7824-4996-A9A9-B0E74C888E41}" type="slidenum">
               <a:rPr lang="de-DE" smtClean="0"/>
-              <a:t>‹#›</a:t>
+              <a:t>‹Nr.›</a:t>
             </a:fld>
             <a:endParaRPr lang="de-DE"/>
           </a:p>
@@ -2729,7 +2730,7 @@
           <a:p>
             <a:fld id="{E47175F7-F6A7-4FC8-9EBC-A155FB89F740}" type="datetime1">
               <a:rPr lang="de-DE" smtClean="0"/>
-              <a:t>24.06.2024</a:t>
+              <a:t>25.06.2024</a:t>
             </a:fld>
             <a:endParaRPr lang="de-DE"/>
           </a:p>
@@ -2783,7 +2784,7 @@
           <a:p>
             <a:fld id="{13C740AA-7824-4996-A9A9-B0E74C888E41}" type="slidenum">
               <a:rPr lang="de-DE" smtClean="0"/>
-              <a:t>‹#›</a:t>
+              <a:t>‹Nr.›</a:t>
             </a:fld>
             <a:endParaRPr lang="de-DE"/>
           </a:p>
@@ -3054,7 +3055,7 @@
           <a:p>
             <a:fld id="{EF554AAC-E116-4158-9773-2D04037D52EE}" type="datetime1">
               <a:rPr lang="de-DE" smtClean="0"/>
-              <a:t>24.06.2024</a:t>
+              <a:t>25.06.2024</a:t>
             </a:fld>
             <a:endParaRPr lang="de-DE"/>
           </a:p>
@@ -3108,7 +3109,7 @@
           <a:p>
             <a:fld id="{13C740AA-7824-4996-A9A9-B0E74C888E41}" type="slidenum">
               <a:rPr lang="de-DE" smtClean="0"/>
-              <a:t>‹#›</a:t>
+              <a:t>‹Nr.›</a:t>
             </a:fld>
             <a:endParaRPr lang="de-DE"/>
           </a:p>
@@ -3355,7 +3356,7 @@
           <a:p>
             <a:fld id="{B00FD506-1759-4F4D-81E5-F157A0CB8992}" type="datetime1">
               <a:rPr lang="de-DE" smtClean="0"/>
-              <a:t>24.06.2024</a:t>
+              <a:t>25.06.2024</a:t>
             </a:fld>
             <a:endParaRPr lang="de-DE"/>
           </a:p>
@@ -3409,7 +3410,7 @@
           <a:p>
             <a:fld id="{13C740AA-7824-4996-A9A9-B0E74C888E41}" type="slidenum">
               <a:rPr lang="de-DE" smtClean="0"/>
-              <a:t>‹#›</a:t>
+              <a:t>‹Nr.›</a:t>
             </a:fld>
             <a:endParaRPr lang="de-DE"/>
           </a:p>
@@ -3610,7 +3611,7 @@
           <a:p>
             <a:fld id="{C1C42CFD-A09D-4DBF-AAF6-9ED6681A4CC6}" type="datetime1">
               <a:rPr lang="de-DE" smtClean="0"/>
-              <a:t>24.06.2024</a:t>
+              <a:t>25.06.2024</a:t>
             </a:fld>
             <a:endParaRPr lang="de-DE"/>
           </a:p>
@@ -3700,7 +3701,7 @@
           <a:p>
             <a:fld id="{13C740AA-7824-4996-A9A9-B0E74C888E41}" type="slidenum">
               <a:rPr lang="de-DE" smtClean="0"/>
-              <a:t>‹#›</a:t>
+              <a:t>‹Nr.›</a:t>
             </a:fld>
             <a:endParaRPr lang="de-DE"/>
           </a:p>
@@ -4454,13 +4455,34 @@
           <a:lstStyle/>
           <a:p>
             <a:r>
+              <a:rPr lang="en-US" sz="5400" dirty="0" err="1">
+                <a:solidFill>
+                  <a:schemeClr val="bg1"/>
+                </a:solidFill>
+              </a:rPr>
+              <a:t>Ändern</a:t>
+            </a:r>
+            <a:r>
               <a:rPr lang="en-US" sz="5400" dirty="0">
                 <a:solidFill>
                   <a:schemeClr val="bg1"/>
                 </a:solidFill>
               </a:rPr>
-              <a:t>Screenshots</a:t>
-            </a:r>
+              <a:t> von </a:t>
+            </a:r>
+            <a:r>
+              <a:rPr lang="en-US" sz="5400" dirty="0" err="1">
+                <a:solidFill>
+                  <a:schemeClr val="bg1"/>
+                </a:solidFill>
+              </a:rPr>
+              <a:t>Mitarbeitern</a:t>
+            </a:r>
+            <a:endParaRPr lang="en-US" sz="5400" dirty="0">
+              <a:solidFill>
+                <a:schemeClr val="bg1"/>
+              </a:solidFill>
+            </a:endParaRPr>
           </a:p>
         </p:txBody>
       </p:sp>
@@ -5506,12 +5528,20 @@
           <a:lstStyle/>
           <a:p>
             <a:r>
+              <a:rPr lang="en-US" sz="5400" dirty="0" err="1">
+                <a:solidFill>
+                  <a:schemeClr val="bg1"/>
+                </a:solidFill>
+              </a:rPr>
+              <a:t>Neuer</a:t>
+            </a:r>
+            <a:r>
               <a:rPr lang="en-US" sz="5400" dirty="0">
                 <a:solidFill>
                   <a:schemeClr val="bg1"/>
                 </a:solidFill>
               </a:rPr>
-              <a:t>Screenshots</a:t>
+              <a:t> Mitarbeiter</a:t>
             </a:r>
           </a:p>
         </p:txBody>
@@ -6093,7 +6123,7 @@
           <p:cNvPr id="7" name="Content Placeholder 6" descr="A screenshot of a computer&#10;&#10;Description automatically generated">
             <a:extLst>
               <a:ext uri="{FF2B5EF4-FFF2-40B4-BE49-F238E27FC236}">
-                <a16:creationId xmlns:a16="http://schemas.microsoft.com/office/drawing/2014/main" id="{62173EBA-DCD2-8FE9-AFB0-751CA8DB079C}"/>
+                <a16:creationId xmlns:a16="http://schemas.microsoft.com/office/drawing/2014/main" id="{5B52F0C3-D396-62D4-82C2-EC6641D2AB32}"/>
               </a:ext>
             </a:extLst>
           </p:cNvPr>
@@ -6118,8 +6148,8 @@
         </p:blipFill>
         <p:spPr>
           <a:xfrm>
-            <a:off x="1049786" y="1995302"/>
-            <a:ext cx="7203872" cy="4306184"/>
+            <a:off x="1072826" y="1939735"/>
+            <a:ext cx="6328100" cy="4371703"/>
           </a:xfrm>
         </p:spPr>
       </p:pic>
@@ -6336,7 +6366,7 @@
           <p:cNvPr id="8" name="Arrow: Right 7">
             <a:extLst>
               <a:ext uri="{FF2B5EF4-FFF2-40B4-BE49-F238E27FC236}">
-                <a16:creationId xmlns:a16="http://schemas.microsoft.com/office/drawing/2014/main" id="{F6F5569A-7AD7-5FF7-0777-77FB02E2A7DC}"/>
+                <a16:creationId xmlns:a16="http://schemas.microsoft.com/office/drawing/2014/main" id="{7018617B-62C0-41E9-0B44-588AB9198BE5}"/>
               </a:ext>
             </a:extLst>
           </p:cNvPr>
@@ -6345,7 +6375,7 @@
         </p:nvSpPr>
         <p:spPr>
           <a:xfrm>
-            <a:off x="8992788" y="4953495"/>
+            <a:off x="8992788" y="4963020"/>
             <a:ext cx="657225" cy="482601"/>
           </a:xfrm>
           <a:prstGeom prst="rightArrow">
@@ -6388,20 +6418,20 @@
     </p:spTree>
     <p:extLst>
       <p:ext uri="{BB962C8B-B14F-4D97-AF65-F5344CB8AC3E}">
-        <p14:creationId xmlns:p14="http://schemas.microsoft.com/office/powerpoint/2010/main" val="2648727513"/>
+        <p14:creationId xmlns:p14="http://schemas.microsoft.com/office/powerpoint/2010/main" val="591343553"/>
       </p:ext>
     </p:extLst>
   </p:cSld>
   <p:clrMapOvr>
     <a:masterClrMapping/>
   </p:clrMapOvr>
-  <mc:AlternateContent xmlns:mc="http://schemas.openxmlformats.org/markup-compatibility/2006">
-    <mc:Choice xmlns:p159="http://schemas.microsoft.com/office/powerpoint/2015/09/main" Requires="p159">
+  <mc:AlternateContent xmlns:mc="http://schemas.openxmlformats.org/markup-compatibility/2006" xmlns:p159="http://schemas.microsoft.com/office/powerpoint/2015/09/main">
+    <mc:Choice Requires="p159">
       <p:transition spd="med">
         <p159:morph option="byObject"/>
       </p:transition>
     </mc:Choice>
-    <mc:Fallback>
+    <mc:Fallback xmlns="">
       <p:transition spd="med">
         <p:fade/>
       </p:transition>
@@ -6558,13 +6588,34 @@
           <a:lstStyle/>
           <a:p>
             <a:r>
+              <a:rPr lang="en-US" sz="5400" dirty="0" err="1">
+                <a:solidFill>
+                  <a:schemeClr val="bg1"/>
+                </a:solidFill>
+              </a:rPr>
+              <a:t>Übersicht</a:t>
+            </a:r>
+            <a:r>
               <a:rPr lang="en-US" sz="5400" dirty="0">
                 <a:solidFill>
                   <a:schemeClr val="bg1"/>
                 </a:solidFill>
               </a:rPr>
-              <a:t>Screenshots</a:t>
-            </a:r>
+              <a:t> </a:t>
+            </a:r>
+            <a:r>
+              <a:rPr lang="en-US" sz="5400" dirty="0" err="1">
+                <a:solidFill>
+                  <a:schemeClr val="bg1"/>
+                </a:solidFill>
+              </a:rPr>
+              <a:t>Projekt</a:t>
+            </a:r>
+            <a:endParaRPr lang="en-US" sz="5400" dirty="0">
+              <a:solidFill>
+                <a:schemeClr val="bg1"/>
+              </a:solidFill>
+            </a:endParaRPr>
           </a:p>
         </p:txBody>
       </p:sp>
@@ -7447,13 +7498,13 @@
   <p:clrMapOvr>
     <a:masterClrMapping/>
   </p:clrMapOvr>
-  <mc:AlternateContent xmlns:mc="http://schemas.openxmlformats.org/markup-compatibility/2006">
-    <mc:Choice xmlns:p159="http://schemas.microsoft.com/office/powerpoint/2015/09/main" Requires="p159">
+  <mc:AlternateContent xmlns:mc="http://schemas.openxmlformats.org/markup-compatibility/2006" xmlns:p159="http://schemas.microsoft.com/office/powerpoint/2015/09/main">
+    <mc:Choice Requires="p159">
       <p:transition spd="med">
         <p159:morph option="byObject"/>
       </p:transition>
     </mc:Choice>
-    <mc:Fallback>
+    <mc:Fallback xmlns="">
       <p:transition spd="med">
         <p:fade/>
       </p:transition>
@@ -7610,13 +7661,34 @@
           <a:lstStyle/>
           <a:p>
             <a:r>
+              <a:rPr lang="en-US" sz="5400" dirty="0" err="1">
+                <a:solidFill>
+                  <a:schemeClr val="bg1"/>
+                </a:solidFill>
+              </a:rPr>
+              <a:t>Ändern</a:t>
+            </a:r>
+            <a:r>
               <a:rPr lang="en-US" sz="5400" dirty="0">
                 <a:solidFill>
                   <a:schemeClr val="bg1"/>
                 </a:solidFill>
               </a:rPr>
-              <a:t>Screenshots</a:t>
-            </a:r>
+              <a:t> von </a:t>
+            </a:r>
+            <a:r>
+              <a:rPr lang="en-US" sz="5400" dirty="0" err="1">
+                <a:solidFill>
+                  <a:schemeClr val="bg1"/>
+                </a:solidFill>
+              </a:rPr>
+              <a:t>Projektdaten</a:t>
+            </a:r>
+            <a:endParaRPr lang="en-US" sz="5400" dirty="0">
+              <a:solidFill>
+                <a:schemeClr val="bg1"/>
+              </a:solidFill>
+            </a:endParaRPr>
           </a:p>
         </p:txBody>
       </p:sp>
@@ -8192,41 +8264,6 @@
           </a:p>
         </p:txBody>
       </p:sp>
-      <p:pic>
-        <p:nvPicPr>
-          <p:cNvPr id="7" name="Content Placeholder 6" descr="A screenshot of a computer&#10;&#10;Description automatically generated">
-            <a:extLst>
-              <a:ext uri="{FF2B5EF4-FFF2-40B4-BE49-F238E27FC236}">
-                <a16:creationId xmlns:a16="http://schemas.microsoft.com/office/drawing/2014/main" id="{996B74CC-7851-C6C9-2031-40BAEC73D8EA}"/>
-              </a:ext>
-            </a:extLst>
-          </p:cNvPr>
-          <p:cNvPicPr>
-            <a:picLocks noGrp="1" noChangeAspect="1"/>
-          </p:cNvPicPr>
-          <p:nvPr>
-            <p:ph idx="1"/>
-          </p:nvPr>
-        </p:nvPicPr>
-        <p:blipFill>
-          <a:blip r:embed="rId3">
-            <a:extLst>
-              <a:ext uri="{28A0092B-C50C-407E-A947-70E740481C1C}">
-                <a14:useLocalDpi xmlns:a14="http://schemas.microsoft.com/office/drawing/2010/main" val="0"/>
-              </a:ext>
-            </a:extLst>
-          </a:blip>
-          <a:stretch>
-            <a:fillRect/>
-          </a:stretch>
-        </p:blipFill>
-        <p:spPr>
-          <a:xfrm>
-            <a:off x="1045308" y="1995302"/>
-            <a:ext cx="6152518" cy="4306184"/>
-          </a:xfrm>
-        </p:spPr>
-      </p:pic>
       <p:sp>
         <p:nvSpPr>
           <p:cNvPr id="4" name="TextBox 3">
@@ -8440,7 +8477,7 @@
           <p:cNvPr id="8" name="Arrow: Right 7">
             <a:extLst>
               <a:ext uri="{FF2B5EF4-FFF2-40B4-BE49-F238E27FC236}">
-                <a16:creationId xmlns:a16="http://schemas.microsoft.com/office/drawing/2014/main" id="{5C86BF85-A55F-D02C-A34F-D5A1A4D0CD6A}"/>
+                <a16:creationId xmlns:a16="http://schemas.microsoft.com/office/drawing/2014/main" id="{73E33C6E-225B-A8A1-7C92-FCCAB5DA38DB}"/>
               </a:ext>
             </a:extLst>
           </p:cNvPr>
@@ -8449,7 +8486,7 @@
         </p:nvSpPr>
         <p:spPr>
           <a:xfrm>
-            <a:off x="8992788" y="4963020"/>
+            <a:off x="8992788" y="4943970"/>
             <a:ext cx="657225" cy="482601"/>
           </a:xfrm>
           <a:prstGeom prst="rightArrow">
@@ -8489,10 +8526,45 @@
           </a:p>
         </p:txBody>
       </p:sp>
+      <p:pic>
+        <p:nvPicPr>
+          <p:cNvPr id="12" name="Inhaltsplatzhalter 11">
+            <a:extLst>
+              <a:ext uri="{FF2B5EF4-FFF2-40B4-BE49-F238E27FC236}">
+                <a16:creationId xmlns:a16="http://schemas.microsoft.com/office/drawing/2014/main" id="{1822ED84-47FD-4717-BF96-26781C027795}"/>
+              </a:ext>
+            </a:extLst>
+          </p:cNvPr>
+          <p:cNvPicPr>
+            <a:picLocks noGrp="1" noChangeAspect="1"/>
+          </p:cNvPicPr>
+          <p:nvPr>
+            <p:ph idx="1"/>
+          </p:nvPr>
+        </p:nvPicPr>
+        <p:blipFill>
+          <a:blip r:embed="rId3">
+            <a:extLst>
+              <a:ext uri="{28A0092B-C50C-407E-A947-70E740481C1C}">
+                <a14:useLocalDpi xmlns:a14="http://schemas.microsoft.com/office/drawing/2010/main" val="0"/>
+              </a:ext>
+            </a:extLst>
+          </a:blip>
+          <a:stretch>
+            <a:fillRect/>
+          </a:stretch>
+        </p:blipFill>
+        <p:spPr>
+          <a:xfrm>
+            <a:off x="1050862" y="1995302"/>
+            <a:ext cx="7235108" cy="4351338"/>
+          </a:xfrm>
+        </p:spPr>
+      </p:pic>
     </p:spTree>
     <p:extLst>
       <p:ext uri="{BB962C8B-B14F-4D97-AF65-F5344CB8AC3E}">
-        <p14:creationId xmlns:p14="http://schemas.microsoft.com/office/powerpoint/2010/main" val="2821586821"/>
+        <p14:creationId xmlns:p14="http://schemas.microsoft.com/office/powerpoint/2010/main" val="344851851"/>
       </p:ext>
     </p:extLst>
   </p:cSld>
@@ -8667,8 +8739,21 @@
                   <a:schemeClr val="bg1"/>
                 </a:solidFill>
               </a:rPr>
-              <a:t>Screenshots</a:t>
-            </a:r>
+              <a:t>Neue </a:t>
+            </a:r>
+            <a:r>
+              <a:rPr lang="en-US" sz="5400" dirty="0" err="1">
+                <a:solidFill>
+                  <a:schemeClr val="bg1"/>
+                </a:solidFill>
+              </a:rPr>
+              <a:t>Buchung</a:t>
+            </a:r>
+            <a:endParaRPr lang="en-US" sz="5400" dirty="0">
+              <a:solidFill>
+                <a:schemeClr val="bg1"/>
+              </a:solidFill>
+            </a:endParaRPr>
           </a:p>
         </p:txBody>
       </p:sp>
@@ -9249,6 +9334,1063 @@
           <p:cNvPr id="7" name="Content Placeholder 6" descr="A screenshot of a computer&#10;&#10;Description automatically generated">
             <a:extLst>
               <a:ext uri="{FF2B5EF4-FFF2-40B4-BE49-F238E27FC236}">
+                <a16:creationId xmlns:a16="http://schemas.microsoft.com/office/drawing/2014/main" id="{996B74CC-7851-C6C9-2031-40BAEC73D8EA}"/>
+              </a:ext>
+            </a:extLst>
+          </p:cNvPr>
+          <p:cNvPicPr>
+            <a:picLocks noGrp="1" noChangeAspect="1"/>
+          </p:cNvPicPr>
+          <p:nvPr>
+            <p:ph idx="1"/>
+          </p:nvPr>
+        </p:nvPicPr>
+        <p:blipFill>
+          <a:blip r:embed="rId3">
+            <a:extLst>
+              <a:ext uri="{28A0092B-C50C-407E-A947-70E740481C1C}">
+                <a14:useLocalDpi xmlns:a14="http://schemas.microsoft.com/office/drawing/2010/main" val="0"/>
+              </a:ext>
+            </a:extLst>
+          </a:blip>
+          <a:stretch>
+            <a:fillRect/>
+          </a:stretch>
+        </p:blipFill>
+        <p:spPr>
+          <a:xfrm>
+            <a:off x="1045308" y="1995302"/>
+            <a:ext cx="6152518" cy="4306184"/>
+          </a:xfrm>
+        </p:spPr>
+      </p:pic>
+      <p:sp>
+        <p:nvSpPr>
+          <p:cNvPr id="4" name="TextBox 3">
+            <a:extLst>
+              <a:ext uri="{FF2B5EF4-FFF2-40B4-BE49-F238E27FC236}">
+                <a16:creationId xmlns:a16="http://schemas.microsoft.com/office/drawing/2014/main" id="{D6E95770-3874-517C-5F5D-04D0356C2060}"/>
+              </a:ext>
+            </a:extLst>
+          </p:cNvPr>
+          <p:cNvSpPr txBox="1"/>
+          <p:nvPr/>
+        </p:nvSpPr>
+        <p:spPr>
+          <a:xfrm>
+            <a:off x="9664930" y="1995302"/>
+            <a:ext cx="2472297" cy="3416320"/>
+          </a:xfrm>
+          <a:prstGeom prst="rect">
+            <a:avLst/>
+          </a:prstGeom>
+          <a:noFill/>
+        </p:spPr>
+        <p:txBody>
+          <a:bodyPr wrap="square" rtlCol="0">
+            <a:spAutoFit/>
+          </a:bodyPr>
+          <a:lstStyle/>
+          <a:p>
+            <a:pPr marL="285750" indent="-285750">
+              <a:buFont typeface="Arial" panose="020B0604020202020204" pitchFamily="34" charset="0"/>
+              <a:buChar char="•"/>
+            </a:pPr>
+            <a:endParaRPr lang="de-DE" dirty="0">
+              <a:solidFill>
+                <a:schemeClr val="bg1"/>
+              </a:solidFill>
+            </a:endParaRPr>
+          </a:p>
+          <a:p>
+            <a:pPr marL="285750" indent="-285750">
+              <a:buFont typeface="Arial" panose="020B0604020202020204" pitchFamily="34" charset="0"/>
+              <a:buChar char="•"/>
+            </a:pPr>
+            <a:r>
+              <a:rPr lang="de-DE" dirty="0">
+                <a:solidFill>
+                  <a:schemeClr val="bg1"/>
+                </a:solidFill>
+              </a:rPr>
+              <a:t>Aufgabenstellung</a:t>
+            </a:r>
+          </a:p>
+          <a:p>
+            <a:pPr marL="285750" indent="-285750">
+              <a:buFont typeface="Arial" panose="020B0604020202020204" pitchFamily="34" charset="0"/>
+              <a:buChar char="•"/>
+            </a:pPr>
+            <a:endParaRPr lang="de-DE" dirty="0">
+              <a:solidFill>
+                <a:schemeClr val="bg1"/>
+              </a:solidFill>
+            </a:endParaRPr>
+          </a:p>
+          <a:p>
+            <a:pPr marL="285750" indent="-285750">
+              <a:buFont typeface="Arial" panose="020B0604020202020204" pitchFamily="34" charset="0"/>
+              <a:buChar char="•"/>
+            </a:pPr>
+            <a:r>
+              <a:rPr lang="de-DE" dirty="0">
+                <a:solidFill>
+                  <a:schemeClr val="bg1"/>
+                </a:solidFill>
+              </a:rPr>
+              <a:t>Anforderungen</a:t>
+            </a:r>
+          </a:p>
+          <a:p>
+            <a:pPr marL="285750" indent="-285750">
+              <a:buFont typeface="Arial" panose="020B0604020202020204" pitchFamily="34" charset="0"/>
+              <a:buChar char="•"/>
+            </a:pPr>
+            <a:endParaRPr lang="de-DE" dirty="0">
+              <a:solidFill>
+                <a:schemeClr val="bg1"/>
+              </a:solidFill>
+            </a:endParaRPr>
+          </a:p>
+          <a:p>
+            <a:pPr marL="285750" indent="-285750">
+              <a:buFont typeface="Arial" panose="020B0604020202020204" pitchFamily="34" charset="0"/>
+              <a:buChar char="•"/>
+            </a:pPr>
+            <a:r>
+              <a:rPr lang="de-DE" dirty="0">
+                <a:solidFill>
+                  <a:schemeClr val="bg1"/>
+                </a:solidFill>
+              </a:rPr>
+              <a:t>Technologien</a:t>
+            </a:r>
+          </a:p>
+          <a:p>
+            <a:pPr marL="285750" indent="-285750">
+              <a:buFont typeface="Arial" panose="020B0604020202020204" pitchFamily="34" charset="0"/>
+              <a:buChar char="•"/>
+            </a:pPr>
+            <a:endParaRPr lang="de-DE" dirty="0">
+              <a:solidFill>
+                <a:schemeClr val="bg1"/>
+              </a:solidFill>
+            </a:endParaRPr>
+          </a:p>
+          <a:p>
+            <a:pPr marL="285750" indent="-285750">
+              <a:buFont typeface="Arial" panose="020B0604020202020204" pitchFamily="34" charset="0"/>
+              <a:buChar char="•"/>
+            </a:pPr>
+            <a:r>
+              <a:rPr lang="de-DE" dirty="0">
+                <a:solidFill>
+                  <a:schemeClr val="bg1"/>
+                </a:solidFill>
+              </a:rPr>
+              <a:t>Rollenkonzept</a:t>
+            </a:r>
+          </a:p>
+          <a:p>
+            <a:pPr marL="285750" indent="-285750">
+              <a:buFont typeface="Arial" panose="020B0604020202020204" pitchFamily="34" charset="0"/>
+              <a:buChar char="•"/>
+            </a:pPr>
+            <a:endParaRPr lang="de-DE" dirty="0">
+              <a:solidFill>
+                <a:schemeClr val="bg1"/>
+              </a:solidFill>
+            </a:endParaRPr>
+          </a:p>
+          <a:p>
+            <a:pPr marL="285750" indent="-285750">
+              <a:buFont typeface="Arial" panose="020B0604020202020204" pitchFamily="34" charset="0"/>
+              <a:buChar char="•"/>
+            </a:pPr>
+            <a:r>
+              <a:rPr lang="de-DE" dirty="0">
+                <a:solidFill>
+                  <a:schemeClr val="bg1"/>
+                </a:solidFill>
+              </a:rPr>
+              <a:t>Klassendiagramm</a:t>
+            </a:r>
+          </a:p>
+          <a:p>
+            <a:pPr marL="285750" indent="-285750">
+              <a:buFont typeface="Arial" panose="020B0604020202020204" pitchFamily="34" charset="0"/>
+              <a:buChar char="•"/>
+            </a:pPr>
+            <a:endParaRPr lang="de-DE" dirty="0">
+              <a:solidFill>
+                <a:schemeClr val="bg1"/>
+              </a:solidFill>
+            </a:endParaRPr>
+          </a:p>
+          <a:p>
+            <a:pPr marL="285750" indent="-285750">
+              <a:buFont typeface="Arial" panose="020B0604020202020204" pitchFamily="34" charset="0"/>
+              <a:buChar char="•"/>
+            </a:pPr>
+            <a:r>
+              <a:rPr lang="de-DE" dirty="0">
+                <a:solidFill>
+                  <a:schemeClr val="bg1"/>
+                </a:solidFill>
+              </a:rPr>
+              <a:t>Screenshots</a:t>
+            </a:r>
+          </a:p>
+        </p:txBody>
+      </p:sp>
+      <p:sp>
+        <p:nvSpPr>
+          <p:cNvPr id="5" name="Slide Number Placeholder 4">
+            <a:extLst>
+              <a:ext uri="{FF2B5EF4-FFF2-40B4-BE49-F238E27FC236}">
+                <a16:creationId xmlns:a16="http://schemas.microsoft.com/office/drawing/2014/main" id="{1A68A4A1-C191-7418-DCD5-1521B409655F}"/>
+              </a:ext>
+            </a:extLst>
+          </p:cNvPr>
+          <p:cNvSpPr>
+            <a:spLocks noGrp="1"/>
+          </p:cNvSpPr>
+          <p:nvPr>
+            <p:ph type="sldNum" sz="quarter" idx="12"/>
+          </p:nvPr>
+        </p:nvSpPr>
+        <p:spPr/>
+        <p:txBody>
+          <a:bodyPr/>
+          <a:lstStyle/>
+          <a:p>
+            <a:fld id="{13C740AA-7824-4996-A9A9-B0E74C888E41}" type="slidenum">
+              <a:rPr lang="de-DE" smtClean="0"/>
+              <a:t>14</a:t>
+            </a:fld>
+            <a:endParaRPr lang="de-DE"/>
+          </a:p>
+        </p:txBody>
+      </p:sp>
+      <p:sp>
+        <p:nvSpPr>
+          <p:cNvPr id="8" name="Arrow: Right 7">
+            <a:extLst>
+              <a:ext uri="{FF2B5EF4-FFF2-40B4-BE49-F238E27FC236}">
+                <a16:creationId xmlns:a16="http://schemas.microsoft.com/office/drawing/2014/main" id="{5C86BF85-A55F-D02C-A34F-D5A1A4D0CD6A}"/>
+              </a:ext>
+            </a:extLst>
+          </p:cNvPr>
+          <p:cNvSpPr/>
+          <p:nvPr/>
+        </p:nvSpPr>
+        <p:spPr>
+          <a:xfrm>
+            <a:off x="8992788" y="4963020"/>
+            <a:ext cx="657225" cy="482601"/>
+          </a:xfrm>
+          <a:prstGeom prst="rightArrow">
+            <a:avLst/>
+          </a:prstGeom>
+          <a:solidFill>
+            <a:schemeClr val="bg1"/>
+          </a:solidFill>
+          <a:ln>
+            <a:solidFill>
+              <a:schemeClr val="bg1"/>
+            </a:solidFill>
+          </a:ln>
+        </p:spPr>
+        <p:style>
+          <a:lnRef idx="2">
+            <a:schemeClr val="accent1">
+              <a:shade val="15000"/>
+            </a:schemeClr>
+          </a:lnRef>
+          <a:fillRef idx="1">
+            <a:schemeClr val="accent1"/>
+          </a:fillRef>
+          <a:effectRef idx="0">
+            <a:schemeClr val="accent1"/>
+          </a:effectRef>
+          <a:fontRef idx="minor">
+            <a:schemeClr val="lt1"/>
+          </a:fontRef>
+        </p:style>
+        <p:txBody>
+          <a:bodyPr rtlCol="0" anchor="ctr"/>
+          <a:lstStyle/>
+          <a:p>
+            <a:pPr algn="ctr"/>
+            <a:endParaRPr lang="de-DE"/>
+          </a:p>
+        </p:txBody>
+      </p:sp>
+    </p:spTree>
+    <p:extLst>
+      <p:ext uri="{BB962C8B-B14F-4D97-AF65-F5344CB8AC3E}">
+        <p14:creationId xmlns:p14="http://schemas.microsoft.com/office/powerpoint/2010/main" val="2821586821"/>
+      </p:ext>
+    </p:extLst>
+  </p:cSld>
+  <p:clrMapOvr>
+    <a:masterClrMapping/>
+  </p:clrMapOvr>
+  <mc:AlternateContent xmlns:mc="http://schemas.openxmlformats.org/markup-compatibility/2006" xmlns:p159="http://schemas.microsoft.com/office/powerpoint/2015/09/main">
+    <mc:Choice Requires="p159">
+      <p:transition spd="med">
+        <p159:morph option="byObject"/>
+      </p:transition>
+    </mc:Choice>
+    <mc:Fallback xmlns="">
+      <p:transition spd="med">
+        <p:fade/>
+      </p:transition>
+    </mc:Fallback>
+  </mc:AlternateContent>
+</p:sld>
+</file>
+
+<file path=ppt/slides/slide15.xml><?xml version="1.0" encoding="utf-8"?>
+<p:sld xmlns:a="http://schemas.openxmlformats.org/drawingml/2006/main" xmlns:r="http://schemas.openxmlformats.org/officeDocument/2006/relationships" xmlns:p="http://schemas.openxmlformats.org/presentationml/2006/main">
+  <p:cSld>
+    <p:bg>
+      <p:bgPr>
+        <a:solidFill>
+          <a:schemeClr val="bg1"/>
+        </a:solidFill>
+        <a:effectLst/>
+      </p:bgPr>
+    </p:bg>
+    <p:spTree>
+      <p:nvGrpSpPr>
+        <p:cNvPr id="1" name=""/>
+        <p:cNvGrpSpPr/>
+        <p:nvPr/>
+      </p:nvGrpSpPr>
+      <p:grpSpPr>
+        <a:xfrm>
+          <a:off x="0" y="0"/>
+          <a:ext cx="0" cy="0"/>
+          <a:chOff x="0" y="0"/>
+          <a:chExt cx="0" cy="0"/>
+        </a:xfrm>
+      </p:grpSpPr>
+      <p:sp>
+        <p:nvSpPr>
+          <p:cNvPr id="23" name="Rectangle 22">
+            <a:extLst>
+              <a:ext uri="{FF2B5EF4-FFF2-40B4-BE49-F238E27FC236}">
+                <a16:creationId xmlns:a16="http://schemas.microsoft.com/office/drawing/2014/main" id="{1A9F7B4E-B03D-4F64-BE33-00D074458D45}"/>
+              </a:ext>
+              <a:ext uri="{C183D7F6-B498-43B3-948B-1728B52AA6E4}">
+                <adec:decorative xmlns:adec="http://schemas.microsoft.com/office/drawing/2017/decorative" val="1"/>
+              </a:ext>
+            </a:extLst>
+          </p:cNvPr>
+          <p:cNvSpPr>
+            <a:spLocks noGrp="1" noRot="1" noChangeAspect="1" noMove="1" noResize="1" noEditPoints="1" noAdjustHandles="1" noChangeArrowheads="1" noChangeShapeType="1" noTextEdit="1"/>
+          </p:cNvSpPr>
+          <p:nvPr>
+            <p:extLst>
+              <p:ext uri="{386F3935-93C4-4BCD-93E2-E3B085C9AB24}">
+                <p16:designElem xmlns:p16="http://schemas.microsoft.com/office/powerpoint/2015/main" val="1"/>
+              </p:ext>
+            </p:extLst>
+          </p:nvPr>
+        </p:nvSpPr>
+        <p:spPr>
+          <a:xfrm>
+            <a:off x="0" y="0"/>
+            <a:ext cx="12188952" cy="6858000"/>
+          </a:xfrm>
+          <a:prstGeom prst="rect">
+            <a:avLst/>
+          </a:prstGeom>
+          <a:solidFill>
+            <a:schemeClr val="tx1"/>
+          </a:solidFill>
+          <a:ln>
+            <a:noFill/>
+          </a:ln>
+        </p:spPr>
+        <p:style>
+          <a:lnRef idx="2">
+            <a:schemeClr val="accent1">
+              <a:shade val="50000"/>
+            </a:schemeClr>
+          </a:lnRef>
+          <a:fillRef idx="1">
+            <a:schemeClr val="accent1"/>
+          </a:fillRef>
+          <a:effectRef idx="0">
+            <a:schemeClr val="accent1"/>
+          </a:effectRef>
+          <a:fontRef idx="minor">
+            <a:schemeClr val="lt1"/>
+          </a:fontRef>
+        </p:style>
+        <p:txBody>
+          <a:bodyPr rtlCol="0" anchor="ctr"/>
+          <a:lstStyle/>
+          <a:p>
+            <a:pPr algn="ctr"/>
+            <a:endParaRPr lang="en-US"/>
+          </a:p>
+        </p:txBody>
+      </p:sp>
+      <p:pic>
+        <p:nvPicPr>
+          <p:cNvPr id="18" name="Picture 17" descr="A blue and green lines on a black background&#10;&#10;Description automatically generated">
+            <a:extLst>
+              <a:ext uri="{FF2B5EF4-FFF2-40B4-BE49-F238E27FC236}">
+                <a16:creationId xmlns:a16="http://schemas.microsoft.com/office/drawing/2014/main" id="{9E2CA162-4ACE-88C3-D272-088E41436A49}"/>
+              </a:ext>
+            </a:extLst>
+          </p:cNvPr>
+          <p:cNvPicPr>
+            <a:picLocks noChangeAspect="1"/>
+          </p:cNvPicPr>
+          <p:nvPr/>
+        </p:nvPicPr>
+        <p:blipFill rotWithShape="1">
+          <a:blip r:embed="rId2">
+            <a:alphaModFix amt="40000"/>
+          </a:blip>
+          <a:srcRect t="13655" b="6840"/>
+          <a:stretch/>
+        </p:blipFill>
+        <p:spPr>
+          <a:xfrm>
+            <a:off x="20" y="10"/>
+            <a:ext cx="12191979" cy="6857990"/>
+          </a:xfrm>
+          <a:prstGeom prst="rect">
+            <a:avLst/>
+          </a:prstGeom>
+        </p:spPr>
+      </p:pic>
+      <p:sp>
+        <p:nvSpPr>
+          <p:cNvPr id="2" name="Title 1">
+            <a:extLst>
+              <a:ext uri="{FF2B5EF4-FFF2-40B4-BE49-F238E27FC236}">
+                <a16:creationId xmlns:a16="http://schemas.microsoft.com/office/drawing/2014/main" id="{61CE0095-EFE9-6204-1ACC-4BEB3E59878B}"/>
+              </a:ext>
+            </a:extLst>
+          </p:cNvPr>
+          <p:cNvSpPr>
+            <a:spLocks noGrp="1"/>
+          </p:cNvSpPr>
+          <p:nvPr>
+            <p:ph type="title"/>
+          </p:nvPr>
+        </p:nvSpPr>
+        <p:spPr>
+          <a:xfrm>
+            <a:off x="838200" y="365125"/>
+            <a:ext cx="10515600" cy="1325563"/>
+          </a:xfrm>
+        </p:spPr>
+        <p:txBody>
+          <a:bodyPr vert="horz" lIns="91440" tIns="45720" rIns="91440" bIns="45720" rtlCol="0">
+            <a:normAutofit/>
+          </a:bodyPr>
+          <a:lstStyle/>
+          <a:p>
+            <a:r>
+              <a:rPr lang="en-US" sz="5400" dirty="0" err="1">
+                <a:solidFill>
+                  <a:schemeClr val="bg1"/>
+                </a:solidFill>
+              </a:rPr>
+              <a:t>Profitabilitätsauswertung</a:t>
+            </a:r>
+            <a:endParaRPr lang="en-US" sz="5400" dirty="0">
+              <a:solidFill>
+                <a:schemeClr val="bg1"/>
+              </a:solidFill>
+            </a:endParaRPr>
+          </a:p>
+        </p:txBody>
+      </p:sp>
+      <p:sp>
+        <p:nvSpPr>
+          <p:cNvPr id="25" name="sketchy line">
+            <a:extLst>
+              <a:ext uri="{FF2B5EF4-FFF2-40B4-BE49-F238E27FC236}">
+                <a16:creationId xmlns:a16="http://schemas.microsoft.com/office/drawing/2014/main" id="{7E2BE7F7-CA89-4002-ACCE-A478AEA24F5E}"/>
+              </a:ext>
+              <a:ext uri="{C183D7F6-B498-43B3-948B-1728B52AA6E4}">
+                <adec:decorative xmlns:adec="http://schemas.microsoft.com/office/drawing/2017/decorative" val="1"/>
+              </a:ext>
+            </a:extLst>
+          </p:cNvPr>
+          <p:cNvSpPr>
+            <a:spLocks noGrp="1" noRot="1" noChangeAspect="1" noMove="1" noResize="1" noEditPoints="1" noAdjustHandles="1" noChangeArrowheads="1" noChangeShapeType="1" noTextEdit="1"/>
+          </p:cNvSpPr>
+          <p:nvPr>
+            <p:extLst>
+              <p:ext uri="{386F3935-93C4-4BCD-93E2-E3B085C9AB24}">
+                <p16:designElem xmlns:p16="http://schemas.microsoft.com/office/powerpoint/2015/main" val="1"/>
+              </p:ext>
+            </p:extLst>
+          </p:nvPr>
+        </p:nvSpPr>
+        <p:spPr>
+          <a:xfrm>
+            <a:off x="914399" y="1681544"/>
+            <a:ext cx="9692640" cy="18288"/>
+          </a:xfrm>
+          <a:custGeom>
+            <a:avLst/>
+            <a:gdLst>
+              <a:gd name="connsiteX0" fmla="*/ 0 w 9692640"/>
+              <a:gd name="connsiteY0" fmla="*/ 0 h 18288"/>
+              <a:gd name="connsiteX1" fmla="*/ 401552 w 9692640"/>
+              <a:gd name="connsiteY1" fmla="*/ 0 h 18288"/>
+              <a:gd name="connsiteX2" fmla="*/ 996957 w 9692640"/>
+              <a:gd name="connsiteY2" fmla="*/ 0 h 18288"/>
+              <a:gd name="connsiteX3" fmla="*/ 1398509 w 9692640"/>
+              <a:gd name="connsiteY3" fmla="*/ 0 h 18288"/>
+              <a:gd name="connsiteX4" fmla="*/ 2090841 w 9692640"/>
+              <a:gd name="connsiteY4" fmla="*/ 0 h 18288"/>
+              <a:gd name="connsiteX5" fmla="*/ 2686246 w 9692640"/>
+              <a:gd name="connsiteY5" fmla="*/ 0 h 18288"/>
+              <a:gd name="connsiteX6" fmla="*/ 3475504 w 9692640"/>
+              <a:gd name="connsiteY6" fmla="*/ 0 h 18288"/>
+              <a:gd name="connsiteX7" fmla="*/ 4361688 w 9692640"/>
+              <a:gd name="connsiteY7" fmla="*/ 0 h 18288"/>
+              <a:gd name="connsiteX8" fmla="*/ 5054019 w 9692640"/>
+              <a:gd name="connsiteY8" fmla="*/ 0 h 18288"/>
+              <a:gd name="connsiteX9" fmla="*/ 5940204 w 9692640"/>
+              <a:gd name="connsiteY9" fmla="*/ 0 h 18288"/>
+              <a:gd name="connsiteX10" fmla="*/ 6632535 w 9692640"/>
+              <a:gd name="connsiteY10" fmla="*/ 0 h 18288"/>
+              <a:gd name="connsiteX11" fmla="*/ 7034087 w 9692640"/>
+              <a:gd name="connsiteY11" fmla="*/ 0 h 18288"/>
+              <a:gd name="connsiteX12" fmla="*/ 7532566 w 9692640"/>
+              <a:gd name="connsiteY12" fmla="*/ 0 h 18288"/>
+              <a:gd name="connsiteX13" fmla="*/ 8418750 w 9692640"/>
+              <a:gd name="connsiteY13" fmla="*/ 0 h 18288"/>
+              <a:gd name="connsiteX14" fmla="*/ 9692640 w 9692640"/>
+              <a:gd name="connsiteY14" fmla="*/ 0 h 18288"/>
+              <a:gd name="connsiteX15" fmla="*/ 9692640 w 9692640"/>
+              <a:gd name="connsiteY15" fmla="*/ 18288 h 18288"/>
+              <a:gd name="connsiteX16" fmla="*/ 9000309 w 9692640"/>
+              <a:gd name="connsiteY16" fmla="*/ 18288 h 18288"/>
+              <a:gd name="connsiteX17" fmla="*/ 8307977 w 9692640"/>
+              <a:gd name="connsiteY17" fmla="*/ 18288 h 18288"/>
+              <a:gd name="connsiteX18" fmla="*/ 7712572 w 9692640"/>
+              <a:gd name="connsiteY18" fmla="*/ 18288 h 18288"/>
+              <a:gd name="connsiteX19" fmla="*/ 7214093 w 9692640"/>
+              <a:gd name="connsiteY19" fmla="*/ 18288 h 18288"/>
+              <a:gd name="connsiteX20" fmla="*/ 6327909 w 9692640"/>
+              <a:gd name="connsiteY20" fmla="*/ 18288 h 18288"/>
+              <a:gd name="connsiteX21" fmla="*/ 5635578 w 9692640"/>
+              <a:gd name="connsiteY21" fmla="*/ 18288 h 18288"/>
+              <a:gd name="connsiteX22" fmla="*/ 4846320 w 9692640"/>
+              <a:gd name="connsiteY22" fmla="*/ 18288 h 18288"/>
+              <a:gd name="connsiteX23" fmla="*/ 4444768 w 9692640"/>
+              <a:gd name="connsiteY23" fmla="*/ 18288 h 18288"/>
+              <a:gd name="connsiteX24" fmla="*/ 3946289 w 9692640"/>
+              <a:gd name="connsiteY24" fmla="*/ 18288 h 18288"/>
+              <a:gd name="connsiteX25" fmla="*/ 3253958 w 9692640"/>
+              <a:gd name="connsiteY25" fmla="*/ 18288 h 18288"/>
+              <a:gd name="connsiteX26" fmla="*/ 2464700 w 9692640"/>
+              <a:gd name="connsiteY26" fmla="*/ 18288 h 18288"/>
+              <a:gd name="connsiteX27" fmla="*/ 2063148 w 9692640"/>
+              <a:gd name="connsiteY27" fmla="*/ 18288 h 18288"/>
+              <a:gd name="connsiteX28" fmla="*/ 1661595 w 9692640"/>
+              <a:gd name="connsiteY28" fmla="*/ 18288 h 18288"/>
+              <a:gd name="connsiteX29" fmla="*/ 969264 w 9692640"/>
+              <a:gd name="connsiteY29" fmla="*/ 18288 h 18288"/>
+              <a:gd name="connsiteX30" fmla="*/ 0 w 9692640"/>
+              <a:gd name="connsiteY30" fmla="*/ 18288 h 18288"/>
+              <a:gd name="connsiteX31" fmla="*/ 0 w 9692640"/>
+              <a:gd name="connsiteY31" fmla="*/ 0 h 18288"/>
+            </a:gdLst>
+            <a:ahLst/>
+            <a:cxnLst>
+              <a:cxn ang="0">
+                <a:pos x="connsiteX0" y="connsiteY0"/>
+              </a:cxn>
+              <a:cxn ang="0">
+                <a:pos x="connsiteX1" y="connsiteY1"/>
+              </a:cxn>
+              <a:cxn ang="0">
+                <a:pos x="connsiteX2" y="connsiteY2"/>
+              </a:cxn>
+              <a:cxn ang="0">
+                <a:pos x="connsiteX3" y="connsiteY3"/>
+              </a:cxn>
+              <a:cxn ang="0">
+                <a:pos x="connsiteX4" y="connsiteY4"/>
+              </a:cxn>
+              <a:cxn ang="0">
+                <a:pos x="connsiteX5" y="connsiteY5"/>
+              </a:cxn>
+              <a:cxn ang="0">
+                <a:pos x="connsiteX6" y="connsiteY6"/>
+              </a:cxn>
+              <a:cxn ang="0">
+                <a:pos x="connsiteX7" y="connsiteY7"/>
+              </a:cxn>
+              <a:cxn ang="0">
+                <a:pos x="connsiteX8" y="connsiteY8"/>
+              </a:cxn>
+              <a:cxn ang="0">
+                <a:pos x="connsiteX9" y="connsiteY9"/>
+              </a:cxn>
+              <a:cxn ang="0">
+                <a:pos x="connsiteX10" y="connsiteY10"/>
+              </a:cxn>
+              <a:cxn ang="0">
+                <a:pos x="connsiteX11" y="connsiteY11"/>
+              </a:cxn>
+              <a:cxn ang="0">
+                <a:pos x="connsiteX12" y="connsiteY12"/>
+              </a:cxn>
+              <a:cxn ang="0">
+                <a:pos x="connsiteX13" y="connsiteY13"/>
+              </a:cxn>
+              <a:cxn ang="0">
+                <a:pos x="connsiteX14" y="connsiteY14"/>
+              </a:cxn>
+              <a:cxn ang="0">
+                <a:pos x="connsiteX15" y="connsiteY15"/>
+              </a:cxn>
+              <a:cxn ang="0">
+                <a:pos x="connsiteX16" y="connsiteY16"/>
+              </a:cxn>
+              <a:cxn ang="0">
+                <a:pos x="connsiteX17" y="connsiteY17"/>
+              </a:cxn>
+              <a:cxn ang="0">
+                <a:pos x="connsiteX18" y="connsiteY18"/>
+              </a:cxn>
+              <a:cxn ang="0">
+                <a:pos x="connsiteX19" y="connsiteY19"/>
+              </a:cxn>
+              <a:cxn ang="0">
+                <a:pos x="connsiteX20" y="connsiteY20"/>
+              </a:cxn>
+              <a:cxn ang="0">
+                <a:pos x="connsiteX21" y="connsiteY21"/>
+              </a:cxn>
+              <a:cxn ang="0">
+                <a:pos x="connsiteX22" y="connsiteY22"/>
+              </a:cxn>
+              <a:cxn ang="0">
+                <a:pos x="connsiteX23" y="connsiteY23"/>
+              </a:cxn>
+              <a:cxn ang="0">
+                <a:pos x="connsiteX24" y="connsiteY24"/>
+              </a:cxn>
+              <a:cxn ang="0">
+                <a:pos x="connsiteX25" y="connsiteY25"/>
+              </a:cxn>
+              <a:cxn ang="0">
+                <a:pos x="connsiteX26" y="connsiteY26"/>
+              </a:cxn>
+              <a:cxn ang="0">
+                <a:pos x="connsiteX27" y="connsiteY27"/>
+              </a:cxn>
+              <a:cxn ang="0">
+                <a:pos x="connsiteX28" y="connsiteY28"/>
+              </a:cxn>
+              <a:cxn ang="0">
+                <a:pos x="connsiteX29" y="connsiteY29"/>
+              </a:cxn>
+              <a:cxn ang="0">
+                <a:pos x="connsiteX30" y="connsiteY30"/>
+              </a:cxn>
+              <a:cxn ang="0">
+                <a:pos x="connsiteX31" y="connsiteY31"/>
+              </a:cxn>
+            </a:cxnLst>
+            <a:rect l="l" t="t" r="r" b="b"/>
+            <a:pathLst>
+              <a:path w="9692640" h="18288" fill="none" extrusionOk="0">
+                <a:moveTo>
+                  <a:pt x="0" y="0"/>
+                </a:moveTo>
+                <a:cubicBezTo>
+                  <a:pt x="142992" y="4732"/>
+                  <a:pt x="265909" y="-3365"/>
+                  <a:pt x="401552" y="0"/>
+                </a:cubicBezTo>
+                <a:cubicBezTo>
+                  <a:pt x="537195" y="3365"/>
+                  <a:pt x="738153" y="6482"/>
+                  <a:pt x="996957" y="0"/>
+                </a:cubicBezTo>
+                <a:cubicBezTo>
+                  <a:pt x="1255762" y="-6482"/>
+                  <a:pt x="1280511" y="12509"/>
+                  <a:pt x="1398509" y="0"/>
+                </a:cubicBezTo>
+                <a:cubicBezTo>
+                  <a:pt x="1516507" y="-12509"/>
+                  <a:pt x="1782573" y="-31523"/>
+                  <a:pt x="2090841" y="0"/>
+                </a:cubicBezTo>
+                <a:cubicBezTo>
+                  <a:pt x="2399109" y="31523"/>
+                  <a:pt x="2488380" y="26286"/>
+                  <a:pt x="2686246" y="0"/>
+                </a:cubicBezTo>
+                <a:cubicBezTo>
+                  <a:pt x="2884112" y="-26286"/>
+                  <a:pt x="3186024" y="-14734"/>
+                  <a:pt x="3475504" y="0"/>
+                </a:cubicBezTo>
+                <a:cubicBezTo>
+                  <a:pt x="3764984" y="14734"/>
+                  <a:pt x="4053017" y="43292"/>
+                  <a:pt x="4361688" y="0"/>
+                </a:cubicBezTo>
+                <a:cubicBezTo>
+                  <a:pt x="4670359" y="-43292"/>
+                  <a:pt x="4736164" y="-729"/>
+                  <a:pt x="5054019" y="0"/>
+                </a:cubicBezTo>
+                <a:cubicBezTo>
+                  <a:pt x="5371874" y="729"/>
+                  <a:pt x="5543528" y="-22963"/>
+                  <a:pt x="5940204" y="0"/>
+                </a:cubicBezTo>
+                <a:cubicBezTo>
+                  <a:pt x="6336881" y="22963"/>
+                  <a:pt x="6423838" y="6469"/>
+                  <a:pt x="6632535" y="0"/>
+                </a:cubicBezTo>
+                <a:cubicBezTo>
+                  <a:pt x="6841232" y="-6469"/>
+                  <a:pt x="6852819" y="17036"/>
+                  <a:pt x="7034087" y="0"/>
+                </a:cubicBezTo>
+                <a:cubicBezTo>
+                  <a:pt x="7215355" y="-17036"/>
+                  <a:pt x="7313136" y="11151"/>
+                  <a:pt x="7532566" y="0"/>
+                </a:cubicBezTo>
+                <a:cubicBezTo>
+                  <a:pt x="7751996" y="-11151"/>
+                  <a:pt x="8015001" y="25614"/>
+                  <a:pt x="8418750" y="0"/>
+                </a:cubicBezTo>
+                <a:cubicBezTo>
+                  <a:pt x="8822499" y="-25614"/>
+                  <a:pt x="9163239" y="48603"/>
+                  <a:pt x="9692640" y="0"/>
+                </a:cubicBezTo>
+                <a:cubicBezTo>
+                  <a:pt x="9691955" y="4437"/>
+                  <a:pt x="9693170" y="10717"/>
+                  <a:pt x="9692640" y="18288"/>
+                </a:cubicBezTo>
+                <a:cubicBezTo>
+                  <a:pt x="9545125" y="42172"/>
+                  <a:pt x="9164259" y="6706"/>
+                  <a:pt x="9000309" y="18288"/>
+                </a:cubicBezTo>
+                <a:cubicBezTo>
+                  <a:pt x="8836359" y="29870"/>
+                  <a:pt x="8521035" y="-14108"/>
+                  <a:pt x="8307977" y="18288"/>
+                </a:cubicBezTo>
+                <a:cubicBezTo>
+                  <a:pt x="8094919" y="50684"/>
+                  <a:pt x="7881757" y="11235"/>
+                  <a:pt x="7712572" y="18288"/>
+                </a:cubicBezTo>
+                <a:cubicBezTo>
+                  <a:pt x="7543387" y="25341"/>
+                  <a:pt x="7358861" y="20625"/>
+                  <a:pt x="7214093" y="18288"/>
+                </a:cubicBezTo>
+                <a:cubicBezTo>
+                  <a:pt x="7069325" y="15951"/>
+                  <a:pt x="6523705" y="52160"/>
+                  <a:pt x="6327909" y="18288"/>
+                </a:cubicBezTo>
+                <a:cubicBezTo>
+                  <a:pt x="6132113" y="-15584"/>
+                  <a:pt x="5923847" y="21204"/>
+                  <a:pt x="5635578" y="18288"/>
+                </a:cubicBezTo>
+                <a:cubicBezTo>
+                  <a:pt x="5347309" y="15372"/>
+                  <a:pt x="5114749" y="50642"/>
+                  <a:pt x="4846320" y="18288"/>
+                </a:cubicBezTo>
+                <a:cubicBezTo>
+                  <a:pt x="4577891" y="-14066"/>
+                  <a:pt x="4576701" y="1487"/>
+                  <a:pt x="4444768" y="18288"/>
+                </a:cubicBezTo>
+                <a:cubicBezTo>
+                  <a:pt x="4312835" y="35089"/>
+                  <a:pt x="4112575" y="15158"/>
+                  <a:pt x="3946289" y="18288"/>
+                </a:cubicBezTo>
+                <a:cubicBezTo>
+                  <a:pt x="3780003" y="21418"/>
+                  <a:pt x="3396009" y="18797"/>
+                  <a:pt x="3253958" y="18288"/>
+                </a:cubicBezTo>
+                <a:cubicBezTo>
+                  <a:pt x="3111907" y="17779"/>
+                  <a:pt x="2760272" y="57223"/>
+                  <a:pt x="2464700" y="18288"/>
+                </a:cubicBezTo>
+                <a:cubicBezTo>
+                  <a:pt x="2169128" y="-20647"/>
+                  <a:pt x="2232262" y="7960"/>
+                  <a:pt x="2063148" y="18288"/>
+                </a:cubicBezTo>
+                <a:cubicBezTo>
+                  <a:pt x="1894034" y="28616"/>
+                  <a:pt x="1799338" y="3019"/>
+                  <a:pt x="1661595" y="18288"/>
+                </a:cubicBezTo>
+                <a:cubicBezTo>
+                  <a:pt x="1523852" y="33557"/>
+                  <a:pt x="1113928" y="-4352"/>
+                  <a:pt x="969264" y="18288"/>
+                </a:cubicBezTo>
+                <a:cubicBezTo>
+                  <a:pt x="824600" y="40928"/>
+                  <a:pt x="356149" y="-3128"/>
+                  <a:pt x="0" y="18288"/>
+                </a:cubicBezTo>
+                <a:cubicBezTo>
+                  <a:pt x="-540" y="12521"/>
+                  <a:pt x="894" y="7749"/>
+                  <a:pt x="0" y="0"/>
+                </a:cubicBezTo>
+                <a:close/>
+              </a:path>
+              <a:path w="9692640" h="18288" stroke="0" extrusionOk="0">
+                <a:moveTo>
+                  <a:pt x="0" y="0"/>
+                </a:moveTo>
+                <a:cubicBezTo>
+                  <a:pt x="162642" y="3864"/>
+                  <a:pt x="346119" y="-18364"/>
+                  <a:pt x="498479" y="0"/>
+                </a:cubicBezTo>
+                <a:cubicBezTo>
+                  <a:pt x="650839" y="18364"/>
+                  <a:pt x="712065" y="-9389"/>
+                  <a:pt x="900031" y="0"/>
+                </a:cubicBezTo>
+                <a:cubicBezTo>
+                  <a:pt x="1087997" y="9389"/>
+                  <a:pt x="1177291" y="3685"/>
+                  <a:pt x="1398509" y="0"/>
+                </a:cubicBezTo>
+                <a:cubicBezTo>
+                  <a:pt x="1619727" y="-3685"/>
+                  <a:pt x="1874008" y="-8897"/>
+                  <a:pt x="2090841" y="0"/>
+                </a:cubicBezTo>
+                <a:cubicBezTo>
+                  <a:pt x="2307674" y="8897"/>
+                  <a:pt x="2573432" y="-313"/>
+                  <a:pt x="2880099" y="0"/>
+                </a:cubicBezTo>
+                <a:cubicBezTo>
+                  <a:pt x="3186766" y="313"/>
+                  <a:pt x="3422577" y="10664"/>
+                  <a:pt x="3766283" y="0"/>
+                </a:cubicBezTo>
+                <a:cubicBezTo>
+                  <a:pt x="4109989" y="-10664"/>
+                  <a:pt x="4342683" y="-32873"/>
+                  <a:pt x="4652467" y="0"/>
+                </a:cubicBezTo>
+                <a:cubicBezTo>
+                  <a:pt x="4962251" y="32873"/>
+                  <a:pt x="5122120" y="29155"/>
+                  <a:pt x="5247872" y="0"/>
+                </a:cubicBezTo>
+                <a:cubicBezTo>
+                  <a:pt x="5373625" y="-29155"/>
+                  <a:pt x="5749491" y="1706"/>
+                  <a:pt x="6037130" y="0"/>
+                </a:cubicBezTo>
+                <a:cubicBezTo>
+                  <a:pt x="6324769" y="-1706"/>
+                  <a:pt x="6531407" y="1172"/>
+                  <a:pt x="6729461" y="0"/>
+                </a:cubicBezTo>
+                <a:cubicBezTo>
+                  <a:pt x="6927515" y="-1172"/>
+                  <a:pt x="7096794" y="-1520"/>
+                  <a:pt x="7324867" y="0"/>
+                </a:cubicBezTo>
+                <a:cubicBezTo>
+                  <a:pt x="7552940" y="1520"/>
+                  <a:pt x="7878827" y="-17110"/>
+                  <a:pt x="8114124" y="0"/>
+                </a:cubicBezTo>
+                <a:cubicBezTo>
+                  <a:pt x="8349421" y="17110"/>
+                  <a:pt x="8334208" y="15114"/>
+                  <a:pt x="8515677" y="0"/>
+                </a:cubicBezTo>
+                <a:cubicBezTo>
+                  <a:pt x="8697146" y="-15114"/>
+                  <a:pt x="9236164" y="22466"/>
+                  <a:pt x="9692640" y="0"/>
+                </a:cubicBezTo>
+                <a:cubicBezTo>
+                  <a:pt x="9692735" y="8251"/>
+                  <a:pt x="9692514" y="12333"/>
+                  <a:pt x="9692640" y="18288"/>
+                </a:cubicBezTo>
+                <a:cubicBezTo>
+                  <a:pt x="9410102" y="47398"/>
+                  <a:pt x="9172773" y="7109"/>
+                  <a:pt x="9000309" y="18288"/>
+                </a:cubicBezTo>
+                <a:cubicBezTo>
+                  <a:pt x="8827845" y="29467"/>
+                  <a:pt x="8713608" y="28372"/>
+                  <a:pt x="8501830" y="18288"/>
+                </a:cubicBezTo>
+                <a:cubicBezTo>
+                  <a:pt x="8290052" y="8204"/>
+                  <a:pt x="7893416" y="3561"/>
+                  <a:pt x="7712572" y="18288"/>
+                </a:cubicBezTo>
+                <a:cubicBezTo>
+                  <a:pt x="7531728" y="33015"/>
+                  <a:pt x="7480716" y="17052"/>
+                  <a:pt x="7311020" y="18288"/>
+                </a:cubicBezTo>
+                <a:cubicBezTo>
+                  <a:pt x="7141324" y="19524"/>
+                  <a:pt x="6962706" y="15975"/>
+                  <a:pt x="6618688" y="18288"/>
+                </a:cubicBezTo>
+                <a:cubicBezTo>
+                  <a:pt x="6274670" y="20601"/>
+                  <a:pt x="6230664" y="-1692"/>
+                  <a:pt x="6120210" y="18288"/>
+                </a:cubicBezTo>
+                <a:cubicBezTo>
+                  <a:pt x="6009756" y="38268"/>
+                  <a:pt x="5442516" y="28115"/>
+                  <a:pt x="5234026" y="18288"/>
+                </a:cubicBezTo>
+                <a:cubicBezTo>
+                  <a:pt x="5025536" y="8461"/>
+                  <a:pt x="4953693" y="18182"/>
+                  <a:pt x="4832473" y="18288"/>
+                </a:cubicBezTo>
+                <a:cubicBezTo>
+                  <a:pt x="4711253" y="18394"/>
+                  <a:pt x="4414565" y="-11251"/>
+                  <a:pt x="4140142" y="18288"/>
+                </a:cubicBezTo>
+                <a:cubicBezTo>
+                  <a:pt x="3865719" y="47827"/>
+                  <a:pt x="3819081" y="16772"/>
+                  <a:pt x="3738590" y="18288"/>
+                </a:cubicBezTo>
+                <a:cubicBezTo>
+                  <a:pt x="3658099" y="19804"/>
+                  <a:pt x="3427576" y="1385"/>
+                  <a:pt x="3240111" y="18288"/>
+                </a:cubicBezTo>
+                <a:cubicBezTo>
+                  <a:pt x="3052646" y="35191"/>
+                  <a:pt x="2749652" y="-13914"/>
+                  <a:pt x="2450853" y="18288"/>
+                </a:cubicBezTo>
+                <a:cubicBezTo>
+                  <a:pt x="2152054" y="50490"/>
+                  <a:pt x="1928331" y="61101"/>
+                  <a:pt x="1564669" y="18288"/>
+                </a:cubicBezTo>
+                <a:cubicBezTo>
+                  <a:pt x="1201007" y="-24525"/>
+                  <a:pt x="1217828" y="-275"/>
+                  <a:pt x="1066190" y="18288"/>
+                </a:cubicBezTo>
+                <a:cubicBezTo>
+                  <a:pt x="914552" y="36851"/>
+                  <a:pt x="418290" y="-14785"/>
+                  <a:pt x="0" y="18288"/>
+                </a:cubicBezTo>
+                <a:cubicBezTo>
+                  <a:pt x="641" y="14236"/>
+                  <a:pt x="889" y="7550"/>
+                  <a:pt x="0" y="0"/>
+                </a:cubicBezTo>
+                <a:close/>
+              </a:path>
+            </a:pathLst>
+          </a:custGeom>
+          <a:solidFill>
+            <a:srgbClr val="FFFFFF">
+              <a:alpha val="75000"/>
+            </a:srgbClr>
+          </a:solidFill>
+          <a:ln w="44450" cap="rnd">
+            <a:solidFill>
+              <a:schemeClr val="bg1">
+                <a:alpha val="75000"/>
+              </a:schemeClr>
+            </a:solidFill>
+            <a:round/>
+            <a:extLst>
+              <a:ext uri="{C807C97D-BFC1-408E-A445-0C87EB9F89A2}">
+                <ask:lineSketchStyleProps xmlns:ask="http://schemas.microsoft.com/office/drawing/2018/sketchyshapes" sd="2727557108">
+                  <a:prstGeom prst="rect">
+                    <a:avLst/>
+                  </a:prstGeom>
+                  <ask:type>
+                    <ask:lineSketchFreehand/>
+                  </ask:type>
+                </ask:lineSketchStyleProps>
+              </a:ext>
+            </a:extLst>
+          </a:ln>
+        </p:spPr>
+        <p:style>
+          <a:lnRef idx="2">
+            <a:schemeClr val="accent1">
+              <a:shade val="50000"/>
+            </a:schemeClr>
+          </a:lnRef>
+          <a:fillRef idx="1">
+            <a:schemeClr val="accent1"/>
+          </a:fillRef>
+          <a:effectRef idx="0">
+            <a:schemeClr val="accent1"/>
+          </a:effectRef>
+          <a:fontRef idx="minor">
+            <a:schemeClr val="lt1"/>
+          </a:fontRef>
+        </p:style>
+        <p:txBody>
+          <a:bodyPr rtlCol="0" anchor="ctr"/>
+          <a:lstStyle/>
+          <a:p>
+            <a:pPr algn="ctr"/>
+            <a:endParaRPr lang="en-US"/>
+          </a:p>
+        </p:txBody>
+      </p:sp>
+      <p:pic>
+        <p:nvPicPr>
+          <p:cNvPr id="7" name="Content Placeholder 6" descr="A screenshot of a computer&#10;&#10;Description automatically generated">
+            <a:extLst>
+              <a:ext uri="{FF2B5EF4-FFF2-40B4-BE49-F238E27FC236}">
                 <a16:creationId xmlns:a16="http://schemas.microsoft.com/office/drawing/2014/main" id="{FFD8C635-1D21-7629-08C9-427541EF2666}"/>
               </a:ext>
             </a:extLst>
@@ -9481,7 +10623,7 @@
           <a:p>
             <a:fld id="{13C740AA-7824-4996-A9A9-B0E74C888E41}" type="slidenum">
               <a:rPr lang="de-DE" smtClean="0"/>
-              <a:t>14</a:t>
+              <a:t>15</a:t>
             </a:fld>
             <a:endParaRPr lang="de-DE"/>
           </a:p>
@@ -9551,13 +10693,13 @@
   <p:clrMapOvr>
     <a:masterClrMapping/>
   </p:clrMapOvr>
-  <mc:AlternateContent xmlns:mc="http://schemas.openxmlformats.org/markup-compatibility/2006">
-    <mc:Choice xmlns:p159="http://schemas.microsoft.com/office/powerpoint/2015/09/main" Requires="p159">
+  <mc:AlternateContent xmlns:mc="http://schemas.openxmlformats.org/markup-compatibility/2006" xmlns:p159="http://schemas.microsoft.com/office/powerpoint/2015/09/main">
+    <mc:Choice Requires="p159">
       <p:transition spd="med">
         <p159:morph option="byObject"/>
       </p:transition>
     </mc:Choice>
-    <mc:Fallback>
+    <mc:Fallback xmlns="">
       <p:transition spd="med">
         <p:fade/>
       </p:transition>
@@ -15548,8 +16690,21 @@
                   <a:schemeClr val="bg1"/>
                 </a:solidFill>
               </a:rPr>
-              <a:t> für Management</a:t>
-            </a:r>
+              <a:t> der </a:t>
+            </a:r>
+            <a:r>
+              <a:rPr lang="en-US" sz="2200" dirty="0" err="1">
+                <a:solidFill>
+                  <a:schemeClr val="bg1"/>
+                </a:solidFill>
+              </a:rPr>
+              <a:t>Projekte</a:t>
+            </a:r>
+            <a:endParaRPr lang="en-US" sz="2200" dirty="0">
+              <a:solidFill>
+                <a:schemeClr val="bg1"/>
+              </a:solidFill>
+            </a:endParaRPr>
           </a:p>
           <a:p>
             <a:pPr marL="0" indent="0">
@@ -20938,13 +22093,13 @@
   <p:clrMapOvr>
     <a:masterClrMapping/>
   </p:clrMapOvr>
-  <mc:AlternateContent xmlns:mc="http://schemas.openxmlformats.org/markup-compatibility/2006">
-    <mc:Choice xmlns:p159="http://schemas.microsoft.com/office/powerpoint/2015/09/main" Requires="p159">
+  <mc:AlternateContent xmlns:mc="http://schemas.openxmlformats.org/markup-compatibility/2006" xmlns:p159="http://schemas.microsoft.com/office/powerpoint/2015/09/main">
+    <mc:Choice Requires="p159">
       <p:transition spd="med">
         <p159:morph option="byObject"/>
       </p:transition>
     </mc:Choice>
-    <mc:Fallback>
+    <mc:Fallback xmlns="">
       <p:transition spd="med">
         <p:fade/>
       </p:transition>
@@ -21106,7 +22261,7 @@
                   <a:schemeClr val="bg1"/>
                 </a:solidFill>
               </a:rPr>
-              <a:t>Screenshots</a:t>
+              <a:t>Login</a:t>
             </a:r>
           </a:p>
         </p:txBody>
@@ -21688,7 +22843,7 @@
           <p:cNvPr id="7" name="Content Placeholder 6" descr="A screenshot of a computer&#10;&#10;Description automatically generated">
             <a:extLst>
               <a:ext uri="{FF2B5EF4-FFF2-40B4-BE49-F238E27FC236}">
-                <a16:creationId xmlns:a16="http://schemas.microsoft.com/office/drawing/2014/main" id="{5B52F0C3-D396-62D4-82C2-EC6641D2AB32}"/>
+                <a16:creationId xmlns:a16="http://schemas.microsoft.com/office/drawing/2014/main" id="{62173EBA-DCD2-8FE9-AFB0-751CA8DB079C}"/>
               </a:ext>
             </a:extLst>
           </p:cNvPr>
@@ -21713,8 +22868,8 @@
         </p:blipFill>
         <p:spPr>
           <a:xfrm>
-            <a:off x="1072826" y="1939735"/>
-            <a:ext cx="6328100" cy="4371703"/>
+            <a:off x="1049786" y="1995302"/>
+            <a:ext cx="7203872" cy="4306184"/>
           </a:xfrm>
         </p:spPr>
       </p:pic>
@@ -21931,7 +23086,7 @@
           <p:cNvPr id="8" name="Arrow: Right 7">
             <a:extLst>
               <a:ext uri="{FF2B5EF4-FFF2-40B4-BE49-F238E27FC236}">
-                <a16:creationId xmlns:a16="http://schemas.microsoft.com/office/drawing/2014/main" id="{7018617B-62C0-41E9-0B44-588AB9198BE5}"/>
+                <a16:creationId xmlns:a16="http://schemas.microsoft.com/office/drawing/2014/main" id="{F6F5569A-7AD7-5FF7-0777-77FB02E2A7DC}"/>
               </a:ext>
             </a:extLst>
           </p:cNvPr>
@@ -21940,7 +23095,7 @@
         </p:nvSpPr>
         <p:spPr>
           <a:xfrm>
-            <a:off x="8992788" y="4963020"/>
+            <a:off x="8992788" y="4953495"/>
             <a:ext cx="657225" cy="482601"/>
           </a:xfrm>
           <a:prstGeom prst="rightArrow">
@@ -21983,7 +23138,7 @@
     </p:spTree>
     <p:extLst>
       <p:ext uri="{BB962C8B-B14F-4D97-AF65-F5344CB8AC3E}">
-        <p14:creationId xmlns:p14="http://schemas.microsoft.com/office/powerpoint/2010/main" val="591343553"/>
+        <p14:creationId xmlns:p14="http://schemas.microsoft.com/office/powerpoint/2010/main" val="2648727513"/>
       </p:ext>
     </p:extLst>
   </p:cSld>
@@ -22153,12 +23308,20 @@
           <a:lstStyle/>
           <a:p>
             <a:r>
+              <a:rPr lang="en-US" sz="5400" dirty="0" err="1">
+                <a:solidFill>
+                  <a:schemeClr val="bg1"/>
+                </a:solidFill>
+              </a:rPr>
+              <a:t>Übersicht</a:t>
+            </a:r>
+            <a:r>
               <a:rPr lang="en-US" sz="5400" dirty="0">
                 <a:solidFill>
                   <a:schemeClr val="bg1"/>
                 </a:solidFill>
               </a:rPr>
-              <a:t>Screenshots</a:t>
+              <a:t> Mitarbeiter</a:t>
             </a:r>
           </a:p>
         </p:txBody>

--- a/Präst_Profitabilität.pptx
+++ b/Präst_Profitabilität.pptx
@@ -5,7 +5,7 @@
     <p:sldMasterId id="2147483648" r:id="rId1"/>
   </p:sldMasterIdLst>
   <p:notesMasterIdLst>
-    <p:notesMasterId r:id="rId17"/>
+    <p:notesMasterId r:id="rId18"/>
   </p:notesMasterIdLst>
   <p:sldIdLst>
     <p:sldId id="256" r:id="rId2"/>
@@ -23,6 +23,7 @@
     <p:sldId id="271" r:id="rId14"/>
     <p:sldId id="268" r:id="rId15"/>
     <p:sldId id="270" r:id="rId16"/>
+    <p:sldId id="272" r:id="rId17"/>
   </p:sldIdLst>
   <p:sldSz cx="12192000" cy="6858000"/>
   <p:notesSz cx="6858000" cy="9144000"/>
@@ -8571,13 +8572,13 @@
   <p:clrMapOvr>
     <a:masterClrMapping/>
   </p:clrMapOvr>
-  <mc:AlternateContent xmlns:mc="http://schemas.openxmlformats.org/markup-compatibility/2006">
-    <mc:Choice xmlns:p159="http://schemas.microsoft.com/office/powerpoint/2015/09/main" Requires="p159">
+  <mc:AlternateContent xmlns:mc="http://schemas.openxmlformats.org/markup-compatibility/2006" xmlns:p159="http://schemas.microsoft.com/office/powerpoint/2015/09/main">
+    <mc:Choice Requires="p159">
       <p:transition spd="med">
         <p159:morph option="byObject"/>
       </p:transition>
     </mc:Choice>
-    <mc:Fallback>
+    <mc:Fallback xmlns="">
       <p:transition spd="med">
         <p:fade/>
       </p:transition>
@@ -10700,6 +10701,896 @@
       </p:transition>
     </mc:Choice>
     <mc:Fallback xmlns="">
+      <p:transition spd="med">
+        <p:fade/>
+      </p:transition>
+    </mc:Fallback>
+  </mc:AlternateContent>
+</p:sld>
+</file>
+
+<file path=ppt/slides/slide16.xml><?xml version="1.0" encoding="utf-8"?>
+<p:sld xmlns:a="http://schemas.openxmlformats.org/drawingml/2006/main" xmlns:r="http://schemas.openxmlformats.org/officeDocument/2006/relationships" xmlns:p="http://schemas.openxmlformats.org/presentationml/2006/main">
+  <p:cSld>
+    <p:bg>
+      <p:bgPr>
+        <a:solidFill>
+          <a:schemeClr val="bg1"/>
+        </a:solidFill>
+        <a:effectLst/>
+      </p:bgPr>
+    </p:bg>
+    <p:spTree>
+      <p:nvGrpSpPr>
+        <p:cNvPr id="1" name=""/>
+        <p:cNvGrpSpPr/>
+        <p:nvPr/>
+      </p:nvGrpSpPr>
+      <p:grpSpPr>
+        <a:xfrm>
+          <a:off x="0" y="0"/>
+          <a:ext cx="0" cy="0"/>
+          <a:chOff x="0" y="0"/>
+          <a:chExt cx="0" cy="0"/>
+        </a:xfrm>
+      </p:grpSpPr>
+      <p:sp>
+        <p:nvSpPr>
+          <p:cNvPr id="23" name="Rectangle 22">
+            <a:extLst>
+              <a:ext uri="{FF2B5EF4-FFF2-40B4-BE49-F238E27FC236}">
+                <a16:creationId xmlns:a16="http://schemas.microsoft.com/office/drawing/2014/main" id="{1A9F7B4E-B03D-4F64-BE33-00D074458D45}"/>
+              </a:ext>
+              <a:ext uri="{C183D7F6-B498-43B3-948B-1728B52AA6E4}">
+                <adec:decorative xmlns:adec="http://schemas.microsoft.com/office/drawing/2017/decorative" val="1"/>
+              </a:ext>
+            </a:extLst>
+          </p:cNvPr>
+          <p:cNvSpPr>
+            <a:spLocks noGrp="1" noRot="1" noChangeAspect="1" noMove="1" noResize="1" noEditPoints="1" noAdjustHandles="1" noChangeArrowheads="1" noChangeShapeType="1" noTextEdit="1"/>
+          </p:cNvSpPr>
+          <p:nvPr>
+            <p:extLst>
+              <p:ext uri="{386F3935-93C4-4BCD-93E2-E3B085C9AB24}">
+                <p16:designElem xmlns:p16="http://schemas.microsoft.com/office/powerpoint/2015/main" val="1"/>
+              </p:ext>
+            </p:extLst>
+          </p:nvPr>
+        </p:nvSpPr>
+        <p:spPr>
+          <a:xfrm>
+            <a:off x="0" y="0"/>
+            <a:ext cx="12188952" cy="6858000"/>
+          </a:xfrm>
+          <a:prstGeom prst="rect">
+            <a:avLst/>
+          </a:prstGeom>
+          <a:solidFill>
+            <a:schemeClr val="tx1"/>
+          </a:solidFill>
+          <a:ln>
+            <a:noFill/>
+          </a:ln>
+        </p:spPr>
+        <p:style>
+          <a:lnRef idx="2">
+            <a:schemeClr val="accent1">
+              <a:shade val="50000"/>
+            </a:schemeClr>
+          </a:lnRef>
+          <a:fillRef idx="1">
+            <a:schemeClr val="accent1"/>
+          </a:fillRef>
+          <a:effectRef idx="0">
+            <a:schemeClr val="accent1"/>
+          </a:effectRef>
+          <a:fontRef idx="minor">
+            <a:schemeClr val="lt1"/>
+          </a:fontRef>
+        </p:style>
+        <p:txBody>
+          <a:bodyPr rtlCol="0" anchor="ctr"/>
+          <a:lstStyle/>
+          <a:p>
+            <a:pPr algn="ctr"/>
+            <a:endParaRPr lang="en-US"/>
+          </a:p>
+        </p:txBody>
+      </p:sp>
+      <p:pic>
+        <p:nvPicPr>
+          <p:cNvPr id="18" name="Picture 17" descr="A blue and green lines on a black background&#10;&#10;Description automatically generated">
+            <a:extLst>
+              <a:ext uri="{FF2B5EF4-FFF2-40B4-BE49-F238E27FC236}">
+                <a16:creationId xmlns:a16="http://schemas.microsoft.com/office/drawing/2014/main" id="{9E2CA162-4ACE-88C3-D272-088E41436A49}"/>
+              </a:ext>
+            </a:extLst>
+          </p:cNvPr>
+          <p:cNvPicPr>
+            <a:picLocks noChangeAspect="1"/>
+          </p:cNvPicPr>
+          <p:nvPr/>
+        </p:nvPicPr>
+        <p:blipFill rotWithShape="1">
+          <a:blip r:embed="rId2">
+            <a:alphaModFix amt="40000"/>
+          </a:blip>
+          <a:srcRect t="13655" b="6840"/>
+          <a:stretch/>
+        </p:blipFill>
+        <p:spPr>
+          <a:xfrm>
+            <a:off x="20" y="10"/>
+            <a:ext cx="12191979" cy="6857990"/>
+          </a:xfrm>
+          <a:prstGeom prst="rect">
+            <a:avLst/>
+          </a:prstGeom>
+        </p:spPr>
+      </p:pic>
+      <p:sp>
+        <p:nvSpPr>
+          <p:cNvPr id="2" name="Title 1">
+            <a:extLst>
+              <a:ext uri="{FF2B5EF4-FFF2-40B4-BE49-F238E27FC236}">
+                <a16:creationId xmlns:a16="http://schemas.microsoft.com/office/drawing/2014/main" id="{61CE0095-EFE9-6204-1ACC-4BEB3E59878B}"/>
+              </a:ext>
+            </a:extLst>
+          </p:cNvPr>
+          <p:cNvSpPr>
+            <a:spLocks noGrp="1"/>
+          </p:cNvSpPr>
+          <p:nvPr>
+            <p:ph type="title"/>
+          </p:nvPr>
+        </p:nvSpPr>
+        <p:spPr>
+          <a:xfrm>
+            <a:off x="838200" y="365125"/>
+            <a:ext cx="10515600" cy="1325563"/>
+          </a:xfrm>
+        </p:spPr>
+        <p:txBody>
+          <a:bodyPr vert="horz" lIns="91440" tIns="45720" rIns="91440" bIns="45720" rtlCol="0">
+            <a:normAutofit/>
+          </a:bodyPr>
+          <a:lstStyle/>
+          <a:p>
+            <a:r>
+              <a:rPr lang="en-US" sz="5400" dirty="0" err="1">
+                <a:solidFill>
+                  <a:schemeClr val="bg1"/>
+                </a:solidFill>
+              </a:rPr>
+              <a:t>Projekt</a:t>
+            </a:r>
+            <a:r>
+              <a:rPr lang="en-US" sz="5400" dirty="0">
+                <a:solidFill>
+                  <a:schemeClr val="bg1"/>
+                </a:solidFill>
+              </a:rPr>
+              <a:t> </a:t>
+            </a:r>
+            <a:r>
+              <a:rPr lang="en-US" sz="5400" dirty="0" err="1">
+                <a:solidFill>
+                  <a:schemeClr val="bg1"/>
+                </a:solidFill>
+              </a:rPr>
+              <a:t>Profitabilität</a:t>
+            </a:r>
+            <a:endParaRPr lang="en-US" sz="5400" dirty="0">
+              <a:solidFill>
+                <a:schemeClr val="bg1"/>
+              </a:solidFill>
+            </a:endParaRPr>
+          </a:p>
+        </p:txBody>
+      </p:sp>
+      <p:sp>
+        <p:nvSpPr>
+          <p:cNvPr id="25" name="sketchy line">
+            <a:extLst>
+              <a:ext uri="{FF2B5EF4-FFF2-40B4-BE49-F238E27FC236}">
+                <a16:creationId xmlns:a16="http://schemas.microsoft.com/office/drawing/2014/main" id="{7E2BE7F7-CA89-4002-ACCE-A478AEA24F5E}"/>
+              </a:ext>
+              <a:ext uri="{C183D7F6-B498-43B3-948B-1728B52AA6E4}">
+                <adec:decorative xmlns:adec="http://schemas.microsoft.com/office/drawing/2017/decorative" val="1"/>
+              </a:ext>
+            </a:extLst>
+          </p:cNvPr>
+          <p:cNvSpPr>
+            <a:spLocks noGrp="1" noRot="1" noChangeAspect="1" noMove="1" noResize="1" noEditPoints="1" noAdjustHandles="1" noChangeArrowheads="1" noChangeShapeType="1" noTextEdit="1"/>
+          </p:cNvSpPr>
+          <p:nvPr>
+            <p:extLst>
+              <p:ext uri="{386F3935-93C4-4BCD-93E2-E3B085C9AB24}">
+                <p16:designElem xmlns:p16="http://schemas.microsoft.com/office/powerpoint/2015/main" val="1"/>
+              </p:ext>
+            </p:extLst>
+          </p:nvPr>
+        </p:nvSpPr>
+        <p:spPr>
+          <a:xfrm>
+            <a:off x="914399" y="1681544"/>
+            <a:ext cx="9692640" cy="18288"/>
+          </a:xfrm>
+          <a:custGeom>
+            <a:avLst/>
+            <a:gdLst>
+              <a:gd name="connsiteX0" fmla="*/ 0 w 9692640"/>
+              <a:gd name="connsiteY0" fmla="*/ 0 h 18288"/>
+              <a:gd name="connsiteX1" fmla="*/ 401552 w 9692640"/>
+              <a:gd name="connsiteY1" fmla="*/ 0 h 18288"/>
+              <a:gd name="connsiteX2" fmla="*/ 996957 w 9692640"/>
+              <a:gd name="connsiteY2" fmla="*/ 0 h 18288"/>
+              <a:gd name="connsiteX3" fmla="*/ 1398509 w 9692640"/>
+              <a:gd name="connsiteY3" fmla="*/ 0 h 18288"/>
+              <a:gd name="connsiteX4" fmla="*/ 2090841 w 9692640"/>
+              <a:gd name="connsiteY4" fmla="*/ 0 h 18288"/>
+              <a:gd name="connsiteX5" fmla="*/ 2686246 w 9692640"/>
+              <a:gd name="connsiteY5" fmla="*/ 0 h 18288"/>
+              <a:gd name="connsiteX6" fmla="*/ 3475504 w 9692640"/>
+              <a:gd name="connsiteY6" fmla="*/ 0 h 18288"/>
+              <a:gd name="connsiteX7" fmla="*/ 4361688 w 9692640"/>
+              <a:gd name="connsiteY7" fmla="*/ 0 h 18288"/>
+              <a:gd name="connsiteX8" fmla="*/ 5054019 w 9692640"/>
+              <a:gd name="connsiteY8" fmla="*/ 0 h 18288"/>
+              <a:gd name="connsiteX9" fmla="*/ 5940204 w 9692640"/>
+              <a:gd name="connsiteY9" fmla="*/ 0 h 18288"/>
+              <a:gd name="connsiteX10" fmla="*/ 6632535 w 9692640"/>
+              <a:gd name="connsiteY10" fmla="*/ 0 h 18288"/>
+              <a:gd name="connsiteX11" fmla="*/ 7034087 w 9692640"/>
+              <a:gd name="connsiteY11" fmla="*/ 0 h 18288"/>
+              <a:gd name="connsiteX12" fmla="*/ 7532566 w 9692640"/>
+              <a:gd name="connsiteY12" fmla="*/ 0 h 18288"/>
+              <a:gd name="connsiteX13" fmla="*/ 8418750 w 9692640"/>
+              <a:gd name="connsiteY13" fmla="*/ 0 h 18288"/>
+              <a:gd name="connsiteX14" fmla="*/ 9692640 w 9692640"/>
+              <a:gd name="connsiteY14" fmla="*/ 0 h 18288"/>
+              <a:gd name="connsiteX15" fmla="*/ 9692640 w 9692640"/>
+              <a:gd name="connsiteY15" fmla="*/ 18288 h 18288"/>
+              <a:gd name="connsiteX16" fmla="*/ 9000309 w 9692640"/>
+              <a:gd name="connsiteY16" fmla="*/ 18288 h 18288"/>
+              <a:gd name="connsiteX17" fmla="*/ 8307977 w 9692640"/>
+              <a:gd name="connsiteY17" fmla="*/ 18288 h 18288"/>
+              <a:gd name="connsiteX18" fmla="*/ 7712572 w 9692640"/>
+              <a:gd name="connsiteY18" fmla="*/ 18288 h 18288"/>
+              <a:gd name="connsiteX19" fmla="*/ 7214093 w 9692640"/>
+              <a:gd name="connsiteY19" fmla="*/ 18288 h 18288"/>
+              <a:gd name="connsiteX20" fmla="*/ 6327909 w 9692640"/>
+              <a:gd name="connsiteY20" fmla="*/ 18288 h 18288"/>
+              <a:gd name="connsiteX21" fmla="*/ 5635578 w 9692640"/>
+              <a:gd name="connsiteY21" fmla="*/ 18288 h 18288"/>
+              <a:gd name="connsiteX22" fmla="*/ 4846320 w 9692640"/>
+              <a:gd name="connsiteY22" fmla="*/ 18288 h 18288"/>
+              <a:gd name="connsiteX23" fmla="*/ 4444768 w 9692640"/>
+              <a:gd name="connsiteY23" fmla="*/ 18288 h 18288"/>
+              <a:gd name="connsiteX24" fmla="*/ 3946289 w 9692640"/>
+              <a:gd name="connsiteY24" fmla="*/ 18288 h 18288"/>
+              <a:gd name="connsiteX25" fmla="*/ 3253958 w 9692640"/>
+              <a:gd name="connsiteY25" fmla="*/ 18288 h 18288"/>
+              <a:gd name="connsiteX26" fmla="*/ 2464700 w 9692640"/>
+              <a:gd name="connsiteY26" fmla="*/ 18288 h 18288"/>
+              <a:gd name="connsiteX27" fmla="*/ 2063148 w 9692640"/>
+              <a:gd name="connsiteY27" fmla="*/ 18288 h 18288"/>
+              <a:gd name="connsiteX28" fmla="*/ 1661595 w 9692640"/>
+              <a:gd name="connsiteY28" fmla="*/ 18288 h 18288"/>
+              <a:gd name="connsiteX29" fmla="*/ 969264 w 9692640"/>
+              <a:gd name="connsiteY29" fmla="*/ 18288 h 18288"/>
+              <a:gd name="connsiteX30" fmla="*/ 0 w 9692640"/>
+              <a:gd name="connsiteY30" fmla="*/ 18288 h 18288"/>
+              <a:gd name="connsiteX31" fmla="*/ 0 w 9692640"/>
+              <a:gd name="connsiteY31" fmla="*/ 0 h 18288"/>
+            </a:gdLst>
+            <a:ahLst/>
+            <a:cxnLst>
+              <a:cxn ang="0">
+                <a:pos x="connsiteX0" y="connsiteY0"/>
+              </a:cxn>
+              <a:cxn ang="0">
+                <a:pos x="connsiteX1" y="connsiteY1"/>
+              </a:cxn>
+              <a:cxn ang="0">
+                <a:pos x="connsiteX2" y="connsiteY2"/>
+              </a:cxn>
+              <a:cxn ang="0">
+                <a:pos x="connsiteX3" y="connsiteY3"/>
+              </a:cxn>
+              <a:cxn ang="0">
+                <a:pos x="connsiteX4" y="connsiteY4"/>
+              </a:cxn>
+              <a:cxn ang="0">
+                <a:pos x="connsiteX5" y="connsiteY5"/>
+              </a:cxn>
+              <a:cxn ang="0">
+                <a:pos x="connsiteX6" y="connsiteY6"/>
+              </a:cxn>
+              <a:cxn ang="0">
+                <a:pos x="connsiteX7" y="connsiteY7"/>
+              </a:cxn>
+              <a:cxn ang="0">
+                <a:pos x="connsiteX8" y="connsiteY8"/>
+              </a:cxn>
+              <a:cxn ang="0">
+                <a:pos x="connsiteX9" y="connsiteY9"/>
+              </a:cxn>
+              <a:cxn ang="0">
+                <a:pos x="connsiteX10" y="connsiteY10"/>
+              </a:cxn>
+              <a:cxn ang="0">
+                <a:pos x="connsiteX11" y="connsiteY11"/>
+              </a:cxn>
+              <a:cxn ang="0">
+                <a:pos x="connsiteX12" y="connsiteY12"/>
+              </a:cxn>
+              <a:cxn ang="0">
+                <a:pos x="connsiteX13" y="connsiteY13"/>
+              </a:cxn>
+              <a:cxn ang="0">
+                <a:pos x="connsiteX14" y="connsiteY14"/>
+              </a:cxn>
+              <a:cxn ang="0">
+                <a:pos x="connsiteX15" y="connsiteY15"/>
+              </a:cxn>
+              <a:cxn ang="0">
+                <a:pos x="connsiteX16" y="connsiteY16"/>
+              </a:cxn>
+              <a:cxn ang="0">
+                <a:pos x="connsiteX17" y="connsiteY17"/>
+              </a:cxn>
+              <a:cxn ang="0">
+                <a:pos x="connsiteX18" y="connsiteY18"/>
+              </a:cxn>
+              <a:cxn ang="0">
+                <a:pos x="connsiteX19" y="connsiteY19"/>
+              </a:cxn>
+              <a:cxn ang="0">
+                <a:pos x="connsiteX20" y="connsiteY20"/>
+              </a:cxn>
+              <a:cxn ang="0">
+                <a:pos x="connsiteX21" y="connsiteY21"/>
+              </a:cxn>
+              <a:cxn ang="0">
+                <a:pos x="connsiteX22" y="connsiteY22"/>
+              </a:cxn>
+              <a:cxn ang="0">
+                <a:pos x="connsiteX23" y="connsiteY23"/>
+              </a:cxn>
+              <a:cxn ang="0">
+                <a:pos x="connsiteX24" y="connsiteY24"/>
+              </a:cxn>
+              <a:cxn ang="0">
+                <a:pos x="connsiteX25" y="connsiteY25"/>
+              </a:cxn>
+              <a:cxn ang="0">
+                <a:pos x="connsiteX26" y="connsiteY26"/>
+              </a:cxn>
+              <a:cxn ang="0">
+                <a:pos x="connsiteX27" y="connsiteY27"/>
+              </a:cxn>
+              <a:cxn ang="0">
+                <a:pos x="connsiteX28" y="connsiteY28"/>
+              </a:cxn>
+              <a:cxn ang="0">
+                <a:pos x="connsiteX29" y="connsiteY29"/>
+              </a:cxn>
+              <a:cxn ang="0">
+                <a:pos x="connsiteX30" y="connsiteY30"/>
+              </a:cxn>
+              <a:cxn ang="0">
+                <a:pos x="connsiteX31" y="connsiteY31"/>
+              </a:cxn>
+            </a:cxnLst>
+            <a:rect l="l" t="t" r="r" b="b"/>
+            <a:pathLst>
+              <a:path w="9692640" h="18288" fill="none" extrusionOk="0">
+                <a:moveTo>
+                  <a:pt x="0" y="0"/>
+                </a:moveTo>
+                <a:cubicBezTo>
+                  <a:pt x="142992" y="4732"/>
+                  <a:pt x="265909" y="-3365"/>
+                  <a:pt x="401552" y="0"/>
+                </a:cubicBezTo>
+                <a:cubicBezTo>
+                  <a:pt x="537195" y="3365"/>
+                  <a:pt x="738153" y="6482"/>
+                  <a:pt x="996957" y="0"/>
+                </a:cubicBezTo>
+                <a:cubicBezTo>
+                  <a:pt x="1255762" y="-6482"/>
+                  <a:pt x="1280511" y="12509"/>
+                  <a:pt x="1398509" y="0"/>
+                </a:cubicBezTo>
+                <a:cubicBezTo>
+                  <a:pt x="1516507" y="-12509"/>
+                  <a:pt x="1782573" y="-31523"/>
+                  <a:pt x="2090841" y="0"/>
+                </a:cubicBezTo>
+                <a:cubicBezTo>
+                  <a:pt x="2399109" y="31523"/>
+                  <a:pt x="2488380" y="26286"/>
+                  <a:pt x="2686246" y="0"/>
+                </a:cubicBezTo>
+                <a:cubicBezTo>
+                  <a:pt x="2884112" y="-26286"/>
+                  <a:pt x="3186024" y="-14734"/>
+                  <a:pt x="3475504" y="0"/>
+                </a:cubicBezTo>
+                <a:cubicBezTo>
+                  <a:pt x="3764984" y="14734"/>
+                  <a:pt x="4053017" y="43292"/>
+                  <a:pt x="4361688" y="0"/>
+                </a:cubicBezTo>
+                <a:cubicBezTo>
+                  <a:pt x="4670359" y="-43292"/>
+                  <a:pt x="4736164" y="-729"/>
+                  <a:pt x="5054019" y="0"/>
+                </a:cubicBezTo>
+                <a:cubicBezTo>
+                  <a:pt x="5371874" y="729"/>
+                  <a:pt x="5543528" y="-22963"/>
+                  <a:pt x="5940204" y="0"/>
+                </a:cubicBezTo>
+                <a:cubicBezTo>
+                  <a:pt x="6336881" y="22963"/>
+                  <a:pt x="6423838" y="6469"/>
+                  <a:pt x="6632535" y="0"/>
+                </a:cubicBezTo>
+                <a:cubicBezTo>
+                  <a:pt x="6841232" y="-6469"/>
+                  <a:pt x="6852819" y="17036"/>
+                  <a:pt x="7034087" y="0"/>
+                </a:cubicBezTo>
+                <a:cubicBezTo>
+                  <a:pt x="7215355" y="-17036"/>
+                  <a:pt x="7313136" y="11151"/>
+                  <a:pt x="7532566" y="0"/>
+                </a:cubicBezTo>
+                <a:cubicBezTo>
+                  <a:pt x="7751996" y="-11151"/>
+                  <a:pt x="8015001" y="25614"/>
+                  <a:pt x="8418750" y="0"/>
+                </a:cubicBezTo>
+                <a:cubicBezTo>
+                  <a:pt x="8822499" y="-25614"/>
+                  <a:pt x="9163239" y="48603"/>
+                  <a:pt x="9692640" y="0"/>
+                </a:cubicBezTo>
+                <a:cubicBezTo>
+                  <a:pt x="9691955" y="4437"/>
+                  <a:pt x="9693170" y="10717"/>
+                  <a:pt x="9692640" y="18288"/>
+                </a:cubicBezTo>
+                <a:cubicBezTo>
+                  <a:pt x="9545125" y="42172"/>
+                  <a:pt x="9164259" y="6706"/>
+                  <a:pt x="9000309" y="18288"/>
+                </a:cubicBezTo>
+                <a:cubicBezTo>
+                  <a:pt x="8836359" y="29870"/>
+                  <a:pt x="8521035" y="-14108"/>
+                  <a:pt x="8307977" y="18288"/>
+                </a:cubicBezTo>
+                <a:cubicBezTo>
+                  <a:pt x="8094919" y="50684"/>
+                  <a:pt x="7881757" y="11235"/>
+                  <a:pt x="7712572" y="18288"/>
+                </a:cubicBezTo>
+                <a:cubicBezTo>
+                  <a:pt x="7543387" y="25341"/>
+                  <a:pt x="7358861" y="20625"/>
+                  <a:pt x="7214093" y="18288"/>
+                </a:cubicBezTo>
+                <a:cubicBezTo>
+                  <a:pt x="7069325" y="15951"/>
+                  <a:pt x="6523705" y="52160"/>
+                  <a:pt x="6327909" y="18288"/>
+                </a:cubicBezTo>
+                <a:cubicBezTo>
+                  <a:pt x="6132113" y="-15584"/>
+                  <a:pt x="5923847" y="21204"/>
+                  <a:pt x="5635578" y="18288"/>
+                </a:cubicBezTo>
+                <a:cubicBezTo>
+                  <a:pt x="5347309" y="15372"/>
+                  <a:pt x="5114749" y="50642"/>
+                  <a:pt x="4846320" y="18288"/>
+                </a:cubicBezTo>
+                <a:cubicBezTo>
+                  <a:pt x="4577891" y="-14066"/>
+                  <a:pt x="4576701" y="1487"/>
+                  <a:pt x="4444768" y="18288"/>
+                </a:cubicBezTo>
+                <a:cubicBezTo>
+                  <a:pt x="4312835" y="35089"/>
+                  <a:pt x="4112575" y="15158"/>
+                  <a:pt x="3946289" y="18288"/>
+                </a:cubicBezTo>
+                <a:cubicBezTo>
+                  <a:pt x="3780003" y="21418"/>
+                  <a:pt x="3396009" y="18797"/>
+                  <a:pt x="3253958" y="18288"/>
+                </a:cubicBezTo>
+                <a:cubicBezTo>
+                  <a:pt x="3111907" y="17779"/>
+                  <a:pt x="2760272" y="57223"/>
+                  <a:pt x="2464700" y="18288"/>
+                </a:cubicBezTo>
+                <a:cubicBezTo>
+                  <a:pt x="2169128" y="-20647"/>
+                  <a:pt x="2232262" y="7960"/>
+                  <a:pt x="2063148" y="18288"/>
+                </a:cubicBezTo>
+                <a:cubicBezTo>
+                  <a:pt x="1894034" y="28616"/>
+                  <a:pt x="1799338" y="3019"/>
+                  <a:pt x="1661595" y="18288"/>
+                </a:cubicBezTo>
+                <a:cubicBezTo>
+                  <a:pt x="1523852" y="33557"/>
+                  <a:pt x="1113928" y="-4352"/>
+                  <a:pt x="969264" y="18288"/>
+                </a:cubicBezTo>
+                <a:cubicBezTo>
+                  <a:pt x="824600" y="40928"/>
+                  <a:pt x="356149" y="-3128"/>
+                  <a:pt x="0" y="18288"/>
+                </a:cubicBezTo>
+                <a:cubicBezTo>
+                  <a:pt x="-540" y="12521"/>
+                  <a:pt x="894" y="7749"/>
+                  <a:pt x="0" y="0"/>
+                </a:cubicBezTo>
+                <a:close/>
+              </a:path>
+              <a:path w="9692640" h="18288" stroke="0" extrusionOk="0">
+                <a:moveTo>
+                  <a:pt x="0" y="0"/>
+                </a:moveTo>
+                <a:cubicBezTo>
+                  <a:pt x="162642" y="3864"/>
+                  <a:pt x="346119" y="-18364"/>
+                  <a:pt x="498479" y="0"/>
+                </a:cubicBezTo>
+                <a:cubicBezTo>
+                  <a:pt x="650839" y="18364"/>
+                  <a:pt x="712065" y="-9389"/>
+                  <a:pt x="900031" y="0"/>
+                </a:cubicBezTo>
+                <a:cubicBezTo>
+                  <a:pt x="1087997" y="9389"/>
+                  <a:pt x="1177291" y="3685"/>
+                  <a:pt x="1398509" y="0"/>
+                </a:cubicBezTo>
+                <a:cubicBezTo>
+                  <a:pt x="1619727" y="-3685"/>
+                  <a:pt x="1874008" y="-8897"/>
+                  <a:pt x="2090841" y="0"/>
+                </a:cubicBezTo>
+                <a:cubicBezTo>
+                  <a:pt x="2307674" y="8897"/>
+                  <a:pt x="2573432" y="-313"/>
+                  <a:pt x="2880099" y="0"/>
+                </a:cubicBezTo>
+                <a:cubicBezTo>
+                  <a:pt x="3186766" y="313"/>
+                  <a:pt x="3422577" y="10664"/>
+                  <a:pt x="3766283" y="0"/>
+                </a:cubicBezTo>
+                <a:cubicBezTo>
+                  <a:pt x="4109989" y="-10664"/>
+                  <a:pt x="4342683" y="-32873"/>
+                  <a:pt x="4652467" y="0"/>
+                </a:cubicBezTo>
+                <a:cubicBezTo>
+                  <a:pt x="4962251" y="32873"/>
+                  <a:pt x="5122120" y="29155"/>
+                  <a:pt x="5247872" y="0"/>
+                </a:cubicBezTo>
+                <a:cubicBezTo>
+                  <a:pt x="5373625" y="-29155"/>
+                  <a:pt x="5749491" y="1706"/>
+                  <a:pt x="6037130" y="0"/>
+                </a:cubicBezTo>
+                <a:cubicBezTo>
+                  <a:pt x="6324769" y="-1706"/>
+                  <a:pt x="6531407" y="1172"/>
+                  <a:pt x="6729461" y="0"/>
+                </a:cubicBezTo>
+                <a:cubicBezTo>
+                  <a:pt x="6927515" y="-1172"/>
+                  <a:pt x="7096794" y="-1520"/>
+                  <a:pt x="7324867" y="0"/>
+                </a:cubicBezTo>
+                <a:cubicBezTo>
+                  <a:pt x="7552940" y="1520"/>
+                  <a:pt x="7878827" y="-17110"/>
+                  <a:pt x="8114124" y="0"/>
+                </a:cubicBezTo>
+                <a:cubicBezTo>
+                  <a:pt x="8349421" y="17110"/>
+                  <a:pt x="8334208" y="15114"/>
+                  <a:pt x="8515677" y="0"/>
+                </a:cubicBezTo>
+                <a:cubicBezTo>
+                  <a:pt x="8697146" y="-15114"/>
+                  <a:pt x="9236164" y="22466"/>
+                  <a:pt x="9692640" y="0"/>
+                </a:cubicBezTo>
+                <a:cubicBezTo>
+                  <a:pt x="9692735" y="8251"/>
+                  <a:pt x="9692514" y="12333"/>
+                  <a:pt x="9692640" y="18288"/>
+                </a:cubicBezTo>
+                <a:cubicBezTo>
+                  <a:pt x="9410102" y="47398"/>
+                  <a:pt x="9172773" y="7109"/>
+                  <a:pt x="9000309" y="18288"/>
+                </a:cubicBezTo>
+                <a:cubicBezTo>
+                  <a:pt x="8827845" y="29467"/>
+                  <a:pt x="8713608" y="28372"/>
+                  <a:pt x="8501830" y="18288"/>
+                </a:cubicBezTo>
+                <a:cubicBezTo>
+                  <a:pt x="8290052" y="8204"/>
+                  <a:pt x="7893416" y="3561"/>
+                  <a:pt x="7712572" y="18288"/>
+                </a:cubicBezTo>
+                <a:cubicBezTo>
+                  <a:pt x="7531728" y="33015"/>
+                  <a:pt x="7480716" y="17052"/>
+                  <a:pt x="7311020" y="18288"/>
+                </a:cubicBezTo>
+                <a:cubicBezTo>
+                  <a:pt x="7141324" y="19524"/>
+                  <a:pt x="6962706" y="15975"/>
+                  <a:pt x="6618688" y="18288"/>
+                </a:cubicBezTo>
+                <a:cubicBezTo>
+                  <a:pt x="6274670" y="20601"/>
+                  <a:pt x="6230664" y="-1692"/>
+                  <a:pt x="6120210" y="18288"/>
+                </a:cubicBezTo>
+                <a:cubicBezTo>
+                  <a:pt x="6009756" y="38268"/>
+                  <a:pt x="5442516" y="28115"/>
+                  <a:pt x="5234026" y="18288"/>
+                </a:cubicBezTo>
+                <a:cubicBezTo>
+                  <a:pt x="5025536" y="8461"/>
+                  <a:pt x="4953693" y="18182"/>
+                  <a:pt x="4832473" y="18288"/>
+                </a:cubicBezTo>
+                <a:cubicBezTo>
+                  <a:pt x="4711253" y="18394"/>
+                  <a:pt x="4414565" y="-11251"/>
+                  <a:pt x="4140142" y="18288"/>
+                </a:cubicBezTo>
+                <a:cubicBezTo>
+                  <a:pt x="3865719" y="47827"/>
+                  <a:pt x="3819081" y="16772"/>
+                  <a:pt x="3738590" y="18288"/>
+                </a:cubicBezTo>
+                <a:cubicBezTo>
+                  <a:pt x="3658099" y="19804"/>
+                  <a:pt x="3427576" y="1385"/>
+                  <a:pt x="3240111" y="18288"/>
+                </a:cubicBezTo>
+                <a:cubicBezTo>
+                  <a:pt x="3052646" y="35191"/>
+                  <a:pt x="2749652" y="-13914"/>
+                  <a:pt x="2450853" y="18288"/>
+                </a:cubicBezTo>
+                <a:cubicBezTo>
+                  <a:pt x="2152054" y="50490"/>
+                  <a:pt x="1928331" y="61101"/>
+                  <a:pt x="1564669" y="18288"/>
+                </a:cubicBezTo>
+                <a:cubicBezTo>
+                  <a:pt x="1201007" y="-24525"/>
+                  <a:pt x="1217828" y="-275"/>
+                  <a:pt x="1066190" y="18288"/>
+                </a:cubicBezTo>
+                <a:cubicBezTo>
+                  <a:pt x="914552" y="36851"/>
+                  <a:pt x="418290" y="-14785"/>
+                  <a:pt x="0" y="18288"/>
+                </a:cubicBezTo>
+                <a:cubicBezTo>
+                  <a:pt x="641" y="14236"/>
+                  <a:pt x="889" y="7550"/>
+                  <a:pt x="0" y="0"/>
+                </a:cubicBezTo>
+                <a:close/>
+              </a:path>
+            </a:pathLst>
+          </a:custGeom>
+          <a:solidFill>
+            <a:srgbClr val="FFFFFF">
+              <a:alpha val="75000"/>
+            </a:srgbClr>
+          </a:solidFill>
+          <a:ln w="44450" cap="rnd">
+            <a:solidFill>
+              <a:schemeClr val="bg1">
+                <a:alpha val="75000"/>
+              </a:schemeClr>
+            </a:solidFill>
+            <a:round/>
+            <a:extLst>
+              <a:ext uri="{C807C97D-BFC1-408E-A445-0C87EB9F89A2}">
+                <ask:lineSketchStyleProps xmlns:ask="http://schemas.microsoft.com/office/drawing/2018/sketchyshapes" sd="2727557108">
+                  <a:prstGeom prst="rect">
+                    <a:avLst/>
+                  </a:prstGeom>
+                  <ask:type>
+                    <ask:lineSketchFreehand/>
+                  </ask:type>
+                </ask:lineSketchStyleProps>
+              </a:ext>
+            </a:extLst>
+          </a:ln>
+        </p:spPr>
+        <p:style>
+          <a:lnRef idx="2">
+            <a:schemeClr val="accent1">
+              <a:shade val="50000"/>
+            </a:schemeClr>
+          </a:lnRef>
+          <a:fillRef idx="1">
+            <a:schemeClr val="accent1"/>
+          </a:fillRef>
+          <a:effectRef idx="0">
+            <a:schemeClr val="accent1"/>
+          </a:effectRef>
+          <a:fontRef idx="minor">
+            <a:schemeClr val="lt1"/>
+          </a:fontRef>
+        </p:style>
+        <p:txBody>
+          <a:bodyPr rtlCol="0" anchor="ctr"/>
+          <a:lstStyle/>
+          <a:p>
+            <a:pPr algn="ctr"/>
+            <a:endParaRPr lang="en-US"/>
+          </a:p>
+        </p:txBody>
+      </p:sp>
+      <p:sp>
+        <p:nvSpPr>
+          <p:cNvPr id="3" name="Subtitle 2">
+            <a:extLst>
+              <a:ext uri="{FF2B5EF4-FFF2-40B4-BE49-F238E27FC236}">
+                <a16:creationId xmlns:a16="http://schemas.microsoft.com/office/drawing/2014/main" id="{1A33470D-CE91-F3B5-68F7-2CBCAA941809}"/>
+              </a:ext>
+            </a:extLst>
+          </p:cNvPr>
+          <p:cNvSpPr>
+            <a:spLocks noGrp="1"/>
+          </p:cNvSpPr>
+          <p:nvPr>
+            <p:ph idx="1"/>
+          </p:nvPr>
+        </p:nvSpPr>
+        <p:spPr>
+          <a:xfrm>
+            <a:off x="838200" y="2004446"/>
+            <a:ext cx="10515600" cy="4176897"/>
+          </a:xfrm>
+        </p:spPr>
+        <p:txBody>
+          <a:bodyPr vert="horz" lIns="91440" tIns="45720" rIns="91440" bIns="45720" rtlCol="0">
+            <a:normAutofit/>
+          </a:bodyPr>
+          <a:lstStyle/>
+          <a:p>
+            <a:r>
+              <a:rPr lang="en-US" sz="1800" dirty="0">
+                <a:solidFill>
+                  <a:schemeClr val="bg1"/>
+                </a:solidFill>
+              </a:rPr>
+              <a:t>Stephane </a:t>
+            </a:r>
+            <a:r>
+              <a:rPr lang="en-US" sz="1800" dirty="0" err="1">
+                <a:solidFill>
+                  <a:schemeClr val="bg1"/>
+                </a:solidFill>
+              </a:rPr>
+              <a:t>Botchak</a:t>
+            </a:r>
+            <a:endParaRPr lang="en-US" sz="1800" dirty="0">
+              <a:solidFill>
+                <a:schemeClr val="bg1"/>
+              </a:solidFill>
+            </a:endParaRPr>
+          </a:p>
+          <a:p>
+            <a:r>
+              <a:rPr lang="en-US" sz="1800" dirty="0">
+                <a:solidFill>
+                  <a:schemeClr val="bg1"/>
+                </a:solidFill>
+              </a:rPr>
+              <a:t>Markus </a:t>
+            </a:r>
+            <a:r>
+              <a:rPr lang="en-US" sz="1800" dirty="0" err="1">
+                <a:solidFill>
+                  <a:schemeClr val="bg1"/>
+                </a:solidFill>
+              </a:rPr>
+              <a:t>Hartel</a:t>
+            </a:r>
+            <a:endParaRPr lang="en-US" sz="1800" dirty="0">
+              <a:solidFill>
+                <a:schemeClr val="bg1"/>
+              </a:solidFill>
+            </a:endParaRPr>
+          </a:p>
+          <a:p>
+            <a:r>
+              <a:rPr lang="en-US" sz="1800" dirty="0">
+                <a:solidFill>
+                  <a:schemeClr val="bg1"/>
+                </a:solidFill>
+              </a:rPr>
+              <a:t>Dennis Wandschura</a:t>
+            </a:r>
+          </a:p>
+        </p:txBody>
+      </p:sp>
+      <p:sp>
+        <p:nvSpPr>
+          <p:cNvPr id="5" name="Slide Number Placeholder 4">
+            <a:extLst>
+              <a:ext uri="{FF2B5EF4-FFF2-40B4-BE49-F238E27FC236}">
+                <a16:creationId xmlns:a16="http://schemas.microsoft.com/office/drawing/2014/main" id="{1A68A4A1-C191-7418-DCD5-1521B409655F}"/>
+              </a:ext>
+            </a:extLst>
+          </p:cNvPr>
+          <p:cNvSpPr>
+            <a:spLocks noGrp="1"/>
+          </p:cNvSpPr>
+          <p:nvPr>
+            <p:ph type="sldNum" sz="quarter" idx="12"/>
+          </p:nvPr>
+        </p:nvSpPr>
+        <p:spPr/>
+        <p:txBody>
+          <a:bodyPr/>
+          <a:lstStyle/>
+          <a:p>
+            <a:fld id="{13C740AA-7824-4996-A9A9-B0E74C888E41}" type="slidenum">
+              <a:rPr lang="de-DE" smtClean="0"/>
+              <a:t>16</a:t>
+            </a:fld>
+            <a:endParaRPr lang="de-DE"/>
+          </a:p>
+        </p:txBody>
+      </p:sp>
+    </p:spTree>
+    <p:extLst>
+      <p:ext uri="{BB962C8B-B14F-4D97-AF65-F5344CB8AC3E}">
+        <p14:creationId xmlns:p14="http://schemas.microsoft.com/office/powerpoint/2010/main" val="3524761679"/>
+      </p:ext>
+    </p:extLst>
+  </p:cSld>
+  <p:clrMapOvr>
+    <a:masterClrMapping/>
+  </p:clrMapOvr>
+  <mc:AlternateContent xmlns:mc="http://schemas.openxmlformats.org/markup-compatibility/2006">
+    <mc:Choice xmlns:p159="http://schemas.microsoft.com/office/powerpoint/2015/09/main" Requires="p159">
+      <p:transition spd="med">
+        <p159:morph option="byObject"/>
+      </p:transition>
+    </mc:Choice>
+    <mc:Fallback>
       <p:transition spd="med">
         <p:fade/>
       </p:transition>
@@ -22840,7 +23731,7 @@
       </p:sp>
       <p:pic>
         <p:nvPicPr>
-          <p:cNvPr id="7" name="Content Placeholder 6" descr="A screenshot of a computer&#10;&#10;Description automatically generated">
+          <p:cNvPr id="7" name="Content Placeholder 6">
             <a:extLst>
               <a:ext uri="{FF2B5EF4-FFF2-40B4-BE49-F238E27FC236}">
                 <a16:creationId xmlns:a16="http://schemas.microsoft.com/office/drawing/2014/main" id="{62173EBA-DCD2-8FE9-AFB0-751CA8DB079C}"/>
@@ -22862,14 +23753,13 @@
               </a:ext>
             </a:extLst>
           </a:blip>
-          <a:stretch>
-            <a:fillRect/>
-          </a:stretch>
+          <a:srcRect/>
+          <a:stretch/>
         </p:blipFill>
         <p:spPr>
           <a:xfrm>
-            <a:off x="1049786" y="1995302"/>
-            <a:ext cx="7203872" cy="4306184"/>
+            <a:off x="1071707" y="1995302"/>
+            <a:ext cx="7160029" cy="4306184"/>
           </a:xfrm>
         </p:spPr>
       </p:pic>

--- a/Präst_Profitabilität.pptx
+++ b/Präst_Profitabilität.pptx
@@ -5,7 +5,7 @@
     <p:sldMasterId id="2147483648" r:id="rId1"/>
   </p:sldMasterIdLst>
   <p:notesMasterIdLst>
-    <p:notesMasterId r:id="rId18"/>
+    <p:notesMasterId r:id="rId19"/>
   </p:notesMasterIdLst>
   <p:sldIdLst>
     <p:sldId id="256" r:id="rId2"/>
@@ -23,7 +23,8 @@
     <p:sldId id="271" r:id="rId14"/>
     <p:sldId id="268" r:id="rId15"/>
     <p:sldId id="270" r:id="rId16"/>
-    <p:sldId id="272" r:id="rId17"/>
+    <p:sldId id="273" r:id="rId17"/>
+    <p:sldId id="272" r:id="rId18"/>
   </p:sldIdLst>
   <p:sldSz cx="12192000" cy="6858000"/>
   <p:notesSz cx="6858000" cy="9144000"/>
@@ -10862,23 +10863,7 @@
                   <a:schemeClr val="bg1"/>
                 </a:solidFill>
               </a:rPr>
-              <a:t>Projekt</a:t>
-            </a:r>
-            <a:r>
-              <a:rPr lang="en-US" sz="5400" dirty="0">
-                <a:solidFill>
-                  <a:schemeClr val="bg1"/>
-                </a:solidFill>
-              </a:rPr>
-              <a:t> </a:t>
-            </a:r>
-            <a:r>
-              <a:rPr lang="en-US" sz="5400" dirty="0" err="1">
-                <a:solidFill>
-                  <a:schemeClr val="bg1"/>
-                </a:solidFill>
-              </a:rPr>
-              <a:t>Profitabilität</a:t>
+              <a:t>Profitabilitätsauswertung</a:t>
             </a:r>
             <a:endParaRPr lang="en-US" sz="5400" dirty="0">
               <a:solidFill>
@@ -11460,6 +11445,1078 @@
           </a:p>
         </p:txBody>
       </p:sp>
+      <p:pic>
+        <p:nvPicPr>
+          <p:cNvPr id="7" name="Content Placeholder 6">
+            <a:extLst>
+              <a:ext uri="{FF2B5EF4-FFF2-40B4-BE49-F238E27FC236}">
+                <a16:creationId xmlns:a16="http://schemas.microsoft.com/office/drawing/2014/main" id="{FFD8C635-1D21-7629-08C9-427541EF2666}"/>
+              </a:ext>
+            </a:extLst>
+          </p:cNvPr>
+          <p:cNvPicPr>
+            <a:picLocks noGrp="1" noChangeAspect="1"/>
+          </p:cNvPicPr>
+          <p:nvPr>
+            <p:ph idx="1"/>
+          </p:nvPr>
+        </p:nvPicPr>
+        <p:blipFill>
+          <a:blip r:embed="rId3">
+            <a:extLst>
+              <a:ext uri="{28A0092B-C50C-407E-A947-70E740481C1C}">
+                <a14:useLocalDpi xmlns:a14="http://schemas.microsoft.com/office/drawing/2010/main" val="0"/>
+              </a:ext>
+            </a:extLst>
+          </a:blip>
+          <a:srcRect/>
+          <a:stretch/>
+        </p:blipFill>
+        <p:spPr>
+          <a:xfrm>
+            <a:off x="1110108" y="1995302"/>
+            <a:ext cx="5694286" cy="4324472"/>
+          </a:xfrm>
+        </p:spPr>
+      </p:pic>
+      <p:sp>
+        <p:nvSpPr>
+          <p:cNvPr id="4" name="TextBox 3">
+            <a:extLst>
+              <a:ext uri="{FF2B5EF4-FFF2-40B4-BE49-F238E27FC236}">
+                <a16:creationId xmlns:a16="http://schemas.microsoft.com/office/drawing/2014/main" id="{D6E95770-3874-517C-5F5D-04D0356C2060}"/>
+              </a:ext>
+            </a:extLst>
+          </p:cNvPr>
+          <p:cNvSpPr txBox="1"/>
+          <p:nvPr/>
+        </p:nvSpPr>
+        <p:spPr>
+          <a:xfrm>
+            <a:off x="9664930" y="1995302"/>
+            <a:ext cx="2472297" cy="3416320"/>
+          </a:xfrm>
+          <a:prstGeom prst="rect">
+            <a:avLst/>
+          </a:prstGeom>
+          <a:noFill/>
+        </p:spPr>
+        <p:txBody>
+          <a:bodyPr wrap="square" rtlCol="0">
+            <a:spAutoFit/>
+          </a:bodyPr>
+          <a:lstStyle/>
+          <a:p>
+            <a:pPr marL="285750" indent="-285750">
+              <a:buFont typeface="Arial" panose="020B0604020202020204" pitchFamily="34" charset="0"/>
+              <a:buChar char="•"/>
+            </a:pPr>
+            <a:endParaRPr lang="de-DE" dirty="0">
+              <a:solidFill>
+                <a:schemeClr val="bg1"/>
+              </a:solidFill>
+            </a:endParaRPr>
+          </a:p>
+          <a:p>
+            <a:pPr marL="285750" indent="-285750">
+              <a:buFont typeface="Arial" panose="020B0604020202020204" pitchFamily="34" charset="0"/>
+              <a:buChar char="•"/>
+            </a:pPr>
+            <a:r>
+              <a:rPr lang="de-DE" dirty="0">
+                <a:solidFill>
+                  <a:schemeClr val="bg1"/>
+                </a:solidFill>
+              </a:rPr>
+              <a:t>Aufgabenstellung</a:t>
+            </a:r>
+          </a:p>
+          <a:p>
+            <a:pPr marL="285750" indent="-285750">
+              <a:buFont typeface="Arial" panose="020B0604020202020204" pitchFamily="34" charset="0"/>
+              <a:buChar char="•"/>
+            </a:pPr>
+            <a:endParaRPr lang="de-DE" dirty="0">
+              <a:solidFill>
+                <a:schemeClr val="bg1"/>
+              </a:solidFill>
+            </a:endParaRPr>
+          </a:p>
+          <a:p>
+            <a:pPr marL="285750" indent="-285750">
+              <a:buFont typeface="Arial" panose="020B0604020202020204" pitchFamily="34" charset="0"/>
+              <a:buChar char="•"/>
+            </a:pPr>
+            <a:r>
+              <a:rPr lang="de-DE" dirty="0">
+                <a:solidFill>
+                  <a:schemeClr val="bg1"/>
+                </a:solidFill>
+              </a:rPr>
+              <a:t>Anforderungen</a:t>
+            </a:r>
+          </a:p>
+          <a:p>
+            <a:pPr marL="285750" indent="-285750">
+              <a:buFont typeface="Arial" panose="020B0604020202020204" pitchFamily="34" charset="0"/>
+              <a:buChar char="•"/>
+            </a:pPr>
+            <a:endParaRPr lang="de-DE" dirty="0">
+              <a:solidFill>
+                <a:schemeClr val="bg1"/>
+              </a:solidFill>
+            </a:endParaRPr>
+          </a:p>
+          <a:p>
+            <a:pPr marL="285750" indent="-285750">
+              <a:buFont typeface="Arial" panose="020B0604020202020204" pitchFamily="34" charset="0"/>
+              <a:buChar char="•"/>
+            </a:pPr>
+            <a:r>
+              <a:rPr lang="de-DE" dirty="0">
+                <a:solidFill>
+                  <a:schemeClr val="bg1"/>
+                </a:solidFill>
+              </a:rPr>
+              <a:t>Technologien</a:t>
+            </a:r>
+          </a:p>
+          <a:p>
+            <a:pPr marL="285750" indent="-285750">
+              <a:buFont typeface="Arial" panose="020B0604020202020204" pitchFamily="34" charset="0"/>
+              <a:buChar char="•"/>
+            </a:pPr>
+            <a:endParaRPr lang="de-DE" dirty="0">
+              <a:solidFill>
+                <a:schemeClr val="bg1"/>
+              </a:solidFill>
+            </a:endParaRPr>
+          </a:p>
+          <a:p>
+            <a:pPr marL="285750" indent="-285750">
+              <a:buFont typeface="Arial" panose="020B0604020202020204" pitchFamily="34" charset="0"/>
+              <a:buChar char="•"/>
+            </a:pPr>
+            <a:r>
+              <a:rPr lang="de-DE" dirty="0">
+                <a:solidFill>
+                  <a:schemeClr val="bg1"/>
+                </a:solidFill>
+              </a:rPr>
+              <a:t>Rollenkonzept</a:t>
+            </a:r>
+          </a:p>
+          <a:p>
+            <a:pPr marL="285750" indent="-285750">
+              <a:buFont typeface="Arial" panose="020B0604020202020204" pitchFamily="34" charset="0"/>
+              <a:buChar char="•"/>
+            </a:pPr>
+            <a:endParaRPr lang="de-DE" dirty="0">
+              <a:solidFill>
+                <a:schemeClr val="bg1"/>
+              </a:solidFill>
+            </a:endParaRPr>
+          </a:p>
+          <a:p>
+            <a:pPr marL="285750" indent="-285750">
+              <a:buFont typeface="Arial" panose="020B0604020202020204" pitchFamily="34" charset="0"/>
+              <a:buChar char="•"/>
+            </a:pPr>
+            <a:r>
+              <a:rPr lang="de-DE" dirty="0">
+                <a:solidFill>
+                  <a:schemeClr val="bg1"/>
+                </a:solidFill>
+              </a:rPr>
+              <a:t>Klassendiagramm</a:t>
+            </a:r>
+          </a:p>
+          <a:p>
+            <a:pPr marL="285750" indent="-285750">
+              <a:buFont typeface="Arial" panose="020B0604020202020204" pitchFamily="34" charset="0"/>
+              <a:buChar char="•"/>
+            </a:pPr>
+            <a:endParaRPr lang="de-DE" dirty="0">
+              <a:solidFill>
+                <a:schemeClr val="bg1"/>
+              </a:solidFill>
+            </a:endParaRPr>
+          </a:p>
+          <a:p>
+            <a:pPr marL="285750" indent="-285750">
+              <a:buFont typeface="Arial" panose="020B0604020202020204" pitchFamily="34" charset="0"/>
+              <a:buChar char="•"/>
+            </a:pPr>
+            <a:r>
+              <a:rPr lang="de-DE" dirty="0">
+                <a:solidFill>
+                  <a:schemeClr val="bg1"/>
+                </a:solidFill>
+              </a:rPr>
+              <a:t>Screenshots</a:t>
+            </a:r>
+          </a:p>
+        </p:txBody>
+      </p:sp>
+      <p:sp>
+        <p:nvSpPr>
+          <p:cNvPr id="5" name="Slide Number Placeholder 4">
+            <a:extLst>
+              <a:ext uri="{FF2B5EF4-FFF2-40B4-BE49-F238E27FC236}">
+                <a16:creationId xmlns:a16="http://schemas.microsoft.com/office/drawing/2014/main" id="{1A68A4A1-C191-7418-DCD5-1521B409655F}"/>
+              </a:ext>
+            </a:extLst>
+          </p:cNvPr>
+          <p:cNvSpPr>
+            <a:spLocks noGrp="1"/>
+          </p:cNvSpPr>
+          <p:nvPr>
+            <p:ph type="sldNum" sz="quarter" idx="12"/>
+          </p:nvPr>
+        </p:nvSpPr>
+        <p:spPr/>
+        <p:txBody>
+          <a:bodyPr/>
+          <a:lstStyle/>
+          <a:p>
+            <a:fld id="{13C740AA-7824-4996-A9A9-B0E74C888E41}" type="slidenum">
+              <a:rPr lang="de-DE" smtClean="0"/>
+              <a:t>16</a:t>
+            </a:fld>
+            <a:endParaRPr lang="de-DE"/>
+          </a:p>
+        </p:txBody>
+      </p:sp>
+      <p:sp>
+        <p:nvSpPr>
+          <p:cNvPr id="8" name="Arrow: Right 7">
+            <a:extLst>
+              <a:ext uri="{FF2B5EF4-FFF2-40B4-BE49-F238E27FC236}">
+                <a16:creationId xmlns:a16="http://schemas.microsoft.com/office/drawing/2014/main" id="{3FED7CBD-0ED3-B829-A133-DE6F04672709}"/>
+              </a:ext>
+            </a:extLst>
+          </p:cNvPr>
+          <p:cNvSpPr/>
+          <p:nvPr/>
+        </p:nvSpPr>
+        <p:spPr>
+          <a:xfrm>
+            <a:off x="8992788" y="4963020"/>
+            <a:ext cx="657225" cy="482601"/>
+          </a:xfrm>
+          <a:prstGeom prst="rightArrow">
+            <a:avLst/>
+          </a:prstGeom>
+          <a:solidFill>
+            <a:schemeClr val="bg1"/>
+          </a:solidFill>
+          <a:ln>
+            <a:solidFill>
+              <a:schemeClr val="bg1"/>
+            </a:solidFill>
+          </a:ln>
+        </p:spPr>
+        <p:style>
+          <a:lnRef idx="2">
+            <a:schemeClr val="accent1">
+              <a:shade val="15000"/>
+            </a:schemeClr>
+          </a:lnRef>
+          <a:fillRef idx="1">
+            <a:schemeClr val="accent1"/>
+          </a:fillRef>
+          <a:effectRef idx="0">
+            <a:schemeClr val="accent1"/>
+          </a:effectRef>
+          <a:fontRef idx="minor">
+            <a:schemeClr val="lt1"/>
+          </a:fontRef>
+        </p:style>
+        <p:txBody>
+          <a:bodyPr rtlCol="0" anchor="ctr"/>
+          <a:lstStyle/>
+          <a:p>
+            <a:pPr algn="ctr"/>
+            <a:endParaRPr lang="de-DE"/>
+          </a:p>
+        </p:txBody>
+      </p:sp>
+    </p:spTree>
+    <p:extLst>
+      <p:ext uri="{BB962C8B-B14F-4D97-AF65-F5344CB8AC3E}">
+        <p14:creationId xmlns:p14="http://schemas.microsoft.com/office/powerpoint/2010/main" val="4067904628"/>
+      </p:ext>
+    </p:extLst>
+  </p:cSld>
+  <p:clrMapOvr>
+    <a:masterClrMapping/>
+  </p:clrMapOvr>
+  <mc:AlternateContent xmlns:mc="http://schemas.openxmlformats.org/markup-compatibility/2006">
+    <mc:Choice xmlns:p159="http://schemas.microsoft.com/office/powerpoint/2015/09/main" Requires="p159">
+      <p:transition spd="med">
+        <p159:morph option="byObject"/>
+      </p:transition>
+    </mc:Choice>
+    <mc:Fallback>
+      <p:transition spd="med">
+        <p:fade/>
+      </p:transition>
+    </mc:Fallback>
+  </mc:AlternateContent>
+</p:sld>
+</file>
+
+<file path=ppt/slides/slide17.xml><?xml version="1.0" encoding="utf-8"?>
+<p:sld xmlns:a="http://schemas.openxmlformats.org/drawingml/2006/main" xmlns:r="http://schemas.openxmlformats.org/officeDocument/2006/relationships" xmlns:p="http://schemas.openxmlformats.org/presentationml/2006/main">
+  <p:cSld>
+    <p:bg>
+      <p:bgPr>
+        <a:solidFill>
+          <a:schemeClr val="bg1"/>
+        </a:solidFill>
+        <a:effectLst/>
+      </p:bgPr>
+    </p:bg>
+    <p:spTree>
+      <p:nvGrpSpPr>
+        <p:cNvPr id="1" name=""/>
+        <p:cNvGrpSpPr/>
+        <p:nvPr/>
+      </p:nvGrpSpPr>
+      <p:grpSpPr>
+        <a:xfrm>
+          <a:off x="0" y="0"/>
+          <a:ext cx="0" cy="0"/>
+          <a:chOff x="0" y="0"/>
+          <a:chExt cx="0" cy="0"/>
+        </a:xfrm>
+      </p:grpSpPr>
+      <p:sp>
+        <p:nvSpPr>
+          <p:cNvPr id="23" name="Rectangle 22">
+            <a:extLst>
+              <a:ext uri="{FF2B5EF4-FFF2-40B4-BE49-F238E27FC236}">
+                <a16:creationId xmlns:a16="http://schemas.microsoft.com/office/drawing/2014/main" id="{1A9F7B4E-B03D-4F64-BE33-00D074458D45}"/>
+              </a:ext>
+              <a:ext uri="{C183D7F6-B498-43B3-948B-1728B52AA6E4}">
+                <adec:decorative xmlns:adec="http://schemas.microsoft.com/office/drawing/2017/decorative" val="1"/>
+              </a:ext>
+            </a:extLst>
+          </p:cNvPr>
+          <p:cNvSpPr>
+            <a:spLocks noGrp="1" noRot="1" noChangeAspect="1" noMove="1" noResize="1" noEditPoints="1" noAdjustHandles="1" noChangeArrowheads="1" noChangeShapeType="1" noTextEdit="1"/>
+          </p:cNvSpPr>
+          <p:nvPr>
+            <p:extLst>
+              <p:ext uri="{386F3935-93C4-4BCD-93E2-E3B085C9AB24}">
+                <p16:designElem xmlns:p16="http://schemas.microsoft.com/office/powerpoint/2015/main" val="1"/>
+              </p:ext>
+            </p:extLst>
+          </p:nvPr>
+        </p:nvSpPr>
+        <p:spPr>
+          <a:xfrm>
+            <a:off x="0" y="0"/>
+            <a:ext cx="12188952" cy="6858000"/>
+          </a:xfrm>
+          <a:prstGeom prst="rect">
+            <a:avLst/>
+          </a:prstGeom>
+          <a:solidFill>
+            <a:schemeClr val="tx1"/>
+          </a:solidFill>
+          <a:ln>
+            <a:noFill/>
+          </a:ln>
+        </p:spPr>
+        <p:style>
+          <a:lnRef idx="2">
+            <a:schemeClr val="accent1">
+              <a:shade val="50000"/>
+            </a:schemeClr>
+          </a:lnRef>
+          <a:fillRef idx="1">
+            <a:schemeClr val="accent1"/>
+          </a:fillRef>
+          <a:effectRef idx="0">
+            <a:schemeClr val="accent1"/>
+          </a:effectRef>
+          <a:fontRef idx="minor">
+            <a:schemeClr val="lt1"/>
+          </a:fontRef>
+        </p:style>
+        <p:txBody>
+          <a:bodyPr rtlCol="0" anchor="ctr"/>
+          <a:lstStyle/>
+          <a:p>
+            <a:pPr algn="ctr"/>
+            <a:endParaRPr lang="en-US"/>
+          </a:p>
+        </p:txBody>
+      </p:sp>
+      <p:pic>
+        <p:nvPicPr>
+          <p:cNvPr id="18" name="Picture 17" descr="A blue and green lines on a black background&#10;&#10;Description automatically generated">
+            <a:extLst>
+              <a:ext uri="{FF2B5EF4-FFF2-40B4-BE49-F238E27FC236}">
+                <a16:creationId xmlns:a16="http://schemas.microsoft.com/office/drawing/2014/main" id="{9E2CA162-4ACE-88C3-D272-088E41436A49}"/>
+              </a:ext>
+            </a:extLst>
+          </p:cNvPr>
+          <p:cNvPicPr>
+            <a:picLocks noChangeAspect="1"/>
+          </p:cNvPicPr>
+          <p:nvPr/>
+        </p:nvPicPr>
+        <p:blipFill rotWithShape="1">
+          <a:blip r:embed="rId2">
+            <a:alphaModFix amt="40000"/>
+          </a:blip>
+          <a:srcRect t="13655" b="6840"/>
+          <a:stretch/>
+        </p:blipFill>
+        <p:spPr>
+          <a:xfrm>
+            <a:off x="20" y="10"/>
+            <a:ext cx="12191979" cy="6857990"/>
+          </a:xfrm>
+          <a:prstGeom prst="rect">
+            <a:avLst/>
+          </a:prstGeom>
+        </p:spPr>
+      </p:pic>
+      <p:sp>
+        <p:nvSpPr>
+          <p:cNvPr id="2" name="Title 1">
+            <a:extLst>
+              <a:ext uri="{FF2B5EF4-FFF2-40B4-BE49-F238E27FC236}">
+                <a16:creationId xmlns:a16="http://schemas.microsoft.com/office/drawing/2014/main" id="{61CE0095-EFE9-6204-1ACC-4BEB3E59878B}"/>
+              </a:ext>
+            </a:extLst>
+          </p:cNvPr>
+          <p:cNvSpPr>
+            <a:spLocks noGrp="1"/>
+          </p:cNvSpPr>
+          <p:nvPr>
+            <p:ph type="title"/>
+          </p:nvPr>
+        </p:nvSpPr>
+        <p:spPr>
+          <a:xfrm>
+            <a:off x="838200" y="365125"/>
+            <a:ext cx="10515600" cy="1325563"/>
+          </a:xfrm>
+        </p:spPr>
+        <p:txBody>
+          <a:bodyPr vert="horz" lIns="91440" tIns="45720" rIns="91440" bIns="45720" rtlCol="0">
+            <a:normAutofit/>
+          </a:bodyPr>
+          <a:lstStyle/>
+          <a:p>
+            <a:r>
+              <a:rPr lang="en-US" sz="5400" dirty="0" err="1">
+                <a:solidFill>
+                  <a:schemeClr val="bg1"/>
+                </a:solidFill>
+              </a:rPr>
+              <a:t>Projekt</a:t>
+            </a:r>
+            <a:r>
+              <a:rPr lang="en-US" sz="5400" dirty="0">
+                <a:solidFill>
+                  <a:schemeClr val="bg1"/>
+                </a:solidFill>
+              </a:rPr>
+              <a:t> </a:t>
+            </a:r>
+            <a:r>
+              <a:rPr lang="en-US" sz="5400" dirty="0" err="1">
+                <a:solidFill>
+                  <a:schemeClr val="bg1"/>
+                </a:solidFill>
+              </a:rPr>
+              <a:t>Profitabilität</a:t>
+            </a:r>
+            <a:endParaRPr lang="en-US" sz="5400" dirty="0">
+              <a:solidFill>
+                <a:schemeClr val="bg1"/>
+              </a:solidFill>
+            </a:endParaRPr>
+          </a:p>
+        </p:txBody>
+      </p:sp>
+      <p:sp>
+        <p:nvSpPr>
+          <p:cNvPr id="25" name="sketchy line">
+            <a:extLst>
+              <a:ext uri="{FF2B5EF4-FFF2-40B4-BE49-F238E27FC236}">
+                <a16:creationId xmlns:a16="http://schemas.microsoft.com/office/drawing/2014/main" id="{7E2BE7F7-CA89-4002-ACCE-A478AEA24F5E}"/>
+              </a:ext>
+              <a:ext uri="{C183D7F6-B498-43B3-948B-1728B52AA6E4}">
+                <adec:decorative xmlns:adec="http://schemas.microsoft.com/office/drawing/2017/decorative" val="1"/>
+              </a:ext>
+            </a:extLst>
+          </p:cNvPr>
+          <p:cNvSpPr>
+            <a:spLocks noGrp="1" noRot="1" noChangeAspect="1" noMove="1" noResize="1" noEditPoints="1" noAdjustHandles="1" noChangeArrowheads="1" noChangeShapeType="1" noTextEdit="1"/>
+          </p:cNvSpPr>
+          <p:nvPr>
+            <p:extLst>
+              <p:ext uri="{386F3935-93C4-4BCD-93E2-E3B085C9AB24}">
+                <p16:designElem xmlns:p16="http://schemas.microsoft.com/office/powerpoint/2015/main" val="1"/>
+              </p:ext>
+            </p:extLst>
+          </p:nvPr>
+        </p:nvSpPr>
+        <p:spPr>
+          <a:xfrm>
+            <a:off x="914399" y="1681544"/>
+            <a:ext cx="9692640" cy="18288"/>
+          </a:xfrm>
+          <a:custGeom>
+            <a:avLst/>
+            <a:gdLst>
+              <a:gd name="connsiteX0" fmla="*/ 0 w 9692640"/>
+              <a:gd name="connsiteY0" fmla="*/ 0 h 18288"/>
+              <a:gd name="connsiteX1" fmla="*/ 401552 w 9692640"/>
+              <a:gd name="connsiteY1" fmla="*/ 0 h 18288"/>
+              <a:gd name="connsiteX2" fmla="*/ 996957 w 9692640"/>
+              <a:gd name="connsiteY2" fmla="*/ 0 h 18288"/>
+              <a:gd name="connsiteX3" fmla="*/ 1398509 w 9692640"/>
+              <a:gd name="connsiteY3" fmla="*/ 0 h 18288"/>
+              <a:gd name="connsiteX4" fmla="*/ 2090841 w 9692640"/>
+              <a:gd name="connsiteY4" fmla="*/ 0 h 18288"/>
+              <a:gd name="connsiteX5" fmla="*/ 2686246 w 9692640"/>
+              <a:gd name="connsiteY5" fmla="*/ 0 h 18288"/>
+              <a:gd name="connsiteX6" fmla="*/ 3475504 w 9692640"/>
+              <a:gd name="connsiteY6" fmla="*/ 0 h 18288"/>
+              <a:gd name="connsiteX7" fmla="*/ 4361688 w 9692640"/>
+              <a:gd name="connsiteY7" fmla="*/ 0 h 18288"/>
+              <a:gd name="connsiteX8" fmla="*/ 5054019 w 9692640"/>
+              <a:gd name="connsiteY8" fmla="*/ 0 h 18288"/>
+              <a:gd name="connsiteX9" fmla="*/ 5940204 w 9692640"/>
+              <a:gd name="connsiteY9" fmla="*/ 0 h 18288"/>
+              <a:gd name="connsiteX10" fmla="*/ 6632535 w 9692640"/>
+              <a:gd name="connsiteY10" fmla="*/ 0 h 18288"/>
+              <a:gd name="connsiteX11" fmla="*/ 7034087 w 9692640"/>
+              <a:gd name="connsiteY11" fmla="*/ 0 h 18288"/>
+              <a:gd name="connsiteX12" fmla="*/ 7532566 w 9692640"/>
+              <a:gd name="connsiteY12" fmla="*/ 0 h 18288"/>
+              <a:gd name="connsiteX13" fmla="*/ 8418750 w 9692640"/>
+              <a:gd name="connsiteY13" fmla="*/ 0 h 18288"/>
+              <a:gd name="connsiteX14" fmla="*/ 9692640 w 9692640"/>
+              <a:gd name="connsiteY14" fmla="*/ 0 h 18288"/>
+              <a:gd name="connsiteX15" fmla="*/ 9692640 w 9692640"/>
+              <a:gd name="connsiteY15" fmla="*/ 18288 h 18288"/>
+              <a:gd name="connsiteX16" fmla="*/ 9000309 w 9692640"/>
+              <a:gd name="connsiteY16" fmla="*/ 18288 h 18288"/>
+              <a:gd name="connsiteX17" fmla="*/ 8307977 w 9692640"/>
+              <a:gd name="connsiteY17" fmla="*/ 18288 h 18288"/>
+              <a:gd name="connsiteX18" fmla="*/ 7712572 w 9692640"/>
+              <a:gd name="connsiteY18" fmla="*/ 18288 h 18288"/>
+              <a:gd name="connsiteX19" fmla="*/ 7214093 w 9692640"/>
+              <a:gd name="connsiteY19" fmla="*/ 18288 h 18288"/>
+              <a:gd name="connsiteX20" fmla="*/ 6327909 w 9692640"/>
+              <a:gd name="connsiteY20" fmla="*/ 18288 h 18288"/>
+              <a:gd name="connsiteX21" fmla="*/ 5635578 w 9692640"/>
+              <a:gd name="connsiteY21" fmla="*/ 18288 h 18288"/>
+              <a:gd name="connsiteX22" fmla="*/ 4846320 w 9692640"/>
+              <a:gd name="connsiteY22" fmla="*/ 18288 h 18288"/>
+              <a:gd name="connsiteX23" fmla="*/ 4444768 w 9692640"/>
+              <a:gd name="connsiteY23" fmla="*/ 18288 h 18288"/>
+              <a:gd name="connsiteX24" fmla="*/ 3946289 w 9692640"/>
+              <a:gd name="connsiteY24" fmla="*/ 18288 h 18288"/>
+              <a:gd name="connsiteX25" fmla="*/ 3253958 w 9692640"/>
+              <a:gd name="connsiteY25" fmla="*/ 18288 h 18288"/>
+              <a:gd name="connsiteX26" fmla="*/ 2464700 w 9692640"/>
+              <a:gd name="connsiteY26" fmla="*/ 18288 h 18288"/>
+              <a:gd name="connsiteX27" fmla="*/ 2063148 w 9692640"/>
+              <a:gd name="connsiteY27" fmla="*/ 18288 h 18288"/>
+              <a:gd name="connsiteX28" fmla="*/ 1661595 w 9692640"/>
+              <a:gd name="connsiteY28" fmla="*/ 18288 h 18288"/>
+              <a:gd name="connsiteX29" fmla="*/ 969264 w 9692640"/>
+              <a:gd name="connsiteY29" fmla="*/ 18288 h 18288"/>
+              <a:gd name="connsiteX30" fmla="*/ 0 w 9692640"/>
+              <a:gd name="connsiteY30" fmla="*/ 18288 h 18288"/>
+              <a:gd name="connsiteX31" fmla="*/ 0 w 9692640"/>
+              <a:gd name="connsiteY31" fmla="*/ 0 h 18288"/>
+            </a:gdLst>
+            <a:ahLst/>
+            <a:cxnLst>
+              <a:cxn ang="0">
+                <a:pos x="connsiteX0" y="connsiteY0"/>
+              </a:cxn>
+              <a:cxn ang="0">
+                <a:pos x="connsiteX1" y="connsiteY1"/>
+              </a:cxn>
+              <a:cxn ang="0">
+                <a:pos x="connsiteX2" y="connsiteY2"/>
+              </a:cxn>
+              <a:cxn ang="0">
+                <a:pos x="connsiteX3" y="connsiteY3"/>
+              </a:cxn>
+              <a:cxn ang="0">
+                <a:pos x="connsiteX4" y="connsiteY4"/>
+              </a:cxn>
+              <a:cxn ang="0">
+                <a:pos x="connsiteX5" y="connsiteY5"/>
+              </a:cxn>
+              <a:cxn ang="0">
+                <a:pos x="connsiteX6" y="connsiteY6"/>
+              </a:cxn>
+              <a:cxn ang="0">
+                <a:pos x="connsiteX7" y="connsiteY7"/>
+              </a:cxn>
+              <a:cxn ang="0">
+                <a:pos x="connsiteX8" y="connsiteY8"/>
+              </a:cxn>
+              <a:cxn ang="0">
+                <a:pos x="connsiteX9" y="connsiteY9"/>
+              </a:cxn>
+              <a:cxn ang="0">
+                <a:pos x="connsiteX10" y="connsiteY10"/>
+              </a:cxn>
+              <a:cxn ang="0">
+                <a:pos x="connsiteX11" y="connsiteY11"/>
+              </a:cxn>
+              <a:cxn ang="0">
+                <a:pos x="connsiteX12" y="connsiteY12"/>
+              </a:cxn>
+              <a:cxn ang="0">
+                <a:pos x="connsiteX13" y="connsiteY13"/>
+              </a:cxn>
+              <a:cxn ang="0">
+                <a:pos x="connsiteX14" y="connsiteY14"/>
+              </a:cxn>
+              <a:cxn ang="0">
+                <a:pos x="connsiteX15" y="connsiteY15"/>
+              </a:cxn>
+              <a:cxn ang="0">
+                <a:pos x="connsiteX16" y="connsiteY16"/>
+              </a:cxn>
+              <a:cxn ang="0">
+                <a:pos x="connsiteX17" y="connsiteY17"/>
+              </a:cxn>
+              <a:cxn ang="0">
+                <a:pos x="connsiteX18" y="connsiteY18"/>
+              </a:cxn>
+              <a:cxn ang="0">
+                <a:pos x="connsiteX19" y="connsiteY19"/>
+              </a:cxn>
+              <a:cxn ang="0">
+                <a:pos x="connsiteX20" y="connsiteY20"/>
+              </a:cxn>
+              <a:cxn ang="0">
+                <a:pos x="connsiteX21" y="connsiteY21"/>
+              </a:cxn>
+              <a:cxn ang="0">
+                <a:pos x="connsiteX22" y="connsiteY22"/>
+              </a:cxn>
+              <a:cxn ang="0">
+                <a:pos x="connsiteX23" y="connsiteY23"/>
+              </a:cxn>
+              <a:cxn ang="0">
+                <a:pos x="connsiteX24" y="connsiteY24"/>
+              </a:cxn>
+              <a:cxn ang="0">
+                <a:pos x="connsiteX25" y="connsiteY25"/>
+              </a:cxn>
+              <a:cxn ang="0">
+                <a:pos x="connsiteX26" y="connsiteY26"/>
+              </a:cxn>
+              <a:cxn ang="0">
+                <a:pos x="connsiteX27" y="connsiteY27"/>
+              </a:cxn>
+              <a:cxn ang="0">
+                <a:pos x="connsiteX28" y="connsiteY28"/>
+              </a:cxn>
+              <a:cxn ang="0">
+                <a:pos x="connsiteX29" y="connsiteY29"/>
+              </a:cxn>
+              <a:cxn ang="0">
+                <a:pos x="connsiteX30" y="connsiteY30"/>
+              </a:cxn>
+              <a:cxn ang="0">
+                <a:pos x="connsiteX31" y="connsiteY31"/>
+              </a:cxn>
+            </a:cxnLst>
+            <a:rect l="l" t="t" r="r" b="b"/>
+            <a:pathLst>
+              <a:path w="9692640" h="18288" fill="none" extrusionOk="0">
+                <a:moveTo>
+                  <a:pt x="0" y="0"/>
+                </a:moveTo>
+                <a:cubicBezTo>
+                  <a:pt x="142992" y="4732"/>
+                  <a:pt x="265909" y="-3365"/>
+                  <a:pt x="401552" y="0"/>
+                </a:cubicBezTo>
+                <a:cubicBezTo>
+                  <a:pt x="537195" y="3365"/>
+                  <a:pt x="738153" y="6482"/>
+                  <a:pt x="996957" y="0"/>
+                </a:cubicBezTo>
+                <a:cubicBezTo>
+                  <a:pt x="1255762" y="-6482"/>
+                  <a:pt x="1280511" y="12509"/>
+                  <a:pt x="1398509" y="0"/>
+                </a:cubicBezTo>
+                <a:cubicBezTo>
+                  <a:pt x="1516507" y="-12509"/>
+                  <a:pt x="1782573" y="-31523"/>
+                  <a:pt x="2090841" y="0"/>
+                </a:cubicBezTo>
+                <a:cubicBezTo>
+                  <a:pt x="2399109" y="31523"/>
+                  <a:pt x="2488380" y="26286"/>
+                  <a:pt x="2686246" y="0"/>
+                </a:cubicBezTo>
+                <a:cubicBezTo>
+                  <a:pt x="2884112" y="-26286"/>
+                  <a:pt x="3186024" y="-14734"/>
+                  <a:pt x="3475504" y="0"/>
+                </a:cubicBezTo>
+                <a:cubicBezTo>
+                  <a:pt x="3764984" y="14734"/>
+                  <a:pt x="4053017" y="43292"/>
+                  <a:pt x="4361688" y="0"/>
+                </a:cubicBezTo>
+                <a:cubicBezTo>
+                  <a:pt x="4670359" y="-43292"/>
+                  <a:pt x="4736164" y="-729"/>
+                  <a:pt x="5054019" y="0"/>
+                </a:cubicBezTo>
+                <a:cubicBezTo>
+                  <a:pt x="5371874" y="729"/>
+                  <a:pt x="5543528" y="-22963"/>
+                  <a:pt x="5940204" y="0"/>
+                </a:cubicBezTo>
+                <a:cubicBezTo>
+                  <a:pt x="6336881" y="22963"/>
+                  <a:pt x="6423838" y="6469"/>
+                  <a:pt x="6632535" y="0"/>
+                </a:cubicBezTo>
+                <a:cubicBezTo>
+                  <a:pt x="6841232" y="-6469"/>
+                  <a:pt x="6852819" y="17036"/>
+                  <a:pt x="7034087" y="0"/>
+                </a:cubicBezTo>
+                <a:cubicBezTo>
+                  <a:pt x="7215355" y="-17036"/>
+                  <a:pt x="7313136" y="11151"/>
+                  <a:pt x="7532566" y="0"/>
+                </a:cubicBezTo>
+                <a:cubicBezTo>
+                  <a:pt x="7751996" y="-11151"/>
+                  <a:pt x="8015001" y="25614"/>
+                  <a:pt x="8418750" y="0"/>
+                </a:cubicBezTo>
+                <a:cubicBezTo>
+                  <a:pt x="8822499" y="-25614"/>
+                  <a:pt x="9163239" y="48603"/>
+                  <a:pt x="9692640" y="0"/>
+                </a:cubicBezTo>
+                <a:cubicBezTo>
+                  <a:pt x="9691955" y="4437"/>
+                  <a:pt x="9693170" y="10717"/>
+                  <a:pt x="9692640" y="18288"/>
+                </a:cubicBezTo>
+                <a:cubicBezTo>
+                  <a:pt x="9545125" y="42172"/>
+                  <a:pt x="9164259" y="6706"/>
+                  <a:pt x="9000309" y="18288"/>
+                </a:cubicBezTo>
+                <a:cubicBezTo>
+                  <a:pt x="8836359" y="29870"/>
+                  <a:pt x="8521035" y="-14108"/>
+                  <a:pt x="8307977" y="18288"/>
+                </a:cubicBezTo>
+                <a:cubicBezTo>
+                  <a:pt x="8094919" y="50684"/>
+                  <a:pt x="7881757" y="11235"/>
+                  <a:pt x="7712572" y="18288"/>
+                </a:cubicBezTo>
+                <a:cubicBezTo>
+                  <a:pt x="7543387" y="25341"/>
+                  <a:pt x="7358861" y="20625"/>
+                  <a:pt x="7214093" y="18288"/>
+                </a:cubicBezTo>
+                <a:cubicBezTo>
+                  <a:pt x="7069325" y="15951"/>
+                  <a:pt x="6523705" y="52160"/>
+                  <a:pt x="6327909" y="18288"/>
+                </a:cubicBezTo>
+                <a:cubicBezTo>
+                  <a:pt x="6132113" y="-15584"/>
+                  <a:pt x="5923847" y="21204"/>
+                  <a:pt x="5635578" y="18288"/>
+                </a:cubicBezTo>
+                <a:cubicBezTo>
+                  <a:pt x="5347309" y="15372"/>
+                  <a:pt x="5114749" y="50642"/>
+                  <a:pt x="4846320" y="18288"/>
+                </a:cubicBezTo>
+                <a:cubicBezTo>
+                  <a:pt x="4577891" y="-14066"/>
+                  <a:pt x="4576701" y="1487"/>
+                  <a:pt x="4444768" y="18288"/>
+                </a:cubicBezTo>
+                <a:cubicBezTo>
+                  <a:pt x="4312835" y="35089"/>
+                  <a:pt x="4112575" y="15158"/>
+                  <a:pt x="3946289" y="18288"/>
+                </a:cubicBezTo>
+                <a:cubicBezTo>
+                  <a:pt x="3780003" y="21418"/>
+                  <a:pt x="3396009" y="18797"/>
+                  <a:pt x="3253958" y="18288"/>
+                </a:cubicBezTo>
+                <a:cubicBezTo>
+                  <a:pt x="3111907" y="17779"/>
+                  <a:pt x="2760272" y="57223"/>
+                  <a:pt x="2464700" y="18288"/>
+                </a:cubicBezTo>
+                <a:cubicBezTo>
+                  <a:pt x="2169128" y="-20647"/>
+                  <a:pt x="2232262" y="7960"/>
+                  <a:pt x="2063148" y="18288"/>
+                </a:cubicBezTo>
+                <a:cubicBezTo>
+                  <a:pt x="1894034" y="28616"/>
+                  <a:pt x="1799338" y="3019"/>
+                  <a:pt x="1661595" y="18288"/>
+                </a:cubicBezTo>
+                <a:cubicBezTo>
+                  <a:pt x="1523852" y="33557"/>
+                  <a:pt x="1113928" y="-4352"/>
+                  <a:pt x="969264" y="18288"/>
+                </a:cubicBezTo>
+                <a:cubicBezTo>
+                  <a:pt x="824600" y="40928"/>
+                  <a:pt x="356149" y="-3128"/>
+                  <a:pt x="0" y="18288"/>
+                </a:cubicBezTo>
+                <a:cubicBezTo>
+                  <a:pt x="-540" y="12521"/>
+                  <a:pt x="894" y="7749"/>
+                  <a:pt x="0" y="0"/>
+                </a:cubicBezTo>
+                <a:close/>
+              </a:path>
+              <a:path w="9692640" h="18288" stroke="0" extrusionOk="0">
+                <a:moveTo>
+                  <a:pt x="0" y="0"/>
+                </a:moveTo>
+                <a:cubicBezTo>
+                  <a:pt x="162642" y="3864"/>
+                  <a:pt x="346119" y="-18364"/>
+                  <a:pt x="498479" y="0"/>
+                </a:cubicBezTo>
+                <a:cubicBezTo>
+                  <a:pt x="650839" y="18364"/>
+                  <a:pt x="712065" y="-9389"/>
+                  <a:pt x="900031" y="0"/>
+                </a:cubicBezTo>
+                <a:cubicBezTo>
+                  <a:pt x="1087997" y="9389"/>
+                  <a:pt x="1177291" y="3685"/>
+                  <a:pt x="1398509" y="0"/>
+                </a:cubicBezTo>
+                <a:cubicBezTo>
+                  <a:pt x="1619727" y="-3685"/>
+                  <a:pt x="1874008" y="-8897"/>
+                  <a:pt x="2090841" y="0"/>
+                </a:cubicBezTo>
+                <a:cubicBezTo>
+                  <a:pt x="2307674" y="8897"/>
+                  <a:pt x="2573432" y="-313"/>
+                  <a:pt x="2880099" y="0"/>
+                </a:cubicBezTo>
+                <a:cubicBezTo>
+                  <a:pt x="3186766" y="313"/>
+                  <a:pt x="3422577" y="10664"/>
+                  <a:pt x="3766283" y="0"/>
+                </a:cubicBezTo>
+                <a:cubicBezTo>
+                  <a:pt x="4109989" y="-10664"/>
+                  <a:pt x="4342683" y="-32873"/>
+                  <a:pt x="4652467" y="0"/>
+                </a:cubicBezTo>
+                <a:cubicBezTo>
+                  <a:pt x="4962251" y="32873"/>
+                  <a:pt x="5122120" y="29155"/>
+                  <a:pt x="5247872" y="0"/>
+                </a:cubicBezTo>
+                <a:cubicBezTo>
+                  <a:pt x="5373625" y="-29155"/>
+                  <a:pt x="5749491" y="1706"/>
+                  <a:pt x="6037130" y="0"/>
+                </a:cubicBezTo>
+                <a:cubicBezTo>
+                  <a:pt x="6324769" y="-1706"/>
+                  <a:pt x="6531407" y="1172"/>
+                  <a:pt x="6729461" y="0"/>
+                </a:cubicBezTo>
+                <a:cubicBezTo>
+                  <a:pt x="6927515" y="-1172"/>
+                  <a:pt x="7096794" y="-1520"/>
+                  <a:pt x="7324867" y="0"/>
+                </a:cubicBezTo>
+                <a:cubicBezTo>
+                  <a:pt x="7552940" y="1520"/>
+                  <a:pt x="7878827" y="-17110"/>
+                  <a:pt x="8114124" y="0"/>
+                </a:cubicBezTo>
+                <a:cubicBezTo>
+                  <a:pt x="8349421" y="17110"/>
+                  <a:pt x="8334208" y="15114"/>
+                  <a:pt x="8515677" y="0"/>
+                </a:cubicBezTo>
+                <a:cubicBezTo>
+                  <a:pt x="8697146" y="-15114"/>
+                  <a:pt x="9236164" y="22466"/>
+                  <a:pt x="9692640" y="0"/>
+                </a:cubicBezTo>
+                <a:cubicBezTo>
+                  <a:pt x="9692735" y="8251"/>
+                  <a:pt x="9692514" y="12333"/>
+                  <a:pt x="9692640" y="18288"/>
+                </a:cubicBezTo>
+                <a:cubicBezTo>
+                  <a:pt x="9410102" y="47398"/>
+                  <a:pt x="9172773" y="7109"/>
+                  <a:pt x="9000309" y="18288"/>
+                </a:cubicBezTo>
+                <a:cubicBezTo>
+                  <a:pt x="8827845" y="29467"/>
+                  <a:pt x="8713608" y="28372"/>
+                  <a:pt x="8501830" y="18288"/>
+                </a:cubicBezTo>
+                <a:cubicBezTo>
+                  <a:pt x="8290052" y="8204"/>
+                  <a:pt x="7893416" y="3561"/>
+                  <a:pt x="7712572" y="18288"/>
+                </a:cubicBezTo>
+                <a:cubicBezTo>
+                  <a:pt x="7531728" y="33015"/>
+                  <a:pt x="7480716" y="17052"/>
+                  <a:pt x="7311020" y="18288"/>
+                </a:cubicBezTo>
+                <a:cubicBezTo>
+                  <a:pt x="7141324" y="19524"/>
+                  <a:pt x="6962706" y="15975"/>
+                  <a:pt x="6618688" y="18288"/>
+                </a:cubicBezTo>
+                <a:cubicBezTo>
+                  <a:pt x="6274670" y="20601"/>
+                  <a:pt x="6230664" y="-1692"/>
+                  <a:pt x="6120210" y="18288"/>
+                </a:cubicBezTo>
+                <a:cubicBezTo>
+                  <a:pt x="6009756" y="38268"/>
+                  <a:pt x="5442516" y="28115"/>
+                  <a:pt x="5234026" y="18288"/>
+                </a:cubicBezTo>
+                <a:cubicBezTo>
+                  <a:pt x="5025536" y="8461"/>
+                  <a:pt x="4953693" y="18182"/>
+                  <a:pt x="4832473" y="18288"/>
+                </a:cubicBezTo>
+                <a:cubicBezTo>
+                  <a:pt x="4711253" y="18394"/>
+                  <a:pt x="4414565" y="-11251"/>
+                  <a:pt x="4140142" y="18288"/>
+                </a:cubicBezTo>
+                <a:cubicBezTo>
+                  <a:pt x="3865719" y="47827"/>
+                  <a:pt x="3819081" y="16772"/>
+                  <a:pt x="3738590" y="18288"/>
+                </a:cubicBezTo>
+                <a:cubicBezTo>
+                  <a:pt x="3658099" y="19804"/>
+                  <a:pt x="3427576" y="1385"/>
+                  <a:pt x="3240111" y="18288"/>
+                </a:cubicBezTo>
+                <a:cubicBezTo>
+                  <a:pt x="3052646" y="35191"/>
+                  <a:pt x="2749652" y="-13914"/>
+                  <a:pt x="2450853" y="18288"/>
+                </a:cubicBezTo>
+                <a:cubicBezTo>
+                  <a:pt x="2152054" y="50490"/>
+                  <a:pt x="1928331" y="61101"/>
+                  <a:pt x="1564669" y="18288"/>
+                </a:cubicBezTo>
+                <a:cubicBezTo>
+                  <a:pt x="1201007" y="-24525"/>
+                  <a:pt x="1217828" y="-275"/>
+                  <a:pt x="1066190" y="18288"/>
+                </a:cubicBezTo>
+                <a:cubicBezTo>
+                  <a:pt x="914552" y="36851"/>
+                  <a:pt x="418290" y="-14785"/>
+                  <a:pt x="0" y="18288"/>
+                </a:cubicBezTo>
+                <a:cubicBezTo>
+                  <a:pt x="641" y="14236"/>
+                  <a:pt x="889" y="7550"/>
+                  <a:pt x="0" y="0"/>
+                </a:cubicBezTo>
+                <a:close/>
+              </a:path>
+            </a:pathLst>
+          </a:custGeom>
+          <a:solidFill>
+            <a:srgbClr val="FFFFFF">
+              <a:alpha val="75000"/>
+            </a:srgbClr>
+          </a:solidFill>
+          <a:ln w="44450" cap="rnd">
+            <a:solidFill>
+              <a:schemeClr val="bg1">
+                <a:alpha val="75000"/>
+              </a:schemeClr>
+            </a:solidFill>
+            <a:round/>
+            <a:extLst>
+              <a:ext uri="{C807C97D-BFC1-408E-A445-0C87EB9F89A2}">
+                <ask:lineSketchStyleProps xmlns:ask="http://schemas.microsoft.com/office/drawing/2018/sketchyshapes" sd="2727557108">
+                  <a:prstGeom prst="rect">
+                    <a:avLst/>
+                  </a:prstGeom>
+                  <ask:type>
+                    <ask:lineSketchFreehand/>
+                  </ask:type>
+                </ask:lineSketchStyleProps>
+              </a:ext>
+            </a:extLst>
+          </a:ln>
+        </p:spPr>
+        <p:style>
+          <a:lnRef idx="2">
+            <a:schemeClr val="accent1">
+              <a:shade val="50000"/>
+            </a:schemeClr>
+          </a:lnRef>
+          <a:fillRef idx="1">
+            <a:schemeClr val="accent1"/>
+          </a:fillRef>
+          <a:effectRef idx="0">
+            <a:schemeClr val="accent1"/>
+          </a:effectRef>
+          <a:fontRef idx="minor">
+            <a:schemeClr val="lt1"/>
+          </a:fontRef>
+        </p:style>
+        <p:txBody>
+          <a:bodyPr rtlCol="0" anchor="ctr"/>
+          <a:lstStyle/>
+          <a:p>
+            <a:pPr algn="ctr"/>
+            <a:endParaRPr lang="en-US"/>
+          </a:p>
+        </p:txBody>
+      </p:sp>
       <p:sp>
         <p:nvSpPr>
           <p:cNvPr id="3" name="Subtitle 2">
@@ -11568,7 +12625,7 @@
           <a:p>
             <a:fld id="{13C740AA-7824-4996-A9A9-B0E74C888E41}" type="slidenum">
               <a:rPr lang="de-DE" smtClean="0"/>
-              <a:t>16</a:t>
+              <a:t>17</a:t>
             </a:fld>
             <a:endParaRPr lang="de-DE"/>
           </a:p>
@@ -11584,13 +12641,13 @@
   <p:clrMapOvr>
     <a:masterClrMapping/>
   </p:clrMapOvr>
-  <mc:AlternateContent xmlns:mc="http://schemas.openxmlformats.org/markup-compatibility/2006">
-    <mc:Choice xmlns:p159="http://schemas.microsoft.com/office/powerpoint/2015/09/main" Requires="p159">
+  <mc:AlternateContent xmlns:mc="http://schemas.openxmlformats.org/markup-compatibility/2006" xmlns:p159="http://schemas.microsoft.com/office/powerpoint/2015/09/main">
+    <mc:Choice Requires="p159">
       <p:transition spd="med">
         <p159:morph option="byObject"/>
       </p:transition>
     </mc:Choice>
-    <mc:Fallback>
+    <mc:Fallback xmlns="">
       <p:transition spd="med">
         <p:fade/>
       </p:transition>

--- a/Präst_Profitabilität.pptx
+++ b/Präst_Profitabilität.pptx
@@ -5,7 +5,7 @@
     <p:sldMasterId id="2147483648" r:id="rId1"/>
   </p:sldMasterIdLst>
   <p:notesMasterIdLst>
-    <p:notesMasterId r:id="rId19"/>
+    <p:notesMasterId r:id="rId20"/>
   </p:notesMasterIdLst>
   <p:sldIdLst>
     <p:sldId id="256" r:id="rId2"/>
@@ -14,17 +14,18 @@
     <p:sldId id="265" r:id="rId5"/>
     <p:sldId id="259" r:id="rId6"/>
     <p:sldId id="264" r:id="rId7"/>
-    <p:sldId id="266" r:id="rId8"/>
-    <p:sldId id="267" r:id="rId9"/>
-    <p:sldId id="261" r:id="rId10"/>
-    <p:sldId id="262" r:id="rId11"/>
-    <p:sldId id="263" r:id="rId12"/>
-    <p:sldId id="269" r:id="rId13"/>
-    <p:sldId id="271" r:id="rId14"/>
-    <p:sldId id="268" r:id="rId15"/>
-    <p:sldId id="270" r:id="rId16"/>
-    <p:sldId id="273" r:id="rId17"/>
-    <p:sldId id="272" r:id="rId18"/>
+    <p:sldId id="274" r:id="rId8"/>
+    <p:sldId id="266" r:id="rId9"/>
+    <p:sldId id="267" r:id="rId10"/>
+    <p:sldId id="261" r:id="rId11"/>
+    <p:sldId id="262" r:id="rId12"/>
+    <p:sldId id="263" r:id="rId13"/>
+    <p:sldId id="269" r:id="rId14"/>
+    <p:sldId id="271" r:id="rId15"/>
+    <p:sldId id="268" r:id="rId16"/>
+    <p:sldId id="270" r:id="rId17"/>
+    <p:sldId id="273" r:id="rId18"/>
+    <p:sldId id="272" r:id="rId19"/>
   </p:sldIdLst>
   <p:sldSz cx="12192000" cy="6858000"/>
   <p:notesSz cx="6858000" cy="9144000"/>
@@ -4462,7 +4463,7 @@
                   <a:schemeClr val="bg1"/>
                 </a:solidFill>
               </a:rPr>
-              <a:t>Ändern</a:t>
+              <a:t>Übersicht</a:t>
             </a:r>
             <a:r>
               <a:rPr lang="en-US" sz="5400" dirty="0">
@@ -4470,21 +4471,8 @@
                   <a:schemeClr val="bg1"/>
                 </a:solidFill>
               </a:rPr>
-              <a:t> von </a:t>
-            </a:r>
-            <a:r>
-              <a:rPr lang="en-US" sz="5400" dirty="0" err="1">
-                <a:solidFill>
-                  <a:schemeClr val="bg1"/>
-                </a:solidFill>
-              </a:rPr>
-              <a:t>Mitarbeitern</a:t>
-            </a:r>
-            <a:endParaRPr lang="en-US" sz="5400" dirty="0">
-              <a:solidFill>
-                <a:schemeClr val="bg1"/>
-              </a:solidFill>
-            </a:endParaRPr>
+              <a:t> Mitarbeiter</a:t>
+            </a:r>
           </a:p>
         </p:txBody>
       </p:sp>
@@ -5065,7 +5053,7 @@
           <p:cNvPr id="7" name="Content Placeholder 6" descr="A screenshot of a computer&#10;&#10;Description automatically generated">
             <a:extLst>
               <a:ext uri="{FF2B5EF4-FFF2-40B4-BE49-F238E27FC236}">
-                <a16:creationId xmlns:a16="http://schemas.microsoft.com/office/drawing/2014/main" id="{4C7A9052-9E8B-28A4-BA30-F5F2F2086467}"/>
+                <a16:creationId xmlns:a16="http://schemas.microsoft.com/office/drawing/2014/main" id="{B8BC6389-CAE8-5215-7B40-1F6BD0F638F0}"/>
               </a:ext>
             </a:extLst>
           </p:cNvPr>
@@ -5090,8 +5078,8 @@
         </p:blipFill>
         <p:spPr>
           <a:xfrm>
-            <a:off x="1054850" y="1867764"/>
-            <a:ext cx="6831850" cy="4447077"/>
+            <a:off x="1066800" y="1877500"/>
+            <a:ext cx="6829425" cy="4445498"/>
           </a:xfrm>
         </p:spPr>
       </p:pic>
@@ -5110,7 +5098,7 @@
         <p:spPr>
           <a:xfrm>
             <a:off x="9664930" y="1995302"/>
-            <a:ext cx="2472297" cy="3416320"/>
+            <a:ext cx="2472297" cy="3970318"/>
           </a:xfrm>
           <a:prstGeom prst="rect">
             <a:avLst/>
@@ -5221,6 +5209,36 @@
               </a:rPr>
               <a:t>Rollenkonzept</a:t>
             </a:r>
+          </a:p>
+          <a:p>
+            <a:pPr marL="285750" indent="-285750">
+              <a:buFont typeface="Arial" panose="020B0604020202020204" pitchFamily="34" charset="0"/>
+              <a:buChar char="•"/>
+            </a:pPr>
+            <a:endParaRPr lang="de-DE" dirty="0">
+              <a:solidFill>
+                <a:schemeClr val="bg1"/>
+              </a:solidFill>
+            </a:endParaRPr>
+          </a:p>
+          <a:p>
+            <a:pPr marL="285750" indent="-285750">
+              <a:buFont typeface="Arial" panose="020B0604020202020204" pitchFamily="34" charset="0"/>
+              <a:buChar char="•"/>
+            </a:pPr>
+            <a:r>
+              <a:rPr lang="en-US" dirty="0" err="1">
+                <a:solidFill>
+                  <a:schemeClr val="bg1"/>
+                </a:solidFill>
+              </a:rPr>
+              <a:t>Datenbankmodell</a:t>
+            </a:r>
+            <a:endParaRPr lang="de-DE" dirty="0">
+              <a:solidFill>
+                <a:schemeClr val="bg1"/>
+              </a:solidFill>
+            </a:endParaRPr>
           </a:p>
           <a:p>
             <a:pPr marL="285750" indent="-285750">
@@ -5308,7 +5326,7 @@
           <p:cNvPr id="8" name="Arrow: Right 7">
             <a:extLst>
               <a:ext uri="{FF2B5EF4-FFF2-40B4-BE49-F238E27FC236}">
-                <a16:creationId xmlns:a16="http://schemas.microsoft.com/office/drawing/2014/main" id="{BDE24A36-69D3-B177-87E3-76917D87D90B}"/>
+                <a16:creationId xmlns:a16="http://schemas.microsoft.com/office/drawing/2014/main" id="{4BF26F20-A56E-5263-E53B-2FAC0F8F80CF}"/>
               </a:ext>
             </a:extLst>
           </p:cNvPr>
@@ -5317,7 +5335,7 @@
         </p:nvSpPr>
         <p:spPr>
           <a:xfrm>
-            <a:off x="8992788" y="4963020"/>
+            <a:off x="9004658" y="5483019"/>
             <a:ext cx="657225" cy="482601"/>
           </a:xfrm>
           <a:prstGeom prst="rightArrow">
@@ -5360,7 +5378,7 @@
     </p:spTree>
     <p:extLst>
       <p:ext uri="{BB962C8B-B14F-4D97-AF65-F5344CB8AC3E}">
-        <p14:creationId xmlns:p14="http://schemas.microsoft.com/office/powerpoint/2010/main" val="796309101"/>
+        <p14:creationId xmlns:p14="http://schemas.microsoft.com/office/powerpoint/2010/main" val="2576272442"/>
       </p:ext>
     </p:extLst>
   </p:cSld>
@@ -5535,7 +5553,7 @@
                   <a:schemeClr val="bg1"/>
                 </a:solidFill>
               </a:rPr>
-              <a:t>Neuer</a:t>
+              <a:t>Ändern</a:t>
             </a:r>
             <a:r>
               <a:rPr lang="en-US" sz="5400" dirty="0">
@@ -5543,8 +5561,21 @@
                   <a:schemeClr val="bg1"/>
                 </a:solidFill>
               </a:rPr>
-              <a:t> Mitarbeiter</a:t>
-            </a:r>
+              <a:t> von </a:t>
+            </a:r>
+            <a:r>
+              <a:rPr lang="en-US" sz="5400" dirty="0" err="1">
+                <a:solidFill>
+                  <a:schemeClr val="bg1"/>
+                </a:solidFill>
+              </a:rPr>
+              <a:t>Mitarbeitern</a:t>
+            </a:r>
+            <a:endParaRPr lang="en-US" sz="5400" dirty="0">
+              <a:solidFill>
+                <a:schemeClr val="bg1"/>
+              </a:solidFill>
+            </a:endParaRPr>
           </a:p>
         </p:txBody>
       </p:sp>
@@ -6125,7 +6156,7 @@
           <p:cNvPr id="7" name="Content Placeholder 6" descr="A screenshot of a computer&#10;&#10;Description automatically generated">
             <a:extLst>
               <a:ext uri="{FF2B5EF4-FFF2-40B4-BE49-F238E27FC236}">
-                <a16:creationId xmlns:a16="http://schemas.microsoft.com/office/drawing/2014/main" id="{5B52F0C3-D396-62D4-82C2-EC6641D2AB32}"/>
+                <a16:creationId xmlns:a16="http://schemas.microsoft.com/office/drawing/2014/main" id="{4C7A9052-9E8B-28A4-BA30-F5F2F2086467}"/>
               </a:ext>
             </a:extLst>
           </p:cNvPr>
@@ -6150,8 +6181,8 @@
         </p:blipFill>
         <p:spPr>
           <a:xfrm>
-            <a:off x="1072826" y="1939735"/>
-            <a:ext cx="6328100" cy="4371703"/>
+            <a:off x="1054850" y="1867764"/>
+            <a:ext cx="6831850" cy="4447077"/>
           </a:xfrm>
         </p:spPr>
       </p:pic>
@@ -6170,7 +6201,7 @@
         <p:spPr>
           <a:xfrm>
             <a:off x="9664930" y="1995302"/>
-            <a:ext cx="2472297" cy="3416320"/>
+            <a:ext cx="2472297" cy="3970318"/>
           </a:xfrm>
           <a:prstGeom prst="rect">
             <a:avLst/>
@@ -6281,6 +6312,36 @@
               </a:rPr>
               <a:t>Rollenkonzept</a:t>
             </a:r>
+          </a:p>
+          <a:p>
+            <a:pPr marL="285750" indent="-285750">
+              <a:buFont typeface="Arial" panose="020B0604020202020204" pitchFamily="34" charset="0"/>
+              <a:buChar char="•"/>
+            </a:pPr>
+            <a:endParaRPr lang="de-DE" dirty="0">
+              <a:solidFill>
+                <a:schemeClr val="bg1"/>
+              </a:solidFill>
+            </a:endParaRPr>
+          </a:p>
+          <a:p>
+            <a:pPr marL="285750" indent="-285750">
+              <a:buFont typeface="Arial" panose="020B0604020202020204" pitchFamily="34" charset="0"/>
+              <a:buChar char="•"/>
+            </a:pPr>
+            <a:r>
+              <a:rPr lang="en-US" dirty="0" err="1">
+                <a:solidFill>
+                  <a:schemeClr val="bg1"/>
+                </a:solidFill>
+              </a:rPr>
+              <a:t>Datenbankmodell</a:t>
+            </a:r>
+            <a:endParaRPr lang="de-DE" dirty="0">
+              <a:solidFill>
+                <a:schemeClr val="bg1"/>
+              </a:solidFill>
+            </a:endParaRPr>
           </a:p>
           <a:p>
             <a:pPr marL="285750" indent="-285750">
@@ -6368,7 +6429,7 @@
           <p:cNvPr id="8" name="Arrow: Right 7">
             <a:extLst>
               <a:ext uri="{FF2B5EF4-FFF2-40B4-BE49-F238E27FC236}">
-                <a16:creationId xmlns:a16="http://schemas.microsoft.com/office/drawing/2014/main" id="{7018617B-62C0-41E9-0B44-588AB9198BE5}"/>
+                <a16:creationId xmlns:a16="http://schemas.microsoft.com/office/drawing/2014/main" id="{BDE24A36-69D3-B177-87E3-76917D87D90B}"/>
               </a:ext>
             </a:extLst>
           </p:cNvPr>
@@ -6377,7 +6438,7 @@
         </p:nvSpPr>
         <p:spPr>
           <a:xfrm>
-            <a:off x="8992788" y="4963020"/>
+            <a:off x="9004658" y="5483019"/>
             <a:ext cx="657225" cy="482601"/>
           </a:xfrm>
           <a:prstGeom prst="rightArrow">
@@ -6420,7 +6481,7 @@
     </p:spTree>
     <p:extLst>
       <p:ext uri="{BB962C8B-B14F-4D97-AF65-F5344CB8AC3E}">
-        <p14:creationId xmlns:p14="http://schemas.microsoft.com/office/powerpoint/2010/main" val="591343553"/>
+        <p14:creationId xmlns:p14="http://schemas.microsoft.com/office/powerpoint/2010/main" val="796309101"/>
       </p:ext>
     </p:extLst>
   </p:cSld>
@@ -6595,7 +6656,7 @@
                   <a:schemeClr val="bg1"/>
                 </a:solidFill>
               </a:rPr>
-              <a:t>Übersicht</a:t>
+              <a:t>Neuer</a:t>
             </a:r>
             <a:r>
               <a:rPr lang="en-US" sz="5400" dirty="0">
@@ -6603,21 +6664,8 @@
                   <a:schemeClr val="bg1"/>
                 </a:solidFill>
               </a:rPr>
-              <a:t> </a:t>
-            </a:r>
-            <a:r>
-              <a:rPr lang="en-US" sz="5400" dirty="0" err="1">
-                <a:solidFill>
-                  <a:schemeClr val="bg1"/>
-                </a:solidFill>
-              </a:rPr>
-              <a:t>Projekt</a:t>
-            </a:r>
-            <a:endParaRPr lang="en-US" sz="5400" dirty="0">
-              <a:solidFill>
-                <a:schemeClr val="bg1"/>
-              </a:solidFill>
-            </a:endParaRPr>
+              <a:t> Mitarbeiter</a:t>
+            </a:r>
           </a:p>
         </p:txBody>
       </p:sp>
@@ -7198,7 +7246,7 @@
           <p:cNvPr id="7" name="Content Placeholder 6" descr="A screenshot of a computer&#10;&#10;Description automatically generated">
             <a:extLst>
               <a:ext uri="{FF2B5EF4-FFF2-40B4-BE49-F238E27FC236}">
-                <a16:creationId xmlns:a16="http://schemas.microsoft.com/office/drawing/2014/main" id="{5DE6A621-E8E6-113D-336F-F4FF6859F2B6}"/>
+                <a16:creationId xmlns:a16="http://schemas.microsoft.com/office/drawing/2014/main" id="{5B52F0C3-D396-62D4-82C2-EC6641D2AB32}"/>
               </a:ext>
             </a:extLst>
           </p:cNvPr>
@@ -7223,8 +7271,8 @@
         </p:blipFill>
         <p:spPr>
           <a:xfrm>
-            <a:off x="1071048" y="1995302"/>
-            <a:ext cx="7190437" cy="4324472"/>
+            <a:off x="1072826" y="1939735"/>
+            <a:ext cx="6328100" cy="4371703"/>
           </a:xfrm>
         </p:spPr>
       </p:pic>
@@ -7243,7 +7291,7 @@
         <p:spPr>
           <a:xfrm>
             <a:off x="9664930" y="1995302"/>
-            <a:ext cx="2472297" cy="3416320"/>
+            <a:ext cx="2472297" cy="3970318"/>
           </a:xfrm>
           <a:prstGeom prst="rect">
             <a:avLst/>
@@ -7354,6 +7402,36 @@
               </a:rPr>
               <a:t>Rollenkonzept</a:t>
             </a:r>
+          </a:p>
+          <a:p>
+            <a:pPr marL="285750" indent="-285750">
+              <a:buFont typeface="Arial" panose="020B0604020202020204" pitchFamily="34" charset="0"/>
+              <a:buChar char="•"/>
+            </a:pPr>
+            <a:endParaRPr lang="de-DE" dirty="0">
+              <a:solidFill>
+                <a:schemeClr val="bg1"/>
+              </a:solidFill>
+            </a:endParaRPr>
+          </a:p>
+          <a:p>
+            <a:pPr marL="285750" indent="-285750">
+              <a:buFont typeface="Arial" panose="020B0604020202020204" pitchFamily="34" charset="0"/>
+              <a:buChar char="•"/>
+            </a:pPr>
+            <a:r>
+              <a:rPr lang="en-US" dirty="0" err="1">
+                <a:solidFill>
+                  <a:schemeClr val="bg1"/>
+                </a:solidFill>
+              </a:rPr>
+              <a:t>Datenbankmodell</a:t>
+            </a:r>
+            <a:endParaRPr lang="de-DE" dirty="0">
+              <a:solidFill>
+                <a:schemeClr val="bg1"/>
+              </a:solidFill>
+            </a:endParaRPr>
           </a:p>
           <a:p>
             <a:pPr marL="285750" indent="-285750">
@@ -7441,7 +7519,7 @@
           <p:cNvPr id="8" name="Arrow: Right 7">
             <a:extLst>
               <a:ext uri="{FF2B5EF4-FFF2-40B4-BE49-F238E27FC236}">
-                <a16:creationId xmlns:a16="http://schemas.microsoft.com/office/drawing/2014/main" id="{73E33C6E-225B-A8A1-7C92-FCCAB5DA38DB}"/>
+                <a16:creationId xmlns:a16="http://schemas.microsoft.com/office/drawing/2014/main" id="{7018617B-62C0-41E9-0B44-588AB9198BE5}"/>
               </a:ext>
             </a:extLst>
           </p:cNvPr>
@@ -7450,7 +7528,7 @@
         </p:nvSpPr>
         <p:spPr>
           <a:xfrm>
-            <a:off x="8992788" y="4943970"/>
+            <a:off x="9007705" y="5483019"/>
             <a:ext cx="657225" cy="482601"/>
           </a:xfrm>
           <a:prstGeom prst="rightArrow">
@@ -7493,7 +7571,7 @@
     </p:spTree>
     <p:extLst>
       <p:ext uri="{BB962C8B-B14F-4D97-AF65-F5344CB8AC3E}">
-        <p14:creationId xmlns:p14="http://schemas.microsoft.com/office/powerpoint/2010/main" val="2389793560"/>
+        <p14:creationId xmlns:p14="http://schemas.microsoft.com/office/powerpoint/2010/main" val="591343553"/>
       </p:ext>
     </p:extLst>
   </p:cSld>
@@ -7668,7 +7746,7 @@
                   <a:schemeClr val="bg1"/>
                 </a:solidFill>
               </a:rPr>
-              <a:t>Ändern</a:t>
+              <a:t>Übersicht</a:t>
             </a:r>
             <a:r>
               <a:rPr lang="en-US" sz="5400" dirty="0">
@@ -7676,7 +7754,7 @@
                   <a:schemeClr val="bg1"/>
                 </a:solidFill>
               </a:rPr>
-              <a:t> von </a:t>
+              <a:t> </a:t>
             </a:r>
             <a:r>
               <a:rPr lang="en-US" sz="5400" dirty="0" err="1">
@@ -7684,7 +7762,7 @@
                   <a:schemeClr val="bg1"/>
                 </a:solidFill>
               </a:rPr>
-              <a:t>Projektdaten</a:t>
+              <a:t>Projekt</a:t>
             </a:r>
             <a:endParaRPr lang="en-US" sz="5400" dirty="0">
               <a:solidFill>
@@ -8266,6 +8344,41 @@
           </a:p>
         </p:txBody>
       </p:sp>
+      <p:pic>
+        <p:nvPicPr>
+          <p:cNvPr id="7" name="Content Placeholder 6" descr="A screenshot of a computer&#10;&#10;Description automatically generated">
+            <a:extLst>
+              <a:ext uri="{FF2B5EF4-FFF2-40B4-BE49-F238E27FC236}">
+                <a16:creationId xmlns:a16="http://schemas.microsoft.com/office/drawing/2014/main" id="{5DE6A621-E8E6-113D-336F-F4FF6859F2B6}"/>
+              </a:ext>
+            </a:extLst>
+          </p:cNvPr>
+          <p:cNvPicPr>
+            <a:picLocks noGrp="1" noChangeAspect="1"/>
+          </p:cNvPicPr>
+          <p:nvPr>
+            <p:ph idx="1"/>
+          </p:nvPr>
+        </p:nvPicPr>
+        <p:blipFill>
+          <a:blip r:embed="rId3">
+            <a:extLst>
+              <a:ext uri="{28A0092B-C50C-407E-A947-70E740481C1C}">
+                <a14:useLocalDpi xmlns:a14="http://schemas.microsoft.com/office/drawing/2010/main" val="0"/>
+              </a:ext>
+            </a:extLst>
+          </a:blip>
+          <a:stretch>
+            <a:fillRect/>
+          </a:stretch>
+        </p:blipFill>
+        <p:spPr>
+          <a:xfrm>
+            <a:off x="1071048" y="1995302"/>
+            <a:ext cx="7190437" cy="4324472"/>
+          </a:xfrm>
+        </p:spPr>
+      </p:pic>
       <p:sp>
         <p:nvSpPr>
           <p:cNvPr id="4" name="TextBox 3">
@@ -8281,7 +8394,7 @@
         <p:spPr>
           <a:xfrm>
             <a:off x="9664930" y="1995302"/>
-            <a:ext cx="2472297" cy="3416320"/>
+            <a:ext cx="2472297" cy="3970318"/>
           </a:xfrm>
           <a:prstGeom prst="rect">
             <a:avLst/>
@@ -8392,6 +8505,36 @@
               </a:rPr>
               <a:t>Rollenkonzept</a:t>
             </a:r>
+          </a:p>
+          <a:p>
+            <a:pPr marL="285750" indent="-285750">
+              <a:buFont typeface="Arial" panose="020B0604020202020204" pitchFamily="34" charset="0"/>
+              <a:buChar char="•"/>
+            </a:pPr>
+            <a:endParaRPr lang="de-DE" dirty="0">
+              <a:solidFill>
+                <a:schemeClr val="bg1"/>
+              </a:solidFill>
+            </a:endParaRPr>
+          </a:p>
+          <a:p>
+            <a:pPr marL="285750" indent="-285750">
+              <a:buFont typeface="Arial" panose="020B0604020202020204" pitchFamily="34" charset="0"/>
+              <a:buChar char="•"/>
+            </a:pPr>
+            <a:r>
+              <a:rPr lang="en-US" dirty="0" err="1">
+                <a:solidFill>
+                  <a:schemeClr val="bg1"/>
+                </a:solidFill>
+              </a:rPr>
+              <a:t>Datenbankmodell</a:t>
+            </a:r>
+            <a:endParaRPr lang="de-DE" dirty="0">
+              <a:solidFill>
+                <a:schemeClr val="bg1"/>
+              </a:solidFill>
+            </a:endParaRPr>
           </a:p>
           <a:p>
             <a:pPr marL="285750" indent="-285750">
@@ -8488,7 +8631,7 @@
         </p:nvSpPr>
         <p:spPr>
           <a:xfrm>
-            <a:off x="8992788" y="4943970"/>
+            <a:off x="9003900" y="5483019"/>
             <a:ext cx="657225" cy="482601"/>
           </a:xfrm>
           <a:prstGeom prst="rightArrow">
@@ -8528,45 +8671,10 @@
           </a:p>
         </p:txBody>
       </p:sp>
-      <p:pic>
-        <p:nvPicPr>
-          <p:cNvPr id="12" name="Inhaltsplatzhalter 11">
-            <a:extLst>
-              <a:ext uri="{FF2B5EF4-FFF2-40B4-BE49-F238E27FC236}">
-                <a16:creationId xmlns:a16="http://schemas.microsoft.com/office/drawing/2014/main" id="{1822ED84-47FD-4717-BF96-26781C027795}"/>
-              </a:ext>
-            </a:extLst>
-          </p:cNvPr>
-          <p:cNvPicPr>
-            <a:picLocks noGrp="1" noChangeAspect="1"/>
-          </p:cNvPicPr>
-          <p:nvPr>
-            <p:ph idx="1"/>
-          </p:nvPr>
-        </p:nvPicPr>
-        <p:blipFill>
-          <a:blip r:embed="rId3">
-            <a:extLst>
-              <a:ext uri="{28A0092B-C50C-407E-A947-70E740481C1C}">
-                <a14:useLocalDpi xmlns:a14="http://schemas.microsoft.com/office/drawing/2010/main" val="0"/>
-              </a:ext>
-            </a:extLst>
-          </a:blip>
-          <a:stretch>
-            <a:fillRect/>
-          </a:stretch>
-        </p:blipFill>
-        <p:spPr>
-          <a:xfrm>
-            <a:off x="1050862" y="1995302"/>
-            <a:ext cx="7235108" cy="4351338"/>
-          </a:xfrm>
-        </p:spPr>
-      </p:pic>
     </p:spTree>
     <p:extLst>
       <p:ext uri="{BB962C8B-B14F-4D97-AF65-F5344CB8AC3E}">
-        <p14:creationId xmlns:p14="http://schemas.microsoft.com/office/powerpoint/2010/main" val="344851851"/>
+        <p14:creationId xmlns:p14="http://schemas.microsoft.com/office/powerpoint/2010/main" val="2389793560"/>
       </p:ext>
     </p:extLst>
   </p:cSld>
@@ -8736,12 +8844,20 @@
           <a:lstStyle/>
           <a:p>
             <a:r>
+              <a:rPr lang="en-US" sz="5400" dirty="0" err="1">
+                <a:solidFill>
+                  <a:schemeClr val="bg1"/>
+                </a:solidFill>
+              </a:rPr>
+              <a:t>Ändern</a:t>
+            </a:r>
+            <a:r>
               <a:rPr lang="en-US" sz="5400" dirty="0">
                 <a:solidFill>
                   <a:schemeClr val="bg1"/>
                 </a:solidFill>
               </a:rPr>
-              <a:t>Neue </a:t>
+              <a:t> von </a:t>
             </a:r>
             <a:r>
               <a:rPr lang="en-US" sz="5400" dirty="0" err="1">
@@ -8749,7 +8865,7 @@
                   <a:schemeClr val="bg1"/>
                 </a:solidFill>
               </a:rPr>
-              <a:t>Buchung</a:t>
+              <a:t>Projektdaten</a:t>
             </a:r>
             <a:endParaRPr lang="en-US" sz="5400" dirty="0">
               <a:solidFill>
@@ -9331,41 +9447,6 @@
           </a:p>
         </p:txBody>
       </p:sp>
-      <p:pic>
-        <p:nvPicPr>
-          <p:cNvPr id="7" name="Content Placeholder 6" descr="A screenshot of a computer&#10;&#10;Description automatically generated">
-            <a:extLst>
-              <a:ext uri="{FF2B5EF4-FFF2-40B4-BE49-F238E27FC236}">
-                <a16:creationId xmlns:a16="http://schemas.microsoft.com/office/drawing/2014/main" id="{996B74CC-7851-C6C9-2031-40BAEC73D8EA}"/>
-              </a:ext>
-            </a:extLst>
-          </p:cNvPr>
-          <p:cNvPicPr>
-            <a:picLocks noGrp="1" noChangeAspect="1"/>
-          </p:cNvPicPr>
-          <p:nvPr>
-            <p:ph idx="1"/>
-          </p:nvPr>
-        </p:nvPicPr>
-        <p:blipFill>
-          <a:blip r:embed="rId3">
-            <a:extLst>
-              <a:ext uri="{28A0092B-C50C-407E-A947-70E740481C1C}">
-                <a14:useLocalDpi xmlns:a14="http://schemas.microsoft.com/office/drawing/2010/main" val="0"/>
-              </a:ext>
-            </a:extLst>
-          </a:blip>
-          <a:stretch>
-            <a:fillRect/>
-          </a:stretch>
-        </p:blipFill>
-        <p:spPr>
-          <a:xfrm>
-            <a:off x="1045308" y="1995302"/>
-            <a:ext cx="6152518" cy="4306184"/>
-          </a:xfrm>
-        </p:spPr>
-      </p:pic>
       <p:sp>
         <p:nvSpPr>
           <p:cNvPr id="4" name="TextBox 3">
@@ -9381,7 +9462,7 @@
         <p:spPr>
           <a:xfrm>
             <a:off x="9664930" y="1995302"/>
-            <a:ext cx="2472297" cy="3416320"/>
+            <a:ext cx="2472297" cy="3970318"/>
           </a:xfrm>
           <a:prstGeom prst="rect">
             <a:avLst/>
@@ -9492,6 +9573,36 @@
               </a:rPr>
               <a:t>Rollenkonzept</a:t>
             </a:r>
+          </a:p>
+          <a:p>
+            <a:pPr marL="285750" indent="-285750">
+              <a:buFont typeface="Arial" panose="020B0604020202020204" pitchFamily="34" charset="0"/>
+              <a:buChar char="•"/>
+            </a:pPr>
+            <a:endParaRPr lang="de-DE" dirty="0">
+              <a:solidFill>
+                <a:schemeClr val="bg1"/>
+              </a:solidFill>
+            </a:endParaRPr>
+          </a:p>
+          <a:p>
+            <a:pPr marL="285750" indent="-285750">
+              <a:buFont typeface="Arial" panose="020B0604020202020204" pitchFamily="34" charset="0"/>
+              <a:buChar char="•"/>
+            </a:pPr>
+            <a:r>
+              <a:rPr lang="en-US" dirty="0" err="1">
+                <a:solidFill>
+                  <a:schemeClr val="bg1"/>
+                </a:solidFill>
+              </a:rPr>
+              <a:t>Datenbankmodell</a:t>
+            </a:r>
+            <a:endParaRPr lang="de-DE" dirty="0">
+              <a:solidFill>
+                <a:schemeClr val="bg1"/>
+              </a:solidFill>
+            </a:endParaRPr>
           </a:p>
           <a:p>
             <a:pPr marL="285750" indent="-285750">
@@ -9579,7 +9690,7 @@
           <p:cNvPr id="8" name="Arrow: Right 7">
             <a:extLst>
               <a:ext uri="{FF2B5EF4-FFF2-40B4-BE49-F238E27FC236}">
-                <a16:creationId xmlns:a16="http://schemas.microsoft.com/office/drawing/2014/main" id="{5C86BF85-A55F-D02C-A34F-D5A1A4D0CD6A}"/>
+                <a16:creationId xmlns:a16="http://schemas.microsoft.com/office/drawing/2014/main" id="{73E33C6E-225B-A8A1-7C92-FCCAB5DA38DB}"/>
               </a:ext>
             </a:extLst>
           </p:cNvPr>
@@ -9588,7 +9699,7 @@
         </p:nvSpPr>
         <p:spPr>
           <a:xfrm>
-            <a:off x="8992788" y="4963020"/>
+            <a:off x="9004658" y="5483019"/>
             <a:ext cx="657225" cy="482601"/>
           </a:xfrm>
           <a:prstGeom prst="rightArrow">
@@ -9628,10 +9739,45 @@
           </a:p>
         </p:txBody>
       </p:sp>
+      <p:pic>
+        <p:nvPicPr>
+          <p:cNvPr id="12" name="Inhaltsplatzhalter 11">
+            <a:extLst>
+              <a:ext uri="{FF2B5EF4-FFF2-40B4-BE49-F238E27FC236}">
+                <a16:creationId xmlns:a16="http://schemas.microsoft.com/office/drawing/2014/main" id="{1822ED84-47FD-4717-BF96-26781C027795}"/>
+              </a:ext>
+            </a:extLst>
+          </p:cNvPr>
+          <p:cNvPicPr>
+            <a:picLocks noGrp="1" noChangeAspect="1"/>
+          </p:cNvPicPr>
+          <p:nvPr>
+            <p:ph idx="1"/>
+          </p:nvPr>
+        </p:nvPicPr>
+        <p:blipFill>
+          <a:blip r:embed="rId3">
+            <a:extLst>
+              <a:ext uri="{28A0092B-C50C-407E-A947-70E740481C1C}">
+                <a14:useLocalDpi xmlns:a14="http://schemas.microsoft.com/office/drawing/2010/main" val="0"/>
+              </a:ext>
+            </a:extLst>
+          </a:blip>
+          <a:stretch>
+            <a:fillRect/>
+          </a:stretch>
+        </p:blipFill>
+        <p:spPr>
+          <a:xfrm>
+            <a:off x="1050862" y="1995302"/>
+            <a:ext cx="7235108" cy="4351338"/>
+          </a:xfrm>
+        </p:spPr>
+      </p:pic>
     </p:spTree>
     <p:extLst>
       <p:ext uri="{BB962C8B-B14F-4D97-AF65-F5344CB8AC3E}">
-        <p14:creationId xmlns:p14="http://schemas.microsoft.com/office/powerpoint/2010/main" val="2821586821"/>
+        <p14:creationId xmlns:p14="http://schemas.microsoft.com/office/powerpoint/2010/main" val="344851851"/>
       </p:ext>
     </p:extLst>
   </p:cSld>
@@ -9801,12 +9947,20 @@
           <a:lstStyle/>
           <a:p>
             <a:r>
+              <a:rPr lang="en-US" sz="5400" dirty="0">
+                <a:solidFill>
+                  <a:schemeClr val="bg1"/>
+                </a:solidFill>
+              </a:rPr>
+              <a:t>Neue </a:t>
+            </a:r>
+            <a:r>
               <a:rPr lang="en-US" sz="5400" dirty="0" err="1">
                 <a:solidFill>
                   <a:schemeClr val="bg1"/>
                 </a:solidFill>
               </a:rPr>
-              <a:t>Profitabilitätsauswertung</a:t>
+              <a:t>Buchung</a:t>
             </a:r>
             <a:endParaRPr lang="en-US" sz="5400" dirty="0">
               <a:solidFill>
@@ -10393,7 +10547,7 @@
           <p:cNvPr id="7" name="Content Placeholder 6" descr="A screenshot of a computer&#10;&#10;Description automatically generated">
             <a:extLst>
               <a:ext uri="{FF2B5EF4-FFF2-40B4-BE49-F238E27FC236}">
-                <a16:creationId xmlns:a16="http://schemas.microsoft.com/office/drawing/2014/main" id="{FFD8C635-1D21-7629-08C9-427541EF2666}"/>
+                <a16:creationId xmlns:a16="http://schemas.microsoft.com/office/drawing/2014/main" id="{996B74CC-7851-C6C9-2031-40BAEC73D8EA}"/>
               </a:ext>
             </a:extLst>
           </p:cNvPr>
@@ -10418,8 +10572,8 @@
         </p:blipFill>
         <p:spPr>
           <a:xfrm>
-            <a:off x="1059115" y="1995302"/>
-            <a:ext cx="6682602" cy="4324472"/>
+            <a:off x="1045308" y="1995302"/>
+            <a:ext cx="6152518" cy="4306184"/>
           </a:xfrm>
         </p:spPr>
       </p:pic>
@@ -10438,7 +10592,7 @@
         <p:spPr>
           <a:xfrm>
             <a:off x="9664930" y="1995302"/>
-            <a:ext cx="2472297" cy="3416320"/>
+            <a:ext cx="2472297" cy="3970318"/>
           </a:xfrm>
           <a:prstGeom prst="rect">
             <a:avLst/>
@@ -10549,6 +10703,36 @@
               </a:rPr>
               <a:t>Rollenkonzept</a:t>
             </a:r>
+          </a:p>
+          <a:p>
+            <a:pPr marL="285750" indent="-285750">
+              <a:buFont typeface="Arial" panose="020B0604020202020204" pitchFamily="34" charset="0"/>
+              <a:buChar char="•"/>
+            </a:pPr>
+            <a:endParaRPr lang="de-DE" dirty="0">
+              <a:solidFill>
+                <a:schemeClr val="bg1"/>
+              </a:solidFill>
+            </a:endParaRPr>
+          </a:p>
+          <a:p>
+            <a:pPr marL="285750" indent="-285750">
+              <a:buFont typeface="Arial" panose="020B0604020202020204" pitchFamily="34" charset="0"/>
+              <a:buChar char="•"/>
+            </a:pPr>
+            <a:r>
+              <a:rPr lang="en-US" dirty="0" err="1">
+                <a:solidFill>
+                  <a:schemeClr val="bg1"/>
+                </a:solidFill>
+              </a:rPr>
+              <a:t>Datenbankmodell</a:t>
+            </a:r>
+            <a:endParaRPr lang="de-DE" dirty="0">
+              <a:solidFill>
+                <a:schemeClr val="bg1"/>
+              </a:solidFill>
+            </a:endParaRPr>
           </a:p>
           <a:p>
             <a:pPr marL="285750" indent="-285750">
@@ -10636,7 +10820,7 @@
           <p:cNvPr id="8" name="Arrow: Right 7">
             <a:extLst>
               <a:ext uri="{FF2B5EF4-FFF2-40B4-BE49-F238E27FC236}">
-                <a16:creationId xmlns:a16="http://schemas.microsoft.com/office/drawing/2014/main" id="{3FED7CBD-0ED3-B829-A133-DE6F04672709}"/>
+                <a16:creationId xmlns:a16="http://schemas.microsoft.com/office/drawing/2014/main" id="{5C86BF85-A55F-D02C-A34F-D5A1A4D0CD6A}"/>
               </a:ext>
             </a:extLst>
           </p:cNvPr>
@@ -10645,7 +10829,7 @@
         </p:nvSpPr>
         <p:spPr>
           <a:xfrm>
-            <a:off x="8992788" y="4963020"/>
+            <a:off x="9004658" y="5483019"/>
             <a:ext cx="657225" cy="482601"/>
           </a:xfrm>
           <a:prstGeom prst="rightArrow">
@@ -10688,7 +10872,7 @@
     </p:spTree>
     <p:extLst>
       <p:ext uri="{BB962C8B-B14F-4D97-AF65-F5344CB8AC3E}">
-        <p14:creationId xmlns:p14="http://schemas.microsoft.com/office/powerpoint/2010/main" val="791114341"/>
+        <p14:creationId xmlns:p14="http://schemas.microsoft.com/office/powerpoint/2010/main" val="2821586821"/>
       </p:ext>
     </p:extLst>
   </p:cSld>
@@ -11447,7 +11631,7 @@
       </p:sp>
       <p:pic>
         <p:nvPicPr>
-          <p:cNvPr id="7" name="Content Placeholder 6">
+          <p:cNvPr id="7" name="Content Placeholder 6" descr="A screenshot of a computer&#10;&#10;Description automatically generated">
             <a:extLst>
               <a:ext uri="{FF2B5EF4-FFF2-40B4-BE49-F238E27FC236}">
                 <a16:creationId xmlns:a16="http://schemas.microsoft.com/office/drawing/2014/main" id="{FFD8C635-1D21-7629-08C9-427541EF2666}"/>
@@ -11469,13 +11653,14 @@
               </a:ext>
             </a:extLst>
           </a:blip>
-          <a:srcRect/>
-          <a:stretch/>
+          <a:stretch>
+            <a:fillRect/>
+          </a:stretch>
         </p:blipFill>
         <p:spPr>
           <a:xfrm>
-            <a:off x="1110108" y="1995302"/>
-            <a:ext cx="5694286" cy="4324472"/>
+            <a:off x="1059115" y="1995302"/>
+            <a:ext cx="6682602" cy="4324472"/>
           </a:xfrm>
         </p:spPr>
       </p:pic>
@@ -11494,7 +11679,7 @@
         <p:spPr>
           <a:xfrm>
             <a:off x="9664930" y="1995302"/>
-            <a:ext cx="2472297" cy="3416320"/>
+            <a:ext cx="2472297" cy="3970318"/>
           </a:xfrm>
           <a:prstGeom prst="rect">
             <a:avLst/>
@@ -11605,6 +11790,36 @@
               </a:rPr>
               <a:t>Rollenkonzept</a:t>
             </a:r>
+          </a:p>
+          <a:p>
+            <a:pPr marL="285750" indent="-285750">
+              <a:buFont typeface="Arial" panose="020B0604020202020204" pitchFamily="34" charset="0"/>
+              <a:buChar char="•"/>
+            </a:pPr>
+            <a:endParaRPr lang="de-DE" dirty="0">
+              <a:solidFill>
+                <a:schemeClr val="bg1"/>
+              </a:solidFill>
+            </a:endParaRPr>
+          </a:p>
+          <a:p>
+            <a:pPr marL="285750" indent="-285750">
+              <a:buFont typeface="Arial" panose="020B0604020202020204" pitchFamily="34" charset="0"/>
+              <a:buChar char="•"/>
+            </a:pPr>
+            <a:r>
+              <a:rPr lang="en-US" dirty="0" err="1">
+                <a:solidFill>
+                  <a:schemeClr val="bg1"/>
+                </a:solidFill>
+              </a:rPr>
+              <a:t>Datenbankmodell</a:t>
+            </a:r>
+            <a:endParaRPr lang="de-DE" dirty="0">
+              <a:solidFill>
+                <a:schemeClr val="bg1"/>
+              </a:solidFill>
+            </a:endParaRPr>
           </a:p>
           <a:p>
             <a:pPr marL="285750" indent="-285750">
@@ -11701,7 +11916,7 @@
         </p:nvSpPr>
         <p:spPr>
           <a:xfrm>
-            <a:off x="8992788" y="4963020"/>
+            <a:off x="9007695" y="5483019"/>
             <a:ext cx="657225" cy="482601"/>
           </a:xfrm>
           <a:prstGeom prst="rightArrow">
@@ -11744,20 +11959,20 @@
     </p:spTree>
     <p:extLst>
       <p:ext uri="{BB962C8B-B14F-4D97-AF65-F5344CB8AC3E}">
-        <p14:creationId xmlns:p14="http://schemas.microsoft.com/office/powerpoint/2010/main" val="4067904628"/>
+        <p14:creationId xmlns:p14="http://schemas.microsoft.com/office/powerpoint/2010/main" val="791114341"/>
       </p:ext>
     </p:extLst>
   </p:cSld>
   <p:clrMapOvr>
     <a:masterClrMapping/>
   </p:clrMapOvr>
-  <mc:AlternateContent xmlns:mc="http://schemas.openxmlformats.org/markup-compatibility/2006">
-    <mc:Choice xmlns:p159="http://schemas.microsoft.com/office/powerpoint/2015/09/main" Requires="p159">
+  <mc:AlternateContent xmlns:mc="http://schemas.openxmlformats.org/markup-compatibility/2006" xmlns:p159="http://schemas.microsoft.com/office/powerpoint/2015/09/main">
+    <mc:Choice Requires="p159">
       <p:transition spd="med">
         <p159:morph option="byObject"/>
       </p:transition>
     </mc:Choice>
-    <mc:Fallback>
+    <mc:Fallback xmlns="">
       <p:transition spd="med">
         <p:fade/>
       </p:transition>
@@ -11919,23 +12134,7 @@
                   <a:schemeClr val="bg1"/>
                 </a:solidFill>
               </a:rPr>
-              <a:t>Projekt</a:t>
-            </a:r>
-            <a:r>
-              <a:rPr lang="en-US" sz="5400" dirty="0">
-                <a:solidFill>
-                  <a:schemeClr val="bg1"/>
-                </a:solidFill>
-              </a:rPr>
-              <a:t> </a:t>
-            </a:r>
-            <a:r>
-              <a:rPr lang="en-US" sz="5400" dirty="0" err="1">
-                <a:solidFill>
-                  <a:schemeClr val="bg1"/>
-                </a:solidFill>
-              </a:rPr>
-              <a:t>Profitabilität</a:t>
+              <a:t>Profitabilitätsauswertung</a:t>
             </a:r>
             <a:endParaRPr lang="en-US" sz="5400" dirty="0">
               <a:solidFill>
@@ -12517,6 +12716,1108 @@
           </a:p>
         </p:txBody>
       </p:sp>
+      <p:pic>
+        <p:nvPicPr>
+          <p:cNvPr id="7" name="Content Placeholder 6">
+            <a:extLst>
+              <a:ext uri="{FF2B5EF4-FFF2-40B4-BE49-F238E27FC236}">
+                <a16:creationId xmlns:a16="http://schemas.microsoft.com/office/drawing/2014/main" id="{FFD8C635-1D21-7629-08C9-427541EF2666}"/>
+              </a:ext>
+            </a:extLst>
+          </p:cNvPr>
+          <p:cNvPicPr>
+            <a:picLocks noGrp="1" noChangeAspect="1"/>
+          </p:cNvPicPr>
+          <p:nvPr>
+            <p:ph idx="1"/>
+          </p:nvPr>
+        </p:nvPicPr>
+        <p:blipFill>
+          <a:blip r:embed="rId3">
+            <a:extLst>
+              <a:ext uri="{28A0092B-C50C-407E-A947-70E740481C1C}">
+                <a14:useLocalDpi xmlns:a14="http://schemas.microsoft.com/office/drawing/2010/main" val="0"/>
+              </a:ext>
+            </a:extLst>
+          </a:blip>
+          <a:srcRect/>
+          <a:stretch/>
+        </p:blipFill>
+        <p:spPr>
+          <a:xfrm>
+            <a:off x="1110108" y="1995302"/>
+            <a:ext cx="5694286" cy="4324472"/>
+          </a:xfrm>
+        </p:spPr>
+      </p:pic>
+      <p:sp>
+        <p:nvSpPr>
+          <p:cNvPr id="4" name="TextBox 3">
+            <a:extLst>
+              <a:ext uri="{FF2B5EF4-FFF2-40B4-BE49-F238E27FC236}">
+                <a16:creationId xmlns:a16="http://schemas.microsoft.com/office/drawing/2014/main" id="{D6E95770-3874-517C-5F5D-04D0356C2060}"/>
+              </a:ext>
+            </a:extLst>
+          </p:cNvPr>
+          <p:cNvSpPr txBox="1"/>
+          <p:nvPr/>
+        </p:nvSpPr>
+        <p:spPr>
+          <a:xfrm>
+            <a:off x="9664930" y="1995302"/>
+            <a:ext cx="2472297" cy="3970318"/>
+          </a:xfrm>
+          <a:prstGeom prst="rect">
+            <a:avLst/>
+          </a:prstGeom>
+          <a:noFill/>
+        </p:spPr>
+        <p:txBody>
+          <a:bodyPr wrap="square" rtlCol="0">
+            <a:spAutoFit/>
+          </a:bodyPr>
+          <a:lstStyle/>
+          <a:p>
+            <a:pPr marL="285750" indent="-285750">
+              <a:buFont typeface="Arial" panose="020B0604020202020204" pitchFamily="34" charset="0"/>
+              <a:buChar char="•"/>
+            </a:pPr>
+            <a:endParaRPr lang="de-DE" dirty="0">
+              <a:solidFill>
+                <a:schemeClr val="bg1"/>
+              </a:solidFill>
+            </a:endParaRPr>
+          </a:p>
+          <a:p>
+            <a:pPr marL="285750" indent="-285750">
+              <a:buFont typeface="Arial" panose="020B0604020202020204" pitchFamily="34" charset="0"/>
+              <a:buChar char="•"/>
+            </a:pPr>
+            <a:r>
+              <a:rPr lang="de-DE" dirty="0">
+                <a:solidFill>
+                  <a:schemeClr val="bg1"/>
+                </a:solidFill>
+              </a:rPr>
+              <a:t>Aufgabenstellung</a:t>
+            </a:r>
+          </a:p>
+          <a:p>
+            <a:pPr marL="285750" indent="-285750">
+              <a:buFont typeface="Arial" panose="020B0604020202020204" pitchFamily="34" charset="0"/>
+              <a:buChar char="•"/>
+            </a:pPr>
+            <a:endParaRPr lang="de-DE" dirty="0">
+              <a:solidFill>
+                <a:schemeClr val="bg1"/>
+              </a:solidFill>
+            </a:endParaRPr>
+          </a:p>
+          <a:p>
+            <a:pPr marL="285750" indent="-285750">
+              <a:buFont typeface="Arial" panose="020B0604020202020204" pitchFamily="34" charset="0"/>
+              <a:buChar char="•"/>
+            </a:pPr>
+            <a:r>
+              <a:rPr lang="de-DE" dirty="0">
+                <a:solidFill>
+                  <a:schemeClr val="bg1"/>
+                </a:solidFill>
+              </a:rPr>
+              <a:t>Anforderungen</a:t>
+            </a:r>
+          </a:p>
+          <a:p>
+            <a:pPr marL="285750" indent="-285750">
+              <a:buFont typeface="Arial" panose="020B0604020202020204" pitchFamily="34" charset="0"/>
+              <a:buChar char="•"/>
+            </a:pPr>
+            <a:endParaRPr lang="de-DE" dirty="0">
+              <a:solidFill>
+                <a:schemeClr val="bg1"/>
+              </a:solidFill>
+            </a:endParaRPr>
+          </a:p>
+          <a:p>
+            <a:pPr marL="285750" indent="-285750">
+              <a:buFont typeface="Arial" panose="020B0604020202020204" pitchFamily="34" charset="0"/>
+              <a:buChar char="•"/>
+            </a:pPr>
+            <a:r>
+              <a:rPr lang="de-DE" dirty="0">
+                <a:solidFill>
+                  <a:schemeClr val="bg1"/>
+                </a:solidFill>
+              </a:rPr>
+              <a:t>Technologien</a:t>
+            </a:r>
+          </a:p>
+          <a:p>
+            <a:pPr marL="285750" indent="-285750">
+              <a:buFont typeface="Arial" panose="020B0604020202020204" pitchFamily="34" charset="0"/>
+              <a:buChar char="•"/>
+            </a:pPr>
+            <a:endParaRPr lang="de-DE" dirty="0">
+              <a:solidFill>
+                <a:schemeClr val="bg1"/>
+              </a:solidFill>
+            </a:endParaRPr>
+          </a:p>
+          <a:p>
+            <a:pPr marL="285750" indent="-285750">
+              <a:buFont typeface="Arial" panose="020B0604020202020204" pitchFamily="34" charset="0"/>
+              <a:buChar char="•"/>
+            </a:pPr>
+            <a:r>
+              <a:rPr lang="de-DE" dirty="0">
+                <a:solidFill>
+                  <a:schemeClr val="bg1"/>
+                </a:solidFill>
+              </a:rPr>
+              <a:t>Rollenkonzept</a:t>
+            </a:r>
+          </a:p>
+          <a:p>
+            <a:pPr marL="285750" indent="-285750">
+              <a:buFont typeface="Arial" panose="020B0604020202020204" pitchFamily="34" charset="0"/>
+              <a:buChar char="•"/>
+            </a:pPr>
+            <a:endParaRPr lang="de-DE" dirty="0">
+              <a:solidFill>
+                <a:schemeClr val="bg1"/>
+              </a:solidFill>
+            </a:endParaRPr>
+          </a:p>
+          <a:p>
+            <a:pPr marL="285750" indent="-285750">
+              <a:buFont typeface="Arial" panose="020B0604020202020204" pitchFamily="34" charset="0"/>
+              <a:buChar char="•"/>
+            </a:pPr>
+            <a:r>
+              <a:rPr lang="en-US" dirty="0" err="1">
+                <a:solidFill>
+                  <a:schemeClr val="bg1"/>
+                </a:solidFill>
+              </a:rPr>
+              <a:t>Datenbankmodell</a:t>
+            </a:r>
+            <a:endParaRPr lang="de-DE" dirty="0">
+              <a:solidFill>
+                <a:schemeClr val="bg1"/>
+              </a:solidFill>
+            </a:endParaRPr>
+          </a:p>
+          <a:p>
+            <a:pPr marL="285750" indent="-285750">
+              <a:buFont typeface="Arial" panose="020B0604020202020204" pitchFamily="34" charset="0"/>
+              <a:buChar char="•"/>
+            </a:pPr>
+            <a:endParaRPr lang="de-DE" dirty="0">
+              <a:solidFill>
+                <a:schemeClr val="bg1"/>
+              </a:solidFill>
+            </a:endParaRPr>
+          </a:p>
+          <a:p>
+            <a:pPr marL="285750" indent="-285750">
+              <a:buFont typeface="Arial" panose="020B0604020202020204" pitchFamily="34" charset="0"/>
+              <a:buChar char="•"/>
+            </a:pPr>
+            <a:r>
+              <a:rPr lang="de-DE" dirty="0">
+                <a:solidFill>
+                  <a:schemeClr val="bg1"/>
+                </a:solidFill>
+              </a:rPr>
+              <a:t>Klassendiagramm</a:t>
+            </a:r>
+          </a:p>
+          <a:p>
+            <a:pPr marL="285750" indent="-285750">
+              <a:buFont typeface="Arial" panose="020B0604020202020204" pitchFamily="34" charset="0"/>
+              <a:buChar char="•"/>
+            </a:pPr>
+            <a:endParaRPr lang="de-DE" dirty="0">
+              <a:solidFill>
+                <a:schemeClr val="bg1"/>
+              </a:solidFill>
+            </a:endParaRPr>
+          </a:p>
+          <a:p>
+            <a:pPr marL="285750" indent="-285750">
+              <a:buFont typeface="Arial" panose="020B0604020202020204" pitchFamily="34" charset="0"/>
+              <a:buChar char="•"/>
+            </a:pPr>
+            <a:r>
+              <a:rPr lang="de-DE" dirty="0">
+                <a:solidFill>
+                  <a:schemeClr val="bg1"/>
+                </a:solidFill>
+              </a:rPr>
+              <a:t>Screenshots</a:t>
+            </a:r>
+          </a:p>
+        </p:txBody>
+      </p:sp>
+      <p:sp>
+        <p:nvSpPr>
+          <p:cNvPr id="5" name="Slide Number Placeholder 4">
+            <a:extLst>
+              <a:ext uri="{FF2B5EF4-FFF2-40B4-BE49-F238E27FC236}">
+                <a16:creationId xmlns:a16="http://schemas.microsoft.com/office/drawing/2014/main" id="{1A68A4A1-C191-7418-DCD5-1521B409655F}"/>
+              </a:ext>
+            </a:extLst>
+          </p:cNvPr>
+          <p:cNvSpPr>
+            <a:spLocks noGrp="1"/>
+          </p:cNvSpPr>
+          <p:nvPr>
+            <p:ph type="sldNum" sz="quarter" idx="12"/>
+          </p:nvPr>
+        </p:nvSpPr>
+        <p:spPr/>
+        <p:txBody>
+          <a:bodyPr/>
+          <a:lstStyle/>
+          <a:p>
+            <a:fld id="{13C740AA-7824-4996-A9A9-B0E74C888E41}" type="slidenum">
+              <a:rPr lang="de-DE" smtClean="0"/>
+              <a:t>17</a:t>
+            </a:fld>
+            <a:endParaRPr lang="de-DE"/>
+          </a:p>
+        </p:txBody>
+      </p:sp>
+      <p:sp>
+        <p:nvSpPr>
+          <p:cNvPr id="8" name="Arrow: Right 7">
+            <a:extLst>
+              <a:ext uri="{FF2B5EF4-FFF2-40B4-BE49-F238E27FC236}">
+                <a16:creationId xmlns:a16="http://schemas.microsoft.com/office/drawing/2014/main" id="{3FED7CBD-0ED3-B829-A133-DE6F04672709}"/>
+              </a:ext>
+            </a:extLst>
+          </p:cNvPr>
+          <p:cNvSpPr/>
+          <p:nvPr/>
+        </p:nvSpPr>
+        <p:spPr>
+          <a:xfrm>
+            <a:off x="9007705" y="5483019"/>
+            <a:ext cx="657225" cy="482601"/>
+          </a:xfrm>
+          <a:prstGeom prst="rightArrow">
+            <a:avLst/>
+          </a:prstGeom>
+          <a:solidFill>
+            <a:schemeClr val="bg1"/>
+          </a:solidFill>
+          <a:ln>
+            <a:solidFill>
+              <a:schemeClr val="bg1"/>
+            </a:solidFill>
+          </a:ln>
+        </p:spPr>
+        <p:style>
+          <a:lnRef idx="2">
+            <a:schemeClr val="accent1">
+              <a:shade val="15000"/>
+            </a:schemeClr>
+          </a:lnRef>
+          <a:fillRef idx="1">
+            <a:schemeClr val="accent1"/>
+          </a:fillRef>
+          <a:effectRef idx="0">
+            <a:schemeClr val="accent1"/>
+          </a:effectRef>
+          <a:fontRef idx="minor">
+            <a:schemeClr val="lt1"/>
+          </a:fontRef>
+        </p:style>
+        <p:txBody>
+          <a:bodyPr rtlCol="0" anchor="ctr"/>
+          <a:lstStyle/>
+          <a:p>
+            <a:pPr algn="ctr"/>
+            <a:endParaRPr lang="de-DE"/>
+          </a:p>
+        </p:txBody>
+      </p:sp>
+    </p:spTree>
+    <p:extLst>
+      <p:ext uri="{BB962C8B-B14F-4D97-AF65-F5344CB8AC3E}">
+        <p14:creationId xmlns:p14="http://schemas.microsoft.com/office/powerpoint/2010/main" val="4067904628"/>
+      </p:ext>
+    </p:extLst>
+  </p:cSld>
+  <p:clrMapOvr>
+    <a:masterClrMapping/>
+  </p:clrMapOvr>
+  <mc:AlternateContent xmlns:mc="http://schemas.openxmlformats.org/markup-compatibility/2006" xmlns:p159="http://schemas.microsoft.com/office/powerpoint/2015/09/main">
+    <mc:Choice Requires="p159">
+      <p:transition spd="med">
+        <p159:morph option="byObject"/>
+      </p:transition>
+    </mc:Choice>
+    <mc:Fallback xmlns="">
+      <p:transition spd="med">
+        <p:fade/>
+      </p:transition>
+    </mc:Fallback>
+  </mc:AlternateContent>
+</p:sld>
+</file>
+
+<file path=ppt/slides/slide18.xml><?xml version="1.0" encoding="utf-8"?>
+<p:sld xmlns:a="http://schemas.openxmlformats.org/drawingml/2006/main" xmlns:r="http://schemas.openxmlformats.org/officeDocument/2006/relationships" xmlns:p="http://schemas.openxmlformats.org/presentationml/2006/main">
+  <p:cSld>
+    <p:bg>
+      <p:bgPr>
+        <a:solidFill>
+          <a:schemeClr val="bg1"/>
+        </a:solidFill>
+        <a:effectLst/>
+      </p:bgPr>
+    </p:bg>
+    <p:spTree>
+      <p:nvGrpSpPr>
+        <p:cNvPr id="1" name=""/>
+        <p:cNvGrpSpPr/>
+        <p:nvPr/>
+      </p:nvGrpSpPr>
+      <p:grpSpPr>
+        <a:xfrm>
+          <a:off x="0" y="0"/>
+          <a:ext cx="0" cy="0"/>
+          <a:chOff x="0" y="0"/>
+          <a:chExt cx="0" cy="0"/>
+        </a:xfrm>
+      </p:grpSpPr>
+      <p:sp>
+        <p:nvSpPr>
+          <p:cNvPr id="23" name="Rectangle 22">
+            <a:extLst>
+              <a:ext uri="{FF2B5EF4-FFF2-40B4-BE49-F238E27FC236}">
+                <a16:creationId xmlns:a16="http://schemas.microsoft.com/office/drawing/2014/main" id="{1A9F7B4E-B03D-4F64-BE33-00D074458D45}"/>
+              </a:ext>
+              <a:ext uri="{C183D7F6-B498-43B3-948B-1728B52AA6E4}">
+                <adec:decorative xmlns:adec="http://schemas.microsoft.com/office/drawing/2017/decorative" val="1"/>
+              </a:ext>
+            </a:extLst>
+          </p:cNvPr>
+          <p:cNvSpPr>
+            <a:spLocks noGrp="1" noRot="1" noChangeAspect="1" noMove="1" noResize="1" noEditPoints="1" noAdjustHandles="1" noChangeArrowheads="1" noChangeShapeType="1" noTextEdit="1"/>
+          </p:cNvSpPr>
+          <p:nvPr>
+            <p:extLst>
+              <p:ext uri="{386F3935-93C4-4BCD-93E2-E3B085C9AB24}">
+                <p16:designElem xmlns:p16="http://schemas.microsoft.com/office/powerpoint/2015/main" val="1"/>
+              </p:ext>
+            </p:extLst>
+          </p:nvPr>
+        </p:nvSpPr>
+        <p:spPr>
+          <a:xfrm>
+            <a:off x="0" y="0"/>
+            <a:ext cx="12188952" cy="6858000"/>
+          </a:xfrm>
+          <a:prstGeom prst="rect">
+            <a:avLst/>
+          </a:prstGeom>
+          <a:solidFill>
+            <a:schemeClr val="tx1"/>
+          </a:solidFill>
+          <a:ln>
+            <a:noFill/>
+          </a:ln>
+        </p:spPr>
+        <p:style>
+          <a:lnRef idx="2">
+            <a:schemeClr val="accent1">
+              <a:shade val="50000"/>
+            </a:schemeClr>
+          </a:lnRef>
+          <a:fillRef idx="1">
+            <a:schemeClr val="accent1"/>
+          </a:fillRef>
+          <a:effectRef idx="0">
+            <a:schemeClr val="accent1"/>
+          </a:effectRef>
+          <a:fontRef idx="minor">
+            <a:schemeClr val="lt1"/>
+          </a:fontRef>
+        </p:style>
+        <p:txBody>
+          <a:bodyPr rtlCol="0" anchor="ctr"/>
+          <a:lstStyle/>
+          <a:p>
+            <a:pPr algn="ctr"/>
+            <a:endParaRPr lang="en-US"/>
+          </a:p>
+        </p:txBody>
+      </p:sp>
+      <p:pic>
+        <p:nvPicPr>
+          <p:cNvPr id="18" name="Picture 17" descr="A blue and green lines on a black background&#10;&#10;Description automatically generated">
+            <a:extLst>
+              <a:ext uri="{FF2B5EF4-FFF2-40B4-BE49-F238E27FC236}">
+                <a16:creationId xmlns:a16="http://schemas.microsoft.com/office/drawing/2014/main" id="{9E2CA162-4ACE-88C3-D272-088E41436A49}"/>
+              </a:ext>
+            </a:extLst>
+          </p:cNvPr>
+          <p:cNvPicPr>
+            <a:picLocks noChangeAspect="1"/>
+          </p:cNvPicPr>
+          <p:nvPr/>
+        </p:nvPicPr>
+        <p:blipFill rotWithShape="1">
+          <a:blip r:embed="rId2">
+            <a:alphaModFix amt="40000"/>
+          </a:blip>
+          <a:srcRect t="13655" b="6840"/>
+          <a:stretch/>
+        </p:blipFill>
+        <p:spPr>
+          <a:xfrm>
+            <a:off x="20" y="10"/>
+            <a:ext cx="12191979" cy="6857990"/>
+          </a:xfrm>
+          <a:prstGeom prst="rect">
+            <a:avLst/>
+          </a:prstGeom>
+        </p:spPr>
+      </p:pic>
+      <p:sp>
+        <p:nvSpPr>
+          <p:cNvPr id="2" name="Title 1">
+            <a:extLst>
+              <a:ext uri="{FF2B5EF4-FFF2-40B4-BE49-F238E27FC236}">
+                <a16:creationId xmlns:a16="http://schemas.microsoft.com/office/drawing/2014/main" id="{61CE0095-EFE9-6204-1ACC-4BEB3E59878B}"/>
+              </a:ext>
+            </a:extLst>
+          </p:cNvPr>
+          <p:cNvSpPr>
+            <a:spLocks noGrp="1"/>
+          </p:cNvSpPr>
+          <p:nvPr>
+            <p:ph type="title"/>
+          </p:nvPr>
+        </p:nvSpPr>
+        <p:spPr>
+          <a:xfrm>
+            <a:off x="838200" y="365125"/>
+            <a:ext cx="10515600" cy="1325563"/>
+          </a:xfrm>
+        </p:spPr>
+        <p:txBody>
+          <a:bodyPr vert="horz" lIns="91440" tIns="45720" rIns="91440" bIns="45720" rtlCol="0">
+            <a:normAutofit/>
+          </a:bodyPr>
+          <a:lstStyle/>
+          <a:p>
+            <a:r>
+              <a:rPr lang="en-US" sz="5400" dirty="0" err="1">
+                <a:solidFill>
+                  <a:schemeClr val="bg1"/>
+                </a:solidFill>
+              </a:rPr>
+              <a:t>Projekt</a:t>
+            </a:r>
+            <a:r>
+              <a:rPr lang="en-US" sz="5400" dirty="0">
+                <a:solidFill>
+                  <a:schemeClr val="bg1"/>
+                </a:solidFill>
+              </a:rPr>
+              <a:t> </a:t>
+            </a:r>
+            <a:r>
+              <a:rPr lang="en-US" sz="5400" dirty="0" err="1">
+                <a:solidFill>
+                  <a:schemeClr val="bg1"/>
+                </a:solidFill>
+              </a:rPr>
+              <a:t>Profitabilität</a:t>
+            </a:r>
+            <a:endParaRPr lang="en-US" sz="5400" dirty="0">
+              <a:solidFill>
+                <a:schemeClr val="bg1"/>
+              </a:solidFill>
+            </a:endParaRPr>
+          </a:p>
+        </p:txBody>
+      </p:sp>
+      <p:sp>
+        <p:nvSpPr>
+          <p:cNvPr id="25" name="sketchy line">
+            <a:extLst>
+              <a:ext uri="{FF2B5EF4-FFF2-40B4-BE49-F238E27FC236}">
+                <a16:creationId xmlns:a16="http://schemas.microsoft.com/office/drawing/2014/main" id="{7E2BE7F7-CA89-4002-ACCE-A478AEA24F5E}"/>
+              </a:ext>
+              <a:ext uri="{C183D7F6-B498-43B3-948B-1728B52AA6E4}">
+                <adec:decorative xmlns:adec="http://schemas.microsoft.com/office/drawing/2017/decorative" val="1"/>
+              </a:ext>
+            </a:extLst>
+          </p:cNvPr>
+          <p:cNvSpPr>
+            <a:spLocks noGrp="1" noRot="1" noChangeAspect="1" noMove="1" noResize="1" noEditPoints="1" noAdjustHandles="1" noChangeArrowheads="1" noChangeShapeType="1" noTextEdit="1"/>
+          </p:cNvSpPr>
+          <p:nvPr>
+            <p:extLst>
+              <p:ext uri="{386F3935-93C4-4BCD-93E2-E3B085C9AB24}">
+                <p16:designElem xmlns:p16="http://schemas.microsoft.com/office/powerpoint/2015/main" val="1"/>
+              </p:ext>
+            </p:extLst>
+          </p:nvPr>
+        </p:nvSpPr>
+        <p:spPr>
+          <a:xfrm>
+            <a:off x="914399" y="1681544"/>
+            <a:ext cx="9692640" cy="18288"/>
+          </a:xfrm>
+          <a:custGeom>
+            <a:avLst/>
+            <a:gdLst>
+              <a:gd name="connsiteX0" fmla="*/ 0 w 9692640"/>
+              <a:gd name="connsiteY0" fmla="*/ 0 h 18288"/>
+              <a:gd name="connsiteX1" fmla="*/ 401552 w 9692640"/>
+              <a:gd name="connsiteY1" fmla="*/ 0 h 18288"/>
+              <a:gd name="connsiteX2" fmla="*/ 996957 w 9692640"/>
+              <a:gd name="connsiteY2" fmla="*/ 0 h 18288"/>
+              <a:gd name="connsiteX3" fmla="*/ 1398509 w 9692640"/>
+              <a:gd name="connsiteY3" fmla="*/ 0 h 18288"/>
+              <a:gd name="connsiteX4" fmla="*/ 2090841 w 9692640"/>
+              <a:gd name="connsiteY4" fmla="*/ 0 h 18288"/>
+              <a:gd name="connsiteX5" fmla="*/ 2686246 w 9692640"/>
+              <a:gd name="connsiteY5" fmla="*/ 0 h 18288"/>
+              <a:gd name="connsiteX6" fmla="*/ 3475504 w 9692640"/>
+              <a:gd name="connsiteY6" fmla="*/ 0 h 18288"/>
+              <a:gd name="connsiteX7" fmla="*/ 4361688 w 9692640"/>
+              <a:gd name="connsiteY7" fmla="*/ 0 h 18288"/>
+              <a:gd name="connsiteX8" fmla="*/ 5054019 w 9692640"/>
+              <a:gd name="connsiteY8" fmla="*/ 0 h 18288"/>
+              <a:gd name="connsiteX9" fmla="*/ 5940204 w 9692640"/>
+              <a:gd name="connsiteY9" fmla="*/ 0 h 18288"/>
+              <a:gd name="connsiteX10" fmla="*/ 6632535 w 9692640"/>
+              <a:gd name="connsiteY10" fmla="*/ 0 h 18288"/>
+              <a:gd name="connsiteX11" fmla="*/ 7034087 w 9692640"/>
+              <a:gd name="connsiteY11" fmla="*/ 0 h 18288"/>
+              <a:gd name="connsiteX12" fmla="*/ 7532566 w 9692640"/>
+              <a:gd name="connsiteY12" fmla="*/ 0 h 18288"/>
+              <a:gd name="connsiteX13" fmla="*/ 8418750 w 9692640"/>
+              <a:gd name="connsiteY13" fmla="*/ 0 h 18288"/>
+              <a:gd name="connsiteX14" fmla="*/ 9692640 w 9692640"/>
+              <a:gd name="connsiteY14" fmla="*/ 0 h 18288"/>
+              <a:gd name="connsiteX15" fmla="*/ 9692640 w 9692640"/>
+              <a:gd name="connsiteY15" fmla="*/ 18288 h 18288"/>
+              <a:gd name="connsiteX16" fmla="*/ 9000309 w 9692640"/>
+              <a:gd name="connsiteY16" fmla="*/ 18288 h 18288"/>
+              <a:gd name="connsiteX17" fmla="*/ 8307977 w 9692640"/>
+              <a:gd name="connsiteY17" fmla="*/ 18288 h 18288"/>
+              <a:gd name="connsiteX18" fmla="*/ 7712572 w 9692640"/>
+              <a:gd name="connsiteY18" fmla="*/ 18288 h 18288"/>
+              <a:gd name="connsiteX19" fmla="*/ 7214093 w 9692640"/>
+              <a:gd name="connsiteY19" fmla="*/ 18288 h 18288"/>
+              <a:gd name="connsiteX20" fmla="*/ 6327909 w 9692640"/>
+              <a:gd name="connsiteY20" fmla="*/ 18288 h 18288"/>
+              <a:gd name="connsiteX21" fmla="*/ 5635578 w 9692640"/>
+              <a:gd name="connsiteY21" fmla="*/ 18288 h 18288"/>
+              <a:gd name="connsiteX22" fmla="*/ 4846320 w 9692640"/>
+              <a:gd name="connsiteY22" fmla="*/ 18288 h 18288"/>
+              <a:gd name="connsiteX23" fmla="*/ 4444768 w 9692640"/>
+              <a:gd name="connsiteY23" fmla="*/ 18288 h 18288"/>
+              <a:gd name="connsiteX24" fmla="*/ 3946289 w 9692640"/>
+              <a:gd name="connsiteY24" fmla="*/ 18288 h 18288"/>
+              <a:gd name="connsiteX25" fmla="*/ 3253958 w 9692640"/>
+              <a:gd name="connsiteY25" fmla="*/ 18288 h 18288"/>
+              <a:gd name="connsiteX26" fmla="*/ 2464700 w 9692640"/>
+              <a:gd name="connsiteY26" fmla="*/ 18288 h 18288"/>
+              <a:gd name="connsiteX27" fmla="*/ 2063148 w 9692640"/>
+              <a:gd name="connsiteY27" fmla="*/ 18288 h 18288"/>
+              <a:gd name="connsiteX28" fmla="*/ 1661595 w 9692640"/>
+              <a:gd name="connsiteY28" fmla="*/ 18288 h 18288"/>
+              <a:gd name="connsiteX29" fmla="*/ 969264 w 9692640"/>
+              <a:gd name="connsiteY29" fmla="*/ 18288 h 18288"/>
+              <a:gd name="connsiteX30" fmla="*/ 0 w 9692640"/>
+              <a:gd name="connsiteY30" fmla="*/ 18288 h 18288"/>
+              <a:gd name="connsiteX31" fmla="*/ 0 w 9692640"/>
+              <a:gd name="connsiteY31" fmla="*/ 0 h 18288"/>
+            </a:gdLst>
+            <a:ahLst/>
+            <a:cxnLst>
+              <a:cxn ang="0">
+                <a:pos x="connsiteX0" y="connsiteY0"/>
+              </a:cxn>
+              <a:cxn ang="0">
+                <a:pos x="connsiteX1" y="connsiteY1"/>
+              </a:cxn>
+              <a:cxn ang="0">
+                <a:pos x="connsiteX2" y="connsiteY2"/>
+              </a:cxn>
+              <a:cxn ang="0">
+                <a:pos x="connsiteX3" y="connsiteY3"/>
+              </a:cxn>
+              <a:cxn ang="0">
+                <a:pos x="connsiteX4" y="connsiteY4"/>
+              </a:cxn>
+              <a:cxn ang="0">
+                <a:pos x="connsiteX5" y="connsiteY5"/>
+              </a:cxn>
+              <a:cxn ang="0">
+                <a:pos x="connsiteX6" y="connsiteY6"/>
+              </a:cxn>
+              <a:cxn ang="0">
+                <a:pos x="connsiteX7" y="connsiteY7"/>
+              </a:cxn>
+              <a:cxn ang="0">
+                <a:pos x="connsiteX8" y="connsiteY8"/>
+              </a:cxn>
+              <a:cxn ang="0">
+                <a:pos x="connsiteX9" y="connsiteY9"/>
+              </a:cxn>
+              <a:cxn ang="0">
+                <a:pos x="connsiteX10" y="connsiteY10"/>
+              </a:cxn>
+              <a:cxn ang="0">
+                <a:pos x="connsiteX11" y="connsiteY11"/>
+              </a:cxn>
+              <a:cxn ang="0">
+                <a:pos x="connsiteX12" y="connsiteY12"/>
+              </a:cxn>
+              <a:cxn ang="0">
+                <a:pos x="connsiteX13" y="connsiteY13"/>
+              </a:cxn>
+              <a:cxn ang="0">
+                <a:pos x="connsiteX14" y="connsiteY14"/>
+              </a:cxn>
+              <a:cxn ang="0">
+                <a:pos x="connsiteX15" y="connsiteY15"/>
+              </a:cxn>
+              <a:cxn ang="0">
+                <a:pos x="connsiteX16" y="connsiteY16"/>
+              </a:cxn>
+              <a:cxn ang="0">
+                <a:pos x="connsiteX17" y="connsiteY17"/>
+              </a:cxn>
+              <a:cxn ang="0">
+                <a:pos x="connsiteX18" y="connsiteY18"/>
+              </a:cxn>
+              <a:cxn ang="0">
+                <a:pos x="connsiteX19" y="connsiteY19"/>
+              </a:cxn>
+              <a:cxn ang="0">
+                <a:pos x="connsiteX20" y="connsiteY20"/>
+              </a:cxn>
+              <a:cxn ang="0">
+                <a:pos x="connsiteX21" y="connsiteY21"/>
+              </a:cxn>
+              <a:cxn ang="0">
+                <a:pos x="connsiteX22" y="connsiteY22"/>
+              </a:cxn>
+              <a:cxn ang="0">
+                <a:pos x="connsiteX23" y="connsiteY23"/>
+              </a:cxn>
+              <a:cxn ang="0">
+                <a:pos x="connsiteX24" y="connsiteY24"/>
+              </a:cxn>
+              <a:cxn ang="0">
+                <a:pos x="connsiteX25" y="connsiteY25"/>
+              </a:cxn>
+              <a:cxn ang="0">
+                <a:pos x="connsiteX26" y="connsiteY26"/>
+              </a:cxn>
+              <a:cxn ang="0">
+                <a:pos x="connsiteX27" y="connsiteY27"/>
+              </a:cxn>
+              <a:cxn ang="0">
+                <a:pos x="connsiteX28" y="connsiteY28"/>
+              </a:cxn>
+              <a:cxn ang="0">
+                <a:pos x="connsiteX29" y="connsiteY29"/>
+              </a:cxn>
+              <a:cxn ang="0">
+                <a:pos x="connsiteX30" y="connsiteY30"/>
+              </a:cxn>
+              <a:cxn ang="0">
+                <a:pos x="connsiteX31" y="connsiteY31"/>
+              </a:cxn>
+            </a:cxnLst>
+            <a:rect l="l" t="t" r="r" b="b"/>
+            <a:pathLst>
+              <a:path w="9692640" h="18288" fill="none" extrusionOk="0">
+                <a:moveTo>
+                  <a:pt x="0" y="0"/>
+                </a:moveTo>
+                <a:cubicBezTo>
+                  <a:pt x="142992" y="4732"/>
+                  <a:pt x="265909" y="-3365"/>
+                  <a:pt x="401552" y="0"/>
+                </a:cubicBezTo>
+                <a:cubicBezTo>
+                  <a:pt x="537195" y="3365"/>
+                  <a:pt x="738153" y="6482"/>
+                  <a:pt x="996957" y="0"/>
+                </a:cubicBezTo>
+                <a:cubicBezTo>
+                  <a:pt x="1255762" y="-6482"/>
+                  <a:pt x="1280511" y="12509"/>
+                  <a:pt x="1398509" y="0"/>
+                </a:cubicBezTo>
+                <a:cubicBezTo>
+                  <a:pt x="1516507" y="-12509"/>
+                  <a:pt x="1782573" y="-31523"/>
+                  <a:pt x="2090841" y="0"/>
+                </a:cubicBezTo>
+                <a:cubicBezTo>
+                  <a:pt x="2399109" y="31523"/>
+                  <a:pt x="2488380" y="26286"/>
+                  <a:pt x="2686246" y="0"/>
+                </a:cubicBezTo>
+                <a:cubicBezTo>
+                  <a:pt x="2884112" y="-26286"/>
+                  <a:pt x="3186024" y="-14734"/>
+                  <a:pt x="3475504" y="0"/>
+                </a:cubicBezTo>
+                <a:cubicBezTo>
+                  <a:pt x="3764984" y="14734"/>
+                  <a:pt x="4053017" y="43292"/>
+                  <a:pt x="4361688" y="0"/>
+                </a:cubicBezTo>
+                <a:cubicBezTo>
+                  <a:pt x="4670359" y="-43292"/>
+                  <a:pt x="4736164" y="-729"/>
+                  <a:pt x="5054019" y="0"/>
+                </a:cubicBezTo>
+                <a:cubicBezTo>
+                  <a:pt x="5371874" y="729"/>
+                  <a:pt x="5543528" y="-22963"/>
+                  <a:pt x="5940204" y="0"/>
+                </a:cubicBezTo>
+                <a:cubicBezTo>
+                  <a:pt x="6336881" y="22963"/>
+                  <a:pt x="6423838" y="6469"/>
+                  <a:pt x="6632535" y="0"/>
+                </a:cubicBezTo>
+                <a:cubicBezTo>
+                  <a:pt x="6841232" y="-6469"/>
+                  <a:pt x="6852819" y="17036"/>
+                  <a:pt x="7034087" y="0"/>
+                </a:cubicBezTo>
+                <a:cubicBezTo>
+                  <a:pt x="7215355" y="-17036"/>
+                  <a:pt x="7313136" y="11151"/>
+                  <a:pt x="7532566" y="0"/>
+                </a:cubicBezTo>
+                <a:cubicBezTo>
+                  <a:pt x="7751996" y="-11151"/>
+                  <a:pt x="8015001" y="25614"/>
+                  <a:pt x="8418750" y="0"/>
+                </a:cubicBezTo>
+                <a:cubicBezTo>
+                  <a:pt x="8822499" y="-25614"/>
+                  <a:pt x="9163239" y="48603"/>
+                  <a:pt x="9692640" y="0"/>
+                </a:cubicBezTo>
+                <a:cubicBezTo>
+                  <a:pt x="9691955" y="4437"/>
+                  <a:pt x="9693170" y="10717"/>
+                  <a:pt x="9692640" y="18288"/>
+                </a:cubicBezTo>
+                <a:cubicBezTo>
+                  <a:pt x="9545125" y="42172"/>
+                  <a:pt x="9164259" y="6706"/>
+                  <a:pt x="9000309" y="18288"/>
+                </a:cubicBezTo>
+                <a:cubicBezTo>
+                  <a:pt x="8836359" y="29870"/>
+                  <a:pt x="8521035" y="-14108"/>
+                  <a:pt x="8307977" y="18288"/>
+                </a:cubicBezTo>
+                <a:cubicBezTo>
+                  <a:pt x="8094919" y="50684"/>
+                  <a:pt x="7881757" y="11235"/>
+                  <a:pt x="7712572" y="18288"/>
+                </a:cubicBezTo>
+                <a:cubicBezTo>
+                  <a:pt x="7543387" y="25341"/>
+                  <a:pt x="7358861" y="20625"/>
+                  <a:pt x="7214093" y="18288"/>
+                </a:cubicBezTo>
+                <a:cubicBezTo>
+                  <a:pt x="7069325" y="15951"/>
+                  <a:pt x="6523705" y="52160"/>
+                  <a:pt x="6327909" y="18288"/>
+                </a:cubicBezTo>
+                <a:cubicBezTo>
+                  <a:pt x="6132113" y="-15584"/>
+                  <a:pt x="5923847" y="21204"/>
+                  <a:pt x="5635578" y="18288"/>
+                </a:cubicBezTo>
+                <a:cubicBezTo>
+                  <a:pt x="5347309" y="15372"/>
+                  <a:pt x="5114749" y="50642"/>
+                  <a:pt x="4846320" y="18288"/>
+                </a:cubicBezTo>
+                <a:cubicBezTo>
+                  <a:pt x="4577891" y="-14066"/>
+                  <a:pt x="4576701" y="1487"/>
+                  <a:pt x="4444768" y="18288"/>
+                </a:cubicBezTo>
+                <a:cubicBezTo>
+                  <a:pt x="4312835" y="35089"/>
+                  <a:pt x="4112575" y="15158"/>
+                  <a:pt x="3946289" y="18288"/>
+                </a:cubicBezTo>
+                <a:cubicBezTo>
+                  <a:pt x="3780003" y="21418"/>
+                  <a:pt x="3396009" y="18797"/>
+                  <a:pt x="3253958" y="18288"/>
+                </a:cubicBezTo>
+                <a:cubicBezTo>
+                  <a:pt x="3111907" y="17779"/>
+                  <a:pt x="2760272" y="57223"/>
+                  <a:pt x="2464700" y="18288"/>
+                </a:cubicBezTo>
+                <a:cubicBezTo>
+                  <a:pt x="2169128" y="-20647"/>
+                  <a:pt x="2232262" y="7960"/>
+                  <a:pt x="2063148" y="18288"/>
+                </a:cubicBezTo>
+                <a:cubicBezTo>
+                  <a:pt x="1894034" y="28616"/>
+                  <a:pt x="1799338" y="3019"/>
+                  <a:pt x="1661595" y="18288"/>
+                </a:cubicBezTo>
+                <a:cubicBezTo>
+                  <a:pt x="1523852" y="33557"/>
+                  <a:pt x="1113928" y="-4352"/>
+                  <a:pt x="969264" y="18288"/>
+                </a:cubicBezTo>
+                <a:cubicBezTo>
+                  <a:pt x="824600" y="40928"/>
+                  <a:pt x="356149" y="-3128"/>
+                  <a:pt x="0" y="18288"/>
+                </a:cubicBezTo>
+                <a:cubicBezTo>
+                  <a:pt x="-540" y="12521"/>
+                  <a:pt x="894" y="7749"/>
+                  <a:pt x="0" y="0"/>
+                </a:cubicBezTo>
+                <a:close/>
+              </a:path>
+              <a:path w="9692640" h="18288" stroke="0" extrusionOk="0">
+                <a:moveTo>
+                  <a:pt x="0" y="0"/>
+                </a:moveTo>
+                <a:cubicBezTo>
+                  <a:pt x="162642" y="3864"/>
+                  <a:pt x="346119" y="-18364"/>
+                  <a:pt x="498479" y="0"/>
+                </a:cubicBezTo>
+                <a:cubicBezTo>
+                  <a:pt x="650839" y="18364"/>
+                  <a:pt x="712065" y="-9389"/>
+                  <a:pt x="900031" y="0"/>
+                </a:cubicBezTo>
+                <a:cubicBezTo>
+                  <a:pt x="1087997" y="9389"/>
+                  <a:pt x="1177291" y="3685"/>
+                  <a:pt x="1398509" y="0"/>
+                </a:cubicBezTo>
+                <a:cubicBezTo>
+                  <a:pt x="1619727" y="-3685"/>
+                  <a:pt x="1874008" y="-8897"/>
+                  <a:pt x="2090841" y="0"/>
+                </a:cubicBezTo>
+                <a:cubicBezTo>
+                  <a:pt x="2307674" y="8897"/>
+                  <a:pt x="2573432" y="-313"/>
+                  <a:pt x="2880099" y="0"/>
+                </a:cubicBezTo>
+                <a:cubicBezTo>
+                  <a:pt x="3186766" y="313"/>
+                  <a:pt x="3422577" y="10664"/>
+                  <a:pt x="3766283" y="0"/>
+                </a:cubicBezTo>
+                <a:cubicBezTo>
+                  <a:pt x="4109989" y="-10664"/>
+                  <a:pt x="4342683" y="-32873"/>
+                  <a:pt x="4652467" y="0"/>
+                </a:cubicBezTo>
+                <a:cubicBezTo>
+                  <a:pt x="4962251" y="32873"/>
+                  <a:pt x="5122120" y="29155"/>
+                  <a:pt x="5247872" y="0"/>
+                </a:cubicBezTo>
+                <a:cubicBezTo>
+                  <a:pt x="5373625" y="-29155"/>
+                  <a:pt x="5749491" y="1706"/>
+                  <a:pt x="6037130" y="0"/>
+                </a:cubicBezTo>
+                <a:cubicBezTo>
+                  <a:pt x="6324769" y="-1706"/>
+                  <a:pt x="6531407" y="1172"/>
+                  <a:pt x="6729461" y="0"/>
+                </a:cubicBezTo>
+                <a:cubicBezTo>
+                  <a:pt x="6927515" y="-1172"/>
+                  <a:pt x="7096794" y="-1520"/>
+                  <a:pt x="7324867" y="0"/>
+                </a:cubicBezTo>
+                <a:cubicBezTo>
+                  <a:pt x="7552940" y="1520"/>
+                  <a:pt x="7878827" y="-17110"/>
+                  <a:pt x="8114124" y="0"/>
+                </a:cubicBezTo>
+                <a:cubicBezTo>
+                  <a:pt x="8349421" y="17110"/>
+                  <a:pt x="8334208" y="15114"/>
+                  <a:pt x="8515677" y="0"/>
+                </a:cubicBezTo>
+                <a:cubicBezTo>
+                  <a:pt x="8697146" y="-15114"/>
+                  <a:pt x="9236164" y="22466"/>
+                  <a:pt x="9692640" y="0"/>
+                </a:cubicBezTo>
+                <a:cubicBezTo>
+                  <a:pt x="9692735" y="8251"/>
+                  <a:pt x="9692514" y="12333"/>
+                  <a:pt x="9692640" y="18288"/>
+                </a:cubicBezTo>
+                <a:cubicBezTo>
+                  <a:pt x="9410102" y="47398"/>
+                  <a:pt x="9172773" y="7109"/>
+                  <a:pt x="9000309" y="18288"/>
+                </a:cubicBezTo>
+                <a:cubicBezTo>
+                  <a:pt x="8827845" y="29467"/>
+                  <a:pt x="8713608" y="28372"/>
+                  <a:pt x="8501830" y="18288"/>
+                </a:cubicBezTo>
+                <a:cubicBezTo>
+                  <a:pt x="8290052" y="8204"/>
+                  <a:pt x="7893416" y="3561"/>
+                  <a:pt x="7712572" y="18288"/>
+                </a:cubicBezTo>
+                <a:cubicBezTo>
+                  <a:pt x="7531728" y="33015"/>
+                  <a:pt x="7480716" y="17052"/>
+                  <a:pt x="7311020" y="18288"/>
+                </a:cubicBezTo>
+                <a:cubicBezTo>
+                  <a:pt x="7141324" y="19524"/>
+                  <a:pt x="6962706" y="15975"/>
+                  <a:pt x="6618688" y="18288"/>
+                </a:cubicBezTo>
+                <a:cubicBezTo>
+                  <a:pt x="6274670" y="20601"/>
+                  <a:pt x="6230664" y="-1692"/>
+                  <a:pt x="6120210" y="18288"/>
+                </a:cubicBezTo>
+                <a:cubicBezTo>
+                  <a:pt x="6009756" y="38268"/>
+                  <a:pt x="5442516" y="28115"/>
+                  <a:pt x="5234026" y="18288"/>
+                </a:cubicBezTo>
+                <a:cubicBezTo>
+                  <a:pt x="5025536" y="8461"/>
+                  <a:pt x="4953693" y="18182"/>
+                  <a:pt x="4832473" y="18288"/>
+                </a:cubicBezTo>
+                <a:cubicBezTo>
+                  <a:pt x="4711253" y="18394"/>
+                  <a:pt x="4414565" y="-11251"/>
+                  <a:pt x="4140142" y="18288"/>
+                </a:cubicBezTo>
+                <a:cubicBezTo>
+                  <a:pt x="3865719" y="47827"/>
+                  <a:pt x="3819081" y="16772"/>
+                  <a:pt x="3738590" y="18288"/>
+                </a:cubicBezTo>
+                <a:cubicBezTo>
+                  <a:pt x="3658099" y="19804"/>
+                  <a:pt x="3427576" y="1385"/>
+                  <a:pt x="3240111" y="18288"/>
+                </a:cubicBezTo>
+                <a:cubicBezTo>
+                  <a:pt x="3052646" y="35191"/>
+                  <a:pt x="2749652" y="-13914"/>
+                  <a:pt x="2450853" y="18288"/>
+                </a:cubicBezTo>
+                <a:cubicBezTo>
+                  <a:pt x="2152054" y="50490"/>
+                  <a:pt x="1928331" y="61101"/>
+                  <a:pt x="1564669" y="18288"/>
+                </a:cubicBezTo>
+                <a:cubicBezTo>
+                  <a:pt x="1201007" y="-24525"/>
+                  <a:pt x="1217828" y="-275"/>
+                  <a:pt x="1066190" y="18288"/>
+                </a:cubicBezTo>
+                <a:cubicBezTo>
+                  <a:pt x="914552" y="36851"/>
+                  <a:pt x="418290" y="-14785"/>
+                  <a:pt x="0" y="18288"/>
+                </a:cubicBezTo>
+                <a:cubicBezTo>
+                  <a:pt x="641" y="14236"/>
+                  <a:pt x="889" y="7550"/>
+                  <a:pt x="0" y="0"/>
+                </a:cubicBezTo>
+                <a:close/>
+              </a:path>
+            </a:pathLst>
+          </a:custGeom>
+          <a:solidFill>
+            <a:srgbClr val="FFFFFF">
+              <a:alpha val="75000"/>
+            </a:srgbClr>
+          </a:solidFill>
+          <a:ln w="44450" cap="rnd">
+            <a:solidFill>
+              <a:schemeClr val="bg1">
+                <a:alpha val="75000"/>
+              </a:schemeClr>
+            </a:solidFill>
+            <a:round/>
+            <a:extLst>
+              <a:ext uri="{C807C97D-BFC1-408E-A445-0C87EB9F89A2}">
+                <ask:lineSketchStyleProps xmlns:ask="http://schemas.microsoft.com/office/drawing/2018/sketchyshapes" sd="2727557108">
+                  <a:prstGeom prst="rect">
+                    <a:avLst/>
+                  </a:prstGeom>
+                  <ask:type>
+                    <ask:lineSketchFreehand/>
+                  </ask:type>
+                </ask:lineSketchStyleProps>
+              </a:ext>
+            </a:extLst>
+          </a:ln>
+        </p:spPr>
+        <p:style>
+          <a:lnRef idx="2">
+            <a:schemeClr val="accent1">
+              <a:shade val="50000"/>
+            </a:schemeClr>
+          </a:lnRef>
+          <a:fillRef idx="1">
+            <a:schemeClr val="accent1"/>
+          </a:fillRef>
+          <a:effectRef idx="0">
+            <a:schemeClr val="accent1"/>
+          </a:effectRef>
+          <a:fontRef idx="minor">
+            <a:schemeClr val="lt1"/>
+          </a:fontRef>
+        </p:style>
+        <p:txBody>
+          <a:bodyPr rtlCol="0" anchor="ctr"/>
+          <a:lstStyle/>
+          <a:p>
+            <a:pPr algn="ctr"/>
+            <a:endParaRPr lang="en-US"/>
+          </a:p>
+        </p:txBody>
+      </p:sp>
       <p:sp>
         <p:nvSpPr>
           <p:cNvPr id="3" name="Subtitle 2">
@@ -12625,7 +13926,7 @@
           <a:p>
             <a:fld id="{13C740AA-7824-4996-A9A9-B0E74C888E41}" type="slidenum">
               <a:rPr lang="de-DE" smtClean="0"/>
-              <a:t>17</a:t>
+              <a:t>18</a:t>
             </a:fld>
             <a:endParaRPr lang="de-DE"/>
           </a:p>
@@ -12887,6 +14188,25 @@
                 </a:solidFill>
               </a:rPr>
               <a:t>Rollenkonzept</a:t>
+            </a:r>
+            <a:endParaRPr lang="en-US" dirty="0">
+              <a:solidFill>
+                <a:schemeClr val="bg1"/>
+              </a:solidFill>
+            </a:endParaRPr>
+          </a:p>
+          <a:p>
+            <a:pPr marL="342900" indent="-342900">
+              <a:buFont typeface="Arial" panose="020B0604020202020204" pitchFamily="34" charset="0"/>
+              <a:buChar char="•"/>
+            </a:pPr>
+            <a:r>
+              <a:rPr lang="en-US" dirty="0" err="1">
+                <a:solidFill>
+                  <a:schemeClr val="bg1"/>
+                </a:solidFill>
+              </a:rPr>
+              <a:t>Datenbankmodell</a:t>
             </a:r>
             <a:endParaRPr lang="en-US" dirty="0">
               <a:solidFill>
@@ -18805,7 +20125,7 @@
         <p:spPr>
           <a:xfrm>
             <a:off x="9664930" y="1995302"/>
-            <a:ext cx="2472297" cy="3416320"/>
+            <a:ext cx="2472297" cy="3970318"/>
           </a:xfrm>
           <a:prstGeom prst="rect">
             <a:avLst/>
@@ -18916,6 +20236,36 @@
               </a:rPr>
               <a:t>Rollenkonzept</a:t>
             </a:r>
+          </a:p>
+          <a:p>
+            <a:pPr marL="285750" indent="-285750">
+              <a:buFont typeface="Arial" panose="020B0604020202020204" pitchFamily="34" charset="0"/>
+              <a:buChar char="•"/>
+            </a:pPr>
+            <a:endParaRPr lang="de-DE" dirty="0">
+              <a:solidFill>
+                <a:schemeClr val="bg1"/>
+              </a:solidFill>
+            </a:endParaRPr>
+          </a:p>
+          <a:p>
+            <a:pPr marL="285750" indent="-285750">
+              <a:buFont typeface="Arial" panose="020B0604020202020204" pitchFamily="34" charset="0"/>
+              <a:buChar char="•"/>
+            </a:pPr>
+            <a:r>
+              <a:rPr lang="en-US" dirty="0" err="1">
+                <a:solidFill>
+                  <a:schemeClr val="bg1"/>
+                </a:solidFill>
+              </a:rPr>
+              <a:t>Datenbankmodell</a:t>
+            </a:r>
+            <a:endParaRPr lang="de-DE" dirty="0">
+              <a:solidFill>
+                <a:schemeClr val="bg1"/>
+              </a:solidFill>
+            </a:endParaRPr>
           </a:p>
           <a:p>
             <a:pPr marL="285750" indent="-285750">
@@ -20225,7 +21575,7 @@
         <p:spPr>
           <a:xfrm>
             <a:off x="9664930" y="1995302"/>
-            <a:ext cx="2472297" cy="3416320"/>
+            <a:ext cx="2472297" cy="3970318"/>
           </a:xfrm>
           <a:prstGeom prst="rect">
             <a:avLst/>
@@ -20336,6 +21686,36 @@
               </a:rPr>
               <a:t>Rollenkonzept</a:t>
             </a:r>
+          </a:p>
+          <a:p>
+            <a:pPr marL="285750" indent="-285750">
+              <a:buFont typeface="Arial" panose="020B0604020202020204" pitchFamily="34" charset="0"/>
+              <a:buChar char="•"/>
+            </a:pPr>
+            <a:endParaRPr lang="de-DE" dirty="0">
+              <a:solidFill>
+                <a:schemeClr val="bg1"/>
+              </a:solidFill>
+            </a:endParaRPr>
+          </a:p>
+          <a:p>
+            <a:pPr marL="285750" indent="-285750">
+              <a:buFont typeface="Arial" panose="020B0604020202020204" pitchFamily="34" charset="0"/>
+              <a:buChar char="•"/>
+            </a:pPr>
+            <a:r>
+              <a:rPr lang="en-US" dirty="0" err="1">
+                <a:solidFill>
+                  <a:schemeClr val="bg1"/>
+                </a:solidFill>
+              </a:rPr>
+              <a:t>Datenbankmodell</a:t>
+            </a:r>
+            <a:endParaRPr lang="de-DE" dirty="0">
+              <a:solidFill>
+                <a:schemeClr val="bg1"/>
+              </a:solidFill>
+            </a:endParaRPr>
           </a:p>
           <a:p>
             <a:pPr marL="285750" indent="-285750">
@@ -21332,7 +22712,7 @@
         <p:spPr>
           <a:xfrm>
             <a:off x="9664930" y="1995302"/>
-            <a:ext cx="2472297" cy="3416320"/>
+            <a:ext cx="2472297" cy="3970318"/>
           </a:xfrm>
           <a:prstGeom prst="rect">
             <a:avLst/>
@@ -21443,6 +22823,36 @@
               </a:rPr>
               <a:t>Rollenkonzept</a:t>
             </a:r>
+          </a:p>
+          <a:p>
+            <a:pPr marL="285750" indent="-285750">
+              <a:buFont typeface="Arial" panose="020B0604020202020204" pitchFamily="34" charset="0"/>
+              <a:buChar char="•"/>
+            </a:pPr>
+            <a:endParaRPr lang="de-DE" dirty="0">
+              <a:solidFill>
+                <a:schemeClr val="bg1"/>
+              </a:solidFill>
+            </a:endParaRPr>
+          </a:p>
+          <a:p>
+            <a:pPr marL="285750" indent="-285750">
+              <a:buFont typeface="Arial" panose="020B0604020202020204" pitchFamily="34" charset="0"/>
+              <a:buChar char="•"/>
+            </a:pPr>
+            <a:r>
+              <a:rPr lang="en-US" dirty="0" err="1">
+                <a:solidFill>
+                  <a:schemeClr val="bg1"/>
+                </a:solidFill>
+              </a:rPr>
+              <a:t>Datenbankmodell</a:t>
+            </a:r>
+            <a:endParaRPr lang="de-DE" dirty="0">
+              <a:solidFill>
+                <a:schemeClr val="bg1"/>
+              </a:solidFill>
+            </a:endParaRPr>
           </a:p>
           <a:p>
             <a:pPr marL="285750" indent="-285750">
@@ -22727,7 +24137,7 @@
         <p:spPr>
           <a:xfrm>
             <a:off x="9664930" y="1995302"/>
-            <a:ext cx="2472297" cy="3416320"/>
+            <a:ext cx="2472297" cy="3970318"/>
           </a:xfrm>
           <a:prstGeom prst="rect">
             <a:avLst/>
@@ -22838,6 +24248,36 @@
               </a:rPr>
               <a:t>Rollenkonzept</a:t>
             </a:r>
+          </a:p>
+          <a:p>
+            <a:pPr marL="285750" indent="-285750">
+              <a:buFont typeface="Arial" panose="020B0604020202020204" pitchFamily="34" charset="0"/>
+              <a:buChar char="•"/>
+            </a:pPr>
+            <a:endParaRPr lang="de-DE" dirty="0">
+              <a:solidFill>
+                <a:schemeClr val="bg1"/>
+              </a:solidFill>
+            </a:endParaRPr>
+          </a:p>
+          <a:p>
+            <a:pPr marL="285750" indent="-285750">
+              <a:buFont typeface="Arial" panose="020B0604020202020204" pitchFamily="34" charset="0"/>
+              <a:buChar char="•"/>
+            </a:pPr>
+            <a:r>
+              <a:rPr lang="en-US" dirty="0" err="1">
+                <a:solidFill>
+                  <a:schemeClr val="bg1"/>
+                </a:solidFill>
+              </a:rPr>
+              <a:t>Datenbankmodell</a:t>
+            </a:r>
+            <a:endParaRPr lang="de-DE" dirty="0">
+              <a:solidFill>
+                <a:schemeClr val="bg1"/>
+              </a:solidFill>
+            </a:endParaRPr>
           </a:p>
           <a:p>
             <a:pPr marL="285750" indent="-285750">
@@ -23152,7 +24592,7 @@
                   <a:schemeClr val="bg1"/>
                 </a:solidFill>
               </a:rPr>
-              <a:t>Klassendiagramm</a:t>
+              <a:t>Datenbankmodell</a:t>
             </a:r>
             <a:endParaRPr lang="en-US" sz="5400" dirty="0">
               <a:solidFill>
@@ -23736,7 +25176,7 @@
       </p:sp>
       <p:pic>
         <p:nvPicPr>
-          <p:cNvPr id="7" name="Content Placeholder 6" descr="A computer screen shot of a computer program&#10;&#10;Description automatically generated">
+          <p:cNvPr id="7" name="Content Placeholder 6">
             <a:extLst>
               <a:ext uri="{FF2B5EF4-FFF2-40B4-BE49-F238E27FC236}">
                 <a16:creationId xmlns:a16="http://schemas.microsoft.com/office/drawing/2014/main" id="{7B0877E4-759C-304D-C8C7-6CDB76983348}"/>
@@ -23758,14 +25198,13 @@
               </a:ext>
             </a:extLst>
           </a:blip>
-          <a:stretch>
-            <a:fillRect/>
-          </a:stretch>
+          <a:srcRect/>
+          <a:stretch/>
         </p:blipFill>
         <p:spPr>
           <a:xfrm>
-            <a:off x="1076324" y="1843024"/>
-            <a:ext cx="7835899" cy="5014976"/>
+            <a:off x="1120745" y="1847596"/>
+            <a:ext cx="7149899" cy="5014976"/>
           </a:xfrm>
         </p:spPr>
       </p:pic>
@@ -23784,7 +25223,7 @@
         <p:spPr>
           <a:xfrm>
             <a:off x="9664930" y="1995302"/>
-            <a:ext cx="2472297" cy="3416320"/>
+            <a:ext cx="2472297" cy="3970318"/>
           </a:xfrm>
           <a:prstGeom prst="rect">
             <a:avLst/>
@@ -23895,6 +25334,36 @@
               </a:rPr>
               <a:t>Rollenkonzept</a:t>
             </a:r>
+          </a:p>
+          <a:p>
+            <a:pPr marL="285750" indent="-285750">
+              <a:buFont typeface="Arial" panose="020B0604020202020204" pitchFamily="34" charset="0"/>
+              <a:buChar char="•"/>
+            </a:pPr>
+            <a:endParaRPr lang="de-DE" dirty="0">
+              <a:solidFill>
+                <a:schemeClr val="bg1"/>
+              </a:solidFill>
+            </a:endParaRPr>
+          </a:p>
+          <a:p>
+            <a:pPr marL="285750" indent="-285750">
+              <a:buFont typeface="Arial" panose="020B0604020202020204" pitchFamily="34" charset="0"/>
+              <a:buChar char="•"/>
+            </a:pPr>
+            <a:r>
+              <a:rPr lang="en-US" dirty="0" err="1">
+                <a:solidFill>
+                  <a:schemeClr val="bg1"/>
+                </a:solidFill>
+              </a:rPr>
+              <a:t>Datenbankmodell</a:t>
+            </a:r>
+            <a:endParaRPr lang="de-DE" dirty="0">
+              <a:solidFill>
+                <a:schemeClr val="bg1"/>
+              </a:solidFill>
+            </a:endParaRPr>
           </a:p>
           <a:p>
             <a:pPr marL="285750" indent="-285750">
@@ -24034,20 +25503,20 @@
     </p:spTree>
     <p:extLst>
       <p:ext uri="{BB962C8B-B14F-4D97-AF65-F5344CB8AC3E}">
-        <p14:creationId xmlns:p14="http://schemas.microsoft.com/office/powerpoint/2010/main" val="315742514"/>
+        <p14:creationId xmlns:p14="http://schemas.microsoft.com/office/powerpoint/2010/main" val="589537379"/>
       </p:ext>
     </p:extLst>
   </p:cSld>
   <p:clrMapOvr>
     <a:masterClrMapping/>
   </p:clrMapOvr>
-  <mc:AlternateContent xmlns:mc="http://schemas.openxmlformats.org/markup-compatibility/2006" xmlns:p159="http://schemas.microsoft.com/office/powerpoint/2015/09/main">
-    <mc:Choice Requires="p159">
+  <mc:AlternateContent xmlns:mc="http://schemas.openxmlformats.org/markup-compatibility/2006">
+    <mc:Choice xmlns:p159="http://schemas.microsoft.com/office/powerpoint/2015/09/main" Requires="p159">
       <p:transition spd="med">
         <p159:morph option="byObject"/>
       </p:transition>
     </mc:Choice>
-    <mc:Fallback xmlns="">
+    <mc:Fallback>
       <p:transition spd="med">
         <p:fade/>
       </p:transition>
@@ -24167,7 +25636,7 @@
         </p:blipFill>
         <p:spPr>
           <a:xfrm>
-            <a:off x="20" y="10"/>
+            <a:off x="-3027" y="10"/>
             <a:ext cx="12191979" cy="6857990"/>
           </a:xfrm>
           <a:prstGeom prst="rect">
@@ -24204,13 +25673,18 @@
           <a:lstStyle/>
           <a:p>
             <a:r>
-              <a:rPr lang="en-US" sz="5400" dirty="0">
+              <a:rPr lang="en-US" sz="5400" dirty="0" err="1">
                 <a:solidFill>
                   <a:schemeClr val="bg1"/>
                 </a:solidFill>
               </a:rPr>
-              <a:t>Login</a:t>
-            </a:r>
+              <a:t>Klassendiagramm</a:t>
+            </a:r>
+            <a:endParaRPr lang="en-US" sz="5400" dirty="0">
+              <a:solidFill>
+                <a:schemeClr val="bg1"/>
+              </a:solidFill>
+            </a:endParaRPr>
           </a:p>
         </p:txBody>
       </p:sp>
@@ -24788,10 +26262,10 @@
       </p:sp>
       <p:pic>
         <p:nvPicPr>
-          <p:cNvPr id="7" name="Content Placeholder 6">
+          <p:cNvPr id="7" name="Content Placeholder 6" descr="A computer screen shot of a computer program&#10;&#10;Description automatically generated">
             <a:extLst>
               <a:ext uri="{FF2B5EF4-FFF2-40B4-BE49-F238E27FC236}">
-                <a16:creationId xmlns:a16="http://schemas.microsoft.com/office/drawing/2014/main" id="{62173EBA-DCD2-8FE9-AFB0-751CA8DB079C}"/>
+                <a16:creationId xmlns:a16="http://schemas.microsoft.com/office/drawing/2014/main" id="{7B0877E4-759C-304D-C8C7-6CDB76983348}"/>
               </a:ext>
             </a:extLst>
           </p:cNvPr>
@@ -24810,13 +26284,14 @@
               </a:ext>
             </a:extLst>
           </a:blip>
-          <a:srcRect/>
-          <a:stretch/>
+          <a:stretch>
+            <a:fillRect/>
+          </a:stretch>
         </p:blipFill>
         <p:spPr>
           <a:xfrm>
-            <a:off x="1071707" y="1995302"/>
-            <a:ext cx="7160029" cy="4306184"/>
+            <a:off x="1076324" y="1843024"/>
+            <a:ext cx="7835899" cy="5014976"/>
           </a:xfrm>
         </p:spPr>
       </p:pic>
@@ -24835,7 +26310,7 @@
         <p:spPr>
           <a:xfrm>
             <a:off x="9664930" y="1995302"/>
-            <a:ext cx="2472297" cy="3416320"/>
+            <a:ext cx="2472297" cy="3970318"/>
           </a:xfrm>
           <a:prstGeom prst="rect">
             <a:avLst/>
@@ -24946,6 +26421,36 @@
               </a:rPr>
               <a:t>Rollenkonzept</a:t>
             </a:r>
+          </a:p>
+          <a:p>
+            <a:pPr marL="285750" indent="-285750">
+              <a:buFont typeface="Arial" panose="020B0604020202020204" pitchFamily="34" charset="0"/>
+              <a:buChar char="•"/>
+            </a:pPr>
+            <a:endParaRPr lang="de-DE" dirty="0">
+              <a:solidFill>
+                <a:schemeClr val="bg1"/>
+              </a:solidFill>
+            </a:endParaRPr>
+          </a:p>
+          <a:p>
+            <a:pPr marL="285750" indent="-285750">
+              <a:buFont typeface="Arial" panose="020B0604020202020204" pitchFamily="34" charset="0"/>
+              <a:buChar char="•"/>
+            </a:pPr>
+            <a:r>
+              <a:rPr lang="en-US" dirty="0" err="1">
+                <a:solidFill>
+                  <a:schemeClr val="bg1"/>
+                </a:solidFill>
+              </a:rPr>
+              <a:t>Datenbankmodell</a:t>
+            </a:r>
+            <a:endParaRPr lang="de-DE" dirty="0">
+              <a:solidFill>
+                <a:schemeClr val="bg1"/>
+              </a:solidFill>
+            </a:endParaRPr>
           </a:p>
           <a:p>
             <a:pPr marL="285750" indent="-285750">
@@ -25033,7 +26538,7 @@
           <p:cNvPr id="8" name="Arrow: Right 7">
             <a:extLst>
               <a:ext uri="{FF2B5EF4-FFF2-40B4-BE49-F238E27FC236}">
-                <a16:creationId xmlns:a16="http://schemas.microsoft.com/office/drawing/2014/main" id="{F6F5569A-7AD7-5FF7-0777-77FB02E2A7DC}"/>
+                <a16:creationId xmlns:a16="http://schemas.microsoft.com/office/drawing/2014/main" id="{1C43825D-F686-4E31-B6AA-3D89B6E38BE0}"/>
               </a:ext>
             </a:extLst>
           </p:cNvPr>
@@ -25042,7 +26547,7 @@
         </p:nvSpPr>
         <p:spPr>
           <a:xfrm>
-            <a:off x="8992788" y="4953495"/>
+            <a:off x="8955980" y="4935155"/>
             <a:ext cx="657225" cy="482601"/>
           </a:xfrm>
           <a:prstGeom prst="rightArrow">
@@ -25085,7 +26590,7 @@
     </p:spTree>
     <p:extLst>
       <p:ext uri="{BB962C8B-B14F-4D97-AF65-F5344CB8AC3E}">
-        <p14:creationId xmlns:p14="http://schemas.microsoft.com/office/powerpoint/2010/main" val="2648727513"/>
+        <p14:creationId xmlns:p14="http://schemas.microsoft.com/office/powerpoint/2010/main" val="315742514"/>
       </p:ext>
     </p:extLst>
   </p:cSld>
@@ -25255,20 +26760,12 @@
           <a:lstStyle/>
           <a:p>
             <a:r>
-              <a:rPr lang="en-US" sz="5400" dirty="0" err="1">
-                <a:solidFill>
-                  <a:schemeClr val="bg1"/>
-                </a:solidFill>
-              </a:rPr>
-              <a:t>Übersicht</a:t>
-            </a:r>
-            <a:r>
               <a:rPr lang="en-US" sz="5400" dirty="0">
                 <a:solidFill>
                   <a:schemeClr val="bg1"/>
                 </a:solidFill>
               </a:rPr>
-              <a:t> Mitarbeiter</a:t>
+              <a:t>Login</a:t>
             </a:r>
           </a:p>
         </p:txBody>
@@ -25847,10 +27344,10 @@
       </p:sp>
       <p:pic>
         <p:nvPicPr>
-          <p:cNvPr id="7" name="Content Placeholder 6" descr="A screenshot of a computer&#10;&#10;Description automatically generated">
+          <p:cNvPr id="7" name="Content Placeholder 6">
             <a:extLst>
               <a:ext uri="{FF2B5EF4-FFF2-40B4-BE49-F238E27FC236}">
-                <a16:creationId xmlns:a16="http://schemas.microsoft.com/office/drawing/2014/main" id="{B8BC6389-CAE8-5215-7B40-1F6BD0F638F0}"/>
+                <a16:creationId xmlns:a16="http://schemas.microsoft.com/office/drawing/2014/main" id="{62173EBA-DCD2-8FE9-AFB0-751CA8DB079C}"/>
               </a:ext>
             </a:extLst>
           </p:cNvPr>
@@ -25869,14 +27366,13 @@
               </a:ext>
             </a:extLst>
           </a:blip>
-          <a:stretch>
-            <a:fillRect/>
-          </a:stretch>
+          <a:srcRect/>
+          <a:stretch/>
         </p:blipFill>
         <p:spPr>
           <a:xfrm>
-            <a:off x="1066800" y="1877500"/>
-            <a:ext cx="6829425" cy="4445498"/>
+            <a:off x="1071707" y="1995302"/>
+            <a:ext cx="7160029" cy="4306184"/>
           </a:xfrm>
         </p:spPr>
       </p:pic>
@@ -25895,7 +27391,7 @@
         <p:spPr>
           <a:xfrm>
             <a:off x="9664930" y="1995302"/>
-            <a:ext cx="2472297" cy="3416320"/>
+            <a:ext cx="2472297" cy="3970318"/>
           </a:xfrm>
           <a:prstGeom prst="rect">
             <a:avLst/>
@@ -26006,6 +27502,36 @@
               </a:rPr>
               <a:t>Rollenkonzept</a:t>
             </a:r>
+          </a:p>
+          <a:p>
+            <a:pPr marL="285750" indent="-285750">
+              <a:buFont typeface="Arial" panose="020B0604020202020204" pitchFamily="34" charset="0"/>
+              <a:buChar char="•"/>
+            </a:pPr>
+            <a:endParaRPr lang="de-DE" dirty="0">
+              <a:solidFill>
+                <a:schemeClr val="bg1"/>
+              </a:solidFill>
+            </a:endParaRPr>
+          </a:p>
+          <a:p>
+            <a:pPr marL="285750" indent="-285750">
+              <a:buFont typeface="Arial" panose="020B0604020202020204" pitchFamily="34" charset="0"/>
+              <a:buChar char="•"/>
+            </a:pPr>
+            <a:r>
+              <a:rPr lang="en-US" dirty="0" err="1">
+                <a:solidFill>
+                  <a:schemeClr val="bg1"/>
+                </a:solidFill>
+              </a:rPr>
+              <a:t>Datenbankmodell</a:t>
+            </a:r>
+            <a:endParaRPr lang="de-DE" dirty="0">
+              <a:solidFill>
+                <a:schemeClr val="bg1"/>
+              </a:solidFill>
+            </a:endParaRPr>
           </a:p>
           <a:p>
             <a:pPr marL="285750" indent="-285750">
@@ -26093,7 +27619,7 @@
           <p:cNvPr id="8" name="Arrow: Right 7">
             <a:extLst>
               <a:ext uri="{FF2B5EF4-FFF2-40B4-BE49-F238E27FC236}">
-                <a16:creationId xmlns:a16="http://schemas.microsoft.com/office/drawing/2014/main" id="{4BF26F20-A56E-5263-E53B-2FAC0F8F80CF}"/>
+                <a16:creationId xmlns:a16="http://schemas.microsoft.com/office/drawing/2014/main" id="{F6F5569A-7AD7-5FF7-0777-77FB02E2A7DC}"/>
               </a:ext>
             </a:extLst>
           </p:cNvPr>
@@ -26102,7 +27628,7 @@
         </p:nvSpPr>
         <p:spPr>
           <a:xfrm>
-            <a:off x="8992788" y="4963020"/>
+            <a:off x="9004658" y="5483019"/>
             <a:ext cx="657225" cy="482601"/>
           </a:xfrm>
           <a:prstGeom prst="rightArrow">
@@ -26145,7 +27671,7 @@
     </p:spTree>
     <p:extLst>
       <p:ext uri="{BB962C8B-B14F-4D97-AF65-F5344CB8AC3E}">
-        <p14:creationId xmlns:p14="http://schemas.microsoft.com/office/powerpoint/2010/main" val="2576272442"/>
+        <p14:creationId xmlns:p14="http://schemas.microsoft.com/office/powerpoint/2010/main" val="2648727513"/>
       </p:ext>
     </p:extLst>
   </p:cSld>
